--- a/Analyse spectrale_etienne.pptx
+++ b/Analyse spectrale_etienne.pptx
@@ -5,23 +5,28 @@
     <p:sldMasterId id="2147483648" r:id="rId2"/>
   </p:sldMasterIdLst>
   <p:notesMasterIdLst>
-    <p:notesMasterId r:id="rId14"/>
+    <p:notesMasterId r:id="rId19"/>
   </p:notesMasterIdLst>
   <p:handoutMasterIdLst>
-    <p:handoutMasterId r:id="rId15"/>
+    <p:handoutMasterId r:id="rId20"/>
   </p:handoutMasterIdLst>
   <p:sldIdLst>
     <p:sldId id="256" r:id="rId3"/>
-    <p:sldId id="257" r:id="rId4"/>
-    <p:sldId id="258" r:id="rId5"/>
-    <p:sldId id="260" r:id="rId6"/>
-    <p:sldId id="259" r:id="rId7"/>
-    <p:sldId id="261" r:id="rId8"/>
-    <p:sldId id="262" r:id="rId9"/>
-    <p:sldId id="263" r:id="rId10"/>
-    <p:sldId id="264" r:id="rId11"/>
-    <p:sldId id="265" r:id="rId12"/>
-    <p:sldId id="266" r:id="rId13"/>
+    <p:sldId id="267" r:id="rId4"/>
+    <p:sldId id="268" r:id="rId5"/>
+    <p:sldId id="269" r:id="rId6"/>
+    <p:sldId id="257" r:id="rId7"/>
+    <p:sldId id="271" r:id="rId8"/>
+    <p:sldId id="270" r:id="rId9"/>
+    <p:sldId id="258" r:id="rId10"/>
+    <p:sldId id="260" r:id="rId11"/>
+    <p:sldId id="259" r:id="rId12"/>
+    <p:sldId id="261" r:id="rId13"/>
+    <p:sldId id="262" r:id="rId14"/>
+    <p:sldId id="263" r:id="rId15"/>
+    <p:sldId id="264" r:id="rId16"/>
+    <p:sldId id="265" r:id="rId17"/>
+    <p:sldId id="266" r:id="rId18"/>
   </p:sldIdLst>
   <p:sldSz cx="12192000" cy="6858000"/>
   <p:notesSz cx="6858000" cy="9144000"/>
@@ -913,7 +918,1471 @@
 </dgm:colorsDef>
 </file>
 
+<file path=ppt/diagrams/colors2.xml><?xml version="1.0" encoding="utf-8"?>
+<dgm:colorsDef xmlns:dgm="http://schemas.openxmlformats.org/drawingml/2006/diagram" xmlns:a="http://schemas.openxmlformats.org/drawingml/2006/main" uniqueId="urn:microsoft.com/office/officeart/2005/8/colors/colorful3">
+  <dgm:title val=""/>
+  <dgm:desc val=""/>
+  <dgm:catLst>
+    <dgm:cat type="colorful" pri="10300"/>
+  </dgm:catLst>
+  <dgm:styleLbl name="node0">
+    <dgm:fillClrLst meth="repeat">
+      <a:schemeClr val="accent2"/>
+    </dgm:fillClrLst>
+    <dgm:linClrLst meth="repeat">
+      <a:schemeClr val="lt1"/>
+    </dgm:linClrLst>
+    <dgm:effectClrLst/>
+    <dgm:txLinClrLst/>
+    <dgm:txFillClrLst/>
+    <dgm:txEffectClrLst/>
+  </dgm:styleLbl>
+  <dgm:styleLbl name="node1">
+    <dgm:fillClrLst>
+      <a:schemeClr val="accent3"/>
+      <a:schemeClr val="accent4"/>
+    </dgm:fillClrLst>
+    <dgm:linClrLst meth="repeat">
+      <a:schemeClr val="lt1"/>
+    </dgm:linClrLst>
+    <dgm:effectClrLst/>
+    <dgm:txLinClrLst/>
+    <dgm:txFillClrLst/>
+    <dgm:txEffectClrLst/>
+  </dgm:styleLbl>
+  <dgm:styleLbl name="alignNode1">
+    <dgm:fillClrLst>
+      <a:schemeClr val="accent3"/>
+      <a:schemeClr val="accent4"/>
+    </dgm:fillClrLst>
+    <dgm:linClrLst>
+      <a:schemeClr val="accent3"/>
+      <a:schemeClr val="accent4"/>
+    </dgm:linClrLst>
+    <dgm:effectClrLst/>
+    <dgm:txLinClrLst/>
+    <dgm:txFillClrLst/>
+    <dgm:txEffectClrLst/>
+  </dgm:styleLbl>
+  <dgm:styleLbl name="lnNode1">
+    <dgm:fillClrLst>
+      <a:schemeClr val="accent3"/>
+      <a:schemeClr val="accent4"/>
+    </dgm:fillClrLst>
+    <dgm:linClrLst meth="repeat">
+      <a:schemeClr val="lt1"/>
+    </dgm:linClrLst>
+    <dgm:effectClrLst/>
+    <dgm:txLinClrLst/>
+    <dgm:txFillClrLst/>
+    <dgm:txEffectClrLst/>
+  </dgm:styleLbl>
+  <dgm:styleLbl name="vennNode1">
+    <dgm:fillClrLst>
+      <a:schemeClr val="accent3">
+        <a:alpha val="50000"/>
+      </a:schemeClr>
+      <a:schemeClr val="accent4">
+        <a:alpha val="50000"/>
+      </a:schemeClr>
+    </dgm:fillClrLst>
+    <dgm:linClrLst meth="repeat">
+      <a:schemeClr val="lt1"/>
+    </dgm:linClrLst>
+    <dgm:effectClrLst/>
+    <dgm:txLinClrLst/>
+    <dgm:txFillClrLst/>
+    <dgm:txEffectClrLst/>
+  </dgm:styleLbl>
+  <dgm:styleLbl name="node2">
+    <dgm:fillClrLst>
+      <a:schemeClr val="accent4"/>
+    </dgm:fillClrLst>
+    <dgm:linClrLst meth="repeat">
+      <a:schemeClr val="lt1"/>
+    </dgm:linClrLst>
+    <dgm:effectClrLst/>
+    <dgm:txLinClrLst/>
+    <dgm:txFillClrLst/>
+    <dgm:txEffectClrLst/>
+  </dgm:styleLbl>
+  <dgm:styleLbl name="node3">
+    <dgm:fillClrLst>
+      <a:schemeClr val="accent5"/>
+    </dgm:fillClrLst>
+    <dgm:linClrLst meth="repeat">
+      <a:schemeClr val="lt1"/>
+    </dgm:linClrLst>
+    <dgm:effectClrLst/>
+    <dgm:txLinClrLst/>
+    <dgm:txFillClrLst/>
+    <dgm:txEffectClrLst/>
+  </dgm:styleLbl>
+  <dgm:styleLbl name="node4">
+    <dgm:fillClrLst>
+      <a:schemeClr val="accent6"/>
+    </dgm:fillClrLst>
+    <dgm:linClrLst meth="repeat">
+      <a:schemeClr val="lt1"/>
+    </dgm:linClrLst>
+    <dgm:effectClrLst/>
+    <dgm:txLinClrLst/>
+    <dgm:txFillClrLst/>
+    <dgm:txEffectClrLst/>
+  </dgm:styleLbl>
+  <dgm:styleLbl name="fgImgPlace1">
+    <dgm:fillClrLst>
+      <a:schemeClr val="accent3">
+        <a:tint val="50000"/>
+      </a:schemeClr>
+      <a:schemeClr val="accent4">
+        <a:tint val="50000"/>
+      </a:schemeClr>
+    </dgm:fillClrLst>
+    <dgm:linClrLst meth="repeat">
+      <a:schemeClr val="lt1"/>
+    </dgm:linClrLst>
+    <dgm:effectClrLst/>
+    <dgm:txLinClrLst/>
+    <dgm:txFillClrLst meth="repeat">
+      <a:schemeClr val="lt1"/>
+    </dgm:txFillClrLst>
+    <dgm:txEffectClrLst/>
+  </dgm:styleLbl>
+  <dgm:styleLbl name="alignImgPlace1">
+    <dgm:fillClrLst>
+      <a:schemeClr val="accent3">
+        <a:tint val="50000"/>
+      </a:schemeClr>
+      <a:schemeClr val="accent4">
+        <a:tint val="20000"/>
+      </a:schemeClr>
+    </dgm:fillClrLst>
+    <dgm:linClrLst meth="repeat">
+      <a:schemeClr val="lt1"/>
+    </dgm:linClrLst>
+    <dgm:effectClrLst/>
+    <dgm:txLinClrLst/>
+    <dgm:txFillClrLst meth="repeat">
+      <a:schemeClr val="lt1"/>
+    </dgm:txFillClrLst>
+    <dgm:txEffectClrLst/>
+  </dgm:styleLbl>
+  <dgm:styleLbl name="bgImgPlace1">
+    <dgm:fillClrLst>
+      <a:schemeClr val="accent3">
+        <a:tint val="50000"/>
+      </a:schemeClr>
+      <a:schemeClr val="accent4">
+        <a:tint val="20000"/>
+      </a:schemeClr>
+    </dgm:fillClrLst>
+    <dgm:linClrLst meth="repeat">
+      <a:schemeClr val="lt1"/>
+    </dgm:linClrLst>
+    <dgm:effectClrLst/>
+    <dgm:txLinClrLst/>
+    <dgm:txFillClrLst meth="repeat">
+      <a:schemeClr val="lt1"/>
+    </dgm:txFillClrLst>
+    <dgm:txEffectClrLst/>
+  </dgm:styleLbl>
+  <dgm:styleLbl name="sibTrans2D1">
+    <dgm:fillClrLst>
+      <a:schemeClr val="accent3"/>
+      <a:schemeClr val="accent4"/>
+    </dgm:fillClrLst>
+    <dgm:linClrLst meth="repeat">
+      <a:schemeClr val="lt1"/>
+    </dgm:linClrLst>
+    <dgm:effectClrLst/>
+    <dgm:txLinClrLst/>
+    <dgm:txFillClrLst/>
+    <dgm:txEffectClrLst/>
+  </dgm:styleLbl>
+  <dgm:styleLbl name="fgSibTrans2D1">
+    <dgm:fillClrLst>
+      <a:schemeClr val="accent3"/>
+      <a:schemeClr val="accent4"/>
+    </dgm:fillClrLst>
+    <dgm:linClrLst meth="repeat">
+      <a:schemeClr val="lt1"/>
+    </dgm:linClrLst>
+    <dgm:effectClrLst/>
+    <dgm:txLinClrLst/>
+    <dgm:txFillClrLst meth="repeat">
+      <a:schemeClr val="lt1"/>
+    </dgm:txFillClrLst>
+    <dgm:txEffectClrLst/>
+  </dgm:styleLbl>
+  <dgm:styleLbl name="bgSibTrans2D1">
+    <dgm:fillClrLst>
+      <a:schemeClr val="accent3"/>
+      <a:schemeClr val="accent4"/>
+    </dgm:fillClrLst>
+    <dgm:linClrLst meth="repeat">
+      <a:schemeClr val="lt1"/>
+    </dgm:linClrLst>
+    <dgm:effectClrLst/>
+    <dgm:txLinClrLst/>
+    <dgm:txFillClrLst meth="repeat">
+      <a:schemeClr val="lt1"/>
+    </dgm:txFillClrLst>
+    <dgm:txEffectClrLst/>
+  </dgm:styleLbl>
+  <dgm:styleLbl name="sibTrans1D1">
+    <dgm:fillClrLst/>
+    <dgm:linClrLst>
+      <a:schemeClr val="accent3"/>
+      <a:schemeClr val="accent4"/>
+    </dgm:linClrLst>
+    <dgm:effectClrLst/>
+    <dgm:txLinClrLst/>
+    <dgm:txFillClrLst meth="repeat">
+      <a:schemeClr val="tx1"/>
+    </dgm:txFillClrLst>
+    <dgm:txEffectClrLst/>
+  </dgm:styleLbl>
+  <dgm:styleLbl name="callout">
+    <dgm:fillClrLst meth="repeat">
+      <a:schemeClr val="accent3"/>
+    </dgm:fillClrLst>
+    <dgm:linClrLst meth="repeat">
+      <a:schemeClr val="accent3">
+        <a:tint val="50000"/>
+      </a:schemeClr>
+    </dgm:linClrLst>
+    <dgm:effectClrLst/>
+    <dgm:txLinClrLst/>
+    <dgm:txFillClrLst meth="repeat">
+      <a:schemeClr val="tx1"/>
+    </dgm:txFillClrLst>
+    <dgm:txEffectClrLst/>
+  </dgm:styleLbl>
+  <dgm:styleLbl name="asst0">
+    <dgm:fillClrLst meth="repeat">
+      <a:schemeClr val="accent3"/>
+    </dgm:fillClrLst>
+    <dgm:linClrLst meth="repeat">
+      <a:schemeClr val="lt1">
+        <a:shade val="80000"/>
+      </a:schemeClr>
+    </dgm:linClrLst>
+    <dgm:effectClrLst/>
+    <dgm:txLinClrLst/>
+    <dgm:txFillClrLst/>
+    <dgm:txEffectClrLst/>
+  </dgm:styleLbl>
+  <dgm:styleLbl name="asst1">
+    <dgm:fillClrLst meth="repeat">
+      <a:schemeClr val="accent4"/>
+    </dgm:fillClrLst>
+    <dgm:linClrLst meth="repeat">
+      <a:schemeClr val="lt1">
+        <a:shade val="80000"/>
+      </a:schemeClr>
+    </dgm:linClrLst>
+    <dgm:effectClrLst/>
+    <dgm:txLinClrLst/>
+    <dgm:txFillClrLst/>
+    <dgm:txEffectClrLst/>
+  </dgm:styleLbl>
+  <dgm:styleLbl name="asst2">
+    <dgm:fillClrLst>
+      <a:schemeClr val="accent5"/>
+    </dgm:fillClrLst>
+    <dgm:linClrLst meth="repeat">
+      <a:schemeClr val="lt1"/>
+    </dgm:linClrLst>
+    <dgm:effectClrLst/>
+    <dgm:txLinClrLst/>
+    <dgm:txFillClrLst/>
+    <dgm:txEffectClrLst/>
+  </dgm:styleLbl>
+  <dgm:styleLbl name="asst3">
+    <dgm:fillClrLst>
+      <a:schemeClr val="accent6"/>
+    </dgm:fillClrLst>
+    <dgm:linClrLst meth="repeat">
+      <a:schemeClr val="lt1"/>
+    </dgm:linClrLst>
+    <dgm:effectClrLst/>
+    <dgm:txLinClrLst/>
+    <dgm:txFillClrLst/>
+    <dgm:txEffectClrLst/>
+  </dgm:styleLbl>
+  <dgm:styleLbl name="asst4">
+    <dgm:fillClrLst>
+      <a:schemeClr val="accent1"/>
+    </dgm:fillClrLst>
+    <dgm:linClrLst meth="repeat">
+      <a:schemeClr val="lt1"/>
+    </dgm:linClrLst>
+    <dgm:effectClrLst/>
+    <dgm:txLinClrLst/>
+    <dgm:txFillClrLst/>
+    <dgm:txEffectClrLst/>
+  </dgm:styleLbl>
+  <dgm:styleLbl name="parChTrans2D1">
+    <dgm:fillClrLst meth="repeat">
+      <a:schemeClr val="accent2"/>
+    </dgm:fillClrLst>
+    <dgm:linClrLst meth="repeat">
+      <a:schemeClr val="lt1"/>
+    </dgm:linClrLst>
+    <dgm:effectClrLst/>
+    <dgm:txLinClrLst/>
+    <dgm:txFillClrLst meth="repeat">
+      <a:schemeClr val="lt1"/>
+    </dgm:txFillClrLst>
+    <dgm:txEffectClrLst/>
+  </dgm:styleLbl>
+  <dgm:styleLbl name="parChTrans2D2">
+    <dgm:fillClrLst meth="repeat">
+      <a:schemeClr val="accent3"/>
+    </dgm:fillClrLst>
+    <dgm:linClrLst meth="repeat">
+      <a:schemeClr val="lt1"/>
+    </dgm:linClrLst>
+    <dgm:effectClrLst/>
+    <dgm:txLinClrLst/>
+    <dgm:txFillClrLst/>
+    <dgm:txEffectClrLst/>
+  </dgm:styleLbl>
+  <dgm:styleLbl name="parChTrans2D3">
+    <dgm:fillClrLst meth="repeat">
+      <a:schemeClr val="accent4"/>
+    </dgm:fillClrLst>
+    <dgm:linClrLst meth="repeat">
+      <a:schemeClr val="lt1"/>
+    </dgm:linClrLst>
+    <dgm:effectClrLst/>
+    <dgm:txLinClrLst/>
+    <dgm:txFillClrLst/>
+    <dgm:txEffectClrLst/>
+  </dgm:styleLbl>
+  <dgm:styleLbl name="parChTrans2D4">
+    <dgm:fillClrLst meth="repeat">
+      <a:schemeClr val="accent5"/>
+    </dgm:fillClrLst>
+    <dgm:linClrLst meth="repeat">
+      <a:schemeClr val="lt1"/>
+    </dgm:linClrLst>
+    <dgm:effectClrLst/>
+    <dgm:txLinClrLst/>
+    <dgm:txFillClrLst meth="repeat">
+      <a:schemeClr val="lt1"/>
+    </dgm:txFillClrLst>
+    <dgm:txEffectClrLst/>
+  </dgm:styleLbl>
+  <dgm:styleLbl name="parChTrans1D1">
+    <dgm:fillClrLst meth="repeat">
+      <a:schemeClr val="accent3"/>
+    </dgm:fillClrLst>
+    <dgm:linClrLst meth="repeat">
+      <a:schemeClr val="accent3"/>
+    </dgm:linClrLst>
+    <dgm:effectClrLst/>
+    <dgm:txLinClrLst/>
+    <dgm:txFillClrLst meth="repeat">
+      <a:schemeClr val="tx1"/>
+    </dgm:txFillClrLst>
+    <dgm:txEffectClrLst/>
+  </dgm:styleLbl>
+  <dgm:styleLbl name="parChTrans1D2">
+    <dgm:fillClrLst meth="repeat">
+      <a:schemeClr val="accent2">
+        <a:tint val="90000"/>
+      </a:schemeClr>
+    </dgm:fillClrLst>
+    <dgm:linClrLst meth="repeat">
+      <a:schemeClr val="accent4"/>
+    </dgm:linClrLst>
+    <dgm:effectClrLst/>
+    <dgm:txLinClrLst/>
+    <dgm:txFillClrLst meth="repeat">
+      <a:schemeClr val="tx1"/>
+    </dgm:txFillClrLst>
+    <dgm:txEffectClrLst/>
+  </dgm:styleLbl>
+  <dgm:styleLbl name="parChTrans1D3">
+    <dgm:fillClrLst meth="repeat">
+      <a:schemeClr val="accent2">
+        <a:tint val="70000"/>
+      </a:schemeClr>
+    </dgm:fillClrLst>
+    <dgm:linClrLst meth="repeat">
+      <a:schemeClr val="accent5"/>
+    </dgm:linClrLst>
+    <dgm:effectClrLst/>
+    <dgm:txLinClrLst/>
+    <dgm:txFillClrLst meth="repeat">
+      <a:schemeClr val="tx1"/>
+    </dgm:txFillClrLst>
+    <dgm:txEffectClrLst/>
+  </dgm:styleLbl>
+  <dgm:styleLbl name="parChTrans1D4">
+    <dgm:fillClrLst meth="repeat">
+      <a:schemeClr val="accent6">
+        <a:tint val="50000"/>
+      </a:schemeClr>
+    </dgm:fillClrLst>
+    <dgm:linClrLst meth="repeat">
+      <a:schemeClr val="accent6"/>
+    </dgm:linClrLst>
+    <dgm:effectClrLst/>
+    <dgm:txLinClrLst/>
+    <dgm:txFillClrLst meth="repeat">
+      <a:schemeClr val="tx1"/>
+    </dgm:txFillClrLst>
+    <dgm:txEffectClrLst/>
+  </dgm:styleLbl>
+  <dgm:styleLbl name="fgAcc1">
+    <dgm:fillClrLst meth="repeat">
+      <a:schemeClr val="lt1">
+        <a:alpha val="90000"/>
+      </a:schemeClr>
+    </dgm:fillClrLst>
+    <dgm:linClrLst>
+      <a:schemeClr val="accent3"/>
+      <a:schemeClr val="accent4"/>
+    </dgm:linClrLst>
+    <dgm:effectClrLst/>
+    <dgm:txLinClrLst/>
+    <dgm:txFillClrLst meth="repeat">
+      <a:schemeClr val="dk1"/>
+    </dgm:txFillClrLst>
+    <dgm:txEffectClrLst/>
+  </dgm:styleLbl>
+  <dgm:styleLbl name="conFgAcc1">
+    <dgm:fillClrLst meth="repeat">
+      <a:schemeClr val="lt1">
+        <a:alpha val="90000"/>
+      </a:schemeClr>
+    </dgm:fillClrLst>
+    <dgm:linClrLst>
+      <a:schemeClr val="accent3"/>
+      <a:schemeClr val="accent4"/>
+    </dgm:linClrLst>
+    <dgm:effectClrLst/>
+    <dgm:txLinClrLst/>
+    <dgm:txFillClrLst meth="repeat">
+      <a:schemeClr val="dk1"/>
+    </dgm:txFillClrLst>
+    <dgm:txEffectClrLst/>
+  </dgm:styleLbl>
+  <dgm:styleLbl name="alignAcc1">
+    <dgm:fillClrLst meth="repeat">
+      <a:schemeClr val="lt1">
+        <a:alpha val="90000"/>
+      </a:schemeClr>
+    </dgm:fillClrLst>
+    <dgm:linClrLst>
+      <a:schemeClr val="accent3"/>
+      <a:schemeClr val="accent4"/>
+    </dgm:linClrLst>
+    <dgm:effectClrLst/>
+    <dgm:txLinClrLst/>
+    <dgm:txFillClrLst meth="repeat">
+      <a:schemeClr val="dk1"/>
+    </dgm:txFillClrLst>
+    <dgm:txEffectClrLst/>
+  </dgm:styleLbl>
+  <dgm:styleLbl name="trAlignAcc1">
+    <dgm:fillClrLst meth="repeat">
+      <a:schemeClr val="lt1">
+        <a:alpha val="40000"/>
+      </a:schemeClr>
+    </dgm:fillClrLst>
+    <dgm:linClrLst meth="repeat">
+      <a:schemeClr val="accent2"/>
+    </dgm:linClrLst>
+    <dgm:effectClrLst/>
+    <dgm:txLinClrLst/>
+    <dgm:txFillClrLst meth="repeat">
+      <a:schemeClr val="dk1"/>
+    </dgm:txFillClrLst>
+    <dgm:txEffectClrLst/>
+  </dgm:styleLbl>
+  <dgm:styleLbl name="bgAcc1">
+    <dgm:fillClrLst meth="repeat">
+      <a:schemeClr val="lt1">
+        <a:alpha val="90000"/>
+      </a:schemeClr>
+    </dgm:fillClrLst>
+    <dgm:linClrLst>
+      <a:schemeClr val="accent3"/>
+      <a:schemeClr val="accent4"/>
+    </dgm:linClrLst>
+    <dgm:effectClrLst/>
+    <dgm:txLinClrLst/>
+    <dgm:txFillClrLst meth="repeat">
+      <a:schemeClr val="dk1"/>
+    </dgm:txFillClrLst>
+    <dgm:txEffectClrLst/>
+  </dgm:styleLbl>
+  <dgm:styleLbl name="solidFgAcc1">
+    <dgm:fillClrLst meth="repeat">
+      <a:schemeClr val="lt1"/>
+    </dgm:fillClrLst>
+    <dgm:linClrLst>
+      <a:schemeClr val="accent3"/>
+      <a:schemeClr val="accent4"/>
+    </dgm:linClrLst>
+    <dgm:effectClrLst/>
+    <dgm:txLinClrLst/>
+    <dgm:txFillClrLst meth="repeat">
+      <a:schemeClr val="dk1"/>
+    </dgm:txFillClrLst>
+    <dgm:txEffectClrLst/>
+  </dgm:styleLbl>
+  <dgm:styleLbl name="solidAlignAcc1">
+    <dgm:fillClrLst meth="repeat">
+      <a:schemeClr val="lt1"/>
+    </dgm:fillClrLst>
+    <dgm:linClrLst>
+      <a:schemeClr val="accent3"/>
+      <a:schemeClr val="accent4"/>
+    </dgm:linClrLst>
+    <dgm:effectClrLst/>
+    <dgm:txLinClrLst/>
+    <dgm:txFillClrLst meth="repeat">
+      <a:schemeClr val="dk1"/>
+    </dgm:txFillClrLst>
+    <dgm:txEffectClrLst/>
+  </dgm:styleLbl>
+  <dgm:styleLbl name="solidBgAcc1">
+    <dgm:fillClrLst meth="repeat">
+      <a:schemeClr val="lt1"/>
+    </dgm:fillClrLst>
+    <dgm:linClrLst>
+      <a:schemeClr val="accent3"/>
+      <a:schemeClr val="accent4"/>
+    </dgm:linClrLst>
+    <dgm:effectClrLst/>
+    <dgm:txLinClrLst/>
+    <dgm:txFillClrLst meth="repeat">
+      <a:schemeClr val="dk1"/>
+    </dgm:txFillClrLst>
+    <dgm:txEffectClrLst/>
+  </dgm:styleLbl>
+  <dgm:styleLbl name="fgAccFollowNode1">
+    <dgm:fillClrLst>
+      <a:schemeClr val="accent3">
+        <a:tint val="40000"/>
+        <a:alpha val="90000"/>
+      </a:schemeClr>
+      <a:schemeClr val="accent4">
+        <a:tint val="40000"/>
+        <a:alpha val="90000"/>
+      </a:schemeClr>
+    </dgm:fillClrLst>
+    <dgm:linClrLst>
+      <a:schemeClr val="accent3">
+        <a:tint val="40000"/>
+        <a:alpha val="90000"/>
+      </a:schemeClr>
+      <a:schemeClr val="accent4">
+        <a:tint val="40000"/>
+        <a:alpha val="90000"/>
+      </a:schemeClr>
+    </dgm:linClrLst>
+    <dgm:effectClrLst/>
+    <dgm:txLinClrLst/>
+    <dgm:txFillClrLst meth="repeat">
+      <a:schemeClr val="dk1"/>
+    </dgm:txFillClrLst>
+    <dgm:txEffectClrLst/>
+  </dgm:styleLbl>
+  <dgm:styleLbl name="alignAccFollowNode1">
+    <dgm:fillClrLst>
+      <a:schemeClr val="accent3">
+        <a:tint val="40000"/>
+        <a:alpha val="90000"/>
+      </a:schemeClr>
+      <a:schemeClr val="accent4">
+        <a:tint val="40000"/>
+        <a:alpha val="90000"/>
+      </a:schemeClr>
+    </dgm:fillClrLst>
+    <dgm:linClrLst>
+      <a:schemeClr val="accent3">
+        <a:tint val="40000"/>
+        <a:alpha val="90000"/>
+      </a:schemeClr>
+      <a:schemeClr val="accent4">
+        <a:tint val="40000"/>
+        <a:alpha val="90000"/>
+      </a:schemeClr>
+    </dgm:linClrLst>
+    <dgm:effectClrLst/>
+    <dgm:txLinClrLst/>
+    <dgm:txFillClrLst meth="repeat">
+      <a:schemeClr val="dk1"/>
+    </dgm:txFillClrLst>
+    <dgm:txEffectClrLst/>
+  </dgm:styleLbl>
+  <dgm:styleLbl name="bgAccFollowNode1">
+    <dgm:fillClrLst>
+      <a:schemeClr val="accent3">
+        <a:tint val="40000"/>
+        <a:alpha val="90000"/>
+      </a:schemeClr>
+      <a:schemeClr val="accent4">
+        <a:tint val="40000"/>
+        <a:alpha val="90000"/>
+      </a:schemeClr>
+    </dgm:fillClrLst>
+    <dgm:linClrLst>
+      <a:schemeClr val="accent3">
+        <a:tint val="40000"/>
+        <a:alpha val="90000"/>
+      </a:schemeClr>
+      <a:schemeClr val="accent4">
+        <a:tint val="40000"/>
+        <a:alpha val="90000"/>
+      </a:schemeClr>
+    </dgm:linClrLst>
+    <dgm:effectClrLst/>
+    <dgm:txLinClrLst/>
+    <dgm:txFillClrLst meth="repeat">
+      <a:schemeClr val="dk1"/>
+    </dgm:txFillClrLst>
+    <dgm:txEffectClrLst/>
+  </dgm:styleLbl>
+  <dgm:styleLbl name="fgAcc0">
+    <dgm:fillClrLst meth="repeat">
+      <a:schemeClr val="lt1">
+        <a:alpha val="90000"/>
+      </a:schemeClr>
+    </dgm:fillClrLst>
+    <dgm:linClrLst>
+      <a:schemeClr val="accent2"/>
+    </dgm:linClrLst>
+    <dgm:effectClrLst/>
+    <dgm:txLinClrLst/>
+    <dgm:txFillClrLst meth="repeat">
+      <a:schemeClr val="dk1"/>
+    </dgm:txFillClrLst>
+    <dgm:txEffectClrLst/>
+  </dgm:styleLbl>
+  <dgm:styleLbl name="fgAcc2">
+    <dgm:fillClrLst meth="repeat">
+      <a:schemeClr val="lt1">
+        <a:alpha val="90000"/>
+      </a:schemeClr>
+    </dgm:fillClrLst>
+    <dgm:linClrLst>
+      <a:schemeClr val="accent4"/>
+    </dgm:linClrLst>
+    <dgm:effectClrLst/>
+    <dgm:txLinClrLst/>
+    <dgm:txFillClrLst meth="repeat">
+      <a:schemeClr val="dk1"/>
+    </dgm:txFillClrLst>
+    <dgm:txEffectClrLst/>
+  </dgm:styleLbl>
+  <dgm:styleLbl name="fgAcc3">
+    <dgm:fillClrLst meth="repeat">
+      <a:schemeClr val="lt1">
+        <a:alpha val="90000"/>
+      </a:schemeClr>
+    </dgm:fillClrLst>
+    <dgm:linClrLst>
+      <a:schemeClr val="accent5"/>
+    </dgm:linClrLst>
+    <dgm:effectClrLst/>
+    <dgm:txLinClrLst/>
+    <dgm:txFillClrLst meth="repeat">
+      <a:schemeClr val="dk1"/>
+    </dgm:txFillClrLst>
+    <dgm:txEffectClrLst/>
+  </dgm:styleLbl>
+  <dgm:styleLbl name="fgAcc4">
+    <dgm:fillClrLst meth="repeat">
+      <a:schemeClr val="lt1">
+        <a:alpha val="90000"/>
+      </a:schemeClr>
+    </dgm:fillClrLst>
+    <dgm:linClrLst>
+      <a:schemeClr val="accent6"/>
+    </dgm:linClrLst>
+    <dgm:effectClrLst/>
+    <dgm:txLinClrLst/>
+    <dgm:txFillClrLst meth="repeat">
+      <a:schemeClr val="dk1"/>
+    </dgm:txFillClrLst>
+    <dgm:txEffectClrLst/>
+  </dgm:styleLbl>
+  <dgm:styleLbl name="bgShp">
+    <dgm:fillClrLst meth="repeat">
+      <a:schemeClr val="accent3">
+        <a:tint val="40000"/>
+      </a:schemeClr>
+    </dgm:fillClrLst>
+    <dgm:linClrLst meth="repeat">
+      <a:schemeClr val="dk1"/>
+    </dgm:linClrLst>
+    <dgm:effectClrLst/>
+    <dgm:txLinClrLst/>
+    <dgm:txFillClrLst meth="repeat">
+      <a:schemeClr val="dk1"/>
+    </dgm:txFillClrLst>
+    <dgm:txEffectClrLst/>
+  </dgm:styleLbl>
+  <dgm:styleLbl name="dkBgShp">
+    <dgm:fillClrLst meth="repeat">
+      <a:schemeClr val="accent3">
+        <a:shade val="90000"/>
+      </a:schemeClr>
+    </dgm:fillClrLst>
+    <dgm:linClrLst meth="repeat">
+      <a:schemeClr val="dk1"/>
+    </dgm:linClrLst>
+    <dgm:effectClrLst/>
+    <dgm:txLinClrLst/>
+    <dgm:txFillClrLst meth="repeat">
+      <a:schemeClr val="lt1"/>
+    </dgm:txFillClrLst>
+    <dgm:txEffectClrLst/>
+  </dgm:styleLbl>
+  <dgm:styleLbl name="trBgShp">
+    <dgm:fillClrLst meth="repeat">
+      <a:schemeClr val="accent2">
+        <a:tint val="50000"/>
+        <a:alpha val="40000"/>
+      </a:schemeClr>
+    </dgm:fillClrLst>
+    <dgm:linClrLst meth="repeat">
+      <a:schemeClr val="accent3"/>
+    </dgm:linClrLst>
+    <dgm:effectClrLst/>
+    <dgm:txLinClrLst/>
+    <dgm:txFillClrLst meth="repeat">
+      <a:schemeClr val="lt1"/>
+    </dgm:txFillClrLst>
+    <dgm:txEffectClrLst/>
+  </dgm:styleLbl>
+  <dgm:styleLbl name="fgShp">
+    <dgm:fillClrLst meth="repeat">
+      <a:schemeClr val="accent3">
+        <a:tint val="40000"/>
+      </a:schemeClr>
+    </dgm:fillClrLst>
+    <dgm:linClrLst meth="repeat">
+      <a:schemeClr val="lt1"/>
+    </dgm:linClrLst>
+    <dgm:effectClrLst/>
+    <dgm:txLinClrLst/>
+    <dgm:txFillClrLst meth="repeat">
+      <a:schemeClr val="dk1"/>
+    </dgm:txFillClrLst>
+    <dgm:txEffectClrLst/>
+  </dgm:styleLbl>
+  <dgm:styleLbl name="revTx">
+    <dgm:fillClrLst meth="repeat">
+      <a:schemeClr val="lt1">
+        <a:alpha val="0"/>
+      </a:schemeClr>
+    </dgm:fillClrLst>
+    <dgm:linClrLst meth="repeat">
+      <a:schemeClr val="dk1">
+        <a:alpha val="0"/>
+      </a:schemeClr>
+    </dgm:linClrLst>
+    <dgm:effectClrLst/>
+    <dgm:txLinClrLst/>
+    <dgm:txFillClrLst meth="repeat">
+      <a:schemeClr val="tx1"/>
+    </dgm:txFillClrLst>
+    <dgm:txEffectClrLst/>
+  </dgm:styleLbl>
+</dgm:colorsDef>
+</file>
+
 <file path=ppt/diagrams/data1.xml><?xml version="1.0" encoding="utf-8"?>
+<dgm:dataModel xmlns:dgm="http://schemas.openxmlformats.org/drawingml/2006/diagram" xmlns:a="http://schemas.openxmlformats.org/drawingml/2006/main">
+  <dgm:ptLst>
+    <dgm:pt modelId="{CD5204CD-6958-4A55-82AA-4AD73B3B6A19}" type="doc">
+      <dgm:prSet loTypeId="urn:microsoft.com/office/officeart/2005/8/layout/process4" loCatId="list" qsTypeId="urn:microsoft.com/office/officeart/2005/8/quickstyle/simple1" qsCatId="simple" csTypeId="urn:microsoft.com/office/officeart/2005/8/colors/colorful3" csCatId="colorful" phldr="1"/>
+      <dgm:spPr/>
+      <dgm:t>
+        <a:bodyPr/>
+        <a:lstStyle/>
+        <a:p>
+          <a:endParaRPr lang="en-US"/>
+        </a:p>
+      </dgm:t>
+    </dgm:pt>
+    <dgm:pt modelId="{C712D637-7FF1-401C-9304-F85D1B95B226}">
+      <dgm:prSet phldrT="[Text]"/>
+      <dgm:spPr/>
+      <dgm:t>
+        <a:bodyPr/>
+        <a:lstStyle/>
+        <a:p>
+          <a:pPr algn="ctr" defTabSz="914400">
+            <a:buNone/>
+          </a:pPr>
+          <a:r>
+            <a:rPr lang="fr-FR" noProof="0" dirty="0" smtClean="0"/>
+            <a:t>Caractérisation d’un signal</a:t>
+          </a:r>
+          <a:endParaRPr lang="fr-FR" noProof="0" dirty="0"/>
+        </a:p>
+      </dgm:t>
+    </dgm:pt>
+    <dgm:pt modelId="{05E1DD5C-7FEF-48F0-9651-C74D082ACBA9}" type="parTrans" cxnId="{9653D664-EC18-40D7-9F5E-3B27A70DCA4D}">
+      <dgm:prSet/>
+      <dgm:spPr/>
+      <dgm:t>
+        <a:bodyPr/>
+        <a:lstStyle/>
+        <a:p>
+          <a:endParaRPr lang="en-US"/>
+        </a:p>
+      </dgm:t>
+    </dgm:pt>
+    <dgm:pt modelId="{F14B97BF-E90F-4D5A-A42B-6364BCB81249}" type="sibTrans" cxnId="{9653D664-EC18-40D7-9F5E-3B27A70DCA4D}">
+      <dgm:prSet/>
+      <dgm:spPr/>
+      <dgm:t>
+        <a:bodyPr/>
+        <a:lstStyle/>
+        <a:p>
+          <a:endParaRPr lang="en-US"/>
+        </a:p>
+      </dgm:t>
+    </dgm:pt>
+    <dgm:pt modelId="{743FE7B1-011B-42E6-8768-1EB3E95741FA}">
+      <dgm:prSet phldrT="[Text]"/>
+      <dgm:spPr/>
+      <dgm:t>
+        <a:bodyPr/>
+        <a:lstStyle/>
+        <a:p>
+          <a:pPr algn="l" defTabSz="914400">
+            <a:buNone/>
+          </a:pPr>
+          <a:r>
+            <a:rPr lang="fr-FR" sz="1800" b="0" i="0" noProof="0" dirty="0" smtClean="0">
+              <a:latin typeface="Franklin Gothic Medium"/>
+              <a:ea typeface="+mn-ea"/>
+              <a:cs typeface="+mn-cs"/>
+            </a:rPr>
+            <a:t>Spectre</a:t>
+          </a:r>
+          <a:endParaRPr lang="fr-FR" sz="1800" b="0" i="0" noProof="0" dirty="0">
+            <a:latin typeface="Franklin Gothic Medium"/>
+            <a:ea typeface="+mn-ea"/>
+            <a:cs typeface="+mn-cs"/>
+          </a:endParaRPr>
+        </a:p>
+      </dgm:t>
+    </dgm:pt>
+    <dgm:pt modelId="{921AFB12-2D70-40FB-8AB1-299E0FF2C5A6}" type="parTrans" cxnId="{6D29C741-1B1E-4EBC-A0C7-F287A8ED285A}">
+      <dgm:prSet/>
+      <dgm:spPr/>
+      <dgm:t>
+        <a:bodyPr/>
+        <a:lstStyle/>
+        <a:p>
+          <a:endParaRPr lang="en-US"/>
+        </a:p>
+      </dgm:t>
+    </dgm:pt>
+    <dgm:pt modelId="{FFAF77DD-A644-4C36-8908-6204BB0D9268}" type="sibTrans" cxnId="{6D29C741-1B1E-4EBC-A0C7-F287A8ED285A}">
+      <dgm:prSet/>
+      <dgm:spPr/>
+      <dgm:t>
+        <a:bodyPr/>
+        <a:lstStyle/>
+        <a:p>
+          <a:endParaRPr lang="en-US"/>
+        </a:p>
+      </dgm:t>
+    </dgm:pt>
+    <dgm:pt modelId="{DA33CDF4-5B94-4B92-9E0A-4DFD4CBFAF2D}">
+      <dgm:prSet phldrT="[Text]"/>
+      <dgm:spPr/>
+      <dgm:t>
+        <a:bodyPr/>
+        <a:lstStyle/>
+        <a:p>
+          <a:pPr algn="l" defTabSz="914400">
+            <a:buNone/>
+          </a:pPr>
+          <a:r>
+            <a:rPr lang="fr-FR" sz="1800" b="0" i="0" noProof="0" dirty="0" smtClean="0">
+              <a:latin typeface="Franklin Gothic Medium"/>
+              <a:ea typeface="+mn-ea"/>
+              <a:cs typeface="+mn-cs"/>
+            </a:rPr>
+            <a:t>Valeurs singulières</a:t>
+          </a:r>
+          <a:endParaRPr lang="fr-FR" sz="1800" b="0" i="0" noProof="0" dirty="0">
+            <a:latin typeface="Franklin Gothic Medium"/>
+            <a:ea typeface="+mn-ea"/>
+            <a:cs typeface="+mn-cs"/>
+          </a:endParaRPr>
+        </a:p>
+      </dgm:t>
+    </dgm:pt>
+    <dgm:pt modelId="{B7ECB8E0-4CD3-4804-BE8C-5260A5083C57}" type="parTrans" cxnId="{88A87FA6-C1EB-4109-9B9E-2FE10DE80F14}">
+      <dgm:prSet/>
+      <dgm:spPr/>
+      <dgm:t>
+        <a:bodyPr/>
+        <a:lstStyle/>
+        <a:p>
+          <a:endParaRPr lang="en-US"/>
+        </a:p>
+      </dgm:t>
+    </dgm:pt>
+    <dgm:pt modelId="{D3EF4DE2-351E-4A5C-980A-1BBDC899AAC2}" type="sibTrans" cxnId="{88A87FA6-C1EB-4109-9B9E-2FE10DE80F14}">
+      <dgm:prSet/>
+      <dgm:spPr/>
+      <dgm:t>
+        <a:bodyPr/>
+        <a:lstStyle/>
+        <a:p>
+          <a:endParaRPr lang="en-US"/>
+        </a:p>
+      </dgm:t>
+    </dgm:pt>
+    <dgm:pt modelId="{DB6AA457-F75F-415D-BDD5-92045774FE4B}">
+      <dgm:prSet phldrT="[Text]"/>
+      <dgm:spPr/>
+      <dgm:t>
+        <a:bodyPr/>
+        <a:lstStyle/>
+        <a:p>
+          <a:pPr algn="ctr" defTabSz="914400">
+            <a:buNone/>
+          </a:pPr>
+          <a:r>
+            <a:rPr lang="fr-FR" noProof="0" dirty="0" smtClean="0"/>
+            <a:t>Traitement</a:t>
+          </a:r>
+          <a:endParaRPr lang="fr-FR" noProof="0" dirty="0"/>
+        </a:p>
+      </dgm:t>
+    </dgm:pt>
+    <dgm:pt modelId="{195DBB62-3C1E-4BED-ADB6-6E31CA6ABD63}" type="parTrans" cxnId="{93F76B4F-907D-4630-B1A9-C3BE3C102DFF}">
+      <dgm:prSet/>
+      <dgm:spPr/>
+      <dgm:t>
+        <a:bodyPr/>
+        <a:lstStyle/>
+        <a:p>
+          <a:endParaRPr lang="en-US"/>
+        </a:p>
+      </dgm:t>
+    </dgm:pt>
+    <dgm:pt modelId="{C684833D-85CC-4010-A138-ABC65E139C69}" type="sibTrans" cxnId="{93F76B4F-907D-4630-B1A9-C3BE3C102DFF}">
+      <dgm:prSet/>
+      <dgm:spPr/>
+      <dgm:t>
+        <a:bodyPr/>
+        <a:lstStyle/>
+        <a:p>
+          <a:endParaRPr lang="en-US"/>
+        </a:p>
+      </dgm:t>
+    </dgm:pt>
+    <dgm:pt modelId="{99C943DF-AAA4-4E2C-A283-FA2BF761F447}">
+      <dgm:prSet phldrT="[Text]"/>
+      <dgm:spPr/>
+      <dgm:t>
+        <a:bodyPr/>
+        <a:lstStyle/>
+        <a:p>
+          <a:pPr algn="l" defTabSz="914400">
+            <a:buNone/>
+          </a:pPr>
+          <a:r>
+            <a:rPr lang="fr-FR" sz="1800" b="0" i="0" noProof="0" dirty="0" smtClean="0">
+              <a:latin typeface="Franklin Gothic Medium"/>
+              <a:ea typeface="+mn-ea"/>
+              <a:cs typeface="+mn-cs"/>
+            </a:rPr>
+            <a:t>Comparaison</a:t>
+          </a:r>
+          <a:endParaRPr lang="fr-FR" sz="1800" b="0" i="0" noProof="0" dirty="0">
+            <a:latin typeface="Franklin Gothic Medium"/>
+            <a:ea typeface="+mn-ea"/>
+            <a:cs typeface="+mn-cs"/>
+          </a:endParaRPr>
+        </a:p>
+      </dgm:t>
+    </dgm:pt>
+    <dgm:pt modelId="{20F107AF-35DA-4D25-AB35-B8AD821D3FE7}" type="parTrans" cxnId="{F9232B4D-645E-4C93-A5D6-A89B30504327}">
+      <dgm:prSet/>
+      <dgm:spPr/>
+      <dgm:t>
+        <a:bodyPr/>
+        <a:lstStyle/>
+        <a:p>
+          <a:endParaRPr lang="en-US"/>
+        </a:p>
+      </dgm:t>
+    </dgm:pt>
+    <dgm:pt modelId="{4802CB64-7B32-458C-A9FF-C35C0A51E69A}" type="sibTrans" cxnId="{F9232B4D-645E-4C93-A5D6-A89B30504327}">
+      <dgm:prSet/>
+      <dgm:spPr/>
+      <dgm:t>
+        <a:bodyPr/>
+        <a:lstStyle/>
+        <a:p>
+          <a:endParaRPr lang="en-US"/>
+        </a:p>
+      </dgm:t>
+    </dgm:pt>
+    <dgm:pt modelId="{3FE03ED9-3066-4E28-8291-0B1764DC85D6}">
+      <dgm:prSet phldrT="[Text]"/>
+      <dgm:spPr/>
+      <dgm:t>
+        <a:bodyPr/>
+        <a:lstStyle/>
+        <a:p>
+          <a:pPr algn="l" defTabSz="914400">
+            <a:buNone/>
+          </a:pPr>
+          <a:r>
+            <a:rPr lang="fr-FR" sz="1800" b="0" i="0" noProof="0" dirty="0" smtClean="0">
+              <a:latin typeface="Franklin Gothic Medium"/>
+              <a:ea typeface="+mn-ea"/>
+              <a:cs typeface="+mn-cs"/>
+            </a:rPr>
+            <a:t>Détection</a:t>
+          </a:r>
+          <a:endParaRPr lang="fr-FR" sz="1800" b="0" i="0" noProof="0" dirty="0">
+            <a:latin typeface="Franklin Gothic Medium"/>
+            <a:ea typeface="+mn-ea"/>
+            <a:cs typeface="+mn-cs"/>
+          </a:endParaRPr>
+        </a:p>
+      </dgm:t>
+    </dgm:pt>
+    <dgm:pt modelId="{70F79093-990B-4C69-A0BC-6E28D692D24F}" type="parTrans" cxnId="{EF7A2011-FCAC-41A8-A305-634BF780B59D}">
+      <dgm:prSet/>
+      <dgm:spPr/>
+      <dgm:t>
+        <a:bodyPr/>
+        <a:lstStyle/>
+        <a:p>
+          <a:endParaRPr lang="en-US"/>
+        </a:p>
+      </dgm:t>
+    </dgm:pt>
+    <dgm:pt modelId="{2D17DCF5-1F10-4F99-AFA5-9D17F12D0A73}" type="sibTrans" cxnId="{EF7A2011-FCAC-41A8-A305-634BF780B59D}">
+      <dgm:prSet/>
+      <dgm:spPr/>
+      <dgm:t>
+        <a:bodyPr/>
+        <a:lstStyle/>
+        <a:p>
+          <a:endParaRPr lang="en-US"/>
+        </a:p>
+      </dgm:t>
+    </dgm:pt>
+    <dgm:pt modelId="{C3DC95A2-4D92-42C5-966E-8600E4BA31BD}">
+      <dgm:prSet phldrT="[Text]"/>
+      <dgm:spPr/>
+      <dgm:t>
+        <a:bodyPr/>
+        <a:lstStyle/>
+        <a:p>
+          <a:pPr algn="ctr" defTabSz="914400">
+            <a:buNone/>
+          </a:pPr>
+          <a:r>
+            <a:rPr lang="fr-FR" i="1" noProof="0" dirty="0" smtClean="0"/>
+            <a:t>Pour aller plus loin</a:t>
+          </a:r>
+          <a:endParaRPr lang="fr-FR" i="1" noProof="0" dirty="0"/>
+        </a:p>
+      </dgm:t>
+    </dgm:pt>
+    <dgm:pt modelId="{F9D94033-59E5-4228-A5F3-6CB272E77E3B}" type="parTrans" cxnId="{8A476EEB-6A39-4004-AD8C-BD56913E7B26}">
+      <dgm:prSet/>
+      <dgm:spPr/>
+      <dgm:t>
+        <a:bodyPr/>
+        <a:lstStyle/>
+        <a:p>
+          <a:endParaRPr lang="en-US"/>
+        </a:p>
+      </dgm:t>
+    </dgm:pt>
+    <dgm:pt modelId="{A43E3114-C8AC-4F44-952D-8A0D6A8A6B45}" type="sibTrans" cxnId="{8A476EEB-6A39-4004-AD8C-BD56913E7B26}">
+      <dgm:prSet/>
+      <dgm:spPr/>
+      <dgm:t>
+        <a:bodyPr/>
+        <a:lstStyle/>
+        <a:p>
+          <a:endParaRPr lang="en-US"/>
+        </a:p>
+      </dgm:t>
+    </dgm:pt>
+    <dgm:pt modelId="{17ACD041-408C-4E7D-B463-7267D32756A1}">
+      <dgm:prSet phldrT="[Text]"/>
+      <dgm:spPr/>
+      <dgm:t>
+        <a:bodyPr/>
+        <a:lstStyle/>
+        <a:p>
+          <a:pPr algn="l" defTabSz="914400">
+            <a:buNone/>
+          </a:pPr>
+          <a:r>
+            <a:rPr lang="fr-FR" sz="1800" b="0" i="0" noProof="0" dirty="0" smtClean="0">
+              <a:latin typeface="Franklin Gothic Medium"/>
+              <a:ea typeface="+mn-ea"/>
+              <a:cs typeface="+mn-cs"/>
+            </a:rPr>
+            <a:t>Reconstitution</a:t>
+          </a:r>
+          <a:endParaRPr lang="fr-FR" sz="1800" b="0" i="0" noProof="0" dirty="0">
+            <a:latin typeface="Franklin Gothic Medium"/>
+            <a:ea typeface="+mn-ea"/>
+            <a:cs typeface="+mn-cs"/>
+          </a:endParaRPr>
+        </a:p>
+      </dgm:t>
+    </dgm:pt>
+    <dgm:pt modelId="{209FC651-3F8E-4BF8-8C06-328027667041}" type="parTrans" cxnId="{EBCDDEFB-4955-4864-90AB-7D693BE5DA0A}">
+      <dgm:prSet/>
+      <dgm:spPr/>
+      <dgm:t>
+        <a:bodyPr/>
+        <a:lstStyle/>
+        <a:p>
+          <a:endParaRPr lang="en-US"/>
+        </a:p>
+      </dgm:t>
+    </dgm:pt>
+    <dgm:pt modelId="{A6AA8096-532A-4378-9BB6-B585B46357E5}" type="sibTrans" cxnId="{EBCDDEFB-4955-4864-90AB-7D693BE5DA0A}">
+      <dgm:prSet/>
+      <dgm:spPr/>
+      <dgm:t>
+        <a:bodyPr/>
+        <a:lstStyle/>
+        <a:p>
+          <a:endParaRPr lang="en-US"/>
+        </a:p>
+      </dgm:t>
+    </dgm:pt>
+    <dgm:pt modelId="{B5387FF0-0982-441E-9F8E-19335142671C}">
+      <dgm:prSet phldrT="[Text]"/>
+      <dgm:spPr/>
+      <dgm:t>
+        <a:bodyPr/>
+        <a:lstStyle/>
+        <a:p>
+          <a:pPr algn="l" defTabSz="914400">
+            <a:buNone/>
+          </a:pPr>
+          <a:r>
+            <a:rPr lang="fr-FR" sz="1800" b="0" i="0" noProof="0" dirty="0" smtClean="0">
+              <a:latin typeface="Franklin Gothic Medium"/>
+              <a:ea typeface="+mn-ea"/>
+              <a:cs typeface="+mn-cs"/>
+            </a:rPr>
+            <a:t>…</a:t>
+          </a:r>
+          <a:endParaRPr lang="fr-FR" sz="1800" b="0" i="0" noProof="0" dirty="0">
+            <a:latin typeface="Franklin Gothic Medium"/>
+            <a:ea typeface="+mn-ea"/>
+            <a:cs typeface="+mn-cs"/>
+          </a:endParaRPr>
+        </a:p>
+      </dgm:t>
+    </dgm:pt>
+    <dgm:pt modelId="{FE9534D2-E5E4-4494-A37E-5724362DB3AC}" type="parTrans" cxnId="{7F70C7BE-72E8-441E-B7CF-522ADEA91ECB}">
+      <dgm:prSet/>
+      <dgm:spPr/>
+      <dgm:t>
+        <a:bodyPr/>
+        <a:lstStyle/>
+        <a:p>
+          <a:endParaRPr lang="en-US"/>
+        </a:p>
+      </dgm:t>
+    </dgm:pt>
+    <dgm:pt modelId="{0DB486FB-DB2E-4894-89D1-AA4679580390}" type="sibTrans" cxnId="{7F70C7BE-72E8-441E-B7CF-522ADEA91ECB}">
+      <dgm:prSet/>
+      <dgm:spPr/>
+      <dgm:t>
+        <a:bodyPr/>
+        <a:lstStyle/>
+        <a:p>
+          <a:endParaRPr lang="en-US"/>
+        </a:p>
+      </dgm:t>
+    </dgm:pt>
+    <dgm:pt modelId="{31D3AE5D-DA06-4E2D-9D68-F5531DFE7C2B}" type="pres">
+      <dgm:prSet presAssocID="{CD5204CD-6958-4A55-82AA-4AD73B3B6A19}" presName="Name0" presStyleCnt="0">
+        <dgm:presLayoutVars>
+          <dgm:dir/>
+          <dgm:animLvl val="lvl"/>
+          <dgm:resizeHandles val="exact"/>
+        </dgm:presLayoutVars>
+      </dgm:prSet>
+      <dgm:spPr/>
+      <dgm:t>
+        <a:bodyPr/>
+        <a:lstStyle/>
+        <a:p>
+          <a:endParaRPr lang="en-US"/>
+        </a:p>
+      </dgm:t>
+    </dgm:pt>
+    <dgm:pt modelId="{127AFF01-F37D-42CC-8885-1689151201CD}" type="pres">
+      <dgm:prSet presAssocID="{C3DC95A2-4D92-42C5-966E-8600E4BA31BD}" presName="boxAndChildren" presStyleCnt="0"/>
+      <dgm:spPr/>
+    </dgm:pt>
+    <dgm:pt modelId="{588D9B7D-EC68-4FB0-96F2-2E47AC868059}" type="pres">
+      <dgm:prSet presAssocID="{C3DC95A2-4D92-42C5-966E-8600E4BA31BD}" presName="parentTextBox" presStyleLbl="node1" presStyleIdx="0" presStyleCnt="3"/>
+      <dgm:spPr/>
+      <dgm:t>
+        <a:bodyPr/>
+        <a:lstStyle/>
+        <a:p>
+          <a:endParaRPr lang="en-US"/>
+        </a:p>
+      </dgm:t>
+    </dgm:pt>
+    <dgm:pt modelId="{B752F9F5-2482-4D52-A33E-BE0263F4B0EA}" type="pres">
+      <dgm:prSet presAssocID="{C3DC95A2-4D92-42C5-966E-8600E4BA31BD}" presName="entireBox" presStyleLbl="node1" presStyleIdx="0" presStyleCnt="3"/>
+      <dgm:spPr/>
+      <dgm:t>
+        <a:bodyPr/>
+        <a:lstStyle/>
+        <a:p>
+          <a:endParaRPr lang="en-US"/>
+        </a:p>
+      </dgm:t>
+    </dgm:pt>
+    <dgm:pt modelId="{2DA8AD2F-BF50-4911-9A17-8274766C00A6}" type="pres">
+      <dgm:prSet presAssocID="{C3DC95A2-4D92-42C5-966E-8600E4BA31BD}" presName="descendantBox" presStyleCnt="0"/>
+      <dgm:spPr/>
+    </dgm:pt>
+    <dgm:pt modelId="{C4F2ADBF-C592-483D-A6FF-5DB9D2A90309}" type="pres">
+      <dgm:prSet presAssocID="{17ACD041-408C-4E7D-B463-7267D32756A1}" presName="childTextBox" presStyleLbl="fgAccFollowNode1" presStyleIdx="0" presStyleCnt="6">
+        <dgm:presLayoutVars>
+          <dgm:bulletEnabled val="1"/>
+        </dgm:presLayoutVars>
+      </dgm:prSet>
+      <dgm:spPr/>
+      <dgm:t>
+        <a:bodyPr/>
+        <a:lstStyle/>
+        <a:p>
+          <a:endParaRPr lang="en-US"/>
+        </a:p>
+      </dgm:t>
+    </dgm:pt>
+    <dgm:pt modelId="{0F0AC827-ACAE-4C23-875D-A4B53006A73F}" type="pres">
+      <dgm:prSet presAssocID="{B5387FF0-0982-441E-9F8E-19335142671C}" presName="childTextBox" presStyleLbl="fgAccFollowNode1" presStyleIdx="1" presStyleCnt="6">
+        <dgm:presLayoutVars>
+          <dgm:bulletEnabled val="1"/>
+        </dgm:presLayoutVars>
+      </dgm:prSet>
+      <dgm:spPr/>
+      <dgm:t>
+        <a:bodyPr/>
+        <a:lstStyle/>
+        <a:p>
+          <a:endParaRPr lang="en-US"/>
+        </a:p>
+      </dgm:t>
+    </dgm:pt>
+    <dgm:pt modelId="{7F8DEC81-0DCB-4545-8129-1A1632B41B5E}" type="pres">
+      <dgm:prSet presAssocID="{C684833D-85CC-4010-A138-ABC65E139C69}" presName="sp" presStyleCnt="0"/>
+      <dgm:spPr/>
+    </dgm:pt>
+    <dgm:pt modelId="{33200553-5A1C-45F1-A422-26ECCEDBD439}" type="pres">
+      <dgm:prSet presAssocID="{DB6AA457-F75F-415D-BDD5-92045774FE4B}" presName="arrowAndChildren" presStyleCnt="0"/>
+      <dgm:spPr/>
+    </dgm:pt>
+    <dgm:pt modelId="{7371425A-4D37-4FA7-A21E-1529F4324E45}" type="pres">
+      <dgm:prSet presAssocID="{DB6AA457-F75F-415D-BDD5-92045774FE4B}" presName="parentTextArrow" presStyleLbl="node1" presStyleIdx="0" presStyleCnt="3"/>
+      <dgm:spPr/>
+      <dgm:t>
+        <a:bodyPr/>
+        <a:lstStyle/>
+        <a:p>
+          <a:endParaRPr lang="en-US"/>
+        </a:p>
+      </dgm:t>
+    </dgm:pt>
+    <dgm:pt modelId="{80AD606B-F25E-46DF-B405-18F7D2EAE74A}" type="pres">
+      <dgm:prSet presAssocID="{DB6AA457-F75F-415D-BDD5-92045774FE4B}" presName="arrow" presStyleLbl="node1" presStyleIdx="1" presStyleCnt="3"/>
+      <dgm:spPr/>
+      <dgm:t>
+        <a:bodyPr/>
+        <a:lstStyle/>
+        <a:p>
+          <a:endParaRPr lang="en-US"/>
+        </a:p>
+      </dgm:t>
+    </dgm:pt>
+    <dgm:pt modelId="{72E9B7A5-E5DC-46EA-A30C-DAC09ADD2BF7}" type="pres">
+      <dgm:prSet presAssocID="{DB6AA457-F75F-415D-BDD5-92045774FE4B}" presName="descendantArrow" presStyleCnt="0"/>
+      <dgm:spPr/>
+    </dgm:pt>
+    <dgm:pt modelId="{A8E0F749-66B2-490B-99E9-CC106B163B16}" type="pres">
+      <dgm:prSet presAssocID="{99C943DF-AAA4-4E2C-A283-FA2BF761F447}" presName="childTextArrow" presStyleLbl="fgAccFollowNode1" presStyleIdx="2" presStyleCnt="6">
+        <dgm:presLayoutVars>
+          <dgm:bulletEnabled val="1"/>
+        </dgm:presLayoutVars>
+      </dgm:prSet>
+      <dgm:spPr/>
+      <dgm:t>
+        <a:bodyPr/>
+        <a:lstStyle/>
+        <a:p>
+          <a:endParaRPr lang="en-US"/>
+        </a:p>
+      </dgm:t>
+    </dgm:pt>
+    <dgm:pt modelId="{A6EE397C-6C28-4128-BFFE-CFF44F70153F}" type="pres">
+      <dgm:prSet presAssocID="{3FE03ED9-3066-4E28-8291-0B1764DC85D6}" presName="childTextArrow" presStyleLbl="fgAccFollowNode1" presStyleIdx="3" presStyleCnt="6">
+        <dgm:presLayoutVars>
+          <dgm:bulletEnabled val="1"/>
+        </dgm:presLayoutVars>
+      </dgm:prSet>
+      <dgm:spPr/>
+      <dgm:t>
+        <a:bodyPr/>
+        <a:lstStyle/>
+        <a:p>
+          <a:endParaRPr lang="en-US"/>
+        </a:p>
+      </dgm:t>
+    </dgm:pt>
+    <dgm:pt modelId="{0226793B-92A0-4530-A8D1-D80AF6A16C31}" type="pres">
+      <dgm:prSet presAssocID="{F14B97BF-E90F-4D5A-A42B-6364BCB81249}" presName="sp" presStyleCnt="0"/>
+      <dgm:spPr/>
+    </dgm:pt>
+    <dgm:pt modelId="{1A669411-1539-46A4-9D6E-2C85E15B0FA6}" type="pres">
+      <dgm:prSet presAssocID="{C712D637-7FF1-401C-9304-F85D1B95B226}" presName="arrowAndChildren" presStyleCnt="0"/>
+      <dgm:spPr/>
+    </dgm:pt>
+    <dgm:pt modelId="{859CA2CA-8A33-4975-9F01-7A3C8BB729DE}" type="pres">
+      <dgm:prSet presAssocID="{C712D637-7FF1-401C-9304-F85D1B95B226}" presName="parentTextArrow" presStyleLbl="node1" presStyleIdx="1" presStyleCnt="3"/>
+      <dgm:spPr/>
+      <dgm:t>
+        <a:bodyPr/>
+        <a:lstStyle/>
+        <a:p>
+          <a:endParaRPr lang="en-US"/>
+        </a:p>
+      </dgm:t>
+    </dgm:pt>
+    <dgm:pt modelId="{A48265CE-F3A3-46DB-9DD2-97590B4DBB84}" type="pres">
+      <dgm:prSet presAssocID="{C712D637-7FF1-401C-9304-F85D1B95B226}" presName="arrow" presStyleLbl="node1" presStyleIdx="2" presStyleCnt="3"/>
+      <dgm:spPr/>
+      <dgm:t>
+        <a:bodyPr/>
+        <a:lstStyle/>
+        <a:p>
+          <a:endParaRPr lang="en-US"/>
+        </a:p>
+      </dgm:t>
+    </dgm:pt>
+    <dgm:pt modelId="{DB89CC08-BF2F-4B2E-B88D-22F7BE6ECA5F}" type="pres">
+      <dgm:prSet presAssocID="{C712D637-7FF1-401C-9304-F85D1B95B226}" presName="descendantArrow" presStyleCnt="0"/>
+      <dgm:spPr/>
+    </dgm:pt>
+    <dgm:pt modelId="{59FFE57C-E5F2-4FBD-AA4D-8DB27381892F}" type="pres">
+      <dgm:prSet presAssocID="{743FE7B1-011B-42E6-8768-1EB3E95741FA}" presName="childTextArrow" presStyleLbl="fgAccFollowNode1" presStyleIdx="4" presStyleCnt="6">
+        <dgm:presLayoutVars>
+          <dgm:bulletEnabled val="1"/>
+        </dgm:presLayoutVars>
+      </dgm:prSet>
+      <dgm:spPr/>
+      <dgm:t>
+        <a:bodyPr/>
+        <a:lstStyle/>
+        <a:p>
+          <a:endParaRPr lang="en-US"/>
+        </a:p>
+      </dgm:t>
+    </dgm:pt>
+    <dgm:pt modelId="{3EC7D028-ECEA-492B-A6F1-68E9B57B69C6}" type="pres">
+      <dgm:prSet presAssocID="{DA33CDF4-5B94-4B92-9E0A-4DFD4CBFAF2D}" presName="childTextArrow" presStyleLbl="fgAccFollowNode1" presStyleIdx="5" presStyleCnt="6">
+        <dgm:presLayoutVars>
+          <dgm:bulletEnabled val="1"/>
+        </dgm:presLayoutVars>
+      </dgm:prSet>
+      <dgm:spPr/>
+      <dgm:t>
+        <a:bodyPr/>
+        <a:lstStyle/>
+        <a:p>
+          <a:endParaRPr lang="en-US"/>
+        </a:p>
+      </dgm:t>
+    </dgm:pt>
+  </dgm:ptLst>
+  <dgm:cxnLst>
+    <dgm:cxn modelId="{F9232B4D-645E-4C93-A5D6-A89B30504327}" srcId="{DB6AA457-F75F-415D-BDD5-92045774FE4B}" destId="{99C943DF-AAA4-4E2C-A283-FA2BF761F447}" srcOrd="0" destOrd="0" parTransId="{20F107AF-35DA-4D25-AB35-B8AD821D3FE7}" sibTransId="{4802CB64-7B32-458C-A9FF-C35C0A51E69A}"/>
+    <dgm:cxn modelId="{5A012591-AD10-4CB9-87CA-80F836A87F10}" type="presOf" srcId="{B5387FF0-0982-441E-9F8E-19335142671C}" destId="{0F0AC827-ACAE-4C23-875D-A4B53006A73F}" srcOrd="0" destOrd="0" presId="urn:microsoft.com/office/officeart/2005/8/layout/process4"/>
+    <dgm:cxn modelId="{EF7A2011-FCAC-41A8-A305-634BF780B59D}" srcId="{DB6AA457-F75F-415D-BDD5-92045774FE4B}" destId="{3FE03ED9-3066-4E28-8291-0B1764DC85D6}" srcOrd="1" destOrd="0" parTransId="{70F79093-990B-4C69-A0BC-6E28D692D24F}" sibTransId="{2D17DCF5-1F10-4F99-AFA5-9D17F12D0A73}"/>
+    <dgm:cxn modelId="{9CD14EFA-0F76-4A1F-B614-3498F606687F}" type="presOf" srcId="{3FE03ED9-3066-4E28-8291-0B1764DC85D6}" destId="{A6EE397C-6C28-4128-BFFE-CFF44F70153F}" srcOrd="0" destOrd="0" presId="urn:microsoft.com/office/officeart/2005/8/layout/process4"/>
+    <dgm:cxn modelId="{9653D664-EC18-40D7-9F5E-3B27A70DCA4D}" srcId="{CD5204CD-6958-4A55-82AA-4AD73B3B6A19}" destId="{C712D637-7FF1-401C-9304-F85D1B95B226}" srcOrd="0" destOrd="0" parTransId="{05E1DD5C-7FEF-48F0-9651-C74D082ACBA9}" sibTransId="{F14B97BF-E90F-4D5A-A42B-6364BCB81249}"/>
+    <dgm:cxn modelId="{7888DF58-4351-4017-97B5-9A2C1542304F}" type="presOf" srcId="{17ACD041-408C-4E7D-B463-7267D32756A1}" destId="{C4F2ADBF-C592-483D-A6FF-5DB9D2A90309}" srcOrd="0" destOrd="0" presId="urn:microsoft.com/office/officeart/2005/8/layout/process4"/>
+    <dgm:cxn modelId="{6D29C741-1B1E-4EBC-A0C7-F287A8ED285A}" srcId="{C712D637-7FF1-401C-9304-F85D1B95B226}" destId="{743FE7B1-011B-42E6-8768-1EB3E95741FA}" srcOrd="0" destOrd="0" parTransId="{921AFB12-2D70-40FB-8AB1-299E0FF2C5A6}" sibTransId="{FFAF77DD-A644-4C36-8908-6204BB0D9268}"/>
+    <dgm:cxn modelId="{A9D8FDD5-46C6-47E0-AA21-CE5D26EBFF1C}" type="presOf" srcId="{99C943DF-AAA4-4E2C-A283-FA2BF761F447}" destId="{A8E0F749-66B2-490B-99E9-CC106B163B16}" srcOrd="0" destOrd="0" presId="urn:microsoft.com/office/officeart/2005/8/layout/process4"/>
+    <dgm:cxn modelId="{93F76B4F-907D-4630-B1A9-C3BE3C102DFF}" srcId="{CD5204CD-6958-4A55-82AA-4AD73B3B6A19}" destId="{DB6AA457-F75F-415D-BDD5-92045774FE4B}" srcOrd="1" destOrd="0" parTransId="{195DBB62-3C1E-4BED-ADB6-6E31CA6ABD63}" sibTransId="{C684833D-85CC-4010-A138-ABC65E139C69}"/>
+    <dgm:cxn modelId="{CE503079-5EBC-46C6-AEA7-05CAA4676BB5}" type="presOf" srcId="{743FE7B1-011B-42E6-8768-1EB3E95741FA}" destId="{59FFE57C-E5F2-4FBD-AA4D-8DB27381892F}" srcOrd="0" destOrd="0" presId="urn:microsoft.com/office/officeart/2005/8/layout/process4"/>
+    <dgm:cxn modelId="{88A87FA6-C1EB-4109-9B9E-2FE10DE80F14}" srcId="{C712D637-7FF1-401C-9304-F85D1B95B226}" destId="{DA33CDF4-5B94-4B92-9E0A-4DFD4CBFAF2D}" srcOrd="1" destOrd="0" parTransId="{B7ECB8E0-4CD3-4804-BE8C-5260A5083C57}" sibTransId="{D3EF4DE2-351E-4A5C-980A-1BBDC899AAC2}"/>
+    <dgm:cxn modelId="{0DE776BA-5D89-4AF6-AD34-83FB1B440D6E}" type="presOf" srcId="{C3DC95A2-4D92-42C5-966E-8600E4BA31BD}" destId="{B752F9F5-2482-4D52-A33E-BE0263F4B0EA}" srcOrd="1" destOrd="0" presId="urn:microsoft.com/office/officeart/2005/8/layout/process4"/>
+    <dgm:cxn modelId="{654ADFCB-9F48-4311-9D35-6D66E259C0F0}" type="presOf" srcId="{DA33CDF4-5B94-4B92-9E0A-4DFD4CBFAF2D}" destId="{3EC7D028-ECEA-492B-A6F1-68E9B57B69C6}" srcOrd="0" destOrd="0" presId="urn:microsoft.com/office/officeart/2005/8/layout/process4"/>
+    <dgm:cxn modelId="{EBCDDEFB-4955-4864-90AB-7D693BE5DA0A}" srcId="{C3DC95A2-4D92-42C5-966E-8600E4BA31BD}" destId="{17ACD041-408C-4E7D-B463-7267D32756A1}" srcOrd="0" destOrd="0" parTransId="{209FC651-3F8E-4BF8-8C06-328027667041}" sibTransId="{A6AA8096-532A-4378-9BB6-B585B46357E5}"/>
+    <dgm:cxn modelId="{8A476EEB-6A39-4004-AD8C-BD56913E7B26}" srcId="{CD5204CD-6958-4A55-82AA-4AD73B3B6A19}" destId="{C3DC95A2-4D92-42C5-966E-8600E4BA31BD}" srcOrd="2" destOrd="0" parTransId="{F9D94033-59E5-4228-A5F3-6CB272E77E3B}" sibTransId="{A43E3114-C8AC-4F44-952D-8A0D6A8A6B45}"/>
+    <dgm:cxn modelId="{49DFB11E-EAA1-4720-837C-5291C468F94A}" type="presOf" srcId="{C712D637-7FF1-401C-9304-F85D1B95B226}" destId="{A48265CE-F3A3-46DB-9DD2-97590B4DBB84}" srcOrd="1" destOrd="0" presId="urn:microsoft.com/office/officeart/2005/8/layout/process4"/>
+    <dgm:cxn modelId="{7F70C7BE-72E8-441E-B7CF-522ADEA91ECB}" srcId="{C3DC95A2-4D92-42C5-966E-8600E4BA31BD}" destId="{B5387FF0-0982-441E-9F8E-19335142671C}" srcOrd="1" destOrd="0" parTransId="{FE9534D2-E5E4-4494-A37E-5724362DB3AC}" sibTransId="{0DB486FB-DB2E-4894-89D1-AA4679580390}"/>
+    <dgm:cxn modelId="{38C6CA17-AB89-46B1-B380-B602383053FA}" type="presOf" srcId="{DB6AA457-F75F-415D-BDD5-92045774FE4B}" destId="{7371425A-4D37-4FA7-A21E-1529F4324E45}" srcOrd="0" destOrd="0" presId="urn:microsoft.com/office/officeart/2005/8/layout/process4"/>
+    <dgm:cxn modelId="{7574A873-09B6-4955-9A03-A5E1A1036E6A}" type="presOf" srcId="{C712D637-7FF1-401C-9304-F85D1B95B226}" destId="{859CA2CA-8A33-4975-9F01-7A3C8BB729DE}" srcOrd="0" destOrd="0" presId="urn:microsoft.com/office/officeart/2005/8/layout/process4"/>
+    <dgm:cxn modelId="{51AAE964-0278-4D77-A962-9CAED2A33AFC}" type="presOf" srcId="{DB6AA457-F75F-415D-BDD5-92045774FE4B}" destId="{80AD606B-F25E-46DF-B405-18F7D2EAE74A}" srcOrd="1" destOrd="0" presId="urn:microsoft.com/office/officeart/2005/8/layout/process4"/>
+    <dgm:cxn modelId="{7AC8567A-4A9D-4A2D-9B97-5F366E5A9589}" type="presOf" srcId="{C3DC95A2-4D92-42C5-966E-8600E4BA31BD}" destId="{588D9B7D-EC68-4FB0-96F2-2E47AC868059}" srcOrd="0" destOrd="0" presId="urn:microsoft.com/office/officeart/2005/8/layout/process4"/>
+    <dgm:cxn modelId="{6FF8166B-A137-45DB-919B-F84C9A9DEC94}" type="presOf" srcId="{CD5204CD-6958-4A55-82AA-4AD73B3B6A19}" destId="{31D3AE5D-DA06-4E2D-9D68-F5531DFE7C2B}" srcOrd="0" destOrd="0" presId="urn:microsoft.com/office/officeart/2005/8/layout/process4"/>
+    <dgm:cxn modelId="{7D643549-6AEE-4E26-BA58-D9C18C7ABAF4}" type="presParOf" srcId="{31D3AE5D-DA06-4E2D-9D68-F5531DFE7C2B}" destId="{127AFF01-F37D-42CC-8885-1689151201CD}" srcOrd="0" destOrd="0" presId="urn:microsoft.com/office/officeart/2005/8/layout/process4"/>
+    <dgm:cxn modelId="{98720DA4-094D-4E12-A052-17C1E4A351C5}" type="presParOf" srcId="{127AFF01-F37D-42CC-8885-1689151201CD}" destId="{588D9B7D-EC68-4FB0-96F2-2E47AC868059}" srcOrd="0" destOrd="0" presId="urn:microsoft.com/office/officeart/2005/8/layout/process4"/>
+    <dgm:cxn modelId="{DBDEF9E6-6D83-4091-9045-E138E6FA8DD2}" type="presParOf" srcId="{127AFF01-F37D-42CC-8885-1689151201CD}" destId="{B752F9F5-2482-4D52-A33E-BE0263F4B0EA}" srcOrd="1" destOrd="0" presId="urn:microsoft.com/office/officeart/2005/8/layout/process4"/>
+    <dgm:cxn modelId="{321B1776-09BC-4C62-B6C1-FC05B63A86D0}" type="presParOf" srcId="{127AFF01-F37D-42CC-8885-1689151201CD}" destId="{2DA8AD2F-BF50-4911-9A17-8274766C00A6}" srcOrd="2" destOrd="0" presId="urn:microsoft.com/office/officeart/2005/8/layout/process4"/>
+    <dgm:cxn modelId="{E9431BD6-8716-4B4E-B21A-86EAD4196D4B}" type="presParOf" srcId="{2DA8AD2F-BF50-4911-9A17-8274766C00A6}" destId="{C4F2ADBF-C592-483D-A6FF-5DB9D2A90309}" srcOrd="0" destOrd="0" presId="urn:microsoft.com/office/officeart/2005/8/layout/process4"/>
+    <dgm:cxn modelId="{D99650C3-E161-4ACA-8707-DB9D54FB0D18}" type="presParOf" srcId="{2DA8AD2F-BF50-4911-9A17-8274766C00A6}" destId="{0F0AC827-ACAE-4C23-875D-A4B53006A73F}" srcOrd="1" destOrd="0" presId="urn:microsoft.com/office/officeart/2005/8/layout/process4"/>
+    <dgm:cxn modelId="{C6D661BF-68D6-43D5-8FF2-3723C2E2C9FA}" type="presParOf" srcId="{31D3AE5D-DA06-4E2D-9D68-F5531DFE7C2B}" destId="{7F8DEC81-0DCB-4545-8129-1A1632B41B5E}" srcOrd="1" destOrd="0" presId="urn:microsoft.com/office/officeart/2005/8/layout/process4"/>
+    <dgm:cxn modelId="{5E498EFA-15A7-43D8-B3EF-09A08F3E3DFC}" type="presParOf" srcId="{31D3AE5D-DA06-4E2D-9D68-F5531DFE7C2B}" destId="{33200553-5A1C-45F1-A422-26ECCEDBD439}" srcOrd="2" destOrd="0" presId="urn:microsoft.com/office/officeart/2005/8/layout/process4"/>
+    <dgm:cxn modelId="{B5DFBCA9-3CB3-4CD9-8DB7-430DCEB58B6A}" type="presParOf" srcId="{33200553-5A1C-45F1-A422-26ECCEDBD439}" destId="{7371425A-4D37-4FA7-A21E-1529F4324E45}" srcOrd="0" destOrd="0" presId="urn:microsoft.com/office/officeart/2005/8/layout/process4"/>
+    <dgm:cxn modelId="{955134DE-A8E0-40D1-B4FE-C9CA3499F6DD}" type="presParOf" srcId="{33200553-5A1C-45F1-A422-26ECCEDBD439}" destId="{80AD606B-F25E-46DF-B405-18F7D2EAE74A}" srcOrd="1" destOrd="0" presId="urn:microsoft.com/office/officeart/2005/8/layout/process4"/>
+    <dgm:cxn modelId="{67ADA579-46CA-4DBD-94E4-E19561273F52}" type="presParOf" srcId="{33200553-5A1C-45F1-A422-26ECCEDBD439}" destId="{72E9B7A5-E5DC-46EA-A30C-DAC09ADD2BF7}" srcOrd="2" destOrd="0" presId="urn:microsoft.com/office/officeart/2005/8/layout/process4"/>
+    <dgm:cxn modelId="{CBED8EA8-112B-47CC-93F8-0881D907DC11}" type="presParOf" srcId="{72E9B7A5-E5DC-46EA-A30C-DAC09ADD2BF7}" destId="{A8E0F749-66B2-490B-99E9-CC106B163B16}" srcOrd="0" destOrd="0" presId="urn:microsoft.com/office/officeart/2005/8/layout/process4"/>
+    <dgm:cxn modelId="{D04A35A1-0C97-4A83-92A8-45E147C182BC}" type="presParOf" srcId="{72E9B7A5-E5DC-46EA-A30C-DAC09ADD2BF7}" destId="{A6EE397C-6C28-4128-BFFE-CFF44F70153F}" srcOrd="1" destOrd="0" presId="urn:microsoft.com/office/officeart/2005/8/layout/process4"/>
+    <dgm:cxn modelId="{D72A564E-BE92-4083-AF3C-6F98D13D1618}" type="presParOf" srcId="{31D3AE5D-DA06-4E2D-9D68-F5531DFE7C2B}" destId="{0226793B-92A0-4530-A8D1-D80AF6A16C31}" srcOrd="3" destOrd="0" presId="urn:microsoft.com/office/officeart/2005/8/layout/process4"/>
+    <dgm:cxn modelId="{0821D65C-0823-4037-A9D7-EBE3982599A6}" type="presParOf" srcId="{31D3AE5D-DA06-4E2D-9D68-F5531DFE7C2B}" destId="{1A669411-1539-46A4-9D6E-2C85E15B0FA6}" srcOrd="4" destOrd="0" presId="urn:microsoft.com/office/officeart/2005/8/layout/process4"/>
+    <dgm:cxn modelId="{1EC6B30C-2EBC-4B16-B786-1F6473D48D3E}" type="presParOf" srcId="{1A669411-1539-46A4-9D6E-2C85E15B0FA6}" destId="{859CA2CA-8A33-4975-9F01-7A3C8BB729DE}" srcOrd="0" destOrd="0" presId="urn:microsoft.com/office/officeart/2005/8/layout/process4"/>
+    <dgm:cxn modelId="{DAF24C69-1733-42D4-BD38-8DA5F06A5F67}" type="presParOf" srcId="{1A669411-1539-46A4-9D6E-2C85E15B0FA6}" destId="{A48265CE-F3A3-46DB-9DD2-97590B4DBB84}" srcOrd="1" destOrd="0" presId="urn:microsoft.com/office/officeart/2005/8/layout/process4"/>
+    <dgm:cxn modelId="{18F35990-3EA9-4EE0-A08C-93645745D300}" type="presParOf" srcId="{1A669411-1539-46A4-9D6E-2C85E15B0FA6}" destId="{DB89CC08-BF2F-4B2E-B88D-22F7BE6ECA5F}" srcOrd="2" destOrd="0" presId="urn:microsoft.com/office/officeart/2005/8/layout/process4"/>
+    <dgm:cxn modelId="{57DB4D70-5A78-407B-B7D9-712767AD0813}" type="presParOf" srcId="{DB89CC08-BF2F-4B2E-B88D-22F7BE6ECA5F}" destId="{59FFE57C-E5F2-4FBD-AA4D-8DB27381892F}" srcOrd="0" destOrd="0" presId="urn:microsoft.com/office/officeart/2005/8/layout/process4"/>
+    <dgm:cxn modelId="{EAC69349-EBEA-4189-A1D8-309B6A387459}" type="presParOf" srcId="{DB89CC08-BF2F-4B2E-B88D-22F7BE6ECA5F}" destId="{3EC7D028-ECEA-492B-A6F1-68E9B57B69C6}" srcOrd="1" destOrd="0" presId="urn:microsoft.com/office/officeart/2005/8/layout/process4"/>
+  </dgm:cxnLst>
+  <dgm:bg/>
+  <dgm:whole/>
+  <dgm:extLst>
+    <a:ext uri="http://schemas.microsoft.com/office/drawing/2008/diagram">
+      <dsp:dataModelExt xmlns:dsp="http://schemas.microsoft.com/office/drawing/2008/diagram" relId="rId6" minVer="http://schemas.openxmlformats.org/drawingml/2006/diagram"/>
+    </a:ext>
+  </dgm:extLst>
+</dgm:dataModel>
+</file>
+
+<file path=ppt/diagrams/data2.xml><?xml version="1.0" encoding="utf-8"?>
 <dgm:dataModel xmlns:dgm="http://schemas.openxmlformats.org/drawingml/2006/diagram" xmlns:a="http://schemas.openxmlformats.org/drawingml/2006/main">
   <dgm:ptLst>
     <dgm:pt modelId="{CD5204CD-6958-4A55-82AA-4AD73B3B6A19}" type="doc">
@@ -1603,6 +3072,1560 @@
       <dsp:cNvGrpSpPr/>
     </dsp:nvGrpSpPr>
     <dsp:grpSpPr/>
+    <dsp:sp modelId="{B752F9F5-2482-4D52-A33E-BE0263F4B0EA}">
+      <dsp:nvSpPr>
+        <dsp:cNvPr id="0" name=""/>
+        <dsp:cNvSpPr/>
+      </dsp:nvSpPr>
+      <dsp:spPr>
+        <a:xfrm>
+          <a:off x="0" y="3443976"/>
+          <a:ext cx="5334000" cy="1130389"/>
+        </a:xfrm>
+        <a:prstGeom prst="rect">
+          <a:avLst/>
+        </a:prstGeom>
+        <a:solidFill>
+          <a:schemeClr val="accent3">
+            <a:hueOff val="0"/>
+            <a:satOff val="0"/>
+            <a:lumOff val="0"/>
+            <a:alphaOff val="0"/>
+          </a:schemeClr>
+        </a:solidFill>
+        <a:ln w="12700" cap="flat" cmpd="sng" algn="ctr">
+          <a:solidFill>
+            <a:schemeClr val="lt1">
+              <a:hueOff val="0"/>
+              <a:satOff val="0"/>
+              <a:lumOff val="0"/>
+              <a:alphaOff val="0"/>
+            </a:schemeClr>
+          </a:solidFill>
+          <a:prstDash val="solid"/>
+          <a:miter lim="800000"/>
+        </a:ln>
+        <a:effectLst/>
+      </dsp:spPr>
+      <dsp:style>
+        <a:lnRef idx="2">
+          <a:scrgbClr r="0" g="0" b="0"/>
+        </a:lnRef>
+        <a:fillRef idx="1">
+          <a:scrgbClr r="0" g="0" b="0"/>
+        </a:fillRef>
+        <a:effectRef idx="0">
+          <a:scrgbClr r="0" g="0" b="0"/>
+        </a:effectRef>
+        <a:fontRef idx="minor">
+          <a:schemeClr val="lt1"/>
+        </a:fontRef>
+      </dsp:style>
+      <dsp:txBody>
+        <a:bodyPr spcFirstLastPara="0" vert="horz" wrap="square" lIns="156464" tIns="156464" rIns="156464" bIns="156464" numCol="1" spcCol="1270" anchor="ctr" anchorCtr="0">
+          <a:noAutofit/>
+        </a:bodyPr>
+        <a:lstStyle/>
+        <a:p>
+          <a:pPr lvl="0" algn="ctr" defTabSz="914400">
+            <a:lnSpc>
+              <a:spcPct val="90000"/>
+            </a:lnSpc>
+            <a:spcBef>
+              <a:spcPct val="0"/>
+            </a:spcBef>
+            <a:spcAft>
+              <a:spcPct val="35000"/>
+            </a:spcAft>
+            <a:buNone/>
+          </a:pPr>
+          <a:r>
+            <a:rPr lang="fr-FR" sz="2200" i="1" kern="1200" noProof="0" dirty="0" smtClean="0"/>
+            <a:t>Pour aller plus loin</a:t>
+          </a:r>
+          <a:endParaRPr lang="fr-FR" sz="2200" i="1" kern="1200" noProof="0" dirty="0"/>
+        </a:p>
+      </dsp:txBody>
+      <dsp:txXfrm>
+        <a:off x="0" y="3443976"/>
+        <a:ext cx="5334000" cy="610410"/>
+      </dsp:txXfrm>
+    </dsp:sp>
+    <dsp:sp modelId="{C4F2ADBF-C592-483D-A6FF-5DB9D2A90309}">
+      <dsp:nvSpPr>
+        <dsp:cNvPr id="0" name=""/>
+        <dsp:cNvSpPr/>
+      </dsp:nvSpPr>
+      <dsp:spPr>
+        <a:xfrm>
+          <a:off x="0" y="4031779"/>
+          <a:ext cx="2667000" cy="519979"/>
+        </a:xfrm>
+        <a:prstGeom prst="rect">
+          <a:avLst/>
+        </a:prstGeom>
+        <a:solidFill>
+          <a:schemeClr val="accent3">
+            <a:tint val="40000"/>
+            <a:alpha val="90000"/>
+            <a:hueOff val="0"/>
+            <a:satOff val="0"/>
+            <a:lumOff val="0"/>
+            <a:alphaOff val="0"/>
+          </a:schemeClr>
+        </a:solidFill>
+        <a:ln w="12700" cap="flat" cmpd="sng" algn="ctr">
+          <a:solidFill>
+            <a:schemeClr val="accent3">
+              <a:tint val="40000"/>
+              <a:alpha val="90000"/>
+              <a:hueOff val="0"/>
+              <a:satOff val="0"/>
+              <a:lumOff val="0"/>
+              <a:alphaOff val="0"/>
+            </a:schemeClr>
+          </a:solidFill>
+          <a:prstDash val="solid"/>
+          <a:miter lim="800000"/>
+        </a:ln>
+        <a:effectLst/>
+      </dsp:spPr>
+      <dsp:style>
+        <a:lnRef idx="2">
+          <a:scrgbClr r="0" g="0" b="0"/>
+        </a:lnRef>
+        <a:fillRef idx="1">
+          <a:scrgbClr r="0" g="0" b="0"/>
+        </a:fillRef>
+        <a:effectRef idx="0">
+          <a:scrgbClr r="0" g="0" b="0"/>
+        </a:effectRef>
+        <a:fontRef idx="minor"/>
+      </dsp:style>
+      <dsp:txBody>
+        <a:bodyPr spcFirstLastPara="0" vert="horz" wrap="square" lIns="156464" tIns="27940" rIns="156464" bIns="27940" numCol="1" spcCol="1270" anchor="ctr" anchorCtr="0">
+          <a:noAutofit/>
+        </a:bodyPr>
+        <a:lstStyle/>
+        <a:p>
+          <a:pPr lvl="0" algn="l" defTabSz="914400">
+            <a:lnSpc>
+              <a:spcPct val="90000"/>
+            </a:lnSpc>
+            <a:spcBef>
+              <a:spcPct val="0"/>
+            </a:spcBef>
+            <a:spcAft>
+              <a:spcPct val="35000"/>
+            </a:spcAft>
+            <a:buNone/>
+          </a:pPr>
+          <a:r>
+            <a:rPr lang="fr-FR" sz="2200" b="0" i="0" kern="1200" noProof="0" dirty="0" smtClean="0">
+              <a:latin typeface="Franklin Gothic Medium"/>
+              <a:ea typeface="+mn-ea"/>
+              <a:cs typeface="+mn-cs"/>
+            </a:rPr>
+            <a:t>Reconstitution</a:t>
+          </a:r>
+          <a:endParaRPr lang="fr-FR" sz="2200" b="0" i="0" kern="1200" noProof="0" dirty="0">
+            <a:latin typeface="Franklin Gothic Medium"/>
+            <a:ea typeface="+mn-ea"/>
+            <a:cs typeface="+mn-cs"/>
+          </a:endParaRPr>
+        </a:p>
+      </dsp:txBody>
+      <dsp:txXfrm>
+        <a:off x="0" y="4031779"/>
+        <a:ext cx="2667000" cy="519979"/>
+      </dsp:txXfrm>
+    </dsp:sp>
+    <dsp:sp modelId="{0F0AC827-ACAE-4C23-875D-A4B53006A73F}">
+      <dsp:nvSpPr>
+        <dsp:cNvPr id="0" name=""/>
+        <dsp:cNvSpPr/>
+      </dsp:nvSpPr>
+      <dsp:spPr>
+        <a:xfrm>
+          <a:off x="2667000" y="4031779"/>
+          <a:ext cx="2667000" cy="519979"/>
+        </a:xfrm>
+        <a:prstGeom prst="rect">
+          <a:avLst/>
+        </a:prstGeom>
+        <a:solidFill>
+          <a:schemeClr val="accent3">
+            <a:tint val="40000"/>
+            <a:alpha val="90000"/>
+            <a:hueOff val="405828"/>
+            <a:satOff val="20000"/>
+            <a:lumOff val="356"/>
+            <a:alphaOff val="0"/>
+          </a:schemeClr>
+        </a:solidFill>
+        <a:ln w="12700" cap="flat" cmpd="sng" algn="ctr">
+          <a:solidFill>
+            <a:schemeClr val="accent3">
+              <a:tint val="40000"/>
+              <a:alpha val="90000"/>
+              <a:hueOff val="405828"/>
+              <a:satOff val="20000"/>
+              <a:lumOff val="356"/>
+              <a:alphaOff val="0"/>
+            </a:schemeClr>
+          </a:solidFill>
+          <a:prstDash val="solid"/>
+          <a:miter lim="800000"/>
+        </a:ln>
+        <a:effectLst/>
+      </dsp:spPr>
+      <dsp:style>
+        <a:lnRef idx="2">
+          <a:scrgbClr r="0" g="0" b="0"/>
+        </a:lnRef>
+        <a:fillRef idx="1">
+          <a:scrgbClr r="0" g="0" b="0"/>
+        </a:fillRef>
+        <a:effectRef idx="0">
+          <a:scrgbClr r="0" g="0" b="0"/>
+        </a:effectRef>
+        <a:fontRef idx="minor"/>
+      </dsp:style>
+      <dsp:txBody>
+        <a:bodyPr spcFirstLastPara="0" vert="horz" wrap="square" lIns="156464" tIns="27940" rIns="156464" bIns="27940" numCol="1" spcCol="1270" anchor="ctr" anchorCtr="0">
+          <a:noAutofit/>
+        </a:bodyPr>
+        <a:lstStyle/>
+        <a:p>
+          <a:pPr lvl="0" algn="l" defTabSz="914400">
+            <a:lnSpc>
+              <a:spcPct val="90000"/>
+            </a:lnSpc>
+            <a:spcBef>
+              <a:spcPct val="0"/>
+            </a:spcBef>
+            <a:spcAft>
+              <a:spcPct val="35000"/>
+            </a:spcAft>
+            <a:buNone/>
+          </a:pPr>
+          <a:r>
+            <a:rPr lang="fr-FR" sz="2200" b="0" i="0" kern="1200" noProof="0" dirty="0" smtClean="0">
+              <a:latin typeface="Franklin Gothic Medium"/>
+              <a:ea typeface="+mn-ea"/>
+              <a:cs typeface="+mn-cs"/>
+            </a:rPr>
+            <a:t>…</a:t>
+          </a:r>
+          <a:endParaRPr lang="fr-FR" sz="2200" b="0" i="0" kern="1200" noProof="0" dirty="0">
+            <a:latin typeface="Franklin Gothic Medium"/>
+            <a:ea typeface="+mn-ea"/>
+            <a:cs typeface="+mn-cs"/>
+          </a:endParaRPr>
+        </a:p>
+      </dsp:txBody>
+      <dsp:txXfrm>
+        <a:off x="2667000" y="4031779"/>
+        <a:ext cx="2667000" cy="519979"/>
+      </dsp:txXfrm>
+    </dsp:sp>
+    <dsp:sp modelId="{80AD606B-F25E-46DF-B405-18F7D2EAE74A}">
+      <dsp:nvSpPr>
+        <dsp:cNvPr id="0" name=""/>
+        <dsp:cNvSpPr/>
+      </dsp:nvSpPr>
+      <dsp:spPr>
+        <a:xfrm rot="10800000">
+          <a:off x="0" y="1722392"/>
+          <a:ext cx="5334000" cy="1738539"/>
+        </a:xfrm>
+        <a:prstGeom prst="upArrowCallout">
+          <a:avLst/>
+        </a:prstGeom>
+        <a:solidFill>
+          <a:schemeClr val="accent3">
+            <a:hueOff val="1355300"/>
+            <a:satOff val="50000"/>
+            <a:lumOff val="-7353"/>
+            <a:alphaOff val="0"/>
+          </a:schemeClr>
+        </a:solidFill>
+        <a:ln w="12700" cap="flat" cmpd="sng" algn="ctr">
+          <a:solidFill>
+            <a:schemeClr val="lt1">
+              <a:hueOff val="0"/>
+              <a:satOff val="0"/>
+              <a:lumOff val="0"/>
+              <a:alphaOff val="0"/>
+            </a:schemeClr>
+          </a:solidFill>
+          <a:prstDash val="solid"/>
+          <a:miter lim="800000"/>
+        </a:ln>
+        <a:effectLst/>
+      </dsp:spPr>
+      <dsp:style>
+        <a:lnRef idx="2">
+          <a:scrgbClr r="0" g="0" b="0"/>
+        </a:lnRef>
+        <a:fillRef idx="1">
+          <a:scrgbClr r="0" g="0" b="0"/>
+        </a:fillRef>
+        <a:effectRef idx="0">
+          <a:scrgbClr r="0" g="0" b="0"/>
+        </a:effectRef>
+        <a:fontRef idx="minor">
+          <a:schemeClr val="lt1"/>
+        </a:fontRef>
+      </dsp:style>
+      <dsp:txBody>
+        <a:bodyPr spcFirstLastPara="0" vert="horz" wrap="square" lIns="156464" tIns="156464" rIns="156464" bIns="156464" numCol="1" spcCol="1270" anchor="ctr" anchorCtr="0">
+          <a:noAutofit/>
+        </a:bodyPr>
+        <a:lstStyle/>
+        <a:p>
+          <a:pPr lvl="0" algn="ctr" defTabSz="914400">
+            <a:lnSpc>
+              <a:spcPct val="90000"/>
+            </a:lnSpc>
+            <a:spcBef>
+              <a:spcPct val="0"/>
+            </a:spcBef>
+            <a:spcAft>
+              <a:spcPct val="35000"/>
+            </a:spcAft>
+            <a:buNone/>
+          </a:pPr>
+          <a:r>
+            <a:rPr lang="fr-FR" sz="2200" kern="1200" noProof="0" dirty="0" smtClean="0"/>
+            <a:t>Traitement</a:t>
+          </a:r>
+          <a:endParaRPr lang="fr-FR" sz="2200" kern="1200" noProof="0" dirty="0"/>
+        </a:p>
+      </dsp:txBody>
+      <dsp:txXfrm rot="-10800000">
+        <a:off x="0" y="1722392"/>
+        <a:ext cx="5334000" cy="610227"/>
+      </dsp:txXfrm>
+    </dsp:sp>
+    <dsp:sp modelId="{A8E0F749-66B2-490B-99E9-CC106B163B16}">
+      <dsp:nvSpPr>
+        <dsp:cNvPr id="0" name=""/>
+        <dsp:cNvSpPr/>
+      </dsp:nvSpPr>
+      <dsp:spPr>
+        <a:xfrm>
+          <a:off x="0" y="2332619"/>
+          <a:ext cx="2667000" cy="519823"/>
+        </a:xfrm>
+        <a:prstGeom prst="rect">
+          <a:avLst/>
+        </a:prstGeom>
+        <a:solidFill>
+          <a:schemeClr val="accent3">
+            <a:tint val="40000"/>
+            <a:alpha val="90000"/>
+            <a:hueOff val="811656"/>
+            <a:satOff val="40000"/>
+            <a:lumOff val="712"/>
+            <a:alphaOff val="0"/>
+          </a:schemeClr>
+        </a:solidFill>
+        <a:ln w="12700" cap="flat" cmpd="sng" algn="ctr">
+          <a:solidFill>
+            <a:schemeClr val="accent3">
+              <a:tint val="40000"/>
+              <a:alpha val="90000"/>
+              <a:hueOff val="811656"/>
+              <a:satOff val="40000"/>
+              <a:lumOff val="712"/>
+              <a:alphaOff val="0"/>
+            </a:schemeClr>
+          </a:solidFill>
+          <a:prstDash val="solid"/>
+          <a:miter lim="800000"/>
+        </a:ln>
+        <a:effectLst/>
+      </dsp:spPr>
+      <dsp:style>
+        <a:lnRef idx="2">
+          <a:scrgbClr r="0" g="0" b="0"/>
+        </a:lnRef>
+        <a:fillRef idx="1">
+          <a:scrgbClr r="0" g="0" b="0"/>
+        </a:fillRef>
+        <a:effectRef idx="0">
+          <a:scrgbClr r="0" g="0" b="0"/>
+        </a:effectRef>
+        <a:fontRef idx="minor"/>
+      </dsp:style>
+      <dsp:txBody>
+        <a:bodyPr spcFirstLastPara="0" vert="horz" wrap="square" lIns="156464" tIns="27940" rIns="156464" bIns="27940" numCol="1" spcCol="1270" anchor="ctr" anchorCtr="0">
+          <a:noAutofit/>
+        </a:bodyPr>
+        <a:lstStyle/>
+        <a:p>
+          <a:pPr lvl="0" algn="l" defTabSz="914400">
+            <a:lnSpc>
+              <a:spcPct val="90000"/>
+            </a:lnSpc>
+            <a:spcBef>
+              <a:spcPct val="0"/>
+            </a:spcBef>
+            <a:spcAft>
+              <a:spcPct val="35000"/>
+            </a:spcAft>
+            <a:buNone/>
+          </a:pPr>
+          <a:r>
+            <a:rPr lang="fr-FR" sz="2200" b="0" i="0" kern="1200" noProof="0" dirty="0" smtClean="0">
+              <a:latin typeface="Franklin Gothic Medium"/>
+              <a:ea typeface="+mn-ea"/>
+              <a:cs typeface="+mn-cs"/>
+            </a:rPr>
+            <a:t>Comparaison</a:t>
+          </a:r>
+          <a:endParaRPr lang="fr-FR" sz="2200" b="0" i="0" kern="1200" noProof="0" dirty="0">
+            <a:latin typeface="Franklin Gothic Medium"/>
+            <a:ea typeface="+mn-ea"/>
+            <a:cs typeface="+mn-cs"/>
+          </a:endParaRPr>
+        </a:p>
+      </dsp:txBody>
+      <dsp:txXfrm>
+        <a:off x="0" y="2332619"/>
+        <a:ext cx="2667000" cy="519823"/>
+      </dsp:txXfrm>
+    </dsp:sp>
+    <dsp:sp modelId="{A6EE397C-6C28-4128-BFFE-CFF44F70153F}">
+      <dsp:nvSpPr>
+        <dsp:cNvPr id="0" name=""/>
+        <dsp:cNvSpPr/>
+      </dsp:nvSpPr>
+      <dsp:spPr>
+        <a:xfrm>
+          <a:off x="2667000" y="2332619"/>
+          <a:ext cx="2667000" cy="519823"/>
+        </a:xfrm>
+        <a:prstGeom prst="rect">
+          <a:avLst/>
+        </a:prstGeom>
+        <a:solidFill>
+          <a:schemeClr val="accent3">
+            <a:tint val="40000"/>
+            <a:alpha val="90000"/>
+            <a:hueOff val="1217485"/>
+            <a:satOff val="60000"/>
+            <a:lumOff val="1067"/>
+            <a:alphaOff val="0"/>
+          </a:schemeClr>
+        </a:solidFill>
+        <a:ln w="12700" cap="flat" cmpd="sng" algn="ctr">
+          <a:solidFill>
+            <a:schemeClr val="accent3">
+              <a:tint val="40000"/>
+              <a:alpha val="90000"/>
+              <a:hueOff val="1217485"/>
+              <a:satOff val="60000"/>
+              <a:lumOff val="1067"/>
+              <a:alphaOff val="0"/>
+            </a:schemeClr>
+          </a:solidFill>
+          <a:prstDash val="solid"/>
+          <a:miter lim="800000"/>
+        </a:ln>
+        <a:effectLst/>
+      </dsp:spPr>
+      <dsp:style>
+        <a:lnRef idx="2">
+          <a:scrgbClr r="0" g="0" b="0"/>
+        </a:lnRef>
+        <a:fillRef idx="1">
+          <a:scrgbClr r="0" g="0" b="0"/>
+        </a:fillRef>
+        <a:effectRef idx="0">
+          <a:scrgbClr r="0" g="0" b="0"/>
+        </a:effectRef>
+        <a:fontRef idx="minor"/>
+      </dsp:style>
+      <dsp:txBody>
+        <a:bodyPr spcFirstLastPara="0" vert="horz" wrap="square" lIns="156464" tIns="27940" rIns="156464" bIns="27940" numCol="1" spcCol="1270" anchor="ctr" anchorCtr="0">
+          <a:noAutofit/>
+        </a:bodyPr>
+        <a:lstStyle/>
+        <a:p>
+          <a:pPr lvl="0" algn="l" defTabSz="914400">
+            <a:lnSpc>
+              <a:spcPct val="90000"/>
+            </a:lnSpc>
+            <a:spcBef>
+              <a:spcPct val="0"/>
+            </a:spcBef>
+            <a:spcAft>
+              <a:spcPct val="35000"/>
+            </a:spcAft>
+            <a:buNone/>
+          </a:pPr>
+          <a:r>
+            <a:rPr lang="fr-FR" sz="2200" b="0" i="0" kern="1200" noProof="0" dirty="0" smtClean="0">
+              <a:latin typeface="Franklin Gothic Medium"/>
+              <a:ea typeface="+mn-ea"/>
+              <a:cs typeface="+mn-cs"/>
+            </a:rPr>
+            <a:t>Détection</a:t>
+          </a:r>
+          <a:endParaRPr lang="fr-FR" sz="2200" b="0" i="0" kern="1200" noProof="0" dirty="0">
+            <a:latin typeface="Franklin Gothic Medium"/>
+            <a:ea typeface="+mn-ea"/>
+            <a:cs typeface="+mn-cs"/>
+          </a:endParaRPr>
+        </a:p>
+      </dsp:txBody>
+      <dsp:txXfrm>
+        <a:off x="2667000" y="2332619"/>
+        <a:ext cx="2667000" cy="519823"/>
+      </dsp:txXfrm>
+    </dsp:sp>
+    <dsp:sp modelId="{A48265CE-F3A3-46DB-9DD2-97590B4DBB84}">
+      <dsp:nvSpPr>
+        <dsp:cNvPr id="0" name=""/>
+        <dsp:cNvSpPr/>
+      </dsp:nvSpPr>
+      <dsp:spPr>
+        <a:xfrm rot="10800000">
+          <a:off x="0" y="808"/>
+          <a:ext cx="5334000" cy="1738539"/>
+        </a:xfrm>
+        <a:prstGeom prst="upArrowCallout">
+          <a:avLst/>
+        </a:prstGeom>
+        <a:solidFill>
+          <a:schemeClr val="accent3">
+            <a:hueOff val="2710599"/>
+            <a:satOff val="100000"/>
+            <a:lumOff val="-14706"/>
+            <a:alphaOff val="0"/>
+          </a:schemeClr>
+        </a:solidFill>
+        <a:ln w="12700" cap="flat" cmpd="sng" algn="ctr">
+          <a:solidFill>
+            <a:schemeClr val="lt1">
+              <a:hueOff val="0"/>
+              <a:satOff val="0"/>
+              <a:lumOff val="0"/>
+              <a:alphaOff val="0"/>
+            </a:schemeClr>
+          </a:solidFill>
+          <a:prstDash val="solid"/>
+          <a:miter lim="800000"/>
+        </a:ln>
+        <a:effectLst/>
+      </dsp:spPr>
+      <dsp:style>
+        <a:lnRef idx="2">
+          <a:scrgbClr r="0" g="0" b="0"/>
+        </a:lnRef>
+        <a:fillRef idx="1">
+          <a:scrgbClr r="0" g="0" b="0"/>
+        </a:fillRef>
+        <a:effectRef idx="0">
+          <a:scrgbClr r="0" g="0" b="0"/>
+        </a:effectRef>
+        <a:fontRef idx="minor">
+          <a:schemeClr val="lt1"/>
+        </a:fontRef>
+      </dsp:style>
+      <dsp:txBody>
+        <a:bodyPr spcFirstLastPara="0" vert="horz" wrap="square" lIns="156464" tIns="156464" rIns="156464" bIns="156464" numCol="1" spcCol="1270" anchor="ctr" anchorCtr="0">
+          <a:noAutofit/>
+        </a:bodyPr>
+        <a:lstStyle/>
+        <a:p>
+          <a:pPr lvl="0" algn="ctr" defTabSz="914400">
+            <a:lnSpc>
+              <a:spcPct val="90000"/>
+            </a:lnSpc>
+            <a:spcBef>
+              <a:spcPct val="0"/>
+            </a:spcBef>
+            <a:spcAft>
+              <a:spcPct val="35000"/>
+            </a:spcAft>
+            <a:buNone/>
+          </a:pPr>
+          <a:r>
+            <a:rPr lang="fr-FR" sz="2200" kern="1200" noProof="0" dirty="0" smtClean="0"/>
+            <a:t>Caractérisation d’un signal</a:t>
+          </a:r>
+          <a:endParaRPr lang="fr-FR" sz="2200" kern="1200" noProof="0" dirty="0"/>
+        </a:p>
+      </dsp:txBody>
+      <dsp:txXfrm rot="-10800000">
+        <a:off x="0" y="808"/>
+        <a:ext cx="5334000" cy="610227"/>
+      </dsp:txXfrm>
+    </dsp:sp>
+    <dsp:sp modelId="{59FFE57C-E5F2-4FBD-AA4D-8DB27381892F}">
+      <dsp:nvSpPr>
+        <dsp:cNvPr id="0" name=""/>
+        <dsp:cNvSpPr/>
+      </dsp:nvSpPr>
+      <dsp:spPr>
+        <a:xfrm>
+          <a:off x="0" y="611036"/>
+          <a:ext cx="2667000" cy="519823"/>
+        </a:xfrm>
+        <a:prstGeom prst="rect">
+          <a:avLst/>
+        </a:prstGeom>
+        <a:solidFill>
+          <a:schemeClr val="accent3">
+            <a:tint val="40000"/>
+            <a:alpha val="90000"/>
+            <a:hueOff val="1623313"/>
+            <a:satOff val="80000"/>
+            <a:lumOff val="1423"/>
+            <a:alphaOff val="0"/>
+          </a:schemeClr>
+        </a:solidFill>
+        <a:ln w="12700" cap="flat" cmpd="sng" algn="ctr">
+          <a:solidFill>
+            <a:schemeClr val="accent3">
+              <a:tint val="40000"/>
+              <a:alpha val="90000"/>
+              <a:hueOff val="1623313"/>
+              <a:satOff val="80000"/>
+              <a:lumOff val="1423"/>
+              <a:alphaOff val="0"/>
+            </a:schemeClr>
+          </a:solidFill>
+          <a:prstDash val="solid"/>
+          <a:miter lim="800000"/>
+        </a:ln>
+        <a:effectLst/>
+      </dsp:spPr>
+      <dsp:style>
+        <a:lnRef idx="2">
+          <a:scrgbClr r="0" g="0" b="0"/>
+        </a:lnRef>
+        <a:fillRef idx="1">
+          <a:scrgbClr r="0" g="0" b="0"/>
+        </a:fillRef>
+        <a:effectRef idx="0">
+          <a:scrgbClr r="0" g="0" b="0"/>
+        </a:effectRef>
+        <a:fontRef idx="minor"/>
+      </dsp:style>
+      <dsp:txBody>
+        <a:bodyPr spcFirstLastPara="0" vert="horz" wrap="square" lIns="156464" tIns="27940" rIns="156464" bIns="27940" numCol="1" spcCol="1270" anchor="ctr" anchorCtr="0">
+          <a:noAutofit/>
+        </a:bodyPr>
+        <a:lstStyle/>
+        <a:p>
+          <a:pPr lvl="0" algn="l" defTabSz="914400">
+            <a:lnSpc>
+              <a:spcPct val="90000"/>
+            </a:lnSpc>
+            <a:spcBef>
+              <a:spcPct val="0"/>
+            </a:spcBef>
+            <a:spcAft>
+              <a:spcPct val="35000"/>
+            </a:spcAft>
+            <a:buNone/>
+          </a:pPr>
+          <a:r>
+            <a:rPr lang="fr-FR" sz="2200" b="0" i="0" kern="1200" noProof="0" dirty="0" smtClean="0">
+              <a:latin typeface="Franklin Gothic Medium"/>
+              <a:ea typeface="+mn-ea"/>
+              <a:cs typeface="+mn-cs"/>
+            </a:rPr>
+            <a:t>Spectre</a:t>
+          </a:r>
+          <a:endParaRPr lang="fr-FR" sz="2200" b="0" i="0" kern="1200" noProof="0" dirty="0">
+            <a:latin typeface="Franklin Gothic Medium"/>
+            <a:ea typeface="+mn-ea"/>
+            <a:cs typeface="+mn-cs"/>
+          </a:endParaRPr>
+        </a:p>
+      </dsp:txBody>
+      <dsp:txXfrm>
+        <a:off x="0" y="611036"/>
+        <a:ext cx="2667000" cy="519823"/>
+      </dsp:txXfrm>
+    </dsp:sp>
+    <dsp:sp modelId="{3EC7D028-ECEA-492B-A6F1-68E9B57B69C6}">
+      <dsp:nvSpPr>
+        <dsp:cNvPr id="0" name=""/>
+        <dsp:cNvSpPr/>
+      </dsp:nvSpPr>
+      <dsp:spPr>
+        <a:xfrm>
+          <a:off x="2667000" y="611036"/>
+          <a:ext cx="2667000" cy="519823"/>
+        </a:xfrm>
+        <a:prstGeom prst="rect">
+          <a:avLst/>
+        </a:prstGeom>
+        <a:solidFill>
+          <a:schemeClr val="accent3">
+            <a:tint val="40000"/>
+            <a:alpha val="90000"/>
+            <a:hueOff val="2029141"/>
+            <a:satOff val="100000"/>
+            <a:lumOff val="1779"/>
+            <a:alphaOff val="0"/>
+          </a:schemeClr>
+        </a:solidFill>
+        <a:ln w="12700" cap="flat" cmpd="sng" algn="ctr">
+          <a:solidFill>
+            <a:schemeClr val="accent3">
+              <a:tint val="40000"/>
+              <a:alpha val="90000"/>
+              <a:hueOff val="2029141"/>
+              <a:satOff val="100000"/>
+              <a:lumOff val="1779"/>
+              <a:alphaOff val="0"/>
+            </a:schemeClr>
+          </a:solidFill>
+          <a:prstDash val="solid"/>
+          <a:miter lim="800000"/>
+        </a:ln>
+        <a:effectLst/>
+      </dsp:spPr>
+      <dsp:style>
+        <a:lnRef idx="2">
+          <a:scrgbClr r="0" g="0" b="0"/>
+        </a:lnRef>
+        <a:fillRef idx="1">
+          <a:scrgbClr r="0" g="0" b="0"/>
+        </a:fillRef>
+        <a:effectRef idx="0">
+          <a:scrgbClr r="0" g="0" b="0"/>
+        </a:effectRef>
+        <a:fontRef idx="minor"/>
+      </dsp:style>
+      <dsp:txBody>
+        <a:bodyPr spcFirstLastPara="0" vert="horz" wrap="square" lIns="156464" tIns="27940" rIns="156464" bIns="27940" numCol="1" spcCol="1270" anchor="ctr" anchorCtr="0">
+          <a:noAutofit/>
+        </a:bodyPr>
+        <a:lstStyle/>
+        <a:p>
+          <a:pPr lvl="0" algn="l" defTabSz="914400">
+            <a:lnSpc>
+              <a:spcPct val="90000"/>
+            </a:lnSpc>
+            <a:spcBef>
+              <a:spcPct val="0"/>
+            </a:spcBef>
+            <a:spcAft>
+              <a:spcPct val="35000"/>
+            </a:spcAft>
+            <a:buNone/>
+          </a:pPr>
+          <a:r>
+            <a:rPr lang="fr-FR" sz="2200" b="0" i="0" kern="1200" noProof="0" dirty="0" smtClean="0">
+              <a:latin typeface="Franklin Gothic Medium"/>
+              <a:ea typeface="+mn-ea"/>
+              <a:cs typeface="+mn-cs"/>
+            </a:rPr>
+            <a:t>Valeurs singulières</a:t>
+          </a:r>
+          <a:endParaRPr lang="fr-FR" sz="2200" b="0" i="0" kern="1200" noProof="0" dirty="0">
+            <a:latin typeface="Franklin Gothic Medium"/>
+            <a:ea typeface="+mn-ea"/>
+            <a:cs typeface="+mn-cs"/>
+          </a:endParaRPr>
+        </a:p>
+      </dsp:txBody>
+      <dsp:txXfrm>
+        <a:off x="2667000" y="611036"/>
+        <a:ext cx="2667000" cy="519823"/>
+      </dsp:txXfrm>
+    </dsp:sp>
+  </dsp:spTree>
+</dsp:drawing>
+</file>
+
+<file path=ppt/diagrams/drawing2.xml><?xml version="1.0" encoding="utf-8"?>
+<dsp:drawing xmlns:dgm="http://schemas.openxmlformats.org/drawingml/2006/diagram" xmlns:dsp="http://schemas.microsoft.com/office/drawing/2008/diagram" xmlns:a="http://schemas.openxmlformats.org/drawingml/2006/main">
+  <dsp:spTree>
+    <dsp:nvGrpSpPr>
+      <dsp:cNvPr id="0" name=""/>
+      <dsp:cNvGrpSpPr/>
+    </dsp:nvGrpSpPr>
+    <dsp:grpSpPr/>
+    <dsp:sp modelId="{B752F9F5-2482-4D52-A33E-BE0263F4B0EA}">
+      <dsp:nvSpPr>
+        <dsp:cNvPr id="0" name=""/>
+        <dsp:cNvSpPr/>
+      </dsp:nvSpPr>
+      <dsp:spPr>
+        <a:xfrm>
+          <a:off x="0" y="3443976"/>
+          <a:ext cx="5334000" cy="1130389"/>
+        </a:xfrm>
+        <a:prstGeom prst="rect">
+          <a:avLst/>
+        </a:prstGeom>
+        <a:solidFill>
+          <a:schemeClr val="accent3">
+            <a:hueOff val="0"/>
+            <a:satOff val="0"/>
+            <a:lumOff val="0"/>
+            <a:alphaOff val="0"/>
+          </a:schemeClr>
+        </a:solidFill>
+        <a:ln w="12700" cap="flat" cmpd="sng" algn="ctr">
+          <a:solidFill>
+            <a:schemeClr val="lt1">
+              <a:hueOff val="0"/>
+              <a:satOff val="0"/>
+              <a:lumOff val="0"/>
+              <a:alphaOff val="0"/>
+            </a:schemeClr>
+          </a:solidFill>
+          <a:prstDash val="solid"/>
+          <a:miter lim="800000"/>
+        </a:ln>
+        <a:effectLst/>
+      </dsp:spPr>
+      <dsp:style>
+        <a:lnRef idx="2">
+          <a:scrgbClr r="0" g="0" b="0"/>
+        </a:lnRef>
+        <a:fillRef idx="1">
+          <a:scrgbClr r="0" g="0" b="0"/>
+        </a:fillRef>
+        <a:effectRef idx="0">
+          <a:scrgbClr r="0" g="0" b="0"/>
+        </a:effectRef>
+        <a:fontRef idx="minor">
+          <a:schemeClr val="lt1"/>
+        </a:fontRef>
+      </dsp:style>
+      <dsp:txBody>
+        <a:bodyPr spcFirstLastPara="0" vert="horz" wrap="square" lIns="156464" tIns="156464" rIns="156464" bIns="156464" numCol="1" spcCol="1270" anchor="ctr" anchorCtr="0">
+          <a:noAutofit/>
+        </a:bodyPr>
+        <a:lstStyle/>
+        <a:p>
+          <a:pPr lvl="0" algn="ctr" defTabSz="914400">
+            <a:lnSpc>
+              <a:spcPct val="90000"/>
+            </a:lnSpc>
+            <a:spcBef>
+              <a:spcPct val="0"/>
+            </a:spcBef>
+            <a:spcAft>
+              <a:spcPct val="35000"/>
+            </a:spcAft>
+            <a:buNone/>
+          </a:pPr>
+          <a:r>
+            <a:rPr lang="fr-FR" sz="2200" kern="1200" noProof="0" dirty="0" smtClean="0"/>
+            <a:t>Étape 3</a:t>
+          </a:r>
+          <a:endParaRPr lang="fr-FR" sz="2200" kern="1200" noProof="0" dirty="0"/>
+        </a:p>
+      </dsp:txBody>
+      <dsp:txXfrm>
+        <a:off x="0" y="3443976"/>
+        <a:ext cx="5334000" cy="610410"/>
+      </dsp:txXfrm>
+    </dsp:sp>
+    <dsp:sp modelId="{C4F2ADBF-C592-483D-A6FF-5DB9D2A90309}">
+      <dsp:nvSpPr>
+        <dsp:cNvPr id="0" name=""/>
+        <dsp:cNvSpPr/>
+      </dsp:nvSpPr>
+      <dsp:spPr>
+        <a:xfrm>
+          <a:off x="0" y="4031779"/>
+          <a:ext cx="2667000" cy="519979"/>
+        </a:xfrm>
+        <a:prstGeom prst="rect">
+          <a:avLst/>
+        </a:prstGeom>
+        <a:solidFill>
+          <a:schemeClr val="accent3">
+            <a:tint val="40000"/>
+            <a:alpha val="90000"/>
+            <a:hueOff val="0"/>
+            <a:satOff val="0"/>
+            <a:lumOff val="0"/>
+            <a:alphaOff val="0"/>
+          </a:schemeClr>
+        </a:solidFill>
+        <a:ln w="12700" cap="flat" cmpd="sng" algn="ctr">
+          <a:solidFill>
+            <a:schemeClr val="accent3">
+              <a:tint val="40000"/>
+              <a:alpha val="90000"/>
+              <a:hueOff val="0"/>
+              <a:satOff val="0"/>
+              <a:lumOff val="0"/>
+              <a:alphaOff val="0"/>
+            </a:schemeClr>
+          </a:solidFill>
+          <a:prstDash val="solid"/>
+          <a:miter lim="800000"/>
+        </a:ln>
+        <a:effectLst/>
+      </dsp:spPr>
+      <dsp:style>
+        <a:lnRef idx="2">
+          <a:scrgbClr r="0" g="0" b="0"/>
+        </a:lnRef>
+        <a:fillRef idx="1">
+          <a:scrgbClr r="0" g="0" b="0"/>
+        </a:fillRef>
+        <a:effectRef idx="0">
+          <a:scrgbClr r="0" g="0" b="0"/>
+        </a:effectRef>
+        <a:fontRef idx="minor"/>
+      </dsp:style>
+      <dsp:txBody>
+        <a:bodyPr spcFirstLastPara="0" vert="horz" wrap="square" lIns="135128" tIns="24130" rIns="135128" bIns="24130" numCol="1" spcCol="1270" anchor="ctr" anchorCtr="0">
+          <a:noAutofit/>
+        </a:bodyPr>
+        <a:lstStyle/>
+        <a:p>
+          <a:pPr lvl="0" algn="l" defTabSz="914400">
+            <a:lnSpc>
+              <a:spcPct val="90000"/>
+            </a:lnSpc>
+            <a:spcBef>
+              <a:spcPct val="0"/>
+            </a:spcBef>
+            <a:spcAft>
+              <a:spcPct val="35000"/>
+            </a:spcAft>
+            <a:buNone/>
+          </a:pPr>
+          <a:r>
+            <a:rPr lang="fr-FR" sz="1900" b="0" i="0" kern="1200" noProof="0" dirty="0" smtClean="0">
+              <a:latin typeface="Franklin Gothic Medium"/>
+              <a:ea typeface="+mn-ea"/>
+              <a:cs typeface="+mn-cs"/>
+            </a:rPr>
+            <a:t>Description de la tâche</a:t>
+          </a:r>
+          <a:endParaRPr lang="fr-FR" sz="1900" b="0" i="0" kern="1200" noProof="0" dirty="0">
+            <a:latin typeface="Franklin Gothic Medium"/>
+            <a:ea typeface="+mn-ea"/>
+            <a:cs typeface="+mn-cs"/>
+          </a:endParaRPr>
+        </a:p>
+      </dsp:txBody>
+      <dsp:txXfrm>
+        <a:off x="0" y="4031779"/>
+        <a:ext cx="2667000" cy="519979"/>
+      </dsp:txXfrm>
+    </dsp:sp>
+    <dsp:sp modelId="{0F0AC827-ACAE-4C23-875D-A4B53006A73F}">
+      <dsp:nvSpPr>
+        <dsp:cNvPr id="0" name=""/>
+        <dsp:cNvSpPr/>
+      </dsp:nvSpPr>
+      <dsp:spPr>
+        <a:xfrm>
+          <a:off x="2667000" y="4031779"/>
+          <a:ext cx="2667000" cy="519979"/>
+        </a:xfrm>
+        <a:prstGeom prst="rect">
+          <a:avLst/>
+        </a:prstGeom>
+        <a:solidFill>
+          <a:schemeClr val="accent3">
+            <a:tint val="40000"/>
+            <a:alpha val="90000"/>
+            <a:hueOff val="405828"/>
+            <a:satOff val="20000"/>
+            <a:lumOff val="356"/>
+            <a:alphaOff val="0"/>
+          </a:schemeClr>
+        </a:solidFill>
+        <a:ln w="12700" cap="flat" cmpd="sng" algn="ctr">
+          <a:solidFill>
+            <a:schemeClr val="accent3">
+              <a:tint val="40000"/>
+              <a:alpha val="90000"/>
+              <a:hueOff val="405828"/>
+              <a:satOff val="20000"/>
+              <a:lumOff val="356"/>
+              <a:alphaOff val="0"/>
+            </a:schemeClr>
+          </a:solidFill>
+          <a:prstDash val="solid"/>
+          <a:miter lim="800000"/>
+        </a:ln>
+        <a:effectLst/>
+      </dsp:spPr>
+      <dsp:style>
+        <a:lnRef idx="2">
+          <a:scrgbClr r="0" g="0" b="0"/>
+        </a:lnRef>
+        <a:fillRef idx="1">
+          <a:scrgbClr r="0" g="0" b="0"/>
+        </a:fillRef>
+        <a:effectRef idx="0">
+          <a:scrgbClr r="0" g="0" b="0"/>
+        </a:effectRef>
+        <a:fontRef idx="minor"/>
+      </dsp:style>
+      <dsp:txBody>
+        <a:bodyPr spcFirstLastPara="0" vert="horz" wrap="square" lIns="135128" tIns="24130" rIns="135128" bIns="24130" numCol="1" spcCol="1270" anchor="ctr" anchorCtr="0">
+          <a:noAutofit/>
+        </a:bodyPr>
+        <a:lstStyle/>
+        <a:p>
+          <a:pPr lvl="0" algn="l" defTabSz="914400">
+            <a:lnSpc>
+              <a:spcPct val="90000"/>
+            </a:lnSpc>
+            <a:spcBef>
+              <a:spcPct val="0"/>
+            </a:spcBef>
+            <a:spcAft>
+              <a:spcPct val="35000"/>
+            </a:spcAft>
+            <a:buNone/>
+          </a:pPr>
+          <a:r>
+            <a:rPr lang="fr-FR" sz="1900" b="0" i="0" kern="1200" noProof="0" dirty="0" smtClean="0">
+              <a:latin typeface="Franklin Gothic Medium"/>
+              <a:ea typeface="+mn-ea"/>
+              <a:cs typeface="+mn-cs"/>
+            </a:rPr>
+            <a:t>Description de la tâche</a:t>
+          </a:r>
+          <a:endParaRPr lang="fr-FR" sz="1900" b="0" i="0" kern="1200" noProof="0" dirty="0">
+            <a:latin typeface="Franklin Gothic Medium"/>
+            <a:ea typeface="+mn-ea"/>
+            <a:cs typeface="+mn-cs"/>
+          </a:endParaRPr>
+        </a:p>
+      </dsp:txBody>
+      <dsp:txXfrm>
+        <a:off x="2667000" y="4031779"/>
+        <a:ext cx="2667000" cy="519979"/>
+      </dsp:txXfrm>
+    </dsp:sp>
+    <dsp:sp modelId="{80AD606B-F25E-46DF-B405-18F7D2EAE74A}">
+      <dsp:nvSpPr>
+        <dsp:cNvPr id="0" name=""/>
+        <dsp:cNvSpPr/>
+      </dsp:nvSpPr>
+      <dsp:spPr>
+        <a:xfrm rot="10800000">
+          <a:off x="0" y="1722392"/>
+          <a:ext cx="5334000" cy="1738539"/>
+        </a:xfrm>
+        <a:prstGeom prst="upArrowCallout">
+          <a:avLst/>
+        </a:prstGeom>
+        <a:solidFill>
+          <a:schemeClr val="accent3">
+            <a:hueOff val="1355300"/>
+            <a:satOff val="50000"/>
+            <a:lumOff val="-7353"/>
+            <a:alphaOff val="0"/>
+          </a:schemeClr>
+        </a:solidFill>
+        <a:ln w="12700" cap="flat" cmpd="sng" algn="ctr">
+          <a:solidFill>
+            <a:schemeClr val="lt1">
+              <a:hueOff val="0"/>
+              <a:satOff val="0"/>
+              <a:lumOff val="0"/>
+              <a:alphaOff val="0"/>
+            </a:schemeClr>
+          </a:solidFill>
+          <a:prstDash val="solid"/>
+          <a:miter lim="800000"/>
+        </a:ln>
+        <a:effectLst/>
+      </dsp:spPr>
+      <dsp:style>
+        <a:lnRef idx="2">
+          <a:scrgbClr r="0" g="0" b="0"/>
+        </a:lnRef>
+        <a:fillRef idx="1">
+          <a:scrgbClr r="0" g="0" b="0"/>
+        </a:fillRef>
+        <a:effectRef idx="0">
+          <a:scrgbClr r="0" g="0" b="0"/>
+        </a:effectRef>
+        <a:fontRef idx="minor">
+          <a:schemeClr val="lt1"/>
+        </a:fontRef>
+      </dsp:style>
+      <dsp:txBody>
+        <a:bodyPr spcFirstLastPara="0" vert="horz" wrap="square" lIns="156464" tIns="156464" rIns="156464" bIns="156464" numCol="1" spcCol="1270" anchor="ctr" anchorCtr="0">
+          <a:noAutofit/>
+        </a:bodyPr>
+        <a:lstStyle/>
+        <a:p>
+          <a:pPr lvl="0" algn="ctr" defTabSz="914400">
+            <a:lnSpc>
+              <a:spcPct val="90000"/>
+            </a:lnSpc>
+            <a:spcBef>
+              <a:spcPct val="0"/>
+            </a:spcBef>
+            <a:spcAft>
+              <a:spcPct val="35000"/>
+            </a:spcAft>
+            <a:buNone/>
+          </a:pPr>
+          <a:r>
+            <a:rPr lang="fr-FR" sz="2200" kern="1200" noProof="0" dirty="0" smtClean="0"/>
+            <a:t>Étape 2</a:t>
+          </a:r>
+          <a:endParaRPr lang="fr-FR" sz="2200" kern="1200" noProof="0" dirty="0"/>
+        </a:p>
+      </dsp:txBody>
+      <dsp:txXfrm rot="-10800000">
+        <a:off x="0" y="1722392"/>
+        <a:ext cx="5334000" cy="610227"/>
+      </dsp:txXfrm>
+    </dsp:sp>
+    <dsp:sp modelId="{A8E0F749-66B2-490B-99E9-CC106B163B16}">
+      <dsp:nvSpPr>
+        <dsp:cNvPr id="0" name=""/>
+        <dsp:cNvSpPr/>
+      </dsp:nvSpPr>
+      <dsp:spPr>
+        <a:xfrm>
+          <a:off x="0" y="2332619"/>
+          <a:ext cx="2667000" cy="519823"/>
+        </a:xfrm>
+        <a:prstGeom prst="rect">
+          <a:avLst/>
+        </a:prstGeom>
+        <a:solidFill>
+          <a:schemeClr val="accent3">
+            <a:tint val="40000"/>
+            <a:alpha val="90000"/>
+            <a:hueOff val="811656"/>
+            <a:satOff val="40000"/>
+            <a:lumOff val="712"/>
+            <a:alphaOff val="0"/>
+          </a:schemeClr>
+        </a:solidFill>
+        <a:ln w="12700" cap="flat" cmpd="sng" algn="ctr">
+          <a:solidFill>
+            <a:schemeClr val="accent3">
+              <a:tint val="40000"/>
+              <a:alpha val="90000"/>
+              <a:hueOff val="811656"/>
+              <a:satOff val="40000"/>
+              <a:lumOff val="712"/>
+              <a:alphaOff val="0"/>
+            </a:schemeClr>
+          </a:solidFill>
+          <a:prstDash val="solid"/>
+          <a:miter lim="800000"/>
+        </a:ln>
+        <a:effectLst/>
+      </dsp:spPr>
+      <dsp:style>
+        <a:lnRef idx="2">
+          <a:scrgbClr r="0" g="0" b="0"/>
+        </a:lnRef>
+        <a:fillRef idx="1">
+          <a:scrgbClr r="0" g="0" b="0"/>
+        </a:fillRef>
+        <a:effectRef idx="0">
+          <a:scrgbClr r="0" g="0" b="0"/>
+        </a:effectRef>
+        <a:fontRef idx="minor"/>
+      </dsp:style>
+      <dsp:txBody>
+        <a:bodyPr spcFirstLastPara="0" vert="horz" wrap="square" lIns="135128" tIns="24130" rIns="135128" bIns="24130" numCol="1" spcCol="1270" anchor="ctr" anchorCtr="0">
+          <a:noAutofit/>
+        </a:bodyPr>
+        <a:lstStyle/>
+        <a:p>
+          <a:pPr lvl="0" algn="l" defTabSz="914400">
+            <a:lnSpc>
+              <a:spcPct val="90000"/>
+            </a:lnSpc>
+            <a:spcBef>
+              <a:spcPct val="0"/>
+            </a:spcBef>
+            <a:spcAft>
+              <a:spcPct val="35000"/>
+            </a:spcAft>
+            <a:buNone/>
+          </a:pPr>
+          <a:r>
+            <a:rPr lang="fr-FR" sz="1900" b="0" i="0" kern="1200" noProof="0" dirty="0" smtClean="0">
+              <a:latin typeface="Franklin Gothic Medium"/>
+              <a:ea typeface="+mn-ea"/>
+              <a:cs typeface="+mn-cs"/>
+            </a:rPr>
+            <a:t>Description de la tâche</a:t>
+          </a:r>
+          <a:endParaRPr lang="fr-FR" sz="1900" b="0" i="0" kern="1200" noProof="0" dirty="0">
+            <a:latin typeface="Franklin Gothic Medium"/>
+            <a:ea typeface="+mn-ea"/>
+            <a:cs typeface="+mn-cs"/>
+          </a:endParaRPr>
+        </a:p>
+      </dsp:txBody>
+      <dsp:txXfrm>
+        <a:off x="0" y="2332619"/>
+        <a:ext cx="2667000" cy="519823"/>
+      </dsp:txXfrm>
+    </dsp:sp>
+    <dsp:sp modelId="{A6EE397C-6C28-4128-BFFE-CFF44F70153F}">
+      <dsp:nvSpPr>
+        <dsp:cNvPr id="0" name=""/>
+        <dsp:cNvSpPr/>
+      </dsp:nvSpPr>
+      <dsp:spPr>
+        <a:xfrm>
+          <a:off x="2667000" y="2332619"/>
+          <a:ext cx="2667000" cy="519823"/>
+        </a:xfrm>
+        <a:prstGeom prst="rect">
+          <a:avLst/>
+        </a:prstGeom>
+        <a:solidFill>
+          <a:schemeClr val="accent3">
+            <a:tint val="40000"/>
+            <a:alpha val="90000"/>
+            <a:hueOff val="1217485"/>
+            <a:satOff val="60000"/>
+            <a:lumOff val="1067"/>
+            <a:alphaOff val="0"/>
+          </a:schemeClr>
+        </a:solidFill>
+        <a:ln w="12700" cap="flat" cmpd="sng" algn="ctr">
+          <a:solidFill>
+            <a:schemeClr val="accent3">
+              <a:tint val="40000"/>
+              <a:alpha val="90000"/>
+              <a:hueOff val="1217485"/>
+              <a:satOff val="60000"/>
+              <a:lumOff val="1067"/>
+              <a:alphaOff val="0"/>
+            </a:schemeClr>
+          </a:solidFill>
+          <a:prstDash val="solid"/>
+          <a:miter lim="800000"/>
+        </a:ln>
+        <a:effectLst/>
+      </dsp:spPr>
+      <dsp:style>
+        <a:lnRef idx="2">
+          <a:scrgbClr r="0" g="0" b="0"/>
+        </a:lnRef>
+        <a:fillRef idx="1">
+          <a:scrgbClr r="0" g="0" b="0"/>
+        </a:fillRef>
+        <a:effectRef idx="0">
+          <a:scrgbClr r="0" g="0" b="0"/>
+        </a:effectRef>
+        <a:fontRef idx="minor"/>
+      </dsp:style>
+      <dsp:txBody>
+        <a:bodyPr spcFirstLastPara="0" vert="horz" wrap="square" lIns="135128" tIns="24130" rIns="135128" bIns="24130" numCol="1" spcCol="1270" anchor="ctr" anchorCtr="0">
+          <a:noAutofit/>
+        </a:bodyPr>
+        <a:lstStyle/>
+        <a:p>
+          <a:pPr lvl="0" algn="l" defTabSz="914400">
+            <a:lnSpc>
+              <a:spcPct val="90000"/>
+            </a:lnSpc>
+            <a:spcBef>
+              <a:spcPct val="0"/>
+            </a:spcBef>
+            <a:spcAft>
+              <a:spcPct val="35000"/>
+            </a:spcAft>
+            <a:buNone/>
+          </a:pPr>
+          <a:r>
+            <a:rPr lang="fr-FR" sz="1900" b="0" i="0" kern="1200" noProof="0" dirty="0" smtClean="0">
+              <a:latin typeface="Franklin Gothic Medium"/>
+              <a:ea typeface="+mn-ea"/>
+              <a:cs typeface="+mn-cs"/>
+            </a:rPr>
+            <a:t>Description de la tâche</a:t>
+          </a:r>
+          <a:endParaRPr lang="fr-FR" sz="1900" b="0" i="0" kern="1200" noProof="0" dirty="0">
+            <a:latin typeface="Franklin Gothic Medium"/>
+            <a:ea typeface="+mn-ea"/>
+            <a:cs typeface="+mn-cs"/>
+          </a:endParaRPr>
+        </a:p>
+      </dsp:txBody>
+      <dsp:txXfrm>
+        <a:off x="2667000" y="2332619"/>
+        <a:ext cx="2667000" cy="519823"/>
+      </dsp:txXfrm>
+    </dsp:sp>
+    <dsp:sp modelId="{A48265CE-F3A3-46DB-9DD2-97590B4DBB84}">
+      <dsp:nvSpPr>
+        <dsp:cNvPr id="0" name=""/>
+        <dsp:cNvSpPr/>
+      </dsp:nvSpPr>
+      <dsp:spPr>
+        <a:xfrm rot="10800000">
+          <a:off x="0" y="808"/>
+          <a:ext cx="5334000" cy="1738539"/>
+        </a:xfrm>
+        <a:prstGeom prst="upArrowCallout">
+          <a:avLst/>
+        </a:prstGeom>
+        <a:solidFill>
+          <a:schemeClr val="accent3">
+            <a:hueOff val="2710599"/>
+            <a:satOff val="100000"/>
+            <a:lumOff val="-14706"/>
+            <a:alphaOff val="0"/>
+          </a:schemeClr>
+        </a:solidFill>
+        <a:ln w="12700" cap="flat" cmpd="sng" algn="ctr">
+          <a:solidFill>
+            <a:schemeClr val="lt1">
+              <a:hueOff val="0"/>
+              <a:satOff val="0"/>
+              <a:lumOff val="0"/>
+              <a:alphaOff val="0"/>
+            </a:schemeClr>
+          </a:solidFill>
+          <a:prstDash val="solid"/>
+          <a:miter lim="800000"/>
+        </a:ln>
+        <a:effectLst/>
+      </dsp:spPr>
+      <dsp:style>
+        <a:lnRef idx="2">
+          <a:scrgbClr r="0" g="0" b="0"/>
+        </a:lnRef>
+        <a:fillRef idx="1">
+          <a:scrgbClr r="0" g="0" b="0"/>
+        </a:fillRef>
+        <a:effectRef idx="0">
+          <a:scrgbClr r="0" g="0" b="0"/>
+        </a:effectRef>
+        <a:fontRef idx="minor">
+          <a:schemeClr val="lt1"/>
+        </a:fontRef>
+      </dsp:style>
+      <dsp:txBody>
+        <a:bodyPr spcFirstLastPara="0" vert="horz" wrap="square" lIns="156464" tIns="156464" rIns="156464" bIns="156464" numCol="1" spcCol="1270" anchor="ctr" anchorCtr="0">
+          <a:noAutofit/>
+        </a:bodyPr>
+        <a:lstStyle/>
+        <a:p>
+          <a:pPr lvl="0" algn="ctr" defTabSz="914400">
+            <a:lnSpc>
+              <a:spcPct val="90000"/>
+            </a:lnSpc>
+            <a:spcBef>
+              <a:spcPct val="0"/>
+            </a:spcBef>
+            <a:spcAft>
+              <a:spcPct val="35000"/>
+            </a:spcAft>
+            <a:buNone/>
+          </a:pPr>
+          <a:r>
+            <a:rPr lang="fr-FR" sz="2200" kern="1200" noProof="0" dirty="0" smtClean="0"/>
+            <a:t>Étape 1</a:t>
+          </a:r>
+          <a:endParaRPr lang="fr-FR" sz="2200" kern="1200" noProof="0" dirty="0"/>
+        </a:p>
+      </dsp:txBody>
+      <dsp:txXfrm rot="-10800000">
+        <a:off x="0" y="808"/>
+        <a:ext cx="5334000" cy="610227"/>
+      </dsp:txXfrm>
+    </dsp:sp>
+    <dsp:sp modelId="{59FFE57C-E5F2-4FBD-AA4D-8DB27381892F}">
+      <dsp:nvSpPr>
+        <dsp:cNvPr id="0" name=""/>
+        <dsp:cNvSpPr/>
+      </dsp:nvSpPr>
+      <dsp:spPr>
+        <a:xfrm>
+          <a:off x="0" y="611036"/>
+          <a:ext cx="2667000" cy="519823"/>
+        </a:xfrm>
+        <a:prstGeom prst="rect">
+          <a:avLst/>
+        </a:prstGeom>
+        <a:solidFill>
+          <a:schemeClr val="accent3">
+            <a:tint val="40000"/>
+            <a:alpha val="90000"/>
+            <a:hueOff val="1623313"/>
+            <a:satOff val="80000"/>
+            <a:lumOff val="1423"/>
+            <a:alphaOff val="0"/>
+          </a:schemeClr>
+        </a:solidFill>
+        <a:ln w="12700" cap="flat" cmpd="sng" algn="ctr">
+          <a:solidFill>
+            <a:schemeClr val="accent3">
+              <a:tint val="40000"/>
+              <a:alpha val="90000"/>
+              <a:hueOff val="1623313"/>
+              <a:satOff val="80000"/>
+              <a:lumOff val="1423"/>
+              <a:alphaOff val="0"/>
+            </a:schemeClr>
+          </a:solidFill>
+          <a:prstDash val="solid"/>
+          <a:miter lim="800000"/>
+        </a:ln>
+        <a:effectLst/>
+      </dsp:spPr>
+      <dsp:style>
+        <a:lnRef idx="2">
+          <a:scrgbClr r="0" g="0" b="0"/>
+        </a:lnRef>
+        <a:fillRef idx="1">
+          <a:scrgbClr r="0" g="0" b="0"/>
+        </a:fillRef>
+        <a:effectRef idx="0">
+          <a:scrgbClr r="0" g="0" b="0"/>
+        </a:effectRef>
+        <a:fontRef idx="minor"/>
+      </dsp:style>
+      <dsp:txBody>
+        <a:bodyPr spcFirstLastPara="0" vert="horz" wrap="square" lIns="135128" tIns="24130" rIns="135128" bIns="24130" numCol="1" spcCol="1270" anchor="ctr" anchorCtr="0">
+          <a:noAutofit/>
+        </a:bodyPr>
+        <a:lstStyle/>
+        <a:p>
+          <a:pPr lvl="0" algn="l" defTabSz="914400">
+            <a:lnSpc>
+              <a:spcPct val="90000"/>
+            </a:lnSpc>
+            <a:spcBef>
+              <a:spcPct val="0"/>
+            </a:spcBef>
+            <a:spcAft>
+              <a:spcPct val="35000"/>
+            </a:spcAft>
+            <a:buNone/>
+          </a:pPr>
+          <a:r>
+            <a:rPr lang="fr-FR" sz="1900" b="0" i="0" kern="1200" noProof="0" dirty="0" smtClean="0">
+              <a:latin typeface="Franklin Gothic Medium"/>
+              <a:ea typeface="+mn-ea"/>
+              <a:cs typeface="+mn-cs"/>
+            </a:rPr>
+            <a:t>Description de la tâche</a:t>
+          </a:r>
+          <a:endParaRPr lang="fr-FR" sz="1900" b="0" i="0" kern="1200" noProof="0" dirty="0">
+            <a:latin typeface="Franklin Gothic Medium"/>
+            <a:ea typeface="+mn-ea"/>
+            <a:cs typeface="+mn-cs"/>
+          </a:endParaRPr>
+        </a:p>
+      </dsp:txBody>
+      <dsp:txXfrm>
+        <a:off x="0" y="611036"/>
+        <a:ext cx="2667000" cy="519823"/>
+      </dsp:txXfrm>
+    </dsp:sp>
+    <dsp:sp modelId="{3EC7D028-ECEA-492B-A6F1-68E9B57B69C6}">
+      <dsp:nvSpPr>
+        <dsp:cNvPr id="0" name=""/>
+        <dsp:cNvSpPr/>
+      </dsp:nvSpPr>
+      <dsp:spPr>
+        <a:xfrm>
+          <a:off x="2667000" y="611036"/>
+          <a:ext cx="2667000" cy="519823"/>
+        </a:xfrm>
+        <a:prstGeom prst="rect">
+          <a:avLst/>
+        </a:prstGeom>
+        <a:solidFill>
+          <a:schemeClr val="accent3">
+            <a:tint val="40000"/>
+            <a:alpha val="90000"/>
+            <a:hueOff val="2029141"/>
+            <a:satOff val="100000"/>
+            <a:lumOff val="1779"/>
+            <a:alphaOff val="0"/>
+          </a:schemeClr>
+        </a:solidFill>
+        <a:ln w="12700" cap="flat" cmpd="sng" algn="ctr">
+          <a:solidFill>
+            <a:schemeClr val="accent3">
+              <a:tint val="40000"/>
+              <a:alpha val="90000"/>
+              <a:hueOff val="2029141"/>
+              <a:satOff val="100000"/>
+              <a:lumOff val="1779"/>
+              <a:alphaOff val="0"/>
+            </a:schemeClr>
+          </a:solidFill>
+          <a:prstDash val="solid"/>
+          <a:miter lim="800000"/>
+        </a:ln>
+        <a:effectLst/>
+      </dsp:spPr>
+      <dsp:style>
+        <a:lnRef idx="2">
+          <a:scrgbClr r="0" g="0" b="0"/>
+        </a:lnRef>
+        <a:fillRef idx="1">
+          <a:scrgbClr r="0" g="0" b="0"/>
+        </a:fillRef>
+        <a:effectRef idx="0">
+          <a:scrgbClr r="0" g="0" b="0"/>
+        </a:effectRef>
+        <a:fontRef idx="minor"/>
+      </dsp:style>
+      <dsp:txBody>
+        <a:bodyPr spcFirstLastPara="0" vert="horz" wrap="square" lIns="135128" tIns="24130" rIns="135128" bIns="24130" numCol="1" spcCol="1270" anchor="ctr" anchorCtr="0">
+          <a:noAutofit/>
+        </a:bodyPr>
+        <a:lstStyle/>
+        <a:p>
+          <a:pPr lvl="0" algn="l" defTabSz="914400">
+            <a:lnSpc>
+              <a:spcPct val="90000"/>
+            </a:lnSpc>
+            <a:spcBef>
+              <a:spcPct val="0"/>
+            </a:spcBef>
+            <a:spcAft>
+              <a:spcPct val="35000"/>
+            </a:spcAft>
+            <a:buNone/>
+          </a:pPr>
+          <a:r>
+            <a:rPr lang="fr-FR" sz="1900" b="0" i="0" kern="1200" noProof="0" dirty="0" smtClean="0">
+              <a:latin typeface="Franklin Gothic Medium"/>
+              <a:ea typeface="+mn-ea"/>
+              <a:cs typeface="+mn-cs"/>
+            </a:rPr>
+            <a:t>Description de la tâche</a:t>
+          </a:r>
+          <a:endParaRPr lang="fr-FR" sz="1900" b="0" i="0" kern="1200" noProof="0" dirty="0">
+            <a:latin typeface="Franklin Gothic Medium"/>
+            <a:ea typeface="+mn-ea"/>
+            <a:cs typeface="+mn-cs"/>
+          </a:endParaRPr>
+        </a:p>
+      </dsp:txBody>
+      <dsp:txXfrm>
+        <a:off x="2667000" y="611036"/>
+        <a:ext cx="2667000" cy="519823"/>
+      </dsp:txXfrm>
+    </dsp:sp>
   </dsp:spTree>
 </dsp:drawing>
 </file>
@@ -1960,7 +4983,1394 @@
 </dgm:layoutDef>
 </file>
 
+<file path=ppt/diagrams/layout2.xml><?xml version="1.0" encoding="utf-8"?>
+<dgm:layoutDef xmlns:dgm="http://schemas.openxmlformats.org/drawingml/2006/diagram" xmlns:a="http://schemas.openxmlformats.org/drawingml/2006/main" uniqueId="urn:microsoft.com/office/officeart/2005/8/layout/process4">
+  <dgm:title val=""/>
+  <dgm:desc val=""/>
+  <dgm:catLst>
+    <dgm:cat type="process" pri="16000"/>
+    <dgm:cat type="list" pri="20000"/>
+  </dgm:catLst>
+  <dgm:sampData>
+    <dgm:dataModel>
+      <dgm:ptLst>
+        <dgm:pt modelId="0" type="doc"/>
+        <dgm:pt modelId="1">
+          <dgm:prSet phldr="1"/>
+        </dgm:pt>
+        <dgm:pt modelId="11">
+          <dgm:prSet phldr="1"/>
+        </dgm:pt>
+        <dgm:pt modelId="12">
+          <dgm:prSet phldr="1"/>
+        </dgm:pt>
+        <dgm:pt modelId="2">
+          <dgm:prSet phldr="1"/>
+        </dgm:pt>
+        <dgm:pt modelId="21">
+          <dgm:prSet phldr="1"/>
+        </dgm:pt>
+        <dgm:pt modelId="22">
+          <dgm:prSet phldr="1"/>
+        </dgm:pt>
+        <dgm:pt modelId="3">
+          <dgm:prSet phldr="1"/>
+        </dgm:pt>
+        <dgm:pt modelId="31">
+          <dgm:prSet phldr="1"/>
+        </dgm:pt>
+        <dgm:pt modelId="32">
+          <dgm:prSet phldr="1"/>
+        </dgm:pt>
+      </dgm:ptLst>
+      <dgm:cxnLst>
+        <dgm:cxn modelId="4" srcId="0" destId="1" srcOrd="0" destOrd="0"/>
+        <dgm:cxn modelId="5" srcId="0" destId="2" srcOrd="1" destOrd="0"/>
+        <dgm:cxn modelId="6" srcId="0" destId="3" srcOrd="2" destOrd="0"/>
+        <dgm:cxn modelId="13" srcId="1" destId="11" srcOrd="0" destOrd="0"/>
+        <dgm:cxn modelId="14" srcId="1" destId="12" srcOrd="1" destOrd="0"/>
+        <dgm:cxn modelId="23" srcId="2" destId="21" srcOrd="0" destOrd="0"/>
+        <dgm:cxn modelId="24" srcId="2" destId="22" srcOrd="1" destOrd="0"/>
+        <dgm:cxn modelId="33" srcId="3" destId="31" srcOrd="0" destOrd="0"/>
+        <dgm:cxn modelId="34" srcId="3" destId="32" srcOrd="1" destOrd="0"/>
+      </dgm:cxnLst>
+      <dgm:bg/>
+      <dgm:whole/>
+    </dgm:dataModel>
+  </dgm:sampData>
+  <dgm:styleData>
+    <dgm:dataModel>
+      <dgm:ptLst>
+        <dgm:pt modelId="0" type="doc"/>
+        <dgm:pt modelId="1"/>
+        <dgm:pt modelId="11"/>
+        <dgm:pt modelId="2"/>
+        <dgm:pt modelId="21"/>
+      </dgm:ptLst>
+      <dgm:cxnLst>
+        <dgm:cxn modelId="4" srcId="0" destId="1" srcOrd="0" destOrd="0"/>
+        <dgm:cxn modelId="5" srcId="0" destId="2" srcOrd="1" destOrd="0"/>
+        <dgm:cxn modelId="13" srcId="1" destId="11" srcOrd="0" destOrd="0"/>
+        <dgm:cxn modelId="23" srcId="2" destId="21" srcOrd="0" destOrd="0"/>
+      </dgm:cxnLst>
+      <dgm:bg/>
+      <dgm:whole/>
+    </dgm:dataModel>
+  </dgm:styleData>
+  <dgm:clrData>
+    <dgm:dataModel>
+      <dgm:ptLst>
+        <dgm:pt modelId="0" type="doc"/>
+        <dgm:pt modelId="1"/>
+        <dgm:pt modelId="11"/>
+        <dgm:pt modelId="2"/>
+        <dgm:pt modelId="21"/>
+        <dgm:pt modelId="3"/>
+        <dgm:pt modelId="31"/>
+        <dgm:pt modelId="4"/>
+        <dgm:pt modelId="41"/>
+      </dgm:ptLst>
+      <dgm:cxnLst>
+        <dgm:cxn modelId="5" srcId="0" destId="1" srcOrd="0" destOrd="0"/>
+        <dgm:cxn modelId="6" srcId="0" destId="2" srcOrd="1" destOrd="0"/>
+        <dgm:cxn modelId="7" srcId="0" destId="3" srcOrd="2" destOrd="0"/>
+        <dgm:cxn modelId="8" srcId="0" destId="4" srcOrd="3" destOrd="0"/>
+        <dgm:cxn modelId="13" srcId="1" destId="11" srcOrd="0" destOrd="0"/>
+        <dgm:cxn modelId="23" srcId="2" destId="21" srcOrd="0" destOrd="0"/>
+        <dgm:cxn modelId="33" srcId="3" destId="31" srcOrd="0" destOrd="0"/>
+        <dgm:cxn modelId="43" srcId="4" destId="41" srcOrd="0" destOrd="0"/>
+      </dgm:cxnLst>
+      <dgm:bg/>
+      <dgm:whole/>
+    </dgm:dataModel>
+  </dgm:clrData>
+  <dgm:layoutNode name="Name0">
+    <dgm:varLst>
+      <dgm:dir/>
+      <dgm:animLvl val="lvl"/>
+      <dgm:resizeHandles val="exact"/>
+    </dgm:varLst>
+    <dgm:alg type="lin">
+      <dgm:param type="linDir" val="fromB"/>
+    </dgm:alg>
+    <dgm:shape xmlns:r="http://schemas.openxmlformats.org/officeDocument/2006/relationships" r:blip="">
+      <dgm:adjLst/>
+    </dgm:shape>
+    <dgm:presOf/>
+    <dgm:constrLst>
+      <dgm:constr type="h" for="ch" forName="boxAndChildren" refType="h"/>
+      <dgm:constr type="h" for="ch" forName="arrowAndChildren" refType="h" refFor="ch" refForName="boxAndChildren" op="equ" fact="1.538"/>
+      <dgm:constr type="w" for="ch" forName="arrowAndChildren" refType="w"/>
+      <dgm:constr type="w" for="ch" forName="boxAndChildren" refType="w"/>
+      <dgm:constr type="h" for="ch" forName="sp" refType="h" fact="-0.015"/>
+      <dgm:constr type="primFontSz" for="des" forName="parentTextBox" val="65"/>
+      <dgm:constr type="primFontSz" for="des" forName="parentTextArrow" refType="primFontSz" refFor="des" refForName="parentTextBox" op="equ"/>
+      <dgm:constr type="primFontSz" for="des" forName="childTextArrow" val="65"/>
+      <dgm:constr type="primFontSz" for="des" forName="childTextBox" refType="primFontSz" refFor="des" refForName="childTextArrow" op="equ"/>
+    </dgm:constrLst>
+    <dgm:ruleLst/>
+    <dgm:forEach name="Name1" axis="ch" ptType="node" st="-1" step="-1">
+      <dgm:choose name="Name2">
+        <dgm:if name="Name3" axis="self" ptType="node" func="revPos" op="equ" val="1">
+          <dgm:layoutNode name="boxAndChildren">
+            <dgm:alg type="composite"/>
+            <dgm:shape xmlns:r="http://schemas.openxmlformats.org/officeDocument/2006/relationships" r:blip="">
+              <dgm:adjLst/>
+            </dgm:shape>
+            <dgm:presOf/>
+            <dgm:choose name="Name4">
+              <dgm:if name="Name5" axis="ch" ptType="node" func="cnt" op="gte" val="1">
+                <dgm:constrLst>
+                  <dgm:constr type="w" for="ch" forName="parentTextBox" refType="w"/>
+                  <dgm:constr type="h" for="ch" forName="parentTextBox" refType="h" fact="0.54"/>
+                  <dgm:constr type="t" for="ch" forName="parentTextBox"/>
+                  <dgm:constr type="w" for="ch" forName="entireBox" refType="w"/>
+                  <dgm:constr type="h" for="ch" forName="entireBox" refType="h"/>
+                  <dgm:constr type="w" for="ch" forName="descendantBox" refType="w"/>
+                  <dgm:constr type="b" for="ch" forName="descendantBox" refType="h" fact="0.98"/>
+                  <dgm:constr type="h" for="ch" forName="descendantBox" refType="h" fact="0.46"/>
+                </dgm:constrLst>
+              </dgm:if>
+              <dgm:else name="Name6">
+                <dgm:constrLst>
+                  <dgm:constr type="w" for="ch" forName="parentTextBox" refType="w"/>
+                  <dgm:constr type="h" for="ch" forName="parentTextBox" refType="h"/>
+                </dgm:constrLst>
+              </dgm:else>
+            </dgm:choose>
+            <dgm:ruleLst/>
+            <dgm:layoutNode name="parentTextBox">
+              <dgm:alg type="tx"/>
+              <dgm:choose name="Name7">
+                <dgm:if name="Name8" axis="ch" ptType="node" func="cnt" op="gte" val="1">
+                  <dgm:shape xmlns:r="http://schemas.openxmlformats.org/officeDocument/2006/relationships" type="rect" r:blip="" zOrderOff="1" hideGeom="1">
+                    <dgm:adjLst/>
+                  </dgm:shape>
+                </dgm:if>
+                <dgm:else name="Name9">
+                  <dgm:shape xmlns:r="http://schemas.openxmlformats.org/officeDocument/2006/relationships" type="rect" r:blip="">
+                    <dgm:adjLst/>
+                  </dgm:shape>
+                </dgm:else>
+              </dgm:choose>
+              <dgm:presOf axis="self"/>
+              <dgm:constrLst/>
+              <dgm:ruleLst>
+                <dgm:rule type="primFontSz" val="5" fact="NaN" max="NaN"/>
+              </dgm:ruleLst>
+            </dgm:layoutNode>
+            <dgm:choose name="Name10">
+              <dgm:if name="Name11" axis="ch" ptType="node" func="cnt" op="gte" val="1">
+                <dgm:layoutNode name="entireBox">
+                  <dgm:alg type="sp"/>
+                  <dgm:shape xmlns:r="http://schemas.openxmlformats.org/officeDocument/2006/relationships" type="rect" r:blip="">
+                    <dgm:adjLst/>
+                  </dgm:shape>
+                  <dgm:presOf axis="self"/>
+                  <dgm:constrLst/>
+                  <dgm:ruleLst/>
+                </dgm:layoutNode>
+                <dgm:layoutNode name="descendantBox" styleLbl="fgAccFollowNode1">
+                  <dgm:choose name="Name12">
+                    <dgm:if name="Name13" func="var" arg="dir" op="equ" val="norm">
+                      <dgm:alg type="lin"/>
+                    </dgm:if>
+                    <dgm:else name="Name14">
+                      <dgm:alg type="lin">
+                        <dgm:param type="linDir" val="fromR"/>
+                      </dgm:alg>
+                    </dgm:else>
+                  </dgm:choose>
+                  <dgm:shape xmlns:r="http://schemas.openxmlformats.org/officeDocument/2006/relationships" r:blip="">
+                    <dgm:adjLst/>
+                  </dgm:shape>
+                  <dgm:presOf/>
+                  <dgm:constrLst>
+                    <dgm:constr type="w" for="ch" forName="childTextBox" refType="w"/>
+                    <dgm:constr type="h" for="ch" forName="childTextBox" refType="h"/>
+                  </dgm:constrLst>
+                  <dgm:ruleLst/>
+                  <dgm:forEach name="Name15" axis="ch" ptType="node">
+                    <dgm:layoutNode name="childTextBox" styleLbl="fgAccFollowNode1">
+                      <dgm:varLst>
+                        <dgm:bulletEnabled val="1"/>
+                      </dgm:varLst>
+                      <dgm:alg type="tx"/>
+                      <dgm:shape xmlns:r="http://schemas.openxmlformats.org/officeDocument/2006/relationships" type="rect" r:blip="">
+                        <dgm:adjLst/>
+                      </dgm:shape>
+                      <dgm:presOf axis="desOrSelf" ptType="node"/>
+                      <dgm:constrLst>
+                        <dgm:constr type="tMarg" refType="primFontSz" fact="0.1"/>
+                        <dgm:constr type="bMarg" refType="primFontSz" fact="0.1"/>
+                      </dgm:constrLst>
+                      <dgm:ruleLst>
+                        <dgm:rule type="primFontSz" val="5" fact="NaN" max="NaN"/>
+                      </dgm:ruleLst>
+                    </dgm:layoutNode>
+                  </dgm:forEach>
+                </dgm:layoutNode>
+              </dgm:if>
+              <dgm:else name="Name16"/>
+            </dgm:choose>
+          </dgm:layoutNode>
+        </dgm:if>
+        <dgm:else name="Name17">
+          <dgm:layoutNode name="arrowAndChildren">
+            <dgm:alg type="composite"/>
+            <dgm:shape xmlns:r="http://schemas.openxmlformats.org/officeDocument/2006/relationships" r:blip="">
+              <dgm:adjLst/>
+            </dgm:shape>
+            <dgm:presOf/>
+            <dgm:choose name="Name18">
+              <dgm:if name="Name19" axis="ch" ptType="node" func="cnt" op="gte" val="1">
+                <dgm:constrLst>
+                  <dgm:constr type="w" for="ch" forName="parentTextArrow" refType="w"/>
+                  <dgm:constr type="t" for="ch" forName="parentTextArrow"/>
+                  <dgm:constr type="h" for="ch" forName="parentTextArrow" refType="h" fact="0.351"/>
+                  <dgm:constr type="w" for="ch" forName="arrow" refType="w"/>
+                  <dgm:constr type="h" for="ch" forName="arrow" refType="h"/>
+                  <dgm:constr type="w" for="ch" forName="descendantArrow" refType="w"/>
+                  <dgm:constr type="b" for="ch" forName="descendantArrow" refType="h" fact="0.65"/>
+                  <dgm:constr type="h" for="ch" forName="descendantArrow" refType="h" fact="0.299"/>
+                </dgm:constrLst>
+              </dgm:if>
+              <dgm:else name="Name20">
+                <dgm:constrLst>
+                  <dgm:constr type="w" for="ch" forName="parentTextArrow" refType="w"/>
+                  <dgm:constr type="h" for="ch" forName="parentTextArrow" refType="h"/>
+                </dgm:constrLst>
+              </dgm:else>
+            </dgm:choose>
+            <dgm:ruleLst/>
+            <dgm:layoutNode name="parentTextArrow">
+              <dgm:alg type="tx"/>
+              <dgm:choose name="Name21">
+                <dgm:if name="Name22" axis="ch" ptType="node" func="cnt" op="gte" val="1">
+                  <dgm:shape xmlns:r="http://schemas.openxmlformats.org/officeDocument/2006/relationships" type="rect" r:blip="" zOrderOff="1" hideGeom="1">
+                    <dgm:adjLst/>
+                  </dgm:shape>
+                </dgm:if>
+                <dgm:else name="Name23">
+                  <dgm:shape xmlns:r="http://schemas.openxmlformats.org/officeDocument/2006/relationships" rot="180" type="upArrowCallout" r:blip="">
+                    <dgm:adjLst/>
+                  </dgm:shape>
+                </dgm:else>
+              </dgm:choose>
+              <dgm:presOf axis="self"/>
+              <dgm:constrLst/>
+              <dgm:ruleLst>
+                <dgm:rule type="primFontSz" val="5" fact="NaN" max="NaN"/>
+              </dgm:ruleLst>
+            </dgm:layoutNode>
+            <dgm:choose name="Name24">
+              <dgm:if name="Name25" axis="ch" ptType="node" func="cnt" op="gte" val="1">
+                <dgm:layoutNode name="arrow">
+                  <dgm:alg type="sp"/>
+                  <dgm:shape xmlns:r="http://schemas.openxmlformats.org/officeDocument/2006/relationships" rot="180" type="upArrowCallout" r:blip="">
+                    <dgm:adjLst/>
+                  </dgm:shape>
+                  <dgm:presOf axis="self"/>
+                  <dgm:constrLst/>
+                  <dgm:ruleLst/>
+                </dgm:layoutNode>
+                <dgm:layoutNode name="descendantArrow">
+                  <dgm:choose name="Name26">
+                    <dgm:if name="Name27" func="var" arg="dir" op="equ" val="norm">
+                      <dgm:alg type="lin"/>
+                    </dgm:if>
+                    <dgm:else name="Name28">
+                      <dgm:alg type="lin">
+                        <dgm:param type="linDir" val="fromR"/>
+                      </dgm:alg>
+                    </dgm:else>
+                  </dgm:choose>
+                  <dgm:shape xmlns:r="http://schemas.openxmlformats.org/officeDocument/2006/relationships" r:blip="">
+                    <dgm:adjLst/>
+                  </dgm:shape>
+                  <dgm:presOf/>
+                  <dgm:constrLst>
+                    <dgm:constr type="w" for="ch" forName="childTextArrow" refType="w"/>
+                    <dgm:constr type="h" for="ch" forName="childTextArrow" refType="h"/>
+                  </dgm:constrLst>
+                  <dgm:ruleLst/>
+                  <dgm:forEach name="Name29" axis="ch" ptType="node">
+                    <dgm:layoutNode name="childTextArrow" styleLbl="fgAccFollowNode1">
+                      <dgm:varLst>
+                        <dgm:bulletEnabled val="1"/>
+                      </dgm:varLst>
+                      <dgm:alg type="tx"/>
+                      <dgm:shape xmlns:r="http://schemas.openxmlformats.org/officeDocument/2006/relationships" type="rect" r:blip="">
+                        <dgm:adjLst/>
+                      </dgm:shape>
+                      <dgm:presOf axis="desOrSelf" ptType="node"/>
+                      <dgm:constrLst>
+                        <dgm:constr type="tMarg" refType="primFontSz" fact="0.1"/>
+                        <dgm:constr type="bMarg" refType="primFontSz" fact="0.1"/>
+                      </dgm:constrLst>
+                      <dgm:ruleLst>
+                        <dgm:rule type="primFontSz" val="5" fact="NaN" max="NaN"/>
+                      </dgm:ruleLst>
+                    </dgm:layoutNode>
+                  </dgm:forEach>
+                </dgm:layoutNode>
+              </dgm:if>
+              <dgm:else name="Name30"/>
+            </dgm:choose>
+          </dgm:layoutNode>
+        </dgm:else>
+      </dgm:choose>
+      <dgm:forEach name="Name31" axis="precedSib" ptType="sibTrans" st="-1" cnt="1">
+        <dgm:layoutNode name="sp">
+          <dgm:alg type="sp"/>
+          <dgm:shape xmlns:r="http://schemas.openxmlformats.org/officeDocument/2006/relationships" r:blip="">
+            <dgm:adjLst/>
+          </dgm:shape>
+          <dgm:presOf axis="self"/>
+          <dgm:constrLst/>
+          <dgm:ruleLst/>
+        </dgm:layoutNode>
+      </dgm:forEach>
+    </dgm:forEach>
+  </dgm:layoutNode>
+</dgm:layoutDef>
+</file>
+
 <file path=ppt/diagrams/quickStyle1.xml><?xml version="1.0" encoding="utf-8"?>
+<dgm:styleDef xmlns:dgm="http://schemas.openxmlformats.org/drawingml/2006/diagram" xmlns:a="http://schemas.openxmlformats.org/drawingml/2006/main" uniqueId="urn:microsoft.com/office/officeart/2005/8/quickstyle/simple1">
+  <dgm:title val=""/>
+  <dgm:desc val=""/>
+  <dgm:catLst>
+    <dgm:cat type="simple" pri="10100"/>
+  </dgm:catLst>
+  <dgm:scene3d>
+    <a:camera prst="orthographicFront"/>
+    <a:lightRig rig="threePt" dir="t"/>
+  </dgm:scene3d>
+  <dgm:styleLbl name="node0">
+    <dgm:scene3d>
+      <a:camera prst="orthographicFront"/>
+      <a:lightRig rig="threePt" dir="t"/>
+    </dgm:scene3d>
+    <dgm:sp3d/>
+    <dgm:txPr/>
+    <dgm:style>
+      <a:lnRef idx="2">
+        <a:scrgbClr r="0" g="0" b="0"/>
+      </a:lnRef>
+      <a:fillRef idx="1">
+        <a:scrgbClr r="0" g="0" b="0"/>
+      </a:fillRef>
+      <a:effectRef idx="0">
+        <a:scrgbClr r="0" g="0" b="0"/>
+      </a:effectRef>
+      <a:fontRef idx="minor">
+        <a:schemeClr val="lt1"/>
+      </a:fontRef>
+    </dgm:style>
+  </dgm:styleLbl>
+  <dgm:styleLbl name="lnNode1">
+    <dgm:scene3d>
+      <a:camera prst="orthographicFront"/>
+      <a:lightRig rig="threePt" dir="t"/>
+    </dgm:scene3d>
+    <dgm:sp3d/>
+    <dgm:txPr/>
+    <dgm:style>
+      <a:lnRef idx="2">
+        <a:scrgbClr r="0" g="0" b="0"/>
+      </a:lnRef>
+      <a:fillRef idx="1">
+        <a:scrgbClr r="0" g="0" b="0"/>
+      </a:fillRef>
+      <a:effectRef idx="0">
+        <a:scrgbClr r="0" g="0" b="0"/>
+      </a:effectRef>
+      <a:fontRef idx="minor">
+        <a:schemeClr val="lt1"/>
+      </a:fontRef>
+    </dgm:style>
+  </dgm:styleLbl>
+  <dgm:styleLbl name="vennNode1">
+    <dgm:scene3d>
+      <a:camera prst="orthographicFront"/>
+      <a:lightRig rig="threePt" dir="t"/>
+    </dgm:scene3d>
+    <dgm:sp3d/>
+    <dgm:txPr/>
+    <dgm:style>
+      <a:lnRef idx="2">
+        <a:scrgbClr r="0" g="0" b="0"/>
+      </a:lnRef>
+      <a:fillRef idx="1">
+        <a:scrgbClr r="0" g="0" b="0"/>
+      </a:fillRef>
+      <a:effectRef idx="0">
+        <a:scrgbClr r="0" g="0" b="0"/>
+      </a:effectRef>
+      <a:fontRef idx="minor">
+        <a:schemeClr val="tx1"/>
+      </a:fontRef>
+    </dgm:style>
+  </dgm:styleLbl>
+  <dgm:styleLbl name="alignNode1">
+    <dgm:scene3d>
+      <a:camera prst="orthographicFront"/>
+      <a:lightRig rig="threePt" dir="t"/>
+    </dgm:scene3d>
+    <dgm:sp3d/>
+    <dgm:txPr/>
+    <dgm:style>
+      <a:lnRef idx="2">
+        <a:scrgbClr r="0" g="0" b="0"/>
+      </a:lnRef>
+      <a:fillRef idx="1">
+        <a:scrgbClr r="0" g="0" b="0"/>
+      </a:fillRef>
+      <a:effectRef idx="0">
+        <a:scrgbClr r="0" g="0" b="0"/>
+      </a:effectRef>
+      <a:fontRef idx="minor">
+        <a:schemeClr val="lt1"/>
+      </a:fontRef>
+    </dgm:style>
+  </dgm:styleLbl>
+  <dgm:styleLbl name="node1">
+    <dgm:scene3d>
+      <a:camera prst="orthographicFront"/>
+      <a:lightRig rig="threePt" dir="t"/>
+    </dgm:scene3d>
+    <dgm:sp3d/>
+    <dgm:txPr/>
+    <dgm:style>
+      <a:lnRef idx="2">
+        <a:scrgbClr r="0" g="0" b="0"/>
+      </a:lnRef>
+      <a:fillRef idx="1">
+        <a:scrgbClr r="0" g="0" b="0"/>
+      </a:fillRef>
+      <a:effectRef idx="0">
+        <a:scrgbClr r="0" g="0" b="0"/>
+      </a:effectRef>
+      <a:fontRef idx="minor">
+        <a:schemeClr val="lt1"/>
+      </a:fontRef>
+    </dgm:style>
+  </dgm:styleLbl>
+  <dgm:styleLbl name="node2">
+    <dgm:scene3d>
+      <a:camera prst="orthographicFront"/>
+      <a:lightRig rig="threePt" dir="t"/>
+    </dgm:scene3d>
+    <dgm:sp3d/>
+    <dgm:txPr/>
+    <dgm:style>
+      <a:lnRef idx="2">
+        <a:scrgbClr r="0" g="0" b="0"/>
+      </a:lnRef>
+      <a:fillRef idx="1">
+        <a:scrgbClr r="0" g="0" b="0"/>
+      </a:fillRef>
+      <a:effectRef idx="0">
+        <a:scrgbClr r="0" g="0" b="0"/>
+      </a:effectRef>
+      <a:fontRef idx="minor">
+        <a:schemeClr val="lt1"/>
+      </a:fontRef>
+    </dgm:style>
+  </dgm:styleLbl>
+  <dgm:styleLbl name="node3">
+    <dgm:scene3d>
+      <a:camera prst="orthographicFront"/>
+      <a:lightRig rig="threePt" dir="t"/>
+    </dgm:scene3d>
+    <dgm:sp3d/>
+    <dgm:txPr/>
+    <dgm:style>
+      <a:lnRef idx="2">
+        <a:scrgbClr r="0" g="0" b="0"/>
+      </a:lnRef>
+      <a:fillRef idx="1">
+        <a:scrgbClr r="0" g="0" b="0"/>
+      </a:fillRef>
+      <a:effectRef idx="0">
+        <a:scrgbClr r="0" g="0" b="0"/>
+      </a:effectRef>
+      <a:fontRef idx="minor">
+        <a:schemeClr val="lt1"/>
+      </a:fontRef>
+    </dgm:style>
+  </dgm:styleLbl>
+  <dgm:styleLbl name="node4">
+    <dgm:scene3d>
+      <a:camera prst="orthographicFront"/>
+      <a:lightRig rig="threePt" dir="t"/>
+    </dgm:scene3d>
+    <dgm:sp3d/>
+    <dgm:txPr/>
+    <dgm:style>
+      <a:lnRef idx="2">
+        <a:scrgbClr r="0" g="0" b="0"/>
+      </a:lnRef>
+      <a:fillRef idx="1">
+        <a:scrgbClr r="0" g="0" b="0"/>
+      </a:fillRef>
+      <a:effectRef idx="0">
+        <a:scrgbClr r="0" g="0" b="0"/>
+      </a:effectRef>
+      <a:fontRef idx="minor">
+        <a:schemeClr val="lt1"/>
+      </a:fontRef>
+    </dgm:style>
+  </dgm:styleLbl>
+  <dgm:styleLbl name="fgImgPlace1">
+    <dgm:scene3d>
+      <a:camera prst="orthographicFront"/>
+      <a:lightRig rig="threePt" dir="t"/>
+    </dgm:scene3d>
+    <dgm:sp3d/>
+    <dgm:txPr/>
+    <dgm:style>
+      <a:lnRef idx="2">
+        <a:scrgbClr r="0" g="0" b="0"/>
+      </a:lnRef>
+      <a:fillRef idx="1">
+        <a:scrgbClr r="0" g="0" b="0"/>
+      </a:fillRef>
+      <a:effectRef idx="0">
+        <a:scrgbClr r="0" g="0" b="0"/>
+      </a:effectRef>
+      <a:fontRef idx="minor"/>
+    </dgm:style>
+  </dgm:styleLbl>
+  <dgm:styleLbl name="alignImgPlace1">
+    <dgm:scene3d>
+      <a:camera prst="orthographicFront"/>
+      <a:lightRig rig="threePt" dir="t"/>
+    </dgm:scene3d>
+    <dgm:sp3d/>
+    <dgm:txPr/>
+    <dgm:style>
+      <a:lnRef idx="2">
+        <a:scrgbClr r="0" g="0" b="0"/>
+      </a:lnRef>
+      <a:fillRef idx="1">
+        <a:scrgbClr r="0" g="0" b="0"/>
+      </a:fillRef>
+      <a:effectRef idx="0">
+        <a:scrgbClr r="0" g="0" b="0"/>
+      </a:effectRef>
+      <a:fontRef idx="minor"/>
+    </dgm:style>
+  </dgm:styleLbl>
+  <dgm:styleLbl name="bgImgPlace1">
+    <dgm:scene3d>
+      <a:camera prst="orthographicFront"/>
+      <a:lightRig rig="threePt" dir="t"/>
+    </dgm:scene3d>
+    <dgm:sp3d/>
+    <dgm:txPr/>
+    <dgm:style>
+      <a:lnRef idx="2">
+        <a:scrgbClr r="0" g="0" b="0"/>
+      </a:lnRef>
+      <a:fillRef idx="1">
+        <a:scrgbClr r="0" g="0" b="0"/>
+      </a:fillRef>
+      <a:effectRef idx="0">
+        <a:scrgbClr r="0" g="0" b="0"/>
+      </a:effectRef>
+      <a:fontRef idx="minor"/>
+    </dgm:style>
+  </dgm:styleLbl>
+  <dgm:styleLbl name="sibTrans2D1">
+    <dgm:scene3d>
+      <a:camera prst="orthographicFront"/>
+      <a:lightRig rig="threePt" dir="t"/>
+    </dgm:scene3d>
+    <dgm:sp3d/>
+    <dgm:txPr/>
+    <dgm:style>
+      <a:lnRef idx="0">
+        <a:scrgbClr r="0" g="0" b="0"/>
+      </a:lnRef>
+      <a:fillRef idx="1">
+        <a:scrgbClr r="0" g="0" b="0"/>
+      </a:fillRef>
+      <a:effectRef idx="0">
+        <a:scrgbClr r="0" g="0" b="0"/>
+      </a:effectRef>
+      <a:fontRef idx="minor">
+        <a:schemeClr val="lt1"/>
+      </a:fontRef>
+    </dgm:style>
+  </dgm:styleLbl>
+  <dgm:styleLbl name="fgSibTrans2D1">
+    <dgm:scene3d>
+      <a:camera prst="orthographicFront"/>
+      <a:lightRig rig="threePt" dir="t"/>
+    </dgm:scene3d>
+    <dgm:sp3d/>
+    <dgm:txPr/>
+    <dgm:style>
+      <a:lnRef idx="0">
+        <a:scrgbClr r="0" g="0" b="0"/>
+      </a:lnRef>
+      <a:fillRef idx="1">
+        <a:scrgbClr r="0" g="0" b="0"/>
+      </a:fillRef>
+      <a:effectRef idx="0">
+        <a:scrgbClr r="0" g="0" b="0"/>
+      </a:effectRef>
+      <a:fontRef idx="minor">
+        <a:schemeClr val="lt1"/>
+      </a:fontRef>
+    </dgm:style>
+  </dgm:styleLbl>
+  <dgm:styleLbl name="bgSibTrans2D1">
+    <dgm:scene3d>
+      <a:camera prst="orthographicFront"/>
+      <a:lightRig rig="threePt" dir="t"/>
+    </dgm:scene3d>
+    <dgm:sp3d/>
+    <dgm:txPr/>
+    <dgm:style>
+      <a:lnRef idx="0">
+        <a:scrgbClr r="0" g="0" b="0"/>
+      </a:lnRef>
+      <a:fillRef idx="1">
+        <a:scrgbClr r="0" g="0" b="0"/>
+      </a:fillRef>
+      <a:effectRef idx="0">
+        <a:scrgbClr r="0" g="0" b="0"/>
+      </a:effectRef>
+      <a:fontRef idx="minor">
+        <a:schemeClr val="lt1"/>
+      </a:fontRef>
+    </dgm:style>
+  </dgm:styleLbl>
+  <dgm:styleLbl name="sibTrans1D1">
+    <dgm:scene3d>
+      <a:camera prst="orthographicFront"/>
+      <a:lightRig rig="threePt" dir="t"/>
+    </dgm:scene3d>
+    <dgm:sp3d/>
+    <dgm:txPr/>
+    <dgm:style>
+      <a:lnRef idx="1">
+        <a:scrgbClr r="0" g="0" b="0"/>
+      </a:lnRef>
+      <a:fillRef idx="0">
+        <a:scrgbClr r="0" g="0" b="0"/>
+      </a:fillRef>
+      <a:effectRef idx="0">
+        <a:scrgbClr r="0" g="0" b="0"/>
+      </a:effectRef>
+      <a:fontRef idx="minor"/>
+    </dgm:style>
+  </dgm:styleLbl>
+  <dgm:styleLbl name="callout">
+    <dgm:scene3d>
+      <a:camera prst="orthographicFront"/>
+      <a:lightRig rig="threePt" dir="t"/>
+    </dgm:scene3d>
+    <dgm:sp3d/>
+    <dgm:txPr/>
+    <dgm:style>
+      <a:lnRef idx="2">
+        <a:scrgbClr r="0" g="0" b="0"/>
+      </a:lnRef>
+      <a:fillRef idx="1">
+        <a:scrgbClr r="0" g="0" b="0"/>
+      </a:fillRef>
+      <a:effectRef idx="0">
+        <a:scrgbClr r="0" g="0" b="0"/>
+      </a:effectRef>
+      <a:fontRef idx="minor"/>
+    </dgm:style>
+  </dgm:styleLbl>
+  <dgm:styleLbl name="asst0">
+    <dgm:scene3d>
+      <a:camera prst="orthographicFront"/>
+      <a:lightRig rig="threePt" dir="t"/>
+    </dgm:scene3d>
+    <dgm:sp3d/>
+    <dgm:txPr/>
+    <dgm:style>
+      <a:lnRef idx="2">
+        <a:scrgbClr r="0" g="0" b="0"/>
+      </a:lnRef>
+      <a:fillRef idx="1">
+        <a:scrgbClr r="0" g="0" b="0"/>
+      </a:fillRef>
+      <a:effectRef idx="0">
+        <a:scrgbClr r="0" g="0" b="0"/>
+      </a:effectRef>
+      <a:fontRef idx="minor">
+        <a:schemeClr val="lt1"/>
+      </a:fontRef>
+    </dgm:style>
+  </dgm:styleLbl>
+  <dgm:styleLbl name="asst1">
+    <dgm:scene3d>
+      <a:camera prst="orthographicFront"/>
+      <a:lightRig rig="threePt" dir="t"/>
+    </dgm:scene3d>
+    <dgm:sp3d/>
+    <dgm:txPr/>
+    <dgm:style>
+      <a:lnRef idx="2">
+        <a:scrgbClr r="0" g="0" b="0"/>
+      </a:lnRef>
+      <a:fillRef idx="1">
+        <a:scrgbClr r="0" g="0" b="0"/>
+      </a:fillRef>
+      <a:effectRef idx="0">
+        <a:scrgbClr r="0" g="0" b="0"/>
+      </a:effectRef>
+      <a:fontRef idx="minor">
+        <a:schemeClr val="lt1"/>
+      </a:fontRef>
+    </dgm:style>
+  </dgm:styleLbl>
+  <dgm:styleLbl name="asst2">
+    <dgm:scene3d>
+      <a:camera prst="orthographicFront"/>
+      <a:lightRig rig="threePt" dir="t"/>
+    </dgm:scene3d>
+    <dgm:sp3d/>
+    <dgm:txPr/>
+    <dgm:style>
+      <a:lnRef idx="2">
+        <a:scrgbClr r="0" g="0" b="0"/>
+      </a:lnRef>
+      <a:fillRef idx="1">
+        <a:scrgbClr r="0" g="0" b="0"/>
+      </a:fillRef>
+      <a:effectRef idx="0">
+        <a:scrgbClr r="0" g="0" b="0"/>
+      </a:effectRef>
+      <a:fontRef idx="minor">
+        <a:schemeClr val="lt1"/>
+      </a:fontRef>
+    </dgm:style>
+  </dgm:styleLbl>
+  <dgm:styleLbl name="asst3">
+    <dgm:scene3d>
+      <a:camera prst="orthographicFront"/>
+      <a:lightRig rig="threePt" dir="t"/>
+    </dgm:scene3d>
+    <dgm:sp3d/>
+    <dgm:txPr/>
+    <dgm:style>
+      <a:lnRef idx="2">
+        <a:scrgbClr r="0" g="0" b="0"/>
+      </a:lnRef>
+      <a:fillRef idx="1">
+        <a:scrgbClr r="0" g="0" b="0"/>
+      </a:fillRef>
+      <a:effectRef idx="0">
+        <a:scrgbClr r="0" g="0" b="0"/>
+      </a:effectRef>
+      <a:fontRef idx="minor">
+        <a:schemeClr val="lt1"/>
+      </a:fontRef>
+    </dgm:style>
+  </dgm:styleLbl>
+  <dgm:styleLbl name="asst4">
+    <dgm:scene3d>
+      <a:camera prst="orthographicFront"/>
+      <a:lightRig rig="threePt" dir="t"/>
+    </dgm:scene3d>
+    <dgm:sp3d/>
+    <dgm:txPr/>
+    <dgm:style>
+      <a:lnRef idx="2">
+        <a:scrgbClr r="0" g="0" b="0"/>
+      </a:lnRef>
+      <a:fillRef idx="1">
+        <a:scrgbClr r="0" g="0" b="0"/>
+      </a:fillRef>
+      <a:effectRef idx="0">
+        <a:scrgbClr r="0" g="0" b="0"/>
+      </a:effectRef>
+      <a:fontRef idx="minor">
+        <a:schemeClr val="lt1"/>
+      </a:fontRef>
+    </dgm:style>
+  </dgm:styleLbl>
+  <dgm:styleLbl name="parChTrans2D1">
+    <dgm:scene3d>
+      <a:camera prst="orthographicFront"/>
+      <a:lightRig rig="threePt" dir="t"/>
+    </dgm:scene3d>
+    <dgm:sp3d/>
+    <dgm:txPr/>
+    <dgm:style>
+      <a:lnRef idx="2">
+        <a:scrgbClr r="0" g="0" b="0"/>
+      </a:lnRef>
+      <a:fillRef idx="1">
+        <a:scrgbClr r="0" g="0" b="0"/>
+      </a:fillRef>
+      <a:effectRef idx="0">
+        <a:scrgbClr r="0" g="0" b="0"/>
+      </a:effectRef>
+      <a:fontRef idx="minor">
+        <a:schemeClr val="lt1"/>
+      </a:fontRef>
+    </dgm:style>
+  </dgm:styleLbl>
+  <dgm:styleLbl name="parChTrans2D2">
+    <dgm:scene3d>
+      <a:camera prst="orthographicFront"/>
+      <a:lightRig rig="threePt" dir="t"/>
+    </dgm:scene3d>
+    <dgm:sp3d/>
+    <dgm:txPr/>
+    <dgm:style>
+      <a:lnRef idx="2">
+        <a:scrgbClr r="0" g="0" b="0"/>
+      </a:lnRef>
+      <a:fillRef idx="1">
+        <a:scrgbClr r="0" g="0" b="0"/>
+      </a:fillRef>
+      <a:effectRef idx="0">
+        <a:scrgbClr r="0" g="0" b="0"/>
+      </a:effectRef>
+      <a:fontRef idx="minor">
+        <a:schemeClr val="lt1"/>
+      </a:fontRef>
+    </dgm:style>
+  </dgm:styleLbl>
+  <dgm:styleLbl name="parChTrans2D3">
+    <dgm:scene3d>
+      <a:camera prst="orthographicFront"/>
+      <a:lightRig rig="threePt" dir="t"/>
+    </dgm:scene3d>
+    <dgm:sp3d/>
+    <dgm:txPr/>
+    <dgm:style>
+      <a:lnRef idx="2">
+        <a:scrgbClr r="0" g="0" b="0"/>
+      </a:lnRef>
+      <a:fillRef idx="1">
+        <a:scrgbClr r="0" g="0" b="0"/>
+      </a:fillRef>
+      <a:effectRef idx="0">
+        <a:scrgbClr r="0" g="0" b="0"/>
+      </a:effectRef>
+      <a:fontRef idx="minor">
+        <a:schemeClr val="lt1"/>
+      </a:fontRef>
+    </dgm:style>
+  </dgm:styleLbl>
+  <dgm:styleLbl name="parChTrans2D4">
+    <dgm:scene3d>
+      <a:camera prst="orthographicFront"/>
+      <a:lightRig rig="threePt" dir="t"/>
+    </dgm:scene3d>
+    <dgm:sp3d/>
+    <dgm:txPr/>
+    <dgm:style>
+      <a:lnRef idx="2">
+        <a:scrgbClr r="0" g="0" b="0"/>
+      </a:lnRef>
+      <a:fillRef idx="1">
+        <a:scrgbClr r="0" g="0" b="0"/>
+      </a:fillRef>
+      <a:effectRef idx="0">
+        <a:scrgbClr r="0" g="0" b="0"/>
+      </a:effectRef>
+      <a:fontRef idx="minor">
+        <a:schemeClr val="lt1"/>
+      </a:fontRef>
+    </dgm:style>
+  </dgm:styleLbl>
+  <dgm:styleLbl name="parChTrans1D1">
+    <dgm:scene3d>
+      <a:camera prst="orthographicFront"/>
+      <a:lightRig rig="threePt" dir="t"/>
+    </dgm:scene3d>
+    <dgm:sp3d/>
+    <dgm:txPr/>
+    <dgm:style>
+      <a:lnRef idx="2">
+        <a:scrgbClr r="0" g="0" b="0"/>
+      </a:lnRef>
+      <a:fillRef idx="0">
+        <a:scrgbClr r="0" g="0" b="0"/>
+      </a:fillRef>
+      <a:effectRef idx="0">
+        <a:scrgbClr r="0" g="0" b="0"/>
+      </a:effectRef>
+      <a:fontRef idx="minor"/>
+    </dgm:style>
+  </dgm:styleLbl>
+  <dgm:styleLbl name="parChTrans1D2">
+    <dgm:scene3d>
+      <a:camera prst="orthographicFront"/>
+      <a:lightRig rig="threePt" dir="t"/>
+    </dgm:scene3d>
+    <dgm:sp3d/>
+    <dgm:txPr/>
+    <dgm:style>
+      <a:lnRef idx="2">
+        <a:scrgbClr r="0" g="0" b="0"/>
+      </a:lnRef>
+      <a:fillRef idx="0">
+        <a:scrgbClr r="0" g="0" b="0"/>
+      </a:fillRef>
+      <a:effectRef idx="0">
+        <a:scrgbClr r="0" g="0" b="0"/>
+      </a:effectRef>
+      <a:fontRef idx="minor"/>
+    </dgm:style>
+  </dgm:styleLbl>
+  <dgm:styleLbl name="parChTrans1D3">
+    <dgm:scene3d>
+      <a:camera prst="orthographicFront"/>
+      <a:lightRig rig="threePt" dir="t"/>
+    </dgm:scene3d>
+    <dgm:sp3d/>
+    <dgm:txPr/>
+    <dgm:style>
+      <a:lnRef idx="2">
+        <a:scrgbClr r="0" g="0" b="0"/>
+      </a:lnRef>
+      <a:fillRef idx="0">
+        <a:scrgbClr r="0" g="0" b="0"/>
+      </a:fillRef>
+      <a:effectRef idx="0">
+        <a:scrgbClr r="0" g="0" b="0"/>
+      </a:effectRef>
+      <a:fontRef idx="minor"/>
+    </dgm:style>
+  </dgm:styleLbl>
+  <dgm:styleLbl name="parChTrans1D4">
+    <dgm:scene3d>
+      <a:camera prst="orthographicFront"/>
+      <a:lightRig rig="threePt" dir="t"/>
+    </dgm:scene3d>
+    <dgm:sp3d/>
+    <dgm:txPr/>
+    <dgm:style>
+      <a:lnRef idx="2">
+        <a:scrgbClr r="0" g="0" b="0"/>
+      </a:lnRef>
+      <a:fillRef idx="0">
+        <a:scrgbClr r="0" g="0" b="0"/>
+      </a:fillRef>
+      <a:effectRef idx="0">
+        <a:scrgbClr r="0" g="0" b="0"/>
+      </a:effectRef>
+      <a:fontRef idx="minor"/>
+    </dgm:style>
+  </dgm:styleLbl>
+  <dgm:styleLbl name="fgAcc1">
+    <dgm:scene3d>
+      <a:camera prst="orthographicFront"/>
+      <a:lightRig rig="threePt" dir="t"/>
+    </dgm:scene3d>
+    <dgm:sp3d/>
+    <dgm:txPr/>
+    <dgm:style>
+      <a:lnRef idx="2">
+        <a:scrgbClr r="0" g="0" b="0"/>
+      </a:lnRef>
+      <a:fillRef idx="1">
+        <a:scrgbClr r="0" g="0" b="0"/>
+      </a:fillRef>
+      <a:effectRef idx="0">
+        <a:scrgbClr r="0" g="0" b="0"/>
+      </a:effectRef>
+      <a:fontRef idx="minor"/>
+    </dgm:style>
+  </dgm:styleLbl>
+  <dgm:styleLbl name="conFgAcc1">
+    <dgm:scene3d>
+      <a:camera prst="orthographicFront"/>
+      <a:lightRig rig="threePt" dir="t"/>
+    </dgm:scene3d>
+    <dgm:sp3d/>
+    <dgm:txPr/>
+    <dgm:style>
+      <a:lnRef idx="2">
+        <a:scrgbClr r="0" g="0" b="0"/>
+      </a:lnRef>
+      <a:fillRef idx="1">
+        <a:scrgbClr r="0" g="0" b="0"/>
+      </a:fillRef>
+      <a:effectRef idx="0">
+        <a:scrgbClr r="0" g="0" b="0"/>
+      </a:effectRef>
+      <a:fontRef idx="minor"/>
+    </dgm:style>
+  </dgm:styleLbl>
+  <dgm:styleLbl name="alignAcc1">
+    <dgm:scene3d>
+      <a:camera prst="orthographicFront"/>
+      <a:lightRig rig="threePt" dir="t"/>
+    </dgm:scene3d>
+    <dgm:sp3d/>
+    <dgm:txPr/>
+    <dgm:style>
+      <a:lnRef idx="2">
+        <a:scrgbClr r="0" g="0" b="0"/>
+      </a:lnRef>
+      <a:fillRef idx="1">
+        <a:scrgbClr r="0" g="0" b="0"/>
+      </a:fillRef>
+      <a:effectRef idx="0">
+        <a:scrgbClr r="0" g="0" b="0"/>
+      </a:effectRef>
+      <a:fontRef idx="minor"/>
+    </dgm:style>
+  </dgm:styleLbl>
+  <dgm:styleLbl name="trAlignAcc1">
+    <dgm:scene3d>
+      <a:camera prst="orthographicFront"/>
+      <a:lightRig rig="threePt" dir="t"/>
+    </dgm:scene3d>
+    <dgm:sp3d/>
+    <dgm:txPr/>
+    <dgm:style>
+      <a:lnRef idx="1">
+        <a:scrgbClr r="0" g="0" b="0"/>
+      </a:lnRef>
+      <a:fillRef idx="1">
+        <a:scrgbClr r="0" g="0" b="0"/>
+      </a:fillRef>
+      <a:effectRef idx="0">
+        <a:scrgbClr r="0" g="0" b="0"/>
+      </a:effectRef>
+      <a:fontRef idx="minor"/>
+    </dgm:style>
+  </dgm:styleLbl>
+  <dgm:styleLbl name="bgAcc1">
+    <dgm:scene3d>
+      <a:camera prst="orthographicFront"/>
+      <a:lightRig rig="threePt" dir="t"/>
+    </dgm:scene3d>
+    <dgm:sp3d/>
+    <dgm:txPr/>
+    <dgm:style>
+      <a:lnRef idx="2">
+        <a:scrgbClr r="0" g="0" b="0"/>
+      </a:lnRef>
+      <a:fillRef idx="1">
+        <a:scrgbClr r="0" g="0" b="0"/>
+      </a:fillRef>
+      <a:effectRef idx="0">
+        <a:scrgbClr r="0" g="0" b="0"/>
+      </a:effectRef>
+      <a:fontRef idx="minor"/>
+    </dgm:style>
+  </dgm:styleLbl>
+  <dgm:styleLbl name="solidFgAcc1">
+    <dgm:scene3d>
+      <a:camera prst="orthographicFront"/>
+      <a:lightRig rig="threePt" dir="t"/>
+    </dgm:scene3d>
+    <dgm:sp3d/>
+    <dgm:txPr/>
+    <dgm:style>
+      <a:lnRef idx="2">
+        <a:scrgbClr r="0" g="0" b="0"/>
+      </a:lnRef>
+      <a:fillRef idx="1">
+        <a:scrgbClr r="0" g="0" b="0"/>
+      </a:fillRef>
+      <a:effectRef idx="0">
+        <a:scrgbClr r="0" g="0" b="0"/>
+      </a:effectRef>
+      <a:fontRef idx="minor"/>
+    </dgm:style>
+  </dgm:styleLbl>
+  <dgm:styleLbl name="solidAlignAcc1">
+    <dgm:scene3d>
+      <a:camera prst="orthographicFront"/>
+      <a:lightRig rig="threePt" dir="t"/>
+    </dgm:scene3d>
+    <dgm:sp3d/>
+    <dgm:txPr/>
+    <dgm:style>
+      <a:lnRef idx="2">
+        <a:scrgbClr r="0" g="0" b="0"/>
+      </a:lnRef>
+      <a:fillRef idx="1">
+        <a:scrgbClr r="0" g="0" b="0"/>
+      </a:fillRef>
+      <a:effectRef idx="0">
+        <a:scrgbClr r="0" g="0" b="0"/>
+      </a:effectRef>
+      <a:fontRef idx="minor"/>
+    </dgm:style>
+  </dgm:styleLbl>
+  <dgm:styleLbl name="solidBgAcc1">
+    <dgm:scene3d>
+      <a:camera prst="orthographicFront"/>
+      <a:lightRig rig="threePt" dir="t"/>
+    </dgm:scene3d>
+    <dgm:sp3d/>
+    <dgm:txPr/>
+    <dgm:style>
+      <a:lnRef idx="2">
+        <a:scrgbClr r="0" g="0" b="0"/>
+      </a:lnRef>
+      <a:fillRef idx="1">
+        <a:scrgbClr r="0" g="0" b="0"/>
+      </a:fillRef>
+      <a:effectRef idx="0">
+        <a:scrgbClr r="0" g="0" b="0"/>
+      </a:effectRef>
+      <a:fontRef idx="minor"/>
+    </dgm:style>
+  </dgm:styleLbl>
+  <dgm:styleLbl name="fgAccFollowNode1">
+    <dgm:scene3d>
+      <a:camera prst="orthographicFront"/>
+      <a:lightRig rig="threePt" dir="t"/>
+    </dgm:scene3d>
+    <dgm:sp3d/>
+    <dgm:txPr/>
+    <dgm:style>
+      <a:lnRef idx="2">
+        <a:scrgbClr r="0" g="0" b="0"/>
+      </a:lnRef>
+      <a:fillRef idx="1">
+        <a:scrgbClr r="0" g="0" b="0"/>
+      </a:fillRef>
+      <a:effectRef idx="0">
+        <a:scrgbClr r="0" g="0" b="0"/>
+      </a:effectRef>
+      <a:fontRef idx="minor"/>
+    </dgm:style>
+  </dgm:styleLbl>
+  <dgm:styleLbl name="alignAccFollowNode1">
+    <dgm:scene3d>
+      <a:camera prst="orthographicFront"/>
+      <a:lightRig rig="threePt" dir="t"/>
+    </dgm:scene3d>
+    <dgm:sp3d/>
+    <dgm:txPr/>
+    <dgm:style>
+      <a:lnRef idx="2">
+        <a:scrgbClr r="0" g="0" b="0"/>
+      </a:lnRef>
+      <a:fillRef idx="1">
+        <a:scrgbClr r="0" g="0" b="0"/>
+      </a:fillRef>
+      <a:effectRef idx="0">
+        <a:scrgbClr r="0" g="0" b="0"/>
+      </a:effectRef>
+      <a:fontRef idx="minor"/>
+    </dgm:style>
+  </dgm:styleLbl>
+  <dgm:styleLbl name="bgAccFollowNode1">
+    <dgm:scene3d>
+      <a:camera prst="orthographicFront"/>
+      <a:lightRig rig="threePt" dir="t"/>
+    </dgm:scene3d>
+    <dgm:sp3d/>
+    <dgm:txPr/>
+    <dgm:style>
+      <a:lnRef idx="2">
+        <a:scrgbClr r="0" g="0" b="0"/>
+      </a:lnRef>
+      <a:fillRef idx="1">
+        <a:scrgbClr r="0" g="0" b="0"/>
+      </a:fillRef>
+      <a:effectRef idx="0">
+        <a:scrgbClr r="0" g="0" b="0"/>
+      </a:effectRef>
+      <a:fontRef idx="minor"/>
+    </dgm:style>
+  </dgm:styleLbl>
+  <dgm:styleLbl name="fgAcc0">
+    <dgm:scene3d>
+      <a:camera prst="orthographicFront"/>
+      <a:lightRig rig="threePt" dir="t"/>
+    </dgm:scene3d>
+    <dgm:sp3d/>
+    <dgm:txPr/>
+    <dgm:style>
+      <a:lnRef idx="2">
+        <a:scrgbClr r="0" g="0" b="0"/>
+      </a:lnRef>
+      <a:fillRef idx="1">
+        <a:scrgbClr r="0" g="0" b="0"/>
+      </a:fillRef>
+      <a:effectRef idx="0">
+        <a:scrgbClr r="0" g="0" b="0"/>
+      </a:effectRef>
+      <a:fontRef idx="minor"/>
+    </dgm:style>
+  </dgm:styleLbl>
+  <dgm:styleLbl name="fgAcc2">
+    <dgm:scene3d>
+      <a:camera prst="orthographicFront"/>
+      <a:lightRig rig="threePt" dir="t"/>
+    </dgm:scene3d>
+    <dgm:sp3d/>
+    <dgm:txPr/>
+    <dgm:style>
+      <a:lnRef idx="2">
+        <a:scrgbClr r="0" g="0" b="0"/>
+      </a:lnRef>
+      <a:fillRef idx="1">
+        <a:scrgbClr r="0" g="0" b="0"/>
+      </a:fillRef>
+      <a:effectRef idx="0">
+        <a:scrgbClr r="0" g="0" b="0"/>
+      </a:effectRef>
+      <a:fontRef idx="minor"/>
+    </dgm:style>
+  </dgm:styleLbl>
+  <dgm:styleLbl name="fgAcc3">
+    <dgm:scene3d>
+      <a:camera prst="orthographicFront"/>
+      <a:lightRig rig="threePt" dir="t"/>
+    </dgm:scene3d>
+    <dgm:sp3d/>
+    <dgm:txPr/>
+    <dgm:style>
+      <a:lnRef idx="2">
+        <a:scrgbClr r="0" g="0" b="0"/>
+      </a:lnRef>
+      <a:fillRef idx="1">
+        <a:scrgbClr r="0" g="0" b="0"/>
+      </a:fillRef>
+      <a:effectRef idx="0">
+        <a:scrgbClr r="0" g="0" b="0"/>
+      </a:effectRef>
+      <a:fontRef idx="minor"/>
+    </dgm:style>
+  </dgm:styleLbl>
+  <dgm:styleLbl name="fgAcc4">
+    <dgm:scene3d>
+      <a:camera prst="orthographicFront"/>
+      <a:lightRig rig="threePt" dir="t"/>
+    </dgm:scene3d>
+    <dgm:sp3d/>
+    <dgm:txPr/>
+    <dgm:style>
+      <a:lnRef idx="2">
+        <a:scrgbClr r="0" g="0" b="0"/>
+      </a:lnRef>
+      <a:fillRef idx="1">
+        <a:scrgbClr r="0" g="0" b="0"/>
+      </a:fillRef>
+      <a:effectRef idx="0">
+        <a:scrgbClr r="0" g="0" b="0"/>
+      </a:effectRef>
+      <a:fontRef idx="minor"/>
+    </dgm:style>
+  </dgm:styleLbl>
+  <dgm:styleLbl name="bgShp">
+    <dgm:scene3d>
+      <a:camera prst="orthographicFront"/>
+      <a:lightRig rig="threePt" dir="t"/>
+    </dgm:scene3d>
+    <dgm:sp3d/>
+    <dgm:txPr/>
+    <dgm:style>
+      <a:lnRef idx="0">
+        <a:scrgbClr r="0" g="0" b="0"/>
+      </a:lnRef>
+      <a:fillRef idx="1">
+        <a:scrgbClr r="0" g="0" b="0"/>
+      </a:fillRef>
+      <a:effectRef idx="0">
+        <a:scrgbClr r="0" g="0" b="0"/>
+      </a:effectRef>
+      <a:fontRef idx="minor"/>
+    </dgm:style>
+  </dgm:styleLbl>
+  <dgm:styleLbl name="dkBgShp">
+    <dgm:scene3d>
+      <a:camera prst="orthographicFront"/>
+      <a:lightRig rig="threePt" dir="t"/>
+    </dgm:scene3d>
+    <dgm:sp3d/>
+    <dgm:txPr/>
+    <dgm:style>
+      <a:lnRef idx="0">
+        <a:scrgbClr r="0" g="0" b="0"/>
+      </a:lnRef>
+      <a:fillRef idx="1">
+        <a:scrgbClr r="0" g="0" b="0"/>
+      </a:fillRef>
+      <a:effectRef idx="0">
+        <a:scrgbClr r="0" g="0" b="0"/>
+      </a:effectRef>
+      <a:fontRef idx="minor"/>
+    </dgm:style>
+  </dgm:styleLbl>
+  <dgm:styleLbl name="trBgShp">
+    <dgm:scene3d>
+      <a:camera prst="orthographicFront"/>
+      <a:lightRig rig="threePt" dir="t"/>
+    </dgm:scene3d>
+    <dgm:sp3d/>
+    <dgm:txPr/>
+    <dgm:style>
+      <a:lnRef idx="0">
+        <a:scrgbClr r="0" g="0" b="0"/>
+      </a:lnRef>
+      <a:fillRef idx="1">
+        <a:scrgbClr r="0" g="0" b="0"/>
+      </a:fillRef>
+      <a:effectRef idx="0">
+        <a:scrgbClr r="0" g="0" b="0"/>
+      </a:effectRef>
+      <a:fontRef idx="minor"/>
+    </dgm:style>
+  </dgm:styleLbl>
+  <dgm:styleLbl name="fgShp">
+    <dgm:scene3d>
+      <a:camera prst="orthographicFront"/>
+      <a:lightRig rig="threePt" dir="t"/>
+    </dgm:scene3d>
+    <dgm:sp3d/>
+    <dgm:txPr/>
+    <dgm:style>
+      <a:lnRef idx="2">
+        <a:scrgbClr r="0" g="0" b="0"/>
+      </a:lnRef>
+      <a:fillRef idx="1">
+        <a:scrgbClr r="0" g="0" b="0"/>
+      </a:fillRef>
+      <a:effectRef idx="0">
+        <a:scrgbClr r="0" g="0" b="0"/>
+      </a:effectRef>
+      <a:fontRef idx="minor"/>
+    </dgm:style>
+  </dgm:styleLbl>
+  <dgm:styleLbl name="revTx">
+    <dgm:scene3d>
+      <a:camera prst="orthographicFront"/>
+      <a:lightRig rig="threePt" dir="t"/>
+    </dgm:scene3d>
+    <dgm:sp3d/>
+    <dgm:txPr/>
+    <dgm:style>
+      <a:lnRef idx="0">
+        <a:scrgbClr r="0" g="0" b="0"/>
+      </a:lnRef>
+      <a:fillRef idx="0">
+        <a:scrgbClr r="0" g="0" b="0"/>
+      </a:fillRef>
+      <a:effectRef idx="0">
+        <a:scrgbClr r="0" g="0" b="0"/>
+      </a:effectRef>
+      <a:fontRef idx="minor"/>
+    </dgm:style>
+  </dgm:styleLbl>
+</dgm:styleDef>
+</file>
+
+<file path=ppt/diagrams/quickStyle2.xml><?xml version="1.0" encoding="utf-8"?>
 <dgm:styleDef xmlns:dgm="http://schemas.openxmlformats.org/drawingml/2006/diagram" xmlns:a="http://schemas.openxmlformats.org/drawingml/2006/main" uniqueId="urn:microsoft.com/office/officeart/2005/8/quickstyle/simple1">
   <dgm:title val=""/>
   <dgm:desc val=""/>
@@ -7211,6 +11621,519 @@
             <p:ph type="title"/>
           </p:nvPr>
         </p:nvSpPr>
+        <p:spPr>
+          <a:xfrm>
+            <a:off x="1066800" y="99220"/>
+            <a:ext cx="10439400" cy="1325563"/>
+          </a:xfrm>
+        </p:spPr>
+        <p:txBody>
+          <a:bodyPr>
+            <a:normAutofit/>
+          </a:bodyPr>
+          <a:lstStyle/>
+          <a:p>
+            <a:r>
+              <a:rPr lang="fr-FR" dirty="0"/>
+              <a:t>Disposition deux contenus avec graphique </a:t>
+            </a:r>
+            <a:r>
+              <a:rPr lang="fr-FR" dirty="0" err="1"/>
+              <a:t>SmartArt</a:t>
+            </a:r>
+            <a:endParaRPr lang="fr-FR" dirty="0"/>
+          </a:p>
+        </p:txBody>
+      </p:sp>
+      <p:sp>
+        <p:nvSpPr>
+          <p:cNvPr id="3" name="Espace réservé du contenu 2"/>
+          <p:cNvSpPr>
+            <a:spLocks noGrp="1"/>
+          </p:cNvSpPr>
+          <p:nvPr>
+            <p:ph sz="half" idx="1"/>
+          </p:nvPr>
+        </p:nvSpPr>
+        <p:spPr/>
+        <p:txBody>
+          <a:bodyPr>
+            <a:normAutofit/>
+          </a:bodyPr>
+          <a:lstStyle/>
+          <a:p>
+            <a:pPr>
+              <a:buClr>
+                <a:schemeClr val="tx1">
+                  <a:lumMod val="75000"/>
+                </a:schemeClr>
+              </a:buClr>
+            </a:pPr>
+            <a:r>
+              <a:rPr lang="fr-FR" dirty="0"/>
+              <a:t>Texte de la première puce ici</a:t>
+            </a:r>
+          </a:p>
+          <a:p>
+            <a:pPr>
+              <a:buClr>
+                <a:schemeClr val="tx1">
+                  <a:lumMod val="75000"/>
+                </a:schemeClr>
+              </a:buClr>
+            </a:pPr>
+            <a:r>
+              <a:rPr lang="fr-FR" dirty="0"/>
+              <a:t>Texte de la deuxième puce ici</a:t>
+            </a:r>
+          </a:p>
+          <a:p>
+            <a:pPr>
+              <a:buClr>
+                <a:schemeClr val="tx1">
+                  <a:lumMod val="75000"/>
+                </a:schemeClr>
+              </a:buClr>
+            </a:pPr>
+            <a:r>
+              <a:rPr lang="fr-FR" dirty="0"/>
+              <a:t>Texte de la troisième puce ici</a:t>
+            </a:r>
+          </a:p>
+        </p:txBody>
+      </p:sp>
+      <p:graphicFrame>
+        <p:nvGraphicFramePr>
+          <p:cNvPr id="7" name="Espace réservé du contenu 6" descr="Processus segmenté" title="SmartArt"/>
+          <p:cNvGraphicFramePr>
+            <a:graphicFrameLocks noGrp="1"/>
+          </p:cNvGraphicFramePr>
+          <p:nvPr>
+            <p:ph sz="half" idx="2"/>
+            <p:extLst>
+              <p:ext uri="{D42A27DB-BD31-4B8C-83A1-F6EECF244321}">
+                <p14:modId xmlns:p14="http://schemas.microsoft.com/office/powerpoint/2010/main" val="3312862639"/>
+              </p:ext>
+            </p:extLst>
+          </p:nvPr>
+        </p:nvGraphicFramePr>
+        <p:xfrm>
+          <a:off x="6324600" y="1825625"/>
+          <a:ext cx="5334000" cy="4575175"/>
+        </p:xfrm>
+        <a:graphic>
+          <a:graphicData uri="http://schemas.openxmlformats.org/drawingml/2006/diagram">
+            <dgm:relIds xmlns:dgm="http://schemas.openxmlformats.org/drawingml/2006/diagram" xmlns:r="http://schemas.openxmlformats.org/officeDocument/2006/relationships" r:dm="rId2" r:lo="rId3" r:qs="rId4" r:cs="rId5"/>
+          </a:graphicData>
+        </a:graphic>
+      </p:graphicFrame>
+    </p:spTree>
+    <p:extLst>
+      <p:ext uri="{BB962C8B-B14F-4D97-AF65-F5344CB8AC3E}">
+        <p14:creationId xmlns:p14="http://schemas.microsoft.com/office/powerpoint/2010/main" val="3948826341"/>
+      </p:ext>
+    </p:extLst>
+  </p:cSld>
+  <p:clrMapOvr>
+    <a:masterClrMapping/>
+  </p:clrMapOvr>
+  <mc:AlternateContent xmlns:mc="http://schemas.openxmlformats.org/markup-compatibility/2006" xmlns:p14="http://schemas.microsoft.com/office/powerpoint/2010/main">
+    <mc:Choice Requires="p14">
+      <p:transition spd="med" p14:dur="700">
+        <p:fade/>
+      </p:transition>
+    </mc:Choice>
+    <mc:Fallback xmlns="">
+      <p:transition spd="med">
+        <p:fade/>
+      </p:transition>
+    </mc:Fallback>
+  </mc:AlternateContent>
+  <p:timing>
+    <p:tnLst>
+      <p:par>
+        <p:cTn id="1" dur="indefinite" restart="never" nodeType="tmRoot"/>
+      </p:par>
+    </p:tnLst>
+  </p:timing>
+</p:sld>
+</file>
+
+<file path=ppt/slides/slide11.xml><?xml version="1.0" encoding="utf-8"?>
+<p:sld xmlns:a="http://schemas.openxmlformats.org/drawingml/2006/main" xmlns:r="http://schemas.openxmlformats.org/officeDocument/2006/relationships" xmlns:p="http://schemas.openxmlformats.org/presentationml/2006/main">
+  <p:cSld>
+    <p:spTree>
+      <p:nvGrpSpPr>
+        <p:cNvPr id="1" name=""/>
+        <p:cNvGrpSpPr/>
+        <p:nvPr/>
+      </p:nvGrpSpPr>
+      <p:grpSpPr>
+        <a:xfrm>
+          <a:off x="0" y="0"/>
+          <a:ext cx="0" cy="0"/>
+          <a:chOff x="0" y="0"/>
+          <a:chExt cx="0" cy="0"/>
+        </a:xfrm>
+      </p:grpSpPr>
+      <p:sp>
+        <p:nvSpPr>
+          <p:cNvPr id="2" name="Titre 1"/>
+          <p:cNvSpPr>
+            <a:spLocks noGrp="1"/>
+          </p:cNvSpPr>
+          <p:nvPr>
+            <p:ph type="title"/>
+          </p:nvPr>
+        </p:nvSpPr>
+        <p:spPr/>
+        <p:txBody>
+          <a:bodyPr/>
+          <a:lstStyle/>
+          <a:p>
+            <a:endParaRPr lang="fr-FR" noProof="1"/>
+          </a:p>
+        </p:txBody>
+      </p:sp>
+      <p:sp>
+        <p:nvSpPr>
+          <p:cNvPr id="3" name="Espace réservé du texte 2"/>
+          <p:cNvSpPr>
+            <a:spLocks noGrp="1"/>
+          </p:cNvSpPr>
+          <p:nvPr>
+            <p:ph type="body" idx="1"/>
+          </p:nvPr>
+        </p:nvSpPr>
+        <p:spPr/>
+        <p:txBody>
+          <a:bodyPr/>
+          <a:lstStyle/>
+          <a:p>
+            <a:endParaRPr lang="fr-FR" noProof="1"/>
+          </a:p>
+        </p:txBody>
+      </p:sp>
+    </p:spTree>
+    <p:extLst>
+      <p:ext uri="{BB962C8B-B14F-4D97-AF65-F5344CB8AC3E}">
+        <p14:creationId xmlns:p14="http://schemas.microsoft.com/office/powerpoint/2010/main" val="3537718460"/>
+      </p:ext>
+    </p:extLst>
+  </p:cSld>
+  <p:clrMapOvr>
+    <a:masterClrMapping/>
+  </p:clrMapOvr>
+  <mc:AlternateContent xmlns:mc="http://schemas.openxmlformats.org/markup-compatibility/2006" xmlns:p14="http://schemas.microsoft.com/office/powerpoint/2010/main">
+    <mc:Choice Requires="p14">
+      <p:transition spd="med" p14:dur="700">
+        <p:fade/>
+      </p:transition>
+    </mc:Choice>
+    <mc:Fallback xmlns="">
+      <p:transition spd="med">
+        <p:fade/>
+      </p:transition>
+    </mc:Fallback>
+  </mc:AlternateContent>
+  <p:timing>
+    <p:tnLst>
+      <p:par>
+        <p:cTn id="1" dur="indefinite" restart="never" nodeType="tmRoot"/>
+      </p:par>
+    </p:tnLst>
+  </p:timing>
+</p:sld>
+</file>
+
+<file path=ppt/slides/slide12.xml><?xml version="1.0" encoding="utf-8"?>
+<p:sld xmlns:a="http://schemas.openxmlformats.org/drawingml/2006/main" xmlns:r="http://schemas.openxmlformats.org/officeDocument/2006/relationships" xmlns:p="http://schemas.openxmlformats.org/presentationml/2006/main">
+  <p:cSld>
+    <p:spTree>
+      <p:nvGrpSpPr>
+        <p:cNvPr id="1" name=""/>
+        <p:cNvGrpSpPr/>
+        <p:nvPr/>
+      </p:nvGrpSpPr>
+      <p:grpSpPr>
+        <a:xfrm>
+          <a:off x="0" y="0"/>
+          <a:ext cx="0" cy="0"/>
+          <a:chOff x="0" y="0"/>
+          <a:chExt cx="0" cy="0"/>
+        </a:xfrm>
+      </p:grpSpPr>
+      <p:sp>
+        <p:nvSpPr>
+          <p:cNvPr id="2" name="Titre 1"/>
+          <p:cNvSpPr>
+            <a:spLocks noGrp="1"/>
+          </p:cNvSpPr>
+          <p:nvPr>
+            <p:ph type="title"/>
+          </p:nvPr>
+        </p:nvSpPr>
+        <p:spPr/>
+        <p:txBody>
+          <a:bodyPr/>
+          <a:lstStyle/>
+          <a:p>
+            <a:endParaRPr lang="fr-FR" noProof="1"/>
+          </a:p>
+        </p:txBody>
+      </p:sp>
+      <p:sp>
+        <p:nvSpPr>
+          <p:cNvPr id="3" name="Espace réservé du texte 2"/>
+          <p:cNvSpPr>
+            <a:spLocks noGrp="1"/>
+          </p:cNvSpPr>
+          <p:nvPr>
+            <p:ph type="body" idx="1"/>
+          </p:nvPr>
+        </p:nvSpPr>
+        <p:spPr/>
+        <p:txBody>
+          <a:bodyPr/>
+          <a:lstStyle/>
+          <a:p>
+            <a:endParaRPr lang="fr-FR" noProof="1"/>
+          </a:p>
+        </p:txBody>
+      </p:sp>
+      <p:sp>
+        <p:nvSpPr>
+          <p:cNvPr id="4" name="Espace réservé du contenu 3"/>
+          <p:cNvSpPr>
+            <a:spLocks noGrp="1"/>
+          </p:cNvSpPr>
+          <p:nvPr>
+            <p:ph sz="half" idx="2"/>
+          </p:nvPr>
+        </p:nvSpPr>
+        <p:spPr/>
+        <p:txBody>
+          <a:bodyPr/>
+          <a:lstStyle/>
+          <a:p>
+            <a:endParaRPr lang="fr-FR" noProof="1"/>
+          </a:p>
+        </p:txBody>
+      </p:sp>
+      <p:sp>
+        <p:nvSpPr>
+          <p:cNvPr id="5" name="Espace réservé du texte 4"/>
+          <p:cNvSpPr>
+            <a:spLocks noGrp="1"/>
+          </p:cNvSpPr>
+          <p:nvPr>
+            <p:ph type="body" sz="quarter" idx="3"/>
+          </p:nvPr>
+        </p:nvSpPr>
+        <p:spPr/>
+        <p:txBody>
+          <a:bodyPr/>
+          <a:lstStyle/>
+          <a:p>
+            <a:endParaRPr lang="fr-FR" noProof="1"/>
+          </a:p>
+        </p:txBody>
+      </p:sp>
+      <p:sp>
+        <p:nvSpPr>
+          <p:cNvPr id="6" name="Espace réservé du contenu 5"/>
+          <p:cNvSpPr>
+            <a:spLocks noGrp="1"/>
+          </p:cNvSpPr>
+          <p:nvPr>
+            <p:ph sz="quarter" idx="4"/>
+          </p:nvPr>
+        </p:nvSpPr>
+        <p:spPr/>
+        <p:txBody>
+          <a:bodyPr/>
+          <a:lstStyle/>
+          <a:p>
+            <a:endParaRPr lang="fr-FR" noProof="1"/>
+          </a:p>
+        </p:txBody>
+      </p:sp>
+    </p:spTree>
+    <p:extLst>
+      <p:ext uri="{BB962C8B-B14F-4D97-AF65-F5344CB8AC3E}">
+        <p14:creationId xmlns:p14="http://schemas.microsoft.com/office/powerpoint/2010/main" val="2637673684"/>
+      </p:ext>
+    </p:extLst>
+  </p:cSld>
+  <p:clrMapOvr>
+    <a:masterClrMapping/>
+  </p:clrMapOvr>
+  <mc:AlternateContent xmlns:mc="http://schemas.openxmlformats.org/markup-compatibility/2006" xmlns:p14="http://schemas.microsoft.com/office/powerpoint/2010/main">
+    <mc:Choice Requires="p14">
+      <p:transition spd="med" p14:dur="700">
+        <p:fade/>
+      </p:transition>
+    </mc:Choice>
+    <mc:Fallback xmlns="">
+      <p:transition spd="med">
+        <p:fade/>
+      </p:transition>
+    </mc:Fallback>
+  </mc:AlternateContent>
+  <p:timing>
+    <p:tnLst>
+      <p:par>
+        <p:cTn id="1" dur="indefinite" restart="never" nodeType="tmRoot"/>
+      </p:par>
+    </p:tnLst>
+  </p:timing>
+</p:sld>
+</file>
+
+<file path=ppt/slides/slide13.xml><?xml version="1.0" encoding="utf-8"?>
+<p:sld xmlns:a="http://schemas.openxmlformats.org/drawingml/2006/main" xmlns:r="http://schemas.openxmlformats.org/officeDocument/2006/relationships" xmlns:p="http://schemas.openxmlformats.org/presentationml/2006/main">
+  <p:cSld>
+    <p:spTree>
+      <p:nvGrpSpPr>
+        <p:cNvPr id="1" name=""/>
+        <p:cNvGrpSpPr/>
+        <p:nvPr/>
+      </p:nvGrpSpPr>
+      <p:grpSpPr>
+        <a:xfrm>
+          <a:off x="0" y="0"/>
+          <a:ext cx="0" cy="0"/>
+          <a:chOff x="0" y="0"/>
+          <a:chExt cx="0" cy="0"/>
+        </a:xfrm>
+      </p:grpSpPr>
+      <p:sp>
+        <p:nvSpPr>
+          <p:cNvPr id="2" name="Titre 1"/>
+          <p:cNvSpPr>
+            <a:spLocks noGrp="1"/>
+          </p:cNvSpPr>
+          <p:nvPr>
+            <p:ph type="title"/>
+          </p:nvPr>
+        </p:nvSpPr>
+        <p:spPr/>
+        <p:txBody>
+          <a:bodyPr/>
+          <a:lstStyle/>
+          <a:p>
+            <a:endParaRPr lang="fr-FR" noProof="1"/>
+          </a:p>
+        </p:txBody>
+      </p:sp>
+    </p:spTree>
+    <p:extLst>
+      <p:ext uri="{BB962C8B-B14F-4D97-AF65-F5344CB8AC3E}">
+        <p14:creationId xmlns:p14="http://schemas.microsoft.com/office/powerpoint/2010/main" val="547100618"/>
+      </p:ext>
+    </p:extLst>
+  </p:cSld>
+  <p:clrMapOvr>
+    <a:masterClrMapping/>
+  </p:clrMapOvr>
+  <mc:AlternateContent xmlns:mc="http://schemas.openxmlformats.org/markup-compatibility/2006" xmlns:p14="http://schemas.microsoft.com/office/powerpoint/2010/main">
+    <mc:Choice Requires="p14">
+      <p:transition spd="med" p14:dur="700">
+        <p:fade/>
+      </p:transition>
+    </mc:Choice>
+    <mc:Fallback xmlns="">
+      <p:transition spd="med">
+        <p:fade/>
+      </p:transition>
+    </mc:Fallback>
+  </mc:AlternateContent>
+  <p:timing>
+    <p:tnLst>
+      <p:par>
+        <p:cTn id="1" dur="indefinite" restart="never" nodeType="tmRoot"/>
+      </p:par>
+    </p:tnLst>
+  </p:timing>
+</p:sld>
+</file>
+
+<file path=ppt/slides/slide14.xml><?xml version="1.0" encoding="utf-8"?>
+<p:sld xmlns:a="http://schemas.openxmlformats.org/drawingml/2006/main" xmlns:r="http://schemas.openxmlformats.org/officeDocument/2006/relationships" xmlns:p="http://schemas.openxmlformats.org/presentationml/2006/main">
+  <p:cSld>
+    <p:spTree>
+      <p:nvGrpSpPr>
+        <p:cNvPr id="1" name=""/>
+        <p:cNvGrpSpPr/>
+        <p:nvPr/>
+      </p:nvGrpSpPr>
+      <p:grpSpPr>
+        <a:xfrm>
+          <a:off x="0" y="0"/>
+          <a:ext cx="0" cy="0"/>
+          <a:chOff x="0" y="0"/>
+          <a:chExt cx="0" cy="0"/>
+        </a:xfrm>
+      </p:grpSpPr>
+    </p:spTree>
+    <p:extLst>
+      <p:ext uri="{BB962C8B-B14F-4D97-AF65-F5344CB8AC3E}">
+        <p14:creationId xmlns:p14="http://schemas.microsoft.com/office/powerpoint/2010/main" val="1001865620"/>
+      </p:ext>
+    </p:extLst>
+  </p:cSld>
+  <p:clrMapOvr>
+    <a:masterClrMapping/>
+  </p:clrMapOvr>
+  <mc:AlternateContent xmlns:mc="http://schemas.openxmlformats.org/markup-compatibility/2006" xmlns:p14="http://schemas.microsoft.com/office/powerpoint/2010/main">
+    <mc:Choice Requires="p14">
+      <p:transition spd="med" p14:dur="700">
+        <p:fade/>
+      </p:transition>
+    </mc:Choice>
+    <mc:Fallback xmlns="">
+      <p:transition spd="med">
+        <p:fade/>
+      </p:transition>
+    </mc:Fallback>
+  </mc:AlternateContent>
+  <p:timing>
+    <p:tnLst>
+      <p:par>
+        <p:cTn id="1" dur="indefinite" restart="never" nodeType="tmRoot"/>
+      </p:par>
+    </p:tnLst>
+  </p:timing>
+</p:sld>
+</file>
+
+<file path=ppt/slides/slide15.xml><?xml version="1.0" encoding="utf-8"?>
+<p:sld xmlns:a="http://schemas.openxmlformats.org/drawingml/2006/main" xmlns:r="http://schemas.openxmlformats.org/officeDocument/2006/relationships" xmlns:p="http://schemas.openxmlformats.org/presentationml/2006/main">
+  <p:cSld>
+    <p:spTree>
+      <p:nvGrpSpPr>
+        <p:cNvPr id="1" name=""/>
+        <p:cNvGrpSpPr/>
+        <p:nvPr/>
+      </p:nvGrpSpPr>
+      <p:grpSpPr>
+        <a:xfrm>
+          <a:off x="0" y="0"/>
+          <a:ext cx="0" cy="0"/>
+          <a:chOff x="0" y="0"/>
+          <a:chExt cx="0" cy="0"/>
+        </a:xfrm>
+      </p:grpSpPr>
+      <p:sp>
+        <p:nvSpPr>
+          <p:cNvPr id="2" name="Titre 1"/>
+          <p:cNvSpPr>
+            <a:spLocks noGrp="1"/>
+          </p:cNvSpPr>
+          <p:nvPr>
+            <p:ph type="title"/>
+          </p:nvPr>
+        </p:nvSpPr>
         <p:spPr/>
         <p:txBody>
           <a:bodyPr/>
@@ -7290,7 +12213,7 @@
 </p:sld>
 </file>
 
-<file path=ppt/slides/slide11.xml><?xml version="1.0" encoding="utf-8"?>
+<file path=ppt/slides/slide16.xml><?xml version="1.0" encoding="utf-8"?>
 <p:sld xmlns:a="http://schemas.openxmlformats.org/drawingml/2006/main" xmlns:r="http://schemas.openxmlformats.org/officeDocument/2006/relationships" xmlns:p="http://schemas.openxmlformats.org/presentationml/2006/main">
   <p:cSld>
     <p:spTree>
@@ -7416,7 +12339,12 @@
             <p:ph type="title"/>
           </p:nvPr>
         </p:nvSpPr>
-        <p:spPr/>
+        <p:spPr>
+          <a:xfrm>
+            <a:off x="1066800" y="99220"/>
+            <a:ext cx="10439400" cy="1325563"/>
+          </a:xfrm>
+        </p:spPr>
         <p:txBody>
           <a:bodyPr>
             <a:normAutofit/>
@@ -7425,11 +12353,7 @@
           <a:p>
             <a:r>
               <a:rPr lang="fr-FR" dirty="0" smtClean="0"/>
-              <a:t>Analyse non-</a:t>
-            </a:r>
-            <a:r>
-              <a:rPr lang="fr-FR" dirty="0" err="1" smtClean="0"/>
-              <a:t>parametrique</a:t>
+              <a:t>L’analyse spectrale : enjeux</a:t>
             </a:r>
             <a:endParaRPr lang="fr-FR" dirty="0"/>
           </a:p>
@@ -7442,7 +12366,7 @@
             <a:spLocks noGrp="1"/>
           </p:cNvSpPr>
           <p:nvPr>
-            <p:ph idx="1"/>
+            <p:ph sz="half" idx="1"/>
           </p:nvPr>
         </p:nvSpPr>
         <p:spPr/>
@@ -7461,7 +12385,7 @@
             </a:pPr>
             <a:r>
               <a:rPr lang="fr-FR" dirty="0"/>
-              <a:t>Ajouter le texte de la première puce ici</a:t>
+              <a:t>Texte de la première puce ici</a:t>
             </a:r>
           </a:p>
           <a:p>
@@ -7474,7 +12398,7 @@
             </a:pPr>
             <a:r>
               <a:rPr lang="fr-FR" dirty="0"/>
-              <a:t>Ajouter le texte de la deuxième puce ici</a:t>
+              <a:t>Texte de la deuxième puce ici</a:t>
             </a:r>
           </a:p>
           <a:p>
@@ -7487,15 +12411,40 @@
             </a:pPr>
             <a:r>
               <a:rPr lang="fr-FR" dirty="0"/>
-              <a:t>Ajouter le texte de la troisième puce ici</a:t>
+              <a:t>Texte de la troisième puce ici</a:t>
             </a:r>
           </a:p>
         </p:txBody>
       </p:sp>
+      <p:graphicFrame>
+        <p:nvGraphicFramePr>
+          <p:cNvPr id="7" name="Espace réservé du contenu 6" descr="Processus segmenté" title="SmartArt"/>
+          <p:cNvGraphicFramePr>
+            <a:graphicFrameLocks noGrp="1"/>
+          </p:cNvGraphicFramePr>
+          <p:nvPr>
+            <p:ph sz="half" idx="2"/>
+            <p:extLst>
+              <p:ext uri="{D42A27DB-BD31-4B8C-83A1-F6EECF244321}">
+                <p14:modId xmlns:p14="http://schemas.microsoft.com/office/powerpoint/2010/main" val="2103631270"/>
+              </p:ext>
+            </p:extLst>
+          </p:nvPr>
+        </p:nvGraphicFramePr>
+        <p:xfrm>
+          <a:off x="6324600" y="1825625"/>
+          <a:ext cx="5334000" cy="4575175"/>
+        </p:xfrm>
+        <a:graphic>
+          <a:graphicData uri="http://schemas.openxmlformats.org/drawingml/2006/diagram">
+            <dgm:relIds xmlns:dgm="http://schemas.openxmlformats.org/drawingml/2006/diagram" xmlns:r="http://schemas.openxmlformats.org/officeDocument/2006/relationships" r:dm="rId2" r:lo="rId3" r:qs="rId4" r:cs="rId5"/>
+          </a:graphicData>
+        </a:graphic>
+      </p:graphicFrame>
     </p:spTree>
     <p:extLst>
       <p:ext uri="{BB962C8B-B14F-4D97-AF65-F5344CB8AC3E}">
-        <p14:creationId xmlns:p14="http://schemas.microsoft.com/office/powerpoint/2010/main" val="1772969468"/>
+        <p14:creationId xmlns:p14="http://schemas.microsoft.com/office/powerpoint/2010/main" val="4100452288"/>
       </p:ext>
     </p:extLst>
   </p:cSld>
@@ -7553,31 +12502,25 @@
         </p:nvSpPr>
         <p:spPr/>
         <p:txBody>
-          <a:bodyPr>
-            <a:normAutofit/>
-          </a:bodyPr>
+          <a:bodyPr/>
           <a:lstStyle/>
           <a:p>
             <a:r>
-              <a:rPr lang="fr-FR" dirty="0" smtClean="0"/>
-              <a:t>Analyse </a:t>
+              <a:rPr lang="fr-FR" noProof="1" smtClean="0"/>
+              <a:t>Deux grandes classes de méthodes</a:t>
             </a:r>
-            <a:r>
-              <a:rPr lang="fr-FR" dirty="0" err="1" smtClean="0"/>
-              <a:t>parametrique</a:t>
-            </a:r>
-            <a:endParaRPr lang="fr-FR" dirty="0"/>
+            <a:endParaRPr lang="fr-FR" noProof="1"/>
           </a:p>
         </p:txBody>
       </p:sp>
       <p:sp>
         <p:nvSpPr>
-          <p:cNvPr id="3" name="Espace réservé du contenu 2"/>
+          <p:cNvPr id="3" name="Espace réservé du texte 2"/>
           <p:cNvSpPr>
             <a:spLocks noGrp="1"/>
           </p:cNvSpPr>
           <p:nvPr>
-            <p:ph idx="1"/>
+            <p:ph type="body" idx="1"/>
           </p:nvPr>
         </p:nvSpPr>
         <p:spPr/>
@@ -7586,125 +12529,98 @@
           <a:lstStyle/>
           <a:p>
             <a:r>
-              <a:rPr lang="fr-FR" dirty="0" smtClean="0"/>
-              <a:t>Algorithme de </a:t>
+              <a:rPr lang="fr-FR" noProof="1" smtClean="0"/>
+              <a:t>Méthodes non-paramétriques</a:t>
             </a:r>
-            <a:r>
-              <a:rPr lang="fr-FR" dirty="0" err="1" smtClean="0"/>
-              <a:t>Levinston-Durbin</a:t>
-            </a:r>
-            <a:r>
-              <a:rPr lang="fr-FR" dirty="0" smtClean="0"/>
-              <a:t> </a:t>
-            </a:r>
-            <a:r>
-              <a:rPr lang="fr-FR" dirty="0" smtClean="0"/>
-              <a:t>:</a:t>
-            </a:r>
-            <a:endParaRPr lang="fr-FR" dirty="0"/>
+            <a:endParaRPr lang="fr-FR" noProof="1"/>
           </a:p>
         </p:txBody>
       </p:sp>
       <p:sp>
         <p:nvSpPr>
-          <p:cNvPr id="4" name="Flèche droite 3"/>
-          <p:cNvSpPr/>
-          <p:nvPr/>
+          <p:cNvPr id="4" name="Espace réservé du contenu 3"/>
+          <p:cNvSpPr>
+            <a:spLocks noGrp="1"/>
+          </p:cNvSpPr>
+          <p:nvPr>
+            <p:ph sz="half" idx="2"/>
+          </p:nvPr>
         </p:nvSpPr>
-        <p:spPr>
-          <a:xfrm>
-            <a:off x="1487488" y="2852936"/>
-            <a:ext cx="1080120" cy="288032"/>
-          </a:xfrm>
-          <a:prstGeom prst="rightArrow">
-            <a:avLst/>
-          </a:prstGeom>
-        </p:spPr>
-        <p:style>
-          <a:lnRef idx="2">
-            <a:schemeClr val="accent1">
-              <a:shade val="50000"/>
-            </a:schemeClr>
-          </a:lnRef>
-          <a:fillRef idx="1">
-            <a:schemeClr val="accent1"/>
-          </a:fillRef>
-          <a:effectRef idx="0">
-            <a:schemeClr val="accent1"/>
-          </a:effectRef>
-          <a:fontRef idx="minor">
-            <a:schemeClr val="lt1"/>
-          </a:fontRef>
-        </p:style>
+        <p:spPr/>
         <p:txBody>
-          <a:bodyPr rtlCol="0" anchor="ctr"/>
+          <a:bodyPr/>
           <a:lstStyle/>
           <a:p>
-            <a:pPr algn="ctr"/>
-            <a:endParaRPr lang="fr-FR"/>
+            <a:r>
+              <a:rPr lang="fr-FR" noProof="1" smtClean="0"/>
+              <a:t>On ne fait pas d’hypothèses sur la source du signal</a:t>
+            </a:r>
+          </a:p>
+          <a:p>
+            <a:endParaRPr lang="fr-FR" noProof="1"/>
           </a:p>
         </p:txBody>
       </p:sp>
       <p:sp>
         <p:nvSpPr>
-          <p:cNvPr id="5" name="ZoneTexte 4"/>
-          <p:cNvSpPr txBox="1"/>
-          <p:nvPr/>
+          <p:cNvPr id="5" name="Espace réservé du texte 4"/>
+          <p:cNvSpPr>
+            <a:spLocks noGrp="1"/>
+          </p:cNvSpPr>
+          <p:nvPr>
+            <p:ph type="body" sz="quarter" idx="3"/>
+          </p:nvPr>
         </p:nvSpPr>
-        <p:spPr>
-          <a:xfrm>
-            <a:off x="2711624" y="2812286"/>
-            <a:ext cx="2808312" cy="369332"/>
-          </a:xfrm>
-          <a:prstGeom prst="rect">
-            <a:avLst/>
-          </a:prstGeom>
-          <a:noFill/>
-        </p:spPr>
+        <p:spPr/>
         <p:txBody>
-          <a:bodyPr wrap="square" rtlCol="0">
-            <a:spAutoFit/>
-          </a:bodyPr>
+          <a:bodyPr/>
           <a:lstStyle/>
           <a:p>
             <a:r>
-              <a:rPr lang="fr-FR" dirty="0" smtClean="0"/>
-              <a:t>Calcul des coefficients AR</a:t>
+              <a:rPr lang="fr-FR" noProof="1" smtClean="0"/>
+              <a:t>Méthodes paramétriques</a:t>
             </a:r>
-            <a:endParaRPr lang="fr-FR" dirty="0"/>
           </a:p>
         </p:txBody>
       </p:sp>
       <p:sp>
         <p:nvSpPr>
-          <p:cNvPr id="7" name="ZoneTexte 6"/>
-          <p:cNvSpPr txBox="1"/>
-          <p:nvPr/>
+          <p:cNvPr id="6" name="Espace réservé du contenu 5"/>
+          <p:cNvSpPr>
+            <a:spLocks noGrp="1"/>
+          </p:cNvSpPr>
+          <p:nvPr>
+            <p:ph sz="quarter" idx="4"/>
+          </p:nvPr>
         </p:nvSpPr>
-        <p:spPr>
-          <a:xfrm>
-            <a:off x="6528048" y="2636912"/>
-            <a:ext cx="3816424" cy="1008112"/>
-          </a:xfrm>
-          <a:prstGeom prst="rect">
-            <a:avLst/>
-          </a:prstGeom>
-          <a:noFill/>
-        </p:spPr>
+        <p:spPr/>
         <p:txBody>
-          <a:bodyPr wrap="square" rtlCol="0">
-            <a:spAutoFit/>
-          </a:bodyPr>
+          <a:bodyPr/>
           <a:lstStyle/>
           <a:p>
-            <a:endParaRPr lang="fr-FR" dirty="0"/>
+            <a:r>
+              <a:rPr lang="fr-FR" noProof="1" smtClean="0"/>
+              <a:t>On utilise un modèle de production pour le signal</a:t>
+            </a:r>
+          </a:p>
+          <a:p>
+            <a:r>
+              <a:rPr lang="fr-FR" noProof="1" smtClean="0"/>
+              <a:t>On cherche à en déterminer les paramètres</a:t>
+            </a:r>
+          </a:p>
+          <a:p>
+            <a:r>
+              <a:rPr lang="fr-FR" noProof="1" smtClean="0"/>
+              <a:t>Le spectre est facilement déduit du modèle et de ses paramètres</a:t>
+            </a:r>
           </a:p>
         </p:txBody>
       </p:sp>
     </p:spTree>
     <p:extLst>
       <p:ext uri="{BB962C8B-B14F-4D97-AF65-F5344CB8AC3E}">
-        <p14:creationId xmlns:p14="http://schemas.microsoft.com/office/powerpoint/2010/main" val="1928620899"/>
+        <p14:creationId xmlns:p14="http://schemas.microsoft.com/office/powerpoint/2010/main" val="2009949291"/>
       </p:ext>
     </p:extLst>
   </p:cSld>
@@ -7762,83 +12678,25 @@
         </p:nvSpPr>
         <p:spPr/>
         <p:txBody>
-          <a:bodyPr>
-            <a:normAutofit/>
-          </a:bodyPr>
+          <a:bodyPr/>
           <a:lstStyle/>
           <a:p>
             <a:r>
-              <a:rPr lang="fr-FR" dirty="0"/>
-              <a:t>Disposition deux contenus avec tableau</a:t>
+              <a:rPr lang="fr-FR" noProof="1" smtClean="0"/>
+              <a:t>Analyse non-paramétrique</a:t>
             </a:r>
+            <a:endParaRPr lang="fr-FR" noProof="1"/>
           </a:p>
         </p:txBody>
       </p:sp>
       <p:sp>
         <p:nvSpPr>
-          <p:cNvPr id="3" name="Espace réservé du contenu 2"/>
+          <p:cNvPr id="3" name="Espace réservé du texte 2"/>
           <p:cNvSpPr>
             <a:spLocks noGrp="1"/>
           </p:cNvSpPr>
           <p:nvPr>
-            <p:ph sz="half" idx="1"/>
-          </p:nvPr>
-        </p:nvSpPr>
-        <p:spPr/>
-        <p:txBody>
-          <a:bodyPr>
-            <a:normAutofit/>
-          </a:bodyPr>
-          <a:lstStyle/>
-          <a:p>
-            <a:pPr>
-              <a:buClr>
-                <a:schemeClr val="tx1">
-                  <a:lumMod val="75000"/>
-                </a:schemeClr>
-              </a:buClr>
-            </a:pPr>
-            <a:r>
-              <a:rPr lang="fr-FR" dirty="0"/>
-              <a:t>Texte de la première puce ici</a:t>
-            </a:r>
-          </a:p>
-          <a:p>
-            <a:pPr>
-              <a:buClr>
-                <a:schemeClr val="tx1">
-                  <a:lumMod val="75000"/>
-                </a:schemeClr>
-              </a:buClr>
-            </a:pPr>
-            <a:r>
-              <a:rPr lang="fr-FR" dirty="0"/>
-              <a:t>Texte de la deuxième puce ici</a:t>
-            </a:r>
-          </a:p>
-          <a:p>
-            <a:pPr>
-              <a:buClr>
-                <a:schemeClr val="tx1">
-                  <a:lumMod val="75000"/>
-                </a:schemeClr>
-              </a:buClr>
-            </a:pPr>
-            <a:r>
-              <a:rPr lang="fr-FR" dirty="0"/>
-              <a:t>Texte de la troisième puce ici</a:t>
-            </a:r>
-          </a:p>
-        </p:txBody>
-      </p:sp>
-      <p:sp>
-        <p:nvSpPr>
-          <p:cNvPr id="4" name="Espace réservé du contenu 3"/>
-          <p:cNvSpPr>
-            <a:spLocks noGrp="1"/>
-          </p:cNvSpPr>
-          <p:nvPr>
-            <p:ph sz="half" idx="2"/>
+            <p:ph type="body" idx="1"/>
           </p:nvPr>
         </p:nvSpPr>
         <p:spPr/>
@@ -7846,14 +12704,14 @@
           <a:bodyPr/>
           <a:lstStyle/>
           <a:p>
-            <a:endParaRPr lang="fr-FR"/>
+            <a:endParaRPr lang="fr-FR" noProof="1"/>
           </a:p>
         </p:txBody>
       </p:sp>
     </p:spTree>
     <p:extLst>
       <p:ext uri="{BB962C8B-B14F-4D97-AF65-F5344CB8AC3E}">
-        <p14:creationId xmlns:p14="http://schemas.microsoft.com/office/powerpoint/2010/main" val="2738627701"/>
+        <p14:creationId xmlns:p14="http://schemas.microsoft.com/office/powerpoint/2010/main" val="3174149273"/>
       </p:ext>
     </p:extLst>
   </p:cSld>
@@ -7909,12 +12767,7 @@
             <p:ph type="title"/>
           </p:nvPr>
         </p:nvSpPr>
-        <p:spPr>
-          <a:xfrm>
-            <a:off x="1066800" y="99220"/>
-            <a:ext cx="10439400" cy="1325563"/>
-          </a:xfrm>
-        </p:spPr>
+        <p:spPr/>
         <p:txBody>
           <a:bodyPr>
             <a:normAutofit/>
@@ -7922,12 +12775,12 @@
           <a:lstStyle/>
           <a:p>
             <a:r>
-              <a:rPr lang="fr-FR" dirty="0"/>
-              <a:t>Disposition deux contenus avec graphique </a:t>
+              <a:rPr lang="fr-FR" dirty="0" smtClean="0"/>
+              <a:t>Analyse </a:t>
             </a:r>
             <a:r>
-              <a:rPr lang="fr-FR" dirty="0" err="1"/>
-              <a:t>SmartArt</a:t>
+              <a:rPr lang="fr-FR" dirty="0" smtClean="0"/>
+              <a:t>non-paramétrique</a:t>
             </a:r>
             <a:endParaRPr lang="fr-FR" dirty="0"/>
           </a:p>
@@ -7940,7 +12793,7 @@
             <a:spLocks noGrp="1"/>
           </p:cNvSpPr>
           <p:nvPr>
-            <p:ph sz="half" idx="1"/>
+            <p:ph idx="1"/>
           </p:nvPr>
         </p:nvSpPr>
         <p:spPr/>
@@ -7949,6 +12802,19 @@
             <a:normAutofit/>
           </a:bodyPr>
           <a:lstStyle/>
+          <a:p>
+            <a:pPr>
+              <a:buClr>
+                <a:schemeClr val="tx1">
+                  <a:lumMod val="75000"/>
+                </a:schemeClr>
+              </a:buClr>
+            </a:pPr>
+            <a:r>
+              <a:rPr lang="fr-FR" dirty="0" smtClean="0"/>
+              <a:t>Le graal : la DSP</a:t>
+            </a:r>
+          </a:p>
           <a:p>
             <a:pPr>
               <a:buClr>
@@ -7959,8 +12825,13 @@
             </a:pPr>
             <a:r>
               <a:rPr lang="fr-FR" dirty="0"/>
-              <a:t>Texte de la première puce ici</a:t>
+              <a:t>L’historique : </a:t>
             </a:r>
+            <a:r>
+              <a:rPr lang="fr-FR" dirty="0" err="1" smtClean="0"/>
+              <a:t>périodogramme</a:t>
+            </a:r>
+            <a:endParaRPr lang="fr-FR" dirty="0" smtClean="0"/>
           </a:p>
           <a:p>
             <a:pPr>
@@ -7971,9 +12842,10 @@
               </a:buClr>
             </a:pPr>
             <a:r>
-              <a:rPr lang="fr-FR" dirty="0"/>
-              <a:t>Texte de la deuxième puce ici</a:t>
+              <a:rPr lang="fr-FR" dirty="0" err="1" smtClean="0"/>
+              <a:t>Corrélogramme</a:t>
             </a:r>
+            <a:endParaRPr lang="fr-FR" dirty="0"/>
           </a:p>
           <a:p>
             <a:pPr>
@@ -7984,41 +12856,31 @@
               </a:buClr>
             </a:pPr>
             <a:r>
-              <a:rPr lang="fr-FR" dirty="0"/>
-              <a:t>Texte de la troisième puce ici</a:t>
+              <a:rPr lang="fr-FR" dirty="0" smtClean="0"/>
+              <a:t>Transformée de Fourier</a:t>
             </a:r>
+            <a:endParaRPr lang="fr-FR" dirty="0"/>
+          </a:p>
+          <a:p>
+            <a:pPr>
+              <a:buClr>
+                <a:schemeClr val="tx1">
+                  <a:lumMod val="75000"/>
+                </a:schemeClr>
+              </a:buClr>
+            </a:pPr>
+            <a:r>
+              <a:rPr lang="fr-FR" dirty="0" smtClean="0"/>
+              <a:t>Variantes</a:t>
+            </a:r>
+            <a:endParaRPr lang="fr-FR" dirty="0"/>
           </a:p>
         </p:txBody>
       </p:sp>
-      <p:graphicFrame>
-        <p:nvGraphicFramePr>
-          <p:cNvPr id="7" name="Espace réservé du contenu 6" descr="Processus segmenté" title="SmartArt"/>
-          <p:cNvGraphicFramePr>
-            <a:graphicFrameLocks noGrp="1"/>
-          </p:cNvGraphicFramePr>
-          <p:nvPr>
-            <p:ph sz="half" idx="2"/>
-            <p:extLst>
-              <p:ext uri="{D42A27DB-BD31-4B8C-83A1-F6EECF244321}">
-                <p14:modId xmlns:p14="http://schemas.microsoft.com/office/powerpoint/2010/main" val="3312862639"/>
-              </p:ext>
-            </p:extLst>
-          </p:nvPr>
-        </p:nvGraphicFramePr>
-        <p:xfrm>
-          <a:off x="6324600" y="1825625"/>
-          <a:ext cx="5334000" cy="4575175"/>
-        </p:xfrm>
-        <a:graphic>
-          <a:graphicData uri="http://schemas.openxmlformats.org/drawingml/2006/diagram">
-            <dgm:relIds xmlns:dgm="http://schemas.openxmlformats.org/drawingml/2006/diagram" xmlns:r="http://schemas.openxmlformats.org/officeDocument/2006/relationships" r:dm="rId2" r:lo="rId3" r:qs="rId4" r:cs="rId5"/>
-          </a:graphicData>
-        </a:graphic>
-      </p:graphicFrame>
     </p:spTree>
     <p:extLst>
       <p:ext uri="{BB962C8B-B14F-4D97-AF65-F5344CB8AC3E}">
-        <p14:creationId xmlns:p14="http://schemas.microsoft.com/office/powerpoint/2010/main" val="3948826341"/>
+        <p14:creationId xmlns:p14="http://schemas.microsoft.com/office/powerpoint/2010/main" val="1772969468"/>
       </p:ext>
     </p:extLst>
   </p:cSld>
@@ -8076,21 +12938,84 @@
         </p:nvSpPr>
         <p:spPr/>
         <p:txBody>
-          <a:bodyPr/>
+          <a:bodyPr>
+            <a:normAutofit/>
+          </a:bodyPr>
           <a:lstStyle/>
           <a:p>
-            <a:endParaRPr lang="fr-FR" noProof="1"/>
+            <a:r>
+              <a:rPr lang="fr-FR" smtClean="0"/>
+              <a:t>Le graal : la DSP</a:t>
+            </a:r>
+            <a:endParaRPr lang="fr-FR" dirty="0"/>
           </a:p>
         </p:txBody>
       </p:sp>
       <p:sp>
         <p:nvSpPr>
-          <p:cNvPr id="3" name="Espace réservé du texte 2"/>
+          <p:cNvPr id="3" name="Espace réservé du contenu 2"/>
           <p:cNvSpPr>
             <a:spLocks noGrp="1"/>
           </p:cNvSpPr>
           <p:nvPr>
-            <p:ph type="body" idx="1"/>
+            <p:ph sz="half" idx="1"/>
+          </p:nvPr>
+        </p:nvSpPr>
+        <p:spPr/>
+        <p:txBody>
+          <a:bodyPr>
+            <a:normAutofit/>
+          </a:bodyPr>
+          <a:lstStyle/>
+          <a:p>
+            <a:pPr>
+              <a:buClr>
+                <a:schemeClr val="tx1">
+                  <a:lumMod val="75000"/>
+                </a:schemeClr>
+              </a:buClr>
+            </a:pPr>
+            <a:r>
+              <a:rPr lang="fr-FR" dirty="0"/>
+              <a:t>Texte de la première puce ici</a:t>
+            </a:r>
+          </a:p>
+          <a:p>
+            <a:pPr>
+              <a:buClr>
+                <a:schemeClr val="tx1">
+                  <a:lumMod val="75000"/>
+                </a:schemeClr>
+              </a:buClr>
+            </a:pPr>
+            <a:r>
+              <a:rPr lang="fr-FR" dirty="0"/>
+              <a:t>Texte de la deuxième puce ici</a:t>
+            </a:r>
+          </a:p>
+          <a:p>
+            <a:pPr>
+              <a:buClr>
+                <a:schemeClr val="tx1">
+                  <a:lumMod val="75000"/>
+                </a:schemeClr>
+              </a:buClr>
+            </a:pPr>
+            <a:r>
+              <a:rPr lang="fr-FR" dirty="0"/>
+              <a:t>Texte de la troisième puce ici</a:t>
+            </a:r>
+          </a:p>
+        </p:txBody>
+      </p:sp>
+      <p:sp>
+        <p:nvSpPr>
+          <p:cNvPr id="4" name="Espace réservé du contenu 3"/>
+          <p:cNvSpPr>
+            <a:spLocks noGrp="1"/>
+          </p:cNvSpPr>
+          <p:nvPr>
+            <p:ph sz="half" idx="2"/>
           </p:nvPr>
         </p:nvSpPr>
         <p:spPr/>
@@ -8098,14 +13023,14 @@
           <a:bodyPr/>
           <a:lstStyle/>
           <a:p>
-            <a:endParaRPr lang="fr-FR" noProof="1"/>
+            <a:endParaRPr lang="fr-FR"/>
           </a:p>
         </p:txBody>
       </p:sp>
     </p:spTree>
     <p:extLst>
       <p:ext uri="{BB962C8B-B14F-4D97-AF65-F5344CB8AC3E}">
-        <p14:creationId xmlns:p14="http://schemas.microsoft.com/office/powerpoint/2010/main" val="3537718460"/>
+        <p14:creationId xmlns:p14="http://schemas.microsoft.com/office/powerpoint/2010/main" val="1393887548"/>
       </p:ext>
     </p:extLst>
   </p:cSld>
@@ -8163,29 +13088,77 @@
         </p:nvSpPr>
         <p:spPr/>
         <p:txBody>
-          <a:bodyPr/>
+          <a:bodyPr>
+            <a:normAutofit/>
+          </a:bodyPr>
           <a:lstStyle/>
           <a:p>
-            <a:endParaRPr lang="fr-FR" noProof="1"/>
+            <a:r>
+              <a:rPr lang="fr-FR" dirty="0" smtClean="0"/>
+              <a:t>L’historique : </a:t>
+            </a:r>
+            <a:r>
+              <a:rPr lang="fr-FR" dirty="0" err="1" smtClean="0"/>
+              <a:t>périodogramme</a:t>
+            </a:r>
+            <a:endParaRPr lang="fr-FR" dirty="0"/>
           </a:p>
         </p:txBody>
       </p:sp>
       <p:sp>
         <p:nvSpPr>
-          <p:cNvPr id="3" name="Espace réservé du texte 2"/>
+          <p:cNvPr id="3" name="Espace réservé du contenu 2"/>
           <p:cNvSpPr>
             <a:spLocks noGrp="1"/>
           </p:cNvSpPr>
           <p:nvPr>
-            <p:ph type="body" idx="1"/>
+            <p:ph sz="half" idx="1"/>
           </p:nvPr>
         </p:nvSpPr>
         <p:spPr/>
         <p:txBody>
-          <a:bodyPr/>
+          <a:bodyPr>
+            <a:normAutofit/>
+          </a:bodyPr>
           <a:lstStyle/>
           <a:p>
-            <a:endParaRPr lang="fr-FR" noProof="1"/>
+            <a:pPr>
+              <a:buClr>
+                <a:schemeClr val="tx1">
+                  <a:lumMod val="75000"/>
+                </a:schemeClr>
+              </a:buClr>
+            </a:pPr>
+            <a:r>
+              <a:rPr lang="fr-FR" dirty="0"/>
+              <a:t>Texte de la première puce ici</a:t>
+            </a:r>
+          </a:p>
+          <a:p>
+            <a:pPr>
+              <a:buClr>
+                <a:schemeClr val="tx1">
+                  <a:lumMod val="75000"/>
+                </a:schemeClr>
+              </a:buClr>
+            </a:pPr>
+            <a:r>
+              <a:rPr lang="fr-FR" dirty="0"/>
+              <a:t>Texte de la deuxième puce ici</a:t>
+            </a:r>
+          </a:p>
+          <a:p>
+            <a:pPr>
+              <a:buClr>
+                <a:schemeClr val="tx1">
+                  <a:lumMod val="75000"/>
+                </a:schemeClr>
+              </a:buClr>
+            </a:pPr>
+            <a:r>
+              <a:rPr lang="fr-FR" dirty="0"/>
+              <a:t>Texte de la troisième puce ici</a:t>
+            </a:r>
           </a:p>
         </p:txBody>
       </p:sp>
@@ -8204,52 +13177,14 @@
           <a:bodyPr/>
           <a:lstStyle/>
           <a:p>
-            <a:endParaRPr lang="fr-FR" noProof="1"/>
-          </a:p>
-        </p:txBody>
-      </p:sp>
-      <p:sp>
-        <p:nvSpPr>
-          <p:cNvPr id="5" name="Espace réservé du texte 4"/>
-          <p:cNvSpPr>
-            <a:spLocks noGrp="1"/>
-          </p:cNvSpPr>
-          <p:nvPr>
-            <p:ph type="body" sz="quarter" idx="3"/>
-          </p:nvPr>
-        </p:nvSpPr>
-        <p:spPr/>
-        <p:txBody>
-          <a:bodyPr/>
-          <a:lstStyle/>
-          <a:p>
-            <a:endParaRPr lang="fr-FR" noProof="1"/>
-          </a:p>
-        </p:txBody>
-      </p:sp>
-      <p:sp>
-        <p:nvSpPr>
-          <p:cNvPr id="6" name="Espace réservé du contenu 5"/>
-          <p:cNvSpPr>
-            <a:spLocks noGrp="1"/>
-          </p:cNvSpPr>
-          <p:nvPr>
-            <p:ph sz="quarter" idx="4"/>
-          </p:nvPr>
-        </p:nvSpPr>
-        <p:spPr/>
-        <p:txBody>
-          <a:bodyPr/>
-          <a:lstStyle/>
-          <a:p>
-            <a:endParaRPr lang="fr-FR" noProof="1"/>
+            <a:endParaRPr lang="fr-FR"/>
           </a:p>
         </p:txBody>
       </p:sp>
     </p:spTree>
     <p:extLst>
       <p:ext uri="{BB962C8B-B14F-4D97-AF65-F5344CB8AC3E}">
-        <p14:creationId xmlns:p14="http://schemas.microsoft.com/office/powerpoint/2010/main" val="2637673684"/>
+        <p14:creationId xmlns:p14="http://schemas.microsoft.com/office/powerpoint/2010/main" val="1121995702"/>
       </p:ext>
     </p:extLst>
   </p:cSld>
@@ -8307,17 +13242,154 @@
         </p:nvSpPr>
         <p:spPr/>
         <p:txBody>
+          <a:bodyPr>
+            <a:normAutofit/>
+          </a:bodyPr>
+          <a:lstStyle/>
+          <a:p>
+            <a:r>
+              <a:rPr lang="fr-FR" dirty="0" smtClean="0"/>
+              <a:t>Analyse </a:t>
+            </a:r>
+            <a:r>
+              <a:rPr lang="fr-FR" dirty="0" err="1" smtClean="0"/>
+              <a:t>parametrique</a:t>
+            </a:r>
+            <a:endParaRPr lang="fr-FR" dirty="0"/>
+          </a:p>
+        </p:txBody>
+      </p:sp>
+      <p:sp>
+        <p:nvSpPr>
+          <p:cNvPr id="3" name="Espace réservé du contenu 2"/>
+          <p:cNvSpPr>
+            <a:spLocks noGrp="1"/>
+          </p:cNvSpPr>
+          <p:nvPr>
+            <p:ph idx="1"/>
+          </p:nvPr>
+        </p:nvSpPr>
+        <p:spPr/>
+        <p:txBody>
           <a:bodyPr/>
           <a:lstStyle/>
           <a:p>
-            <a:endParaRPr lang="fr-FR" noProof="1"/>
+            <a:r>
+              <a:rPr lang="fr-FR" dirty="0" smtClean="0"/>
+              <a:t>Algorithme de </a:t>
+            </a:r>
+            <a:r>
+              <a:rPr lang="fr-FR" dirty="0" err="1" smtClean="0"/>
+              <a:t>Levinson-Durbin</a:t>
+            </a:r>
+            <a:r>
+              <a:rPr lang="fr-FR" dirty="0" smtClean="0"/>
+              <a:t> :</a:t>
+            </a:r>
+            <a:endParaRPr lang="fr-FR" dirty="0"/>
+          </a:p>
+        </p:txBody>
+      </p:sp>
+      <p:sp>
+        <p:nvSpPr>
+          <p:cNvPr id="4" name="Flèche droite 3"/>
+          <p:cNvSpPr/>
+          <p:nvPr/>
+        </p:nvSpPr>
+        <p:spPr>
+          <a:xfrm>
+            <a:off x="1487488" y="2852936"/>
+            <a:ext cx="1080120" cy="288032"/>
+          </a:xfrm>
+          <a:prstGeom prst="rightArrow">
+            <a:avLst/>
+          </a:prstGeom>
+        </p:spPr>
+        <p:style>
+          <a:lnRef idx="2">
+            <a:schemeClr val="accent1">
+              <a:shade val="50000"/>
+            </a:schemeClr>
+          </a:lnRef>
+          <a:fillRef idx="1">
+            <a:schemeClr val="accent1"/>
+          </a:fillRef>
+          <a:effectRef idx="0">
+            <a:schemeClr val="accent1"/>
+          </a:effectRef>
+          <a:fontRef idx="minor">
+            <a:schemeClr val="lt1"/>
+          </a:fontRef>
+        </p:style>
+        <p:txBody>
+          <a:bodyPr rtlCol="0" anchor="ctr"/>
+          <a:lstStyle/>
+          <a:p>
+            <a:pPr algn="ctr"/>
+            <a:endParaRPr lang="fr-FR"/>
+          </a:p>
+        </p:txBody>
+      </p:sp>
+      <p:sp>
+        <p:nvSpPr>
+          <p:cNvPr id="5" name="ZoneTexte 4"/>
+          <p:cNvSpPr txBox="1"/>
+          <p:nvPr/>
+        </p:nvSpPr>
+        <p:spPr>
+          <a:xfrm>
+            <a:off x="2711624" y="2812286"/>
+            <a:ext cx="2808312" cy="369332"/>
+          </a:xfrm>
+          <a:prstGeom prst="rect">
+            <a:avLst/>
+          </a:prstGeom>
+          <a:noFill/>
+        </p:spPr>
+        <p:txBody>
+          <a:bodyPr wrap="square" rtlCol="0">
+            <a:spAutoFit/>
+          </a:bodyPr>
+          <a:lstStyle/>
+          <a:p>
+            <a:r>
+              <a:rPr lang="fr-FR" dirty="0" smtClean="0"/>
+              <a:t>Calcul des coefficients AR</a:t>
+            </a:r>
+            <a:endParaRPr lang="fr-FR" dirty="0"/>
+          </a:p>
+        </p:txBody>
+      </p:sp>
+      <p:sp>
+        <p:nvSpPr>
+          <p:cNvPr id="7" name="ZoneTexte 6"/>
+          <p:cNvSpPr txBox="1"/>
+          <p:nvPr/>
+        </p:nvSpPr>
+        <p:spPr>
+          <a:xfrm>
+            <a:off x="6528048" y="2636912"/>
+            <a:ext cx="3816424" cy="1008112"/>
+          </a:xfrm>
+          <a:prstGeom prst="rect">
+            <a:avLst/>
+          </a:prstGeom>
+          <a:noFill/>
+        </p:spPr>
+        <p:txBody>
+          <a:bodyPr wrap="square" rtlCol="0">
+            <a:spAutoFit/>
+          </a:bodyPr>
+          <a:lstStyle/>
+          <a:p>
+            <a:endParaRPr lang="fr-FR" dirty="0"/>
           </a:p>
         </p:txBody>
       </p:sp>
     </p:spTree>
     <p:extLst>
       <p:ext uri="{BB962C8B-B14F-4D97-AF65-F5344CB8AC3E}">
-        <p14:creationId xmlns:p14="http://schemas.microsoft.com/office/powerpoint/2010/main" val="547100618"/>
+        <p14:creationId xmlns:p14="http://schemas.microsoft.com/office/powerpoint/2010/main" val="1928620899"/>
       </p:ext>
     </p:extLst>
   </p:cSld>
@@ -8363,10 +13435,110 @@
           <a:chExt cx="0" cy="0"/>
         </a:xfrm>
       </p:grpSpPr>
+      <p:sp>
+        <p:nvSpPr>
+          <p:cNvPr id="2" name="Titre 1"/>
+          <p:cNvSpPr>
+            <a:spLocks noGrp="1"/>
+          </p:cNvSpPr>
+          <p:nvPr>
+            <p:ph type="title"/>
+          </p:nvPr>
+        </p:nvSpPr>
+        <p:spPr/>
+        <p:txBody>
+          <a:bodyPr>
+            <a:normAutofit/>
+          </a:bodyPr>
+          <a:lstStyle/>
+          <a:p>
+            <a:r>
+              <a:rPr lang="fr-FR" dirty="0"/>
+              <a:t>Disposition deux contenus avec tableau</a:t>
+            </a:r>
+          </a:p>
+        </p:txBody>
+      </p:sp>
+      <p:sp>
+        <p:nvSpPr>
+          <p:cNvPr id="3" name="Espace réservé du contenu 2"/>
+          <p:cNvSpPr>
+            <a:spLocks noGrp="1"/>
+          </p:cNvSpPr>
+          <p:nvPr>
+            <p:ph sz="half" idx="1"/>
+          </p:nvPr>
+        </p:nvSpPr>
+        <p:spPr/>
+        <p:txBody>
+          <a:bodyPr>
+            <a:normAutofit/>
+          </a:bodyPr>
+          <a:lstStyle/>
+          <a:p>
+            <a:pPr>
+              <a:buClr>
+                <a:schemeClr val="tx1">
+                  <a:lumMod val="75000"/>
+                </a:schemeClr>
+              </a:buClr>
+            </a:pPr>
+            <a:r>
+              <a:rPr lang="fr-FR" dirty="0"/>
+              <a:t>Texte de la première puce ici</a:t>
+            </a:r>
+          </a:p>
+          <a:p>
+            <a:pPr>
+              <a:buClr>
+                <a:schemeClr val="tx1">
+                  <a:lumMod val="75000"/>
+                </a:schemeClr>
+              </a:buClr>
+            </a:pPr>
+            <a:r>
+              <a:rPr lang="fr-FR" dirty="0"/>
+              <a:t>Texte de la deuxième puce ici</a:t>
+            </a:r>
+          </a:p>
+          <a:p>
+            <a:pPr>
+              <a:buClr>
+                <a:schemeClr val="tx1">
+                  <a:lumMod val="75000"/>
+                </a:schemeClr>
+              </a:buClr>
+            </a:pPr>
+            <a:r>
+              <a:rPr lang="fr-FR" dirty="0"/>
+              <a:t>Texte de la troisième puce ici</a:t>
+            </a:r>
+          </a:p>
+        </p:txBody>
+      </p:sp>
+      <p:sp>
+        <p:nvSpPr>
+          <p:cNvPr id="4" name="Espace réservé du contenu 3"/>
+          <p:cNvSpPr>
+            <a:spLocks noGrp="1"/>
+          </p:cNvSpPr>
+          <p:nvPr>
+            <p:ph sz="half" idx="2"/>
+          </p:nvPr>
+        </p:nvSpPr>
+        <p:spPr/>
+        <p:txBody>
+          <a:bodyPr/>
+          <a:lstStyle/>
+          <a:p>
+            <a:endParaRPr lang="fr-FR"/>
+          </a:p>
+        </p:txBody>
+      </p:sp>
     </p:spTree>
     <p:extLst>
       <p:ext uri="{BB962C8B-B14F-4D97-AF65-F5344CB8AC3E}">
-        <p14:creationId xmlns:p14="http://schemas.microsoft.com/office/powerpoint/2010/main" val="1001865620"/>
+        <p14:creationId xmlns:p14="http://schemas.microsoft.com/office/powerpoint/2010/main" val="2738627701"/>
       </p:ext>
     </p:extLst>
   </p:cSld>

--- a/Analyse spectrale_etienne.pptx
+++ b/Analyse spectrale_etienne.pptx
@@ -12944,89 +12944,760 @@
           <a:lstStyle/>
           <a:p>
             <a:r>
-              <a:rPr lang="fr-FR" smtClean="0"/>
+              <a:rPr lang="fr-FR" dirty="0" smtClean="0"/>
               <a:t>Le graal : la DSP</a:t>
             </a:r>
             <a:endParaRPr lang="fr-FR" dirty="0"/>
           </a:p>
         </p:txBody>
       </p:sp>
-      <p:sp>
-        <p:nvSpPr>
-          <p:cNvPr id="3" name="Espace réservé du contenu 2"/>
-          <p:cNvSpPr>
-            <a:spLocks noGrp="1"/>
-          </p:cNvSpPr>
-          <p:nvPr>
-            <p:ph sz="half" idx="1"/>
-          </p:nvPr>
-        </p:nvSpPr>
-        <p:spPr/>
-        <p:txBody>
-          <a:bodyPr>
-            <a:normAutofit/>
-          </a:bodyPr>
-          <a:lstStyle/>
-          <a:p>
-            <a:pPr>
-              <a:buClr>
-                <a:schemeClr val="tx1">
-                  <a:lumMod val="75000"/>
-                </a:schemeClr>
-              </a:buClr>
-            </a:pPr>
-            <a:r>
-              <a:rPr lang="fr-FR" dirty="0"/>
-              <a:t>Texte de la première puce ici</a:t>
-            </a:r>
-          </a:p>
-          <a:p>
-            <a:pPr>
-              <a:buClr>
-                <a:schemeClr val="tx1">
-                  <a:lumMod val="75000"/>
-                </a:schemeClr>
-              </a:buClr>
-            </a:pPr>
-            <a:r>
-              <a:rPr lang="fr-FR" dirty="0"/>
-              <a:t>Texte de la deuxième puce ici</a:t>
-            </a:r>
-          </a:p>
-          <a:p>
-            <a:pPr>
-              <a:buClr>
-                <a:schemeClr val="tx1">
-                  <a:lumMod val="75000"/>
-                </a:schemeClr>
-              </a:buClr>
-            </a:pPr>
-            <a:r>
-              <a:rPr lang="fr-FR" dirty="0"/>
-              <a:t>Texte de la troisième puce ici</a:t>
-            </a:r>
-          </a:p>
-        </p:txBody>
-      </p:sp>
-      <p:sp>
-        <p:nvSpPr>
-          <p:cNvPr id="4" name="Espace réservé du contenu 3"/>
-          <p:cNvSpPr>
-            <a:spLocks noGrp="1"/>
-          </p:cNvSpPr>
-          <p:nvPr>
-            <p:ph sz="half" idx="2"/>
-          </p:nvPr>
-        </p:nvSpPr>
-        <p:spPr/>
-        <p:txBody>
-          <a:bodyPr/>
-          <a:lstStyle/>
-          <a:p>
-            <a:endParaRPr lang="fr-FR"/>
-          </a:p>
-        </p:txBody>
-      </p:sp>
+      <mc:AlternateContent xmlns:mc="http://schemas.openxmlformats.org/markup-compatibility/2006">
+        <mc:Choice xmlns:a14="http://schemas.microsoft.com/office/drawing/2010/main" Requires="a14">
+          <p:sp>
+            <p:nvSpPr>
+              <p:cNvPr id="3" name="Espace réservé du contenu 2"/>
+              <p:cNvSpPr>
+                <a:spLocks noGrp="1"/>
+              </p:cNvSpPr>
+              <p:nvPr>
+                <p:ph sz="half" idx="1"/>
+              </p:nvPr>
+            </p:nvSpPr>
+            <p:spPr>
+              <a:xfrm>
+                <a:off x="1066800" y="1825624"/>
+                <a:ext cx="9925744" cy="4575175"/>
+              </a:xfrm>
+            </p:spPr>
+            <p:txBody>
+              <a:bodyPr>
+                <a:normAutofit/>
+              </a:bodyPr>
+              <a:lstStyle/>
+              <a:p>
+                <a:pPr>
+                  <a:buClr>
+                    <a:schemeClr val="tx1">
+                      <a:lumMod val="75000"/>
+                    </a:schemeClr>
+                  </a:buClr>
+                </a:pPr>
+                <a:r>
+                  <a:rPr lang="fr-FR" dirty="0" smtClean="0"/>
+                  <a:t>Définition :</a:t>
+                </a:r>
+              </a:p>
+              <a:p>
+                <a:pPr marL="0" indent="0">
+                  <a:buClr>
+                    <a:schemeClr val="tx1">
+                      <a:lumMod val="75000"/>
+                    </a:schemeClr>
+                  </a:buClr>
+                  <a:buNone/>
+                </a:pPr>
+                <a14:m>
+                  <m:oMathPara xmlns:m="http://schemas.openxmlformats.org/officeDocument/2006/math">
+                    <m:oMathParaPr>
+                      <m:jc m:val="centerGroup"/>
+                    </m:oMathParaPr>
+                    <m:oMath xmlns:m="http://schemas.openxmlformats.org/officeDocument/2006/math">
+                      <m:sSub>
+                        <m:sSubPr>
+                          <m:ctrlPr>
+                            <a:rPr lang="fr-FR" b="0" i="1" smtClean="0">
+                              <a:latin typeface="Cambria Math" panose="02040503050406030204" pitchFamily="18" charset="0"/>
+                            </a:rPr>
+                          </m:ctrlPr>
+                        </m:sSubPr>
+                        <m:e>
+                          <m:r>
+                            <a:rPr lang="fr-FR" b="0" i="1" smtClean="0">
+                              <a:latin typeface="Cambria Math" panose="02040503050406030204" pitchFamily="18" charset="0"/>
+                            </a:rPr>
+                            <m:t>𝑆</m:t>
+                          </m:r>
+                        </m:e>
+                        <m:sub>
+                          <m:r>
+                            <a:rPr lang="fr-FR" b="0" i="1" smtClean="0">
+                              <a:latin typeface="Cambria Math" panose="02040503050406030204" pitchFamily="18" charset="0"/>
+                            </a:rPr>
+                            <m:t>𝑥</m:t>
+                          </m:r>
+                        </m:sub>
+                      </m:sSub>
+                      <m:d>
+                        <m:dPr>
+                          <m:ctrlPr>
+                            <a:rPr lang="fr-FR" b="0" i="1" smtClean="0">
+                              <a:latin typeface="Cambria Math" panose="02040503050406030204" pitchFamily="18" charset="0"/>
+                            </a:rPr>
+                          </m:ctrlPr>
+                        </m:dPr>
+                        <m:e>
+                          <m:r>
+                            <a:rPr lang="fr-FR" b="0" i="1" smtClean="0">
+                              <a:latin typeface="Cambria Math" panose="02040503050406030204" pitchFamily="18" charset="0"/>
+                            </a:rPr>
+                            <m:t>𝑓</m:t>
+                          </m:r>
+                        </m:e>
+                      </m:d>
+                      <m:r>
+                        <a:rPr lang="fr-FR" b="0" i="0" smtClean="0">
+                          <a:latin typeface="Cambria Math" panose="02040503050406030204" pitchFamily="18" charset="0"/>
+                        </a:rPr>
+                        <m:t>=</m:t>
+                      </m:r>
+                      <m:sSub>
+                        <m:sSubPr>
+                          <m:ctrlPr>
+                            <a:rPr lang="fr-FR" b="0" i="1" smtClean="0">
+                              <a:latin typeface="Cambria Math" panose="02040503050406030204" pitchFamily="18" charset="0"/>
+                            </a:rPr>
+                          </m:ctrlPr>
+                        </m:sSubPr>
+                        <m:e>
+                          <m:r>
+                            <a:rPr lang="fr-FR" b="0" i="1" smtClean="0">
+                              <a:latin typeface="Cambria Math" panose="02040503050406030204" pitchFamily="18" charset="0"/>
+                            </a:rPr>
+                            <m:t>𝑇</m:t>
+                          </m:r>
+                        </m:e>
+                        <m:sub>
+                          <m:r>
+                            <a:rPr lang="fr-FR" b="0" i="1" smtClean="0">
+                              <a:latin typeface="Cambria Math" panose="02040503050406030204" pitchFamily="18" charset="0"/>
+                            </a:rPr>
+                            <m:t>𝑒</m:t>
+                          </m:r>
+                        </m:sub>
+                      </m:sSub>
+                      <m:r>
+                        <a:rPr lang="fr-FR" b="0" i="1" smtClean="0">
+                          <a:latin typeface="Cambria Math" panose="02040503050406030204" pitchFamily="18" charset="0"/>
+                          <a:ea typeface="Cambria Math" panose="02040503050406030204" pitchFamily="18" charset="0"/>
+                        </a:rPr>
+                        <m:t>∙</m:t>
+                      </m:r>
+                      <m:nary>
+                        <m:naryPr>
+                          <m:chr m:val="∑"/>
+                          <m:ctrlPr>
+                            <a:rPr lang="fr-FR" b="0" i="1" smtClean="0">
+                              <a:latin typeface="Cambria Math" panose="02040503050406030204" pitchFamily="18" charset="0"/>
+                            </a:rPr>
+                          </m:ctrlPr>
+                        </m:naryPr>
+                        <m:sub>
+                          <m:r>
+                            <m:rPr>
+                              <m:brk m:alnAt="23"/>
+                            </m:rPr>
+                            <a:rPr lang="fr-FR" b="0" i="1" smtClean="0">
+                              <a:latin typeface="Cambria Math" panose="02040503050406030204" pitchFamily="18" charset="0"/>
+                            </a:rPr>
+                            <m:t>𝑘</m:t>
+                          </m:r>
+                          <m:r>
+                            <a:rPr lang="fr-FR" b="0" i="1" smtClean="0">
+                              <a:latin typeface="Cambria Math" panose="02040503050406030204" pitchFamily="18" charset="0"/>
+                            </a:rPr>
+                            <m:t>=−∞</m:t>
+                          </m:r>
+                        </m:sub>
+                        <m:sup>
+                          <m:r>
+                            <a:rPr lang="fr-FR" b="0" i="1" smtClean="0">
+                              <a:latin typeface="Cambria Math" panose="02040503050406030204" pitchFamily="18" charset="0"/>
+                            </a:rPr>
+                            <m:t>+</m:t>
+                          </m:r>
+                          <m:r>
+                            <a:rPr lang="fr-FR" b="0" i="1" smtClean="0">
+                              <a:latin typeface="Cambria Math" panose="02040503050406030204" pitchFamily="18" charset="0"/>
+                              <a:ea typeface="Cambria Math" panose="02040503050406030204" pitchFamily="18" charset="0"/>
+                            </a:rPr>
+                            <m:t>∞</m:t>
+                          </m:r>
+                        </m:sup>
+                        <m:e>
+                          <m:sSub>
+                            <m:sSubPr>
+                              <m:ctrlPr>
+                                <a:rPr lang="fr-FR" b="0" i="1" smtClean="0">
+                                  <a:latin typeface="Cambria Math" panose="02040503050406030204" pitchFamily="18" charset="0"/>
+                                </a:rPr>
+                              </m:ctrlPr>
+                            </m:sSubPr>
+                            <m:e>
+                              <m:r>
+                                <a:rPr lang="fr-FR" b="0" i="1" smtClean="0">
+                                  <a:latin typeface="Cambria Math" panose="02040503050406030204" pitchFamily="18" charset="0"/>
+                                </a:rPr>
+                                <m:t>𝑟</m:t>
+                              </m:r>
+                            </m:e>
+                            <m:sub>
+                              <m:r>
+                                <a:rPr lang="fr-FR" b="0" i="1" smtClean="0">
+                                  <a:latin typeface="Cambria Math" panose="02040503050406030204" pitchFamily="18" charset="0"/>
+                                </a:rPr>
+                                <m:t>𝑘</m:t>
+                              </m:r>
+                            </m:sub>
+                          </m:sSub>
+                          <m:r>
+                            <a:rPr lang="fr-FR" b="0" i="1" smtClean="0">
+                              <a:latin typeface="Cambria Math" panose="02040503050406030204" pitchFamily="18" charset="0"/>
+                              <a:ea typeface="Cambria Math" panose="02040503050406030204" pitchFamily="18" charset="0"/>
+                            </a:rPr>
+                            <m:t>∙</m:t>
+                          </m:r>
+                          <m:sSup>
+                            <m:sSupPr>
+                              <m:ctrlPr>
+                                <a:rPr lang="fr-FR" b="0" i="1" smtClean="0">
+                                  <a:latin typeface="Cambria Math" panose="02040503050406030204" pitchFamily="18" charset="0"/>
+                                  <a:ea typeface="Cambria Math" panose="02040503050406030204" pitchFamily="18" charset="0"/>
+                                </a:rPr>
+                              </m:ctrlPr>
+                            </m:sSupPr>
+                            <m:e>
+                              <m:r>
+                                <a:rPr lang="fr-FR" b="0" i="1" smtClean="0">
+                                  <a:latin typeface="Cambria Math" panose="02040503050406030204" pitchFamily="18" charset="0"/>
+                                  <a:ea typeface="Cambria Math" panose="02040503050406030204" pitchFamily="18" charset="0"/>
+                                </a:rPr>
+                                <m:t>𝑒</m:t>
+                              </m:r>
+                            </m:e>
+                            <m:sup>
+                              <m:r>
+                                <a:rPr lang="fr-FR" b="0" i="1" smtClean="0">
+                                  <a:latin typeface="Cambria Math" panose="02040503050406030204" pitchFamily="18" charset="0"/>
+                                  <a:ea typeface="Cambria Math" panose="02040503050406030204" pitchFamily="18" charset="0"/>
+                                </a:rPr>
+                                <m:t>−</m:t>
+                              </m:r>
+                              <m:r>
+                                <a:rPr lang="fr-FR" b="0" i="1" smtClean="0">
+                                  <a:latin typeface="Cambria Math" panose="02040503050406030204" pitchFamily="18" charset="0"/>
+                                  <a:ea typeface="Cambria Math" panose="02040503050406030204" pitchFamily="18" charset="0"/>
+                                </a:rPr>
+                                <m:t>𝑗</m:t>
+                              </m:r>
+                              <m:r>
+                                <a:rPr lang="fr-FR" b="0" i="1" smtClean="0">
+                                  <a:latin typeface="Cambria Math" panose="02040503050406030204" pitchFamily="18" charset="0"/>
+                                  <a:ea typeface="Cambria Math" panose="02040503050406030204" pitchFamily="18" charset="0"/>
+                                </a:rPr>
+                                <m:t>2</m:t>
+                              </m:r>
+                              <m:r>
+                                <a:rPr lang="fr-FR" b="0" i="1" smtClean="0">
+                                  <a:latin typeface="Cambria Math" panose="02040503050406030204" pitchFamily="18" charset="0"/>
+                                  <a:ea typeface="Cambria Math" panose="02040503050406030204" pitchFamily="18" charset="0"/>
+                                </a:rPr>
+                                <m:t>𝜋</m:t>
+                              </m:r>
+                              <m:r>
+                                <a:rPr lang="fr-FR" b="0" i="1" smtClean="0">
+                                  <a:latin typeface="Cambria Math" panose="02040503050406030204" pitchFamily="18" charset="0"/>
+                                  <a:ea typeface="Cambria Math" panose="02040503050406030204" pitchFamily="18" charset="0"/>
+                                </a:rPr>
+                                <m:t>𝑓𝑘</m:t>
+                              </m:r>
+                              <m:sSub>
+                                <m:sSubPr>
+                                  <m:ctrlPr>
+                                    <a:rPr lang="fr-FR" b="0" i="1" smtClean="0">
+                                      <a:latin typeface="Cambria Math" panose="02040503050406030204" pitchFamily="18" charset="0"/>
+                                      <a:ea typeface="Cambria Math" panose="02040503050406030204" pitchFamily="18" charset="0"/>
+                                    </a:rPr>
+                                  </m:ctrlPr>
+                                </m:sSubPr>
+                                <m:e>
+                                  <m:r>
+                                    <a:rPr lang="fr-FR" b="0" i="1" smtClean="0">
+                                      <a:latin typeface="Cambria Math" panose="02040503050406030204" pitchFamily="18" charset="0"/>
+                                      <a:ea typeface="Cambria Math" panose="02040503050406030204" pitchFamily="18" charset="0"/>
+                                    </a:rPr>
+                                    <m:t>𝑇</m:t>
+                                  </m:r>
+                                </m:e>
+                                <m:sub>
+                                  <m:r>
+                                    <a:rPr lang="fr-FR" b="0" i="1" smtClean="0">
+                                      <a:latin typeface="Cambria Math" panose="02040503050406030204" pitchFamily="18" charset="0"/>
+                                      <a:ea typeface="Cambria Math" panose="02040503050406030204" pitchFamily="18" charset="0"/>
+                                    </a:rPr>
+                                    <m:t>𝑒</m:t>
+                                  </m:r>
+                                </m:sub>
+                              </m:sSub>
+                            </m:sup>
+                          </m:sSup>
+                        </m:e>
+                      </m:nary>
+                    </m:oMath>
+                  </m:oMathPara>
+                </a14:m>
+                <a:endParaRPr lang="fr-FR" dirty="0"/>
+              </a:p>
+              <a:p>
+                <a:pPr>
+                  <a:buClr>
+                    <a:schemeClr val="tx1">
+                      <a:lumMod val="75000"/>
+                    </a:schemeClr>
+                  </a:buClr>
+                </a:pPr>
+                <a:r>
+                  <a:rPr lang="fr-FR" dirty="0" smtClean="0"/>
+                  <a:t>Coefficients d’autocorrélation : </a:t>
+                </a:r>
+              </a:p>
+              <a:p>
+                <a:pPr marL="0" indent="0">
+                  <a:buClr>
+                    <a:schemeClr val="tx1">
+                      <a:lumMod val="75000"/>
+                    </a:schemeClr>
+                  </a:buClr>
+                  <a:buNone/>
+                </a:pPr>
+                <a14:m>
+                  <m:oMathPara xmlns:m="http://schemas.openxmlformats.org/officeDocument/2006/math">
+                    <m:oMathParaPr>
+                      <m:jc m:val="centerGroup"/>
+                    </m:oMathParaPr>
+                    <m:oMath xmlns:m="http://schemas.openxmlformats.org/officeDocument/2006/math">
+                      <m:sSub>
+                        <m:sSubPr>
+                          <m:ctrlPr>
+                            <a:rPr lang="fr-FR" i="1">
+                              <a:latin typeface="Cambria Math" panose="02040503050406030204" pitchFamily="18" charset="0"/>
+                            </a:rPr>
+                          </m:ctrlPr>
+                        </m:sSubPr>
+                        <m:e>
+                          <m:r>
+                            <a:rPr lang="fr-FR" i="1">
+                              <a:latin typeface="Cambria Math" panose="02040503050406030204" pitchFamily="18" charset="0"/>
+                            </a:rPr>
+                            <m:t>𝑟</m:t>
+                          </m:r>
+                        </m:e>
+                        <m:sub>
+                          <m:r>
+                            <a:rPr lang="fr-FR" i="1">
+                              <a:latin typeface="Cambria Math" panose="02040503050406030204" pitchFamily="18" charset="0"/>
+                            </a:rPr>
+                            <m:t>𝑘</m:t>
+                          </m:r>
+                        </m:sub>
+                      </m:sSub>
+                      <m:r>
+                        <a:rPr lang="fr-FR" b="0" i="1" smtClean="0">
+                          <a:latin typeface="Cambria Math" panose="02040503050406030204" pitchFamily="18" charset="0"/>
+                        </a:rPr>
+                        <m:t>=</m:t>
+                      </m:r>
+                      <m:r>
+                        <a:rPr lang="fr-FR" b="0" i="1" smtClean="0">
+                          <a:latin typeface="Cambria Math" panose="02040503050406030204" pitchFamily="18" charset="0"/>
+                          <a:ea typeface="Cambria Math" panose="02040503050406030204" pitchFamily="18" charset="0"/>
+                        </a:rPr>
+                        <m:t>𝜀</m:t>
+                      </m:r>
+                      <m:d>
+                        <m:dPr>
+                          <m:ctrlPr>
+                            <a:rPr lang="fr-FR" b="0" i="1" smtClean="0">
+                              <a:latin typeface="Cambria Math" panose="02040503050406030204" pitchFamily="18" charset="0"/>
+                              <a:ea typeface="Cambria Math" panose="02040503050406030204" pitchFamily="18" charset="0"/>
+                            </a:rPr>
+                          </m:ctrlPr>
+                        </m:dPr>
+                        <m:e>
+                          <m:sSub>
+                            <m:sSubPr>
+                              <m:ctrlPr>
+                                <a:rPr lang="fr-FR" b="0" i="1" smtClean="0">
+                                  <a:latin typeface="Cambria Math" panose="02040503050406030204" pitchFamily="18" charset="0"/>
+                                  <a:ea typeface="Cambria Math" panose="02040503050406030204" pitchFamily="18" charset="0"/>
+                                </a:rPr>
+                              </m:ctrlPr>
+                            </m:sSubPr>
+                            <m:e>
+                              <m:r>
+                                <a:rPr lang="fr-FR" b="0" i="1" smtClean="0">
+                                  <a:latin typeface="Cambria Math" panose="02040503050406030204" pitchFamily="18" charset="0"/>
+                                  <a:ea typeface="Cambria Math" panose="02040503050406030204" pitchFamily="18" charset="0"/>
+                                </a:rPr>
+                                <m:t>𝑥</m:t>
+                              </m:r>
+                            </m:e>
+                            <m:sub>
+                              <m:r>
+                                <a:rPr lang="fr-FR" b="0" i="1" smtClean="0">
+                                  <a:latin typeface="Cambria Math" panose="02040503050406030204" pitchFamily="18" charset="0"/>
+                                  <a:ea typeface="Cambria Math" panose="02040503050406030204" pitchFamily="18" charset="0"/>
+                                </a:rPr>
+                                <m:t>𝑛</m:t>
+                              </m:r>
+                            </m:sub>
+                          </m:sSub>
+                          <m:sSub>
+                            <m:sSubPr>
+                              <m:ctrlPr>
+                                <a:rPr lang="fr-FR" b="0" i="1" smtClean="0">
+                                  <a:latin typeface="Cambria Math" panose="02040503050406030204" pitchFamily="18" charset="0"/>
+                                  <a:ea typeface="Cambria Math" panose="02040503050406030204" pitchFamily="18" charset="0"/>
+                                </a:rPr>
+                              </m:ctrlPr>
+                            </m:sSubPr>
+                            <m:e>
+                              <m:r>
+                                <a:rPr lang="fr-FR" b="0" i="1" smtClean="0">
+                                  <a:latin typeface="Cambria Math" panose="02040503050406030204" pitchFamily="18" charset="0"/>
+                                  <a:ea typeface="Cambria Math" panose="02040503050406030204" pitchFamily="18" charset="0"/>
+                                </a:rPr>
+                                <m:t>𝑥</m:t>
+                              </m:r>
+                            </m:e>
+                            <m:sub>
+                              <m:r>
+                                <a:rPr lang="fr-FR" b="0" i="1" smtClean="0">
+                                  <a:latin typeface="Cambria Math" panose="02040503050406030204" pitchFamily="18" charset="0"/>
+                                  <a:ea typeface="Cambria Math" panose="02040503050406030204" pitchFamily="18" charset="0"/>
+                                </a:rPr>
+                                <m:t>𝑛</m:t>
+                              </m:r>
+                              <m:r>
+                                <a:rPr lang="fr-FR" b="0" i="1" smtClean="0">
+                                  <a:latin typeface="Cambria Math" panose="02040503050406030204" pitchFamily="18" charset="0"/>
+                                  <a:ea typeface="Cambria Math" panose="02040503050406030204" pitchFamily="18" charset="0"/>
+                                </a:rPr>
+                                <m:t>−</m:t>
+                              </m:r>
+                              <m:r>
+                                <a:rPr lang="fr-FR" b="0" i="1" smtClean="0">
+                                  <a:latin typeface="Cambria Math" panose="02040503050406030204" pitchFamily="18" charset="0"/>
+                                  <a:ea typeface="Cambria Math" panose="02040503050406030204" pitchFamily="18" charset="0"/>
+                                </a:rPr>
+                                <m:t>𝑘</m:t>
+                              </m:r>
+                            </m:sub>
+                          </m:sSub>
+                        </m:e>
+                      </m:d>
+                      <m:r>
+                        <a:rPr lang="fr-FR" b="0" i="1" smtClean="0">
+                          <a:latin typeface="Cambria Math" panose="02040503050406030204" pitchFamily="18" charset="0"/>
+                          <a:ea typeface="Cambria Math" panose="02040503050406030204" pitchFamily="18" charset="0"/>
+                        </a:rPr>
+                        <m:t>=</m:t>
+                      </m:r>
+                      <m:func>
+                        <m:funcPr>
+                          <m:ctrlPr>
+                            <a:rPr lang="fr-FR" b="0" i="1" smtClean="0">
+                              <a:latin typeface="Cambria Math" panose="02040503050406030204" pitchFamily="18" charset="0"/>
+                              <a:ea typeface="Cambria Math" panose="02040503050406030204" pitchFamily="18" charset="0"/>
+                            </a:rPr>
+                          </m:ctrlPr>
+                        </m:funcPr>
+                        <m:fName>
+                          <m:limLow>
+                            <m:limLowPr>
+                              <m:ctrlPr>
+                                <a:rPr lang="fr-FR" b="0" i="1" smtClean="0">
+                                  <a:latin typeface="Cambria Math" panose="02040503050406030204" pitchFamily="18" charset="0"/>
+                                  <a:ea typeface="Cambria Math" panose="02040503050406030204" pitchFamily="18" charset="0"/>
+                                </a:rPr>
+                              </m:ctrlPr>
+                            </m:limLowPr>
+                            <m:e>
+                              <m:r>
+                                <m:rPr>
+                                  <m:sty m:val="p"/>
+                                </m:rPr>
+                                <a:rPr lang="fr-FR" b="0" i="0" smtClean="0">
+                                  <a:latin typeface="Cambria Math" panose="02040503050406030204" pitchFamily="18" charset="0"/>
+                                  <a:ea typeface="Cambria Math" panose="02040503050406030204" pitchFamily="18" charset="0"/>
+                                </a:rPr>
+                                <m:t>L</m:t>
+                              </m:r>
+                              <m:r>
+                                <m:rPr>
+                                  <m:sty m:val="p"/>
+                                </m:rPr>
+                                <a:rPr lang="fr-FR" b="0" i="0" smtClean="0">
+                                  <a:latin typeface="Cambria Math" panose="02040503050406030204" pitchFamily="18" charset="0"/>
+                                  <a:ea typeface="Cambria Math" panose="02040503050406030204" pitchFamily="18" charset="0"/>
+                                </a:rPr>
+                                <m:t>im</m:t>
+                              </m:r>
+                            </m:e>
+                            <m:lim>
+                              <m:r>
+                                <a:rPr lang="fr-FR" b="0" i="1" smtClean="0">
+                                  <a:latin typeface="Cambria Math" panose="02040503050406030204" pitchFamily="18" charset="0"/>
+                                  <a:ea typeface="Cambria Math" panose="02040503050406030204" pitchFamily="18" charset="0"/>
+                                </a:rPr>
+                                <m:t>𝑁</m:t>
+                              </m:r>
+                              <m:r>
+                                <a:rPr lang="fr-FR" b="0" i="1" smtClean="0">
+                                  <a:latin typeface="Cambria Math" panose="02040503050406030204" pitchFamily="18" charset="0"/>
+                                  <a:ea typeface="Cambria Math" panose="02040503050406030204" pitchFamily="18" charset="0"/>
+                                </a:rPr>
+                                <m:t>→∞</m:t>
+                              </m:r>
+                            </m:lim>
+                          </m:limLow>
+                        </m:fName>
+                        <m:e>
+                          <m:f>
+                            <m:fPr>
+                              <m:ctrlPr>
+                                <a:rPr lang="fr-FR" b="0" i="1" smtClean="0">
+                                  <a:latin typeface="Cambria Math" panose="02040503050406030204" pitchFamily="18" charset="0"/>
+                                  <a:ea typeface="Cambria Math" panose="02040503050406030204" pitchFamily="18" charset="0"/>
+                                </a:rPr>
+                              </m:ctrlPr>
+                            </m:fPr>
+                            <m:num>
+                              <m:r>
+                                <a:rPr lang="fr-FR" b="0" i="1" smtClean="0">
+                                  <a:latin typeface="Cambria Math" panose="02040503050406030204" pitchFamily="18" charset="0"/>
+                                  <a:ea typeface="Cambria Math" panose="02040503050406030204" pitchFamily="18" charset="0"/>
+                                </a:rPr>
+                                <m:t>1</m:t>
+                              </m:r>
+                            </m:num>
+                            <m:den>
+                              <m:r>
+                                <a:rPr lang="fr-FR" b="0" i="1" smtClean="0">
+                                  <a:latin typeface="Cambria Math" panose="02040503050406030204" pitchFamily="18" charset="0"/>
+                                  <a:ea typeface="Cambria Math" panose="02040503050406030204" pitchFamily="18" charset="0"/>
+                                </a:rPr>
+                                <m:t>2</m:t>
+                              </m:r>
+                              <m:r>
+                                <a:rPr lang="fr-FR" b="0" i="1" smtClean="0">
+                                  <a:latin typeface="Cambria Math" panose="02040503050406030204" pitchFamily="18" charset="0"/>
+                                  <a:ea typeface="Cambria Math" panose="02040503050406030204" pitchFamily="18" charset="0"/>
+                                </a:rPr>
+                                <m:t>𝑁</m:t>
+                              </m:r>
+                              <m:r>
+                                <a:rPr lang="fr-FR" b="0" i="1" smtClean="0">
+                                  <a:latin typeface="Cambria Math" panose="02040503050406030204" pitchFamily="18" charset="0"/>
+                                  <a:ea typeface="Cambria Math" panose="02040503050406030204" pitchFamily="18" charset="0"/>
+                                </a:rPr>
+                                <m:t>+1</m:t>
+                              </m:r>
+                            </m:den>
+                          </m:f>
+                        </m:e>
+                      </m:func>
+                      <m:nary>
+                        <m:naryPr>
+                          <m:chr m:val="∑"/>
+                          <m:ctrlPr>
+                            <a:rPr lang="fr-FR" b="0" i="1" smtClean="0">
+                              <a:latin typeface="Cambria Math" panose="02040503050406030204" pitchFamily="18" charset="0"/>
+                              <a:ea typeface="Cambria Math" panose="02040503050406030204" pitchFamily="18" charset="0"/>
+                            </a:rPr>
+                          </m:ctrlPr>
+                        </m:naryPr>
+                        <m:sub>
+                          <m:r>
+                            <m:rPr>
+                              <m:brk m:alnAt="23"/>
+                            </m:rPr>
+                            <a:rPr lang="fr-FR" b="0" i="1" smtClean="0">
+                              <a:latin typeface="Cambria Math" panose="02040503050406030204" pitchFamily="18" charset="0"/>
+                              <a:ea typeface="Cambria Math" panose="02040503050406030204" pitchFamily="18" charset="0"/>
+                            </a:rPr>
+                            <m:t>𝑛</m:t>
+                          </m:r>
+                          <m:r>
+                            <a:rPr lang="fr-FR" b="0" i="1" smtClean="0">
+                              <a:latin typeface="Cambria Math" panose="02040503050406030204" pitchFamily="18" charset="0"/>
+                              <a:ea typeface="Cambria Math" panose="02040503050406030204" pitchFamily="18" charset="0"/>
+                            </a:rPr>
+                            <m:t>=−</m:t>
+                          </m:r>
+                          <m:r>
+                            <a:rPr lang="fr-FR" b="0" i="1" smtClean="0">
+                              <a:latin typeface="Cambria Math" panose="02040503050406030204" pitchFamily="18" charset="0"/>
+                              <a:ea typeface="Cambria Math" panose="02040503050406030204" pitchFamily="18" charset="0"/>
+                            </a:rPr>
+                            <m:t>𝑁</m:t>
+                          </m:r>
+                        </m:sub>
+                        <m:sup>
+                          <m:r>
+                            <a:rPr lang="fr-FR" b="0" i="1" smtClean="0">
+                              <a:latin typeface="Cambria Math" panose="02040503050406030204" pitchFamily="18" charset="0"/>
+                              <a:ea typeface="Cambria Math" panose="02040503050406030204" pitchFamily="18" charset="0"/>
+                            </a:rPr>
+                            <m:t>𝑁</m:t>
+                          </m:r>
+                        </m:sup>
+                        <m:e>
+                          <m:sSub>
+                            <m:sSubPr>
+                              <m:ctrlPr>
+                                <a:rPr lang="fr-FR" i="1">
+                                  <a:latin typeface="Cambria Math" panose="02040503050406030204" pitchFamily="18" charset="0"/>
+                                  <a:ea typeface="Cambria Math" panose="02040503050406030204" pitchFamily="18" charset="0"/>
+                                </a:rPr>
+                              </m:ctrlPr>
+                            </m:sSubPr>
+                            <m:e>
+                              <m:r>
+                                <a:rPr lang="fr-FR" i="1">
+                                  <a:latin typeface="Cambria Math" panose="02040503050406030204" pitchFamily="18" charset="0"/>
+                                  <a:ea typeface="Cambria Math" panose="02040503050406030204" pitchFamily="18" charset="0"/>
+                                </a:rPr>
+                                <m:t>𝑥</m:t>
+                              </m:r>
+                            </m:e>
+                            <m:sub>
+                              <m:r>
+                                <a:rPr lang="fr-FR" i="1">
+                                  <a:latin typeface="Cambria Math" panose="02040503050406030204" pitchFamily="18" charset="0"/>
+                                  <a:ea typeface="Cambria Math" panose="02040503050406030204" pitchFamily="18" charset="0"/>
+                                </a:rPr>
+                                <m:t>𝑛</m:t>
+                              </m:r>
+                            </m:sub>
+                          </m:sSub>
+                          <m:sSub>
+                            <m:sSubPr>
+                              <m:ctrlPr>
+                                <a:rPr lang="fr-FR" i="1">
+                                  <a:latin typeface="Cambria Math" panose="02040503050406030204" pitchFamily="18" charset="0"/>
+                                  <a:ea typeface="Cambria Math" panose="02040503050406030204" pitchFamily="18" charset="0"/>
+                                </a:rPr>
+                              </m:ctrlPr>
+                            </m:sSubPr>
+                            <m:e>
+                              <m:r>
+                                <a:rPr lang="fr-FR" i="1">
+                                  <a:latin typeface="Cambria Math" panose="02040503050406030204" pitchFamily="18" charset="0"/>
+                                  <a:ea typeface="Cambria Math" panose="02040503050406030204" pitchFamily="18" charset="0"/>
+                                </a:rPr>
+                                <m:t>𝑥</m:t>
+                              </m:r>
+                            </m:e>
+                            <m:sub>
+                              <m:r>
+                                <a:rPr lang="fr-FR" i="1">
+                                  <a:latin typeface="Cambria Math" panose="02040503050406030204" pitchFamily="18" charset="0"/>
+                                  <a:ea typeface="Cambria Math" panose="02040503050406030204" pitchFamily="18" charset="0"/>
+                                </a:rPr>
+                                <m:t>𝑛</m:t>
+                              </m:r>
+                              <m:r>
+                                <a:rPr lang="fr-FR" i="1">
+                                  <a:latin typeface="Cambria Math" panose="02040503050406030204" pitchFamily="18" charset="0"/>
+                                  <a:ea typeface="Cambria Math" panose="02040503050406030204" pitchFamily="18" charset="0"/>
+                                </a:rPr>
+                                <m:t>−</m:t>
+                              </m:r>
+                              <m:r>
+                                <a:rPr lang="fr-FR" i="1">
+                                  <a:latin typeface="Cambria Math" panose="02040503050406030204" pitchFamily="18" charset="0"/>
+                                  <a:ea typeface="Cambria Math" panose="02040503050406030204" pitchFamily="18" charset="0"/>
+                                </a:rPr>
+                                <m:t>𝑘</m:t>
+                              </m:r>
+                            </m:sub>
+                          </m:sSub>
+                        </m:e>
+                      </m:nary>
+                    </m:oMath>
+                  </m:oMathPara>
+                </a14:m>
+                <a:endParaRPr lang="fr-FR" dirty="0" smtClean="0"/>
+              </a:p>
+              <a:p>
+                <a:pPr>
+                  <a:buClr>
+                    <a:schemeClr val="tx1">
+                      <a:lumMod val="75000"/>
+                    </a:schemeClr>
+                  </a:buClr>
+                </a:pPr>
+                <a:r>
+                  <a:rPr lang="fr-FR" dirty="0" smtClean="0"/>
+                  <a:t>La DSP représente la puissance du signal pour chaque fréquence</a:t>
+                </a:r>
+                <a:endParaRPr lang="fr-FR" dirty="0" smtClean="0"/>
+              </a:p>
+              <a:p>
+                <a:pPr>
+                  <a:buClr>
+                    <a:schemeClr val="tx1">
+                      <a:lumMod val="75000"/>
+                    </a:schemeClr>
+                  </a:buClr>
+                </a:pPr>
+                <a:r>
+                  <a:rPr lang="fr-FR" dirty="0" smtClean="0"/>
+                  <a:t>Différentes manières d’estimer ces quantités</a:t>
+                </a:r>
+                <a:endParaRPr lang="fr-FR" dirty="0"/>
+              </a:p>
+            </p:txBody>
+          </p:sp>
+        </mc:Choice>
+        <mc:Fallback>
+          <p:sp>
+            <p:nvSpPr>
+              <p:cNvPr id="3" name="Espace réservé du contenu 2"/>
+              <p:cNvSpPr>
+                <a:spLocks noGrp="1" noRot="1" noChangeAspect="1" noMove="1" noResize="1" noEditPoints="1" noAdjustHandles="1" noChangeArrowheads="1" noChangeShapeType="1" noTextEdit="1"/>
+              </p:cNvSpPr>
+              <p:nvPr>
+                <p:ph sz="half" idx="1"/>
+              </p:nvPr>
+            </p:nvSpPr>
+            <p:spPr>
+              <a:xfrm>
+                <a:off x="1066800" y="1825624"/>
+                <a:ext cx="9925744" cy="4575175"/>
+              </a:xfrm>
+              <a:blipFill rotWithShape="0">
+                <a:blip r:embed="rId2"/>
+                <a:stretch>
+                  <a:fillRect l="-430" t="-1731"/>
+                </a:stretch>
+              </a:blipFill>
+            </p:spPr>
+            <p:txBody>
+              <a:bodyPr/>
+              <a:lstStyle/>
+              <a:p>
+                <a:r>
+                  <a:rPr lang="fr-FR">
+                    <a:noFill/>
+                  </a:rPr>
+                  <a:t> </a:t>
+                </a:r>
+              </a:p>
+            </p:txBody>
+          </p:sp>
+        </mc:Fallback>
+      </mc:AlternateContent>
     </p:spTree>
     <p:extLst>
       <p:ext uri="{BB962C8B-B14F-4D97-AF65-F5344CB8AC3E}">

--- a/Analyse spectrale_etienne.pptx
+++ b/Analyse spectrale_etienne.pptx
@@ -5,10 +5,10 @@
     <p:sldMasterId id="2147483648" r:id="rId2"/>
   </p:sldMasterIdLst>
   <p:notesMasterIdLst>
-    <p:notesMasterId r:id="rId19"/>
+    <p:notesMasterId r:id="rId23"/>
   </p:notesMasterIdLst>
   <p:handoutMasterIdLst>
-    <p:handoutMasterId r:id="rId20"/>
+    <p:handoutMasterId r:id="rId24"/>
   </p:handoutMasterIdLst>
   <p:sldIdLst>
     <p:sldId id="256" r:id="rId3"/>
@@ -17,16 +17,20 @@
     <p:sldId id="269" r:id="rId6"/>
     <p:sldId id="257" r:id="rId7"/>
     <p:sldId id="271" r:id="rId8"/>
-    <p:sldId id="270" r:id="rId9"/>
-    <p:sldId id="258" r:id="rId10"/>
-    <p:sldId id="260" r:id="rId11"/>
-    <p:sldId id="259" r:id="rId12"/>
-    <p:sldId id="261" r:id="rId13"/>
-    <p:sldId id="262" r:id="rId14"/>
-    <p:sldId id="263" r:id="rId15"/>
-    <p:sldId id="264" r:id="rId16"/>
-    <p:sldId id="265" r:id="rId17"/>
-    <p:sldId id="266" r:id="rId18"/>
+    <p:sldId id="272" r:id="rId9"/>
+    <p:sldId id="274" r:id="rId10"/>
+    <p:sldId id="275" r:id="rId11"/>
+    <p:sldId id="276" r:id="rId12"/>
+    <p:sldId id="273" r:id="rId13"/>
+    <p:sldId id="258" r:id="rId14"/>
+    <p:sldId id="260" r:id="rId15"/>
+    <p:sldId id="259" r:id="rId16"/>
+    <p:sldId id="261" r:id="rId17"/>
+    <p:sldId id="262" r:id="rId18"/>
+    <p:sldId id="263" r:id="rId19"/>
+    <p:sldId id="264" r:id="rId20"/>
+    <p:sldId id="265" r:id="rId21"/>
+    <p:sldId id="266" r:id="rId22"/>
   </p:sldIdLst>
   <p:sldSz cx="12192000" cy="6858000"/>
   <p:notesSz cx="6858000" cy="9144000"/>
@@ -11621,6 +11625,607 @@
             <p:ph type="title"/>
           </p:nvPr>
         </p:nvSpPr>
+        <p:spPr/>
+        <p:txBody>
+          <a:bodyPr>
+            <a:normAutofit/>
+          </a:bodyPr>
+          <a:lstStyle/>
+          <a:p>
+            <a:r>
+              <a:rPr lang="fr-FR" dirty="0" smtClean="0"/>
+              <a:t>La transformée de Fourier</a:t>
+            </a:r>
+            <a:endParaRPr lang="fr-FR" dirty="0"/>
+          </a:p>
+        </p:txBody>
+      </p:sp>
+      <mc:AlternateContent xmlns:mc="http://schemas.openxmlformats.org/markup-compatibility/2006">
+        <mc:Choice xmlns:a14="http://schemas.microsoft.com/office/drawing/2010/main" Requires="a14">
+          <p:sp>
+            <p:nvSpPr>
+              <p:cNvPr id="3" name="Espace réservé du contenu 2"/>
+              <p:cNvSpPr>
+                <a:spLocks noGrp="1"/>
+              </p:cNvSpPr>
+              <p:nvPr>
+                <p:ph idx="1"/>
+              </p:nvPr>
+            </p:nvSpPr>
+            <p:spPr/>
+            <p:txBody>
+              <a:bodyPr>
+                <a:normAutofit/>
+              </a:bodyPr>
+              <a:lstStyle/>
+              <a:p>
+                <a:pPr>
+                  <a:buClr>
+                    <a:schemeClr val="tx1">
+                      <a:lumMod val="75000"/>
+                    </a:schemeClr>
+                  </a:buClr>
+                </a:pPr>
+                <a:r>
+                  <a:rPr lang="fr-FR" dirty="0" smtClean="0"/>
+                  <a:t>Premier estimateur sur </a:t>
+                </a:r>
+                <a14:m>
+                  <m:oMath xmlns:m="http://schemas.openxmlformats.org/officeDocument/2006/math">
+                    <m:r>
+                      <a:rPr lang="fr-FR" b="0" i="1" smtClean="0">
+                        <a:latin typeface="Cambria Math" panose="02040503050406030204" pitchFamily="18" charset="0"/>
+                      </a:rPr>
+                      <m:t>𝐾</m:t>
+                    </m:r>
+                  </m:oMath>
+                </a14:m>
+                <a:r>
+                  <a:rPr lang="fr-FR" dirty="0" smtClean="0"/>
+                  <a:t> échantillons.</a:t>
+                </a:r>
+              </a:p>
+            </p:txBody>
+          </p:sp>
+        </mc:Choice>
+        <mc:Fallback>
+          <p:sp>
+            <p:nvSpPr>
+              <p:cNvPr id="3" name="Espace réservé du contenu 2"/>
+              <p:cNvSpPr>
+                <a:spLocks noGrp="1" noRot="1" noChangeAspect="1" noMove="1" noResize="1" noEditPoints="1" noAdjustHandles="1" noChangeArrowheads="1" noChangeShapeType="1" noTextEdit="1"/>
+              </p:cNvSpPr>
+              <p:nvPr>
+                <p:ph idx="1"/>
+              </p:nvPr>
+            </p:nvSpPr>
+            <p:spPr>
+              <a:blipFill rotWithShape="0">
+                <a:blip r:embed="rId2"/>
+                <a:stretch>
+                  <a:fillRect l="-467" t="-1733"/>
+                </a:stretch>
+              </a:blipFill>
+            </p:spPr>
+            <p:txBody>
+              <a:bodyPr/>
+              <a:lstStyle/>
+              <a:p>
+                <a:r>
+                  <a:rPr lang="fr-FR">
+                    <a:noFill/>
+                  </a:rPr>
+                  <a:t> </a:t>
+                </a:r>
+              </a:p>
+            </p:txBody>
+          </p:sp>
+        </mc:Fallback>
+      </mc:AlternateContent>
+    </p:spTree>
+    <p:extLst>
+      <p:ext uri="{BB962C8B-B14F-4D97-AF65-F5344CB8AC3E}">
+        <p14:creationId xmlns:p14="http://schemas.microsoft.com/office/powerpoint/2010/main" val="2952758650"/>
+      </p:ext>
+    </p:extLst>
+  </p:cSld>
+  <p:clrMapOvr>
+    <a:masterClrMapping/>
+  </p:clrMapOvr>
+  <mc:AlternateContent xmlns:mc="http://schemas.openxmlformats.org/markup-compatibility/2006" xmlns:p14="http://schemas.microsoft.com/office/powerpoint/2010/main">
+    <mc:Choice Requires="p14">
+      <p:transition spd="med" p14:dur="700">
+        <p:fade/>
+      </p:transition>
+    </mc:Choice>
+    <mc:Fallback xmlns="">
+      <p:transition spd="med">
+        <p:fade/>
+      </p:transition>
+    </mc:Fallback>
+  </mc:AlternateContent>
+  <p:timing>
+    <p:tnLst>
+      <p:par>
+        <p:cTn id="1" dur="indefinite" restart="never" nodeType="tmRoot"/>
+      </p:par>
+    </p:tnLst>
+  </p:timing>
+</p:sld>
+</file>
+
+<file path=ppt/slides/slide11.xml><?xml version="1.0" encoding="utf-8"?>
+<p:sld xmlns:a="http://schemas.openxmlformats.org/drawingml/2006/main" xmlns:r="http://schemas.openxmlformats.org/officeDocument/2006/relationships" xmlns:p="http://schemas.openxmlformats.org/presentationml/2006/main">
+  <p:cSld>
+    <p:spTree>
+      <p:nvGrpSpPr>
+        <p:cNvPr id="1" name=""/>
+        <p:cNvGrpSpPr/>
+        <p:nvPr/>
+      </p:nvGrpSpPr>
+      <p:grpSpPr>
+        <a:xfrm>
+          <a:off x="0" y="0"/>
+          <a:ext cx="0" cy="0"/>
+          <a:chOff x="0" y="0"/>
+          <a:chExt cx="0" cy="0"/>
+        </a:xfrm>
+      </p:grpSpPr>
+      <p:sp>
+        <p:nvSpPr>
+          <p:cNvPr id="2" name="Titre 1"/>
+          <p:cNvSpPr>
+            <a:spLocks noGrp="1"/>
+          </p:cNvSpPr>
+          <p:nvPr>
+            <p:ph type="title"/>
+          </p:nvPr>
+        </p:nvSpPr>
+        <p:spPr/>
+        <p:txBody>
+          <a:bodyPr/>
+          <a:lstStyle/>
+          <a:p>
+            <a:r>
+              <a:rPr lang="fr-FR" noProof="1" smtClean="0"/>
+              <a:t>Analyse paramétrique</a:t>
+            </a:r>
+            <a:endParaRPr lang="fr-FR" noProof="1"/>
+          </a:p>
+        </p:txBody>
+      </p:sp>
+      <p:sp>
+        <p:nvSpPr>
+          <p:cNvPr id="3" name="Espace réservé du texte 2"/>
+          <p:cNvSpPr>
+            <a:spLocks noGrp="1"/>
+          </p:cNvSpPr>
+          <p:nvPr>
+            <p:ph type="body" idx="1"/>
+          </p:nvPr>
+        </p:nvSpPr>
+        <p:spPr/>
+        <p:txBody>
+          <a:bodyPr/>
+          <a:lstStyle/>
+          <a:p>
+            <a:endParaRPr lang="fr-FR" noProof="1"/>
+          </a:p>
+        </p:txBody>
+      </p:sp>
+    </p:spTree>
+    <p:extLst>
+      <p:ext uri="{BB962C8B-B14F-4D97-AF65-F5344CB8AC3E}">
+        <p14:creationId xmlns:p14="http://schemas.microsoft.com/office/powerpoint/2010/main" val="1670586636"/>
+      </p:ext>
+    </p:extLst>
+  </p:cSld>
+  <p:clrMapOvr>
+    <a:masterClrMapping/>
+  </p:clrMapOvr>
+  <mc:AlternateContent xmlns:mc="http://schemas.openxmlformats.org/markup-compatibility/2006" xmlns:p14="http://schemas.microsoft.com/office/powerpoint/2010/main">
+    <mc:Choice Requires="p14">
+      <p:transition spd="med" p14:dur="700">
+        <p:fade/>
+      </p:transition>
+    </mc:Choice>
+    <mc:Fallback xmlns="">
+      <p:transition spd="med">
+        <p:fade/>
+      </p:transition>
+    </mc:Fallback>
+  </mc:AlternateContent>
+  <p:timing>
+    <p:tnLst>
+      <p:par>
+        <p:cTn id="1" dur="indefinite" restart="never" nodeType="tmRoot"/>
+      </p:par>
+    </p:tnLst>
+  </p:timing>
+</p:sld>
+</file>
+
+<file path=ppt/slides/slide12.xml><?xml version="1.0" encoding="utf-8"?>
+<p:sld xmlns:a="http://schemas.openxmlformats.org/drawingml/2006/main" xmlns:r="http://schemas.openxmlformats.org/officeDocument/2006/relationships" xmlns:p="http://schemas.openxmlformats.org/presentationml/2006/main">
+  <p:cSld>
+    <p:spTree>
+      <p:nvGrpSpPr>
+        <p:cNvPr id="1" name=""/>
+        <p:cNvGrpSpPr/>
+        <p:nvPr/>
+      </p:nvGrpSpPr>
+      <p:grpSpPr>
+        <a:xfrm>
+          <a:off x="0" y="0"/>
+          <a:ext cx="0" cy="0"/>
+          <a:chOff x="0" y="0"/>
+          <a:chExt cx="0" cy="0"/>
+        </a:xfrm>
+      </p:grpSpPr>
+      <p:sp>
+        <p:nvSpPr>
+          <p:cNvPr id="2" name="Titre 1"/>
+          <p:cNvSpPr>
+            <a:spLocks noGrp="1"/>
+          </p:cNvSpPr>
+          <p:nvPr>
+            <p:ph type="title"/>
+          </p:nvPr>
+        </p:nvSpPr>
+        <p:spPr/>
+        <p:txBody>
+          <a:bodyPr>
+            <a:normAutofit/>
+          </a:bodyPr>
+          <a:lstStyle/>
+          <a:p>
+            <a:r>
+              <a:rPr lang="fr-FR" dirty="0" smtClean="0"/>
+              <a:t>Analyse </a:t>
+            </a:r>
+            <a:r>
+              <a:rPr lang="fr-FR" dirty="0" err="1" smtClean="0"/>
+              <a:t>parametrique</a:t>
+            </a:r>
+            <a:endParaRPr lang="fr-FR" dirty="0"/>
+          </a:p>
+        </p:txBody>
+      </p:sp>
+      <p:sp>
+        <p:nvSpPr>
+          <p:cNvPr id="3" name="Espace réservé du contenu 2"/>
+          <p:cNvSpPr>
+            <a:spLocks noGrp="1"/>
+          </p:cNvSpPr>
+          <p:nvPr>
+            <p:ph idx="1"/>
+          </p:nvPr>
+        </p:nvSpPr>
+        <p:spPr/>
+        <p:txBody>
+          <a:bodyPr/>
+          <a:lstStyle/>
+          <a:p>
+            <a:r>
+              <a:rPr lang="fr-FR" dirty="0" smtClean="0"/>
+              <a:t>Algorithme de </a:t>
+            </a:r>
+            <a:r>
+              <a:rPr lang="fr-FR" dirty="0" err="1" smtClean="0"/>
+              <a:t>Levinson-Durbin</a:t>
+            </a:r>
+            <a:r>
+              <a:rPr lang="fr-FR" dirty="0" smtClean="0"/>
+              <a:t> :</a:t>
+            </a:r>
+            <a:endParaRPr lang="fr-FR" dirty="0"/>
+          </a:p>
+        </p:txBody>
+      </p:sp>
+      <p:sp>
+        <p:nvSpPr>
+          <p:cNvPr id="4" name="Flèche droite 3"/>
+          <p:cNvSpPr/>
+          <p:nvPr/>
+        </p:nvSpPr>
+        <p:spPr>
+          <a:xfrm>
+            <a:off x="1487488" y="2852936"/>
+            <a:ext cx="1080120" cy="288032"/>
+          </a:xfrm>
+          <a:prstGeom prst="rightArrow">
+            <a:avLst/>
+          </a:prstGeom>
+        </p:spPr>
+        <p:style>
+          <a:lnRef idx="2">
+            <a:schemeClr val="accent1">
+              <a:shade val="50000"/>
+            </a:schemeClr>
+          </a:lnRef>
+          <a:fillRef idx="1">
+            <a:schemeClr val="accent1"/>
+          </a:fillRef>
+          <a:effectRef idx="0">
+            <a:schemeClr val="accent1"/>
+          </a:effectRef>
+          <a:fontRef idx="minor">
+            <a:schemeClr val="lt1"/>
+          </a:fontRef>
+        </p:style>
+        <p:txBody>
+          <a:bodyPr rtlCol="0" anchor="ctr"/>
+          <a:lstStyle/>
+          <a:p>
+            <a:pPr algn="ctr"/>
+            <a:endParaRPr lang="fr-FR"/>
+          </a:p>
+        </p:txBody>
+      </p:sp>
+      <p:sp>
+        <p:nvSpPr>
+          <p:cNvPr id="5" name="ZoneTexte 4"/>
+          <p:cNvSpPr txBox="1"/>
+          <p:nvPr/>
+        </p:nvSpPr>
+        <p:spPr>
+          <a:xfrm>
+            <a:off x="2927648" y="2852936"/>
+            <a:ext cx="2808312" cy="369332"/>
+          </a:xfrm>
+          <a:prstGeom prst="rect">
+            <a:avLst/>
+          </a:prstGeom>
+          <a:noFill/>
+        </p:spPr>
+        <p:txBody>
+          <a:bodyPr wrap="square" rtlCol="0">
+            <a:spAutoFit/>
+          </a:bodyPr>
+          <a:lstStyle/>
+          <a:p>
+            <a:r>
+              <a:rPr lang="fr-FR" dirty="0" smtClean="0"/>
+              <a:t>Calcul des coefficients AR</a:t>
+            </a:r>
+            <a:endParaRPr lang="fr-FR" dirty="0"/>
+          </a:p>
+        </p:txBody>
+      </p:sp>
+      <p:sp>
+        <p:nvSpPr>
+          <p:cNvPr id="7" name="ZoneTexte 6"/>
+          <p:cNvSpPr txBox="1"/>
+          <p:nvPr/>
+        </p:nvSpPr>
+        <p:spPr>
+          <a:xfrm>
+            <a:off x="6528048" y="2636912"/>
+            <a:ext cx="3816424" cy="1008112"/>
+          </a:xfrm>
+          <a:prstGeom prst="rect">
+            <a:avLst/>
+          </a:prstGeom>
+          <a:noFill/>
+        </p:spPr>
+        <p:txBody>
+          <a:bodyPr wrap="square" rtlCol="0">
+            <a:spAutoFit/>
+          </a:bodyPr>
+          <a:lstStyle/>
+          <a:p>
+            <a:endParaRPr lang="fr-FR" dirty="0"/>
+          </a:p>
+        </p:txBody>
+      </p:sp>
+    </p:spTree>
+    <p:extLst>
+      <p:ext uri="{BB962C8B-B14F-4D97-AF65-F5344CB8AC3E}">
+        <p14:creationId xmlns:p14="http://schemas.microsoft.com/office/powerpoint/2010/main" val="1928620899"/>
+      </p:ext>
+    </p:extLst>
+  </p:cSld>
+  <p:clrMapOvr>
+    <a:masterClrMapping/>
+  </p:clrMapOvr>
+  <mc:AlternateContent xmlns:mc="http://schemas.openxmlformats.org/markup-compatibility/2006" xmlns:p14="http://schemas.microsoft.com/office/powerpoint/2010/main">
+    <mc:Choice Requires="p14">
+      <p:transition spd="med" p14:dur="700">
+        <p:fade/>
+      </p:transition>
+    </mc:Choice>
+    <mc:Fallback xmlns="">
+      <p:transition spd="med">
+        <p:fade/>
+      </p:transition>
+    </mc:Fallback>
+  </mc:AlternateContent>
+  <p:timing>
+    <p:tnLst>
+      <p:par>
+        <p:cTn id="1" dur="indefinite" restart="never" nodeType="tmRoot"/>
+      </p:par>
+    </p:tnLst>
+  </p:timing>
+</p:sld>
+</file>
+
+<file path=ppt/slides/slide13.xml><?xml version="1.0" encoding="utf-8"?>
+<p:sld xmlns:a="http://schemas.openxmlformats.org/drawingml/2006/main" xmlns:r="http://schemas.openxmlformats.org/officeDocument/2006/relationships" xmlns:p="http://schemas.openxmlformats.org/presentationml/2006/main">
+  <p:cSld>
+    <p:spTree>
+      <p:nvGrpSpPr>
+        <p:cNvPr id="1" name=""/>
+        <p:cNvGrpSpPr/>
+        <p:nvPr/>
+      </p:nvGrpSpPr>
+      <p:grpSpPr>
+        <a:xfrm>
+          <a:off x="0" y="0"/>
+          <a:ext cx="0" cy="0"/>
+          <a:chOff x="0" y="0"/>
+          <a:chExt cx="0" cy="0"/>
+        </a:xfrm>
+      </p:grpSpPr>
+      <p:sp>
+        <p:nvSpPr>
+          <p:cNvPr id="2" name="Titre 1"/>
+          <p:cNvSpPr>
+            <a:spLocks noGrp="1"/>
+          </p:cNvSpPr>
+          <p:nvPr>
+            <p:ph type="title"/>
+          </p:nvPr>
+        </p:nvSpPr>
+        <p:spPr/>
+        <p:txBody>
+          <a:bodyPr>
+            <a:normAutofit/>
+          </a:bodyPr>
+          <a:lstStyle/>
+          <a:p>
+            <a:r>
+              <a:rPr lang="fr-FR" dirty="0"/>
+              <a:t>Disposition deux contenus avec tableau</a:t>
+            </a:r>
+          </a:p>
+        </p:txBody>
+      </p:sp>
+      <p:sp>
+        <p:nvSpPr>
+          <p:cNvPr id="3" name="Espace réservé du contenu 2"/>
+          <p:cNvSpPr>
+            <a:spLocks noGrp="1"/>
+          </p:cNvSpPr>
+          <p:nvPr>
+            <p:ph sz="half" idx="1"/>
+          </p:nvPr>
+        </p:nvSpPr>
+        <p:spPr/>
+        <p:txBody>
+          <a:bodyPr>
+            <a:normAutofit/>
+          </a:bodyPr>
+          <a:lstStyle/>
+          <a:p>
+            <a:pPr>
+              <a:buClr>
+                <a:schemeClr val="tx1">
+                  <a:lumMod val="75000"/>
+                </a:schemeClr>
+              </a:buClr>
+            </a:pPr>
+            <a:r>
+              <a:rPr lang="fr-FR" dirty="0"/>
+              <a:t>Texte de la première puce ici</a:t>
+            </a:r>
+          </a:p>
+          <a:p>
+            <a:pPr>
+              <a:buClr>
+                <a:schemeClr val="tx1">
+                  <a:lumMod val="75000"/>
+                </a:schemeClr>
+              </a:buClr>
+            </a:pPr>
+            <a:r>
+              <a:rPr lang="fr-FR" dirty="0"/>
+              <a:t>Texte de la deuxième puce ici</a:t>
+            </a:r>
+          </a:p>
+          <a:p>
+            <a:pPr>
+              <a:buClr>
+                <a:schemeClr val="tx1">
+                  <a:lumMod val="75000"/>
+                </a:schemeClr>
+              </a:buClr>
+            </a:pPr>
+            <a:r>
+              <a:rPr lang="fr-FR" dirty="0"/>
+              <a:t>Texte de la troisième puce ici</a:t>
+            </a:r>
+          </a:p>
+        </p:txBody>
+      </p:sp>
+      <p:sp>
+        <p:nvSpPr>
+          <p:cNvPr id="4" name="Espace réservé du contenu 3"/>
+          <p:cNvSpPr>
+            <a:spLocks noGrp="1"/>
+          </p:cNvSpPr>
+          <p:nvPr>
+            <p:ph sz="half" idx="2"/>
+          </p:nvPr>
+        </p:nvSpPr>
+        <p:spPr/>
+        <p:txBody>
+          <a:bodyPr/>
+          <a:lstStyle/>
+          <a:p>
+            <a:endParaRPr lang="fr-FR"/>
+          </a:p>
+        </p:txBody>
+      </p:sp>
+    </p:spTree>
+    <p:extLst>
+      <p:ext uri="{BB962C8B-B14F-4D97-AF65-F5344CB8AC3E}">
+        <p14:creationId xmlns:p14="http://schemas.microsoft.com/office/powerpoint/2010/main" val="2738627701"/>
+      </p:ext>
+    </p:extLst>
+  </p:cSld>
+  <p:clrMapOvr>
+    <a:masterClrMapping/>
+  </p:clrMapOvr>
+  <mc:AlternateContent xmlns:mc="http://schemas.openxmlformats.org/markup-compatibility/2006" xmlns:p14="http://schemas.microsoft.com/office/powerpoint/2010/main">
+    <mc:Choice Requires="p14">
+      <p:transition spd="med" p14:dur="700">
+        <p:fade/>
+      </p:transition>
+    </mc:Choice>
+    <mc:Fallback xmlns="">
+      <p:transition spd="med">
+        <p:fade/>
+      </p:transition>
+    </mc:Fallback>
+  </mc:AlternateContent>
+  <p:timing>
+    <p:tnLst>
+      <p:par>
+        <p:cTn id="1" dur="indefinite" restart="never" nodeType="tmRoot"/>
+      </p:par>
+    </p:tnLst>
+  </p:timing>
+</p:sld>
+</file>
+
+<file path=ppt/slides/slide14.xml><?xml version="1.0" encoding="utf-8"?>
+<p:sld xmlns:a="http://schemas.openxmlformats.org/drawingml/2006/main" xmlns:r="http://schemas.openxmlformats.org/officeDocument/2006/relationships" xmlns:p="http://schemas.openxmlformats.org/presentationml/2006/main">
+  <p:cSld>
+    <p:spTree>
+      <p:nvGrpSpPr>
+        <p:cNvPr id="1" name=""/>
+        <p:cNvGrpSpPr/>
+        <p:nvPr/>
+      </p:nvGrpSpPr>
+      <p:grpSpPr>
+        <a:xfrm>
+          <a:off x="0" y="0"/>
+          <a:ext cx="0" cy="0"/>
+          <a:chOff x="0" y="0"/>
+          <a:chExt cx="0" cy="0"/>
+        </a:xfrm>
+      </p:grpSpPr>
+      <p:sp>
+        <p:nvSpPr>
+          <p:cNvPr id="2" name="Titre 1"/>
+          <p:cNvSpPr>
+            <a:spLocks noGrp="1"/>
+          </p:cNvSpPr>
+          <p:nvPr>
+            <p:ph type="title"/>
+          </p:nvPr>
+        </p:nvSpPr>
         <p:spPr>
           <a:xfrm>
             <a:off x="1066800" y="99220"/>
@@ -11759,7 +12364,7 @@
 </p:sld>
 </file>
 
-<file path=ppt/slides/slide11.xml><?xml version="1.0" encoding="utf-8"?>
+<file path=ppt/slides/slide15.xml><?xml version="1.0" encoding="utf-8"?>
 <p:sld xmlns:a="http://schemas.openxmlformats.org/drawingml/2006/main" xmlns:r="http://schemas.openxmlformats.org/officeDocument/2006/relationships" xmlns:p="http://schemas.openxmlformats.org/presentationml/2006/main">
   <p:cSld>
     <p:spTree>
@@ -11846,7 +12451,7 @@
 </p:sld>
 </file>
 
-<file path=ppt/slides/slide12.xml><?xml version="1.0" encoding="utf-8"?>
+<file path=ppt/slides/slide16.xml><?xml version="1.0" encoding="utf-8"?>
 <p:sld xmlns:a="http://schemas.openxmlformats.org/drawingml/2006/main" xmlns:r="http://schemas.openxmlformats.org/officeDocument/2006/relationships" xmlns:p="http://schemas.openxmlformats.org/presentationml/2006/main">
   <p:cSld>
     <p:spTree>
@@ -11990,7 +12595,7 @@
 </p:sld>
 </file>
 
-<file path=ppt/slides/slide13.xml><?xml version="1.0" encoding="utf-8"?>
+<file path=ppt/slides/slide17.xml><?xml version="1.0" encoding="utf-8"?>
 <p:sld xmlns:a="http://schemas.openxmlformats.org/drawingml/2006/main" xmlns:r="http://schemas.openxmlformats.org/officeDocument/2006/relationships" xmlns:p="http://schemas.openxmlformats.org/presentationml/2006/main">
   <p:cSld>
     <p:spTree>
@@ -12058,7 +12663,7 @@
 </p:sld>
 </file>
 
-<file path=ppt/slides/slide14.xml><?xml version="1.0" encoding="utf-8"?>
+<file path=ppt/slides/slide18.xml><?xml version="1.0" encoding="utf-8"?>
 <p:sld xmlns:a="http://schemas.openxmlformats.org/drawingml/2006/main" xmlns:r="http://schemas.openxmlformats.org/officeDocument/2006/relationships" xmlns:p="http://schemas.openxmlformats.org/presentationml/2006/main">
   <p:cSld>
     <p:spTree>
@@ -12107,7 +12712,7 @@
 </p:sld>
 </file>
 
-<file path=ppt/slides/slide15.xml><?xml version="1.0" encoding="utf-8"?>
+<file path=ppt/slides/slide19.xml><?xml version="1.0" encoding="utf-8"?>
 <p:sld xmlns:a="http://schemas.openxmlformats.org/drawingml/2006/main" xmlns:r="http://schemas.openxmlformats.org/officeDocument/2006/relationships" xmlns:p="http://schemas.openxmlformats.org/presentationml/2006/main">
   <p:cSld>
     <p:spTree>
@@ -12185,105 +12790,6 @@
     <p:extLst>
       <p:ext uri="{BB962C8B-B14F-4D97-AF65-F5344CB8AC3E}">
         <p14:creationId xmlns:p14="http://schemas.microsoft.com/office/powerpoint/2010/main" val="2914748422"/>
-      </p:ext>
-    </p:extLst>
-  </p:cSld>
-  <p:clrMapOvr>
-    <a:masterClrMapping/>
-  </p:clrMapOvr>
-  <mc:AlternateContent xmlns:mc="http://schemas.openxmlformats.org/markup-compatibility/2006" xmlns:p14="http://schemas.microsoft.com/office/powerpoint/2010/main">
-    <mc:Choice Requires="p14">
-      <p:transition spd="med" p14:dur="700">
-        <p:fade/>
-      </p:transition>
-    </mc:Choice>
-    <mc:Fallback xmlns="">
-      <p:transition spd="med">
-        <p:fade/>
-      </p:transition>
-    </mc:Fallback>
-  </mc:AlternateContent>
-  <p:timing>
-    <p:tnLst>
-      <p:par>
-        <p:cTn id="1" dur="indefinite" restart="never" nodeType="tmRoot"/>
-      </p:par>
-    </p:tnLst>
-  </p:timing>
-</p:sld>
-</file>
-
-<file path=ppt/slides/slide16.xml><?xml version="1.0" encoding="utf-8"?>
-<p:sld xmlns:a="http://schemas.openxmlformats.org/drawingml/2006/main" xmlns:r="http://schemas.openxmlformats.org/officeDocument/2006/relationships" xmlns:p="http://schemas.openxmlformats.org/presentationml/2006/main">
-  <p:cSld>
-    <p:spTree>
-      <p:nvGrpSpPr>
-        <p:cNvPr id="1" name=""/>
-        <p:cNvGrpSpPr/>
-        <p:nvPr/>
-      </p:nvGrpSpPr>
-      <p:grpSpPr>
-        <a:xfrm>
-          <a:off x="0" y="0"/>
-          <a:ext cx="0" cy="0"/>
-          <a:chOff x="0" y="0"/>
-          <a:chExt cx="0" cy="0"/>
-        </a:xfrm>
-      </p:grpSpPr>
-      <p:sp>
-        <p:nvSpPr>
-          <p:cNvPr id="2" name="Titre 1"/>
-          <p:cNvSpPr>
-            <a:spLocks noGrp="1"/>
-          </p:cNvSpPr>
-          <p:nvPr>
-            <p:ph type="title"/>
-          </p:nvPr>
-        </p:nvSpPr>
-        <p:spPr/>
-        <p:txBody>
-          <a:bodyPr/>
-          <a:lstStyle/>
-          <a:p>
-            <a:endParaRPr lang="fr-FR" noProof="1"/>
-          </a:p>
-        </p:txBody>
-      </p:sp>
-      <p:sp>
-        <p:nvSpPr>
-          <p:cNvPr id="3" name="Espace réservé de l'image 2"/>
-          <p:cNvSpPr>
-            <a:spLocks noGrp="1"/>
-          </p:cNvSpPr>
-          <p:nvPr>
-            <p:ph type="pic" idx="1"/>
-          </p:nvPr>
-        </p:nvSpPr>
-        <p:spPr/>
-      </p:sp>
-      <p:sp>
-        <p:nvSpPr>
-          <p:cNvPr id="4" name="Espace réservé du texte 3"/>
-          <p:cNvSpPr>
-            <a:spLocks noGrp="1"/>
-          </p:cNvSpPr>
-          <p:nvPr>
-            <p:ph type="body" sz="half" idx="2"/>
-          </p:nvPr>
-        </p:nvSpPr>
-        <p:spPr/>
-        <p:txBody>
-          <a:bodyPr/>
-          <a:lstStyle/>
-          <a:p>
-            <a:endParaRPr lang="fr-FR" noProof="1"/>
-          </a:p>
-        </p:txBody>
-      </p:sp>
-    </p:spTree>
-    <p:extLst>
-      <p:ext uri="{BB962C8B-B14F-4D97-AF65-F5344CB8AC3E}">
-        <p14:creationId xmlns:p14="http://schemas.microsoft.com/office/powerpoint/2010/main" val="3049232890"/>
       </p:ext>
     </p:extLst>
   </p:cSld>
@@ -12445,6 +12951,105 @@
     <p:extLst>
       <p:ext uri="{BB962C8B-B14F-4D97-AF65-F5344CB8AC3E}">
         <p14:creationId xmlns:p14="http://schemas.microsoft.com/office/powerpoint/2010/main" val="4100452288"/>
+      </p:ext>
+    </p:extLst>
+  </p:cSld>
+  <p:clrMapOvr>
+    <a:masterClrMapping/>
+  </p:clrMapOvr>
+  <mc:AlternateContent xmlns:mc="http://schemas.openxmlformats.org/markup-compatibility/2006" xmlns:p14="http://schemas.microsoft.com/office/powerpoint/2010/main">
+    <mc:Choice Requires="p14">
+      <p:transition spd="med" p14:dur="700">
+        <p:fade/>
+      </p:transition>
+    </mc:Choice>
+    <mc:Fallback xmlns="">
+      <p:transition spd="med">
+        <p:fade/>
+      </p:transition>
+    </mc:Fallback>
+  </mc:AlternateContent>
+  <p:timing>
+    <p:tnLst>
+      <p:par>
+        <p:cTn id="1" dur="indefinite" restart="never" nodeType="tmRoot"/>
+      </p:par>
+    </p:tnLst>
+  </p:timing>
+</p:sld>
+</file>
+
+<file path=ppt/slides/slide20.xml><?xml version="1.0" encoding="utf-8"?>
+<p:sld xmlns:a="http://schemas.openxmlformats.org/drawingml/2006/main" xmlns:r="http://schemas.openxmlformats.org/officeDocument/2006/relationships" xmlns:p="http://schemas.openxmlformats.org/presentationml/2006/main">
+  <p:cSld>
+    <p:spTree>
+      <p:nvGrpSpPr>
+        <p:cNvPr id="1" name=""/>
+        <p:cNvGrpSpPr/>
+        <p:nvPr/>
+      </p:nvGrpSpPr>
+      <p:grpSpPr>
+        <a:xfrm>
+          <a:off x="0" y="0"/>
+          <a:ext cx="0" cy="0"/>
+          <a:chOff x="0" y="0"/>
+          <a:chExt cx="0" cy="0"/>
+        </a:xfrm>
+      </p:grpSpPr>
+      <p:sp>
+        <p:nvSpPr>
+          <p:cNvPr id="2" name="Titre 1"/>
+          <p:cNvSpPr>
+            <a:spLocks noGrp="1"/>
+          </p:cNvSpPr>
+          <p:nvPr>
+            <p:ph type="title"/>
+          </p:nvPr>
+        </p:nvSpPr>
+        <p:spPr/>
+        <p:txBody>
+          <a:bodyPr/>
+          <a:lstStyle/>
+          <a:p>
+            <a:endParaRPr lang="fr-FR" noProof="1"/>
+          </a:p>
+        </p:txBody>
+      </p:sp>
+      <p:sp>
+        <p:nvSpPr>
+          <p:cNvPr id="3" name="Espace réservé de l'image 2"/>
+          <p:cNvSpPr>
+            <a:spLocks noGrp="1"/>
+          </p:cNvSpPr>
+          <p:nvPr>
+            <p:ph type="pic" idx="1"/>
+          </p:nvPr>
+        </p:nvSpPr>
+        <p:spPr/>
+      </p:sp>
+      <p:sp>
+        <p:nvSpPr>
+          <p:cNvPr id="4" name="Espace réservé du texte 3"/>
+          <p:cNvSpPr>
+            <a:spLocks noGrp="1"/>
+          </p:cNvSpPr>
+          <p:nvPr>
+            <p:ph type="body" sz="half" idx="2"/>
+          </p:nvPr>
+        </p:nvSpPr>
+        <p:spPr/>
+        <p:txBody>
+          <a:bodyPr/>
+          <a:lstStyle/>
+          <a:p>
+            <a:endParaRPr lang="fr-FR" noProof="1"/>
+          </a:p>
+        </p:txBody>
+      </p:sp>
+    </p:spTree>
+    <p:extLst>
+      <p:ext uri="{BB962C8B-B14F-4D97-AF65-F5344CB8AC3E}">
+        <p14:creationId xmlns:p14="http://schemas.microsoft.com/office/powerpoint/2010/main" val="3049232890"/>
       </p:ext>
     </p:extLst>
   </p:cSld>
@@ -12676,7 +13281,12 @@
             <p:ph type="title"/>
           </p:nvPr>
         </p:nvSpPr>
-        <p:spPr/>
+        <p:spPr>
+          <a:xfrm>
+            <a:off x="1066800" y="1828800"/>
+            <a:ext cx="7981528" cy="3177380"/>
+          </a:xfrm>
+        </p:spPr>
         <p:txBody>
           <a:bodyPr/>
           <a:lstStyle/>
@@ -12828,6 +13438,10 @@
               <a:t>L’historique : </a:t>
             </a:r>
             <a:r>
+              <a:rPr lang="fr-FR" dirty="0" smtClean="0"/>
+              <a:t>le </a:t>
+            </a:r>
+            <a:r>
               <a:rPr lang="fr-FR" dirty="0" err="1" smtClean="0"/>
               <a:t>périodogramme</a:t>
             </a:r>
@@ -12842,8 +13456,12 @@
               </a:buClr>
             </a:pPr>
             <a:r>
+              <a:rPr lang="fr-FR" dirty="0" smtClean="0"/>
+              <a:t>Le </a:t>
+            </a:r>
+            <a:r>
               <a:rPr lang="fr-FR" dirty="0" err="1" smtClean="0"/>
-              <a:t>Corrélogramme</a:t>
+              <a:t>corrélogramme</a:t>
             </a:r>
             <a:endParaRPr lang="fr-FR" dirty="0"/>
           </a:p>
@@ -12857,7 +13475,7 @@
             </a:pPr>
             <a:r>
               <a:rPr lang="fr-FR" dirty="0" smtClean="0"/>
-              <a:t>Transformée de Fourier</a:t>
+              <a:t>La transformée de Fourier</a:t>
             </a:r>
             <a:endParaRPr lang="fr-FR" dirty="0"/>
           </a:p>
@@ -13765,97 +14383,464 @@
           <a:lstStyle/>
           <a:p>
             <a:r>
-              <a:rPr lang="fr-FR" dirty="0" smtClean="0"/>
+              <a:rPr lang="fr-FR" dirty="0"/>
               <a:t>L’historique : </a:t>
             </a:r>
             <a:r>
-              <a:rPr lang="fr-FR" dirty="0" err="1" smtClean="0"/>
+              <a:rPr lang="fr-FR" dirty="0" err="1"/>
               <a:t>périodogramme</a:t>
             </a:r>
             <a:endParaRPr lang="fr-FR" dirty="0"/>
           </a:p>
         </p:txBody>
       </p:sp>
-      <p:sp>
-        <p:nvSpPr>
-          <p:cNvPr id="3" name="Espace réservé du contenu 2"/>
-          <p:cNvSpPr>
-            <a:spLocks noGrp="1"/>
-          </p:cNvSpPr>
-          <p:nvPr>
-            <p:ph sz="half" idx="1"/>
-          </p:nvPr>
-        </p:nvSpPr>
-        <p:spPr/>
-        <p:txBody>
-          <a:bodyPr>
-            <a:normAutofit/>
-          </a:bodyPr>
-          <a:lstStyle/>
-          <a:p>
-            <a:pPr>
-              <a:buClr>
-                <a:schemeClr val="tx1">
-                  <a:lumMod val="75000"/>
-                </a:schemeClr>
-              </a:buClr>
-            </a:pPr>
-            <a:r>
-              <a:rPr lang="fr-FR" dirty="0"/>
-              <a:t>Texte de la première puce ici</a:t>
-            </a:r>
-          </a:p>
-          <a:p>
-            <a:pPr>
-              <a:buClr>
-                <a:schemeClr val="tx1">
-                  <a:lumMod val="75000"/>
-                </a:schemeClr>
-              </a:buClr>
-            </a:pPr>
-            <a:r>
-              <a:rPr lang="fr-FR" dirty="0"/>
-              <a:t>Texte de la deuxième puce ici</a:t>
-            </a:r>
-          </a:p>
-          <a:p>
-            <a:pPr>
-              <a:buClr>
-                <a:schemeClr val="tx1">
-                  <a:lumMod val="75000"/>
-                </a:schemeClr>
-              </a:buClr>
-            </a:pPr>
-            <a:r>
-              <a:rPr lang="fr-FR" dirty="0"/>
-              <a:t>Texte de la troisième puce ici</a:t>
-            </a:r>
-          </a:p>
-        </p:txBody>
-      </p:sp>
-      <p:sp>
-        <p:nvSpPr>
-          <p:cNvPr id="4" name="Espace réservé du contenu 3"/>
-          <p:cNvSpPr>
-            <a:spLocks noGrp="1"/>
-          </p:cNvSpPr>
-          <p:nvPr>
-            <p:ph sz="half" idx="2"/>
-          </p:nvPr>
-        </p:nvSpPr>
-        <p:spPr/>
-        <p:txBody>
-          <a:bodyPr/>
-          <a:lstStyle/>
-          <a:p>
-            <a:endParaRPr lang="fr-FR"/>
-          </a:p>
-        </p:txBody>
-      </p:sp>
+      <mc:AlternateContent xmlns:mc="http://schemas.openxmlformats.org/markup-compatibility/2006">
+        <mc:Choice xmlns:a14="http://schemas.microsoft.com/office/drawing/2010/main" Requires="a14">
+          <p:sp>
+            <p:nvSpPr>
+              <p:cNvPr id="3" name="Espace réservé du contenu 2"/>
+              <p:cNvSpPr>
+                <a:spLocks noGrp="1"/>
+              </p:cNvSpPr>
+              <p:nvPr>
+                <p:ph idx="1"/>
+              </p:nvPr>
+            </p:nvSpPr>
+            <p:spPr/>
+            <p:txBody>
+              <a:bodyPr>
+                <a:normAutofit/>
+              </a:bodyPr>
+              <a:lstStyle/>
+              <a:p>
+                <a:pPr>
+                  <a:buClr>
+                    <a:schemeClr val="tx1">
+                      <a:lumMod val="75000"/>
+                    </a:schemeClr>
+                  </a:buClr>
+                </a:pPr>
+                <a:r>
+                  <a:rPr lang="fr-FR" dirty="0" smtClean="0"/>
+                  <a:t>Un estimateur de la DSP</a:t>
+                </a:r>
+              </a:p>
+              <a:p>
+                <a:pPr marL="0" indent="0">
+                  <a:buClr>
+                    <a:schemeClr val="tx1">
+                      <a:lumMod val="75000"/>
+                    </a:schemeClr>
+                  </a:buClr>
+                  <a:buNone/>
+                </a:pPr>
+                <a14:m>
+                  <m:oMathPara xmlns:m="http://schemas.openxmlformats.org/officeDocument/2006/math">
+                    <m:oMathParaPr>
+                      <m:jc m:val="centerGroup"/>
+                    </m:oMathParaPr>
+                    <m:oMath xmlns:m="http://schemas.openxmlformats.org/officeDocument/2006/math">
+                      <m:sSub>
+                        <m:sSubPr>
+                          <m:ctrlPr>
+                            <a:rPr lang="fr-FR" i="1">
+                              <a:latin typeface="Cambria Math" panose="02040503050406030204" pitchFamily="18" charset="0"/>
+                            </a:rPr>
+                          </m:ctrlPr>
+                        </m:sSubPr>
+                        <m:e>
+                          <m:acc>
+                            <m:accPr>
+                              <m:chr m:val="̂"/>
+                              <m:ctrlPr>
+                                <a:rPr lang="fr-FR" i="1">
+                                  <a:latin typeface="Cambria Math" panose="02040503050406030204" pitchFamily="18" charset="0"/>
+                                </a:rPr>
+                              </m:ctrlPr>
+                            </m:accPr>
+                            <m:e>
+                              <m:r>
+                                <a:rPr lang="fr-FR" i="1">
+                                  <a:latin typeface="Cambria Math" panose="02040503050406030204" pitchFamily="18" charset="0"/>
+                                </a:rPr>
+                                <m:t>𝑆</m:t>
+                              </m:r>
+                            </m:e>
+                          </m:acc>
+                        </m:e>
+                        <m:sub>
+                          <m:r>
+                            <a:rPr lang="fr-FR" i="1">
+                              <a:latin typeface="Cambria Math" panose="02040503050406030204" pitchFamily="18" charset="0"/>
+                            </a:rPr>
+                            <m:t>𝑃</m:t>
+                          </m:r>
+                          <m:r>
+                            <a:rPr lang="fr-FR" i="1">
+                              <a:latin typeface="Cambria Math" panose="02040503050406030204" pitchFamily="18" charset="0"/>
+                            </a:rPr>
+                            <m:t>é</m:t>
+                          </m:r>
+                          <m:r>
+                            <a:rPr lang="fr-FR" i="1">
+                              <a:latin typeface="Cambria Math" panose="02040503050406030204" pitchFamily="18" charset="0"/>
+                            </a:rPr>
+                            <m:t>𝑟𝑖𝑜</m:t>
+                          </m:r>
+                        </m:sub>
+                      </m:sSub>
+                      <m:d>
+                        <m:dPr>
+                          <m:ctrlPr>
+                            <a:rPr lang="fr-FR" i="1">
+                              <a:latin typeface="Cambria Math" panose="02040503050406030204" pitchFamily="18" charset="0"/>
+                            </a:rPr>
+                          </m:ctrlPr>
+                        </m:dPr>
+                        <m:e>
+                          <m:r>
+                            <m:rPr>
+                              <m:sty m:val="p"/>
+                            </m:rPr>
+                            <a:rPr lang="fr-FR">
+                              <a:latin typeface="Cambria Math" panose="02040503050406030204" pitchFamily="18" charset="0"/>
+                            </a:rPr>
+                            <m:t>f</m:t>
+                          </m:r>
+                        </m:e>
+                      </m:d>
+                      <m:r>
+                        <a:rPr lang="fr-FR">
+                          <a:latin typeface="Cambria Math" panose="02040503050406030204" pitchFamily="18" charset="0"/>
+                        </a:rPr>
+                        <m:t>=</m:t>
+                      </m:r>
+                      <m:f>
+                        <m:fPr>
+                          <m:ctrlPr>
+                            <a:rPr lang="fr-FR" i="1">
+                              <a:latin typeface="Cambria Math" panose="02040503050406030204" pitchFamily="18" charset="0"/>
+                            </a:rPr>
+                          </m:ctrlPr>
+                        </m:fPr>
+                        <m:num>
+                          <m:r>
+                            <a:rPr lang="fr-FR" i="1">
+                              <a:latin typeface="Cambria Math" panose="02040503050406030204" pitchFamily="18" charset="0"/>
+                            </a:rPr>
+                            <m:t>1</m:t>
+                          </m:r>
+                        </m:num>
+                        <m:den>
+                          <m:r>
+                            <a:rPr lang="fr-FR" i="1">
+                              <a:latin typeface="Cambria Math" panose="02040503050406030204" pitchFamily="18" charset="0"/>
+                            </a:rPr>
+                            <m:t>𝑁</m:t>
+                          </m:r>
+                          <m:sSub>
+                            <m:sSubPr>
+                              <m:ctrlPr>
+                                <a:rPr lang="fr-FR" i="1">
+                                  <a:latin typeface="Cambria Math" panose="02040503050406030204" pitchFamily="18" charset="0"/>
+                                </a:rPr>
+                              </m:ctrlPr>
+                            </m:sSubPr>
+                            <m:e>
+                              <m:r>
+                                <a:rPr lang="fr-FR" i="1">
+                                  <a:latin typeface="Cambria Math" panose="02040503050406030204" pitchFamily="18" charset="0"/>
+                                </a:rPr>
+                                <m:t>𝑇</m:t>
+                              </m:r>
+                            </m:e>
+                            <m:sub>
+                              <m:r>
+                                <a:rPr lang="fr-FR" i="1">
+                                  <a:latin typeface="Cambria Math" panose="02040503050406030204" pitchFamily="18" charset="0"/>
+                                </a:rPr>
+                                <m:t>𝑒</m:t>
+                              </m:r>
+                            </m:sub>
+                          </m:sSub>
+                        </m:den>
+                      </m:f>
+                      <m:sSup>
+                        <m:sSupPr>
+                          <m:ctrlPr>
+                            <a:rPr lang="fr-FR" i="1">
+                              <a:latin typeface="Cambria Math" panose="02040503050406030204" pitchFamily="18" charset="0"/>
+                            </a:rPr>
+                          </m:ctrlPr>
+                        </m:sSupPr>
+                        <m:e>
+                          <m:d>
+                            <m:dPr>
+                              <m:begChr m:val="|"/>
+                              <m:endChr m:val="|"/>
+                              <m:ctrlPr>
+                                <a:rPr lang="fr-FR" i="1">
+                                  <a:latin typeface="Cambria Math" panose="02040503050406030204" pitchFamily="18" charset="0"/>
+                                </a:rPr>
+                              </m:ctrlPr>
+                            </m:dPr>
+                            <m:e>
+                              <m:sSub>
+                                <m:sSubPr>
+                                  <m:ctrlPr>
+                                    <a:rPr lang="fr-FR" i="1">
+                                      <a:latin typeface="Cambria Math" panose="02040503050406030204" pitchFamily="18" charset="0"/>
+                                    </a:rPr>
+                                  </m:ctrlPr>
+                                </m:sSubPr>
+                                <m:e>
+                                  <m:r>
+                                    <a:rPr lang="fr-FR" i="1">
+                                      <a:latin typeface="Cambria Math" panose="02040503050406030204" pitchFamily="18" charset="0"/>
+                                    </a:rPr>
+                                    <m:t>𝑇</m:t>
+                                  </m:r>
+                                </m:e>
+                                <m:sub>
+                                  <m:r>
+                                    <a:rPr lang="fr-FR" i="1">
+                                      <a:latin typeface="Cambria Math" panose="02040503050406030204" pitchFamily="18" charset="0"/>
+                                    </a:rPr>
+                                    <m:t>𝑒</m:t>
+                                  </m:r>
+                                </m:sub>
+                              </m:sSub>
+                              <m:nary>
+                                <m:naryPr>
+                                  <m:chr m:val="∑"/>
+                                  <m:ctrlPr>
+                                    <a:rPr lang="fr-FR" i="1">
+                                      <a:latin typeface="Cambria Math" panose="02040503050406030204" pitchFamily="18" charset="0"/>
+                                    </a:rPr>
+                                  </m:ctrlPr>
+                                </m:naryPr>
+                                <m:sub>
+                                  <m:r>
+                                    <m:rPr>
+                                      <m:brk m:alnAt="23"/>
+                                    </m:rPr>
+                                    <a:rPr lang="fr-FR" i="1">
+                                      <a:latin typeface="Cambria Math" panose="02040503050406030204" pitchFamily="18" charset="0"/>
+                                    </a:rPr>
+                                    <m:t>𝑘</m:t>
+                                  </m:r>
+                                  <m:r>
+                                    <a:rPr lang="fr-FR" i="1">
+                                      <a:latin typeface="Cambria Math" panose="02040503050406030204" pitchFamily="18" charset="0"/>
+                                    </a:rPr>
+                                    <m:t>=0</m:t>
+                                  </m:r>
+                                </m:sub>
+                                <m:sup>
+                                  <m:r>
+                                    <a:rPr lang="fr-FR" i="1">
+                                      <a:latin typeface="Cambria Math" panose="02040503050406030204" pitchFamily="18" charset="0"/>
+                                    </a:rPr>
+                                    <m:t>𝑁</m:t>
+                                  </m:r>
+                                  <m:r>
+                                    <a:rPr lang="fr-FR" i="1">
+                                      <a:latin typeface="Cambria Math" panose="02040503050406030204" pitchFamily="18" charset="0"/>
+                                    </a:rPr>
+                                    <m:t>−1</m:t>
+                                  </m:r>
+                                </m:sup>
+                                <m:e>
+                                  <m:sSub>
+                                    <m:sSubPr>
+                                      <m:ctrlPr>
+                                        <a:rPr lang="fr-FR" i="1">
+                                          <a:latin typeface="Cambria Math" panose="02040503050406030204" pitchFamily="18" charset="0"/>
+                                        </a:rPr>
+                                      </m:ctrlPr>
+                                    </m:sSubPr>
+                                    <m:e>
+                                      <m:r>
+                                        <a:rPr lang="fr-FR" i="1">
+                                          <a:latin typeface="Cambria Math" panose="02040503050406030204" pitchFamily="18" charset="0"/>
+                                        </a:rPr>
+                                        <m:t>𝑥</m:t>
+                                      </m:r>
+                                    </m:e>
+                                    <m:sub>
+                                      <m:r>
+                                        <a:rPr lang="fr-FR" i="1">
+                                          <a:latin typeface="Cambria Math" panose="02040503050406030204" pitchFamily="18" charset="0"/>
+                                        </a:rPr>
+                                        <m:t>𝑘</m:t>
+                                      </m:r>
+                                    </m:sub>
+                                  </m:sSub>
+                                  <m:r>
+                                    <a:rPr lang="fr-FR" i="1">
+                                      <a:latin typeface="Cambria Math" panose="02040503050406030204" pitchFamily="18" charset="0"/>
+                                      <a:ea typeface="Cambria Math" panose="02040503050406030204" pitchFamily="18" charset="0"/>
+                                    </a:rPr>
+                                    <m:t>∙</m:t>
+                                  </m:r>
+                                  <m:sSup>
+                                    <m:sSupPr>
+                                      <m:ctrlPr>
+                                        <a:rPr lang="fr-FR" i="1">
+                                          <a:latin typeface="Cambria Math" panose="02040503050406030204" pitchFamily="18" charset="0"/>
+                                          <a:ea typeface="Cambria Math" panose="02040503050406030204" pitchFamily="18" charset="0"/>
+                                        </a:rPr>
+                                      </m:ctrlPr>
+                                    </m:sSupPr>
+                                    <m:e>
+                                      <m:r>
+                                        <a:rPr lang="fr-FR" i="1">
+                                          <a:latin typeface="Cambria Math" panose="02040503050406030204" pitchFamily="18" charset="0"/>
+                                          <a:ea typeface="Cambria Math" panose="02040503050406030204" pitchFamily="18" charset="0"/>
+                                        </a:rPr>
+                                        <m:t>𝑒</m:t>
+                                      </m:r>
+                                    </m:e>
+                                    <m:sup>
+                                      <m:r>
+                                        <a:rPr lang="fr-FR" i="1">
+                                          <a:latin typeface="Cambria Math" panose="02040503050406030204" pitchFamily="18" charset="0"/>
+                                          <a:ea typeface="Cambria Math" panose="02040503050406030204" pitchFamily="18" charset="0"/>
+                                        </a:rPr>
+                                        <m:t>−</m:t>
+                                      </m:r>
+                                      <m:r>
+                                        <a:rPr lang="fr-FR" i="1">
+                                          <a:latin typeface="Cambria Math" panose="02040503050406030204" pitchFamily="18" charset="0"/>
+                                          <a:ea typeface="Cambria Math" panose="02040503050406030204" pitchFamily="18" charset="0"/>
+                                        </a:rPr>
+                                        <m:t>𝑗</m:t>
+                                      </m:r>
+                                      <m:r>
+                                        <a:rPr lang="fr-FR" i="1">
+                                          <a:latin typeface="Cambria Math" panose="02040503050406030204" pitchFamily="18" charset="0"/>
+                                          <a:ea typeface="Cambria Math" panose="02040503050406030204" pitchFamily="18" charset="0"/>
+                                        </a:rPr>
+                                        <m:t>2</m:t>
+                                      </m:r>
+                                      <m:r>
+                                        <a:rPr lang="fr-FR" i="1">
+                                          <a:latin typeface="Cambria Math" panose="02040503050406030204" pitchFamily="18" charset="0"/>
+                                          <a:ea typeface="Cambria Math" panose="02040503050406030204" pitchFamily="18" charset="0"/>
+                                        </a:rPr>
+                                        <m:t>𝜋</m:t>
+                                      </m:r>
+                                      <m:r>
+                                        <a:rPr lang="fr-FR" i="1">
+                                          <a:latin typeface="Cambria Math" panose="02040503050406030204" pitchFamily="18" charset="0"/>
+                                          <a:ea typeface="Cambria Math" panose="02040503050406030204" pitchFamily="18" charset="0"/>
+                                        </a:rPr>
+                                        <m:t>𝑓𝑘</m:t>
+                                      </m:r>
+                                      <m:sSub>
+                                        <m:sSubPr>
+                                          <m:ctrlPr>
+                                            <a:rPr lang="fr-FR" i="1">
+                                              <a:latin typeface="Cambria Math" panose="02040503050406030204" pitchFamily="18" charset="0"/>
+                                              <a:ea typeface="Cambria Math" panose="02040503050406030204" pitchFamily="18" charset="0"/>
+                                            </a:rPr>
+                                          </m:ctrlPr>
+                                        </m:sSubPr>
+                                        <m:e>
+                                          <m:r>
+                                            <a:rPr lang="fr-FR" i="1">
+                                              <a:latin typeface="Cambria Math" panose="02040503050406030204" pitchFamily="18" charset="0"/>
+                                              <a:ea typeface="Cambria Math" panose="02040503050406030204" pitchFamily="18" charset="0"/>
+                                            </a:rPr>
+                                            <m:t>𝑇</m:t>
+                                          </m:r>
+                                        </m:e>
+                                        <m:sub>
+                                          <m:r>
+                                            <a:rPr lang="fr-FR" i="1">
+                                              <a:latin typeface="Cambria Math" panose="02040503050406030204" pitchFamily="18" charset="0"/>
+                                              <a:ea typeface="Cambria Math" panose="02040503050406030204" pitchFamily="18" charset="0"/>
+                                            </a:rPr>
+                                            <m:t>𝑒</m:t>
+                                          </m:r>
+                                        </m:sub>
+                                      </m:sSub>
+                                    </m:sup>
+                                  </m:sSup>
+                                </m:e>
+                              </m:nary>
+                            </m:e>
+                          </m:d>
+                        </m:e>
+                        <m:sup>
+                          <m:r>
+                            <a:rPr lang="fr-FR" i="1">
+                              <a:latin typeface="Cambria Math" panose="02040503050406030204" pitchFamily="18" charset="0"/>
+                            </a:rPr>
+                            <m:t>2</m:t>
+                          </m:r>
+                        </m:sup>
+                      </m:sSup>
+                    </m:oMath>
+                  </m:oMathPara>
+                </a14:m>
+                <a:endParaRPr lang="fr-FR" dirty="0" smtClean="0"/>
+              </a:p>
+              <a:p>
+                <a:pPr>
+                  <a:buClr>
+                    <a:schemeClr val="tx1">
+                      <a:lumMod val="75000"/>
+                    </a:schemeClr>
+                  </a:buClr>
+                </a:pPr>
+                <a:r>
+                  <a:rPr lang="fr-FR" dirty="0" smtClean="0"/>
+                  <a:t>Estimateur biaisé</a:t>
+                </a:r>
+                <a:endParaRPr lang="fr-FR" dirty="0" smtClean="0"/>
+              </a:p>
+            </p:txBody>
+          </p:sp>
+        </mc:Choice>
+        <mc:Fallback>
+          <p:sp>
+            <p:nvSpPr>
+              <p:cNvPr id="3" name="Espace réservé du contenu 2"/>
+              <p:cNvSpPr>
+                <a:spLocks noGrp="1" noRot="1" noChangeAspect="1" noMove="1" noResize="1" noEditPoints="1" noAdjustHandles="1" noChangeArrowheads="1" noChangeShapeType="1" noTextEdit="1"/>
+              </p:cNvSpPr>
+              <p:nvPr>
+                <p:ph idx="1"/>
+              </p:nvPr>
+            </p:nvSpPr>
+            <p:spPr>
+              <a:blipFill rotWithShape="0">
+                <a:blip r:embed="rId2"/>
+                <a:stretch>
+                  <a:fillRect l="-467" t="-1733"/>
+                </a:stretch>
+              </a:blipFill>
+            </p:spPr>
+            <p:txBody>
+              <a:bodyPr/>
+              <a:lstStyle/>
+              <a:p>
+                <a:r>
+                  <a:rPr lang="fr-FR">
+                    <a:noFill/>
+                  </a:rPr>
+                  <a:t> </a:t>
+                </a:r>
+              </a:p>
+            </p:txBody>
+          </p:sp>
+        </mc:Fallback>
+      </mc:AlternateContent>
     </p:spTree>
     <p:extLst>
       <p:ext uri="{BB962C8B-B14F-4D97-AF65-F5344CB8AC3E}">
-        <p14:creationId xmlns:p14="http://schemas.microsoft.com/office/powerpoint/2010/main" val="1121995702"/>
+        <p14:creationId xmlns:p14="http://schemas.microsoft.com/office/powerpoint/2010/main" val="4220192573"/>
       </p:ext>
     </p:extLst>
   </p:cSld>
@@ -13920,147 +14905,651 @@
           <a:p>
             <a:r>
               <a:rPr lang="fr-FR" dirty="0" smtClean="0"/>
-              <a:t>Analyse </a:t>
+              <a:t>Le </a:t>
             </a:r>
             <a:r>
               <a:rPr lang="fr-FR" dirty="0" err="1" smtClean="0"/>
-              <a:t>parametrique</a:t>
+              <a:t>corrélogramme</a:t>
             </a:r>
             <a:endParaRPr lang="fr-FR" dirty="0"/>
           </a:p>
         </p:txBody>
       </p:sp>
-      <p:sp>
-        <p:nvSpPr>
-          <p:cNvPr id="3" name="Espace réservé du contenu 2"/>
-          <p:cNvSpPr>
-            <a:spLocks noGrp="1"/>
-          </p:cNvSpPr>
-          <p:nvPr>
-            <p:ph idx="1"/>
-          </p:nvPr>
-        </p:nvSpPr>
-        <p:spPr/>
-        <p:txBody>
-          <a:bodyPr/>
-          <a:lstStyle/>
-          <a:p>
-            <a:r>
-              <a:rPr lang="fr-FR" dirty="0" smtClean="0"/>
-              <a:t>Algorithme de </a:t>
-            </a:r>
-            <a:r>
-              <a:rPr lang="fr-FR" dirty="0" err="1" smtClean="0"/>
-              <a:t>Levinson-Durbin</a:t>
-            </a:r>
-            <a:r>
-              <a:rPr lang="fr-FR" dirty="0" smtClean="0"/>
-              <a:t> :</a:t>
-            </a:r>
-            <a:endParaRPr lang="fr-FR" dirty="0"/>
-          </a:p>
-        </p:txBody>
-      </p:sp>
-      <p:sp>
-        <p:nvSpPr>
-          <p:cNvPr id="4" name="Flèche droite 3"/>
-          <p:cNvSpPr/>
-          <p:nvPr/>
-        </p:nvSpPr>
-        <p:spPr>
-          <a:xfrm>
-            <a:off x="1487488" y="2852936"/>
-            <a:ext cx="1080120" cy="288032"/>
-          </a:xfrm>
-          <a:prstGeom prst="rightArrow">
-            <a:avLst/>
-          </a:prstGeom>
-        </p:spPr>
-        <p:style>
-          <a:lnRef idx="2">
-            <a:schemeClr val="accent1">
-              <a:shade val="50000"/>
-            </a:schemeClr>
-          </a:lnRef>
-          <a:fillRef idx="1">
-            <a:schemeClr val="accent1"/>
-          </a:fillRef>
-          <a:effectRef idx="0">
-            <a:schemeClr val="accent1"/>
-          </a:effectRef>
-          <a:fontRef idx="minor">
-            <a:schemeClr val="lt1"/>
-          </a:fontRef>
-        </p:style>
-        <p:txBody>
-          <a:bodyPr rtlCol="0" anchor="ctr"/>
-          <a:lstStyle/>
-          <a:p>
-            <a:pPr algn="ctr"/>
-            <a:endParaRPr lang="fr-FR"/>
-          </a:p>
-        </p:txBody>
-      </p:sp>
-      <p:sp>
-        <p:nvSpPr>
-          <p:cNvPr id="5" name="ZoneTexte 4"/>
-          <p:cNvSpPr txBox="1"/>
-          <p:nvPr/>
-        </p:nvSpPr>
-        <p:spPr>
-          <a:xfrm>
-            <a:off x="2711624" y="2812286"/>
-            <a:ext cx="2808312" cy="369332"/>
-          </a:xfrm>
-          <a:prstGeom prst="rect">
-            <a:avLst/>
-          </a:prstGeom>
-          <a:noFill/>
-        </p:spPr>
-        <p:txBody>
-          <a:bodyPr wrap="square" rtlCol="0">
-            <a:spAutoFit/>
-          </a:bodyPr>
-          <a:lstStyle/>
-          <a:p>
-            <a:r>
-              <a:rPr lang="fr-FR" dirty="0" smtClean="0"/>
-              <a:t>Calcul des coefficients AR</a:t>
-            </a:r>
-            <a:endParaRPr lang="fr-FR" dirty="0"/>
-          </a:p>
-        </p:txBody>
-      </p:sp>
-      <p:sp>
-        <p:nvSpPr>
-          <p:cNvPr id="7" name="ZoneTexte 6"/>
-          <p:cNvSpPr txBox="1"/>
-          <p:nvPr/>
-        </p:nvSpPr>
-        <p:spPr>
-          <a:xfrm>
-            <a:off x="6528048" y="2636912"/>
-            <a:ext cx="3816424" cy="1008112"/>
-          </a:xfrm>
-          <a:prstGeom prst="rect">
-            <a:avLst/>
-          </a:prstGeom>
-          <a:noFill/>
-        </p:spPr>
-        <p:txBody>
-          <a:bodyPr wrap="square" rtlCol="0">
-            <a:spAutoFit/>
-          </a:bodyPr>
-          <a:lstStyle/>
-          <a:p>
-            <a:endParaRPr lang="fr-FR" dirty="0"/>
-          </a:p>
-        </p:txBody>
-      </p:sp>
+      <mc:AlternateContent xmlns:mc="http://schemas.openxmlformats.org/markup-compatibility/2006">
+        <mc:Choice xmlns:a14="http://schemas.microsoft.com/office/drawing/2010/main" Requires="a14">
+          <p:sp>
+            <p:nvSpPr>
+              <p:cNvPr id="3" name="Espace réservé du contenu 2"/>
+              <p:cNvSpPr>
+                <a:spLocks noGrp="1"/>
+              </p:cNvSpPr>
+              <p:nvPr>
+                <p:ph idx="1"/>
+              </p:nvPr>
+            </p:nvSpPr>
+            <p:spPr/>
+            <p:txBody>
+              <a:bodyPr>
+                <a:normAutofit/>
+              </a:bodyPr>
+              <a:lstStyle/>
+              <a:p>
+                <a:pPr>
+                  <a:buClr>
+                    <a:schemeClr val="tx1">
+                      <a:lumMod val="75000"/>
+                    </a:schemeClr>
+                  </a:buClr>
+                </a:pPr>
+                <a:r>
+                  <a:rPr lang="fr-FR" dirty="0" smtClean="0"/>
+                  <a:t>On utilise un estimateur de l’autocorrélation :</a:t>
+                </a:r>
+              </a:p>
+              <a:p>
+                <a:pPr marL="0" indent="0">
+                  <a:buClr>
+                    <a:schemeClr val="tx1">
+                      <a:lumMod val="75000"/>
+                    </a:schemeClr>
+                  </a:buClr>
+                  <a:buNone/>
+                </a:pPr>
+                <a14:m>
+                  <m:oMathPara xmlns:m="http://schemas.openxmlformats.org/officeDocument/2006/math">
+                    <m:oMathParaPr>
+                      <m:jc m:val="centerGroup"/>
+                    </m:oMathParaPr>
+                    <m:oMath xmlns:m="http://schemas.openxmlformats.org/officeDocument/2006/math">
+                      <m:sSub>
+                        <m:sSubPr>
+                          <m:ctrlPr>
+                            <a:rPr lang="fr-FR" i="1">
+                              <a:latin typeface="Cambria Math" panose="02040503050406030204" pitchFamily="18" charset="0"/>
+                            </a:rPr>
+                          </m:ctrlPr>
+                        </m:sSubPr>
+                        <m:e>
+                          <m:acc>
+                            <m:accPr>
+                              <m:chr m:val="̂"/>
+                              <m:ctrlPr>
+                                <a:rPr lang="fr-FR" i="1" smtClean="0">
+                                  <a:latin typeface="Cambria Math" panose="02040503050406030204" pitchFamily="18" charset="0"/>
+                                </a:rPr>
+                              </m:ctrlPr>
+                            </m:accPr>
+                            <m:e>
+                              <m:r>
+                                <a:rPr lang="fr-FR" b="0" i="1" smtClean="0">
+                                  <a:latin typeface="Cambria Math" panose="02040503050406030204" pitchFamily="18" charset="0"/>
+                                </a:rPr>
+                                <m:t>𝑟</m:t>
+                              </m:r>
+                            </m:e>
+                          </m:acc>
+                        </m:e>
+                        <m:sub>
+                          <m:r>
+                            <a:rPr lang="fr-FR" i="1">
+                              <a:latin typeface="Cambria Math" panose="02040503050406030204" pitchFamily="18" charset="0"/>
+                            </a:rPr>
+                            <m:t>𝑘</m:t>
+                          </m:r>
+                        </m:sub>
+                      </m:sSub>
+                      <m:r>
+                        <a:rPr lang="fr-FR" i="1">
+                          <a:latin typeface="Cambria Math" panose="02040503050406030204" pitchFamily="18" charset="0"/>
+                        </a:rPr>
+                        <m:t>=</m:t>
+                      </m:r>
+                      <m:f>
+                        <m:fPr>
+                          <m:ctrlPr>
+                            <a:rPr lang="fr-FR" i="1" smtClean="0">
+                              <a:latin typeface="Cambria Math" panose="02040503050406030204" pitchFamily="18" charset="0"/>
+                            </a:rPr>
+                          </m:ctrlPr>
+                        </m:fPr>
+                        <m:num>
+                          <m:r>
+                            <a:rPr lang="fr-FR" b="0" i="1" smtClean="0">
+                              <a:latin typeface="Cambria Math" panose="02040503050406030204" pitchFamily="18" charset="0"/>
+                            </a:rPr>
+                            <m:t>1</m:t>
+                          </m:r>
+                        </m:num>
+                        <m:den>
+                          <m:r>
+                            <a:rPr lang="fr-FR" b="0" i="1" smtClean="0">
+                              <a:latin typeface="Cambria Math" panose="02040503050406030204" pitchFamily="18" charset="0"/>
+                            </a:rPr>
+                            <m:t>𝑁</m:t>
+                          </m:r>
+                        </m:den>
+                      </m:f>
+                      <m:r>
+                        <a:rPr lang="fr-FR" i="1" smtClean="0">
+                          <a:latin typeface="Cambria Math" panose="02040503050406030204" pitchFamily="18" charset="0"/>
+                          <a:ea typeface="Cambria Math" panose="02040503050406030204" pitchFamily="18" charset="0"/>
+                        </a:rPr>
+                        <m:t>∙</m:t>
+                      </m:r>
+                      <m:nary>
+                        <m:naryPr>
+                          <m:chr m:val="∑"/>
+                          <m:ctrlPr>
+                            <a:rPr lang="fr-FR" i="1">
+                              <a:latin typeface="Cambria Math" panose="02040503050406030204" pitchFamily="18" charset="0"/>
+                              <a:ea typeface="Cambria Math" panose="02040503050406030204" pitchFamily="18" charset="0"/>
+                            </a:rPr>
+                          </m:ctrlPr>
+                        </m:naryPr>
+                        <m:sub>
+                          <m:r>
+                            <m:rPr>
+                              <m:brk m:alnAt="23"/>
+                            </m:rPr>
+                            <a:rPr lang="fr-FR" i="1">
+                              <a:latin typeface="Cambria Math" panose="02040503050406030204" pitchFamily="18" charset="0"/>
+                              <a:ea typeface="Cambria Math" panose="02040503050406030204" pitchFamily="18" charset="0"/>
+                            </a:rPr>
+                            <m:t>𝑛</m:t>
+                          </m:r>
+                          <m:r>
+                            <a:rPr lang="fr-FR" i="1">
+                              <a:latin typeface="Cambria Math" panose="02040503050406030204" pitchFamily="18" charset="0"/>
+                              <a:ea typeface="Cambria Math" panose="02040503050406030204" pitchFamily="18" charset="0"/>
+                            </a:rPr>
+                            <m:t>=</m:t>
+                          </m:r>
+                          <m:r>
+                            <a:rPr lang="fr-FR" b="0" i="1" smtClean="0">
+                              <a:latin typeface="Cambria Math" panose="02040503050406030204" pitchFamily="18" charset="0"/>
+                              <a:ea typeface="Cambria Math" panose="02040503050406030204" pitchFamily="18" charset="0"/>
+                            </a:rPr>
+                            <m:t>0</m:t>
+                          </m:r>
+                        </m:sub>
+                        <m:sup>
+                          <m:r>
+                            <a:rPr lang="fr-FR" i="1">
+                              <a:latin typeface="Cambria Math" panose="02040503050406030204" pitchFamily="18" charset="0"/>
+                              <a:ea typeface="Cambria Math" panose="02040503050406030204" pitchFamily="18" charset="0"/>
+                            </a:rPr>
+                            <m:t>𝑁</m:t>
+                          </m:r>
+                          <m:r>
+                            <a:rPr lang="fr-FR" b="0" i="1" smtClean="0">
+                              <a:latin typeface="Cambria Math" panose="02040503050406030204" pitchFamily="18" charset="0"/>
+                              <a:ea typeface="Cambria Math" panose="02040503050406030204" pitchFamily="18" charset="0"/>
+                            </a:rPr>
+                            <m:t>−</m:t>
+                          </m:r>
+                          <m:d>
+                            <m:dPr>
+                              <m:begChr m:val="|"/>
+                              <m:endChr m:val="|"/>
+                              <m:ctrlPr>
+                                <a:rPr lang="fr-FR" b="0" i="1" smtClean="0">
+                                  <a:latin typeface="Cambria Math" panose="02040503050406030204" pitchFamily="18" charset="0"/>
+                                  <a:ea typeface="Cambria Math" panose="02040503050406030204" pitchFamily="18" charset="0"/>
+                                </a:rPr>
+                              </m:ctrlPr>
+                            </m:dPr>
+                            <m:e>
+                              <m:r>
+                                <a:rPr lang="fr-FR" b="0" i="1" smtClean="0">
+                                  <a:latin typeface="Cambria Math" panose="02040503050406030204" pitchFamily="18" charset="0"/>
+                                  <a:ea typeface="Cambria Math" panose="02040503050406030204" pitchFamily="18" charset="0"/>
+                                </a:rPr>
+                                <m:t>𝑘</m:t>
+                              </m:r>
+                            </m:e>
+                          </m:d>
+                          <m:r>
+                            <a:rPr lang="fr-FR" b="0" i="1" smtClean="0">
+                              <a:latin typeface="Cambria Math" panose="02040503050406030204" pitchFamily="18" charset="0"/>
+                              <a:ea typeface="Cambria Math" panose="02040503050406030204" pitchFamily="18" charset="0"/>
+                            </a:rPr>
+                            <m:t>−1</m:t>
+                          </m:r>
+                        </m:sup>
+                        <m:e>
+                          <m:sSub>
+                            <m:sSubPr>
+                              <m:ctrlPr>
+                                <a:rPr lang="fr-FR" i="1">
+                                  <a:latin typeface="Cambria Math" panose="02040503050406030204" pitchFamily="18" charset="0"/>
+                                  <a:ea typeface="Cambria Math" panose="02040503050406030204" pitchFamily="18" charset="0"/>
+                                </a:rPr>
+                              </m:ctrlPr>
+                            </m:sSubPr>
+                            <m:e>
+                              <m:r>
+                                <a:rPr lang="fr-FR" i="1">
+                                  <a:latin typeface="Cambria Math" panose="02040503050406030204" pitchFamily="18" charset="0"/>
+                                  <a:ea typeface="Cambria Math" panose="02040503050406030204" pitchFamily="18" charset="0"/>
+                                </a:rPr>
+                                <m:t>𝑥</m:t>
+                              </m:r>
+                            </m:e>
+                            <m:sub>
+                              <m:r>
+                                <a:rPr lang="fr-FR" i="1">
+                                  <a:latin typeface="Cambria Math" panose="02040503050406030204" pitchFamily="18" charset="0"/>
+                                  <a:ea typeface="Cambria Math" panose="02040503050406030204" pitchFamily="18" charset="0"/>
+                                </a:rPr>
+                                <m:t>𝑛</m:t>
+                              </m:r>
+                            </m:sub>
+                          </m:sSub>
+                          <m:sSub>
+                            <m:sSubPr>
+                              <m:ctrlPr>
+                                <a:rPr lang="fr-FR" i="1">
+                                  <a:latin typeface="Cambria Math" panose="02040503050406030204" pitchFamily="18" charset="0"/>
+                                  <a:ea typeface="Cambria Math" panose="02040503050406030204" pitchFamily="18" charset="0"/>
+                                </a:rPr>
+                              </m:ctrlPr>
+                            </m:sSubPr>
+                            <m:e>
+                              <m:r>
+                                <a:rPr lang="fr-FR" i="1">
+                                  <a:latin typeface="Cambria Math" panose="02040503050406030204" pitchFamily="18" charset="0"/>
+                                  <a:ea typeface="Cambria Math" panose="02040503050406030204" pitchFamily="18" charset="0"/>
+                                </a:rPr>
+                                <m:t>𝑥</m:t>
+                              </m:r>
+                            </m:e>
+                            <m:sub>
+                              <m:r>
+                                <a:rPr lang="fr-FR" i="1">
+                                  <a:latin typeface="Cambria Math" panose="02040503050406030204" pitchFamily="18" charset="0"/>
+                                  <a:ea typeface="Cambria Math" panose="02040503050406030204" pitchFamily="18" charset="0"/>
+                                </a:rPr>
+                                <m:t>𝑛</m:t>
+                              </m:r>
+                              <m:r>
+                                <a:rPr lang="fr-FR" b="0" i="1" smtClean="0">
+                                  <a:latin typeface="Cambria Math" panose="02040503050406030204" pitchFamily="18" charset="0"/>
+                                  <a:ea typeface="Cambria Math" panose="02040503050406030204" pitchFamily="18" charset="0"/>
+                                </a:rPr>
+                                <m:t>+</m:t>
+                              </m:r>
+                              <m:r>
+                                <a:rPr lang="fr-FR" i="1">
+                                  <a:latin typeface="Cambria Math" panose="02040503050406030204" pitchFamily="18" charset="0"/>
+                                  <a:ea typeface="Cambria Math" panose="02040503050406030204" pitchFamily="18" charset="0"/>
+                                </a:rPr>
+                                <m:t>𝑘</m:t>
+                              </m:r>
+                            </m:sub>
+                          </m:sSub>
+                        </m:e>
+                      </m:nary>
+                    </m:oMath>
+                  </m:oMathPara>
+                </a14:m>
+                <a:endParaRPr lang="fr-FR" dirty="0" smtClean="0"/>
+              </a:p>
+              <a:p>
+                <a:pPr>
+                  <a:buClr>
+                    <a:schemeClr val="tx1">
+                      <a:lumMod val="75000"/>
+                    </a:schemeClr>
+                  </a:buClr>
+                </a:pPr>
+                <a:r>
+                  <a:rPr lang="fr-FR" dirty="0"/>
+                  <a:t>Ce </a:t>
+                </a:r>
+                <a:r>
+                  <a:rPr lang="fr-FR" dirty="0" smtClean="0"/>
+                  <a:t>qui nous donne un estimateur de la DSP :</a:t>
+                </a:r>
+                <a:endParaRPr lang="fr-FR" dirty="0"/>
+              </a:p>
+              <a:p>
+                <a:pPr marL="0" indent="0">
+                  <a:buClr>
+                    <a:schemeClr val="tx1">
+                      <a:lumMod val="75000"/>
+                    </a:schemeClr>
+                  </a:buClr>
+                  <a:buNone/>
+                </a:pPr>
+                <a14:m>
+                  <m:oMathPara xmlns:m="http://schemas.openxmlformats.org/officeDocument/2006/math">
+                    <m:oMathParaPr>
+                      <m:jc m:val="centerGroup"/>
+                    </m:oMathParaPr>
+                    <m:oMath xmlns:m="http://schemas.openxmlformats.org/officeDocument/2006/math">
+                      <m:sSub>
+                        <m:sSubPr>
+                          <m:ctrlPr>
+                            <a:rPr lang="fr-FR" b="0" i="1" smtClean="0">
+                              <a:latin typeface="Cambria Math" panose="02040503050406030204" pitchFamily="18" charset="0"/>
+                            </a:rPr>
+                          </m:ctrlPr>
+                        </m:sSubPr>
+                        <m:e>
+                          <m:acc>
+                            <m:accPr>
+                              <m:chr m:val="̂"/>
+                              <m:ctrlPr>
+                                <a:rPr lang="fr-FR" b="0" i="1" smtClean="0">
+                                  <a:latin typeface="Cambria Math" panose="02040503050406030204" pitchFamily="18" charset="0"/>
+                                </a:rPr>
+                              </m:ctrlPr>
+                            </m:accPr>
+                            <m:e>
+                              <m:r>
+                                <a:rPr lang="fr-FR" b="0" i="1" smtClean="0">
+                                  <a:latin typeface="Cambria Math" panose="02040503050406030204" pitchFamily="18" charset="0"/>
+                                </a:rPr>
+                                <m:t>𝑆</m:t>
+                              </m:r>
+                            </m:e>
+                          </m:acc>
+                        </m:e>
+                        <m:sub>
+                          <m:r>
+                            <a:rPr lang="fr-FR" b="0" i="1" smtClean="0">
+                              <a:latin typeface="Cambria Math" panose="02040503050406030204" pitchFamily="18" charset="0"/>
+                            </a:rPr>
+                            <m:t>𝐶𝑜𝑟𝑟</m:t>
+                          </m:r>
+                        </m:sub>
+                      </m:sSub>
+                      <m:d>
+                        <m:dPr>
+                          <m:ctrlPr>
+                            <a:rPr lang="fr-FR" b="0" i="0" smtClean="0">
+                              <a:latin typeface="Cambria Math" panose="02040503050406030204" pitchFamily="18" charset="0"/>
+                            </a:rPr>
+                          </m:ctrlPr>
+                        </m:dPr>
+                        <m:e>
+                          <m:r>
+                            <m:rPr>
+                              <m:sty m:val="p"/>
+                            </m:rPr>
+                            <a:rPr lang="fr-FR" b="0" i="0" smtClean="0">
+                              <a:latin typeface="Cambria Math" panose="02040503050406030204" pitchFamily="18" charset="0"/>
+                            </a:rPr>
+                            <m:t>f</m:t>
+                          </m:r>
+                        </m:e>
+                      </m:d>
+                      <m:r>
+                        <a:rPr lang="fr-FR" b="0" i="0" smtClean="0">
+                          <a:latin typeface="Cambria Math" panose="02040503050406030204" pitchFamily="18" charset="0"/>
+                        </a:rPr>
+                        <m:t>=</m:t>
+                      </m:r>
+                      <m:sSub>
+                        <m:sSubPr>
+                          <m:ctrlPr>
+                            <a:rPr lang="fr-FR" i="1">
+                              <a:latin typeface="Cambria Math" panose="02040503050406030204" pitchFamily="18" charset="0"/>
+                            </a:rPr>
+                          </m:ctrlPr>
+                        </m:sSubPr>
+                        <m:e>
+                          <m:r>
+                            <a:rPr lang="fr-FR" i="1">
+                              <a:latin typeface="Cambria Math" panose="02040503050406030204" pitchFamily="18" charset="0"/>
+                            </a:rPr>
+                            <m:t>𝑇</m:t>
+                          </m:r>
+                        </m:e>
+                        <m:sub>
+                          <m:r>
+                            <a:rPr lang="fr-FR" i="1">
+                              <a:latin typeface="Cambria Math" panose="02040503050406030204" pitchFamily="18" charset="0"/>
+                            </a:rPr>
+                            <m:t>𝑒</m:t>
+                          </m:r>
+                        </m:sub>
+                      </m:sSub>
+                      <m:nary>
+                        <m:naryPr>
+                          <m:chr m:val="∑"/>
+                          <m:ctrlPr>
+                            <a:rPr lang="fr-FR" i="1">
+                              <a:latin typeface="Cambria Math" panose="02040503050406030204" pitchFamily="18" charset="0"/>
+                            </a:rPr>
+                          </m:ctrlPr>
+                        </m:naryPr>
+                        <m:sub>
+                          <m:r>
+                            <m:rPr>
+                              <m:brk m:alnAt="23"/>
+                            </m:rPr>
+                            <a:rPr lang="fr-FR" i="1">
+                              <a:latin typeface="Cambria Math" panose="02040503050406030204" pitchFamily="18" charset="0"/>
+                            </a:rPr>
+                            <m:t>𝑘</m:t>
+                          </m:r>
+                          <m:r>
+                            <a:rPr lang="fr-FR" i="1">
+                              <a:latin typeface="Cambria Math" panose="02040503050406030204" pitchFamily="18" charset="0"/>
+                            </a:rPr>
+                            <m:t>=</m:t>
+                          </m:r>
+                          <m:r>
+                            <a:rPr lang="fr-FR" b="0" i="1" smtClean="0">
+                              <a:latin typeface="Cambria Math" panose="02040503050406030204" pitchFamily="18" charset="0"/>
+                            </a:rPr>
+                            <m:t>−(</m:t>
+                          </m:r>
+                          <m:r>
+                            <a:rPr lang="fr-FR" b="0" i="1" smtClean="0">
+                              <a:latin typeface="Cambria Math" panose="02040503050406030204" pitchFamily="18" charset="0"/>
+                            </a:rPr>
+                            <m:t>𝑁</m:t>
+                          </m:r>
+                          <m:r>
+                            <a:rPr lang="fr-FR" b="0" i="1" smtClean="0">
+                              <a:latin typeface="Cambria Math" panose="02040503050406030204" pitchFamily="18" charset="0"/>
+                            </a:rPr>
+                            <m:t>−1)</m:t>
+                          </m:r>
+                        </m:sub>
+                        <m:sup>
+                          <m:r>
+                            <a:rPr lang="fr-FR" i="1">
+                              <a:latin typeface="Cambria Math" panose="02040503050406030204" pitchFamily="18" charset="0"/>
+                            </a:rPr>
+                            <m:t>𝑁</m:t>
+                          </m:r>
+                          <m:r>
+                            <a:rPr lang="fr-FR" i="1">
+                              <a:latin typeface="Cambria Math" panose="02040503050406030204" pitchFamily="18" charset="0"/>
+                            </a:rPr>
+                            <m:t>−1</m:t>
+                          </m:r>
+                        </m:sup>
+                        <m:e>
+                          <m:sSub>
+                            <m:sSubPr>
+                              <m:ctrlPr>
+                                <a:rPr lang="fr-FR" i="1">
+                                  <a:latin typeface="Cambria Math" panose="02040503050406030204" pitchFamily="18" charset="0"/>
+                                </a:rPr>
+                              </m:ctrlPr>
+                            </m:sSubPr>
+                            <m:e>
+                              <m:acc>
+                                <m:accPr>
+                                  <m:chr m:val="̂"/>
+                                  <m:ctrlPr>
+                                    <a:rPr lang="fr-FR" i="1">
+                                      <a:latin typeface="Cambria Math" panose="02040503050406030204" pitchFamily="18" charset="0"/>
+                                    </a:rPr>
+                                  </m:ctrlPr>
+                                </m:accPr>
+                                <m:e>
+                                  <m:r>
+                                    <a:rPr lang="fr-FR" i="1">
+                                      <a:latin typeface="Cambria Math" panose="02040503050406030204" pitchFamily="18" charset="0"/>
+                                    </a:rPr>
+                                    <m:t>𝑟</m:t>
+                                  </m:r>
+                                </m:e>
+                              </m:acc>
+                            </m:e>
+                            <m:sub>
+                              <m:r>
+                                <a:rPr lang="fr-FR" i="1">
+                                  <a:latin typeface="Cambria Math" panose="02040503050406030204" pitchFamily="18" charset="0"/>
+                                </a:rPr>
+                                <m:t>𝑘</m:t>
+                              </m:r>
+                            </m:sub>
+                          </m:sSub>
+                          <m:r>
+                            <a:rPr lang="fr-FR" i="1">
+                              <a:latin typeface="Cambria Math" panose="02040503050406030204" pitchFamily="18" charset="0"/>
+                              <a:ea typeface="Cambria Math" panose="02040503050406030204" pitchFamily="18" charset="0"/>
+                            </a:rPr>
+                            <m:t>∙</m:t>
+                          </m:r>
+                          <m:sSup>
+                            <m:sSupPr>
+                              <m:ctrlPr>
+                                <a:rPr lang="fr-FR" i="1">
+                                  <a:latin typeface="Cambria Math" panose="02040503050406030204" pitchFamily="18" charset="0"/>
+                                  <a:ea typeface="Cambria Math" panose="02040503050406030204" pitchFamily="18" charset="0"/>
+                                </a:rPr>
+                              </m:ctrlPr>
+                            </m:sSupPr>
+                            <m:e>
+                              <m:r>
+                                <a:rPr lang="fr-FR" i="1">
+                                  <a:latin typeface="Cambria Math" panose="02040503050406030204" pitchFamily="18" charset="0"/>
+                                  <a:ea typeface="Cambria Math" panose="02040503050406030204" pitchFamily="18" charset="0"/>
+                                </a:rPr>
+                                <m:t>𝑒</m:t>
+                              </m:r>
+                            </m:e>
+                            <m:sup>
+                              <m:r>
+                                <a:rPr lang="fr-FR" i="1">
+                                  <a:latin typeface="Cambria Math" panose="02040503050406030204" pitchFamily="18" charset="0"/>
+                                  <a:ea typeface="Cambria Math" panose="02040503050406030204" pitchFamily="18" charset="0"/>
+                                </a:rPr>
+                                <m:t>−</m:t>
+                              </m:r>
+                              <m:r>
+                                <a:rPr lang="fr-FR" i="1">
+                                  <a:latin typeface="Cambria Math" panose="02040503050406030204" pitchFamily="18" charset="0"/>
+                                  <a:ea typeface="Cambria Math" panose="02040503050406030204" pitchFamily="18" charset="0"/>
+                                </a:rPr>
+                                <m:t>𝑗</m:t>
+                              </m:r>
+                              <m:r>
+                                <a:rPr lang="fr-FR" i="1">
+                                  <a:latin typeface="Cambria Math" panose="02040503050406030204" pitchFamily="18" charset="0"/>
+                                  <a:ea typeface="Cambria Math" panose="02040503050406030204" pitchFamily="18" charset="0"/>
+                                </a:rPr>
+                                <m:t>2</m:t>
+                              </m:r>
+                              <m:r>
+                                <a:rPr lang="fr-FR" i="1">
+                                  <a:latin typeface="Cambria Math" panose="02040503050406030204" pitchFamily="18" charset="0"/>
+                                  <a:ea typeface="Cambria Math" panose="02040503050406030204" pitchFamily="18" charset="0"/>
+                                </a:rPr>
+                                <m:t>𝜋</m:t>
+                              </m:r>
+                              <m:r>
+                                <a:rPr lang="fr-FR" i="1">
+                                  <a:latin typeface="Cambria Math" panose="02040503050406030204" pitchFamily="18" charset="0"/>
+                                  <a:ea typeface="Cambria Math" panose="02040503050406030204" pitchFamily="18" charset="0"/>
+                                </a:rPr>
+                                <m:t>𝑓𝑘</m:t>
+                              </m:r>
+                              <m:sSub>
+                                <m:sSubPr>
+                                  <m:ctrlPr>
+                                    <a:rPr lang="fr-FR" i="1">
+                                      <a:latin typeface="Cambria Math" panose="02040503050406030204" pitchFamily="18" charset="0"/>
+                                      <a:ea typeface="Cambria Math" panose="02040503050406030204" pitchFamily="18" charset="0"/>
+                                    </a:rPr>
+                                  </m:ctrlPr>
+                                </m:sSubPr>
+                                <m:e>
+                                  <m:r>
+                                    <a:rPr lang="fr-FR" i="1">
+                                      <a:latin typeface="Cambria Math" panose="02040503050406030204" pitchFamily="18" charset="0"/>
+                                      <a:ea typeface="Cambria Math" panose="02040503050406030204" pitchFamily="18" charset="0"/>
+                                    </a:rPr>
+                                    <m:t>𝑇</m:t>
+                                  </m:r>
+                                </m:e>
+                                <m:sub>
+                                  <m:r>
+                                    <a:rPr lang="fr-FR" i="1">
+                                      <a:latin typeface="Cambria Math" panose="02040503050406030204" pitchFamily="18" charset="0"/>
+                                      <a:ea typeface="Cambria Math" panose="02040503050406030204" pitchFamily="18" charset="0"/>
+                                    </a:rPr>
+                                    <m:t>𝑒</m:t>
+                                  </m:r>
+                                </m:sub>
+                              </m:sSub>
+                            </m:sup>
+                          </m:sSup>
+                        </m:e>
+                      </m:nary>
+                    </m:oMath>
+                  </m:oMathPara>
+                </a14:m>
+                <a:endParaRPr lang="fr-FR" dirty="0"/>
+              </a:p>
+            </p:txBody>
+          </p:sp>
+        </mc:Choice>
+        <mc:Fallback>
+          <p:sp>
+            <p:nvSpPr>
+              <p:cNvPr id="3" name="Espace réservé du contenu 2"/>
+              <p:cNvSpPr>
+                <a:spLocks noGrp="1" noRot="1" noChangeAspect="1" noMove="1" noResize="1" noEditPoints="1" noAdjustHandles="1" noChangeArrowheads="1" noChangeShapeType="1" noTextEdit="1"/>
+              </p:cNvSpPr>
+              <p:nvPr>
+                <p:ph idx="1"/>
+              </p:nvPr>
+            </p:nvSpPr>
+            <p:spPr>
+              <a:blipFill rotWithShape="0">
+                <a:blip r:embed="rId2"/>
+                <a:stretch>
+                  <a:fillRect l="-467" t="-1733"/>
+                </a:stretch>
+              </a:blipFill>
+            </p:spPr>
+            <p:txBody>
+              <a:bodyPr/>
+              <a:lstStyle/>
+              <a:p>
+                <a:r>
+                  <a:rPr lang="fr-FR">
+                    <a:noFill/>
+                  </a:rPr>
+                  <a:t> </a:t>
+                </a:r>
+              </a:p>
+            </p:txBody>
+          </p:sp>
+        </mc:Fallback>
+      </mc:AlternateContent>
     </p:spTree>
     <p:extLst>
       <p:ext uri="{BB962C8B-B14F-4D97-AF65-F5344CB8AC3E}">
-        <p14:creationId xmlns:p14="http://schemas.microsoft.com/office/powerpoint/2010/main" val="1928620899"/>
+        <p14:creationId xmlns:p14="http://schemas.microsoft.com/office/powerpoint/2010/main" val="1087646879"/>
       </p:ext>
     </p:extLst>
   </p:cSld>
@@ -14124,92 +15613,634 @@
           <a:lstStyle/>
           <a:p>
             <a:r>
-              <a:rPr lang="fr-FR" dirty="0"/>
-              <a:t>Disposition deux contenus avec tableau</a:t>
+              <a:rPr lang="fr-FR" dirty="0" smtClean="0"/>
+              <a:t>La transformée de Fourier</a:t>
             </a:r>
+            <a:endParaRPr lang="fr-FR" dirty="0"/>
           </a:p>
         </p:txBody>
       </p:sp>
-      <p:sp>
-        <p:nvSpPr>
-          <p:cNvPr id="3" name="Espace réservé du contenu 2"/>
-          <p:cNvSpPr>
-            <a:spLocks noGrp="1"/>
-          </p:cNvSpPr>
-          <p:nvPr>
-            <p:ph sz="half" idx="1"/>
-          </p:nvPr>
-        </p:nvSpPr>
-        <p:spPr/>
-        <p:txBody>
-          <a:bodyPr>
-            <a:normAutofit/>
-          </a:bodyPr>
-          <a:lstStyle/>
-          <a:p>
-            <a:pPr>
-              <a:buClr>
-                <a:schemeClr val="tx1">
-                  <a:lumMod val="75000"/>
-                </a:schemeClr>
-              </a:buClr>
-            </a:pPr>
-            <a:r>
-              <a:rPr lang="fr-FR" dirty="0"/>
-              <a:t>Texte de la première puce ici</a:t>
-            </a:r>
-          </a:p>
-          <a:p>
-            <a:pPr>
-              <a:buClr>
-                <a:schemeClr val="tx1">
-                  <a:lumMod val="75000"/>
-                </a:schemeClr>
-              </a:buClr>
-            </a:pPr>
-            <a:r>
-              <a:rPr lang="fr-FR" dirty="0"/>
-              <a:t>Texte de la deuxième puce ici</a:t>
-            </a:r>
-          </a:p>
-          <a:p>
-            <a:pPr>
-              <a:buClr>
-                <a:schemeClr val="tx1">
-                  <a:lumMod val="75000"/>
-                </a:schemeClr>
-              </a:buClr>
-            </a:pPr>
-            <a:r>
-              <a:rPr lang="fr-FR" dirty="0"/>
-              <a:t>Texte de la troisième puce ici</a:t>
-            </a:r>
-          </a:p>
-        </p:txBody>
-      </p:sp>
-      <p:sp>
-        <p:nvSpPr>
-          <p:cNvPr id="4" name="Espace réservé du contenu 3"/>
-          <p:cNvSpPr>
-            <a:spLocks noGrp="1"/>
-          </p:cNvSpPr>
-          <p:nvPr>
-            <p:ph sz="half" idx="2"/>
-          </p:nvPr>
-        </p:nvSpPr>
-        <p:spPr/>
-        <p:txBody>
-          <a:bodyPr/>
-          <a:lstStyle/>
-          <a:p>
-            <a:endParaRPr lang="fr-FR"/>
-          </a:p>
-        </p:txBody>
-      </p:sp>
+      <mc:AlternateContent xmlns:mc="http://schemas.openxmlformats.org/markup-compatibility/2006">
+        <mc:Choice xmlns:a14="http://schemas.microsoft.com/office/drawing/2010/main" Requires="a14">
+          <p:sp>
+            <p:nvSpPr>
+              <p:cNvPr id="3" name="Espace réservé du contenu 2"/>
+              <p:cNvSpPr>
+                <a:spLocks noGrp="1"/>
+              </p:cNvSpPr>
+              <p:nvPr>
+                <p:ph idx="1"/>
+              </p:nvPr>
+            </p:nvSpPr>
+            <p:spPr/>
+            <p:txBody>
+              <a:bodyPr>
+                <a:normAutofit lnSpcReduction="10000"/>
+              </a:bodyPr>
+              <a:lstStyle/>
+              <a:p>
+                <a:pPr>
+                  <a:buClr>
+                    <a:schemeClr val="tx1">
+                      <a:lumMod val="75000"/>
+                    </a:schemeClr>
+                  </a:buClr>
+                </a:pPr>
+                <a:r>
+                  <a:rPr lang="fr-FR" dirty="0" smtClean="0"/>
+                  <a:t>Transformée de Fourier continue :</a:t>
+                </a:r>
+              </a:p>
+              <a:p>
+                <a:pPr marL="0" indent="0">
+                  <a:buClr>
+                    <a:schemeClr val="tx1">
+                      <a:lumMod val="75000"/>
+                    </a:schemeClr>
+                  </a:buClr>
+                  <a:buNone/>
+                </a:pPr>
+                <a14:m>
+                  <m:oMathPara xmlns:m="http://schemas.openxmlformats.org/officeDocument/2006/math">
+                    <m:oMathParaPr>
+                      <m:jc m:val="centerGroup"/>
+                    </m:oMathParaPr>
+                    <m:oMath xmlns:m="http://schemas.openxmlformats.org/officeDocument/2006/math">
+                      <m:r>
+                        <a:rPr lang="fr-FR" b="0" i="1" smtClean="0">
+                          <a:latin typeface="Cambria Math" panose="02040503050406030204" pitchFamily="18" charset="0"/>
+                        </a:rPr>
+                        <m:t>𝑠</m:t>
+                      </m:r>
+                      <m:d>
+                        <m:dPr>
+                          <m:ctrlPr>
+                            <a:rPr lang="fr-FR" b="0" i="1" smtClean="0">
+                              <a:latin typeface="Cambria Math" panose="02040503050406030204" pitchFamily="18" charset="0"/>
+                            </a:rPr>
+                          </m:ctrlPr>
+                        </m:dPr>
+                        <m:e>
+                          <m:r>
+                            <a:rPr lang="fr-FR" b="0" i="1" smtClean="0">
+                              <a:latin typeface="Cambria Math" panose="02040503050406030204" pitchFamily="18" charset="0"/>
+                            </a:rPr>
+                            <m:t>𝑡</m:t>
+                          </m:r>
+                        </m:e>
+                      </m:d>
+                      <m:groupChr>
+                        <m:groupChrPr>
+                          <m:chr m:val="→"/>
+                          <m:vertJc m:val="bot"/>
+                          <m:ctrlPr>
+                            <a:rPr lang="fr-FR" b="0" i="1" smtClean="0">
+                              <a:latin typeface="Cambria Math" panose="02040503050406030204" pitchFamily="18" charset="0"/>
+                            </a:rPr>
+                          </m:ctrlPr>
+                        </m:groupChrPr>
+                        <m:e>
+                          <m:r>
+                            <m:rPr>
+                              <m:brk m:alnAt="2"/>
+                            </m:rPr>
+                            <a:rPr lang="fr-FR" b="0" i="1" smtClean="0">
+                              <a:latin typeface="Cambria Math" panose="02040503050406030204" pitchFamily="18" charset="0"/>
+                            </a:rPr>
+                            <m:t>𝐹𝑇</m:t>
+                          </m:r>
+                        </m:e>
+                      </m:groupChr>
+                      <m:r>
+                        <a:rPr lang="fr-FR" b="0" i="1" smtClean="0">
+                          <a:latin typeface="Cambria Math" panose="02040503050406030204" pitchFamily="18" charset="0"/>
+                        </a:rPr>
+                        <m:t>𝑆</m:t>
+                      </m:r>
+                      <m:d>
+                        <m:dPr>
+                          <m:ctrlPr>
+                            <a:rPr lang="fr-FR" b="0" i="1" smtClean="0">
+                              <a:latin typeface="Cambria Math" panose="02040503050406030204" pitchFamily="18" charset="0"/>
+                            </a:rPr>
+                          </m:ctrlPr>
+                        </m:dPr>
+                        <m:e>
+                          <m:r>
+                            <a:rPr lang="fr-FR" b="0" i="1" smtClean="0">
+                              <a:latin typeface="Cambria Math" panose="02040503050406030204" pitchFamily="18" charset="0"/>
+                            </a:rPr>
+                            <m:t>𝑓</m:t>
+                          </m:r>
+                        </m:e>
+                      </m:d>
+                      <m:r>
+                        <a:rPr lang="fr-FR" b="0" i="1" smtClean="0">
+                          <a:latin typeface="Cambria Math" panose="02040503050406030204" pitchFamily="18" charset="0"/>
+                        </a:rPr>
+                        <m:t>=</m:t>
+                      </m:r>
+                      <m:nary>
+                        <m:naryPr>
+                          <m:limLoc m:val="undOvr"/>
+                          <m:ctrlPr>
+                            <a:rPr lang="fr-FR" b="0" i="1" smtClean="0">
+                              <a:latin typeface="Cambria Math" panose="02040503050406030204" pitchFamily="18" charset="0"/>
+                            </a:rPr>
+                          </m:ctrlPr>
+                        </m:naryPr>
+                        <m:sub>
+                          <m:r>
+                            <m:rPr>
+                              <m:brk m:alnAt="24"/>
+                            </m:rPr>
+                            <a:rPr lang="fr-FR" b="0" i="1" smtClean="0">
+                              <a:latin typeface="Cambria Math" panose="02040503050406030204" pitchFamily="18" charset="0"/>
+                            </a:rPr>
+                            <m:t>−</m:t>
+                          </m:r>
+                          <m:r>
+                            <a:rPr lang="fr-FR" b="0" i="1" smtClean="0">
+                              <a:latin typeface="Cambria Math" panose="02040503050406030204" pitchFamily="18" charset="0"/>
+                              <a:ea typeface="Cambria Math" panose="02040503050406030204" pitchFamily="18" charset="0"/>
+                            </a:rPr>
+                            <m:t>∞</m:t>
+                          </m:r>
+                        </m:sub>
+                        <m:sup>
+                          <m:r>
+                            <a:rPr lang="fr-FR" b="0" i="1" smtClean="0">
+                              <a:latin typeface="Cambria Math" panose="02040503050406030204" pitchFamily="18" charset="0"/>
+                            </a:rPr>
+                            <m:t>+</m:t>
+                          </m:r>
+                          <m:r>
+                            <a:rPr lang="fr-FR" b="0" i="1" smtClean="0">
+                              <a:latin typeface="Cambria Math" panose="02040503050406030204" pitchFamily="18" charset="0"/>
+                              <a:ea typeface="Cambria Math" panose="02040503050406030204" pitchFamily="18" charset="0"/>
+                            </a:rPr>
+                            <m:t>∞</m:t>
+                          </m:r>
+                        </m:sup>
+                        <m:e>
+                          <m:r>
+                            <a:rPr lang="fr-FR" b="0" i="1" smtClean="0">
+                              <a:latin typeface="Cambria Math" panose="02040503050406030204" pitchFamily="18" charset="0"/>
+                            </a:rPr>
+                            <m:t>𝑠</m:t>
+                          </m:r>
+                          <m:r>
+                            <a:rPr lang="fr-FR" b="0" i="1" smtClean="0">
+                              <a:latin typeface="Cambria Math" panose="02040503050406030204" pitchFamily="18" charset="0"/>
+                            </a:rPr>
+                            <m:t>(</m:t>
+                          </m:r>
+                          <m:r>
+                            <a:rPr lang="fr-FR" b="0" i="1" smtClean="0">
+                              <a:latin typeface="Cambria Math" panose="02040503050406030204" pitchFamily="18" charset="0"/>
+                            </a:rPr>
+                            <m:t>𝑡</m:t>
+                          </m:r>
+                          <m:r>
+                            <a:rPr lang="fr-FR" b="0" i="1" smtClean="0">
+                              <a:latin typeface="Cambria Math" panose="02040503050406030204" pitchFamily="18" charset="0"/>
+                            </a:rPr>
+                            <m:t>)</m:t>
+                          </m:r>
+                        </m:e>
+                      </m:nary>
+                      <m:sSup>
+                        <m:sSupPr>
+                          <m:ctrlPr>
+                            <a:rPr lang="fr-FR" i="1">
+                              <a:latin typeface="Cambria Math" panose="02040503050406030204" pitchFamily="18" charset="0"/>
+                              <a:ea typeface="Cambria Math" panose="02040503050406030204" pitchFamily="18" charset="0"/>
+                            </a:rPr>
+                          </m:ctrlPr>
+                        </m:sSupPr>
+                        <m:e>
+                          <m:r>
+                            <a:rPr lang="fr-FR" i="1">
+                              <a:latin typeface="Cambria Math" panose="02040503050406030204" pitchFamily="18" charset="0"/>
+                              <a:ea typeface="Cambria Math" panose="02040503050406030204" pitchFamily="18" charset="0"/>
+                            </a:rPr>
+                            <m:t>𝑒</m:t>
+                          </m:r>
+                        </m:e>
+                        <m:sup>
+                          <m:r>
+                            <a:rPr lang="fr-FR" i="1">
+                              <a:latin typeface="Cambria Math" panose="02040503050406030204" pitchFamily="18" charset="0"/>
+                              <a:ea typeface="Cambria Math" panose="02040503050406030204" pitchFamily="18" charset="0"/>
+                            </a:rPr>
+                            <m:t>−</m:t>
+                          </m:r>
+                          <m:r>
+                            <a:rPr lang="fr-FR" i="1">
+                              <a:latin typeface="Cambria Math" panose="02040503050406030204" pitchFamily="18" charset="0"/>
+                              <a:ea typeface="Cambria Math" panose="02040503050406030204" pitchFamily="18" charset="0"/>
+                            </a:rPr>
+                            <m:t>𝑗</m:t>
+                          </m:r>
+                          <m:r>
+                            <a:rPr lang="fr-FR" i="1">
+                              <a:latin typeface="Cambria Math" panose="02040503050406030204" pitchFamily="18" charset="0"/>
+                              <a:ea typeface="Cambria Math" panose="02040503050406030204" pitchFamily="18" charset="0"/>
+                            </a:rPr>
+                            <m:t>2</m:t>
+                          </m:r>
+                          <m:r>
+                            <a:rPr lang="fr-FR" i="1">
+                              <a:latin typeface="Cambria Math" panose="02040503050406030204" pitchFamily="18" charset="0"/>
+                              <a:ea typeface="Cambria Math" panose="02040503050406030204" pitchFamily="18" charset="0"/>
+                            </a:rPr>
+                            <m:t>𝜋</m:t>
+                          </m:r>
+                          <m:r>
+                            <a:rPr lang="fr-FR" i="1">
+                              <a:latin typeface="Cambria Math" panose="02040503050406030204" pitchFamily="18" charset="0"/>
+                              <a:ea typeface="Cambria Math" panose="02040503050406030204" pitchFamily="18" charset="0"/>
+                            </a:rPr>
+                            <m:t>𝑓𝑡</m:t>
+                          </m:r>
+                        </m:sup>
+                      </m:sSup>
+                      <m:r>
+                        <a:rPr lang="fr-FR" b="0" i="1" smtClean="0">
+                          <a:latin typeface="Cambria Math" panose="02040503050406030204" pitchFamily="18" charset="0"/>
+                          <a:ea typeface="Cambria Math" panose="02040503050406030204" pitchFamily="18" charset="0"/>
+                        </a:rPr>
+                        <m:t>𝑑𝑡</m:t>
+                      </m:r>
+                    </m:oMath>
+                  </m:oMathPara>
+                </a14:m>
+                <a:endParaRPr lang="fr-FR" dirty="0" smtClean="0"/>
+              </a:p>
+              <a:p>
+                <a:pPr>
+                  <a:buClr>
+                    <a:schemeClr val="tx1">
+                      <a:lumMod val="75000"/>
+                    </a:schemeClr>
+                  </a:buClr>
+                </a:pPr>
+                <a:r>
+                  <a:rPr lang="fr-FR" dirty="0"/>
+                  <a:t>Transformée de Fourier discrète :</a:t>
+                </a:r>
+              </a:p>
+              <a:p>
+                <a:pPr marL="0" indent="0">
+                  <a:buClr>
+                    <a:schemeClr val="tx1">
+                      <a:lumMod val="75000"/>
+                    </a:schemeClr>
+                  </a:buClr>
+                  <a:buNone/>
+                </a:pPr>
+                <a14:m>
+                  <m:oMathPara xmlns:m="http://schemas.openxmlformats.org/officeDocument/2006/math">
+                    <m:oMathParaPr>
+                      <m:jc m:val="centerGroup"/>
+                    </m:oMathParaPr>
+                    <m:oMath xmlns:m="http://schemas.openxmlformats.org/officeDocument/2006/math">
+                      <m:r>
+                        <a:rPr lang="fr-FR" i="1">
+                          <a:latin typeface="Cambria Math" panose="02040503050406030204" pitchFamily="18" charset="0"/>
+                        </a:rPr>
+                        <m:t>𝑠</m:t>
+                      </m:r>
+                      <m:d>
+                        <m:dPr>
+                          <m:ctrlPr>
+                            <a:rPr lang="fr-FR" i="1">
+                              <a:latin typeface="Cambria Math" panose="02040503050406030204" pitchFamily="18" charset="0"/>
+                            </a:rPr>
+                          </m:ctrlPr>
+                        </m:dPr>
+                        <m:e>
+                          <m:r>
+                            <a:rPr lang="fr-FR" i="1">
+                              <a:latin typeface="Cambria Math" panose="02040503050406030204" pitchFamily="18" charset="0"/>
+                            </a:rPr>
+                            <m:t>𝑘</m:t>
+                          </m:r>
+                        </m:e>
+                      </m:d>
+                      <m:groupChr>
+                        <m:groupChrPr>
+                          <m:chr m:val="→"/>
+                          <m:vertJc m:val="bot"/>
+                          <m:ctrlPr>
+                            <a:rPr lang="fr-FR" i="1">
+                              <a:latin typeface="Cambria Math" panose="02040503050406030204" pitchFamily="18" charset="0"/>
+                            </a:rPr>
+                          </m:ctrlPr>
+                        </m:groupChrPr>
+                        <m:e>
+                          <m:r>
+                            <m:rPr>
+                              <m:brk m:alnAt="2"/>
+                            </m:rPr>
+                            <a:rPr lang="fr-FR" i="1">
+                              <a:latin typeface="Cambria Math" panose="02040503050406030204" pitchFamily="18" charset="0"/>
+                            </a:rPr>
+                            <m:t>𝐷</m:t>
+                          </m:r>
+                          <m:r>
+                            <a:rPr lang="fr-FR" i="1">
+                              <a:latin typeface="Cambria Math" panose="02040503050406030204" pitchFamily="18" charset="0"/>
+                            </a:rPr>
+                            <m:t>𝐹𝑇</m:t>
+                          </m:r>
+                        </m:e>
+                      </m:groupChr>
+                      <m:r>
+                        <a:rPr lang="fr-FR" i="1">
+                          <a:latin typeface="Cambria Math" panose="02040503050406030204" pitchFamily="18" charset="0"/>
+                        </a:rPr>
+                        <m:t>𝑆</m:t>
+                      </m:r>
+                      <m:d>
+                        <m:dPr>
+                          <m:ctrlPr>
+                            <a:rPr lang="fr-FR" i="1">
+                              <a:latin typeface="Cambria Math" panose="02040503050406030204" pitchFamily="18" charset="0"/>
+                            </a:rPr>
+                          </m:ctrlPr>
+                        </m:dPr>
+                        <m:e>
+                          <m:r>
+                            <a:rPr lang="fr-FR" i="1">
+                              <a:latin typeface="Cambria Math" panose="02040503050406030204" pitchFamily="18" charset="0"/>
+                            </a:rPr>
+                            <m:t>𝑓</m:t>
+                          </m:r>
+                        </m:e>
+                      </m:d>
+                      <m:r>
+                        <a:rPr lang="fr-FR" i="1">
+                          <a:latin typeface="Cambria Math" panose="02040503050406030204" pitchFamily="18" charset="0"/>
+                        </a:rPr>
+                        <m:t>=</m:t>
+                      </m:r>
+                      <m:nary>
+                        <m:naryPr>
+                          <m:chr m:val="∑"/>
+                          <m:ctrlPr>
+                            <a:rPr lang="fr-FR" i="1">
+                              <a:latin typeface="Cambria Math" panose="02040503050406030204" pitchFamily="18" charset="0"/>
+                            </a:rPr>
+                          </m:ctrlPr>
+                        </m:naryPr>
+                        <m:sub>
+                          <m:r>
+                            <m:rPr>
+                              <m:brk m:alnAt="23"/>
+                            </m:rPr>
+                            <a:rPr lang="fr-FR" i="1">
+                              <a:latin typeface="Cambria Math" panose="02040503050406030204" pitchFamily="18" charset="0"/>
+                            </a:rPr>
+                            <m:t>𝑘</m:t>
+                          </m:r>
+                          <m:r>
+                            <a:rPr lang="fr-FR" i="1">
+                              <a:latin typeface="Cambria Math" panose="02040503050406030204" pitchFamily="18" charset="0"/>
+                            </a:rPr>
+                            <m:t>=−∞</m:t>
+                          </m:r>
+                        </m:sub>
+                        <m:sup>
+                          <m:r>
+                            <a:rPr lang="fr-FR" i="1">
+                              <a:latin typeface="Cambria Math" panose="02040503050406030204" pitchFamily="18" charset="0"/>
+                            </a:rPr>
+                            <m:t>+</m:t>
+                          </m:r>
+                          <m:r>
+                            <a:rPr lang="fr-FR" i="1">
+                              <a:latin typeface="Cambria Math" panose="02040503050406030204" pitchFamily="18" charset="0"/>
+                              <a:ea typeface="Cambria Math" panose="02040503050406030204" pitchFamily="18" charset="0"/>
+                            </a:rPr>
+                            <m:t>∞</m:t>
+                          </m:r>
+                        </m:sup>
+                        <m:e>
+                          <m:sSup>
+                            <m:sSupPr>
+                              <m:ctrlPr>
+                                <a:rPr lang="fr-FR" i="1">
+                                  <a:latin typeface="Cambria Math" panose="02040503050406030204" pitchFamily="18" charset="0"/>
+                                  <a:ea typeface="Cambria Math" panose="02040503050406030204" pitchFamily="18" charset="0"/>
+                                </a:rPr>
+                              </m:ctrlPr>
+                            </m:sSupPr>
+                            <m:e>
+                              <m:r>
+                                <a:rPr lang="fr-FR" i="1">
+                                  <a:latin typeface="Cambria Math" panose="02040503050406030204" pitchFamily="18" charset="0"/>
+                                </a:rPr>
+                                <m:t>𝑠</m:t>
+                              </m:r>
+                              <m:r>
+                                <a:rPr lang="fr-FR" i="1">
+                                  <a:latin typeface="Cambria Math" panose="02040503050406030204" pitchFamily="18" charset="0"/>
+                                </a:rPr>
+                                <m:t>(</m:t>
+                              </m:r>
+                              <m:r>
+                                <a:rPr lang="fr-FR" i="1">
+                                  <a:latin typeface="Cambria Math" panose="02040503050406030204" pitchFamily="18" charset="0"/>
+                                </a:rPr>
+                                <m:t>𝑘</m:t>
+                              </m:r>
+                              <m:r>
+                                <a:rPr lang="fr-FR" i="1">
+                                  <a:latin typeface="Cambria Math" panose="02040503050406030204" pitchFamily="18" charset="0"/>
+                                </a:rPr>
+                                <m:t>)</m:t>
+                              </m:r>
+                              <m:r>
+                                <a:rPr lang="fr-FR" i="1">
+                                  <a:latin typeface="Cambria Math" panose="02040503050406030204" pitchFamily="18" charset="0"/>
+                                  <a:ea typeface="Cambria Math" panose="02040503050406030204" pitchFamily="18" charset="0"/>
+                                </a:rPr>
+                                <m:t>𝑧</m:t>
+                              </m:r>
+                            </m:e>
+                            <m:sup>
+                              <m:r>
+                                <a:rPr lang="fr-FR" i="1">
+                                  <a:latin typeface="Cambria Math" panose="02040503050406030204" pitchFamily="18" charset="0"/>
+                                  <a:ea typeface="Cambria Math" panose="02040503050406030204" pitchFamily="18" charset="0"/>
+                                </a:rPr>
+                                <m:t>−</m:t>
+                              </m:r>
+                              <m:r>
+                                <a:rPr lang="fr-FR" i="1">
+                                  <a:latin typeface="Cambria Math" panose="02040503050406030204" pitchFamily="18" charset="0"/>
+                                  <a:ea typeface="Cambria Math" panose="02040503050406030204" pitchFamily="18" charset="0"/>
+                                </a:rPr>
+                                <m:t>𝑘</m:t>
+                              </m:r>
+                            </m:sup>
+                          </m:sSup>
+                        </m:e>
+                      </m:nary>
+                      <m:r>
+                        <a:rPr lang="fr-FR" i="1">
+                          <a:latin typeface="Cambria Math" panose="02040503050406030204" pitchFamily="18" charset="0"/>
+                        </a:rPr>
+                        <m:t> ;</m:t>
+                      </m:r>
+                      <m:r>
+                        <a:rPr lang="fr-FR" i="1">
+                          <a:latin typeface="Cambria Math" panose="02040503050406030204" pitchFamily="18" charset="0"/>
+                        </a:rPr>
+                        <m:t>𝑧</m:t>
+                      </m:r>
+                      <m:r>
+                        <a:rPr lang="fr-FR" i="1">
+                          <a:latin typeface="Cambria Math" panose="02040503050406030204" pitchFamily="18" charset="0"/>
+                        </a:rPr>
+                        <m:t>=</m:t>
+                      </m:r>
+                      <m:sSup>
+                        <m:sSupPr>
+                          <m:ctrlPr>
+                            <a:rPr lang="fr-FR" i="1">
+                              <a:latin typeface="Cambria Math" panose="02040503050406030204" pitchFamily="18" charset="0"/>
+                            </a:rPr>
+                          </m:ctrlPr>
+                        </m:sSupPr>
+                        <m:e>
+                          <m:r>
+                            <a:rPr lang="fr-FR" i="1">
+                              <a:latin typeface="Cambria Math" panose="02040503050406030204" pitchFamily="18" charset="0"/>
+                            </a:rPr>
+                            <m:t>𝑒</m:t>
+                          </m:r>
+                        </m:e>
+                        <m:sup>
+                          <m:r>
+                            <a:rPr lang="fr-FR" i="1">
+                              <a:latin typeface="Cambria Math" panose="02040503050406030204" pitchFamily="18" charset="0"/>
+                            </a:rPr>
+                            <m:t>−</m:t>
+                          </m:r>
+                          <m:r>
+                            <a:rPr lang="fr-FR" i="1">
+                              <a:latin typeface="Cambria Math" panose="02040503050406030204" pitchFamily="18" charset="0"/>
+                            </a:rPr>
+                            <m:t>𝑗</m:t>
+                          </m:r>
+                          <m:r>
+                            <a:rPr lang="fr-FR" i="1">
+                              <a:latin typeface="Cambria Math" panose="02040503050406030204" pitchFamily="18" charset="0"/>
+                            </a:rPr>
+                            <m:t>2</m:t>
+                          </m:r>
+                          <m:r>
+                            <a:rPr lang="fr-FR" i="1">
+                              <a:latin typeface="Cambria Math" panose="02040503050406030204" pitchFamily="18" charset="0"/>
+                              <a:ea typeface="Cambria Math" panose="02040503050406030204" pitchFamily="18" charset="0"/>
+                            </a:rPr>
+                            <m:t>𝜋</m:t>
+                          </m:r>
+                          <m:r>
+                            <a:rPr lang="fr-FR" i="1">
+                              <a:latin typeface="Cambria Math" panose="02040503050406030204" pitchFamily="18" charset="0"/>
+                              <a:ea typeface="Cambria Math" panose="02040503050406030204" pitchFamily="18" charset="0"/>
+                            </a:rPr>
+                            <m:t>𝑓</m:t>
+                          </m:r>
+                        </m:sup>
+                      </m:sSup>
+                    </m:oMath>
+                  </m:oMathPara>
+                </a14:m>
+                <a:endParaRPr lang="fr-FR" dirty="0" smtClean="0"/>
+              </a:p>
+              <a:p>
+                <a:pPr>
+                  <a:buClr>
+                    <a:schemeClr val="tx1">
+                      <a:lumMod val="75000"/>
+                    </a:schemeClr>
+                  </a:buClr>
+                </a:pPr>
+                <a:r>
+                  <a:rPr lang="fr-FR" dirty="0" smtClean="0"/>
+                  <a:t>Propriétés de calcul intéressantes : </a:t>
+                </a:r>
+                <a:r>
+                  <a:rPr lang="fr-FR" i="1" dirty="0" smtClean="0"/>
+                  <a:t>inversion, linéarité, convolution, produit, conjugaison, changements d’échelle, périodicité, etc.</a:t>
+                </a:r>
+              </a:p>
+              <a:p>
+                <a:pPr marL="0" indent="0" algn="ctr">
+                  <a:buClr>
+                    <a:schemeClr val="tx1">
+                      <a:lumMod val="75000"/>
+                    </a:schemeClr>
+                  </a:buClr>
+                  <a:buNone/>
+                </a:pPr>
+                <a:r>
+                  <a:rPr lang="fr-FR" dirty="0" smtClean="0">
+                    <a:sym typeface="Wingdings" panose="05000000000000000000" pitchFamily="2" charset="2"/>
+                  </a:rPr>
+                  <a:t> </a:t>
+                </a:r>
+                <a:r>
+                  <a:rPr lang="fr-FR" dirty="0" smtClean="0"/>
+                  <a:t>Puissant outil théorique</a:t>
+                </a:r>
+                <a:endParaRPr lang="fr-FR" dirty="0"/>
+              </a:p>
+            </p:txBody>
+          </p:sp>
+        </mc:Choice>
+        <mc:Fallback>
+          <p:sp>
+            <p:nvSpPr>
+              <p:cNvPr id="3" name="Espace réservé du contenu 2"/>
+              <p:cNvSpPr>
+                <a:spLocks noGrp="1" noRot="1" noChangeAspect="1" noMove="1" noResize="1" noEditPoints="1" noAdjustHandles="1" noChangeArrowheads="1" noChangeShapeType="1" noTextEdit="1"/>
+              </p:cNvSpPr>
+              <p:nvPr>
+                <p:ph idx="1"/>
+              </p:nvPr>
+            </p:nvSpPr>
+            <p:spPr>
+              <a:blipFill rotWithShape="0">
+                <a:blip r:embed="rId2"/>
+                <a:stretch>
+                  <a:fillRect l="-467" t="-2533"/>
+                </a:stretch>
+              </a:blipFill>
+            </p:spPr>
+            <p:txBody>
+              <a:bodyPr/>
+              <a:lstStyle/>
+              <a:p>
+                <a:r>
+                  <a:rPr lang="fr-FR">
+                    <a:noFill/>
+                  </a:rPr>
+                  <a:t> </a:t>
+                </a:r>
+              </a:p>
+            </p:txBody>
+          </p:sp>
+        </mc:Fallback>
+      </mc:AlternateContent>
     </p:spTree>
     <p:extLst>
       <p:ext uri="{BB962C8B-B14F-4D97-AF65-F5344CB8AC3E}">
-        <p14:creationId xmlns:p14="http://schemas.microsoft.com/office/powerpoint/2010/main" val="2738627701"/>
+        <p14:creationId xmlns:p14="http://schemas.microsoft.com/office/powerpoint/2010/main" val="703313302"/>
       </p:ext>
     </p:extLst>
   </p:cSld>

--- a/Analyse spectrale_etienne.pptx
+++ b/Analyse spectrale_etienne.pptx
@@ -5,10 +5,10 @@
     <p:sldMasterId id="2147483648" r:id="rId2"/>
   </p:sldMasterIdLst>
   <p:notesMasterIdLst>
-    <p:notesMasterId r:id="rId23"/>
+    <p:notesMasterId r:id="rId25"/>
   </p:notesMasterIdLst>
   <p:handoutMasterIdLst>
-    <p:handoutMasterId r:id="rId24"/>
+    <p:handoutMasterId r:id="rId26"/>
   </p:handoutMasterIdLst>
   <p:sldIdLst>
     <p:sldId id="256" r:id="rId3"/>
@@ -21,16 +21,18 @@
     <p:sldId id="274" r:id="rId10"/>
     <p:sldId id="275" r:id="rId11"/>
     <p:sldId id="276" r:id="rId12"/>
-    <p:sldId id="273" r:id="rId13"/>
-    <p:sldId id="258" r:id="rId14"/>
-    <p:sldId id="260" r:id="rId15"/>
-    <p:sldId id="259" r:id="rId16"/>
-    <p:sldId id="261" r:id="rId17"/>
-    <p:sldId id="262" r:id="rId18"/>
-    <p:sldId id="263" r:id="rId19"/>
-    <p:sldId id="264" r:id="rId20"/>
-    <p:sldId id="265" r:id="rId21"/>
-    <p:sldId id="266" r:id="rId22"/>
+    <p:sldId id="277" r:id="rId13"/>
+    <p:sldId id="278" r:id="rId14"/>
+    <p:sldId id="273" r:id="rId15"/>
+    <p:sldId id="258" r:id="rId16"/>
+    <p:sldId id="260" r:id="rId17"/>
+    <p:sldId id="259" r:id="rId18"/>
+    <p:sldId id="261" r:id="rId19"/>
+    <p:sldId id="262" r:id="rId20"/>
+    <p:sldId id="263" r:id="rId21"/>
+    <p:sldId id="264" r:id="rId22"/>
+    <p:sldId id="265" r:id="rId23"/>
+    <p:sldId id="266" r:id="rId24"/>
   </p:sldIdLst>
   <p:sldSz cx="12192000" cy="6858000"/>
   <p:notesSz cx="6858000" cy="9144000"/>
@@ -2333,28 +2335,28 @@
     </dgm:pt>
   </dgm:ptLst>
   <dgm:cxnLst>
+    <dgm:cxn modelId="{0DE776BA-5D89-4AF6-AD34-83FB1B440D6E}" type="presOf" srcId="{C3DC95A2-4D92-42C5-966E-8600E4BA31BD}" destId="{B752F9F5-2482-4D52-A33E-BE0263F4B0EA}" srcOrd="1" destOrd="0" presId="urn:microsoft.com/office/officeart/2005/8/layout/process4"/>
+    <dgm:cxn modelId="{49DFB11E-EAA1-4720-837C-5291C468F94A}" type="presOf" srcId="{C712D637-7FF1-401C-9304-F85D1B95B226}" destId="{A48265CE-F3A3-46DB-9DD2-97590B4DBB84}" srcOrd="1" destOrd="0" presId="urn:microsoft.com/office/officeart/2005/8/layout/process4"/>
+    <dgm:cxn modelId="{EF7A2011-FCAC-41A8-A305-634BF780B59D}" srcId="{DB6AA457-F75F-415D-BDD5-92045774FE4B}" destId="{3FE03ED9-3066-4E28-8291-0B1764DC85D6}" srcOrd="1" destOrd="0" parTransId="{70F79093-990B-4C69-A0BC-6E28D692D24F}" sibTransId="{2D17DCF5-1F10-4F99-AFA5-9D17F12D0A73}"/>
     <dgm:cxn modelId="{F9232B4D-645E-4C93-A5D6-A89B30504327}" srcId="{DB6AA457-F75F-415D-BDD5-92045774FE4B}" destId="{99C943DF-AAA4-4E2C-A283-FA2BF761F447}" srcOrd="0" destOrd="0" parTransId="{20F107AF-35DA-4D25-AB35-B8AD821D3FE7}" sibTransId="{4802CB64-7B32-458C-A9FF-C35C0A51E69A}"/>
+    <dgm:cxn modelId="{CE503079-5EBC-46C6-AEA7-05CAA4676BB5}" type="presOf" srcId="{743FE7B1-011B-42E6-8768-1EB3E95741FA}" destId="{59FFE57C-E5F2-4FBD-AA4D-8DB27381892F}" srcOrd="0" destOrd="0" presId="urn:microsoft.com/office/officeart/2005/8/layout/process4"/>
+    <dgm:cxn modelId="{7574A873-09B6-4955-9A03-A5E1A1036E6A}" type="presOf" srcId="{C712D637-7FF1-401C-9304-F85D1B95B226}" destId="{859CA2CA-8A33-4975-9F01-7A3C8BB729DE}" srcOrd="0" destOrd="0" presId="urn:microsoft.com/office/officeart/2005/8/layout/process4"/>
+    <dgm:cxn modelId="{88A87FA6-C1EB-4109-9B9E-2FE10DE80F14}" srcId="{C712D637-7FF1-401C-9304-F85D1B95B226}" destId="{DA33CDF4-5B94-4B92-9E0A-4DFD4CBFAF2D}" srcOrd="1" destOrd="0" parTransId="{B7ECB8E0-4CD3-4804-BE8C-5260A5083C57}" sibTransId="{D3EF4DE2-351E-4A5C-980A-1BBDC899AAC2}"/>
+    <dgm:cxn modelId="{6FF8166B-A137-45DB-919B-F84C9A9DEC94}" type="presOf" srcId="{CD5204CD-6958-4A55-82AA-4AD73B3B6A19}" destId="{31D3AE5D-DA06-4E2D-9D68-F5531DFE7C2B}" srcOrd="0" destOrd="0" presId="urn:microsoft.com/office/officeart/2005/8/layout/process4"/>
+    <dgm:cxn modelId="{9CD14EFA-0F76-4A1F-B614-3498F606687F}" type="presOf" srcId="{3FE03ED9-3066-4E28-8291-0B1764DC85D6}" destId="{A6EE397C-6C28-4128-BFFE-CFF44F70153F}" srcOrd="0" destOrd="0" presId="urn:microsoft.com/office/officeart/2005/8/layout/process4"/>
     <dgm:cxn modelId="{5A012591-AD10-4CB9-87CA-80F836A87F10}" type="presOf" srcId="{B5387FF0-0982-441E-9F8E-19335142671C}" destId="{0F0AC827-ACAE-4C23-875D-A4B53006A73F}" srcOrd="0" destOrd="0" presId="urn:microsoft.com/office/officeart/2005/8/layout/process4"/>
-    <dgm:cxn modelId="{EF7A2011-FCAC-41A8-A305-634BF780B59D}" srcId="{DB6AA457-F75F-415D-BDD5-92045774FE4B}" destId="{3FE03ED9-3066-4E28-8291-0B1764DC85D6}" srcOrd="1" destOrd="0" parTransId="{70F79093-990B-4C69-A0BC-6E28D692D24F}" sibTransId="{2D17DCF5-1F10-4F99-AFA5-9D17F12D0A73}"/>
-    <dgm:cxn modelId="{9CD14EFA-0F76-4A1F-B614-3498F606687F}" type="presOf" srcId="{3FE03ED9-3066-4E28-8291-0B1764DC85D6}" destId="{A6EE397C-6C28-4128-BFFE-CFF44F70153F}" srcOrd="0" destOrd="0" presId="urn:microsoft.com/office/officeart/2005/8/layout/process4"/>
+    <dgm:cxn modelId="{93F76B4F-907D-4630-B1A9-C3BE3C102DFF}" srcId="{CD5204CD-6958-4A55-82AA-4AD73B3B6A19}" destId="{DB6AA457-F75F-415D-BDD5-92045774FE4B}" srcOrd="1" destOrd="0" parTransId="{195DBB62-3C1E-4BED-ADB6-6E31CA6ABD63}" sibTransId="{C684833D-85CC-4010-A138-ABC65E139C69}"/>
+    <dgm:cxn modelId="{8A476EEB-6A39-4004-AD8C-BD56913E7B26}" srcId="{CD5204CD-6958-4A55-82AA-4AD73B3B6A19}" destId="{C3DC95A2-4D92-42C5-966E-8600E4BA31BD}" srcOrd="2" destOrd="0" parTransId="{F9D94033-59E5-4228-A5F3-6CB272E77E3B}" sibTransId="{A43E3114-C8AC-4F44-952D-8A0D6A8A6B45}"/>
     <dgm:cxn modelId="{9653D664-EC18-40D7-9F5E-3B27A70DCA4D}" srcId="{CD5204CD-6958-4A55-82AA-4AD73B3B6A19}" destId="{C712D637-7FF1-401C-9304-F85D1B95B226}" srcOrd="0" destOrd="0" parTransId="{05E1DD5C-7FEF-48F0-9651-C74D082ACBA9}" sibTransId="{F14B97BF-E90F-4D5A-A42B-6364BCB81249}"/>
+    <dgm:cxn modelId="{654ADFCB-9F48-4311-9D35-6D66E259C0F0}" type="presOf" srcId="{DA33CDF4-5B94-4B92-9E0A-4DFD4CBFAF2D}" destId="{3EC7D028-ECEA-492B-A6F1-68E9B57B69C6}" srcOrd="0" destOrd="0" presId="urn:microsoft.com/office/officeart/2005/8/layout/process4"/>
+    <dgm:cxn modelId="{7AC8567A-4A9D-4A2D-9B97-5F366E5A9589}" type="presOf" srcId="{C3DC95A2-4D92-42C5-966E-8600E4BA31BD}" destId="{588D9B7D-EC68-4FB0-96F2-2E47AC868059}" srcOrd="0" destOrd="0" presId="urn:microsoft.com/office/officeart/2005/8/layout/process4"/>
+    <dgm:cxn modelId="{7F70C7BE-72E8-441E-B7CF-522ADEA91ECB}" srcId="{C3DC95A2-4D92-42C5-966E-8600E4BA31BD}" destId="{B5387FF0-0982-441E-9F8E-19335142671C}" srcOrd="1" destOrd="0" parTransId="{FE9534D2-E5E4-4494-A37E-5724362DB3AC}" sibTransId="{0DB486FB-DB2E-4894-89D1-AA4679580390}"/>
+    <dgm:cxn modelId="{A9D8FDD5-46C6-47E0-AA21-CE5D26EBFF1C}" type="presOf" srcId="{99C943DF-AAA4-4E2C-A283-FA2BF761F447}" destId="{A8E0F749-66B2-490B-99E9-CC106B163B16}" srcOrd="0" destOrd="0" presId="urn:microsoft.com/office/officeart/2005/8/layout/process4"/>
+    <dgm:cxn modelId="{EBCDDEFB-4955-4864-90AB-7D693BE5DA0A}" srcId="{C3DC95A2-4D92-42C5-966E-8600E4BA31BD}" destId="{17ACD041-408C-4E7D-B463-7267D32756A1}" srcOrd="0" destOrd="0" parTransId="{209FC651-3F8E-4BF8-8C06-328027667041}" sibTransId="{A6AA8096-532A-4378-9BB6-B585B46357E5}"/>
+    <dgm:cxn modelId="{6D29C741-1B1E-4EBC-A0C7-F287A8ED285A}" srcId="{C712D637-7FF1-401C-9304-F85D1B95B226}" destId="{743FE7B1-011B-42E6-8768-1EB3E95741FA}" srcOrd="0" destOrd="0" parTransId="{921AFB12-2D70-40FB-8AB1-299E0FF2C5A6}" sibTransId="{FFAF77DD-A644-4C36-8908-6204BB0D9268}"/>
+    <dgm:cxn modelId="{38C6CA17-AB89-46B1-B380-B602383053FA}" type="presOf" srcId="{DB6AA457-F75F-415D-BDD5-92045774FE4B}" destId="{7371425A-4D37-4FA7-A21E-1529F4324E45}" srcOrd="0" destOrd="0" presId="urn:microsoft.com/office/officeart/2005/8/layout/process4"/>
+    <dgm:cxn modelId="{51AAE964-0278-4D77-A962-9CAED2A33AFC}" type="presOf" srcId="{DB6AA457-F75F-415D-BDD5-92045774FE4B}" destId="{80AD606B-F25E-46DF-B405-18F7D2EAE74A}" srcOrd="1" destOrd="0" presId="urn:microsoft.com/office/officeart/2005/8/layout/process4"/>
     <dgm:cxn modelId="{7888DF58-4351-4017-97B5-9A2C1542304F}" type="presOf" srcId="{17ACD041-408C-4E7D-B463-7267D32756A1}" destId="{C4F2ADBF-C592-483D-A6FF-5DB9D2A90309}" srcOrd="0" destOrd="0" presId="urn:microsoft.com/office/officeart/2005/8/layout/process4"/>
-    <dgm:cxn modelId="{6D29C741-1B1E-4EBC-A0C7-F287A8ED285A}" srcId="{C712D637-7FF1-401C-9304-F85D1B95B226}" destId="{743FE7B1-011B-42E6-8768-1EB3E95741FA}" srcOrd="0" destOrd="0" parTransId="{921AFB12-2D70-40FB-8AB1-299E0FF2C5A6}" sibTransId="{FFAF77DD-A644-4C36-8908-6204BB0D9268}"/>
-    <dgm:cxn modelId="{A9D8FDD5-46C6-47E0-AA21-CE5D26EBFF1C}" type="presOf" srcId="{99C943DF-AAA4-4E2C-A283-FA2BF761F447}" destId="{A8E0F749-66B2-490B-99E9-CC106B163B16}" srcOrd="0" destOrd="0" presId="urn:microsoft.com/office/officeart/2005/8/layout/process4"/>
-    <dgm:cxn modelId="{93F76B4F-907D-4630-B1A9-C3BE3C102DFF}" srcId="{CD5204CD-6958-4A55-82AA-4AD73B3B6A19}" destId="{DB6AA457-F75F-415D-BDD5-92045774FE4B}" srcOrd="1" destOrd="0" parTransId="{195DBB62-3C1E-4BED-ADB6-6E31CA6ABD63}" sibTransId="{C684833D-85CC-4010-A138-ABC65E139C69}"/>
-    <dgm:cxn modelId="{CE503079-5EBC-46C6-AEA7-05CAA4676BB5}" type="presOf" srcId="{743FE7B1-011B-42E6-8768-1EB3E95741FA}" destId="{59FFE57C-E5F2-4FBD-AA4D-8DB27381892F}" srcOrd="0" destOrd="0" presId="urn:microsoft.com/office/officeart/2005/8/layout/process4"/>
-    <dgm:cxn modelId="{88A87FA6-C1EB-4109-9B9E-2FE10DE80F14}" srcId="{C712D637-7FF1-401C-9304-F85D1B95B226}" destId="{DA33CDF4-5B94-4B92-9E0A-4DFD4CBFAF2D}" srcOrd="1" destOrd="0" parTransId="{B7ECB8E0-4CD3-4804-BE8C-5260A5083C57}" sibTransId="{D3EF4DE2-351E-4A5C-980A-1BBDC899AAC2}"/>
-    <dgm:cxn modelId="{0DE776BA-5D89-4AF6-AD34-83FB1B440D6E}" type="presOf" srcId="{C3DC95A2-4D92-42C5-966E-8600E4BA31BD}" destId="{B752F9F5-2482-4D52-A33E-BE0263F4B0EA}" srcOrd="1" destOrd="0" presId="urn:microsoft.com/office/officeart/2005/8/layout/process4"/>
-    <dgm:cxn modelId="{654ADFCB-9F48-4311-9D35-6D66E259C0F0}" type="presOf" srcId="{DA33CDF4-5B94-4B92-9E0A-4DFD4CBFAF2D}" destId="{3EC7D028-ECEA-492B-A6F1-68E9B57B69C6}" srcOrd="0" destOrd="0" presId="urn:microsoft.com/office/officeart/2005/8/layout/process4"/>
-    <dgm:cxn modelId="{EBCDDEFB-4955-4864-90AB-7D693BE5DA0A}" srcId="{C3DC95A2-4D92-42C5-966E-8600E4BA31BD}" destId="{17ACD041-408C-4E7D-B463-7267D32756A1}" srcOrd="0" destOrd="0" parTransId="{209FC651-3F8E-4BF8-8C06-328027667041}" sibTransId="{A6AA8096-532A-4378-9BB6-B585B46357E5}"/>
-    <dgm:cxn modelId="{8A476EEB-6A39-4004-AD8C-BD56913E7B26}" srcId="{CD5204CD-6958-4A55-82AA-4AD73B3B6A19}" destId="{C3DC95A2-4D92-42C5-966E-8600E4BA31BD}" srcOrd="2" destOrd="0" parTransId="{F9D94033-59E5-4228-A5F3-6CB272E77E3B}" sibTransId="{A43E3114-C8AC-4F44-952D-8A0D6A8A6B45}"/>
-    <dgm:cxn modelId="{49DFB11E-EAA1-4720-837C-5291C468F94A}" type="presOf" srcId="{C712D637-7FF1-401C-9304-F85D1B95B226}" destId="{A48265CE-F3A3-46DB-9DD2-97590B4DBB84}" srcOrd="1" destOrd="0" presId="urn:microsoft.com/office/officeart/2005/8/layout/process4"/>
-    <dgm:cxn modelId="{7F70C7BE-72E8-441E-B7CF-522ADEA91ECB}" srcId="{C3DC95A2-4D92-42C5-966E-8600E4BA31BD}" destId="{B5387FF0-0982-441E-9F8E-19335142671C}" srcOrd="1" destOrd="0" parTransId="{FE9534D2-E5E4-4494-A37E-5724362DB3AC}" sibTransId="{0DB486FB-DB2E-4894-89D1-AA4679580390}"/>
-    <dgm:cxn modelId="{38C6CA17-AB89-46B1-B380-B602383053FA}" type="presOf" srcId="{DB6AA457-F75F-415D-BDD5-92045774FE4B}" destId="{7371425A-4D37-4FA7-A21E-1529F4324E45}" srcOrd="0" destOrd="0" presId="urn:microsoft.com/office/officeart/2005/8/layout/process4"/>
-    <dgm:cxn modelId="{7574A873-09B6-4955-9A03-A5E1A1036E6A}" type="presOf" srcId="{C712D637-7FF1-401C-9304-F85D1B95B226}" destId="{859CA2CA-8A33-4975-9F01-7A3C8BB729DE}" srcOrd="0" destOrd="0" presId="urn:microsoft.com/office/officeart/2005/8/layout/process4"/>
-    <dgm:cxn modelId="{51AAE964-0278-4D77-A962-9CAED2A33AFC}" type="presOf" srcId="{DB6AA457-F75F-415D-BDD5-92045774FE4B}" destId="{80AD606B-F25E-46DF-B405-18F7D2EAE74A}" srcOrd="1" destOrd="0" presId="urn:microsoft.com/office/officeart/2005/8/layout/process4"/>
-    <dgm:cxn modelId="{7AC8567A-4A9D-4A2D-9B97-5F366E5A9589}" type="presOf" srcId="{C3DC95A2-4D92-42C5-966E-8600E4BA31BD}" destId="{588D9B7D-EC68-4FB0-96F2-2E47AC868059}" srcOrd="0" destOrd="0" presId="urn:microsoft.com/office/officeart/2005/8/layout/process4"/>
-    <dgm:cxn modelId="{6FF8166B-A137-45DB-919B-F84C9A9DEC94}" type="presOf" srcId="{CD5204CD-6958-4A55-82AA-4AD73B3B6A19}" destId="{31D3AE5D-DA06-4E2D-9D68-F5531DFE7C2B}" srcOrd="0" destOrd="0" presId="urn:microsoft.com/office/officeart/2005/8/layout/process4"/>
     <dgm:cxn modelId="{7D643549-6AEE-4E26-BA58-D9C18C7ABAF4}" type="presParOf" srcId="{31D3AE5D-DA06-4E2D-9D68-F5531DFE7C2B}" destId="{127AFF01-F37D-42CC-8885-1689151201CD}" srcOrd="0" destOrd="0" presId="urn:microsoft.com/office/officeart/2005/8/layout/process4"/>
     <dgm:cxn modelId="{98720DA4-094D-4E12-A052-17C1E4A351C5}" type="presParOf" srcId="{127AFF01-F37D-42CC-8885-1689151201CD}" destId="{588D9B7D-EC68-4FB0-96F2-2E47AC868059}" srcOrd="0" destOrd="0" presId="urn:microsoft.com/office/officeart/2005/8/layout/process4"/>
     <dgm:cxn modelId="{DBDEF9E6-6D83-4091-9045-E138E6FA8DD2}" type="presParOf" srcId="{127AFF01-F37D-42CC-8885-1689151201CD}" destId="{B752F9F5-2482-4D52-A33E-BE0263F4B0EA}" srcOrd="1" destOrd="0" presId="urn:microsoft.com/office/officeart/2005/8/layout/process4"/>
@@ -3076,777 +3078,6 @@
       <dsp:cNvGrpSpPr/>
     </dsp:nvGrpSpPr>
     <dsp:grpSpPr/>
-    <dsp:sp modelId="{B752F9F5-2482-4D52-A33E-BE0263F4B0EA}">
-      <dsp:nvSpPr>
-        <dsp:cNvPr id="0" name=""/>
-        <dsp:cNvSpPr/>
-      </dsp:nvSpPr>
-      <dsp:spPr>
-        <a:xfrm>
-          <a:off x="0" y="3443976"/>
-          <a:ext cx="5334000" cy="1130389"/>
-        </a:xfrm>
-        <a:prstGeom prst="rect">
-          <a:avLst/>
-        </a:prstGeom>
-        <a:solidFill>
-          <a:schemeClr val="accent3">
-            <a:hueOff val="0"/>
-            <a:satOff val="0"/>
-            <a:lumOff val="0"/>
-            <a:alphaOff val="0"/>
-          </a:schemeClr>
-        </a:solidFill>
-        <a:ln w="12700" cap="flat" cmpd="sng" algn="ctr">
-          <a:solidFill>
-            <a:schemeClr val="lt1">
-              <a:hueOff val="0"/>
-              <a:satOff val="0"/>
-              <a:lumOff val="0"/>
-              <a:alphaOff val="0"/>
-            </a:schemeClr>
-          </a:solidFill>
-          <a:prstDash val="solid"/>
-          <a:miter lim="800000"/>
-        </a:ln>
-        <a:effectLst/>
-      </dsp:spPr>
-      <dsp:style>
-        <a:lnRef idx="2">
-          <a:scrgbClr r="0" g="0" b="0"/>
-        </a:lnRef>
-        <a:fillRef idx="1">
-          <a:scrgbClr r="0" g="0" b="0"/>
-        </a:fillRef>
-        <a:effectRef idx="0">
-          <a:scrgbClr r="0" g="0" b="0"/>
-        </a:effectRef>
-        <a:fontRef idx="minor">
-          <a:schemeClr val="lt1"/>
-        </a:fontRef>
-      </dsp:style>
-      <dsp:txBody>
-        <a:bodyPr spcFirstLastPara="0" vert="horz" wrap="square" lIns="156464" tIns="156464" rIns="156464" bIns="156464" numCol="1" spcCol="1270" anchor="ctr" anchorCtr="0">
-          <a:noAutofit/>
-        </a:bodyPr>
-        <a:lstStyle/>
-        <a:p>
-          <a:pPr lvl="0" algn="ctr" defTabSz="914400">
-            <a:lnSpc>
-              <a:spcPct val="90000"/>
-            </a:lnSpc>
-            <a:spcBef>
-              <a:spcPct val="0"/>
-            </a:spcBef>
-            <a:spcAft>
-              <a:spcPct val="35000"/>
-            </a:spcAft>
-            <a:buNone/>
-          </a:pPr>
-          <a:r>
-            <a:rPr lang="fr-FR" sz="2200" i="1" kern="1200" noProof="0" dirty="0" smtClean="0"/>
-            <a:t>Pour aller plus loin</a:t>
-          </a:r>
-          <a:endParaRPr lang="fr-FR" sz="2200" i="1" kern="1200" noProof="0" dirty="0"/>
-        </a:p>
-      </dsp:txBody>
-      <dsp:txXfrm>
-        <a:off x="0" y="3443976"/>
-        <a:ext cx="5334000" cy="610410"/>
-      </dsp:txXfrm>
-    </dsp:sp>
-    <dsp:sp modelId="{C4F2ADBF-C592-483D-A6FF-5DB9D2A90309}">
-      <dsp:nvSpPr>
-        <dsp:cNvPr id="0" name=""/>
-        <dsp:cNvSpPr/>
-      </dsp:nvSpPr>
-      <dsp:spPr>
-        <a:xfrm>
-          <a:off x="0" y="4031779"/>
-          <a:ext cx="2667000" cy="519979"/>
-        </a:xfrm>
-        <a:prstGeom prst="rect">
-          <a:avLst/>
-        </a:prstGeom>
-        <a:solidFill>
-          <a:schemeClr val="accent3">
-            <a:tint val="40000"/>
-            <a:alpha val="90000"/>
-            <a:hueOff val="0"/>
-            <a:satOff val="0"/>
-            <a:lumOff val="0"/>
-            <a:alphaOff val="0"/>
-          </a:schemeClr>
-        </a:solidFill>
-        <a:ln w="12700" cap="flat" cmpd="sng" algn="ctr">
-          <a:solidFill>
-            <a:schemeClr val="accent3">
-              <a:tint val="40000"/>
-              <a:alpha val="90000"/>
-              <a:hueOff val="0"/>
-              <a:satOff val="0"/>
-              <a:lumOff val="0"/>
-              <a:alphaOff val="0"/>
-            </a:schemeClr>
-          </a:solidFill>
-          <a:prstDash val="solid"/>
-          <a:miter lim="800000"/>
-        </a:ln>
-        <a:effectLst/>
-      </dsp:spPr>
-      <dsp:style>
-        <a:lnRef idx="2">
-          <a:scrgbClr r="0" g="0" b="0"/>
-        </a:lnRef>
-        <a:fillRef idx="1">
-          <a:scrgbClr r="0" g="0" b="0"/>
-        </a:fillRef>
-        <a:effectRef idx="0">
-          <a:scrgbClr r="0" g="0" b="0"/>
-        </a:effectRef>
-        <a:fontRef idx="minor"/>
-      </dsp:style>
-      <dsp:txBody>
-        <a:bodyPr spcFirstLastPara="0" vert="horz" wrap="square" lIns="156464" tIns="27940" rIns="156464" bIns="27940" numCol="1" spcCol="1270" anchor="ctr" anchorCtr="0">
-          <a:noAutofit/>
-        </a:bodyPr>
-        <a:lstStyle/>
-        <a:p>
-          <a:pPr lvl="0" algn="l" defTabSz="914400">
-            <a:lnSpc>
-              <a:spcPct val="90000"/>
-            </a:lnSpc>
-            <a:spcBef>
-              <a:spcPct val="0"/>
-            </a:spcBef>
-            <a:spcAft>
-              <a:spcPct val="35000"/>
-            </a:spcAft>
-            <a:buNone/>
-          </a:pPr>
-          <a:r>
-            <a:rPr lang="fr-FR" sz="2200" b="0" i="0" kern="1200" noProof="0" dirty="0" smtClean="0">
-              <a:latin typeface="Franklin Gothic Medium"/>
-              <a:ea typeface="+mn-ea"/>
-              <a:cs typeface="+mn-cs"/>
-            </a:rPr>
-            <a:t>Reconstitution</a:t>
-          </a:r>
-          <a:endParaRPr lang="fr-FR" sz="2200" b="0" i="0" kern="1200" noProof="0" dirty="0">
-            <a:latin typeface="Franklin Gothic Medium"/>
-            <a:ea typeface="+mn-ea"/>
-            <a:cs typeface="+mn-cs"/>
-          </a:endParaRPr>
-        </a:p>
-      </dsp:txBody>
-      <dsp:txXfrm>
-        <a:off x="0" y="4031779"/>
-        <a:ext cx="2667000" cy="519979"/>
-      </dsp:txXfrm>
-    </dsp:sp>
-    <dsp:sp modelId="{0F0AC827-ACAE-4C23-875D-A4B53006A73F}">
-      <dsp:nvSpPr>
-        <dsp:cNvPr id="0" name=""/>
-        <dsp:cNvSpPr/>
-      </dsp:nvSpPr>
-      <dsp:spPr>
-        <a:xfrm>
-          <a:off x="2667000" y="4031779"/>
-          <a:ext cx="2667000" cy="519979"/>
-        </a:xfrm>
-        <a:prstGeom prst="rect">
-          <a:avLst/>
-        </a:prstGeom>
-        <a:solidFill>
-          <a:schemeClr val="accent3">
-            <a:tint val="40000"/>
-            <a:alpha val="90000"/>
-            <a:hueOff val="405828"/>
-            <a:satOff val="20000"/>
-            <a:lumOff val="356"/>
-            <a:alphaOff val="0"/>
-          </a:schemeClr>
-        </a:solidFill>
-        <a:ln w="12700" cap="flat" cmpd="sng" algn="ctr">
-          <a:solidFill>
-            <a:schemeClr val="accent3">
-              <a:tint val="40000"/>
-              <a:alpha val="90000"/>
-              <a:hueOff val="405828"/>
-              <a:satOff val="20000"/>
-              <a:lumOff val="356"/>
-              <a:alphaOff val="0"/>
-            </a:schemeClr>
-          </a:solidFill>
-          <a:prstDash val="solid"/>
-          <a:miter lim="800000"/>
-        </a:ln>
-        <a:effectLst/>
-      </dsp:spPr>
-      <dsp:style>
-        <a:lnRef idx="2">
-          <a:scrgbClr r="0" g="0" b="0"/>
-        </a:lnRef>
-        <a:fillRef idx="1">
-          <a:scrgbClr r="0" g="0" b="0"/>
-        </a:fillRef>
-        <a:effectRef idx="0">
-          <a:scrgbClr r="0" g="0" b="0"/>
-        </a:effectRef>
-        <a:fontRef idx="minor"/>
-      </dsp:style>
-      <dsp:txBody>
-        <a:bodyPr spcFirstLastPara="0" vert="horz" wrap="square" lIns="156464" tIns="27940" rIns="156464" bIns="27940" numCol="1" spcCol="1270" anchor="ctr" anchorCtr="0">
-          <a:noAutofit/>
-        </a:bodyPr>
-        <a:lstStyle/>
-        <a:p>
-          <a:pPr lvl="0" algn="l" defTabSz="914400">
-            <a:lnSpc>
-              <a:spcPct val="90000"/>
-            </a:lnSpc>
-            <a:spcBef>
-              <a:spcPct val="0"/>
-            </a:spcBef>
-            <a:spcAft>
-              <a:spcPct val="35000"/>
-            </a:spcAft>
-            <a:buNone/>
-          </a:pPr>
-          <a:r>
-            <a:rPr lang="fr-FR" sz="2200" b="0" i="0" kern="1200" noProof="0" dirty="0" smtClean="0">
-              <a:latin typeface="Franklin Gothic Medium"/>
-              <a:ea typeface="+mn-ea"/>
-              <a:cs typeface="+mn-cs"/>
-            </a:rPr>
-            <a:t>…</a:t>
-          </a:r>
-          <a:endParaRPr lang="fr-FR" sz="2200" b="0" i="0" kern="1200" noProof="0" dirty="0">
-            <a:latin typeface="Franklin Gothic Medium"/>
-            <a:ea typeface="+mn-ea"/>
-            <a:cs typeface="+mn-cs"/>
-          </a:endParaRPr>
-        </a:p>
-      </dsp:txBody>
-      <dsp:txXfrm>
-        <a:off x="2667000" y="4031779"/>
-        <a:ext cx="2667000" cy="519979"/>
-      </dsp:txXfrm>
-    </dsp:sp>
-    <dsp:sp modelId="{80AD606B-F25E-46DF-B405-18F7D2EAE74A}">
-      <dsp:nvSpPr>
-        <dsp:cNvPr id="0" name=""/>
-        <dsp:cNvSpPr/>
-      </dsp:nvSpPr>
-      <dsp:spPr>
-        <a:xfrm rot="10800000">
-          <a:off x="0" y="1722392"/>
-          <a:ext cx="5334000" cy="1738539"/>
-        </a:xfrm>
-        <a:prstGeom prst="upArrowCallout">
-          <a:avLst/>
-        </a:prstGeom>
-        <a:solidFill>
-          <a:schemeClr val="accent3">
-            <a:hueOff val="1355300"/>
-            <a:satOff val="50000"/>
-            <a:lumOff val="-7353"/>
-            <a:alphaOff val="0"/>
-          </a:schemeClr>
-        </a:solidFill>
-        <a:ln w="12700" cap="flat" cmpd="sng" algn="ctr">
-          <a:solidFill>
-            <a:schemeClr val="lt1">
-              <a:hueOff val="0"/>
-              <a:satOff val="0"/>
-              <a:lumOff val="0"/>
-              <a:alphaOff val="0"/>
-            </a:schemeClr>
-          </a:solidFill>
-          <a:prstDash val="solid"/>
-          <a:miter lim="800000"/>
-        </a:ln>
-        <a:effectLst/>
-      </dsp:spPr>
-      <dsp:style>
-        <a:lnRef idx="2">
-          <a:scrgbClr r="0" g="0" b="0"/>
-        </a:lnRef>
-        <a:fillRef idx="1">
-          <a:scrgbClr r="0" g="0" b="0"/>
-        </a:fillRef>
-        <a:effectRef idx="0">
-          <a:scrgbClr r="0" g="0" b="0"/>
-        </a:effectRef>
-        <a:fontRef idx="minor">
-          <a:schemeClr val="lt1"/>
-        </a:fontRef>
-      </dsp:style>
-      <dsp:txBody>
-        <a:bodyPr spcFirstLastPara="0" vert="horz" wrap="square" lIns="156464" tIns="156464" rIns="156464" bIns="156464" numCol="1" spcCol="1270" anchor="ctr" anchorCtr="0">
-          <a:noAutofit/>
-        </a:bodyPr>
-        <a:lstStyle/>
-        <a:p>
-          <a:pPr lvl="0" algn="ctr" defTabSz="914400">
-            <a:lnSpc>
-              <a:spcPct val="90000"/>
-            </a:lnSpc>
-            <a:spcBef>
-              <a:spcPct val="0"/>
-            </a:spcBef>
-            <a:spcAft>
-              <a:spcPct val="35000"/>
-            </a:spcAft>
-            <a:buNone/>
-          </a:pPr>
-          <a:r>
-            <a:rPr lang="fr-FR" sz="2200" kern="1200" noProof="0" dirty="0" smtClean="0"/>
-            <a:t>Traitement</a:t>
-          </a:r>
-          <a:endParaRPr lang="fr-FR" sz="2200" kern="1200" noProof="0" dirty="0"/>
-        </a:p>
-      </dsp:txBody>
-      <dsp:txXfrm rot="-10800000">
-        <a:off x="0" y="1722392"/>
-        <a:ext cx="5334000" cy="610227"/>
-      </dsp:txXfrm>
-    </dsp:sp>
-    <dsp:sp modelId="{A8E0F749-66B2-490B-99E9-CC106B163B16}">
-      <dsp:nvSpPr>
-        <dsp:cNvPr id="0" name=""/>
-        <dsp:cNvSpPr/>
-      </dsp:nvSpPr>
-      <dsp:spPr>
-        <a:xfrm>
-          <a:off x="0" y="2332619"/>
-          <a:ext cx="2667000" cy="519823"/>
-        </a:xfrm>
-        <a:prstGeom prst="rect">
-          <a:avLst/>
-        </a:prstGeom>
-        <a:solidFill>
-          <a:schemeClr val="accent3">
-            <a:tint val="40000"/>
-            <a:alpha val="90000"/>
-            <a:hueOff val="811656"/>
-            <a:satOff val="40000"/>
-            <a:lumOff val="712"/>
-            <a:alphaOff val="0"/>
-          </a:schemeClr>
-        </a:solidFill>
-        <a:ln w="12700" cap="flat" cmpd="sng" algn="ctr">
-          <a:solidFill>
-            <a:schemeClr val="accent3">
-              <a:tint val="40000"/>
-              <a:alpha val="90000"/>
-              <a:hueOff val="811656"/>
-              <a:satOff val="40000"/>
-              <a:lumOff val="712"/>
-              <a:alphaOff val="0"/>
-            </a:schemeClr>
-          </a:solidFill>
-          <a:prstDash val="solid"/>
-          <a:miter lim="800000"/>
-        </a:ln>
-        <a:effectLst/>
-      </dsp:spPr>
-      <dsp:style>
-        <a:lnRef idx="2">
-          <a:scrgbClr r="0" g="0" b="0"/>
-        </a:lnRef>
-        <a:fillRef idx="1">
-          <a:scrgbClr r="0" g="0" b="0"/>
-        </a:fillRef>
-        <a:effectRef idx="0">
-          <a:scrgbClr r="0" g="0" b="0"/>
-        </a:effectRef>
-        <a:fontRef idx="minor"/>
-      </dsp:style>
-      <dsp:txBody>
-        <a:bodyPr spcFirstLastPara="0" vert="horz" wrap="square" lIns="156464" tIns="27940" rIns="156464" bIns="27940" numCol="1" spcCol="1270" anchor="ctr" anchorCtr="0">
-          <a:noAutofit/>
-        </a:bodyPr>
-        <a:lstStyle/>
-        <a:p>
-          <a:pPr lvl="0" algn="l" defTabSz="914400">
-            <a:lnSpc>
-              <a:spcPct val="90000"/>
-            </a:lnSpc>
-            <a:spcBef>
-              <a:spcPct val="0"/>
-            </a:spcBef>
-            <a:spcAft>
-              <a:spcPct val="35000"/>
-            </a:spcAft>
-            <a:buNone/>
-          </a:pPr>
-          <a:r>
-            <a:rPr lang="fr-FR" sz="2200" b="0" i="0" kern="1200" noProof="0" dirty="0" smtClean="0">
-              <a:latin typeface="Franklin Gothic Medium"/>
-              <a:ea typeface="+mn-ea"/>
-              <a:cs typeface="+mn-cs"/>
-            </a:rPr>
-            <a:t>Comparaison</a:t>
-          </a:r>
-          <a:endParaRPr lang="fr-FR" sz="2200" b="0" i="0" kern="1200" noProof="0" dirty="0">
-            <a:latin typeface="Franklin Gothic Medium"/>
-            <a:ea typeface="+mn-ea"/>
-            <a:cs typeface="+mn-cs"/>
-          </a:endParaRPr>
-        </a:p>
-      </dsp:txBody>
-      <dsp:txXfrm>
-        <a:off x="0" y="2332619"/>
-        <a:ext cx="2667000" cy="519823"/>
-      </dsp:txXfrm>
-    </dsp:sp>
-    <dsp:sp modelId="{A6EE397C-6C28-4128-BFFE-CFF44F70153F}">
-      <dsp:nvSpPr>
-        <dsp:cNvPr id="0" name=""/>
-        <dsp:cNvSpPr/>
-      </dsp:nvSpPr>
-      <dsp:spPr>
-        <a:xfrm>
-          <a:off x="2667000" y="2332619"/>
-          <a:ext cx="2667000" cy="519823"/>
-        </a:xfrm>
-        <a:prstGeom prst="rect">
-          <a:avLst/>
-        </a:prstGeom>
-        <a:solidFill>
-          <a:schemeClr val="accent3">
-            <a:tint val="40000"/>
-            <a:alpha val="90000"/>
-            <a:hueOff val="1217485"/>
-            <a:satOff val="60000"/>
-            <a:lumOff val="1067"/>
-            <a:alphaOff val="0"/>
-          </a:schemeClr>
-        </a:solidFill>
-        <a:ln w="12700" cap="flat" cmpd="sng" algn="ctr">
-          <a:solidFill>
-            <a:schemeClr val="accent3">
-              <a:tint val="40000"/>
-              <a:alpha val="90000"/>
-              <a:hueOff val="1217485"/>
-              <a:satOff val="60000"/>
-              <a:lumOff val="1067"/>
-              <a:alphaOff val="0"/>
-            </a:schemeClr>
-          </a:solidFill>
-          <a:prstDash val="solid"/>
-          <a:miter lim="800000"/>
-        </a:ln>
-        <a:effectLst/>
-      </dsp:spPr>
-      <dsp:style>
-        <a:lnRef idx="2">
-          <a:scrgbClr r="0" g="0" b="0"/>
-        </a:lnRef>
-        <a:fillRef idx="1">
-          <a:scrgbClr r="0" g="0" b="0"/>
-        </a:fillRef>
-        <a:effectRef idx="0">
-          <a:scrgbClr r="0" g="0" b="0"/>
-        </a:effectRef>
-        <a:fontRef idx="minor"/>
-      </dsp:style>
-      <dsp:txBody>
-        <a:bodyPr spcFirstLastPara="0" vert="horz" wrap="square" lIns="156464" tIns="27940" rIns="156464" bIns="27940" numCol="1" spcCol="1270" anchor="ctr" anchorCtr="0">
-          <a:noAutofit/>
-        </a:bodyPr>
-        <a:lstStyle/>
-        <a:p>
-          <a:pPr lvl="0" algn="l" defTabSz="914400">
-            <a:lnSpc>
-              <a:spcPct val="90000"/>
-            </a:lnSpc>
-            <a:spcBef>
-              <a:spcPct val="0"/>
-            </a:spcBef>
-            <a:spcAft>
-              <a:spcPct val="35000"/>
-            </a:spcAft>
-            <a:buNone/>
-          </a:pPr>
-          <a:r>
-            <a:rPr lang="fr-FR" sz="2200" b="0" i="0" kern="1200" noProof="0" dirty="0" smtClean="0">
-              <a:latin typeface="Franklin Gothic Medium"/>
-              <a:ea typeface="+mn-ea"/>
-              <a:cs typeface="+mn-cs"/>
-            </a:rPr>
-            <a:t>Détection</a:t>
-          </a:r>
-          <a:endParaRPr lang="fr-FR" sz="2200" b="0" i="0" kern="1200" noProof="0" dirty="0">
-            <a:latin typeface="Franklin Gothic Medium"/>
-            <a:ea typeface="+mn-ea"/>
-            <a:cs typeface="+mn-cs"/>
-          </a:endParaRPr>
-        </a:p>
-      </dsp:txBody>
-      <dsp:txXfrm>
-        <a:off x="2667000" y="2332619"/>
-        <a:ext cx="2667000" cy="519823"/>
-      </dsp:txXfrm>
-    </dsp:sp>
-    <dsp:sp modelId="{A48265CE-F3A3-46DB-9DD2-97590B4DBB84}">
-      <dsp:nvSpPr>
-        <dsp:cNvPr id="0" name=""/>
-        <dsp:cNvSpPr/>
-      </dsp:nvSpPr>
-      <dsp:spPr>
-        <a:xfrm rot="10800000">
-          <a:off x="0" y="808"/>
-          <a:ext cx="5334000" cy="1738539"/>
-        </a:xfrm>
-        <a:prstGeom prst="upArrowCallout">
-          <a:avLst/>
-        </a:prstGeom>
-        <a:solidFill>
-          <a:schemeClr val="accent3">
-            <a:hueOff val="2710599"/>
-            <a:satOff val="100000"/>
-            <a:lumOff val="-14706"/>
-            <a:alphaOff val="0"/>
-          </a:schemeClr>
-        </a:solidFill>
-        <a:ln w="12700" cap="flat" cmpd="sng" algn="ctr">
-          <a:solidFill>
-            <a:schemeClr val="lt1">
-              <a:hueOff val="0"/>
-              <a:satOff val="0"/>
-              <a:lumOff val="0"/>
-              <a:alphaOff val="0"/>
-            </a:schemeClr>
-          </a:solidFill>
-          <a:prstDash val="solid"/>
-          <a:miter lim="800000"/>
-        </a:ln>
-        <a:effectLst/>
-      </dsp:spPr>
-      <dsp:style>
-        <a:lnRef idx="2">
-          <a:scrgbClr r="0" g="0" b="0"/>
-        </a:lnRef>
-        <a:fillRef idx="1">
-          <a:scrgbClr r="0" g="0" b="0"/>
-        </a:fillRef>
-        <a:effectRef idx="0">
-          <a:scrgbClr r="0" g="0" b="0"/>
-        </a:effectRef>
-        <a:fontRef idx="minor">
-          <a:schemeClr val="lt1"/>
-        </a:fontRef>
-      </dsp:style>
-      <dsp:txBody>
-        <a:bodyPr spcFirstLastPara="0" vert="horz" wrap="square" lIns="156464" tIns="156464" rIns="156464" bIns="156464" numCol="1" spcCol="1270" anchor="ctr" anchorCtr="0">
-          <a:noAutofit/>
-        </a:bodyPr>
-        <a:lstStyle/>
-        <a:p>
-          <a:pPr lvl="0" algn="ctr" defTabSz="914400">
-            <a:lnSpc>
-              <a:spcPct val="90000"/>
-            </a:lnSpc>
-            <a:spcBef>
-              <a:spcPct val="0"/>
-            </a:spcBef>
-            <a:spcAft>
-              <a:spcPct val="35000"/>
-            </a:spcAft>
-            <a:buNone/>
-          </a:pPr>
-          <a:r>
-            <a:rPr lang="fr-FR" sz="2200" kern="1200" noProof="0" dirty="0" smtClean="0"/>
-            <a:t>Caractérisation d’un signal</a:t>
-          </a:r>
-          <a:endParaRPr lang="fr-FR" sz="2200" kern="1200" noProof="0" dirty="0"/>
-        </a:p>
-      </dsp:txBody>
-      <dsp:txXfrm rot="-10800000">
-        <a:off x="0" y="808"/>
-        <a:ext cx="5334000" cy="610227"/>
-      </dsp:txXfrm>
-    </dsp:sp>
-    <dsp:sp modelId="{59FFE57C-E5F2-4FBD-AA4D-8DB27381892F}">
-      <dsp:nvSpPr>
-        <dsp:cNvPr id="0" name=""/>
-        <dsp:cNvSpPr/>
-      </dsp:nvSpPr>
-      <dsp:spPr>
-        <a:xfrm>
-          <a:off x="0" y="611036"/>
-          <a:ext cx="2667000" cy="519823"/>
-        </a:xfrm>
-        <a:prstGeom prst="rect">
-          <a:avLst/>
-        </a:prstGeom>
-        <a:solidFill>
-          <a:schemeClr val="accent3">
-            <a:tint val="40000"/>
-            <a:alpha val="90000"/>
-            <a:hueOff val="1623313"/>
-            <a:satOff val="80000"/>
-            <a:lumOff val="1423"/>
-            <a:alphaOff val="0"/>
-          </a:schemeClr>
-        </a:solidFill>
-        <a:ln w="12700" cap="flat" cmpd="sng" algn="ctr">
-          <a:solidFill>
-            <a:schemeClr val="accent3">
-              <a:tint val="40000"/>
-              <a:alpha val="90000"/>
-              <a:hueOff val="1623313"/>
-              <a:satOff val="80000"/>
-              <a:lumOff val="1423"/>
-              <a:alphaOff val="0"/>
-            </a:schemeClr>
-          </a:solidFill>
-          <a:prstDash val="solid"/>
-          <a:miter lim="800000"/>
-        </a:ln>
-        <a:effectLst/>
-      </dsp:spPr>
-      <dsp:style>
-        <a:lnRef idx="2">
-          <a:scrgbClr r="0" g="0" b="0"/>
-        </a:lnRef>
-        <a:fillRef idx="1">
-          <a:scrgbClr r="0" g="0" b="0"/>
-        </a:fillRef>
-        <a:effectRef idx="0">
-          <a:scrgbClr r="0" g="0" b="0"/>
-        </a:effectRef>
-        <a:fontRef idx="minor"/>
-      </dsp:style>
-      <dsp:txBody>
-        <a:bodyPr spcFirstLastPara="0" vert="horz" wrap="square" lIns="156464" tIns="27940" rIns="156464" bIns="27940" numCol="1" spcCol="1270" anchor="ctr" anchorCtr="0">
-          <a:noAutofit/>
-        </a:bodyPr>
-        <a:lstStyle/>
-        <a:p>
-          <a:pPr lvl="0" algn="l" defTabSz="914400">
-            <a:lnSpc>
-              <a:spcPct val="90000"/>
-            </a:lnSpc>
-            <a:spcBef>
-              <a:spcPct val="0"/>
-            </a:spcBef>
-            <a:spcAft>
-              <a:spcPct val="35000"/>
-            </a:spcAft>
-            <a:buNone/>
-          </a:pPr>
-          <a:r>
-            <a:rPr lang="fr-FR" sz="2200" b="0" i="0" kern="1200" noProof="0" dirty="0" smtClean="0">
-              <a:latin typeface="Franklin Gothic Medium"/>
-              <a:ea typeface="+mn-ea"/>
-              <a:cs typeface="+mn-cs"/>
-            </a:rPr>
-            <a:t>Spectre</a:t>
-          </a:r>
-          <a:endParaRPr lang="fr-FR" sz="2200" b="0" i="0" kern="1200" noProof="0" dirty="0">
-            <a:latin typeface="Franklin Gothic Medium"/>
-            <a:ea typeface="+mn-ea"/>
-            <a:cs typeface="+mn-cs"/>
-          </a:endParaRPr>
-        </a:p>
-      </dsp:txBody>
-      <dsp:txXfrm>
-        <a:off x="0" y="611036"/>
-        <a:ext cx="2667000" cy="519823"/>
-      </dsp:txXfrm>
-    </dsp:sp>
-    <dsp:sp modelId="{3EC7D028-ECEA-492B-A6F1-68E9B57B69C6}">
-      <dsp:nvSpPr>
-        <dsp:cNvPr id="0" name=""/>
-        <dsp:cNvSpPr/>
-      </dsp:nvSpPr>
-      <dsp:spPr>
-        <a:xfrm>
-          <a:off x="2667000" y="611036"/>
-          <a:ext cx="2667000" cy="519823"/>
-        </a:xfrm>
-        <a:prstGeom prst="rect">
-          <a:avLst/>
-        </a:prstGeom>
-        <a:solidFill>
-          <a:schemeClr val="accent3">
-            <a:tint val="40000"/>
-            <a:alpha val="90000"/>
-            <a:hueOff val="2029141"/>
-            <a:satOff val="100000"/>
-            <a:lumOff val="1779"/>
-            <a:alphaOff val="0"/>
-          </a:schemeClr>
-        </a:solidFill>
-        <a:ln w="12700" cap="flat" cmpd="sng" algn="ctr">
-          <a:solidFill>
-            <a:schemeClr val="accent3">
-              <a:tint val="40000"/>
-              <a:alpha val="90000"/>
-              <a:hueOff val="2029141"/>
-              <a:satOff val="100000"/>
-              <a:lumOff val="1779"/>
-              <a:alphaOff val="0"/>
-            </a:schemeClr>
-          </a:solidFill>
-          <a:prstDash val="solid"/>
-          <a:miter lim="800000"/>
-        </a:ln>
-        <a:effectLst/>
-      </dsp:spPr>
-      <dsp:style>
-        <a:lnRef idx="2">
-          <a:scrgbClr r="0" g="0" b="0"/>
-        </a:lnRef>
-        <a:fillRef idx="1">
-          <a:scrgbClr r="0" g="0" b="0"/>
-        </a:fillRef>
-        <a:effectRef idx="0">
-          <a:scrgbClr r="0" g="0" b="0"/>
-        </a:effectRef>
-        <a:fontRef idx="minor"/>
-      </dsp:style>
-      <dsp:txBody>
-        <a:bodyPr spcFirstLastPara="0" vert="horz" wrap="square" lIns="156464" tIns="27940" rIns="156464" bIns="27940" numCol="1" spcCol="1270" anchor="ctr" anchorCtr="0">
-          <a:noAutofit/>
-        </a:bodyPr>
-        <a:lstStyle/>
-        <a:p>
-          <a:pPr lvl="0" algn="l" defTabSz="914400">
-            <a:lnSpc>
-              <a:spcPct val="90000"/>
-            </a:lnSpc>
-            <a:spcBef>
-              <a:spcPct val="0"/>
-            </a:spcBef>
-            <a:spcAft>
-              <a:spcPct val="35000"/>
-            </a:spcAft>
-            <a:buNone/>
-          </a:pPr>
-          <a:r>
-            <a:rPr lang="fr-FR" sz="2200" b="0" i="0" kern="1200" noProof="0" dirty="0" smtClean="0">
-              <a:latin typeface="Franklin Gothic Medium"/>
-              <a:ea typeface="+mn-ea"/>
-              <a:cs typeface="+mn-cs"/>
-            </a:rPr>
-            <a:t>Valeurs singulières</a:t>
-          </a:r>
-          <a:endParaRPr lang="fr-FR" sz="2200" b="0" i="0" kern="1200" noProof="0" dirty="0">
-            <a:latin typeface="Franklin Gothic Medium"/>
-            <a:ea typeface="+mn-ea"/>
-            <a:cs typeface="+mn-cs"/>
-          </a:endParaRPr>
-        </a:p>
-      </dsp:txBody>
-      <dsp:txXfrm>
-        <a:off x="2667000" y="611036"/>
-        <a:ext cx="2667000" cy="519823"/>
-      </dsp:txXfrm>
-    </dsp:sp>
   </dsp:spTree>
 </dsp:drawing>
 </file>
@@ -3859,777 +3090,6 @@
       <dsp:cNvGrpSpPr/>
     </dsp:nvGrpSpPr>
     <dsp:grpSpPr/>
-    <dsp:sp modelId="{B752F9F5-2482-4D52-A33E-BE0263F4B0EA}">
-      <dsp:nvSpPr>
-        <dsp:cNvPr id="0" name=""/>
-        <dsp:cNvSpPr/>
-      </dsp:nvSpPr>
-      <dsp:spPr>
-        <a:xfrm>
-          <a:off x="0" y="3443976"/>
-          <a:ext cx="5334000" cy="1130389"/>
-        </a:xfrm>
-        <a:prstGeom prst="rect">
-          <a:avLst/>
-        </a:prstGeom>
-        <a:solidFill>
-          <a:schemeClr val="accent3">
-            <a:hueOff val="0"/>
-            <a:satOff val="0"/>
-            <a:lumOff val="0"/>
-            <a:alphaOff val="0"/>
-          </a:schemeClr>
-        </a:solidFill>
-        <a:ln w="12700" cap="flat" cmpd="sng" algn="ctr">
-          <a:solidFill>
-            <a:schemeClr val="lt1">
-              <a:hueOff val="0"/>
-              <a:satOff val="0"/>
-              <a:lumOff val="0"/>
-              <a:alphaOff val="0"/>
-            </a:schemeClr>
-          </a:solidFill>
-          <a:prstDash val="solid"/>
-          <a:miter lim="800000"/>
-        </a:ln>
-        <a:effectLst/>
-      </dsp:spPr>
-      <dsp:style>
-        <a:lnRef idx="2">
-          <a:scrgbClr r="0" g="0" b="0"/>
-        </a:lnRef>
-        <a:fillRef idx="1">
-          <a:scrgbClr r="0" g="0" b="0"/>
-        </a:fillRef>
-        <a:effectRef idx="0">
-          <a:scrgbClr r="0" g="0" b="0"/>
-        </a:effectRef>
-        <a:fontRef idx="minor">
-          <a:schemeClr val="lt1"/>
-        </a:fontRef>
-      </dsp:style>
-      <dsp:txBody>
-        <a:bodyPr spcFirstLastPara="0" vert="horz" wrap="square" lIns="156464" tIns="156464" rIns="156464" bIns="156464" numCol="1" spcCol="1270" anchor="ctr" anchorCtr="0">
-          <a:noAutofit/>
-        </a:bodyPr>
-        <a:lstStyle/>
-        <a:p>
-          <a:pPr lvl="0" algn="ctr" defTabSz="914400">
-            <a:lnSpc>
-              <a:spcPct val="90000"/>
-            </a:lnSpc>
-            <a:spcBef>
-              <a:spcPct val="0"/>
-            </a:spcBef>
-            <a:spcAft>
-              <a:spcPct val="35000"/>
-            </a:spcAft>
-            <a:buNone/>
-          </a:pPr>
-          <a:r>
-            <a:rPr lang="fr-FR" sz="2200" kern="1200" noProof="0" dirty="0" smtClean="0"/>
-            <a:t>Étape 3</a:t>
-          </a:r>
-          <a:endParaRPr lang="fr-FR" sz="2200" kern="1200" noProof="0" dirty="0"/>
-        </a:p>
-      </dsp:txBody>
-      <dsp:txXfrm>
-        <a:off x="0" y="3443976"/>
-        <a:ext cx="5334000" cy="610410"/>
-      </dsp:txXfrm>
-    </dsp:sp>
-    <dsp:sp modelId="{C4F2ADBF-C592-483D-A6FF-5DB9D2A90309}">
-      <dsp:nvSpPr>
-        <dsp:cNvPr id="0" name=""/>
-        <dsp:cNvSpPr/>
-      </dsp:nvSpPr>
-      <dsp:spPr>
-        <a:xfrm>
-          <a:off x="0" y="4031779"/>
-          <a:ext cx="2667000" cy="519979"/>
-        </a:xfrm>
-        <a:prstGeom prst="rect">
-          <a:avLst/>
-        </a:prstGeom>
-        <a:solidFill>
-          <a:schemeClr val="accent3">
-            <a:tint val="40000"/>
-            <a:alpha val="90000"/>
-            <a:hueOff val="0"/>
-            <a:satOff val="0"/>
-            <a:lumOff val="0"/>
-            <a:alphaOff val="0"/>
-          </a:schemeClr>
-        </a:solidFill>
-        <a:ln w="12700" cap="flat" cmpd="sng" algn="ctr">
-          <a:solidFill>
-            <a:schemeClr val="accent3">
-              <a:tint val="40000"/>
-              <a:alpha val="90000"/>
-              <a:hueOff val="0"/>
-              <a:satOff val="0"/>
-              <a:lumOff val="0"/>
-              <a:alphaOff val="0"/>
-            </a:schemeClr>
-          </a:solidFill>
-          <a:prstDash val="solid"/>
-          <a:miter lim="800000"/>
-        </a:ln>
-        <a:effectLst/>
-      </dsp:spPr>
-      <dsp:style>
-        <a:lnRef idx="2">
-          <a:scrgbClr r="0" g="0" b="0"/>
-        </a:lnRef>
-        <a:fillRef idx="1">
-          <a:scrgbClr r="0" g="0" b="0"/>
-        </a:fillRef>
-        <a:effectRef idx="0">
-          <a:scrgbClr r="0" g="0" b="0"/>
-        </a:effectRef>
-        <a:fontRef idx="minor"/>
-      </dsp:style>
-      <dsp:txBody>
-        <a:bodyPr spcFirstLastPara="0" vert="horz" wrap="square" lIns="135128" tIns="24130" rIns="135128" bIns="24130" numCol="1" spcCol="1270" anchor="ctr" anchorCtr="0">
-          <a:noAutofit/>
-        </a:bodyPr>
-        <a:lstStyle/>
-        <a:p>
-          <a:pPr lvl="0" algn="l" defTabSz="914400">
-            <a:lnSpc>
-              <a:spcPct val="90000"/>
-            </a:lnSpc>
-            <a:spcBef>
-              <a:spcPct val="0"/>
-            </a:spcBef>
-            <a:spcAft>
-              <a:spcPct val="35000"/>
-            </a:spcAft>
-            <a:buNone/>
-          </a:pPr>
-          <a:r>
-            <a:rPr lang="fr-FR" sz="1900" b="0" i="0" kern="1200" noProof="0" dirty="0" smtClean="0">
-              <a:latin typeface="Franklin Gothic Medium"/>
-              <a:ea typeface="+mn-ea"/>
-              <a:cs typeface="+mn-cs"/>
-            </a:rPr>
-            <a:t>Description de la tâche</a:t>
-          </a:r>
-          <a:endParaRPr lang="fr-FR" sz="1900" b="0" i="0" kern="1200" noProof="0" dirty="0">
-            <a:latin typeface="Franklin Gothic Medium"/>
-            <a:ea typeface="+mn-ea"/>
-            <a:cs typeface="+mn-cs"/>
-          </a:endParaRPr>
-        </a:p>
-      </dsp:txBody>
-      <dsp:txXfrm>
-        <a:off x="0" y="4031779"/>
-        <a:ext cx="2667000" cy="519979"/>
-      </dsp:txXfrm>
-    </dsp:sp>
-    <dsp:sp modelId="{0F0AC827-ACAE-4C23-875D-A4B53006A73F}">
-      <dsp:nvSpPr>
-        <dsp:cNvPr id="0" name=""/>
-        <dsp:cNvSpPr/>
-      </dsp:nvSpPr>
-      <dsp:spPr>
-        <a:xfrm>
-          <a:off x="2667000" y="4031779"/>
-          <a:ext cx="2667000" cy="519979"/>
-        </a:xfrm>
-        <a:prstGeom prst="rect">
-          <a:avLst/>
-        </a:prstGeom>
-        <a:solidFill>
-          <a:schemeClr val="accent3">
-            <a:tint val="40000"/>
-            <a:alpha val="90000"/>
-            <a:hueOff val="405828"/>
-            <a:satOff val="20000"/>
-            <a:lumOff val="356"/>
-            <a:alphaOff val="0"/>
-          </a:schemeClr>
-        </a:solidFill>
-        <a:ln w="12700" cap="flat" cmpd="sng" algn="ctr">
-          <a:solidFill>
-            <a:schemeClr val="accent3">
-              <a:tint val="40000"/>
-              <a:alpha val="90000"/>
-              <a:hueOff val="405828"/>
-              <a:satOff val="20000"/>
-              <a:lumOff val="356"/>
-              <a:alphaOff val="0"/>
-            </a:schemeClr>
-          </a:solidFill>
-          <a:prstDash val="solid"/>
-          <a:miter lim="800000"/>
-        </a:ln>
-        <a:effectLst/>
-      </dsp:spPr>
-      <dsp:style>
-        <a:lnRef idx="2">
-          <a:scrgbClr r="0" g="0" b="0"/>
-        </a:lnRef>
-        <a:fillRef idx="1">
-          <a:scrgbClr r="0" g="0" b="0"/>
-        </a:fillRef>
-        <a:effectRef idx="0">
-          <a:scrgbClr r="0" g="0" b="0"/>
-        </a:effectRef>
-        <a:fontRef idx="minor"/>
-      </dsp:style>
-      <dsp:txBody>
-        <a:bodyPr spcFirstLastPara="0" vert="horz" wrap="square" lIns="135128" tIns="24130" rIns="135128" bIns="24130" numCol="1" spcCol="1270" anchor="ctr" anchorCtr="0">
-          <a:noAutofit/>
-        </a:bodyPr>
-        <a:lstStyle/>
-        <a:p>
-          <a:pPr lvl="0" algn="l" defTabSz="914400">
-            <a:lnSpc>
-              <a:spcPct val="90000"/>
-            </a:lnSpc>
-            <a:spcBef>
-              <a:spcPct val="0"/>
-            </a:spcBef>
-            <a:spcAft>
-              <a:spcPct val="35000"/>
-            </a:spcAft>
-            <a:buNone/>
-          </a:pPr>
-          <a:r>
-            <a:rPr lang="fr-FR" sz="1900" b="0" i="0" kern="1200" noProof="0" dirty="0" smtClean="0">
-              <a:latin typeface="Franklin Gothic Medium"/>
-              <a:ea typeface="+mn-ea"/>
-              <a:cs typeface="+mn-cs"/>
-            </a:rPr>
-            <a:t>Description de la tâche</a:t>
-          </a:r>
-          <a:endParaRPr lang="fr-FR" sz="1900" b="0" i="0" kern="1200" noProof="0" dirty="0">
-            <a:latin typeface="Franklin Gothic Medium"/>
-            <a:ea typeface="+mn-ea"/>
-            <a:cs typeface="+mn-cs"/>
-          </a:endParaRPr>
-        </a:p>
-      </dsp:txBody>
-      <dsp:txXfrm>
-        <a:off x="2667000" y="4031779"/>
-        <a:ext cx="2667000" cy="519979"/>
-      </dsp:txXfrm>
-    </dsp:sp>
-    <dsp:sp modelId="{80AD606B-F25E-46DF-B405-18F7D2EAE74A}">
-      <dsp:nvSpPr>
-        <dsp:cNvPr id="0" name=""/>
-        <dsp:cNvSpPr/>
-      </dsp:nvSpPr>
-      <dsp:spPr>
-        <a:xfrm rot="10800000">
-          <a:off x="0" y="1722392"/>
-          <a:ext cx="5334000" cy="1738539"/>
-        </a:xfrm>
-        <a:prstGeom prst="upArrowCallout">
-          <a:avLst/>
-        </a:prstGeom>
-        <a:solidFill>
-          <a:schemeClr val="accent3">
-            <a:hueOff val="1355300"/>
-            <a:satOff val="50000"/>
-            <a:lumOff val="-7353"/>
-            <a:alphaOff val="0"/>
-          </a:schemeClr>
-        </a:solidFill>
-        <a:ln w="12700" cap="flat" cmpd="sng" algn="ctr">
-          <a:solidFill>
-            <a:schemeClr val="lt1">
-              <a:hueOff val="0"/>
-              <a:satOff val="0"/>
-              <a:lumOff val="0"/>
-              <a:alphaOff val="0"/>
-            </a:schemeClr>
-          </a:solidFill>
-          <a:prstDash val="solid"/>
-          <a:miter lim="800000"/>
-        </a:ln>
-        <a:effectLst/>
-      </dsp:spPr>
-      <dsp:style>
-        <a:lnRef idx="2">
-          <a:scrgbClr r="0" g="0" b="0"/>
-        </a:lnRef>
-        <a:fillRef idx="1">
-          <a:scrgbClr r="0" g="0" b="0"/>
-        </a:fillRef>
-        <a:effectRef idx="0">
-          <a:scrgbClr r="0" g="0" b="0"/>
-        </a:effectRef>
-        <a:fontRef idx="minor">
-          <a:schemeClr val="lt1"/>
-        </a:fontRef>
-      </dsp:style>
-      <dsp:txBody>
-        <a:bodyPr spcFirstLastPara="0" vert="horz" wrap="square" lIns="156464" tIns="156464" rIns="156464" bIns="156464" numCol="1" spcCol="1270" anchor="ctr" anchorCtr="0">
-          <a:noAutofit/>
-        </a:bodyPr>
-        <a:lstStyle/>
-        <a:p>
-          <a:pPr lvl="0" algn="ctr" defTabSz="914400">
-            <a:lnSpc>
-              <a:spcPct val="90000"/>
-            </a:lnSpc>
-            <a:spcBef>
-              <a:spcPct val="0"/>
-            </a:spcBef>
-            <a:spcAft>
-              <a:spcPct val="35000"/>
-            </a:spcAft>
-            <a:buNone/>
-          </a:pPr>
-          <a:r>
-            <a:rPr lang="fr-FR" sz="2200" kern="1200" noProof="0" dirty="0" smtClean="0"/>
-            <a:t>Étape 2</a:t>
-          </a:r>
-          <a:endParaRPr lang="fr-FR" sz="2200" kern="1200" noProof="0" dirty="0"/>
-        </a:p>
-      </dsp:txBody>
-      <dsp:txXfrm rot="-10800000">
-        <a:off x="0" y="1722392"/>
-        <a:ext cx="5334000" cy="610227"/>
-      </dsp:txXfrm>
-    </dsp:sp>
-    <dsp:sp modelId="{A8E0F749-66B2-490B-99E9-CC106B163B16}">
-      <dsp:nvSpPr>
-        <dsp:cNvPr id="0" name=""/>
-        <dsp:cNvSpPr/>
-      </dsp:nvSpPr>
-      <dsp:spPr>
-        <a:xfrm>
-          <a:off x="0" y="2332619"/>
-          <a:ext cx="2667000" cy="519823"/>
-        </a:xfrm>
-        <a:prstGeom prst="rect">
-          <a:avLst/>
-        </a:prstGeom>
-        <a:solidFill>
-          <a:schemeClr val="accent3">
-            <a:tint val="40000"/>
-            <a:alpha val="90000"/>
-            <a:hueOff val="811656"/>
-            <a:satOff val="40000"/>
-            <a:lumOff val="712"/>
-            <a:alphaOff val="0"/>
-          </a:schemeClr>
-        </a:solidFill>
-        <a:ln w="12700" cap="flat" cmpd="sng" algn="ctr">
-          <a:solidFill>
-            <a:schemeClr val="accent3">
-              <a:tint val="40000"/>
-              <a:alpha val="90000"/>
-              <a:hueOff val="811656"/>
-              <a:satOff val="40000"/>
-              <a:lumOff val="712"/>
-              <a:alphaOff val="0"/>
-            </a:schemeClr>
-          </a:solidFill>
-          <a:prstDash val="solid"/>
-          <a:miter lim="800000"/>
-        </a:ln>
-        <a:effectLst/>
-      </dsp:spPr>
-      <dsp:style>
-        <a:lnRef idx="2">
-          <a:scrgbClr r="0" g="0" b="0"/>
-        </a:lnRef>
-        <a:fillRef idx="1">
-          <a:scrgbClr r="0" g="0" b="0"/>
-        </a:fillRef>
-        <a:effectRef idx="0">
-          <a:scrgbClr r="0" g="0" b="0"/>
-        </a:effectRef>
-        <a:fontRef idx="minor"/>
-      </dsp:style>
-      <dsp:txBody>
-        <a:bodyPr spcFirstLastPara="0" vert="horz" wrap="square" lIns="135128" tIns="24130" rIns="135128" bIns="24130" numCol="1" spcCol="1270" anchor="ctr" anchorCtr="0">
-          <a:noAutofit/>
-        </a:bodyPr>
-        <a:lstStyle/>
-        <a:p>
-          <a:pPr lvl="0" algn="l" defTabSz="914400">
-            <a:lnSpc>
-              <a:spcPct val="90000"/>
-            </a:lnSpc>
-            <a:spcBef>
-              <a:spcPct val="0"/>
-            </a:spcBef>
-            <a:spcAft>
-              <a:spcPct val="35000"/>
-            </a:spcAft>
-            <a:buNone/>
-          </a:pPr>
-          <a:r>
-            <a:rPr lang="fr-FR" sz="1900" b="0" i="0" kern="1200" noProof="0" dirty="0" smtClean="0">
-              <a:latin typeface="Franklin Gothic Medium"/>
-              <a:ea typeface="+mn-ea"/>
-              <a:cs typeface="+mn-cs"/>
-            </a:rPr>
-            <a:t>Description de la tâche</a:t>
-          </a:r>
-          <a:endParaRPr lang="fr-FR" sz="1900" b="0" i="0" kern="1200" noProof="0" dirty="0">
-            <a:latin typeface="Franklin Gothic Medium"/>
-            <a:ea typeface="+mn-ea"/>
-            <a:cs typeface="+mn-cs"/>
-          </a:endParaRPr>
-        </a:p>
-      </dsp:txBody>
-      <dsp:txXfrm>
-        <a:off x="0" y="2332619"/>
-        <a:ext cx="2667000" cy="519823"/>
-      </dsp:txXfrm>
-    </dsp:sp>
-    <dsp:sp modelId="{A6EE397C-6C28-4128-BFFE-CFF44F70153F}">
-      <dsp:nvSpPr>
-        <dsp:cNvPr id="0" name=""/>
-        <dsp:cNvSpPr/>
-      </dsp:nvSpPr>
-      <dsp:spPr>
-        <a:xfrm>
-          <a:off x="2667000" y="2332619"/>
-          <a:ext cx="2667000" cy="519823"/>
-        </a:xfrm>
-        <a:prstGeom prst="rect">
-          <a:avLst/>
-        </a:prstGeom>
-        <a:solidFill>
-          <a:schemeClr val="accent3">
-            <a:tint val="40000"/>
-            <a:alpha val="90000"/>
-            <a:hueOff val="1217485"/>
-            <a:satOff val="60000"/>
-            <a:lumOff val="1067"/>
-            <a:alphaOff val="0"/>
-          </a:schemeClr>
-        </a:solidFill>
-        <a:ln w="12700" cap="flat" cmpd="sng" algn="ctr">
-          <a:solidFill>
-            <a:schemeClr val="accent3">
-              <a:tint val="40000"/>
-              <a:alpha val="90000"/>
-              <a:hueOff val="1217485"/>
-              <a:satOff val="60000"/>
-              <a:lumOff val="1067"/>
-              <a:alphaOff val="0"/>
-            </a:schemeClr>
-          </a:solidFill>
-          <a:prstDash val="solid"/>
-          <a:miter lim="800000"/>
-        </a:ln>
-        <a:effectLst/>
-      </dsp:spPr>
-      <dsp:style>
-        <a:lnRef idx="2">
-          <a:scrgbClr r="0" g="0" b="0"/>
-        </a:lnRef>
-        <a:fillRef idx="1">
-          <a:scrgbClr r="0" g="0" b="0"/>
-        </a:fillRef>
-        <a:effectRef idx="0">
-          <a:scrgbClr r="0" g="0" b="0"/>
-        </a:effectRef>
-        <a:fontRef idx="minor"/>
-      </dsp:style>
-      <dsp:txBody>
-        <a:bodyPr spcFirstLastPara="0" vert="horz" wrap="square" lIns="135128" tIns="24130" rIns="135128" bIns="24130" numCol="1" spcCol="1270" anchor="ctr" anchorCtr="0">
-          <a:noAutofit/>
-        </a:bodyPr>
-        <a:lstStyle/>
-        <a:p>
-          <a:pPr lvl="0" algn="l" defTabSz="914400">
-            <a:lnSpc>
-              <a:spcPct val="90000"/>
-            </a:lnSpc>
-            <a:spcBef>
-              <a:spcPct val="0"/>
-            </a:spcBef>
-            <a:spcAft>
-              <a:spcPct val="35000"/>
-            </a:spcAft>
-            <a:buNone/>
-          </a:pPr>
-          <a:r>
-            <a:rPr lang="fr-FR" sz="1900" b="0" i="0" kern="1200" noProof="0" dirty="0" smtClean="0">
-              <a:latin typeface="Franklin Gothic Medium"/>
-              <a:ea typeface="+mn-ea"/>
-              <a:cs typeface="+mn-cs"/>
-            </a:rPr>
-            <a:t>Description de la tâche</a:t>
-          </a:r>
-          <a:endParaRPr lang="fr-FR" sz="1900" b="0" i="0" kern="1200" noProof="0" dirty="0">
-            <a:latin typeface="Franklin Gothic Medium"/>
-            <a:ea typeface="+mn-ea"/>
-            <a:cs typeface="+mn-cs"/>
-          </a:endParaRPr>
-        </a:p>
-      </dsp:txBody>
-      <dsp:txXfrm>
-        <a:off x="2667000" y="2332619"/>
-        <a:ext cx="2667000" cy="519823"/>
-      </dsp:txXfrm>
-    </dsp:sp>
-    <dsp:sp modelId="{A48265CE-F3A3-46DB-9DD2-97590B4DBB84}">
-      <dsp:nvSpPr>
-        <dsp:cNvPr id="0" name=""/>
-        <dsp:cNvSpPr/>
-      </dsp:nvSpPr>
-      <dsp:spPr>
-        <a:xfrm rot="10800000">
-          <a:off x="0" y="808"/>
-          <a:ext cx="5334000" cy="1738539"/>
-        </a:xfrm>
-        <a:prstGeom prst="upArrowCallout">
-          <a:avLst/>
-        </a:prstGeom>
-        <a:solidFill>
-          <a:schemeClr val="accent3">
-            <a:hueOff val="2710599"/>
-            <a:satOff val="100000"/>
-            <a:lumOff val="-14706"/>
-            <a:alphaOff val="0"/>
-          </a:schemeClr>
-        </a:solidFill>
-        <a:ln w="12700" cap="flat" cmpd="sng" algn="ctr">
-          <a:solidFill>
-            <a:schemeClr val="lt1">
-              <a:hueOff val="0"/>
-              <a:satOff val="0"/>
-              <a:lumOff val="0"/>
-              <a:alphaOff val="0"/>
-            </a:schemeClr>
-          </a:solidFill>
-          <a:prstDash val="solid"/>
-          <a:miter lim="800000"/>
-        </a:ln>
-        <a:effectLst/>
-      </dsp:spPr>
-      <dsp:style>
-        <a:lnRef idx="2">
-          <a:scrgbClr r="0" g="0" b="0"/>
-        </a:lnRef>
-        <a:fillRef idx="1">
-          <a:scrgbClr r="0" g="0" b="0"/>
-        </a:fillRef>
-        <a:effectRef idx="0">
-          <a:scrgbClr r="0" g="0" b="0"/>
-        </a:effectRef>
-        <a:fontRef idx="minor">
-          <a:schemeClr val="lt1"/>
-        </a:fontRef>
-      </dsp:style>
-      <dsp:txBody>
-        <a:bodyPr spcFirstLastPara="0" vert="horz" wrap="square" lIns="156464" tIns="156464" rIns="156464" bIns="156464" numCol="1" spcCol="1270" anchor="ctr" anchorCtr="0">
-          <a:noAutofit/>
-        </a:bodyPr>
-        <a:lstStyle/>
-        <a:p>
-          <a:pPr lvl="0" algn="ctr" defTabSz="914400">
-            <a:lnSpc>
-              <a:spcPct val="90000"/>
-            </a:lnSpc>
-            <a:spcBef>
-              <a:spcPct val="0"/>
-            </a:spcBef>
-            <a:spcAft>
-              <a:spcPct val="35000"/>
-            </a:spcAft>
-            <a:buNone/>
-          </a:pPr>
-          <a:r>
-            <a:rPr lang="fr-FR" sz="2200" kern="1200" noProof="0" dirty="0" smtClean="0"/>
-            <a:t>Étape 1</a:t>
-          </a:r>
-          <a:endParaRPr lang="fr-FR" sz="2200" kern="1200" noProof="0" dirty="0"/>
-        </a:p>
-      </dsp:txBody>
-      <dsp:txXfrm rot="-10800000">
-        <a:off x="0" y="808"/>
-        <a:ext cx="5334000" cy="610227"/>
-      </dsp:txXfrm>
-    </dsp:sp>
-    <dsp:sp modelId="{59FFE57C-E5F2-4FBD-AA4D-8DB27381892F}">
-      <dsp:nvSpPr>
-        <dsp:cNvPr id="0" name=""/>
-        <dsp:cNvSpPr/>
-      </dsp:nvSpPr>
-      <dsp:spPr>
-        <a:xfrm>
-          <a:off x="0" y="611036"/>
-          <a:ext cx="2667000" cy="519823"/>
-        </a:xfrm>
-        <a:prstGeom prst="rect">
-          <a:avLst/>
-        </a:prstGeom>
-        <a:solidFill>
-          <a:schemeClr val="accent3">
-            <a:tint val="40000"/>
-            <a:alpha val="90000"/>
-            <a:hueOff val="1623313"/>
-            <a:satOff val="80000"/>
-            <a:lumOff val="1423"/>
-            <a:alphaOff val="0"/>
-          </a:schemeClr>
-        </a:solidFill>
-        <a:ln w="12700" cap="flat" cmpd="sng" algn="ctr">
-          <a:solidFill>
-            <a:schemeClr val="accent3">
-              <a:tint val="40000"/>
-              <a:alpha val="90000"/>
-              <a:hueOff val="1623313"/>
-              <a:satOff val="80000"/>
-              <a:lumOff val="1423"/>
-              <a:alphaOff val="0"/>
-            </a:schemeClr>
-          </a:solidFill>
-          <a:prstDash val="solid"/>
-          <a:miter lim="800000"/>
-        </a:ln>
-        <a:effectLst/>
-      </dsp:spPr>
-      <dsp:style>
-        <a:lnRef idx="2">
-          <a:scrgbClr r="0" g="0" b="0"/>
-        </a:lnRef>
-        <a:fillRef idx="1">
-          <a:scrgbClr r="0" g="0" b="0"/>
-        </a:fillRef>
-        <a:effectRef idx="0">
-          <a:scrgbClr r="0" g="0" b="0"/>
-        </a:effectRef>
-        <a:fontRef idx="minor"/>
-      </dsp:style>
-      <dsp:txBody>
-        <a:bodyPr spcFirstLastPara="0" vert="horz" wrap="square" lIns="135128" tIns="24130" rIns="135128" bIns="24130" numCol="1" spcCol="1270" anchor="ctr" anchorCtr="0">
-          <a:noAutofit/>
-        </a:bodyPr>
-        <a:lstStyle/>
-        <a:p>
-          <a:pPr lvl="0" algn="l" defTabSz="914400">
-            <a:lnSpc>
-              <a:spcPct val="90000"/>
-            </a:lnSpc>
-            <a:spcBef>
-              <a:spcPct val="0"/>
-            </a:spcBef>
-            <a:spcAft>
-              <a:spcPct val="35000"/>
-            </a:spcAft>
-            <a:buNone/>
-          </a:pPr>
-          <a:r>
-            <a:rPr lang="fr-FR" sz="1900" b="0" i="0" kern="1200" noProof="0" dirty="0" smtClean="0">
-              <a:latin typeface="Franklin Gothic Medium"/>
-              <a:ea typeface="+mn-ea"/>
-              <a:cs typeface="+mn-cs"/>
-            </a:rPr>
-            <a:t>Description de la tâche</a:t>
-          </a:r>
-          <a:endParaRPr lang="fr-FR" sz="1900" b="0" i="0" kern="1200" noProof="0" dirty="0">
-            <a:latin typeface="Franklin Gothic Medium"/>
-            <a:ea typeface="+mn-ea"/>
-            <a:cs typeface="+mn-cs"/>
-          </a:endParaRPr>
-        </a:p>
-      </dsp:txBody>
-      <dsp:txXfrm>
-        <a:off x="0" y="611036"/>
-        <a:ext cx="2667000" cy="519823"/>
-      </dsp:txXfrm>
-    </dsp:sp>
-    <dsp:sp modelId="{3EC7D028-ECEA-492B-A6F1-68E9B57B69C6}">
-      <dsp:nvSpPr>
-        <dsp:cNvPr id="0" name=""/>
-        <dsp:cNvSpPr/>
-      </dsp:nvSpPr>
-      <dsp:spPr>
-        <a:xfrm>
-          <a:off x="2667000" y="611036"/>
-          <a:ext cx="2667000" cy="519823"/>
-        </a:xfrm>
-        <a:prstGeom prst="rect">
-          <a:avLst/>
-        </a:prstGeom>
-        <a:solidFill>
-          <a:schemeClr val="accent3">
-            <a:tint val="40000"/>
-            <a:alpha val="90000"/>
-            <a:hueOff val="2029141"/>
-            <a:satOff val="100000"/>
-            <a:lumOff val="1779"/>
-            <a:alphaOff val="0"/>
-          </a:schemeClr>
-        </a:solidFill>
-        <a:ln w="12700" cap="flat" cmpd="sng" algn="ctr">
-          <a:solidFill>
-            <a:schemeClr val="accent3">
-              <a:tint val="40000"/>
-              <a:alpha val="90000"/>
-              <a:hueOff val="2029141"/>
-              <a:satOff val="100000"/>
-              <a:lumOff val="1779"/>
-              <a:alphaOff val="0"/>
-            </a:schemeClr>
-          </a:solidFill>
-          <a:prstDash val="solid"/>
-          <a:miter lim="800000"/>
-        </a:ln>
-        <a:effectLst/>
-      </dsp:spPr>
-      <dsp:style>
-        <a:lnRef idx="2">
-          <a:scrgbClr r="0" g="0" b="0"/>
-        </a:lnRef>
-        <a:fillRef idx="1">
-          <a:scrgbClr r="0" g="0" b="0"/>
-        </a:fillRef>
-        <a:effectRef idx="0">
-          <a:scrgbClr r="0" g="0" b="0"/>
-        </a:effectRef>
-        <a:fontRef idx="minor"/>
-      </dsp:style>
-      <dsp:txBody>
-        <a:bodyPr spcFirstLastPara="0" vert="horz" wrap="square" lIns="135128" tIns="24130" rIns="135128" bIns="24130" numCol="1" spcCol="1270" anchor="ctr" anchorCtr="0">
-          <a:noAutofit/>
-        </a:bodyPr>
-        <a:lstStyle/>
-        <a:p>
-          <a:pPr lvl="0" algn="l" defTabSz="914400">
-            <a:lnSpc>
-              <a:spcPct val="90000"/>
-            </a:lnSpc>
-            <a:spcBef>
-              <a:spcPct val="0"/>
-            </a:spcBef>
-            <a:spcAft>
-              <a:spcPct val="35000"/>
-            </a:spcAft>
-            <a:buNone/>
-          </a:pPr>
-          <a:r>
-            <a:rPr lang="fr-FR" sz="1900" b="0" i="0" kern="1200" noProof="0" dirty="0" smtClean="0">
-              <a:latin typeface="Franklin Gothic Medium"/>
-              <a:ea typeface="+mn-ea"/>
-              <a:cs typeface="+mn-cs"/>
-            </a:rPr>
-            <a:t>Description de la tâche</a:t>
-          </a:r>
-          <a:endParaRPr lang="fr-FR" sz="1900" b="0" i="0" kern="1200" noProof="0" dirty="0">
-            <a:latin typeface="Franklin Gothic Medium"/>
-            <a:ea typeface="+mn-ea"/>
-            <a:cs typeface="+mn-cs"/>
-          </a:endParaRPr>
-        </a:p>
-      </dsp:txBody>
-      <dsp:txXfrm>
-        <a:off x="2667000" y="611036"/>
-        <a:ext cx="2667000" cy="519823"/>
-      </dsp:txXfrm>
-    </dsp:sp>
   </dsp:spTree>
 </dsp:drawing>
 </file>
@@ -7490,7 +5950,7 @@
           <a:p>
             <a:fld id="{043B725B-653D-4166-A8E9-72A38A1847CF}" type="datetimeFigureOut">
               <a:rPr lang="es-ES"/>
-              <a:t>30/10/2014</a:t>
+              <a:t>31/10/2014</a:t>
             </a:fld>
             <a:endParaRPr/>
           </a:p>
@@ -7655,7 +6115,7 @@
           <a:p>
             <a:fld id="{783F64CD-0576-4A9A-BD06-7889D6E60BDC}" type="datetimeFigureOut">
               <a:rPr lang="es-ES"/>
-              <a:t>30/10/2014</a:t>
+              <a:t>31/10/2014</a:t>
             </a:fld>
             <a:endParaRPr/>
           </a:p>
@@ -8246,7 +6706,7 @@
           <a:p>
             <a:fld id="{37CC0096-1860-4642-9CD2-0079EA5E7CD1}" type="datetimeFigureOut">
               <a:rPr lang="es-ES"/>
-              <a:t>30/10/2014</a:t>
+              <a:t>31/10/2014</a:t>
             </a:fld>
             <a:endParaRPr/>
           </a:p>
@@ -8502,7 +6962,7 @@
           <a:p>
             <a:fld id="{37CC0096-1860-4642-9CD2-0079EA5E7CD1}" type="datetimeFigureOut">
               <a:rPr lang="es-ES"/>
-              <a:t>30/10/2014</a:t>
+              <a:t>31/10/2014</a:t>
             </a:fld>
             <a:endParaRPr/>
           </a:p>
@@ -8695,7 +7155,7 @@
           <a:p>
             <a:fld id="{37CC0096-1860-4642-9CD2-0079EA5E7CD1}" type="datetimeFigureOut">
               <a:rPr lang="es-ES"/>
-              <a:t>30/10/2014</a:t>
+              <a:t>31/10/2014</a:t>
             </a:fld>
             <a:endParaRPr/>
           </a:p>
@@ -9240,7 +7700,7 @@
           <a:p>
             <a:fld id="{37CC0096-1860-4642-9CD2-0079EA5E7CD1}" type="datetimeFigureOut">
               <a:rPr lang="es-ES"/>
-              <a:t>30/10/2014</a:t>
+              <a:t>31/10/2014</a:t>
             </a:fld>
             <a:endParaRPr/>
           </a:p>
@@ -9704,7 +8164,7 @@
           <a:p>
             <a:fld id="{37CC0096-1860-4642-9CD2-0079EA5E7CD1}" type="datetimeFigureOut">
               <a:rPr lang="es-ES"/>
-              <a:t>30/10/2014</a:t>
+              <a:t>31/10/2014</a:t>
             </a:fld>
             <a:endParaRPr/>
           </a:p>
@@ -9841,7 +8301,7 @@
           <a:p>
             <a:fld id="{37CC0096-1860-4642-9CD2-0079EA5E7CD1}" type="datetimeFigureOut">
               <a:rPr lang="es-ES"/>
-              <a:t>30/10/2014</a:t>
+              <a:t>31/10/2014</a:t>
             </a:fld>
             <a:endParaRPr/>
           </a:p>
@@ -9955,7 +8415,7 @@
           <a:p>
             <a:fld id="{37CC0096-1860-4642-9CD2-0079EA5E7CD1}" type="datetimeFigureOut">
               <a:rPr lang="es-ES"/>
-              <a:t>30/10/2014</a:t>
+              <a:t>31/10/2014</a:t>
             </a:fld>
             <a:endParaRPr/>
           </a:p>
@@ -10949,7 +9409,7 @@
             <a:fld id="{37CC0096-1860-4642-9CD2-0079EA5E7CD1}" type="datetimeFigureOut">
               <a:rPr lang="es-ES"/>
               <a:pPr/>
-              <a:t>30/10/2014</a:t>
+              <a:t>31/10/2014</a:t>
             </a:fld>
             <a:endParaRPr/>
           </a:p>
@@ -11634,7 +10094,11 @@
           <a:p>
             <a:r>
               <a:rPr lang="fr-FR" dirty="0" smtClean="0"/>
-              <a:t>La transformée de Fourier</a:t>
+              <a:t>Les transformées </a:t>
+            </a:r>
+            <a:r>
+              <a:rPr lang="fr-FR" dirty="0" smtClean="0"/>
+              <a:t>de Fourier</a:t>
             </a:r>
             <a:endParaRPr lang="fr-FR" dirty="0"/>
           </a:p>
@@ -11682,8 +10146,292 @@
                 </a14:m>
                 <a:r>
                   <a:rPr lang="fr-FR" dirty="0" smtClean="0"/>
-                  <a:t> échantillons.</a:t>
+                  <a:t> </a:t>
                 </a:r>
+                <a:r>
+                  <a:rPr lang="fr-FR" dirty="0" smtClean="0"/>
+                  <a:t>échantillons : la transformée de </a:t>
+                </a:r>
+                <a:r>
+                  <a:rPr lang="fr-FR" dirty="0"/>
+                  <a:t>Fourier </a:t>
+                </a:r>
+                <a:r>
+                  <a:rPr lang="fr-FR" dirty="0" smtClean="0"/>
+                  <a:t>discrète</a:t>
+                </a:r>
+                <a:endParaRPr lang="fr-FR" dirty="0" smtClean="0"/>
+              </a:p>
+              <a:p>
+                <a:pPr marL="0" indent="0">
+                  <a:buClr>
+                    <a:schemeClr val="tx1">
+                      <a:lumMod val="75000"/>
+                    </a:schemeClr>
+                  </a:buClr>
+                  <a:buNone/>
+                </a:pPr>
+                <a14:m>
+                  <m:oMathPara xmlns:m="http://schemas.openxmlformats.org/officeDocument/2006/math">
+                    <m:oMathParaPr>
+                      <m:jc m:val="centerGroup"/>
+                    </m:oMathParaPr>
+                    <m:oMath xmlns:m="http://schemas.openxmlformats.org/officeDocument/2006/math">
+                      <m:r>
+                        <a:rPr lang="fr-FR" i="1">
+                          <a:latin typeface="Cambria Math" panose="02040503050406030204" pitchFamily="18" charset="0"/>
+                        </a:rPr>
+                        <m:t>𝑠</m:t>
+                      </m:r>
+                      <m:d>
+                        <m:dPr>
+                          <m:ctrlPr>
+                            <a:rPr lang="fr-FR" i="1">
+                              <a:latin typeface="Cambria Math" panose="02040503050406030204" pitchFamily="18" charset="0"/>
+                            </a:rPr>
+                          </m:ctrlPr>
+                        </m:dPr>
+                        <m:e>
+                          <m:r>
+                            <a:rPr lang="fr-FR" i="1">
+                              <a:latin typeface="Cambria Math" panose="02040503050406030204" pitchFamily="18" charset="0"/>
+                            </a:rPr>
+                            <m:t>𝑘</m:t>
+                          </m:r>
+                        </m:e>
+                      </m:d>
+                      <m:groupChr>
+                        <m:groupChrPr>
+                          <m:chr m:val="→"/>
+                          <m:vertJc m:val="bot"/>
+                          <m:ctrlPr>
+                            <a:rPr lang="fr-FR" i="1">
+                              <a:latin typeface="Cambria Math" panose="02040503050406030204" pitchFamily="18" charset="0"/>
+                            </a:rPr>
+                          </m:ctrlPr>
+                        </m:groupChrPr>
+                        <m:e>
+                          <m:r>
+                            <m:rPr>
+                              <m:brk m:alnAt="2"/>
+                            </m:rPr>
+                            <a:rPr lang="fr-FR" i="1">
+                              <a:latin typeface="Cambria Math" panose="02040503050406030204" pitchFamily="18" charset="0"/>
+                            </a:rPr>
+                            <m:t>𝐷</m:t>
+                          </m:r>
+                          <m:r>
+                            <a:rPr lang="fr-FR" i="1">
+                              <a:latin typeface="Cambria Math" panose="02040503050406030204" pitchFamily="18" charset="0"/>
+                            </a:rPr>
+                            <m:t>𝐹𝑇</m:t>
+                          </m:r>
+                        </m:e>
+                      </m:groupChr>
+                      <m:acc>
+                        <m:accPr>
+                          <m:chr m:val="̂"/>
+                          <m:ctrlPr>
+                            <a:rPr lang="fr-FR" i="1">
+                              <a:latin typeface="Cambria Math" panose="02040503050406030204" pitchFamily="18" charset="0"/>
+                            </a:rPr>
+                          </m:ctrlPr>
+                        </m:accPr>
+                        <m:e>
+                          <m:r>
+                            <a:rPr lang="fr-FR" i="1">
+                              <a:latin typeface="Cambria Math" panose="02040503050406030204" pitchFamily="18" charset="0"/>
+                            </a:rPr>
+                            <m:t>𝑠</m:t>
+                          </m:r>
+                        </m:e>
+                      </m:acc>
+                      <m:d>
+                        <m:dPr>
+                          <m:ctrlPr>
+                            <a:rPr lang="fr-FR" i="1">
+                              <a:latin typeface="Cambria Math" panose="02040503050406030204" pitchFamily="18" charset="0"/>
+                            </a:rPr>
+                          </m:ctrlPr>
+                        </m:dPr>
+                        <m:e>
+                          <m:r>
+                            <a:rPr lang="fr-FR" i="1">
+                              <a:latin typeface="Cambria Math" panose="02040503050406030204" pitchFamily="18" charset="0"/>
+                            </a:rPr>
+                            <m:t>𝑝</m:t>
+                          </m:r>
+                        </m:e>
+                      </m:d>
+                      <m:r>
+                        <a:rPr lang="fr-FR" i="1">
+                          <a:latin typeface="Cambria Math" panose="02040503050406030204" pitchFamily="18" charset="0"/>
+                        </a:rPr>
+                        <m:t>=</m:t>
+                      </m:r>
+                      <m:nary>
+                        <m:naryPr>
+                          <m:chr m:val="∑"/>
+                          <m:ctrlPr>
+                            <a:rPr lang="fr-FR" i="1">
+                              <a:latin typeface="Cambria Math" panose="02040503050406030204" pitchFamily="18" charset="0"/>
+                            </a:rPr>
+                          </m:ctrlPr>
+                        </m:naryPr>
+                        <m:sub>
+                          <m:r>
+                            <m:rPr>
+                              <m:brk m:alnAt="23"/>
+                            </m:rPr>
+                            <a:rPr lang="fr-FR" i="1">
+                              <a:latin typeface="Cambria Math" panose="02040503050406030204" pitchFamily="18" charset="0"/>
+                            </a:rPr>
+                            <m:t>𝑘</m:t>
+                          </m:r>
+                          <m:r>
+                            <a:rPr lang="fr-FR" i="1">
+                              <a:latin typeface="Cambria Math" panose="02040503050406030204" pitchFamily="18" charset="0"/>
+                            </a:rPr>
+                            <m:t>=</m:t>
+                          </m:r>
+                          <m:r>
+                            <a:rPr lang="fr-FR" i="1">
+                              <a:latin typeface="Cambria Math" panose="02040503050406030204" pitchFamily="18" charset="0"/>
+                            </a:rPr>
+                            <m:t>0</m:t>
+                          </m:r>
+                        </m:sub>
+                        <m:sup>
+                          <m:r>
+                            <a:rPr lang="fr-FR" i="1">
+                              <a:latin typeface="Cambria Math" panose="02040503050406030204" pitchFamily="18" charset="0"/>
+                            </a:rPr>
+                            <m:t>𝐾</m:t>
+                          </m:r>
+                          <m:r>
+                            <a:rPr lang="fr-FR" i="1">
+                              <a:latin typeface="Cambria Math" panose="02040503050406030204" pitchFamily="18" charset="0"/>
+                            </a:rPr>
+                            <m:t>−1</m:t>
+                          </m:r>
+                        </m:sup>
+                        <m:e>
+                          <m:r>
+                            <a:rPr lang="fr-FR" i="1">
+                              <a:latin typeface="Cambria Math" panose="02040503050406030204" pitchFamily="18" charset="0"/>
+                            </a:rPr>
+                            <m:t>𝑠</m:t>
+                          </m:r>
+                          <m:r>
+                            <a:rPr lang="fr-FR" i="1">
+                              <a:latin typeface="Cambria Math" panose="02040503050406030204" pitchFamily="18" charset="0"/>
+                            </a:rPr>
+                            <m:t>(</m:t>
+                          </m:r>
+                          <m:r>
+                            <a:rPr lang="fr-FR" i="1">
+                              <a:latin typeface="Cambria Math" panose="02040503050406030204" pitchFamily="18" charset="0"/>
+                            </a:rPr>
+                            <m:t>𝑘</m:t>
+                          </m:r>
+                          <m:r>
+                            <a:rPr lang="fr-FR" i="1">
+                              <a:latin typeface="Cambria Math" panose="02040503050406030204" pitchFamily="18" charset="0"/>
+                            </a:rPr>
+                            <m:t>)</m:t>
+                          </m:r>
+                          <m:sSup>
+                            <m:sSupPr>
+                              <m:ctrlPr>
+                                <a:rPr lang="fr-FR" i="1">
+                                  <a:latin typeface="Cambria Math" panose="02040503050406030204" pitchFamily="18" charset="0"/>
+                                </a:rPr>
+                              </m:ctrlPr>
+                            </m:sSupPr>
+                            <m:e>
+                              <m:r>
+                                <a:rPr lang="fr-FR" i="1">
+                                  <a:latin typeface="Cambria Math" panose="02040503050406030204" pitchFamily="18" charset="0"/>
+                                </a:rPr>
+                                <m:t>𝑒</m:t>
+                              </m:r>
+                            </m:e>
+                            <m:sup>
+                              <m:r>
+                                <a:rPr lang="fr-FR" i="1">
+                                  <a:latin typeface="Cambria Math" panose="02040503050406030204" pitchFamily="18" charset="0"/>
+                                </a:rPr>
+                                <m:t>−</m:t>
+                              </m:r>
+                              <m:r>
+                                <a:rPr lang="fr-FR" i="1">
+                                  <a:latin typeface="Cambria Math" panose="02040503050406030204" pitchFamily="18" charset="0"/>
+                                </a:rPr>
+                                <m:t>𝑗</m:t>
+                              </m:r>
+                              <m:r>
+                                <a:rPr lang="fr-FR" i="1">
+                                  <a:latin typeface="Cambria Math" panose="02040503050406030204" pitchFamily="18" charset="0"/>
+                                </a:rPr>
+                                <m:t>2</m:t>
+                              </m:r>
+                              <m:r>
+                                <a:rPr lang="fr-FR" i="1">
+                                  <a:latin typeface="Cambria Math" panose="02040503050406030204" pitchFamily="18" charset="0"/>
+                                  <a:ea typeface="Cambria Math" panose="02040503050406030204" pitchFamily="18" charset="0"/>
+                                </a:rPr>
+                                <m:t>𝜋</m:t>
+                              </m:r>
+                              <m:f>
+                                <m:fPr>
+                                  <m:ctrlPr>
+                                    <a:rPr lang="fr-FR" i="1">
+                                      <a:latin typeface="Cambria Math" panose="02040503050406030204" pitchFamily="18" charset="0"/>
+                                      <a:ea typeface="Cambria Math" panose="02040503050406030204" pitchFamily="18" charset="0"/>
+                                    </a:rPr>
+                                  </m:ctrlPr>
+                                </m:fPr>
+                                <m:num>
+                                  <m:r>
+                                    <a:rPr lang="fr-FR" i="1">
+                                      <a:latin typeface="Cambria Math" panose="02040503050406030204" pitchFamily="18" charset="0"/>
+                                      <a:ea typeface="Cambria Math" panose="02040503050406030204" pitchFamily="18" charset="0"/>
+                                    </a:rPr>
+                                    <m:t>𝑘𝑝</m:t>
+                                  </m:r>
+                                </m:num>
+                                <m:den>
+                                  <m:r>
+                                    <a:rPr lang="fr-FR" i="1">
+                                      <a:latin typeface="Cambria Math" panose="02040503050406030204" pitchFamily="18" charset="0"/>
+                                      <a:ea typeface="Cambria Math" panose="02040503050406030204" pitchFamily="18" charset="0"/>
+                                    </a:rPr>
+                                    <m:t>𝐾</m:t>
+                                  </m:r>
+                                </m:den>
+                              </m:f>
+                            </m:sup>
+                          </m:sSup>
+                        </m:e>
+                      </m:nary>
+                    </m:oMath>
+                  </m:oMathPara>
+                </a14:m>
+                <a:endParaRPr lang="fr-FR" dirty="0" smtClean="0"/>
+              </a:p>
+              <a:p>
+                <a:pPr>
+                  <a:buClr>
+                    <a:schemeClr val="tx1">
+                      <a:lumMod val="75000"/>
+                    </a:schemeClr>
+                  </a:buClr>
+                </a:pPr>
+                <a:r>
+                  <a:rPr lang="fr-FR" dirty="0" smtClean="0"/>
+                  <a:t>Algorithme de calcul rapide : FFT, que l’on utilise fréquemment pour simplifier divers autres calculs.</a:t>
+                </a:r>
+                <a:endParaRPr lang="fr-FR" dirty="0" smtClean="0"/>
               </a:p>
             </p:txBody>
           </p:sp>
@@ -11783,40 +10531,55 @@
         </p:nvSpPr>
         <p:spPr/>
         <p:txBody>
-          <a:bodyPr/>
+          <a:bodyPr>
+            <a:normAutofit/>
+          </a:bodyPr>
           <a:lstStyle/>
           <a:p>
             <a:r>
-              <a:rPr lang="fr-FR" noProof="1" smtClean="0"/>
-              <a:t>Analyse paramétrique</a:t>
+              <a:rPr lang="fr-FR" dirty="0" smtClean="0"/>
+              <a:t>La transformée de </a:t>
             </a:r>
-            <a:endParaRPr lang="fr-FR" noProof="1"/>
+            <a:r>
+              <a:rPr lang="fr-FR" dirty="0" smtClean="0"/>
+              <a:t>Fourier à fenêtre glissante (SWFT)</a:t>
+            </a:r>
+            <a:endParaRPr lang="fr-FR" dirty="0"/>
           </a:p>
         </p:txBody>
       </p:sp>
       <p:sp>
         <p:nvSpPr>
-          <p:cNvPr id="3" name="Espace réservé du texte 2"/>
+          <p:cNvPr id="3" name="Espace réservé du contenu 2"/>
           <p:cNvSpPr>
             <a:spLocks noGrp="1"/>
           </p:cNvSpPr>
           <p:nvPr>
-            <p:ph type="body" idx="1"/>
+            <p:ph idx="1"/>
           </p:nvPr>
         </p:nvSpPr>
         <p:spPr/>
         <p:txBody>
-          <a:bodyPr/>
+          <a:bodyPr>
+            <a:normAutofit/>
+          </a:bodyPr>
           <a:lstStyle/>
           <a:p>
-            <a:endParaRPr lang="fr-FR" noProof="1"/>
+            <a:pPr>
+              <a:buClr>
+                <a:schemeClr val="tx1">
+                  <a:lumMod val="75000"/>
+                </a:schemeClr>
+              </a:buClr>
+            </a:pPr>
+            <a:endParaRPr lang="fr-FR" dirty="0" smtClean="0"/>
           </a:p>
         </p:txBody>
       </p:sp>
     </p:spTree>
     <p:extLst>
       <p:ext uri="{BB962C8B-B14F-4D97-AF65-F5344CB8AC3E}">
-        <p14:creationId xmlns:p14="http://schemas.microsoft.com/office/powerpoint/2010/main" val="1670586636"/>
+        <p14:creationId xmlns:p14="http://schemas.microsoft.com/office/powerpoint/2010/main" val="3769026352"/>
       </p:ext>
     </p:extLst>
   </p:cSld>
@@ -11881,11 +10644,7 @@
           <a:p>
             <a:r>
               <a:rPr lang="fr-FR" dirty="0" smtClean="0"/>
-              <a:t>Analyse </a:t>
-            </a:r>
-            <a:r>
-              <a:rPr lang="fr-FR" dirty="0" err="1" smtClean="0"/>
-              <a:t>parametrique</a:t>
+              <a:t>La transformée en ondelettes (CWT)</a:t>
             </a:r>
             <a:endParaRPr lang="fr-FR" dirty="0"/>
           </a:p>
@@ -11903,125 +10662,26 @@
         </p:nvSpPr>
         <p:spPr/>
         <p:txBody>
-          <a:bodyPr/>
-          <a:lstStyle/>
-          <a:p>
-            <a:r>
-              <a:rPr lang="fr-FR" dirty="0" smtClean="0"/>
-              <a:t>Algorithme de </a:t>
-            </a:r>
-            <a:r>
-              <a:rPr lang="fr-FR" dirty="0" err="1" smtClean="0"/>
-              <a:t>Levinson-Durbin</a:t>
-            </a:r>
-            <a:r>
-              <a:rPr lang="fr-FR" dirty="0" smtClean="0"/>
-              <a:t> :</a:t>
-            </a:r>
-            <a:endParaRPr lang="fr-FR" dirty="0"/>
-          </a:p>
-        </p:txBody>
-      </p:sp>
-      <p:sp>
-        <p:nvSpPr>
-          <p:cNvPr id="4" name="Flèche droite 3"/>
-          <p:cNvSpPr/>
-          <p:nvPr/>
-        </p:nvSpPr>
-        <p:spPr>
-          <a:xfrm>
-            <a:off x="1487488" y="2852936"/>
-            <a:ext cx="1080120" cy="288032"/>
-          </a:xfrm>
-          <a:prstGeom prst="rightArrow">
-            <a:avLst/>
-          </a:prstGeom>
-        </p:spPr>
-        <p:style>
-          <a:lnRef idx="2">
-            <a:schemeClr val="accent1">
-              <a:shade val="50000"/>
-            </a:schemeClr>
-          </a:lnRef>
-          <a:fillRef idx="1">
-            <a:schemeClr val="accent1"/>
-          </a:fillRef>
-          <a:effectRef idx="0">
-            <a:schemeClr val="accent1"/>
-          </a:effectRef>
-          <a:fontRef idx="minor">
-            <a:schemeClr val="lt1"/>
-          </a:fontRef>
-        </p:style>
-        <p:txBody>
-          <a:bodyPr rtlCol="0" anchor="ctr"/>
-          <a:lstStyle/>
-          <a:p>
-            <a:pPr algn="ctr"/>
-            <a:endParaRPr lang="fr-FR"/>
-          </a:p>
-        </p:txBody>
-      </p:sp>
-      <p:sp>
-        <p:nvSpPr>
-          <p:cNvPr id="5" name="ZoneTexte 4"/>
-          <p:cNvSpPr txBox="1"/>
-          <p:nvPr/>
-        </p:nvSpPr>
-        <p:spPr>
-          <a:xfrm>
-            <a:off x="2927648" y="2852936"/>
-            <a:ext cx="2808312" cy="369332"/>
-          </a:xfrm>
-          <a:prstGeom prst="rect">
-            <a:avLst/>
-          </a:prstGeom>
-          <a:noFill/>
-        </p:spPr>
-        <p:txBody>
-          <a:bodyPr wrap="square" rtlCol="0">
-            <a:spAutoFit/>
+          <a:bodyPr>
+            <a:normAutofit/>
           </a:bodyPr>
           <a:lstStyle/>
           <a:p>
-            <a:r>
-              <a:rPr lang="fr-FR" dirty="0" smtClean="0"/>
-              <a:t>Calcul des coefficients AR</a:t>
-            </a:r>
-            <a:endParaRPr lang="fr-FR" dirty="0"/>
-          </a:p>
-        </p:txBody>
-      </p:sp>
-      <p:sp>
-        <p:nvSpPr>
-          <p:cNvPr id="7" name="ZoneTexte 6"/>
-          <p:cNvSpPr txBox="1"/>
-          <p:nvPr/>
-        </p:nvSpPr>
-        <p:spPr>
-          <a:xfrm>
-            <a:off x="6528048" y="2636912"/>
-            <a:ext cx="3816424" cy="1008112"/>
-          </a:xfrm>
-          <a:prstGeom prst="rect">
-            <a:avLst/>
-          </a:prstGeom>
-          <a:noFill/>
-        </p:spPr>
-        <p:txBody>
-          <a:bodyPr wrap="square" rtlCol="0">
-            <a:spAutoFit/>
-          </a:bodyPr>
-          <a:lstStyle/>
-          <a:p>
-            <a:endParaRPr lang="fr-FR" dirty="0"/>
+            <a:pPr>
+              <a:buClr>
+                <a:schemeClr val="tx1">
+                  <a:lumMod val="75000"/>
+                </a:schemeClr>
+              </a:buClr>
+            </a:pPr>
+            <a:endParaRPr lang="fr-FR" dirty="0" smtClean="0"/>
           </a:p>
         </p:txBody>
       </p:sp>
     </p:spTree>
     <p:extLst>
       <p:ext uri="{BB962C8B-B14F-4D97-AF65-F5344CB8AC3E}">
-        <p14:creationId xmlns:p14="http://schemas.microsoft.com/office/powerpoint/2010/main" val="1928620899"/>
+        <p14:creationId xmlns:p14="http://schemas.microsoft.com/office/powerpoint/2010/main" val="4254820028"/>
       </p:ext>
     </p:extLst>
   </p:cSld>
@@ -12079,6 +10739,302 @@
         </p:nvSpPr>
         <p:spPr/>
         <p:txBody>
+          <a:bodyPr/>
+          <a:lstStyle/>
+          <a:p>
+            <a:r>
+              <a:rPr lang="fr-FR" noProof="1" smtClean="0"/>
+              <a:t>Analyse paramétrique</a:t>
+            </a:r>
+            <a:endParaRPr lang="fr-FR" noProof="1"/>
+          </a:p>
+        </p:txBody>
+      </p:sp>
+      <p:sp>
+        <p:nvSpPr>
+          <p:cNvPr id="3" name="Espace réservé du texte 2"/>
+          <p:cNvSpPr>
+            <a:spLocks noGrp="1"/>
+          </p:cNvSpPr>
+          <p:nvPr>
+            <p:ph type="body" idx="1"/>
+          </p:nvPr>
+        </p:nvSpPr>
+        <p:spPr/>
+        <p:txBody>
+          <a:bodyPr/>
+          <a:lstStyle/>
+          <a:p>
+            <a:endParaRPr lang="fr-FR" noProof="1"/>
+          </a:p>
+        </p:txBody>
+      </p:sp>
+    </p:spTree>
+    <p:extLst>
+      <p:ext uri="{BB962C8B-B14F-4D97-AF65-F5344CB8AC3E}">
+        <p14:creationId xmlns:p14="http://schemas.microsoft.com/office/powerpoint/2010/main" val="1670586636"/>
+      </p:ext>
+    </p:extLst>
+  </p:cSld>
+  <p:clrMapOvr>
+    <a:masterClrMapping/>
+  </p:clrMapOvr>
+  <mc:AlternateContent xmlns:mc="http://schemas.openxmlformats.org/markup-compatibility/2006" xmlns:p14="http://schemas.microsoft.com/office/powerpoint/2010/main">
+    <mc:Choice Requires="p14">
+      <p:transition spd="med" p14:dur="700">
+        <p:fade/>
+      </p:transition>
+    </mc:Choice>
+    <mc:Fallback xmlns="">
+      <p:transition spd="med">
+        <p:fade/>
+      </p:transition>
+    </mc:Fallback>
+  </mc:AlternateContent>
+  <p:timing>
+    <p:tnLst>
+      <p:par>
+        <p:cTn id="1" dur="indefinite" restart="never" nodeType="tmRoot"/>
+      </p:par>
+    </p:tnLst>
+  </p:timing>
+</p:sld>
+</file>
+
+<file path=ppt/slides/slide14.xml><?xml version="1.0" encoding="utf-8"?>
+<p:sld xmlns:a="http://schemas.openxmlformats.org/drawingml/2006/main" xmlns:r="http://schemas.openxmlformats.org/officeDocument/2006/relationships" xmlns:p="http://schemas.openxmlformats.org/presentationml/2006/main">
+  <p:cSld>
+    <p:spTree>
+      <p:nvGrpSpPr>
+        <p:cNvPr id="1" name=""/>
+        <p:cNvGrpSpPr/>
+        <p:nvPr/>
+      </p:nvGrpSpPr>
+      <p:grpSpPr>
+        <a:xfrm>
+          <a:off x="0" y="0"/>
+          <a:ext cx="0" cy="0"/>
+          <a:chOff x="0" y="0"/>
+          <a:chExt cx="0" cy="0"/>
+        </a:xfrm>
+      </p:grpSpPr>
+      <p:sp>
+        <p:nvSpPr>
+          <p:cNvPr id="2" name="Titre 1"/>
+          <p:cNvSpPr>
+            <a:spLocks noGrp="1"/>
+          </p:cNvSpPr>
+          <p:nvPr>
+            <p:ph type="title"/>
+          </p:nvPr>
+        </p:nvSpPr>
+        <p:spPr/>
+        <p:txBody>
+          <a:bodyPr>
+            <a:normAutofit/>
+          </a:bodyPr>
+          <a:lstStyle/>
+          <a:p>
+            <a:r>
+              <a:rPr lang="fr-FR" dirty="0" smtClean="0"/>
+              <a:t>Analyse </a:t>
+            </a:r>
+            <a:r>
+              <a:rPr lang="fr-FR" dirty="0" err="1" smtClean="0"/>
+              <a:t>parametrique</a:t>
+            </a:r>
+            <a:endParaRPr lang="fr-FR" dirty="0"/>
+          </a:p>
+        </p:txBody>
+      </p:sp>
+      <p:sp>
+        <p:nvSpPr>
+          <p:cNvPr id="3" name="Espace réservé du contenu 2"/>
+          <p:cNvSpPr>
+            <a:spLocks noGrp="1"/>
+          </p:cNvSpPr>
+          <p:nvPr>
+            <p:ph idx="1"/>
+          </p:nvPr>
+        </p:nvSpPr>
+        <p:spPr/>
+        <p:txBody>
+          <a:bodyPr/>
+          <a:lstStyle/>
+          <a:p>
+            <a:r>
+              <a:rPr lang="fr-FR" dirty="0" smtClean="0"/>
+              <a:t>Algorithme de </a:t>
+            </a:r>
+            <a:r>
+              <a:rPr lang="fr-FR" dirty="0" err="1" smtClean="0"/>
+              <a:t>Levinson-Durbin</a:t>
+            </a:r>
+            <a:r>
+              <a:rPr lang="fr-FR" dirty="0" smtClean="0"/>
+              <a:t> :</a:t>
+            </a:r>
+            <a:endParaRPr lang="fr-FR" dirty="0"/>
+          </a:p>
+        </p:txBody>
+      </p:sp>
+      <p:sp>
+        <p:nvSpPr>
+          <p:cNvPr id="4" name="Flèche droite 3"/>
+          <p:cNvSpPr/>
+          <p:nvPr/>
+        </p:nvSpPr>
+        <p:spPr>
+          <a:xfrm>
+            <a:off x="1487488" y="2852936"/>
+            <a:ext cx="1080120" cy="288032"/>
+          </a:xfrm>
+          <a:prstGeom prst="rightArrow">
+            <a:avLst/>
+          </a:prstGeom>
+        </p:spPr>
+        <p:style>
+          <a:lnRef idx="2">
+            <a:schemeClr val="accent1">
+              <a:shade val="50000"/>
+            </a:schemeClr>
+          </a:lnRef>
+          <a:fillRef idx="1">
+            <a:schemeClr val="accent1"/>
+          </a:fillRef>
+          <a:effectRef idx="0">
+            <a:schemeClr val="accent1"/>
+          </a:effectRef>
+          <a:fontRef idx="minor">
+            <a:schemeClr val="lt1"/>
+          </a:fontRef>
+        </p:style>
+        <p:txBody>
+          <a:bodyPr rtlCol="0" anchor="ctr"/>
+          <a:lstStyle/>
+          <a:p>
+            <a:pPr algn="ctr"/>
+            <a:endParaRPr lang="fr-FR"/>
+          </a:p>
+        </p:txBody>
+      </p:sp>
+      <p:sp>
+        <p:nvSpPr>
+          <p:cNvPr id="5" name="ZoneTexte 4"/>
+          <p:cNvSpPr txBox="1"/>
+          <p:nvPr/>
+        </p:nvSpPr>
+        <p:spPr>
+          <a:xfrm>
+            <a:off x="2927648" y="2852936"/>
+            <a:ext cx="2808312" cy="369332"/>
+          </a:xfrm>
+          <a:prstGeom prst="rect">
+            <a:avLst/>
+          </a:prstGeom>
+          <a:noFill/>
+        </p:spPr>
+        <p:txBody>
+          <a:bodyPr wrap="square" rtlCol="0">
+            <a:spAutoFit/>
+          </a:bodyPr>
+          <a:lstStyle/>
+          <a:p>
+            <a:r>
+              <a:rPr lang="fr-FR" dirty="0" smtClean="0"/>
+              <a:t>Calcul des coefficients AR</a:t>
+            </a:r>
+            <a:endParaRPr lang="fr-FR" dirty="0"/>
+          </a:p>
+        </p:txBody>
+      </p:sp>
+      <p:sp>
+        <p:nvSpPr>
+          <p:cNvPr id="7" name="ZoneTexte 6"/>
+          <p:cNvSpPr txBox="1"/>
+          <p:nvPr/>
+        </p:nvSpPr>
+        <p:spPr>
+          <a:xfrm>
+            <a:off x="6528048" y="2636912"/>
+            <a:ext cx="3816424" cy="1008112"/>
+          </a:xfrm>
+          <a:prstGeom prst="rect">
+            <a:avLst/>
+          </a:prstGeom>
+          <a:noFill/>
+        </p:spPr>
+        <p:txBody>
+          <a:bodyPr wrap="square" rtlCol="0">
+            <a:spAutoFit/>
+          </a:bodyPr>
+          <a:lstStyle/>
+          <a:p>
+            <a:endParaRPr lang="fr-FR" dirty="0"/>
+          </a:p>
+        </p:txBody>
+      </p:sp>
+    </p:spTree>
+    <p:extLst>
+      <p:ext uri="{BB962C8B-B14F-4D97-AF65-F5344CB8AC3E}">
+        <p14:creationId xmlns:p14="http://schemas.microsoft.com/office/powerpoint/2010/main" val="1928620899"/>
+      </p:ext>
+    </p:extLst>
+  </p:cSld>
+  <p:clrMapOvr>
+    <a:masterClrMapping/>
+  </p:clrMapOvr>
+  <mc:AlternateContent xmlns:mc="http://schemas.openxmlformats.org/markup-compatibility/2006" xmlns:p14="http://schemas.microsoft.com/office/powerpoint/2010/main">
+    <mc:Choice Requires="p14">
+      <p:transition spd="med" p14:dur="700">
+        <p:fade/>
+      </p:transition>
+    </mc:Choice>
+    <mc:Fallback xmlns="">
+      <p:transition spd="med">
+        <p:fade/>
+      </p:transition>
+    </mc:Fallback>
+  </mc:AlternateContent>
+  <p:timing>
+    <p:tnLst>
+      <p:par>
+        <p:cTn id="1" dur="indefinite" restart="never" nodeType="tmRoot"/>
+      </p:par>
+    </p:tnLst>
+  </p:timing>
+</p:sld>
+</file>
+
+<file path=ppt/slides/slide15.xml><?xml version="1.0" encoding="utf-8"?>
+<p:sld xmlns:a="http://schemas.openxmlformats.org/drawingml/2006/main" xmlns:r="http://schemas.openxmlformats.org/officeDocument/2006/relationships" xmlns:p="http://schemas.openxmlformats.org/presentationml/2006/main">
+  <p:cSld>
+    <p:spTree>
+      <p:nvGrpSpPr>
+        <p:cNvPr id="1" name=""/>
+        <p:cNvGrpSpPr/>
+        <p:nvPr/>
+      </p:nvGrpSpPr>
+      <p:grpSpPr>
+        <a:xfrm>
+          <a:off x="0" y="0"/>
+          <a:ext cx="0" cy="0"/>
+          <a:chOff x="0" y="0"/>
+          <a:chExt cx="0" cy="0"/>
+        </a:xfrm>
+      </p:grpSpPr>
+      <p:sp>
+        <p:nvSpPr>
+          <p:cNvPr id="2" name="Titre 1"/>
+          <p:cNvSpPr>
+            <a:spLocks noGrp="1"/>
+          </p:cNvSpPr>
+          <p:nvPr>
+            <p:ph type="title"/>
+          </p:nvPr>
+        </p:nvSpPr>
+        <p:spPr/>
+        <p:txBody>
           <a:bodyPr>
             <a:normAutofit/>
           </a:bodyPr>
@@ -12199,7 +11155,7 @@
 </p:sld>
 </file>
 
-<file path=ppt/slides/slide14.xml><?xml version="1.0" encoding="utf-8"?>
+<file path=ppt/slides/slide16.xml><?xml version="1.0" encoding="utf-8"?>
 <p:sld xmlns:a="http://schemas.openxmlformats.org/drawingml/2006/main" xmlns:r="http://schemas.openxmlformats.org/officeDocument/2006/relationships" xmlns:p="http://schemas.openxmlformats.org/presentationml/2006/main">
   <p:cSld>
     <p:spTree>
@@ -12364,237 +11320,6 @@
 </p:sld>
 </file>
 
-<file path=ppt/slides/slide15.xml><?xml version="1.0" encoding="utf-8"?>
-<p:sld xmlns:a="http://schemas.openxmlformats.org/drawingml/2006/main" xmlns:r="http://schemas.openxmlformats.org/officeDocument/2006/relationships" xmlns:p="http://schemas.openxmlformats.org/presentationml/2006/main">
-  <p:cSld>
-    <p:spTree>
-      <p:nvGrpSpPr>
-        <p:cNvPr id="1" name=""/>
-        <p:cNvGrpSpPr/>
-        <p:nvPr/>
-      </p:nvGrpSpPr>
-      <p:grpSpPr>
-        <a:xfrm>
-          <a:off x="0" y="0"/>
-          <a:ext cx="0" cy="0"/>
-          <a:chOff x="0" y="0"/>
-          <a:chExt cx="0" cy="0"/>
-        </a:xfrm>
-      </p:grpSpPr>
-      <p:sp>
-        <p:nvSpPr>
-          <p:cNvPr id="2" name="Titre 1"/>
-          <p:cNvSpPr>
-            <a:spLocks noGrp="1"/>
-          </p:cNvSpPr>
-          <p:nvPr>
-            <p:ph type="title"/>
-          </p:nvPr>
-        </p:nvSpPr>
-        <p:spPr/>
-        <p:txBody>
-          <a:bodyPr/>
-          <a:lstStyle/>
-          <a:p>
-            <a:endParaRPr lang="fr-FR" noProof="1"/>
-          </a:p>
-        </p:txBody>
-      </p:sp>
-      <p:sp>
-        <p:nvSpPr>
-          <p:cNvPr id="3" name="Espace réservé du texte 2"/>
-          <p:cNvSpPr>
-            <a:spLocks noGrp="1"/>
-          </p:cNvSpPr>
-          <p:nvPr>
-            <p:ph type="body" idx="1"/>
-          </p:nvPr>
-        </p:nvSpPr>
-        <p:spPr/>
-        <p:txBody>
-          <a:bodyPr/>
-          <a:lstStyle/>
-          <a:p>
-            <a:endParaRPr lang="fr-FR" noProof="1"/>
-          </a:p>
-        </p:txBody>
-      </p:sp>
-    </p:spTree>
-    <p:extLst>
-      <p:ext uri="{BB962C8B-B14F-4D97-AF65-F5344CB8AC3E}">
-        <p14:creationId xmlns:p14="http://schemas.microsoft.com/office/powerpoint/2010/main" val="3537718460"/>
-      </p:ext>
-    </p:extLst>
-  </p:cSld>
-  <p:clrMapOvr>
-    <a:masterClrMapping/>
-  </p:clrMapOvr>
-  <mc:AlternateContent xmlns:mc="http://schemas.openxmlformats.org/markup-compatibility/2006" xmlns:p14="http://schemas.microsoft.com/office/powerpoint/2010/main">
-    <mc:Choice Requires="p14">
-      <p:transition spd="med" p14:dur="700">
-        <p:fade/>
-      </p:transition>
-    </mc:Choice>
-    <mc:Fallback xmlns="">
-      <p:transition spd="med">
-        <p:fade/>
-      </p:transition>
-    </mc:Fallback>
-  </mc:AlternateContent>
-  <p:timing>
-    <p:tnLst>
-      <p:par>
-        <p:cTn id="1" dur="indefinite" restart="never" nodeType="tmRoot"/>
-      </p:par>
-    </p:tnLst>
-  </p:timing>
-</p:sld>
-</file>
-
-<file path=ppt/slides/slide16.xml><?xml version="1.0" encoding="utf-8"?>
-<p:sld xmlns:a="http://schemas.openxmlformats.org/drawingml/2006/main" xmlns:r="http://schemas.openxmlformats.org/officeDocument/2006/relationships" xmlns:p="http://schemas.openxmlformats.org/presentationml/2006/main">
-  <p:cSld>
-    <p:spTree>
-      <p:nvGrpSpPr>
-        <p:cNvPr id="1" name=""/>
-        <p:cNvGrpSpPr/>
-        <p:nvPr/>
-      </p:nvGrpSpPr>
-      <p:grpSpPr>
-        <a:xfrm>
-          <a:off x="0" y="0"/>
-          <a:ext cx="0" cy="0"/>
-          <a:chOff x="0" y="0"/>
-          <a:chExt cx="0" cy="0"/>
-        </a:xfrm>
-      </p:grpSpPr>
-      <p:sp>
-        <p:nvSpPr>
-          <p:cNvPr id="2" name="Titre 1"/>
-          <p:cNvSpPr>
-            <a:spLocks noGrp="1"/>
-          </p:cNvSpPr>
-          <p:nvPr>
-            <p:ph type="title"/>
-          </p:nvPr>
-        </p:nvSpPr>
-        <p:spPr/>
-        <p:txBody>
-          <a:bodyPr/>
-          <a:lstStyle/>
-          <a:p>
-            <a:endParaRPr lang="fr-FR" noProof="1"/>
-          </a:p>
-        </p:txBody>
-      </p:sp>
-      <p:sp>
-        <p:nvSpPr>
-          <p:cNvPr id="3" name="Espace réservé du texte 2"/>
-          <p:cNvSpPr>
-            <a:spLocks noGrp="1"/>
-          </p:cNvSpPr>
-          <p:nvPr>
-            <p:ph type="body" idx="1"/>
-          </p:nvPr>
-        </p:nvSpPr>
-        <p:spPr/>
-        <p:txBody>
-          <a:bodyPr/>
-          <a:lstStyle/>
-          <a:p>
-            <a:endParaRPr lang="fr-FR" noProof="1"/>
-          </a:p>
-        </p:txBody>
-      </p:sp>
-      <p:sp>
-        <p:nvSpPr>
-          <p:cNvPr id="4" name="Espace réservé du contenu 3"/>
-          <p:cNvSpPr>
-            <a:spLocks noGrp="1"/>
-          </p:cNvSpPr>
-          <p:nvPr>
-            <p:ph sz="half" idx="2"/>
-          </p:nvPr>
-        </p:nvSpPr>
-        <p:spPr/>
-        <p:txBody>
-          <a:bodyPr/>
-          <a:lstStyle/>
-          <a:p>
-            <a:endParaRPr lang="fr-FR" noProof="1"/>
-          </a:p>
-        </p:txBody>
-      </p:sp>
-      <p:sp>
-        <p:nvSpPr>
-          <p:cNvPr id="5" name="Espace réservé du texte 4"/>
-          <p:cNvSpPr>
-            <a:spLocks noGrp="1"/>
-          </p:cNvSpPr>
-          <p:nvPr>
-            <p:ph type="body" sz="quarter" idx="3"/>
-          </p:nvPr>
-        </p:nvSpPr>
-        <p:spPr/>
-        <p:txBody>
-          <a:bodyPr/>
-          <a:lstStyle/>
-          <a:p>
-            <a:endParaRPr lang="fr-FR" noProof="1"/>
-          </a:p>
-        </p:txBody>
-      </p:sp>
-      <p:sp>
-        <p:nvSpPr>
-          <p:cNvPr id="6" name="Espace réservé du contenu 5"/>
-          <p:cNvSpPr>
-            <a:spLocks noGrp="1"/>
-          </p:cNvSpPr>
-          <p:nvPr>
-            <p:ph sz="quarter" idx="4"/>
-          </p:nvPr>
-        </p:nvSpPr>
-        <p:spPr/>
-        <p:txBody>
-          <a:bodyPr/>
-          <a:lstStyle/>
-          <a:p>
-            <a:endParaRPr lang="fr-FR" noProof="1"/>
-          </a:p>
-        </p:txBody>
-      </p:sp>
-    </p:spTree>
-    <p:extLst>
-      <p:ext uri="{BB962C8B-B14F-4D97-AF65-F5344CB8AC3E}">
-        <p14:creationId xmlns:p14="http://schemas.microsoft.com/office/powerpoint/2010/main" val="2637673684"/>
-      </p:ext>
-    </p:extLst>
-  </p:cSld>
-  <p:clrMapOvr>
-    <a:masterClrMapping/>
-  </p:clrMapOvr>
-  <mc:AlternateContent xmlns:mc="http://schemas.openxmlformats.org/markup-compatibility/2006" xmlns:p14="http://schemas.microsoft.com/office/powerpoint/2010/main">
-    <mc:Choice Requires="p14">
-      <p:transition spd="med" p14:dur="700">
-        <p:fade/>
-      </p:transition>
-    </mc:Choice>
-    <mc:Fallback xmlns="">
-      <p:transition spd="med">
-        <p:fade/>
-      </p:transition>
-    </mc:Fallback>
-  </mc:AlternateContent>
-  <p:timing>
-    <p:tnLst>
-      <p:par>
-        <p:cTn id="1" dur="indefinite" restart="never" nodeType="tmRoot"/>
-      </p:par>
-    </p:tnLst>
-  </p:timing>
-</p:sld>
-</file>
-
 <file path=ppt/slides/slide17.xml><?xml version="1.0" encoding="utf-8"?>
 <p:sld xmlns:a="http://schemas.openxmlformats.org/drawingml/2006/main" xmlns:r="http://schemas.openxmlformats.org/officeDocument/2006/relationships" xmlns:p="http://schemas.openxmlformats.org/presentationml/2006/main">
   <p:cSld>
@@ -12631,10 +11356,29 @@
           </a:p>
         </p:txBody>
       </p:sp>
+      <p:sp>
+        <p:nvSpPr>
+          <p:cNvPr id="3" name="Espace réservé du texte 2"/>
+          <p:cNvSpPr>
+            <a:spLocks noGrp="1"/>
+          </p:cNvSpPr>
+          <p:nvPr>
+            <p:ph type="body" idx="1"/>
+          </p:nvPr>
+        </p:nvSpPr>
+        <p:spPr/>
+        <p:txBody>
+          <a:bodyPr/>
+          <a:lstStyle/>
+          <a:p>
+            <a:endParaRPr lang="fr-FR" noProof="1"/>
+          </a:p>
+        </p:txBody>
+      </p:sp>
     </p:spTree>
     <p:extLst>
       <p:ext uri="{BB962C8B-B14F-4D97-AF65-F5344CB8AC3E}">
-        <p14:creationId xmlns:p14="http://schemas.microsoft.com/office/powerpoint/2010/main" val="547100618"/>
+        <p14:creationId xmlns:p14="http://schemas.microsoft.com/office/powerpoint/2010/main" val="3537718460"/>
       </p:ext>
     </p:extLst>
   </p:cSld>
@@ -12680,10 +11424,105 @@
           <a:chExt cx="0" cy="0"/>
         </a:xfrm>
       </p:grpSpPr>
+      <p:sp>
+        <p:nvSpPr>
+          <p:cNvPr id="2" name="Titre 1"/>
+          <p:cNvSpPr>
+            <a:spLocks noGrp="1"/>
+          </p:cNvSpPr>
+          <p:nvPr>
+            <p:ph type="title"/>
+          </p:nvPr>
+        </p:nvSpPr>
+        <p:spPr/>
+        <p:txBody>
+          <a:bodyPr/>
+          <a:lstStyle/>
+          <a:p>
+            <a:endParaRPr lang="fr-FR" noProof="1"/>
+          </a:p>
+        </p:txBody>
+      </p:sp>
+      <p:sp>
+        <p:nvSpPr>
+          <p:cNvPr id="3" name="Espace réservé du texte 2"/>
+          <p:cNvSpPr>
+            <a:spLocks noGrp="1"/>
+          </p:cNvSpPr>
+          <p:nvPr>
+            <p:ph type="body" idx="1"/>
+          </p:nvPr>
+        </p:nvSpPr>
+        <p:spPr/>
+        <p:txBody>
+          <a:bodyPr/>
+          <a:lstStyle/>
+          <a:p>
+            <a:endParaRPr lang="fr-FR" noProof="1"/>
+          </a:p>
+        </p:txBody>
+      </p:sp>
+      <p:sp>
+        <p:nvSpPr>
+          <p:cNvPr id="4" name="Espace réservé du contenu 3"/>
+          <p:cNvSpPr>
+            <a:spLocks noGrp="1"/>
+          </p:cNvSpPr>
+          <p:nvPr>
+            <p:ph sz="half" idx="2"/>
+          </p:nvPr>
+        </p:nvSpPr>
+        <p:spPr/>
+        <p:txBody>
+          <a:bodyPr/>
+          <a:lstStyle/>
+          <a:p>
+            <a:endParaRPr lang="fr-FR" noProof="1"/>
+          </a:p>
+        </p:txBody>
+      </p:sp>
+      <p:sp>
+        <p:nvSpPr>
+          <p:cNvPr id="5" name="Espace réservé du texte 4"/>
+          <p:cNvSpPr>
+            <a:spLocks noGrp="1"/>
+          </p:cNvSpPr>
+          <p:nvPr>
+            <p:ph type="body" sz="quarter" idx="3"/>
+          </p:nvPr>
+        </p:nvSpPr>
+        <p:spPr/>
+        <p:txBody>
+          <a:bodyPr/>
+          <a:lstStyle/>
+          <a:p>
+            <a:endParaRPr lang="fr-FR" noProof="1"/>
+          </a:p>
+        </p:txBody>
+      </p:sp>
+      <p:sp>
+        <p:nvSpPr>
+          <p:cNvPr id="6" name="Espace réservé du contenu 5"/>
+          <p:cNvSpPr>
+            <a:spLocks noGrp="1"/>
+          </p:cNvSpPr>
+          <p:nvPr>
+            <p:ph sz="quarter" idx="4"/>
+          </p:nvPr>
+        </p:nvSpPr>
+        <p:spPr/>
+        <p:txBody>
+          <a:bodyPr/>
+          <a:lstStyle/>
+          <a:p>
+            <a:endParaRPr lang="fr-FR" noProof="1"/>
+          </a:p>
+        </p:txBody>
+      </p:sp>
     </p:spTree>
     <p:extLst>
       <p:ext uri="{BB962C8B-B14F-4D97-AF65-F5344CB8AC3E}">
-        <p14:creationId xmlns:p14="http://schemas.microsoft.com/office/powerpoint/2010/main" val="1001865620"/>
+        <p14:creationId xmlns:p14="http://schemas.microsoft.com/office/powerpoint/2010/main" val="2637673684"/>
       </p:ext>
     </p:extLst>
   </p:cSld>
@@ -12748,48 +11587,10 @@
           </a:p>
         </p:txBody>
       </p:sp>
-      <p:sp>
-        <p:nvSpPr>
-          <p:cNvPr id="3" name="Espace réservé du contenu 2"/>
-          <p:cNvSpPr>
-            <a:spLocks noGrp="1"/>
-          </p:cNvSpPr>
-          <p:nvPr>
-            <p:ph idx="1"/>
-          </p:nvPr>
-        </p:nvSpPr>
-        <p:spPr/>
-        <p:txBody>
-          <a:bodyPr/>
-          <a:lstStyle/>
-          <a:p>
-            <a:endParaRPr lang="fr-FR" noProof="1"/>
-          </a:p>
-        </p:txBody>
-      </p:sp>
-      <p:sp>
-        <p:nvSpPr>
-          <p:cNvPr id="4" name="Espace réservé du texte 3"/>
-          <p:cNvSpPr>
-            <a:spLocks noGrp="1"/>
-          </p:cNvSpPr>
-          <p:nvPr>
-            <p:ph type="body" sz="half" idx="2"/>
-          </p:nvPr>
-        </p:nvSpPr>
-        <p:spPr/>
-        <p:txBody>
-          <a:bodyPr/>
-          <a:lstStyle/>
-          <a:p>
-            <a:endParaRPr lang="fr-FR" noProof="1"/>
-          </a:p>
-        </p:txBody>
-      </p:sp>
     </p:spTree>
     <p:extLst>
       <p:ext uri="{BB962C8B-B14F-4D97-AF65-F5344CB8AC3E}">
-        <p14:creationId xmlns:p14="http://schemas.microsoft.com/office/powerpoint/2010/main" val="2914748422"/>
+        <p14:creationId xmlns:p14="http://schemas.microsoft.com/office/powerpoint/2010/main" val="547100618"/>
       </p:ext>
     </p:extLst>
   </p:cSld>
@@ -12996,6 +11797,161 @@
           <a:chExt cx="0" cy="0"/>
         </a:xfrm>
       </p:grpSpPr>
+    </p:spTree>
+    <p:extLst>
+      <p:ext uri="{BB962C8B-B14F-4D97-AF65-F5344CB8AC3E}">
+        <p14:creationId xmlns:p14="http://schemas.microsoft.com/office/powerpoint/2010/main" val="1001865620"/>
+      </p:ext>
+    </p:extLst>
+  </p:cSld>
+  <p:clrMapOvr>
+    <a:masterClrMapping/>
+  </p:clrMapOvr>
+  <mc:AlternateContent xmlns:mc="http://schemas.openxmlformats.org/markup-compatibility/2006" xmlns:p14="http://schemas.microsoft.com/office/powerpoint/2010/main">
+    <mc:Choice Requires="p14">
+      <p:transition spd="med" p14:dur="700">
+        <p:fade/>
+      </p:transition>
+    </mc:Choice>
+    <mc:Fallback xmlns="">
+      <p:transition spd="med">
+        <p:fade/>
+      </p:transition>
+    </mc:Fallback>
+  </mc:AlternateContent>
+  <p:timing>
+    <p:tnLst>
+      <p:par>
+        <p:cTn id="1" dur="indefinite" restart="never" nodeType="tmRoot"/>
+      </p:par>
+    </p:tnLst>
+  </p:timing>
+</p:sld>
+</file>
+
+<file path=ppt/slides/slide21.xml><?xml version="1.0" encoding="utf-8"?>
+<p:sld xmlns:a="http://schemas.openxmlformats.org/drawingml/2006/main" xmlns:r="http://schemas.openxmlformats.org/officeDocument/2006/relationships" xmlns:p="http://schemas.openxmlformats.org/presentationml/2006/main">
+  <p:cSld>
+    <p:spTree>
+      <p:nvGrpSpPr>
+        <p:cNvPr id="1" name=""/>
+        <p:cNvGrpSpPr/>
+        <p:nvPr/>
+      </p:nvGrpSpPr>
+      <p:grpSpPr>
+        <a:xfrm>
+          <a:off x="0" y="0"/>
+          <a:ext cx="0" cy="0"/>
+          <a:chOff x="0" y="0"/>
+          <a:chExt cx="0" cy="0"/>
+        </a:xfrm>
+      </p:grpSpPr>
+      <p:sp>
+        <p:nvSpPr>
+          <p:cNvPr id="2" name="Titre 1"/>
+          <p:cNvSpPr>
+            <a:spLocks noGrp="1"/>
+          </p:cNvSpPr>
+          <p:nvPr>
+            <p:ph type="title"/>
+          </p:nvPr>
+        </p:nvSpPr>
+        <p:spPr/>
+        <p:txBody>
+          <a:bodyPr/>
+          <a:lstStyle/>
+          <a:p>
+            <a:endParaRPr lang="fr-FR" noProof="1"/>
+          </a:p>
+        </p:txBody>
+      </p:sp>
+      <p:sp>
+        <p:nvSpPr>
+          <p:cNvPr id="3" name="Espace réservé du contenu 2"/>
+          <p:cNvSpPr>
+            <a:spLocks noGrp="1"/>
+          </p:cNvSpPr>
+          <p:nvPr>
+            <p:ph idx="1"/>
+          </p:nvPr>
+        </p:nvSpPr>
+        <p:spPr/>
+        <p:txBody>
+          <a:bodyPr/>
+          <a:lstStyle/>
+          <a:p>
+            <a:endParaRPr lang="fr-FR" noProof="1"/>
+          </a:p>
+        </p:txBody>
+      </p:sp>
+      <p:sp>
+        <p:nvSpPr>
+          <p:cNvPr id="4" name="Espace réservé du texte 3"/>
+          <p:cNvSpPr>
+            <a:spLocks noGrp="1"/>
+          </p:cNvSpPr>
+          <p:nvPr>
+            <p:ph type="body" sz="half" idx="2"/>
+          </p:nvPr>
+        </p:nvSpPr>
+        <p:spPr/>
+        <p:txBody>
+          <a:bodyPr/>
+          <a:lstStyle/>
+          <a:p>
+            <a:endParaRPr lang="fr-FR" noProof="1"/>
+          </a:p>
+        </p:txBody>
+      </p:sp>
+    </p:spTree>
+    <p:extLst>
+      <p:ext uri="{BB962C8B-B14F-4D97-AF65-F5344CB8AC3E}">
+        <p14:creationId xmlns:p14="http://schemas.microsoft.com/office/powerpoint/2010/main" val="2914748422"/>
+      </p:ext>
+    </p:extLst>
+  </p:cSld>
+  <p:clrMapOvr>
+    <a:masterClrMapping/>
+  </p:clrMapOvr>
+  <mc:AlternateContent xmlns:mc="http://schemas.openxmlformats.org/markup-compatibility/2006" xmlns:p14="http://schemas.microsoft.com/office/powerpoint/2010/main">
+    <mc:Choice Requires="p14">
+      <p:transition spd="med" p14:dur="700">
+        <p:fade/>
+      </p:transition>
+    </mc:Choice>
+    <mc:Fallback xmlns="">
+      <p:transition spd="med">
+        <p:fade/>
+      </p:transition>
+    </mc:Fallback>
+  </mc:AlternateContent>
+  <p:timing>
+    <p:tnLst>
+      <p:par>
+        <p:cTn id="1" dur="indefinite" restart="never" nodeType="tmRoot"/>
+      </p:par>
+    </p:tnLst>
+  </p:timing>
+</p:sld>
+</file>
+
+<file path=ppt/slides/slide22.xml><?xml version="1.0" encoding="utf-8"?>
+<p:sld xmlns:a="http://schemas.openxmlformats.org/drawingml/2006/main" xmlns:r="http://schemas.openxmlformats.org/officeDocument/2006/relationships" xmlns:p="http://schemas.openxmlformats.org/presentationml/2006/main">
+  <p:cSld>
+    <p:spTree>
+      <p:nvGrpSpPr>
+        <p:cNvPr id="1" name=""/>
+        <p:cNvGrpSpPr/>
+        <p:nvPr/>
+      </p:nvGrpSpPr>
+      <p:grpSpPr>
+        <a:xfrm>
+          <a:off x="0" y="0"/>
+          <a:ext cx="0" cy="0"/>
+          <a:chOff x="0" y="0"/>
+          <a:chExt cx="0" cy="0"/>
+        </a:xfrm>
+      </p:grpSpPr>
       <p:sp>
         <p:nvSpPr>
           <p:cNvPr id="2" name="Titre 1"/>
@@ -13386,11 +12342,7 @@
           <a:p>
             <a:r>
               <a:rPr lang="fr-FR" dirty="0" smtClean="0"/>
-              <a:t>Analyse </a:t>
-            </a:r>
-            <a:r>
-              <a:rPr lang="fr-FR" dirty="0" smtClean="0"/>
-              <a:t>non-paramétrique</a:t>
+              <a:t>Analyse non-paramétrique</a:t>
             </a:r>
             <a:endParaRPr lang="fr-FR" dirty="0"/>
           </a:p>
@@ -13475,7 +12427,11 @@
             </a:pPr>
             <a:r>
               <a:rPr lang="fr-FR" dirty="0" smtClean="0"/>
-              <a:t>La transformée de Fourier</a:t>
+              <a:t>Les transformées </a:t>
+            </a:r>
+            <a:r>
+              <a:rPr lang="fr-FR" dirty="0" smtClean="0"/>
+              <a:t>de Fourier</a:t>
             </a:r>
             <a:endParaRPr lang="fr-FR" dirty="0"/>
           </a:p>
@@ -13489,7 +12445,11 @@
             </a:pPr>
             <a:r>
               <a:rPr lang="fr-FR" dirty="0" smtClean="0"/>
-              <a:t>Variantes</a:t>
+              <a:t>La transformée </a:t>
+            </a:r>
+            <a:r>
+              <a:rPr lang="fr-FR" smtClean="0"/>
+              <a:t>en ondelettes</a:t>
             </a:r>
             <a:endParaRPr lang="fr-FR" dirty="0"/>
           </a:p>
@@ -13569,8 +12529,8 @@
           </a:p>
         </p:txBody>
       </p:sp>
-      <mc:AlternateContent xmlns:mc="http://schemas.openxmlformats.org/markup-compatibility/2006">
-        <mc:Choice xmlns:a14="http://schemas.microsoft.com/office/drawing/2010/main" Requires="a14">
+      <mc:AlternateContent xmlns:mc="http://schemas.openxmlformats.org/markup-compatibility/2006" xmlns:a14="http://schemas.microsoft.com/office/drawing/2010/main">
+        <mc:Choice Requires="a14">
           <p:sp>
             <p:nvSpPr>
               <p:cNvPr id="3" name="Espace réservé du contenu 2"/>
@@ -14048,17 +13008,7 @@
                                   <a:latin typeface="Cambria Math" panose="02040503050406030204" pitchFamily="18" charset="0"/>
                                   <a:ea typeface="Cambria Math" panose="02040503050406030204" pitchFamily="18" charset="0"/>
                                 </a:rPr>
-                                <m:t>L</m:t>
-                              </m:r>
-                              <m:r>
-                                <m:rPr>
-                                  <m:sty m:val="p"/>
-                                </m:rPr>
-                                <a:rPr lang="fr-FR" b="0" i="0" smtClean="0">
-                                  <a:latin typeface="Cambria Math" panose="02040503050406030204" pitchFamily="18" charset="0"/>
-                                  <a:ea typeface="Cambria Math" panose="02040503050406030204" pitchFamily="18" charset="0"/>
-                                </a:rPr>
-                                <m:t>im</m:t>
+                                <m:t>Lim</m:t>
                               </m:r>
                             </m:e>
                             <m:lim>
@@ -14259,7 +13209,6 @@
                   <a:rPr lang="fr-FR" dirty="0" smtClean="0"/>
                   <a:t>La DSP représente la puissance du signal pour chaque fréquence</a:t>
                 </a:r>
-                <a:endParaRPr lang="fr-FR" dirty="0" smtClean="0"/>
               </a:p>
               <a:p>
                 <a:pPr>
@@ -14278,7 +13227,7 @@
             </p:txBody>
           </p:sp>
         </mc:Choice>
-        <mc:Fallback>
+        <mc:Fallback xmlns="">
           <p:sp>
             <p:nvSpPr>
               <p:cNvPr id="3" name="Espace réservé du contenu 2"/>
@@ -14394,8 +13343,8 @@
           </a:p>
         </p:txBody>
       </p:sp>
-      <mc:AlternateContent xmlns:mc="http://schemas.openxmlformats.org/markup-compatibility/2006">
-        <mc:Choice xmlns:a14="http://schemas.microsoft.com/office/drawing/2010/main" Requires="a14">
+      <mc:AlternateContent xmlns:mc="http://schemas.openxmlformats.org/markup-compatibility/2006" xmlns:a14="http://schemas.microsoft.com/office/drawing/2010/main">
+        <mc:Choice Requires="a14">
           <p:sp>
             <p:nvSpPr>
               <p:cNvPr id="3" name="Espace réservé du contenu 2"/>
@@ -14798,12 +13747,11 @@
                   <a:rPr lang="fr-FR" dirty="0" smtClean="0"/>
                   <a:t>Estimateur biaisé</a:t>
                 </a:r>
-                <a:endParaRPr lang="fr-FR" dirty="0" smtClean="0"/>
               </a:p>
             </p:txBody>
           </p:sp>
         </mc:Choice>
-        <mc:Fallback>
+        <mc:Fallback xmlns="">
           <p:sp>
             <p:nvSpPr>
               <p:cNvPr id="3" name="Espace réservé du contenu 2"/>
@@ -14915,8 +13863,8 @@
           </a:p>
         </p:txBody>
       </p:sp>
-      <mc:AlternateContent xmlns:mc="http://schemas.openxmlformats.org/markup-compatibility/2006">
-        <mc:Choice xmlns:a14="http://schemas.microsoft.com/office/drawing/2010/main" Requires="a14">
+      <mc:AlternateContent xmlns:mc="http://schemas.openxmlformats.org/markup-compatibility/2006" xmlns:a14="http://schemas.microsoft.com/office/drawing/2010/main">
+        <mc:Choice Requires="a14">
           <p:sp>
             <p:nvSpPr>
               <p:cNvPr id="3" name="Espace réservé du contenu 2"/>
@@ -15267,7 +14215,7 @@
                       <m:d>
                         <m:dPr>
                           <m:ctrlPr>
-                            <a:rPr lang="fr-FR" b="0" i="0" smtClean="0">
+                            <a:rPr lang="fr-FR" b="0" i="1" smtClean="0">
                               <a:latin typeface="Cambria Math" panose="02040503050406030204" pitchFamily="18" charset="0"/>
                             </a:rPr>
                           </m:ctrlPr>
@@ -15512,7 +14460,7 @@
             </p:txBody>
           </p:sp>
         </mc:Choice>
-        <mc:Fallback>
+        <mc:Fallback xmlns="">
           <p:sp>
             <p:nvSpPr>
               <p:cNvPr id="3" name="Espace réservé du contenu 2"/>
@@ -15614,7 +14562,11 @@
           <a:p>
             <a:r>
               <a:rPr lang="fr-FR" dirty="0" smtClean="0"/>
-              <a:t>La transformée de Fourier</a:t>
+              <a:t>Les transformées </a:t>
+            </a:r>
+            <a:r>
+              <a:rPr lang="fr-FR" dirty="0" smtClean="0"/>
+              <a:t>de Fourier</a:t>
             </a:r>
             <a:endParaRPr lang="fr-FR" dirty="0"/>
           </a:p>
@@ -15707,7 +14659,13 @@
                             <a:rPr lang="fr-FR" b="0" i="1" smtClean="0">
                               <a:latin typeface="Cambria Math" panose="02040503050406030204" pitchFamily="18" charset="0"/>
                             </a:rPr>
-                            <m:t>𝐹𝑇</m:t>
+                            <m:t>𝐹</m:t>
+                          </m:r>
+                          <m:r>
+                            <a:rPr lang="fr-FR" b="0" i="1" smtClean="0">
+                              <a:latin typeface="Cambria Math" panose="02040503050406030204" pitchFamily="18" charset="0"/>
+                            </a:rPr>
+                            <m:t>𝑇</m:t>
                           </m:r>
                         </m:e>
                       </m:groupChr>
@@ -15887,7 +14845,15 @@
                 </a:pPr>
                 <a:r>
                   <a:rPr lang="fr-FR" dirty="0"/>
-                  <a:t>Transformée de Fourier discrète :</a:t>
+                  <a:t>Transformée de Fourier </a:t>
+                </a:r>
+                <a:r>
+                  <a:rPr lang="fr-FR" dirty="0" smtClean="0"/>
+                  <a:t>à temps discret </a:t>
+                </a:r>
+                <a:r>
+                  <a:rPr lang="fr-FR" dirty="0"/>
+                  <a:t>:</a:t>
                 </a:r>
               </a:p>
               <a:p>
@@ -15947,6 +14913,12 @@
                               <a:latin typeface="Cambria Math" panose="02040503050406030204" pitchFamily="18" charset="0"/>
                             </a:rPr>
                             <m:t>𝐷</m:t>
+                          </m:r>
+                          <m:r>
+                            <a:rPr lang="fr-FR" b="0" i="1" smtClean="0">
+                              <a:latin typeface="Cambria Math" panose="02040503050406030204" pitchFamily="18" charset="0"/>
+                            </a:rPr>
+                            <m:t>𝑇</m:t>
                           </m:r>
                           <m:r>
                             <a:rPr lang="fr-FR" i="1">

--- a/Analyse spectrale_etienne.pptx
+++ b/Analyse spectrale_etienne.pptx
@@ -5,10 +5,10 @@
     <p:sldMasterId id="2147483648" r:id="rId2"/>
   </p:sldMasterIdLst>
   <p:notesMasterIdLst>
-    <p:notesMasterId r:id="rId25"/>
+    <p:notesMasterId r:id="rId26"/>
   </p:notesMasterIdLst>
   <p:handoutMasterIdLst>
-    <p:handoutMasterId r:id="rId26"/>
+    <p:handoutMasterId r:id="rId27"/>
   </p:handoutMasterIdLst>
   <p:sldIdLst>
     <p:sldId id="256" r:id="rId3"/>
@@ -23,16 +23,17 @@
     <p:sldId id="276" r:id="rId12"/>
     <p:sldId id="277" r:id="rId13"/>
     <p:sldId id="278" r:id="rId14"/>
-    <p:sldId id="273" r:id="rId15"/>
-    <p:sldId id="258" r:id="rId16"/>
-    <p:sldId id="260" r:id="rId17"/>
-    <p:sldId id="259" r:id="rId18"/>
-    <p:sldId id="261" r:id="rId19"/>
-    <p:sldId id="262" r:id="rId20"/>
-    <p:sldId id="263" r:id="rId21"/>
-    <p:sldId id="264" r:id="rId22"/>
-    <p:sldId id="265" r:id="rId23"/>
-    <p:sldId id="266" r:id="rId24"/>
+    <p:sldId id="279" r:id="rId15"/>
+    <p:sldId id="273" r:id="rId16"/>
+    <p:sldId id="258" r:id="rId17"/>
+    <p:sldId id="260" r:id="rId18"/>
+    <p:sldId id="259" r:id="rId19"/>
+    <p:sldId id="261" r:id="rId20"/>
+    <p:sldId id="262" r:id="rId21"/>
+    <p:sldId id="263" r:id="rId22"/>
+    <p:sldId id="264" r:id="rId23"/>
+    <p:sldId id="265" r:id="rId24"/>
+    <p:sldId id="266" r:id="rId25"/>
   </p:sldIdLst>
   <p:sldSz cx="12192000" cy="6858000"/>
   <p:notesSz cx="6858000" cy="9144000"/>
@@ -2335,28 +2336,28 @@
     </dgm:pt>
   </dgm:ptLst>
   <dgm:cxnLst>
-    <dgm:cxn modelId="{0DE776BA-5D89-4AF6-AD34-83FB1B440D6E}" type="presOf" srcId="{C3DC95A2-4D92-42C5-966E-8600E4BA31BD}" destId="{B752F9F5-2482-4D52-A33E-BE0263F4B0EA}" srcOrd="1" destOrd="0" presId="urn:microsoft.com/office/officeart/2005/8/layout/process4"/>
+    <dgm:cxn modelId="{5A012591-AD10-4CB9-87CA-80F836A87F10}" type="presOf" srcId="{B5387FF0-0982-441E-9F8E-19335142671C}" destId="{0F0AC827-ACAE-4C23-875D-A4B53006A73F}" srcOrd="0" destOrd="0" presId="urn:microsoft.com/office/officeart/2005/8/layout/process4"/>
+    <dgm:cxn modelId="{7888DF58-4351-4017-97B5-9A2C1542304F}" type="presOf" srcId="{17ACD041-408C-4E7D-B463-7267D32756A1}" destId="{C4F2ADBF-C592-483D-A6FF-5DB9D2A90309}" srcOrd="0" destOrd="0" presId="urn:microsoft.com/office/officeart/2005/8/layout/process4"/>
+    <dgm:cxn modelId="{38C6CA17-AB89-46B1-B380-B602383053FA}" type="presOf" srcId="{DB6AA457-F75F-415D-BDD5-92045774FE4B}" destId="{7371425A-4D37-4FA7-A21E-1529F4324E45}" srcOrd="0" destOrd="0" presId="urn:microsoft.com/office/officeart/2005/8/layout/process4"/>
+    <dgm:cxn modelId="{9653D664-EC18-40D7-9F5E-3B27A70DCA4D}" srcId="{CD5204CD-6958-4A55-82AA-4AD73B3B6A19}" destId="{C712D637-7FF1-401C-9304-F85D1B95B226}" srcOrd="0" destOrd="0" parTransId="{05E1DD5C-7FEF-48F0-9651-C74D082ACBA9}" sibTransId="{F14B97BF-E90F-4D5A-A42B-6364BCB81249}"/>
+    <dgm:cxn modelId="{51AAE964-0278-4D77-A962-9CAED2A33AFC}" type="presOf" srcId="{DB6AA457-F75F-415D-BDD5-92045774FE4B}" destId="{80AD606B-F25E-46DF-B405-18F7D2EAE74A}" srcOrd="1" destOrd="0" presId="urn:microsoft.com/office/officeart/2005/8/layout/process4"/>
+    <dgm:cxn modelId="{88A87FA6-C1EB-4109-9B9E-2FE10DE80F14}" srcId="{C712D637-7FF1-401C-9304-F85D1B95B226}" destId="{DA33CDF4-5B94-4B92-9E0A-4DFD4CBFAF2D}" srcOrd="1" destOrd="0" parTransId="{B7ECB8E0-4CD3-4804-BE8C-5260A5083C57}" sibTransId="{D3EF4DE2-351E-4A5C-980A-1BBDC899AAC2}"/>
+    <dgm:cxn modelId="{8A476EEB-6A39-4004-AD8C-BD56913E7B26}" srcId="{CD5204CD-6958-4A55-82AA-4AD73B3B6A19}" destId="{C3DC95A2-4D92-42C5-966E-8600E4BA31BD}" srcOrd="2" destOrd="0" parTransId="{F9D94033-59E5-4228-A5F3-6CB272E77E3B}" sibTransId="{A43E3114-C8AC-4F44-952D-8A0D6A8A6B45}"/>
+    <dgm:cxn modelId="{654ADFCB-9F48-4311-9D35-6D66E259C0F0}" type="presOf" srcId="{DA33CDF4-5B94-4B92-9E0A-4DFD4CBFAF2D}" destId="{3EC7D028-ECEA-492B-A6F1-68E9B57B69C6}" srcOrd="0" destOrd="0" presId="urn:microsoft.com/office/officeart/2005/8/layout/process4"/>
+    <dgm:cxn modelId="{93F76B4F-907D-4630-B1A9-C3BE3C102DFF}" srcId="{CD5204CD-6958-4A55-82AA-4AD73B3B6A19}" destId="{DB6AA457-F75F-415D-BDD5-92045774FE4B}" srcOrd="1" destOrd="0" parTransId="{195DBB62-3C1E-4BED-ADB6-6E31CA6ABD63}" sibTransId="{C684833D-85CC-4010-A138-ABC65E139C69}"/>
+    <dgm:cxn modelId="{9CD14EFA-0F76-4A1F-B614-3498F606687F}" type="presOf" srcId="{3FE03ED9-3066-4E28-8291-0B1764DC85D6}" destId="{A6EE397C-6C28-4128-BFFE-CFF44F70153F}" srcOrd="0" destOrd="0" presId="urn:microsoft.com/office/officeart/2005/8/layout/process4"/>
     <dgm:cxn modelId="{49DFB11E-EAA1-4720-837C-5291C468F94A}" type="presOf" srcId="{C712D637-7FF1-401C-9304-F85D1B95B226}" destId="{A48265CE-F3A3-46DB-9DD2-97590B4DBB84}" srcOrd="1" destOrd="0" presId="urn:microsoft.com/office/officeart/2005/8/layout/process4"/>
+    <dgm:cxn modelId="{CE503079-5EBC-46C6-AEA7-05CAA4676BB5}" type="presOf" srcId="{743FE7B1-011B-42E6-8768-1EB3E95741FA}" destId="{59FFE57C-E5F2-4FBD-AA4D-8DB27381892F}" srcOrd="0" destOrd="0" presId="urn:microsoft.com/office/officeart/2005/8/layout/process4"/>
+    <dgm:cxn modelId="{F9232B4D-645E-4C93-A5D6-A89B30504327}" srcId="{DB6AA457-F75F-415D-BDD5-92045774FE4B}" destId="{99C943DF-AAA4-4E2C-A283-FA2BF761F447}" srcOrd="0" destOrd="0" parTransId="{20F107AF-35DA-4D25-AB35-B8AD821D3FE7}" sibTransId="{4802CB64-7B32-458C-A9FF-C35C0A51E69A}"/>
+    <dgm:cxn modelId="{7AC8567A-4A9D-4A2D-9B97-5F366E5A9589}" type="presOf" srcId="{C3DC95A2-4D92-42C5-966E-8600E4BA31BD}" destId="{588D9B7D-EC68-4FB0-96F2-2E47AC868059}" srcOrd="0" destOrd="0" presId="urn:microsoft.com/office/officeart/2005/8/layout/process4"/>
     <dgm:cxn modelId="{EF7A2011-FCAC-41A8-A305-634BF780B59D}" srcId="{DB6AA457-F75F-415D-BDD5-92045774FE4B}" destId="{3FE03ED9-3066-4E28-8291-0B1764DC85D6}" srcOrd="1" destOrd="0" parTransId="{70F79093-990B-4C69-A0BC-6E28D692D24F}" sibTransId="{2D17DCF5-1F10-4F99-AFA5-9D17F12D0A73}"/>
-    <dgm:cxn modelId="{F9232B4D-645E-4C93-A5D6-A89B30504327}" srcId="{DB6AA457-F75F-415D-BDD5-92045774FE4B}" destId="{99C943DF-AAA4-4E2C-A283-FA2BF761F447}" srcOrd="0" destOrd="0" parTransId="{20F107AF-35DA-4D25-AB35-B8AD821D3FE7}" sibTransId="{4802CB64-7B32-458C-A9FF-C35C0A51E69A}"/>
-    <dgm:cxn modelId="{CE503079-5EBC-46C6-AEA7-05CAA4676BB5}" type="presOf" srcId="{743FE7B1-011B-42E6-8768-1EB3E95741FA}" destId="{59FFE57C-E5F2-4FBD-AA4D-8DB27381892F}" srcOrd="0" destOrd="0" presId="urn:microsoft.com/office/officeart/2005/8/layout/process4"/>
-    <dgm:cxn modelId="{7574A873-09B6-4955-9A03-A5E1A1036E6A}" type="presOf" srcId="{C712D637-7FF1-401C-9304-F85D1B95B226}" destId="{859CA2CA-8A33-4975-9F01-7A3C8BB729DE}" srcOrd="0" destOrd="0" presId="urn:microsoft.com/office/officeart/2005/8/layout/process4"/>
-    <dgm:cxn modelId="{88A87FA6-C1EB-4109-9B9E-2FE10DE80F14}" srcId="{C712D637-7FF1-401C-9304-F85D1B95B226}" destId="{DA33CDF4-5B94-4B92-9E0A-4DFD4CBFAF2D}" srcOrd="1" destOrd="0" parTransId="{B7ECB8E0-4CD3-4804-BE8C-5260A5083C57}" sibTransId="{D3EF4DE2-351E-4A5C-980A-1BBDC899AAC2}"/>
-    <dgm:cxn modelId="{6FF8166B-A137-45DB-919B-F84C9A9DEC94}" type="presOf" srcId="{CD5204CD-6958-4A55-82AA-4AD73B3B6A19}" destId="{31D3AE5D-DA06-4E2D-9D68-F5531DFE7C2B}" srcOrd="0" destOrd="0" presId="urn:microsoft.com/office/officeart/2005/8/layout/process4"/>
-    <dgm:cxn modelId="{9CD14EFA-0F76-4A1F-B614-3498F606687F}" type="presOf" srcId="{3FE03ED9-3066-4E28-8291-0B1764DC85D6}" destId="{A6EE397C-6C28-4128-BFFE-CFF44F70153F}" srcOrd="0" destOrd="0" presId="urn:microsoft.com/office/officeart/2005/8/layout/process4"/>
-    <dgm:cxn modelId="{5A012591-AD10-4CB9-87CA-80F836A87F10}" type="presOf" srcId="{B5387FF0-0982-441E-9F8E-19335142671C}" destId="{0F0AC827-ACAE-4C23-875D-A4B53006A73F}" srcOrd="0" destOrd="0" presId="urn:microsoft.com/office/officeart/2005/8/layout/process4"/>
-    <dgm:cxn modelId="{93F76B4F-907D-4630-B1A9-C3BE3C102DFF}" srcId="{CD5204CD-6958-4A55-82AA-4AD73B3B6A19}" destId="{DB6AA457-F75F-415D-BDD5-92045774FE4B}" srcOrd="1" destOrd="0" parTransId="{195DBB62-3C1E-4BED-ADB6-6E31CA6ABD63}" sibTransId="{C684833D-85CC-4010-A138-ABC65E139C69}"/>
-    <dgm:cxn modelId="{8A476EEB-6A39-4004-AD8C-BD56913E7B26}" srcId="{CD5204CD-6958-4A55-82AA-4AD73B3B6A19}" destId="{C3DC95A2-4D92-42C5-966E-8600E4BA31BD}" srcOrd="2" destOrd="0" parTransId="{F9D94033-59E5-4228-A5F3-6CB272E77E3B}" sibTransId="{A43E3114-C8AC-4F44-952D-8A0D6A8A6B45}"/>
-    <dgm:cxn modelId="{9653D664-EC18-40D7-9F5E-3B27A70DCA4D}" srcId="{CD5204CD-6958-4A55-82AA-4AD73B3B6A19}" destId="{C712D637-7FF1-401C-9304-F85D1B95B226}" srcOrd="0" destOrd="0" parTransId="{05E1DD5C-7FEF-48F0-9651-C74D082ACBA9}" sibTransId="{F14B97BF-E90F-4D5A-A42B-6364BCB81249}"/>
-    <dgm:cxn modelId="{654ADFCB-9F48-4311-9D35-6D66E259C0F0}" type="presOf" srcId="{DA33CDF4-5B94-4B92-9E0A-4DFD4CBFAF2D}" destId="{3EC7D028-ECEA-492B-A6F1-68E9B57B69C6}" srcOrd="0" destOrd="0" presId="urn:microsoft.com/office/officeart/2005/8/layout/process4"/>
-    <dgm:cxn modelId="{7AC8567A-4A9D-4A2D-9B97-5F366E5A9589}" type="presOf" srcId="{C3DC95A2-4D92-42C5-966E-8600E4BA31BD}" destId="{588D9B7D-EC68-4FB0-96F2-2E47AC868059}" srcOrd="0" destOrd="0" presId="urn:microsoft.com/office/officeart/2005/8/layout/process4"/>
-    <dgm:cxn modelId="{7F70C7BE-72E8-441E-B7CF-522ADEA91ECB}" srcId="{C3DC95A2-4D92-42C5-966E-8600E4BA31BD}" destId="{B5387FF0-0982-441E-9F8E-19335142671C}" srcOrd="1" destOrd="0" parTransId="{FE9534D2-E5E4-4494-A37E-5724362DB3AC}" sibTransId="{0DB486FB-DB2E-4894-89D1-AA4679580390}"/>
+    <dgm:cxn modelId="{6D29C741-1B1E-4EBC-A0C7-F287A8ED285A}" srcId="{C712D637-7FF1-401C-9304-F85D1B95B226}" destId="{743FE7B1-011B-42E6-8768-1EB3E95741FA}" srcOrd="0" destOrd="0" parTransId="{921AFB12-2D70-40FB-8AB1-299E0FF2C5A6}" sibTransId="{FFAF77DD-A644-4C36-8908-6204BB0D9268}"/>
     <dgm:cxn modelId="{A9D8FDD5-46C6-47E0-AA21-CE5D26EBFF1C}" type="presOf" srcId="{99C943DF-AAA4-4E2C-A283-FA2BF761F447}" destId="{A8E0F749-66B2-490B-99E9-CC106B163B16}" srcOrd="0" destOrd="0" presId="urn:microsoft.com/office/officeart/2005/8/layout/process4"/>
     <dgm:cxn modelId="{EBCDDEFB-4955-4864-90AB-7D693BE5DA0A}" srcId="{C3DC95A2-4D92-42C5-966E-8600E4BA31BD}" destId="{17ACD041-408C-4E7D-B463-7267D32756A1}" srcOrd="0" destOrd="0" parTransId="{209FC651-3F8E-4BF8-8C06-328027667041}" sibTransId="{A6AA8096-532A-4378-9BB6-B585B46357E5}"/>
-    <dgm:cxn modelId="{6D29C741-1B1E-4EBC-A0C7-F287A8ED285A}" srcId="{C712D637-7FF1-401C-9304-F85D1B95B226}" destId="{743FE7B1-011B-42E6-8768-1EB3E95741FA}" srcOrd="0" destOrd="0" parTransId="{921AFB12-2D70-40FB-8AB1-299E0FF2C5A6}" sibTransId="{FFAF77DD-A644-4C36-8908-6204BB0D9268}"/>
-    <dgm:cxn modelId="{38C6CA17-AB89-46B1-B380-B602383053FA}" type="presOf" srcId="{DB6AA457-F75F-415D-BDD5-92045774FE4B}" destId="{7371425A-4D37-4FA7-A21E-1529F4324E45}" srcOrd="0" destOrd="0" presId="urn:microsoft.com/office/officeart/2005/8/layout/process4"/>
-    <dgm:cxn modelId="{51AAE964-0278-4D77-A962-9CAED2A33AFC}" type="presOf" srcId="{DB6AA457-F75F-415D-BDD5-92045774FE4B}" destId="{80AD606B-F25E-46DF-B405-18F7D2EAE74A}" srcOrd="1" destOrd="0" presId="urn:microsoft.com/office/officeart/2005/8/layout/process4"/>
-    <dgm:cxn modelId="{7888DF58-4351-4017-97B5-9A2C1542304F}" type="presOf" srcId="{17ACD041-408C-4E7D-B463-7267D32756A1}" destId="{C4F2ADBF-C592-483D-A6FF-5DB9D2A90309}" srcOrd="0" destOrd="0" presId="urn:microsoft.com/office/officeart/2005/8/layout/process4"/>
+    <dgm:cxn modelId="{6FF8166B-A137-45DB-919B-F84C9A9DEC94}" type="presOf" srcId="{CD5204CD-6958-4A55-82AA-4AD73B3B6A19}" destId="{31D3AE5D-DA06-4E2D-9D68-F5531DFE7C2B}" srcOrd="0" destOrd="0" presId="urn:microsoft.com/office/officeart/2005/8/layout/process4"/>
+    <dgm:cxn modelId="{7574A873-09B6-4955-9A03-A5E1A1036E6A}" type="presOf" srcId="{C712D637-7FF1-401C-9304-F85D1B95B226}" destId="{859CA2CA-8A33-4975-9F01-7A3C8BB729DE}" srcOrd="0" destOrd="0" presId="urn:microsoft.com/office/officeart/2005/8/layout/process4"/>
+    <dgm:cxn modelId="{0DE776BA-5D89-4AF6-AD34-83FB1B440D6E}" type="presOf" srcId="{C3DC95A2-4D92-42C5-966E-8600E4BA31BD}" destId="{B752F9F5-2482-4D52-A33E-BE0263F4B0EA}" srcOrd="1" destOrd="0" presId="urn:microsoft.com/office/officeart/2005/8/layout/process4"/>
+    <dgm:cxn modelId="{7F70C7BE-72E8-441E-B7CF-522ADEA91ECB}" srcId="{C3DC95A2-4D92-42C5-966E-8600E4BA31BD}" destId="{B5387FF0-0982-441E-9F8E-19335142671C}" srcOrd="1" destOrd="0" parTransId="{FE9534D2-E5E4-4494-A37E-5724362DB3AC}" sibTransId="{0DB486FB-DB2E-4894-89D1-AA4679580390}"/>
     <dgm:cxn modelId="{7D643549-6AEE-4E26-BA58-D9C18C7ABAF4}" type="presParOf" srcId="{31D3AE5D-DA06-4E2D-9D68-F5531DFE7C2B}" destId="{127AFF01-F37D-42CC-8885-1689151201CD}" srcOrd="0" destOrd="0" presId="urn:microsoft.com/office/officeart/2005/8/layout/process4"/>
     <dgm:cxn modelId="{98720DA4-094D-4E12-A052-17C1E4A351C5}" type="presParOf" srcId="{127AFF01-F37D-42CC-8885-1689151201CD}" destId="{588D9B7D-EC68-4FB0-96F2-2E47AC868059}" srcOrd="0" destOrd="0" presId="urn:microsoft.com/office/officeart/2005/8/layout/process4"/>
     <dgm:cxn modelId="{DBDEF9E6-6D83-4091-9045-E138E6FA8DD2}" type="presParOf" srcId="{127AFF01-F37D-42CC-8885-1689151201CD}" destId="{B752F9F5-2482-4D52-A33E-BE0263F4B0EA}" srcOrd="1" destOrd="0" presId="urn:microsoft.com/office/officeart/2005/8/layout/process4"/>
@@ -3078,6 +3079,777 @@
       <dsp:cNvGrpSpPr/>
     </dsp:nvGrpSpPr>
     <dsp:grpSpPr/>
+    <dsp:sp modelId="{B752F9F5-2482-4D52-A33E-BE0263F4B0EA}">
+      <dsp:nvSpPr>
+        <dsp:cNvPr id="0" name=""/>
+        <dsp:cNvSpPr/>
+      </dsp:nvSpPr>
+      <dsp:spPr>
+        <a:xfrm>
+          <a:off x="0" y="3443976"/>
+          <a:ext cx="5334000" cy="1130389"/>
+        </a:xfrm>
+        <a:prstGeom prst="rect">
+          <a:avLst/>
+        </a:prstGeom>
+        <a:solidFill>
+          <a:schemeClr val="accent3">
+            <a:hueOff val="0"/>
+            <a:satOff val="0"/>
+            <a:lumOff val="0"/>
+            <a:alphaOff val="0"/>
+          </a:schemeClr>
+        </a:solidFill>
+        <a:ln w="12700" cap="flat" cmpd="sng" algn="ctr">
+          <a:solidFill>
+            <a:schemeClr val="lt1">
+              <a:hueOff val="0"/>
+              <a:satOff val="0"/>
+              <a:lumOff val="0"/>
+              <a:alphaOff val="0"/>
+            </a:schemeClr>
+          </a:solidFill>
+          <a:prstDash val="solid"/>
+          <a:miter lim="800000"/>
+        </a:ln>
+        <a:effectLst/>
+      </dsp:spPr>
+      <dsp:style>
+        <a:lnRef idx="2">
+          <a:scrgbClr r="0" g="0" b="0"/>
+        </a:lnRef>
+        <a:fillRef idx="1">
+          <a:scrgbClr r="0" g="0" b="0"/>
+        </a:fillRef>
+        <a:effectRef idx="0">
+          <a:scrgbClr r="0" g="0" b="0"/>
+        </a:effectRef>
+        <a:fontRef idx="minor">
+          <a:schemeClr val="lt1"/>
+        </a:fontRef>
+      </dsp:style>
+      <dsp:txBody>
+        <a:bodyPr spcFirstLastPara="0" vert="horz" wrap="square" lIns="156464" tIns="156464" rIns="156464" bIns="156464" numCol="1" spcCol="1270" anchor="ctr" anchorCtr="0">
+          <a:noAutofit/>
+        </a:bodyPr>
+        <a:lstStyle/>
+        <a:p>
+          <a:pPr lvl="0" algn="ctr" defTabSz="914400">
+            <a:lnSpc>
+              <a:spcPct val="90000"/>
+            </a:lnSpc>
+            <a:spcBef>
+              <a:spcPct val="0"/>
+            </a:spcBef>
+            <a:spcAft>
+              <a:spcPct val="35000"/>
+            </a:spcAft>
+            <a:buNone/>
+          </a:pPr>
+          <a:r>
+            <a:rPr lang="fr-FR" sz="2200" i="1" kern="1200" noProof="0" dirty="0" smtClean="0"/>
+            <a:t>Pour aller plus loin</a:t>
+          </a:r>
+          <a:endParaRPr lang="fr-FR" sz="2200" i="1" kern="1200" noProof="0" dirty="0"/>
+        </a:p>
+      </dsp:txBody>
+      <dsp:txXfrm>
+        <a:off x="0" y="3443976"/>
+        <a:ext cx="5334000" cy="610410"/>
+      </dsp:txXfrm>
+    </dsp:sp>
+    <dsp:sp modelId="{C4F2ADBF-C592-483D-A6FF-5DB9D2A90309}">
+      <dsp:nvSpPr>
+        <dsp:cNvPr id="0" name=""/>
+        <dsp:cNvSpPr/>
+      </dsp:nvSpPr>
+      <dsp:spPr>
+        <a:xfrm>
+          <a:off x="0" y="4031779"/>
+          <a:ext cx="2667000" cy="519979"/>
+        </a:xfrm>
+        <a:prstGeom prst="rect">
+          <a:avLst/>
+        </a:prstGeom>
+        <a:solidFill>
+          <a:schemeClr val="accent3">
+            <a:tint val="40000"/>
+            <a:alpha val="90000"/>
+            <a:hueOff val="0"/>
+            <a:satOff val="0"/>
+            <a:lumOff val="0"/>
+            <a:alphaOff val="0"/>
+          </a:schemeClr>
+        </a:solidFill>
+        <a:ln w="12700" cap="flat" cmpd="sng" algn="ctr">
+          <a:solidFill>
+            <a:schemeClr val="accent3">
+              <a:tint val="40000"/>
+              <a:alpha val="90000"/>
+              <a:hueOff val="0"/>
+              <a:satOff val="0"/>
+              <a:lumOff val="0"/>
+              <a:alphaOff val="0"/>
+            </a:schemeClr>
+          </a:solidFill>
+          <a:prstDash val="solid"/>
+          <a:miter lim="800000"/>
+        </a:ln>
+        <a:effectLst/>
+      </dsp:spPr>
+      <dsp:style>
+        <a:lnRef idx="2">
+          <a:scrgbClr r="0" g="0" b="0"/>
+        </a:lnRef>
+        <a:fillRef idx="1">
+          <a:scrgbClr r="0" g="0" b="0"/>
+        </a:fillRef>
+        <a:effectRef idx="0">
+          <a:scrgbClr r="0" g="0" b="0"/>
+        </a:effectRef>
+        <a:fontRef idx="minor"/>
+      </dsp:style>
+      <dsp:txBody>
+        <a:bodyPr spcFirstLastPara="0" vert="horz" wrap="square" lIns="156464" tIns="27940" rIns="156464" bIns="27940" numCol="1" spcCol="1270" anchor="ctr" anchorCtr="0">
+          <a:noAutofit/>
+        </a:bodyPr>
+        <a:lstStyle/>
+        <a:p>
+          <a:pPr lvl="0" algn="l" defTabSz="914400">
+            <a:lnSpc>
+              <a:spcPct val="90000"/>
+            </a:lnSpc>
+            <a:spcBef>
+              <a:spcPct val="0"/>
+            </a:spcBef>
+            <a:spcAft>
+              <a:spcPct val="35000"/>
+            </a:spcAft>
+            <a:buNone/>
+          </a:pPr>
+          <a:r>
+            <a:rPr lang="fr-FR" sz="2200" b="0" i="0" kern="1200" noProof="0" dirty="0" smtClean="0">
+              <a:latin typeface="Franklin Gothic Medium"/>
+              <a:ea typeface="+mn-ea"/>
+              <a:cs typeface="+mn-cs"/>
+            </a:rPr>
+            <a:t>Reconstitution</a:t>
+          </a:r>
+          <a:endParaRPr lang="fr-FR" sz="2200" b="0" i="0" kern="1200" noProof="0" dirty="0">
+            <a:latin typeface="Franklin Gothic Medium"/>
+            <a:ea typeface="+mn-ea"/>
+            <a:cs typeface="+mn-cs"/>
+          </a:endParaRPr>
+        </a:p>
+      </dsp:txBody>
+      <dsp:txXfrm>
+        <a:off x="0" y="4031779"/>
+        <a:ext cx="2667000" cy="519979"/>
+      </dsp:txXfrm>
+    </dsp:sp>
+    <dsp:sp modelId="{0F0AC827-ACAE-4C23-875D-A4B53006A73F}">
+      <dsp:nvSpPr>
+        <dsp:cNvPr id="0" name=""/>
+        <dsp:cNvSpPr/>
+      </dsp:nvSpPr>
+      <dsp:spPr>
+        <a:xfrm>
+          <a:off x="2667000" y="4031779"/>
+          <a:ext cx="2667000" cy="519979"/>
+        </a:xfrm>
+        <a:prstGeom prst="rect">
+          <a:avLst/>
+        </a:prstGeom>
+        <a:solidFill>
+          <a:schemeClr val="accent3">
+            <a:tint val="40000"/>
+            <a:alpha val="90000"/>
+            <a:hueOff val="405828"/>
+            <a:satOff val="20000"/>
+            <a:lumOff val="356"/>
+            <a:alphaOff val="0"/>
+          </a:schemeClr>
+        </a:solidFill>
+        <a:ln w="12700" cap="flat" cmpd="sng" algn="ctr">
+          <a:solidFill>
+            <a:schemeClr val="accent3">
+              <a:tint val="40000"/>
+              <a:alpha val="90000"/>
+              <a:hueOff val="405828"/>
+              <a:satOff val="20000"/>
+              <a:lumOff val="356"/>
+              <a:alphaOff val="0"/>
+            </a:schemeClr>
+          </a:solidFill>
+          <a:prstDash val="solid"/>
+          <a:miter lim="800000"/>
+        </a:ln>
+        <a:effectLst/>
+      </dsp:spPr>
+      <dsp:style>
+        <a:lnRef idx="2">
+          <a:scrgbClr r="0" g="0" b="0"/>
+        </a:lnRef>
+        <a:fillRef idx="1">
+          <a:scrgbClr r="0" g="0" b="0"/>
+        </a:fillRef>
+        <a:effectRef idx="0">
+          <a:scrgbClr r="0" g="0" b="0"/>
+        </a:effectRef>
+        <a:fontRef idx="minor"/>
+      </dsp:style>
+      <dsp:txBody>
+        <a:bodyPr spcFirstLastPara="0" vert="horz" wrap="square" lIns="156464" tIns="27940" rIns="156464" bIns="27940" numCol="1" spcCol="1270" anchor="ctr" anchorCtr="0">
+          <a:noAutofit/>
+        </a:bodyPr>
+        <a:lstStyle/>
+        <a:p>
+          <a:pPr lvl="0" algn="l" defTabSz="914400">
+            <a:lnSpc>
+              <a:spcPct val="90000"/>
+            </a:lnSpc>
+            <a:spcBef>
+              <a:spcPct val="0"/>
+            </a:spcBef>
+            <a:spcAft>
+              <a:spcPct val="35000"/>
+            </a:spcAft>
+            <a:buNone/>
+          </a:pPr>
+          <a:r>
+            <a:rPr lang="fr-FR" sz="2200" b="0" i="0" kern="1200" noProof="0" dirty="0" smtClean="0">
+              <a:latin typeface="Franklin Gothic Medium"/>
+              <a:ea typeface="+mn-ea"/>
+              <a:cs typeface="+mn-cs"/>
+            </a:rPr>
+            <a:t>…</a:t>
+          </a:r>
+          <a:endParaRPr lang="fr-FR" sz="2200" b="0" i="0" kern="1200" noProof="0" dirty="0">
+            <a:latin typeface="Franklin Gothic Medium"/>
+            <a:ea typeface="+mn-ea"/>
+            <a:cs typeface="+mn-cs"/>
+          </a:endParaRPr>
+        </a:p>
+      </dsp:txBody>
+      <dsp:txXfrm>
+        <a:off x="2667000" y="4031779"/>
+        <a:ext cx="2667000" cy="519979"/>
+      </dsp:txXfrm>
+    </dsp:sp>
+    <dsp:sp modelId="{80AD606B-F25E-46DF-B405-18F7D2EAE74A}">
+      <dsp:nvSpPr>
+        <dsp:cNvPr id="0" name=""/>
+        <dsp:cNvSpPr/>
+      </dsp:nvSpPr>
+      <dsp:spPr>
+        <a:xfrm rot="10800000">
+          <a:off x="0" y="1722392"/>
+          <a:ext cx="5334000" cy="1738539"/>
+        </a:xfrm>
+        <a:prstGeom prst="upArrowCallout">
+          <a:avLst/>
+        </a:prstGeom>
+        <a:solidFill>
+          <a:schemeClr val="accent3">
+            <a:hueOff val="1355300"/>
+            <a:satOff val="50000"/>
+            <a:lumOff val="-7353"/>
+            <a:alphaOff val="0"/>
+          </a:schemeClr>
+        </a:solidFill>
+        <a:ln w="12700" cap="flat" cmpd="sng" algn="ctr">
+          <a:solidFill>
+            <a:schemeClr val="lt1">
+              <a:hueOff val="0"/>
+              <a:satOff val="0"/>
+              <a:lumOff val="0"/>
+              <a:alphaOff val="0"/>
+            </a:schemeClr>
+          </a:solidFill>
+          <a:prstDash val="solid"/>
+          <a:miter lim="800000"/>
+        </a:ln>
+        <a:effectLst/>
+      </dsp:spPr>
+      <dsp:style>
+        <a:lnRef idx="2">
+          <a:scrgbClr r="0" g="0" b="0"/>
+        </a:lnRef>
+        <a:fillRef idx="1">
+          <a:scrgbClr r="0" g="0" b="0"/>
+        </a:fillRef>
+        <a:effectRef idx="0">
+          <a:scrgbClr r="0" g="0" b="0"/>
+        </a:effectRef>
+        <a:fontRef idx="minor">
+          <a:schemeClr val="lt1"/>
+        </a:fontRef>
+      </dsp:style>
+      <dsp:txBody>
+        <a:bodyPr spcFirstLastPara="0" vert="horz" wrap="square" lIns="156464" tIns="156464" rIns="156464" bIns="156464" numCol="1" spcCol="1270" anchor="ctr" anchorCtr="0">
+          <a:noAutofit/>
+        </a:bodyPr>
+        <a:lstStyle/>
+        <a:p>
+          <a:pPr lvl="0" algn="ctr" defTabSz="914400">
+            <a:lnSpc>
+              <a:spcPct val="90000"/>
+            </a:lnSpc>
+            <a:spcBef>
+              <a:spcPct val="0"/>
+            </a:spcBef>
+            <a:spcAft>
+              <a:spcPct val="35000"/>
+            </a:spcAft>
+            <a:buNone/>
+          </a:pPr>
+          <a:r>
+            <a:rPr lang="fr-FR" sz="2200" kern="1200" noProof="0" dirty="0" smtClean="0"/>
+            <a:t>Traitement</a:t>
+          </a:r>
+          <a:endParaRPr lang="fr-FR" sz="2200" kern="1200" noProof="0" dirty="0"/>
+        </a:p>
+      </dsp:txBody>
+      <dsp:txXfrm rot="-10800000">
+        <a:off x="0" y="1722392"/>
+        <a:ext cx="5334000" cy="610227"/>
+      </dsp:txXfrm>
+    </dsp:sp>
+    <dsp:sp modelId="{A8E0F749-66B2-490B-99E9-CC106B163B16}">
+      <dsp:nvSpPr>
+        <dsp:cNvPr id="0" name=""/>
+        <dsp:cNvSpPr/>
+      </dsp:nvSpPr>
+      <dsp:spPr>
+        <a:xfrm>
+          <a:off x="0" y="2332619"/>
+          <a:ext cx="2667000" cy="519823"/>
+        </a:xfrm>
+        <a:prstGeom prst="rect">
+          <a:avLst/>
+        </a:prstGeom>
+        <a:solidFill>
+          <a:schemeClr val="accent3">
+            <a:tint val="40000"/>
+            <a:alpha val="90000"/>
+            <a:hueOff val="811656"/>
+            <a:satOff val="40000"/>
+            <a:lumOff val="712"/>
+            <a:alphaOff val="0"/>
+          </a:schemeClr>
+        </a:solidFill>
+        <a:ln w="12700" cap="flat" cmpd="sng" algn="ctr">
+          <a:solidFill>
+            <a:schemeClr val="accent3">
+              <a:tint val="40000"/>
+              <a:alpha val="90000"/>
+              <a:hueOff val="811656"/>
+              <a:satOff val="40000"/>
+              <a:lumOff val="712"/>
+              <a:alphaOff val="0"/>
+            </a:schemeClr>
+          </a:solidFill>
+          <a:prstDash val="solid"/>
+          <a:miter lim="800000"/>
+        </a:ln>
+        <a:effectLst/>
+      </dsp:spPr>
+      <dsp:style>
+        <a:lnRef idx="2">
+          <a:scrgbClr r="0" g="0" b="0"/>
+        </a:lnRef>
+        <a:fillRef idx="1">
+          <a:scrgbClr r="0" g="0" b="0"/>
+        </a:fillRef>
+        <a:effectRef idx="0">
+          <a:scrgbClr r="0" g="0" b="0"/>
+        </a:effectRef>
+        <a:fontRef idx="minor"/>
+      </dsp:style>
+      <dsp:txBody>
+        <a:bodyPr spcFirstLastPara="0" vert="horz" wrap="square" lIns="156464" tIns="27940" rIns="156464" bIns="27940" numCol="1" spcCol="1270" anchor="ctr" anchorCtr="0">
+          <a:noAutofit/>
+        </a:bodyPr>
+        <a:lstStyle/>
+        <a:p>
+          <a:pPr lvl="0" algn="l" defTabSz="914400">
+            <a:lnSpc>
+              <a:spcPct val="90000"/>
+            </a:lnSpc>
+            <a:spcBef>
+              <a:spcPct val="0"/>
+            </a:spcBef>
+            <a:spcAft>
+              <a:spcPct val="35000"/>
+            </a:spcAft>
+            <a:buNone/>
+          </a:pPr>
+          <a:r>
+            <a:rPr lang="fr-FR" sz="2200" b="0" i="0" kern="1200" noProof="0" dirty="0" smtClean="0">
+              <a:latin typeface="Franklin Gothic Medium"/>
+              <a:ea typeface="+mn-ea"/>
+              <a:cs typeface="+mn-cs"/>
+            </a:rPr>
+            <a:t>Comparaison</a:t>
+          </a:r>
+          <a:endParaRPr lang="fr-FR" sz="2200" b="0" i="0" kern="1200" noProof="0" dirty="0">
+            <a:latin typeface="Franklin Gothic Medium"/>
+            <a:ea typeface="+mn-ea"/>
+            <a:cs typeface="+mn-cs"/>
+          </a:endParaRPr>
+        </a:p>
+      </dsp:txBody>
+      <dsp:txXfrm>
+        <a:off x="0" y="2332619"/>
+        <a:ext cx="2667000" cy="519823"/>
+      </dsp:txXfrm>
+    </dsp:sp>
+    <dsp:sp modelId="{A6EE397C-6C28-4128-BFFE-CFF44F70153F}">
+      <dsp:nvSpPr>
+        <dsp:cNvPr id="0" name=""/>
+        <dsp:cNvSpPr/>
+      </dsp:nvSpPr>
+      <dsp:spPr>
+        <a:xfrm>
+          <a:off x="2667000" y="2332619"/>
+          <a:ext cx="2667000" cy="519823"/>
+        </a:xfrm>
+        <a:prstGeom prst="rect">
+          <a:avLst/>
+        </a:prstGeom>
+        <a:solidFill>
+          <a:schemeClr val="accent3">
+            <a:tint val="40000"/>
+            <a:alpha val="90000"/>
+            <a:hueOff val="1217485"/>
+            <a:satOff val="60000"/>
+            <a:lumOff val="1067"/>
+            <a:alphaOff val="0"/>
+          </a:schemeClr>
+        </a:solidFill>
+        <a:ln w="12700" cap="flat" cmpd="sng" algn="ctr">
+          <a:solidFill>
+            <a:schemeClr val="accent3">
+              <a:tint val="40000"/>
+              <a:alpha val="90000"/>
+              <a:hueOff val="1217485"/>
+              <a:satOff val="60000"/>
+              <a:lumOff val="1067"/>
+              <a:alphaOff val="0"/>
+            </a:schemeClr>
+          </a:solidFill>
+          <a:prstDash val="solid"/>
+          <a:miter lim="800000"/>
+        </a:ln>
+        <a:effectLst/>
+      </dsp:spPr>
+      <dsp:style>
+        <a:lnRef idx="2">
+          <a:scrgbClr r="0" g="0" b="0"/>
+        </a:lnRef>
+        <a:fillRef idx="1">
+          <a:scrgbClr r="0" g="0" b="0"/>
+        </a:fillRef>
+        <a:effectRef idx="0">
+          <a:scrgbClr r="0" g="0" b="0"/>
+        </a:effectRef>
+        <a:fontRef idx="minor"/>
+      </dsp:style>
+      <dsp:txBody>
+        <a:bodyPr spcFirstLastPara="0" vert="horz" wrap="square" lIns="156464" tIns="27940" rIns="156464" bIns="27940" numCol="1" spcCol="1270" anchor="ctr" anchorCtr="0">
+          <a:noAutofit/>
+        </a:bodyPr>
+        <a:lstStyle/>
+        <a:p>
+          <a:pPr lvl="0" algn="l" defTabSz="914400">
+            <a:lnSpc>
+              <a:spcPct val="90000"/>
+            </a:lnSpc>
+            <a:spcBef>
+              <a:spcPct val="0"/>
+            </a:spcBef>
+            <a:spcAft>
+              <a:spcPct val="35000"/>
+            </a:spcAft>
+            <a:buNone/>
+          </a:pPr>
+          <a:r>
+            <a:rPr lang="fr-FR" sz="2200" b="0" i="0" kern="1200" noProof="0" dirty="0" smtClean="0">
+              <a:latin typeface="Franklin Gothic Medium"/>
+              <a:ea typeface="+mn-ea"/>
+              <a:cs typeface="+mn-cs"/>
+            </a:rPr>
+            <a:t>Détection</a:t>
+          </a:r>
+          <a:endParaRPr lang="fr-FR" sz="2200" b="0" i="0" kern="1200" noProof="0" dirty="0">
+            <a:latin typeface="Franklin Gothic Medium"/>
+            <a:ea typeface="+mn-ea"/>
+            <a:cs typeface="+mn-cs"/>
+          </a:endParaRPr>
+        </a:p>
+      </dsp:txBody>
+      <dsp:txXfrm>
+        <a:off x="2667000" y="2332619"/>
+        <a:ext cx="2667000" cy="519823"/>
+      </dsp:txXfrm>
+    </dsp:sp>
+    <dsp:sp modelId="{A48265CE-F3A3-46DB-9DD2-97590B4DBB84}">
+      <dsp:nvSpPr>
+        <dsp:cNvPr id="0" name=""/>
+        <dsp:cNvSpPr/>
+      </dsp:nvSpPr>
+      <dsp:spPr>
+        <a:xfrm rot="10800000">
+          <a:off x="0" y="808"/>
+          <a:ext cx="5334000" cy="1738539"/>
+        </a:xfrm>
+        <a:prstGeom prst="upArrowCallout">
+          <a:avLst/>
+        </a:prstGeom>
+        <a:solidFill>
+          <a:schemeClr val="accent3">
+            <a:hueOff val="2710599"/>
+            <a:satOff val="100000"/>
+            <a:lumOff val="-14706"/>
+            <a:alphaOff val="0"/>
+          </a:schemeClr>
+        </a:solidFill>
+        <a:ln w="12700" cap="flat" cmpd="sng" algn="ctr">
+          <a:solidFill>
+            <a:schemeClr val="lt1">
+              <a:hueOff val="0"/>
+              <a:satOff val="0"/>
+              <a:lumOff val="0"/>
+              <a:alphaOff val="0"/>
+            </a:schemeClr>
+          </a:solidFill>
+          <a:prstDash val="solid"/>
+          <a:miter lim="800000"/>
+        </a:ln>
+        <a:effectLst/>
+      </dsp:spPr>
+      <dsp:style>
+        <a:lnRef idx="2">
+          <a:scrgbClr r="0" g="0" b="0"/>
+        </a:lnRef>
+        <a:fillRef idx="1">
+          <a:scrgbClr r="0" g="0" b="0"/>
+        </a:fillRef>
+        <a:effectRef idx="0">
+          <a:scrgbClr r="0" g="0" b="0"/>
+        </a:effectRef>
+        <a:fontRef idx="minor">
+          <a:schemeClr val="lt1"/>
+        </a:fontRef>
+      </dsp:style>
+      <dsp:txBody>
+        <a:bodyPr spcFirstLastPara="0" vert="horz" wrap="square" lIns="156464" tIns="156464" rIns="156464" bIns="156464" numCol="1" spcCol="1270" anchor="ctr" anchorCtr="0">
+          <a:noAutofit/>
+        </a:bodyPr>
+        <a:lstStyle/>
+        <a:p>
+          <a:pPr lvl="0" algn="ctr" defTabSz="914400">
+            <a:lnSpc>
+              <a:spcPct val="90000"/>
+            </a:lnSpc>
+            <a:spcBef>
+              <a:spcPct val="0"/>
+            </a:spcBef>
+            <a:spcAft>
+              <a:spcPct val="35000"/>
+            </a:spcAft>
+            <a:buNone/>
+          </a:pPr>
+          <a:r>
+            <a:rPr lang="fr-FR" sz="2200" kern="1200" noProof="0" dirty="0" smtClean="0"/>
+            <a:t>Caractérisation d’un signal</a:t>
+          </a:r>
+          <a:endParaRPr lang="fr-FR" sz="2200" kern="1200" noProof="0" dirty="0"/>
+        </a:p>
+      </dsp:txBody>
+      <dsp:txXfrm rot="-10800000">
+        <a:off x="0" y="808"/>
+        <a:ext cx="5334000" cy="610227"/>
+      </dsp:txXfrm>
+    </dsp:sp>
+    <dsp:sp modelId="{59FFE57C-E5F2-4FBD-AA4D-8DB27381892F}">
+      <dsp:nvSpPr>
+        <dsp:cNvPr id="0" name=""/>
+        <dsp:cNvSpPr/>
+      </dsp:nvSpPr>
+      <dsp:spPr>
+        <a:xfrm>
+          <a:off x="0" y="611036"/>
+          <a:ext cx="2667000" cy="519823"/>
+        </a:xfrm>
+        <a:prstGeom prst="rect">
+          <a:avLst/>
+        </a:prstGeom>
+        <a:solidFill>
+          <a:schemeClr val="accent3">
+            <a:tint val="40000"/>
+            <a:alpha val="90000"/>
+            <a:hueOff val="1623313"/>
+            <a:satOff val="80000"/>
+            <a:lumOff val="1423"/>
+            <a:alphaOff val="0"/>
+          </a:schemeClr>
+        </a:solidFill>
+        <a:ln w="12700" cap="flat" cmpd="sng" algn="ctr">
+          <a:solidFill>
+            <a:schemeClr val="accent3">
+              <a:tint val="40000"/>
+              <a:alpha val="90000"/>
+              <a:hueOff val="1623313"/>
+              <a:satOff val="80000"/>
+              <a:lumOff val="1423"/>
+              <a:alphaOff val="0"/>
+            </a:schemeClr>
+          </a:solidFill>
+          <a:prstDash val="solid"/>
+          <a:miter lim="800000"/>
+        </a:ln>
+        <a:effectLst/>
+      </dsp:spPr>
+      <dsp:style>
+        <a:lnRef idx="2">
+          <a:scrgbClr r="0" g="0" b="0"/>
+        </a:lnRef>
+        <a:fillRef idx="1">
+          <a:scrgbClr r="0" g="0" b="0"/>
+        </a:fillRef>
+        <a:effectRef idx="0">
+          <a:scrgbClr r="0" g="0" b="0"/>
+        </a:effectRef>
+        <a:fontRef idx="minor"/>
+      </dsp:style>
+      <dsp:txBody>
+        <a:bodyPr spcFirstLastPara="0" vert="horz" wrap="square" lIns="156464" tIns="27940" rIns="156464" bIns="27940" numCol="1" spcCol="1270" anchor="ctr" anchorCtr="0">
+          <a:noAutofit/>
+        </a:bodyPr>
+        <a:lstStyle/>
+        <a:p>
+          <a:pPr lvl="0" algn="l" defTabSz="914400">
+            <a:lnSpc>
+              <a:spcPct val="90000"/>
+            </a:lnSpc>
+            <a:spcBef>
+              <a:spcPct val="0"/>
+            </a:spcBef>
+            <a:spcAft>
+              <a:spcPct val="35000"/>
+            </a:spcAft>
+            <a:buNone/>
+          </a:pPr>
+          <a:r>
+            <a:rPr lang="fr-FR" sz="2200" b="0" i="0" kern="1200" noProof="0" dirty="0" smtClean="0">
+              <a:latin typeface="Franklin Gothic Medium"/>
+              <a:ea typeface="+mn-ea"/>
+              <a:cs typeface="+mn-cs"/>
+            </a:rPr>
+            <a:t>Spectre</a:t>
+          </a:r>
+          <a:endParaRPr lang="fr-FR" sz="2200" b="0" i="0" kern="1200" noProof="0" dirty="0">
+            <a:latin typeface="Franklin Gothic Medium"/>
+            <a:ea typeface="+mn-ea"/>
+            <a:cs typeface="+mn-cs"/>
+          </a:endParaRPr>
+        </a:p>
+      </dsp:txBody>
+      <dsp:txXfrm>
+        <a:off x="0" y="611036"/>
+        <a:ext cx="2667000" cy="519823"/>
+      </dsp:txXfrm>
+    </dsp:sp>
+    <dsp:sp modelId="{3EC7D028-ECEA-492B-A6F1-68E9B57B69C6}">
+      <dsp:nvSpPr>
+        <dsp:cNvPr id="0" name=""/>
+        <dsp:cNvSpPr/>
+      </dsp:nvSpPr>
+      <dsp:spPr>
+        <a:xfrm>
+          <a:off x="2667000" y="611036"/>
+          <a:ext cx="2667000" cy="519823"/>
+        </a:xfrm>
+        <a:prstGeom prst="rect">
+          <a:avLst/>
+        </a:prstGeom>
+        <a:solidFill>
+          <a:schemeClr val="accent3">
+            <a:tint val="40000"/>
+            <a:alpha val="90000"/>
+            <a:hueOff val="2029141"/>
+            <a:satOff val="100000"/>
+            <a:lumOff val="1779"/>
+            <a:alphaOff val="0"/>
+          </a:schemeClr>
+        </a:solidFill>
+        <a:ln w="12700" cap="flat" cmpd="sng" algn="ctr">
+          <a:solidFill>
+            <a:schemeClr val="accent3">
+              <a:tint val="40000"/>
+              <a:alpha val="90000"/>
+              <a:hueOff val="2029141"/>
+              <a:satOff val="100000"/>
+              <a:lumOff val="1779"/>
+              <a:alphaOff val="0"/>
+            </a:schemeClr>
+          </a:solidFill>
+          <a:prstDash val="solid"/>
+          <a:miter lim="800000"/>
+        </a:ln>
+        <a:effectLst/>
+      </dsp:spPr>
+      <dsp:style>
+        <a:lnRef idx="2">
+          <a:scrgbClr r="0" g="0" b="0"/>
+        </a:lnRef>
+        <a:fillRef idx="1">
+          <a:scrgbClr r="0" g="0" b="0"/>
+        </a:fillRef>
+        <a:effectRef idx="0">
+          <a:scrgbClr r="0" g="0" b="0"/>
+        </a:effectRef>
+        <a:fontRef idx="minor"/>
+      </dsp:style>
+      <dsp:txBody>
+        <a:bodyPr spcFirstLastPara="0" vert="horz" wrap="square" lIns="156464" tIns="27940" rIns="156464" bIns="27940" numCol="1" spcCol="1270" anchor="ctr" anchorCtr="0">
+          <a:noAutofit/>
+        </a:bodyPr>
+        <a:lstStyle/>
+        <a:p>
+          <a:pPr lvl="0" algn="l" defTabSz="914400">
+            <a:lnSpc>
+              <a:spcPct val="90000"/>
+            </a:lnSpc>
+            <a:spcBef>
+              <a:spcPct val="0"/>
+            </a:spcBef>
+            <a:spcAft>
+              <a:spcPct val="35000"/>
+            </a:spcAft>
+            <a:buNone/>
+          </a:pPr>
+          <a:r>
+            <a:rPr lang="fr-FR" sz="2200" b="0" i="0" kern="1200" noProof="0" dirty="0" smtClean="0">
+              <a:latin typeface="Franklin Gothic Medium"/>
+              <a:ea typeface="+mn-ea"/>
+              <a:cs typeface="+mn-cs"/>
+            </a:rPr>
+            <a:t>Valeurs singulières</a:t>
+          </a:r>
+          <a:endParaRPr lang="fr-FR" sz="2200" b="0" i="0" kern="1200" noProof="0" dirty="0">
+            <a:latin typeface="Franklin Gothic Medium"/>
+            <a:ea typeface="+mn-ea"/>
+            <a:cs typeface="+mn-cs"/>
+          </a:endParaRPr>
+        </a:p>
+      </dsp:txBody>
+      <dsp:txXfrm>
+        <a:off x="2667000" y="611036"/>
+        <a:ext cx="2667000" cy="519823"/>
+      </dsp:txXfrm>
+    </dsp:sp>
   </dsp:spTree>
 </dsp:drawing>
 </file>
@@ -10094,18 +10866,14 @@
           <a:p>
             <a:r>
               <a:rPr lang="fr-FR" dirty="0" smtClean="0"/>
-              <a:t>Les transformées </a:t>
-            </a:r>
-            <a:r>
-              <a:rPr lang="fr-FR" dirty="0" smtClean="0"/>
-              <a:t>de Fourier</a:t>
+              <a:t>Les transformées de Fourier</a:t>
             </a:r>
             <a:endParaRPr lang="fr-FR" dirty="0"/>
           </a:p>
         </p:txBody>
       </p:sp>
-      <mc:AlternateContent xmlns:mc="http://schemas.openxmlformats.org/markup-compatibility/2006">
-        <mc:Choice xmlns:a14="http://schemas.microsoft.com/office/drawing/2010/main" Requires="a14">
+      <mc:AlternateContent xmlns:mc="http://schemas.openxmlformats.org/markup-compatibility/2006" xmlns:a14="http://schemas.microsoft.com/office/drawing/2010/main">
+        <mc:Choice Requires="a14">
           <p:sp>
             <p:nvSpPr>
               <p:cNvPr id="3" name="Espace réservé du contenu 2"/>
@@ -10146,11 +10914,7 @@
                 </a14:m>
                 <a:r>
                   <a:rPr lang="fr-FR" dirty="0" smtClean="0"/>
-                  <a:t> </a:t>
-                </a:r>
-                <a:r>
-                  <a:rPr lang="fr-FR" dirty="0" smtClean="0"/>
-                  <a:t>échantillons : la transformée de </a:t>
+                  <a:t> échantillons : la transformée de </a:t>
                 </a:r>
                 <a:r>
                   <a:rPr lang="fr-FR" dirty="0"/>
@@ -10160,7 +10924,6 @@
                   <a:rPr lang="fr-FR" dirty="0" smtClean="0"/>
                   <a:t>discrète</a:t>
                 </a:r>
-                <a:endParaRPr lang="fr-FR" dirty="0" smtClean="0"/>
               </a:p>
               <a:p>
                 <a:pPr marL="0" indent="0">
@@ -10292,13 +11055,7 @@
                             <a:rPr lang="fr-FR" i="1">
                               <a:latin typeface="Cambria Math" panose="02040503050406030204" pitchFamily="18" charset="0"/>
                             </a:rPr>
-                            <m:t>=</m:t>
-                          </m:r>
-                          <m:r>
-                            <a:rPr lang="fr-FR" i="1">
-                              <a:latin typeface="Cambria Math" panose="02040503050406030204" pitchFamily="18" charset="0"/>
-                            </a:rPr>
-                            <m:t>0</m:t>
+                            <m:t>=0</m:t>
                           </m:r>
                         </m:sub>
                         <m:sup>
@@ -10431,12 +11188,11 @@
                   <a:rPr lang="fr-FR" dirty="0" smtClean="0"/>
                   <a:t>Algorithme de calcul rapide : FFT, que l’on utilise fréquemment pour simplifier divers autres calculs.</a:t>
                 </a:r>
-                <a:endParaRPr lang="fr-FR" dirty="0" smtClean="0"/>
               </a:p>
             </p:txBody>
           </p:sp>
         </mc:Choice>
-        <mc:Fallback>
+        <mc:Fallback xmlns="">
           <p:sp>
             <p:nvSpPr>
               <p:cNvPr id="3" name="Espace réservé du contenu 2"/>
@@ -10538,11 +11294,7 @@
           <a:p>
             <a:r>
               <a:rPr lang="fr-FR" dirty="0" smtClean="0"/>
-              <a:t>La transformée de </a:t>
-            </a:r>
-            <a:r>
-              <a:rPr lang="fr-FR" dirty="0" smtClean="0"/>
-              <a:t>Fourier à fenêtre glissante (SWFT)</a:t>
+              <a:t>La transformée de Fourier à fenêtre glissante (SWFT)</a:t>
             </a:r>
             <a:endParaRPr lang="fr-FR" dirty="0"/>
           </a:p>
@@ -10572,6 +11324,27 @@
                 </a:schemeClr>
               </a:buClr>
             </a:pPr>
+            <a:r>
+              <a:rPr lang="fr-FR" dirty="0" smtClean="0"/>
+              <a:t>Pour remédier à certaines insuffisances des transformées de Fourier, particulièrement la perte de tous les aspects temporels (début, fin, singularités, etc.)</a:t>
+            </a:r>
+          </a:p>
+          <a:p>
+            <a:pPr>
+              <a:buClr>
+                <a:schemeClr val="tx1">
+                  <a:lumMod val="75000"/>
+                </a:schemeClr>
+              </a:buClr>
+            </a:pPr>
+            <a:r>
+              <a:rPr lang="fr-FR" dirty="0" smtClean="0"/>
+              <a:t>On détecte des aspects temporels de la largeur de </a:t>
+            </a:r>
+            <a:r>
+              <a:rPr lang="fr-FR" smtClean="0"/>
+              <a:t>la fenêtre</a:t>
+            </a:r>
             <a:endParaRPr lang="fr-FR" dirty="0" smtClean="0"/>
           </a:p>
         </p:txBody>
@@ -10650,34 +11423,384 @@
           </a:p>
         </p:txBody>
       </p:sp>
-      <p:sp>
-        <p:nvSpPr>
-          <p:cNvPr id="3" name="Espace réservé du contenu 2"/>
-          <p:cNvSpPr>
-            <a:spLocks noGrp="1"/>
-          </p:cNvSpPr>
-          <p:nvPr>
-            <p:ph idx="1"/>
-          </p:nvPr>
-        </p:nvSpPr>
-        <p:spPr/>
-        <p:txBody>
-          <a:bodyPr>
-            <a:normAutofit/>
-          </a:bodyPr>
-          <a:lstStyle/>
-          <a:p>
-            <a:pPr>
-              <a:buClr>
-                <a:schemeClr val="tx1">
-                  <a:lumMod val="75000"/>
-                </a:schemeClr>
-              </a:buClr>
-            </a:pPr>
-            <a:endParaRPr lang="fr-FR" dirty="0" smtClean="0"/>
-          </a:p>
-        </p:txBody>
-      </p:sp>
+      <mc:AlternateContent xmlns:mc="http://schemas.openxmlformats.org/markup-compatibility/2006">
+        <mc:Choice xmlns:a14="http://schemas.microsoft.com/office/drawing/2010/main" Requires="a14">
+          <p:sp>
+            <p:nvSpPr>
+              <p:cNvPr id="3" name="Espace réservé du contenu 2"/>
+              <p:cNvSpPr>
+                <a:spLocks noGrp="1"/>
+              </p:cNvSpPr>
+              <p:nvPr>
+                <p:ph idx="1"/>
+              </p:nvPr>
+            </p:nvSpPr>
+            <p:spPr/>
+            <p:txBody>
+              <a:bodyPr>
+                <a:normAutofit/>
+              </a:bodyPr>
+              <a:lstStyle/>
+              <a:p>
+                <a:pPr>
+                  <a:buClr>
+                    <a:schemeClr val="tx1">
+                      <a:lumMod val="75000"/>
+                    </a:schemeClr>
+                  </a:buClr>
+                </a:pPr>
+                <a:r>
+                  <a:rPr lang="fr-FR" dirty="0" smtClean="0"/>
+                  <a:t>On ne parle plus de domaine temps-fréquence, mais </a:t>
+                </a:r>
+                <a:r>
+                  <a:rPr lang="fr-FR" b="1" i="1" dirty="0" smtClean="0"/>
+                  <a:t>temps-échelle</a:t>
+                </a:r>
+              </a:p>
+              <a:p>
+                <a:pPr>
+                  <a:buClr>
+                    <a:schemeClr val="tx1">
+                      <a:lumMod val="75000"/>
+                    </a:schemeClr>
+                  </a:buClr>
+                </a:pPr>
+                <a:r>
+                  <a:rPr lang="fr-FR" dirty="0" smtClean="0"/>
+                  <a:t>Une ondelette est une fonction </a:t>
+                </a:r>
+                <a14:m>
+                  <m:oMath xmlns:m="http://schemas.openxmlformats.org/officeDocument/2006/math">
+                    <m:r>
+                      <m:rPr>
+                        <m:sty m:val="p"/>
+                      </m:rPr>
+                      <a:rPr lang="el-GR" i="1" smtClean="0">
+                        <a:latin typeface="Cambria Math" panose="02040503050406030204" pitchFamily="18" charset="0"/>
+                        <a:ea typeface="Cambria Math" panose="02040503050406030204" pitchFamily="18" charset="0"/>
+                      </a:rPr>
+                      <m:t>ψ</m:t>
+                    </m:r>
+                  </m:oMath>
+                </a14:m>
+                <a:r>
+                  <a:rPr lang="fr-FR" dirty="0" smtClean="0"/>
+                  <a:t> normée de moyenne nulle</a:t>
+                </a:r>
+              </a:p>
+              <a:p>
+                <a:pPr>
+                  <a:buClr>
+                    <a:schemeClr val="tx1">
+                      <a:lumMod val="75000"/>
+                    </a:schemeClr>
+                  </a:buClr>
+                </a:pPr>
+                <a:r>
+                  <a:rPr lang="fr-FR" dirty="0" smtClean="0"/>
+                  <a:t>Temps : translation d’un facteur </a:t>
+                </a:r>
+                <a14:m>
+                  <m:oMath xmlns:m="http://schemas.openxmlformats.org/officeDocument/2006/math">
+                    <m:r>
+                      <a:rPr lang="fr-FR" b="0" i="1" smtClean="0">
+                        <a:latin typeface="Cambria Math" panose="02040503050406030204" pitchFamily="18" charset="0"/>
+                      </a:rPr>
+                      <m:t>𝑏</m:t>
+                    </m:r>
+                    <m:r>
+                      <a:rPr lang="fr-FR" b="0" i="1" smtClean="0">
+                        <a:latin typeface="Cambria Math" panose="02040503050406030204" pitchFamily="18" charset="0"/>
+                      </a:rPr>
+                      <m:t> :</m:t>
+                    </m:r>
+                    <m:r>
+                      <m:rPr>
+                        <m:sty m:val="p"/>
+                      </m:rPr>
+                      <a:rPr lang="el-GR" i="1">
+                        <a:latin typeface="Cambria Math" panose="02040503050406030204" pitchFamily="18" charset="0"/>
+                        <a:ea typeface="Cambria Math" panose="02040503050406030204" pitchFamily="18" charset="0"/>
+                      </a:rPr>
+                      <m:t>ψ</m:t>
+                    </m:r>
+                    <m:r>
+                      <a:rPr lang="fr-FR" b="0" i="0" smtClean="0">
+                        <a:latin typeface="Cambria Math" panose="02040503050406030204" pitchFamily="18" charset="0"/>
+                        <a:ea typeface="Cambria Math" panose="02040503050406030204" pitchFamily="18" charset="0"/>
+                      </a:rPr>
+                      <m:t>(</m:t>
+                    </m:r>
+                    <m:r>
+                      <m:rPr>
+                        <m:sty m:val="p"/>
+                      </m:rPr>
+                      <a:rPr lang="fr-FR" b="0" i="0" smtClean="0">
+                        <a:latin typeface="Cambria Math" panose="02040503050406030204" pitchFamily="18" charset="0"/>
+                        <a:ea typeface="Cambria Math" panose="02040503050406030204" pitchFamily="18" charset="0"/>
+                      </a:rPr>
+                      <m:t>t</m:t>
+                    </m:r>
+                    <m:r>
+                      <a:rPr lang="fr-FR" b="0" i="0" smtClean="0">
+                        <a:latin typeface="Cambria Math" panose="02040503050406030204" pitchFamily="18" charset="0"/>
+                        <a:ea typeface="Cambria Math" panose="02040503050406030204" pitchFamily="18" charset="0"/>
+                      </a:rPr>
+                      <m:t>−</m:t>
+                    </m:r>
+                    <m:r>
+                      <m:rPr>
+                        <m:sty m:val="p"/>
+                      </m:rPr>
+                      <a:rPr lang="fr-FR" b="0" i="0" smtClean="0">
+                        <a:latin typeface="Cambria Math" panose="02040503050406030204" pitchFamily="18" charset="0"/>
+                        <a:ea typeface="Cambria Math" panose="02040503050406030204" pitchFamily="18" charset="0"/>
+                      </a:rPr>
+                      <m:t>b</m:t>
+                    </m:r>
+                    <m:r>
+                      <a:rPr lang="fr-FR" b="0" i="0" smtClean="0">
+                        <a:latin typeface="Cambria Math" panose="02040503050406030204" pitchFamily="18" charset="0"/>
+                        <a:ea typeface="Cambria Math" panose="02040503050406030204" pitchFamily="18" charset="0"/>
+                      </a:rPr>
+                      <m:t>)</m:t>
+                    </m:r>
+                  </m:oMath>
+                </a14:m>
+                <a:endParaRPr lang="fr-FR" dirty="0" smtClean="0"/>
+              </a:p>
+              <a:p>
+                <a:pPr>
+                  <a:buClr>
+                    <a:schemeClr val="tx1">
+                      <a:lumMod val="75000"/>
+                    </a:schemeClr>
+                  </a:buClr>
+                </a:pPr>
+                <a:r>
+                  <a:rPr lang="fr-FR" dirty="0" smtClean="0"/>
+                  <a:t>Echelle : dilatation d’un facteur </a:t>
+                </a:r>
+                <a14:m>
+                  <m:oMath xmlns:m="http://schemas.openxmlformats.org/officeDocument/2006/math">
+                    <m:r>
+                      <a:rPr lang="fr-FR" b="0" i="1" smtClean="0">
+                        <a:latin typeface="Cambria Math" panose="02040503050406030204" pitchFamily="18" charset="0"/>
+                      </a:rPr>
+                      <m:t>𝑎</m:t>
+                    </m:r>
+                    <m:r>
+                      <a:rPr lang="fr-FR" b="0" i="1" smtClean="0">
+                        <a:latin typeface="Cambria Math" panose="02040503050406030204" pitchFamily="18" charset="0"/>
+                      </a:rPr>
+                      <m:t> :</m:t>
+                    </m:r>
+                    <m:f>
+                      <m:fPr>
+                        <m:ctrlPr>
+                          <a:rPr lang="fr-FR" b="0" i="1" smtClean="0">
+                            <a:latin typeface="Cambria Math" panose="02040503050406030204" pitchFamily="18" charset="0"/>
+                          </a:rPr>
+                        </m:ctrlPr>
+                      </m:fPr>
+                      <m:num>
+                        <m:r>
+                          <a:rPr lang="fr-FR" b="0" i="1" smtClean="0">
+                            <a:latin typeface="Cambria Math" panose="02040503050406030204" pitchFamily="18" charset="0"/>
+                          </a:rPr>
+                          <m:t>1</m:t>
+                        </m:r>
+                      </m:num>
+                      <m:den>
+                        <m:rad>
+                          <m:radPr>
+                            <m:degHide m:val="on"/>
+                            <m:ctrlPr>
+                              <a:rPr lang="fr-FR" b="0" i="1" smtClean="0">
+                                <a:latin typeface="Cambria Math" panose="02040503050406030204" pitchFamily="18" charset="0"/>
+                              </a:rPr>
+                            </m:ctrlPr>
+                          </m:radPr>
+                          <m:deg/>
+                          <m:e>
+                            <m:r>
+                              <a:rPr lang="fr-FR" b="0" i="1" smtClean="0">
+                                <a:latin typeface="Cambria Math" panose="02040503050406030204" pitchFamily="18" charset="0"/>
+                              </a:rPr>
+                              <m:t>𝑎</m:t>
+                            </m:r>
+                          </m:e>
+                        </m:rad>
+                      </m:den>
+                    </m:f>
+                    <m:r>
+                      <m:rPr>
+                        <m:sty m:val="p"/>
+                      </m:rPr>
+                      <a:rPr lang="el-GR" i="1">
+                        <a:latin typeface="Cambria Math" panose="02040503050406030204" pitchFamily="18" charset="0"/>
+                        <a:ea typeface="Cambria Math" panose="02040503050406030204" pitchFamily="18" charset="0"/>
+                      </a:rPr>
+                      <m:t>ψ</m:t>
+                    </m:r>
+                    <m:d>
+                      <m:dPr>
+                        <m:ctrlPr>
+                          <a:rPr lang="fr-FR" i="1" smtClean="0">
+                            <a:latin typeface="Cambria Math" panose="02040503050406030204" pitchFamily="18" charset="0"/>
+                            <a:ea typeface="Cambria Math" panose="02040503050406030204" pitchFamily="18" charset="0"/>
+                          </a:rPr>
+                        </m:ctrlPr>
+                      </m:dPr>
+                      <m:e>
+                        <m:f>
+                          <m:fPr>
+                            <m:ctrlPr>
+                              <a:rPr lang="fr-FR" i="1">
+                                <a:latin typeface="Cambria Math" panose="02040503050406030204" pitchFamily="18" charset="0"/>
+                                <a:ea typeface="Cambria Math" panose="02040503050406030204" pitchFamily="18" charset="0"/>
+                              </a:rPr>
+                            </m:ctrlPr>
+                          </m:fPr>
+                          <m:num>
+                            <m:r>
+                              <a:rPr lang="fr-FR" i="1">
+                                <a:latin typeface="Cambria Math" panose="02040503050406030204" pitchFamily="18" charset="0"/>
+                                <a:ea typeface="Cambria Math" panose="02040503050406030204" pitchFamily="18" charset="0"/>
+                              </a:rPr>
+                              <m:t>𝑡</m:t>
+                            </m:r>
+                          </m:num>
+                          <m:den>
+                            <m:r>
+                              <a:rPr lang="fr-FR" i="1">
+                                <a:latin typeface="Cambria Math" panose="02040503050406030204" pitchFamily="18" charset="0"/>
+                                <a:ea typeface="Cambria Math" panose="02040503050406030204" pitchFamily="18" charset="0"/>
+                              </a:rPr>
+                              <m:t>𝑎</m:t>
+                            </m:r>
+                          </m:den>
+                        </m:f>
+                      </m:e>
+                    </m:d>
+                  </m:oMath>
+                </a14:m>
+                <a:endParaRPr lang="fr-FR" dirty="0" smtClean="0"/>
+              </a:p>
+              <a:p>
+                <a:pPr>
+                  <a:buClr>
+                    <a:schemeClr val="tx1">
+                      <a:lumMod val="75000"/>
+                    </a:schemeClr>
+                  </a:buClr>
+                </a:pPr>
+                <a:r>
+                  <a:rPr lang="fr-FR" dirty="0"/>
+                  <a:t>la transformée en ondelettes de f mesure la variation de f </a:t>
+                </a:r>
+                <a:endParaRPr lang="fr-FR" dirty="0" smtClean="0"/>
+              </a:p>
+              <a:p>
+                <a:pPr marL="0" indent="0">
+                  <a:buClr>
+                    <a:schemeClr val="tx1">
+                      <a:lumMod val="75000"/>
+                    </a:schemeClr>
+                  </a:buClr>
+                  <a:buNone/>
+                </a:pPr>
+                <a:r>
+                  <a:rPr lang="fr-FR" dirty="0" smtClean="0"/>
+                  <a:t>	- dans </a:t>
+                </a:r>
+                <a:r>
+                  <a:rPr lang="fr-FR" dirty="0"/>
+                  <a:t>un voisinage de </a:t>
+                </a:r>
+                <a14:m>
+                  <m:oMath xmlns:m="http://schemas.openxmlformats.org/officeDocument/2006/math">
+                    <m:r>
+                      <a:rPr lang="fr-FR" i="1" dirty="0" smtClean="0">
+                        <a:latin typeface="Cambria Math" panose="02040503050406030204" pitchFamily="18" charset="0"/>
+                      </a:rPr>
+                      <m:t>𝑏</m:t>
+                    </m:r>
+                  </m:oMath>
+                </a14:m>
+                <a:r>
+                  <a:rPr lang="fr-FR" dirty="0"/>
+                  <a:t> </a:t>
+                </a:r>
+                <a:endParaRPr lang="fr-FR" dirty="0" smtClean="0"/>
+              </a:p>
+              <a:p>
+                <a:pPr marL="0" indent="0">
+                  <a:buClr>
+                    <a:schemeClr val="tx1">
+                      <a:lumMod val="75000"/>
+                    </a:schemeClr>
+                  </a:buClr>
+                  <a:buNone/>
+                </a:pPr>
+                <a:r>
+                  <a:rPr lang="fr-FR" dirty="0" smtClean="0"/>
+                  <a:t>	- de </a:t>
+                </a:r>
+                <a:r>
+                  <a:rPr lang="fr-FR" dirty="0"/>
+                  <a:t>taille proportionnelle à </a:t>
+                </a:r>
+                <a14:m>
+                  <m:oMath xmlns:m="http://schemas.openxmlformats.org/officeDocument/2006/math">
+                    <m:r>
+                      <a:rPr lang="fr-FR" i="1" dirty="0" smtClean="0">
+                        <a:latin typeface="Cambria Math" panose="02040503050406030204" pitchFamily="18" charset="0"/>
+                      </a:rPr>
+                      <m:t>𝑎</m:t>
+                    </m:r>
+                  </m:oMath>
+                </a14:m>
+                <a:endParaRPr lang="fr-FR" dirty="0" smtClean="0"/>
+              </a:p>
+            </p:txBody>
+          </p:sp>
+        </mc:Choice>
+        <mc:Fallback>
+          <p:sp>
+            <p:nvSpPr>
+              <p:cNvPr id="3" name="Espace réservé du contenu 2"/>
+              <p:cNvSpPr>
+                <a:spLocks noGrp="1" noRot="1" noChangeAspect="1" noMove="1" noResize="1" noEditPoints="1" noAdjustHandles="1" noChangeArrowheads="1" noChangeShapeType="1" noTextEdit="1"/>
+              </p:cNvSpPr>
+              <p:nvPr>
+                <p:ph idx="1"/>
+              </p:nvPr>
+            </p:nvSpPr>
+            <p:spPr>
+              <a:blipFill rotWithShape="0">
+                <a:blip r:embed="rId2"/>
+                <a:stretch>
+                  <a:fillRect l="-467" t="-1733"/>
+                </a:stretch>
+              </a:blipFill>
+            </p:spPr>
+            <p:txBody>
+              <a:bodyPr/>
+              <a:lstStyle/>
+              <a:p>
+                <a:r>
+                  <a:rPr lang="fr-FR">
+                    <a:noFill/>
+                  </a:rPr>
+                  <a:t> </a:t>
+                </a:r>
+              </a:p>
+            </p:txBody>
+          </p:sp>
+        </mc:Fallback>
+      </mc:AlternateContent>
     </p:spTree>
     <p:extLst>
       <p:ext uri="{BB962C8B-B14F-4D97-AF65-F5344CB8AC3E}">
@@ -10711,6 +11834,511 @@
 </file>
 
 <file path=ppt/slides/slide13.xml><?xml version="1.0" encoding="utf-8"?>
+<p:sld xmlns:a="http://schemas.openxmlformats.org/drawingml/2006/main" xmlns:r="http://schemas.openxmlformats.org/officeDocument/2006/relationships" xmlns:p="http://schemas.openxmlformats.org/presentationml/2006/main">
+  <p:cSld>
+    <p:spTree>
+      <p:nvGrpSpPr>
+        <p:cNvPr id="1" name=""/>
+        <p:cNvGrpSpPr/>
+        <p:nvPr/>
+      </p:nvGrpSpPr>
+      <p:grpSpPr>
+        <a:xfrm>
+          <a:off x="0" y="0"/>
+          <a:ext cx="0" cy="0"/>
+          <a:chOff x="0" y="0"/>
+          <a:chExt cx="0" cy="0"/>
+        </a:xfrm>
+      </p:grpSpPr>
+      <p:sp>
+        <p:nvSpPr>
+          <p:cNvPr id="2" name="Titre 1"/>
+          <p:cNvSpPr>
+            <a:spLocks noGrp="1"/>
+          </p:cNvSpPr>
+          <p:nvPr>
+            <p:ph type="title"/>
+          </p:nvPr>
+        </p:nvSpPr>
+        <p:spPr/>
+        <p:txBody>
+          <a:bodyPr>
+            <a:normAutofit/>
+          </a:bodyPr>
+          <a:lstStyle/>
+          <a:p>
+            <a:r>
+              <a:rPr lang="fr-FR" dirty="0" smtClean="0"/>
+              <a:t>La transformée en ondelettes (CWT)</a:t>
+            </a:r>
+            <a:endParaRPr lang="fr-FR" dirty="0"/>
+          </a:p>
+        </p:txBody>
+      </p:sp>
+      <mc:AlternateContent xmlns:mc="http://schemas.openxmlformats.org/markup-compatibility/2006">
+        <mc:Choice xmlns:a14="http://schemas.microsoft.com/office/drawing/2010/main" Requires="a14">
+          <p:sp>
+            <p:nvSpPr>
+              <p:cNvPr id="3" name="Espace réservé du contenu 2"/>
+              <p:cNvSpPr>
+                <a:spLocks noGrp="1"/>
+              </p:cNvSpPr>
+              <p:nvPr>
+                <p:ph idx="1"/>
+              </p:nvPr>
+            </p:nvSpPr>
+            <p:spPr/>
+            <p:txBody>
+              <a:bodyPr>
+                <a:normAutofit/>
+              </a:bodyPr>
+              <a:lstStyle/>
+              <a:p>
+                <a:pPr marL="0" indent="0">
+                  <a:buClr>
+                    <a:schemeClr val="tx1">
+                      <a:lumMod val="75000"/>
+                    </a:schemeClr>
+                  </a:buClr>
+                  <a:buNone/>
+                </a:pPr>
+                <a14:m>
+                  <m:oMathPara xmlns:m="http://schemas.openxmlformats.org/officeDocument/2006/math">
+                    <m:oMathParaPr>
+                      <m:jc m:val="centerGroup"/>
+                    </m:oMathParaPr>
+                    <m:oMath xmlns:m="http://schemas.openxmlformats.org/officeDocument/2006/math">
+                      <m:r>
+                        <a:rPr lang="fr-FR" i="1">
+                          <a:latin typeface="Cambria Math" panose="02040503050406030204" pitchFamily="18" charset="0"/>
+                        </a:rPr>
+                        <m:t>𝑓</m:t>
+                      </m:r>
+                      <m:d>
+                        <m:dPr>
+                          <m:ctrlPr>
+                            <a:rPr lang="fr-FR" i="1">
+                              <a:latin typeface="Cambria Math" panose="02040503050406030204" pitchFamily="18" charset="0"/>
+                            </a:rPr>
+                          </m:ctrlPr>
+                        </m:dPr>
+                        <m:e>
+                          <m:r>
+                            <a:rPr lang="fr-FR" i="1">
+                              <a:latin typeface="Cambria Math" panose="02040503050406030204" pitchFamily="18" charset="0"/>
+                            </a:rPr>
+                            <m:t>𝑡</m:t>
+                          </m:r>
+                        </m:e>
+                      </m:d>
+                      <m:groupChr>
+                        <m:groupChrPr>
+                          <m:chr m:val="→"/>
+                          <m:vertJc m:val="bot"/>
+                          <m:ctrlPr>
+                            <a:rPr lang="fr-FR" i="1">
+                              <a:latin typeface="Cambria Math" panose="02040503050406030204" pitchFamily="18" charset="0"/>
+                            </a:rPr>
+                          </m:ctrlPr>
+                        </m:groupChrPr>
+                        <m:e>
+                          <m:r>
+                            <m:rPr>
+                              <m:brk m:alnAt="2"/>
+                            </m:rPr>
+                            <a:rPr lang="fr-FR" i="1">
+                              <a:latin typeface="Cambria Math" panose="02040503050406030204" pitchFamily="18" charset="0"/>
+                            </a:rPr>
+                            <m:t>𝐶</m:t>
+                          </m:r>
+                          <m:r>
+                            <a:rPr lang="fr-FR" i="1">
+                              <a:latin typeface="Cambria Math" panose="02040503050406030204" pitchFamily="18" charset="0"/>
+                            </a:rPr>
+                            <m:t>𝑊𝑇</m:t>
+                          </m:r>
+                        </m:e>
+                      </m:groupChr>
+                      <m:sSub>
+                        <m:sSubPr>
+                          <m:ctrlPr>
+                            <a:rPr lang="fr-FR" i="1">
+                              <a:latin typeface="Cambria Math" panose="02040503050406030204" pitchFamily="18" charset="0"/>
+                            </a:rPr>
+                          </m:ctrlPr>
+                        </m:sSubPr>
+                        <m:e>
+                          <m:r>
+                            <a:rPr lang="fr-FR" i="1">
+                              <a:latin typeface="Cambria Math" panose="02040503050406030204" pitchFamily="18" charset="0"/>
+                            </a:rPr>
+                            <m:t>𝑊</m:t>
+                          </m:r>
+                        </m:e>
+                        <m:sub>
+                          <m:sSub>
+                            <m:sSubPr>
+                              <m:ctrlPr>
+                                <a:rPr lang="fr-FR" i="1">
+                                  <a:latin typeface="Cambria Math" panose="02040503050406030204" pitchFamily="18" charset="0"/>
+                                </a:rPr>
+                              </m:ctrlPr>
+                            </m:sSubPr>
+                            <m:e>
+                              <m:r>
+                                <a:rPr lang="fr-FR" i="1">
+                                  <a:latin typeface="Cambria Math" panose="02040503050406030204" pitchFamily="18" charset="0"/>
+                                </a:rPr>
+                                <m:t>𝑓</m:t>
+                              </m:r>
+                            </m:e>
+                            <m:sub>
+                              <m:r>
+                                <a:rPr lang="fr-FR" i="1">
+                                  <a:latin typeface="Cambria Math" panose="02040503050406030204" pitchFamily="18" charset="0"/>
+                                </a:rPr>
+                                <m:t>𝑎</m:t>
+                              </m:r>
+                              <m:r>
+                                <a:rPr lang="fr-FR" i="1">
+                                  <a:latin typeface="Cambria Math" panose="02040503050406030204" pitchFamily="18" charset="0"/>
+                                </a:rPr>
+                                <m:t>,</m:t>
+                              </m:r>
+                              <m:r>
+                                <a:rPr lang="fr-FR" i="1">
+                                  <a:latin typeface="Cambria Math" panose="02040503050406030204" pitchFamily="18" charset="0"/>
+                                </a:rPr>
+                                <m:t>𝑏</m:t>
+                              </m:r>
+                            </m:sub>
+                          </m:sSub>
+                        </m:sub>
+                      </m:sSub>
+                      <m:r>
+                        <a:rPr lang="fr-FR" i="1">
+                          <a:latin typeface="Cambria Math" panose="02040503050406030204" pitchFamily="18" charset="0"/>
+                        </a:rPr>
+                        <m:t>=</m:t>
+                      </m:r>
+                      <m:nary>
+                        <m:naryPr>
+                          <m:limLoc m:val="undOvr"/>
+                          <m:ctrlPr>
+                            <a:rPr lang="fr-FR" i="1">
+                              <a:latin typeface="Cambria Math" panose="02040503050406030204" pitchFamily="18" charset="0"/>
+                            </a:rPr>
+                          </m:ctrlPr>
+                        </m:naryPr>
+                        <m:sub>
+                          <m:r>
+                            <m:rPr>
+                              <m:brk m:alnAt="24"/>
+                            </m:rPr>
+                            <a:rPr lang="fr-FR" i="1">
+                              <a:latin typeface="Cambria Math" panose="02040503050406030204" pitchFamily="18" charset="0"/>
+                            </a:rPr>
+                            <m:t>−</m:t>
+                          </m:r>
+                          <m:r>
+                            <a:rPr lang="fr-FR" i="1">
+                              <a:latin typeface="Cambria Math" panose="02040503050406030204" pitchFamily="18" charset="0"/>
+                              <a:ea typeface="Cambria Math" panose="02040503050406030204" pitchFamily="18" charset="0"/>
+                            </a:rPr>
+                            <m:t>∞</m:t>
+                          </m:r>
+                        </m:sub>
+                        <m:sup>
+                          <m:r>
+                            <a:rPr lang="fr-FR" i="1">
+                              <a:latin typeface="Cambria Math" panose="02040503050406030204" pitchFamily="18" charset="0"/>
+                            </a:rPr>
+                            <m:t>+</m:t>
+                          </m:r>
+                          <m:r>
+                            <a:rPr lang="fr-FR" i="1">
+                              <a:latin typeface="Cambria Math" panose="02040503050406030204" pitchFamily="18" charset="0"/>
+                              <a:ea typeface="Cambria Math" panose="02040503050406030204" pitchFamily="18" charset="0"/>
+                            </a:rPr>
+                            <m:t>∞</m:t>
+                          </m:r>
+                        </m:sup>
+                        <m:e>
+                          <m:r>
+                            <a:rPr lang="fr-FR" i="1">
+                              <a:latin typeface="Cambria Math" panose="02040503050406030204" pitchFamily="18" charset="0"/>
+                            </a:rPr>
+                            <m:t>𝑓</m:t>
+                          </m:r>
+                          <m:d>
+                            <m:dPr>
+                              <m:ctrlPr>
+                                <a:rPr lang="fr-FR" i="1">
+                                  <a:latin typeface="Cambria Math" panose="02040503050406030204" pitchFamily="18" charset="0"/>
+                                </a:rPr>
+                              </m:ctrlPr>
+                            </m:dPr>
+                            <m:e>
+                              <m:r>
+                                <a:rPr lang="fr-FR" i="1">
+                                  <a:latin typeface="Cambria Math" panose="02040503050406030204" pitchFamily="18" charset="0"/>
+                                </a:rPr>
+                                <m:t>𝑡</m:t>
+                              </m:r>
+                            </m:e>
+                          </m:d>
+                          <m:r>
+                            <a:rPr lang="fr-FR" i="1">
+                              <a:latin typeface="Cambria Math" panose="02040503050406030204" pitchFamily="18" charset="0"/>
+                              <a:ea typeface="Cambria Math" panose="02040503050406030204" pitchFamily="18" charset="0"/>
+                            </a:rPr>
+                            <m:t>∙</m:t>
+                          </m:r>
+                          <m:f>
+                            <m:fPr>
+                              <m:ctrlPr>
+                                <a:rPr lang="fr-FR" i="1">
+                                  <a:latin typeface="Cambria Math" panose="02040503050406030204" pitchFamily="18" charset="0"/>
+                                </a:rPr>
+                              </m:ctrlPr>
+                            </m:fPr>
+                            <m:num>
+                              <m:r>
+                                <a:rPr lang="fr-FR" i="1">
+                                  <a:latin typeface="Cambria Math" panose="02040503050406030204" pitchFamily="18" charset="0"/>
+                                </a:rPr>
+                                <m:t>1</m:t>
+                              </m:r>
+                            </m:num>
+                            <m:den>
+                              <m:rad>
+                                <m:radPr>
+                                  <m:degHide m:val="on"/>
+                                  <m:ctrlPr>
+                                    <a:rPr lang="fr-FR" i="1">
+                                      <a:latin typeface="Cambria Math" panose="02040503050406030204" pitchFamily="18" charset="0"/>
+                                    </a:rPr>
+                                  </m:ctrlPr>
+                                </m:radPr>
+                                <m:deg/>
+                                <m:e>
+                                  <m:r>
+                                    <a:rPr lang="fr-FR" i="1">
+                                      <a:latin typeface="Cambria Math" panose="02040503050406030204" pitchFamily="18" charset="0"/>
+                                    </a:rPr>
+                                    <m:t>𝑎</m:t>
+                                  </m:r>
+                                </m:e>
+                              </m:rad>
+                            </m:den>
+                          </m:f>
+                          <m:r>
+                            <m:rPr>
+                              <m:sty m:val="p"/>
+                            </m:rPr>
+                            <a:rPr lang="el-GR" i="1">
+                              <a:latin typeface="Cambria Math" panose="02040503050406030204" pitchFamily="18" charset="0"/>
+                              <a:ea typeface="Cambria Math" panose="02040503050406030204" pitchFamily="18" charset="0"/>
+                            </a:rPr>
+                            <m:t>ψ</m:t>
+                          </m:r>
+                          <m:d>
+                            <m:dPr>
+                              <m:ctrlPr>
+                                <a:rPr lang="fr-FR" i="1">
+                                  <a:latin typeface="Cambria Math" panose="02040503050406030204" pitchFamily="18" charset="0"/>
+                                  <a:ea typeface="Cambria Math" panose="02040503050406030204" pitchFamily="18" charset="0"/>
+                                </a:rPr>
+                              </m:ctrlPr>
+                            </m:dPr>
+                            <m:e>
+                              <m:f>
+                                <m:fPr>
+                                  <m:ctrlPr>
+                                    <a:rPr lang="fr-FR" i="1">
+                                      <a:latin typeface="Cambria Math" panose="02040503050406030204" pitchFamily="18" charset="0"/>
+                                      <a:ea typeface="Cambria Math" panose="02040503050406030204" pitchFamily="18" charset="0"/>
+                                    </a:rPr>
+                                  </m:ctrlPr>
+                                </m:fPr>
+                                <m:num>
+                                  <m:r>
+                                    <a:rPr lang="fr-FR" i="1">
+                                      <a:latin typeface="Cambria Math" panose="02040503050406030204" pitchFamily="18" charset="0"/>
+                                      <a:ea typeface="Cambria Math" panose="02040503050406030204" pitchFamily="18" charset="0"/>
+                                    </a:rPr>
+                                    <m:t>𝑡</m:t>
+                                  </m:r>
+                                  <m:r>
+                                    <a:rPr lang="fr-FR" i="1">
+                                      <a:latin typeface="Cambria Math" panose="02040503050406030204" pitchFamily="18" charset="0"/>
+                                      <a:ea typeface="Cambria Math" panose="02040503050406030204" pitchFamily="18" charset="0"/>
+                                    </a:rPr>
+                                    <m:t>−</m:t>
+                                  </m:r>
+                                  <m:r>
+                                    <a:rPr lang="fr-FR" i="1">
+                                      <a:latin typeface="Cambria Math" panose="02040503050406030204" pitchFamily="18" charset="0"/>
+                                      <a:ea typeface="Cambria Math" panose="02040503050406030204" pitchFamily="18" charset="0"/>
+                                    </a:rPr>
+                                    <m:t>𝑏</m:t>
+                                  </m:r>
+                                </m:num>
+                                <m:den>
+                                  <m:r>
+                                    <a:rPr lang="fr-FR" i="1">
+                                      <a:latin typeface="Cambria Math" panose="02040503050406030204" pitchFamily="18" charset="0"/>
+                                      <a:ea typeface="Cambria Math" panose="02040503050406030204" pitchFamily="18" charset="0"/>
+                                    </a:rPr>
+                                    <m:t>𝑎</m:t>
+                                  </m:r>
+                                </m:den>
+                              </m:f>
+                            </m:e>
+                          </m:d>
+                          <m:r>
+                            <a:rPr lang="fr-FR" i="1">
+                              <a:latin typeface="Cambria Math" panose="02040503050406030204" pitchFamily="18" charset="0"/>
+                            </a:rPr>
+                            <m:t>𝑑𝑡</m:t>
+                          </m:r>
+                        </m:e>
+                      </m:nary>
+                    </m:oMath>
+                  </m:oMathPara>
+                </a14:m>
+                <a:endParaRPr lang="fr-FR" dirty="0" smtClean="0"/>
+              </a:p>
+              <a:p>
+                <a:pPr>
+                  <a:buClr>
+                    <a:schemeClr val="tx1">
+                      <a:lumMod val="75000"/>
+                    </a:schemeClr>
+                  </a:buClr>
+                </a:pPr>
+                <a:r>
+                  <a:rPr lang="fr-FR" dirty="0" smtClean="0"/>
+                  <a:t>Particulièrement pertinent pour des signaux non-stationnaires.</a:t>
+                </a:r>
+              </a:p>
+              <a:p>
+                <a:pPr>
+                  <a:buClr>
+                    <a:schemeClr val="tx1">
+                      <a:lumMod val="75000"/>
+                    </a:schemeClr>
+                  </a:buClr>
+                </a:pPr>
+                <a:r>
+                  <a:rPr lang="fr-FR" dirty="0" smtClean="0"/>
+                  <a:t>Il n’y a pas unicité de la décomposition</a:t>
+                </a:r>
+                <a:endParaRPr lang="fr-FR" dirty="0" smtClean="0"/>
+              </a:p>
+              <a:p>
+                <a:pPr marL="0" indent="0">
+                  <a:buClr>
+                    <a:schemeClr val="tx1">
+                      <a:lumMod val="75000"/>
+                    </a:schemeClr>
+                  </a:buClr>
+                  <a:buNone/>
+                </a:pPr>
+                <a:endParaRPr lang="fr-FR" dirty="0" smtClean="0"/>
+              </a:p>
+              <a:p>
+                <a:pPr marL="0" indent="0">
+                  <a:buClr>
+                    <a:schemeClr val="tx1">
+                      <a:lumMod val="75000"/>
+                    </a:schemeClr>
+                  </a:buClr>
+                  <a:buNone/>
+                </a:pPr>
+                <a:endParaRPr lang="fr-FR" dirty="0" smtClean="0"/>
+              </a:p>
+              <a:p>
+                <a:pPr marL="0" indent="0">
+                  <a:buClr>
+                    <a:schemeClr val="tx1">
+                      <a:lumMod val="75000"/>
+                    </a:schemeClr>
+                  </a:buClr>
+                  <a:buNone/>
+                </a:pPr>
+                <a:endParaRPr lang="fr-FR" dirty="0" smtClean="0"/>
+              </a:p>
+            </p:txBody>
+          </p:sp>
+        </mc:Choice>
+        <mc:Fallback>
+          <p:sp>
+            <p:nvSpPr>
+              <p:cNvPr id="3" name="Espace réservé du contenu 2"/>
+              <p:cNvSpPr>
+                <a:spLocks noGrp="1" noRot="1" noChangeAspect="1" noMove="1" noResize="1" noEditPoints="1" noAdjustHandles="1" noChangeArrowheads="1" noChangeShapeType="1" noTextEdit="1"/>
+              </p:cNvSpPr>
+              <p:nvPr>
+                <p:ph idx="1"/>
+              </p:nvPr>
+            </p:nvSpPr>
+            <p:spPr>
+              <a:blipFill rotWithShape="0">
+                <a:blip r:embed="rId2"/>
+                <a:stretch>
+                  <a:fillRect l="-467"/>
+                </a:stretch>
+              </a:blipFill>
+            </p:spPr>
+            <p:txBody>
+              <a:bodyPr/>
+              <a:lstStyle/>
+              <a:p>
+                <a:r>
+                  <a:rPr lang="fr-FR">
+                    <a:noFill/>
+                  </a:rPr>
+                  <a:t> </a:t>
+                </a:r>
+              </a:p>
+            </p:txBody>
+          </p:sp>
+        </mc:Fallback>
+      </mc:AlternateContent>
+    </p:spTree>
+    <p:extLst>
+      <p:ext uri="{BB962C8B-B14F-4D97-AF65-F5344CB8AC3E}">
+        <p14:creationId xmlns:p14="http://schemas.microsoft.com/office/powerpoint/2010/main" val="729063011"/>
+      </p:ext>
+    </p:extLst>
+  </p:cSld>
+  <p:clrMapOvr>
+    <a:masterClrMapping/>
+  </p:clrMapOvr>
+  <mc:AlternateContent xmlns:mc="http://schemas.openxmlformats.org/markup-compatibility/2006" xmlns:p14="http://schemas.microsoft.com/office/powerpoint/2010/main">
+    <mc:Choice Requires="p14">
+      <p:transition spd="med" p14:dur="700">
+        <p:fade/>
+      </p:transition>
+    </mc:Choice>
+    <mc:Fallback xmlns="">
+      <p:transition spd="med">
+        <p:fade/>
+      </p:transition>
+    </mc:Fallback>
+  </mc:AlternateContent>
+  <p:timing>
+    <p:tnLst>
+      <p:par>
+        <p:cTn id="1" dur="indefinite" restart="never" nodeType="tmRoot"/>
+      </p:par>
+    </p:tnLst>
+  </p:timing>
+</p:sld>
+</file>
+
+<file path=ppt/slides/slide14.xml><?xml version="1.0" encoding="utf-8"?>
 <p:sld xmlns:a="http://schemas.openxmlformats.org/drawingml/2006/main" xmlns:r="http://schemas.openxmlformats.org/officeDocument/2006/relationships" xmlns:p="http://schemas.openxmlformats.org/presentationml/2006/main">
   <p:cSld>
     <p:spTree>
@@ -10801,7 +12429,7 @@
 </p:sld>
 </file>
 
-<file path=ppt/slides/slide14.xml><?xml version="1.0" encoding="utf-8"?>
+<file path=ppt/slides/slide15.xml><?xml version="1.0" encoding="utf-8"?>
 <p:sld xmlns:a="http://schemas.openxmlformats.org/drawingml/2006/main" xmlns:r="http://schemas.openxmlformats.org/officeDocument/2006/relationships" xmlns:p="http://schemas.openxmlformats.org/presentationml/2006/main">
   <p:cSld>
     <p:spTree>
@@ -11006,7 +12634,7 @@
 </p:sld>
 </file>
 
-<file path=ppt/slides/slide15.xml><?xml version="1.0" encoding="utf-8"?>
+<file path=ppt/slides/slide16.xml><?xml version="1.0" encoding="utf-8"?>
 <p:sld xmlns:a="http://schemas.openxmlformats.org/drawingml/2006/main" xmlns:r="http://schemas.openxmlformats.org/officeDocument/2006/relationships" xmlns:p="http://schemas.openxmlformats.org/presentationml/2006/main">
   <p:cSld>
     <p:spTree>
@@ -11155,7 +12783,7 @@
 </p:sld>
 </file>
 
-<file path=ppt/slides/slide16.xml><?xml version="1.0" encoding="utf-8"?>
+<file path=ppt/slides/slide17.xml><?xml version="1.0" encoding="utf-8"?>
 <p:sld xmlns:a="http://schemas.openxmlformats.org/drawingml/2006/main" xmlns:r="http://schemas.openxmlformats.org/officeDocument/2006/relationships" xmlns:p="http://schemas.openxmlformats.org/presentationml/2006/main">
   <p:cSld>
     <p:spTree>
@@ -11320,7 +12948,7 @@
 </p:sld>
 </file>
 
-<file path=ppt/slides/slide17.xml><?xml version="1.0" encoding="utf-8"?>
+<file path=ppt/slides/slide18.xml><?xml version="1.0" encoding="utf-8"?>
 <p:sld xmlns:a="http://schemas.openxmlformats.org/drawingml/2006/main" xmlns:r="http://schemas.openxmlformats.org/officeDocument/2006/relationships" xmlns:p="http://schemas.openxmlformats.org/presentationml/2006/main">
   <p:cSld>
     <p:spTree>
@@ -11407,7 +13035,7 @@
 </p:sld>
 </file>
 
-<file path=ppt/slides/slide18.xml><?xml version="1.0" encoding="utf-8"?>
+<file path=ppt/slides/slide19.xml><?xml version="1.0" encoding="utf-8"?>
 <p:sld xmlns:a="http://schemas.openxmlformats.org/drawingml/2006/main" xmlns:r="http://schemas.openxmlformats.org/officeDocument/2006/relationships" xmlns:p="http://schemas.openxmlformats.org/presentationml/2006/main">
   <p:cSld>
     <p:spTree>
@@ -11523,74 +13151,6 @@
     <p:extLst>
       <p:ext uri="{BB962C8B-B14F-4D97-AF65-F5344CB8AC3E}">
         <p14:creationId xmlns:p14="http://schemas.microsoft.com/office/powerpoint/2010/main" val="2637673684"/>
-      </p:ext>
-    </p:extLst>
-  </p:cSld>
-  <p:clrMapOvr>
-    <a:masterClrMapping/>
-  </p:clrMapOvr>
-  <mc:AlternateContent xmlns:mc="http://schemas.openxmlformats.org/markup-compatibility/2006" xmlns:p14="http://schemas.microsoft.com/office/powerpoint/2010/main">
-    <mc:Choice Requires="p14">
-      <p:transition spd="med" p14:dur="700">
-        <p:fade/>
-      </p:transition>
-    </mc:Choice>
-    <mc:Fallback xmlns="">
-      <p:transition spd="med">
-        <p:fade/>
-      </p:transition>
-    </mc:Fallback>
-  </mc:AlternateContent>
-  <p:timing>
-    <p:tnLst>
-      <p:par>
-        <p:cTn id="1" dur="indefinite" restart="never" nodeType="tmRoot"/>
-      </p:par>
-    </p:tnLst>
-  </p:timing>
-</p:sld>
-</file>
-
-<file path=ppt/slides/slide19.xml><?xml version="1.0" encoding="utf-8"?>
-<p:sld xmlns:a="http://schemas.openxmlformats.org/drawingml/2006/main" xmlns:r="http://schemas.openxmlformats.org/officeDocument/2006/relationships" xmlns:p="http://schemas.openxmlformats.org/presentationml/2006/main">
-  <p:cSld>
-    <p:spTree>
-      <p:nvGrpSpPr>
-        <p:cNvPr id="1" name=""/>
-        <p:cNvGrpSpPr/>
-        <p:nvPr/>
-      </p:nvGrpSpPr>
-      <p:grpSpPr>
-        <a:xfrm>
-          <a:off x="0" y="0"/>
-          <a:ext cx="0" cy="0"/>
-          <a:chOff x="0" y="0"/>
-          <a:chExt cx="0" cy="0"/>
-        </a:xfrm>
-      </p:grpSpPr>
-      <p:sp>
-        <p:nvSpPr>
-          <p:cNvPr id="2" name="Titre 1"/>
-          <p:cNvSpPr>
-            <a:spLocks noGrp="1"/>
-          </p:cNvSpPr>
-          <p:nvPr>
-            <p:ph type="title"/>
-          </p:nvPr>
-        </p:nvSpPr>
-        <p:spPr/>
-        <p:txBody>
-          <a:bodyPr/>
-          <a:lstStyle/>
-          <a:p>
-            <a:endParaRPr lang="fr-FR" noProof="1"/>
-          </a:p>
-        </p:txBody>
-      </p:sp>
-    </p:spTree>
-    <p:extLst>
-      <p:ext uri="{BB962C8B-B14F-4D97-AF65-F5344CB8AC3E}">
-        <p14:creationId xmlns:p14="http://schemas.microsoft.com/office/powerpoint/2010/main" val="547100618"/>
       </p:ext>
     </p:extLst>
   </p:cSld>
@@ -11797,6 +13357,74 @@
           <a:chExt cx="0" cy="0"/>
         </a:xfrm>
       </p:grpSpPr>
+      <p:sp>
+        <p:nvSpPr>
+          <p:cNvPr id="2" name="Titre 1"/>
+          <p:cNvSpPr>
+            <a:spLocks noGrp="1"/>
+          </p:cNvSpPr>
+          <p:nvPr>
+            <p:ph type="title"/>
+          </p:nvPr>
+        </p:nvSpPr>
+        <p:spPr/>
+        <p:txBody>
+          <a:bodyPr/>
+          <a:lstStyle/>
+          <a:p>
+            <a:endParaRPr lang="fr-FR" noProof="1"/>
+          </a:p>
+        </p:txBody>
+      </p:sp>
+    </p:spTree>
+    <p:extLst>
+      <p:ext uri="{BB962C8B-B14F-4D97-AF65-F5344CB8AC3E}">
+        <p14:creationId xmlns:p14="http://schemas.microsoft.com/office/powerpoint/2010/main" val="547100618"/>
+      </p:ext>
+    </p:extLst>
+  </p:cSld>
+  <p:clrMapOvr>
+    <a:masterClrMapping/>
+  </p:clrMapOvr>
+  <mc:AlternateContent xmlns:mc="http://schemas.openxmlformats.org/markup-compatibility/2006" xmlns:p14="http://schemas.microsoft.com/office/powerpoint/2010/main">
+    <mc:Choice Requires="p14">
+      <p:transition spd="med" p14:dur="700">
+        <p:fade/>
+      </p:transition>
+    </mc:Choice>
+    <mc:Fallback xmlns="">
+      <p:transition spd="med">
+        <p:fade/>
+      </p:transition>
+    </mc:Fallback>
+  </mc:AlternateContent>
+  <p:timing>
+    <p:tnLst>
+      <p:par>
+        <p:cTn id="1" dur="indefinite" restart="never" nodeType="tmRoot"/>
+      </p:par>
+    </p:tnLst>
+  </p:timing>
+</p:sld>
+</file>
+
+<file path=ppt/slides/slide21.xml><?xml version="1.0" encoding="utf-8"?>
+<p:sld xmlns:a="http://schemas.openxmlformats.org/drawingml/2006/main" xmlns:r="http://schemas.openxmlformats.org/officeDocument/2006/relationships" xmlns:p="http://schemas.openxmlformats.org/presentationml/2006/main">
+  <p:cSld>
+    <p:spTree>
+      <p:nvGrpSpPr>
+        <p:cNvPr id="1" name=""/>
+        <p:cNvGrpSpPr/>
+        <p:nvPr/>
+      </p:nvGrpSpPr>
+      <p:grpSpPr>
+        <a:xfrm>
+          <a:off x="0" y="0"/>
+          <a:ext cx="0" cy="0"/>
+          <a:chOff x="0" y="0"/>
+          <a:chExt cx="0" cy="0"/>
+        </a:xfrm>
+      </p:grpSpPr>
     </p:spTree>
     <p:extLst>
       <p:ext uri="{BB962C8B-B14F-4D97-AF65-F5344CB8AC3E}">
@@ -11829,7 +13457,7 @@
 </p:sld>
 </file>
 
-<file path=ppt/slides/slide21.xml><?xml version="1.0" encoding="utf-8"?>
+<file path=ppt/slides/slide22.xml><?xml version="1.0" encoding="utf-8"?>
 <p:sld xmlns:a="http://schemas.openxmlformats.org/drawingml/2006/main" xmlns:r="http://schemas.openxmlformats.org/officeDocument/2006/relationships" xmlns:p="http://schemas.openxmlformats.org/presentationml/2006/main">
   <p:cSld>
     <p:spTree>
@@ -11935,7 +13563,7 @@
 </p:sld>
 </file>
 
-<file path=ppt/slides/slide22.xml><?xml version="1.0" encoding="utf-8"?>
+<file path=ppt/slides/slide23.xml><?xml version="1.0" encoding="utf-8"?>
 <p:sld xmlns:a="http://schemas.openxmlformats.org/drawingml/2006/main" xmlns:r="http://schemas.openxmlformats.org/officeDocument/2006/relationships" xmlns:p="http://schemas.openxmlformats.org/presentationml/2006/main">
   <p:cSld>
     <p:spTree>
@@ -12427,11 +14055,7 @@
             </a:pPr>
             <a:r>
               <a:rPr lang="fr-FR" dirty="0" smtClean="0"/>
-              <a:t>Les transformées </a:t>
-            </a:r>
-            <a:r>
-              <a:rPr lang="fr-FR" dirty="0" smtClean="0"/>
-              <a:t>de Fourier</a:t>
+              <a:t>Les transformées de Fourier</a:t>
             </a:r>
             <a:endParaRPr lang="fr-FR" dirty="0"/>
           </a:p>
@@ -14562,18 +16186,14 @@
           <a:p>
             <a:r>
               <a:rPr lang="fr-FR" dirty="0" smtClean="0"/>
-              <a:t>Les transformées </a:t>
-            </a:r>
-            <a:r>
-              <a:rPr lang="fr-FR" dirty="0" smtClean="0"/>
-              <a:t>de Fourier</a:t>
+              <a:t>Les transformées de Fourier</a:t>
             </a:r>
             <a:endParaRPr lang="fr-FR" dirty="0"/>
           </a:p>
         </p:txBody>
       </p:sp>
-      <mc:AlternateContent xmlns:mc="http://schemas.openxmlformats.org/markup-compatibility/2006">
-        <mc:Choice xmlns:a14="http://schemas.microsoft.com/office/drawing/2010/main" Requires="a14">
+      <mc:AlternateContent xmlns:mc="http://schemas.openxmlformats.org/markup-compatibility/2006" xmlns:a14="http://schemas.microsoft.com/office/drawing/2010/main">
+        <mc:Choice Requires="a14">
           <p:sp>
             <p:nvSpPr>
               <p:cNvPr id="3" name="Espace réservé du contenu 2"/>
@@ -15175,7 +16795,7 @@
             </p:txBody>
           </p:sp>
         </mc:Choice>
-        <mc:Fallback>
+        <mc:Fallback xmlns="">
           <p:sp>
             <p:nvSpPr>
               <p:cNvPr id="3" name="Espace réservé du contenu 2"/>

--- a/Analyse spectrale_etienne.pptx
+++ b/Analyse spectrale_etienne.pptx
@@ -3079,777 +3079,6 @@
       <dsp:cNvGrpSpPr/>
     </dsp:nvGrpSpPr>
     <dsp:grpSpPr/>
-    <dsp:sp modelId="{B752F9F5-2482-4D52-A33E-BE0263F4B0EA}">
-      <dsp:nvSpPr>
-        <dsp:cNvPr id="0" name=""/>
-        <dsp:cNvSpPr/>
-      </dsp:nvSpPr>
-      <dsp:spPr>
-        <a:xfrm>
-          <a:off x="0" y="3443976"/>
-          <a:ext cx="5334000" cy="1130389"/>
-        </a:xfrm>
-        <a:prstGeom prst="rect">
-          <a:avLst/>
-        </a:prstGeom>
-        <a:solidFill>
-          <a:schemeClr val="accent3">
-            <a:hueOff val="0"/>
-            <a:satOff val="0"/>
-            <a:lumOff val="0"/>
-            <a:alphaOff val="0"/>
-          </a:schemeClr>
-        </a:solidFill>
-        <a:ln w="12700" cap="flat" cmpd="sng" algn="ctr">
-          <a:solidFill>
-            <a:schemeClr val="lt1">
-              <a:hueOff val="0"/>
-              <a:satOff val="0"/>
-              <a:lumOff val="0"/>
-              <a:alphaOff val="0"/>
-            </a:schemeClr>
-          </a:solidFill>
-          <a:prstDash val="solid"/>
-          <a:miter lim="800000"/>
-        </a:ln>
-        <a:effectLst/>
-      </dsp:spPr>
-      <dsp:style>
-        <a:lnRef idx="2">
-          <a:scrgbClr r="0" g="0" b="0"/>
-        </a:lnRef>
-        <a:fillRef idx="1">
-          <a:scrgbClr r="0" g="0" b="0"/>
-        </a:fillRef>
-        <a:effectRef idx="0">
-          <a:scrgbClr r="0" g="0" b="0"/>
-        </a:effectRef>
-        <a:fontRef idx="minor">
-          <a:schemeClr val="lt1"/>
-        </a:fontRef>
-      </dsp:style>
-      <dsp:txBody>
-        <a:bodyPr spcFirstLastPara="0" vert="horz" wrap="square" lIns="156464" tIns="156464" rIns="156464" bIns="156464" numCol="1" spcCol="1270" anchor="ctr" anchorCtr="0">
-          <a:noAutofit/>
-        </a:bodyPr>
-        <a:lstStyle/>
-        <a:p>
-          <a:pPr lvl="0" algn="ctr" defTabSz="914400">
-            <a:lnSpc>
-              <a:spcPct val="90000"/>
-            </a:lnSpc>
-            <a:spcBef>
-              <a:spcPct val="0"/>
-            </a:spcBef>
-            <a:spcAft>
-              <a:spcPct val="35000"/>
-            </a:spcAft>
-            <a:buNone/>
-          </a:pPr>
-          <a:r>
-            <a:rPr lang="fr-FR" sz="2200" i="1" kern="1200" noProof="0" dirty="0" smtClean="0"/>
-            <a:t>Pour aller plus loin</a:t>
-          </a:r>
-          <a:endParaRPr lang="fr-FR" sz="2200" i="1" kern="1200" noProof="0" dirty="0"/>
-        </a:p>
-      </dsp:txBody>
-      <dsp:txXfrm>
-        <a:off x="0" y="3443976"/>
-        <a:ext cx="5334000" cy="610410"/>
-      </dsp:txXfrm>
-    </dsp:sp>
-    <dsp:sp modelId="{C4F2ADBF-C592-483D-A6FF-5DB9D2A90309}">
-      <dsp:nvSpPr>
-        <dsp:cNvPr id="0" name=""/>
-        <dsp:cNvSpPr/>
-      </dsp:nvSpPr>
-      <dsp:spPr>
-        <a:xfrm>
-          <a:off x="0" y="4031779"/>
-          <a:ext cx="2667000" cy="519979"/>
-        </a:xfrm>
-        <a:prstGeom prst="rect">
-          <a:avLst/>
-        </a:prstGeom>
-        <a:solidFill>
-          <a:schemeClr val="accent3">
-            <a:tint val="40000"/>
-            <a:alpha val="90000"/>
-            <a:hueOff val="0"/>
-            <a:satOff val="0"/>
-            <a:lumOff val="0"/>
-            <a:alphaOff val="0"/>
-          </a:schemeClr>
-        </a:solidFill>
-        <a:ln w="12700" cap="flat" cmpd="sng" algn="ctr">
-          <a:solidFill>
-            <a:schemeClr val="accent3">
-              <a:tint val="40000"/>
-              <a:alpha val="90000"/>
-              <a:hueOff val="0"/>
-              <a:satOff val="0"/>
-              <a:lumOff val="0"/>
-              <a:alphaOff val="0"/>
-            </a:schemeClr>
-          </a:solidFill>
-          <a:prstDash val="solid"/>
-          <a:miter lim="800000"/>
-        </a:ln>
-        <a:effectLst/>
-      </dsp:spPr>
-      <dsp:style>
-        <a:lnRef idx="2">
-          <a:scrgbClr r="0" g="0" b="0"/>
-        </a:lnRef>
-        <a:fillRef idx="1">
-          <a:scrgbClr r="0" g="0" b="0"/>
-        </a:fillRef>
-        <a:effectRef idx="0">
-          <a:scrgbClr r="0" g="0" b="0"/>
-        </a:effectRef>
-        <a:fontRef idx="minor"/>
-      </dsp:style>
-      <dsp:txBody>
-        <a:bodyPr spcFirstLastPara="0" vert="horz" wrap="square" lIns="156464" tIns="27940" rIns="156464" bIns="27940" numCol="1" spcCol="1270" anchor="ctr" anchorCtr="0">
-          <a:noAutofit/>
-        </a:bodyPr>
-        <a:lstStyle/>
-        <a:p>
-          <a:pPr lvl="0" algn="l" defTabSz="914400">
-            <a:lnSpc>
-              <a:spcPct val="90000"/>
-            </a:lnSpc>
-            <a:spcBef>
-              <a:spcPct val="0"/>
-            </a:spcBef>
-            <a:spcAft>
-              <a:spcPct val="35000"/>
-            </a:spcAft>
-            <a:buNone/>
-          </a:pPr>
-          <a:r>
-            <a:rPr lang="fr-FR" sz="2200" b="0" i="0" kern="1200" noProof="0" dirty="0" smtClean="0">
-              <a:latin typeface="Franklin Gothic Medium"/>
-              <a:ea typeface="+mn-ea"/>
-              <a:cs typeface="+mn-cs"/>
-            </a:rPr>
-            <a:t>Reconstitution</a:t>
-          </a:r>
-          <a:endParaRPr lang="fr-FR" sz="2200" b="0" i="0" kern="1200" noProof="0" dirty="0">
-            <a:latin typeface="Franklin Gothic Medium"/>
-            <a:ea typeface="+mn-ea"/>
-            <a:cs typeface="+mn-cs"/>
-          </a:endParaRPr>
-        </a:p>
-      </dsp:txBody>
-      <dsp:txXfrm>
-        <a:off x="0" y="4031779"/>
-        <a:ext cx="2667000" cy="519979"/>
-      </dsp:txXfrm>
-    </dsp:sp>
-    <dsp:sp modelId="{0F0AC827-ACAE-4C23-875D-A4B53006A73F}">
-      <dsp:nvSpPr>
-        <dsp:cNvPr id="0" name=""/>
-        <dsp:cNvSpPr/>
-      </dsp:nvSpPr>
-      <dsp:spPr>
-        <a:xfrm>
-          <a:off x="2667000" y="4031779"/>
-          <a:ext cx="2667000" cy="519979"/>
-        </a:xfrm>
-        <a:prstGeom prst="rect">
-          <a:avLst/>
-        </a:prstGeom>
-        <a:solidFill>
-          <a:schemeClr val="accent3">
-            <a:tint val="40000"/>
-            <a:alpha val="90000"/>
-            <a:hueOff val="405828"/>
-            <a:satOff val="20000"/>
-            <a:lumOff val="356"/>
-            <a:alphaOff val="0"/>
-          </a:schemeClr>
-        </a:solidFill>
-        <a:ln w="12700" cap="flat" cmpd="sng" algn="ctr">
-          <a:solidFill>
-            <a:schemeClr val="accent3">
-              <a:tint val="40000"/>
-              <a:alpha val="90000"/>
-              <a:hueOff val="405828"/>
-              <a:satOff val="20000"/>
-              <a:lumOff val="356"/>
-              <a:alphaOff val="0"/>
-            </a:schemeClr>
-          </a:solidFill>
-          <a:prstDash val="solid"/>
-          <a:miter lim="800000"/>
-        </a:ln>
-        <a:effectLst/>
-      </dsp:spPr>
-      <dsp:style>
-        <a:lnRef idx="2">
-          <a:scrgbClr r="0" g="0" b="0"/>
-        </a:lnRef>
-        <a:fillRef idx="1">
-          <a:scrgbClr r="0" g="0" b="0"/>
-        </a:fillRef>
-        <a:effectRef idx="0">
-          <a:scrgbClr r="0" g="0" b="0"/>
-        </a:effectRef>
-        <a:fontRef idx="minor"/>
-      </dsp:style>
-      <dsp:txBody>
-        <a:bodyPr spcFirstLastPara="0" vert="horz" wrap="square" lIns="156464" tIns="27940" rIns="156464" bIns="27940" numCol="1" spcCol="1270" anchor="ctr" anchorCtr="0">
-          <a:noAutofit/>
-        </a:bodyPr>
-        <a:lstStyle/>
-        <a:p>
-          <a:pPr lvl="0" algn="l" defTabSz="914400">
-            <a:lnSpc>
-              <a:spcPct val="90000"/>
-            </a:lnSpc>
-            <a:spcBef>
-              <a:spcPct val="0"/>
-            </a:spcBef>
-            <a:spcAft>
-              <a:spcPct val="35000"/>
-            </a:spcAft>
-            <a:buNone/>
-          </a:pPr>
-          <a:r>
-            <a:rPr lang="fr-FR" sz="2200" b="0" i="0" kern="1200" noProof="0" dirty="0" smtClean="0">
-              <a:latin typeface="Franklin Gothic Medium"/>
-              <a:ea typeface="+mn-ea"/>
-              <a:cs typeface="+mn-cs"/>
-            </a:rPr>
-            <a:t>…</a:t>
-          </a:r>
-          <a:endParaRPr lang="fr-FR" sz="2200" b="0" i="0" kern="1200" noProof="0" dirty="0">
-            <a:latin typeface="Franklin Gothic Medium"/>
-            <a:ea typeface="+mn-ea"/>
-            <a:cs typeface="+mn-cs"/>
-          </a:endParaRPr>
-        </a:p>
-      </dsp:txBody>
-      <dsp:txXfrm>
-        <a:off x="2667000" y="4031779"/>
-        <a:ext cx="2667000" cy="519979"/>
-      </dsp:txXfrm>
-    </dsp:sp>
-    <dsp:sp modelId="{80AD606B-F25E-46DF-B405-18F7D2EAE74A}">
-      <dsp:nvSpPr>
-        <dsp:cNvPr id="0" name=""/>
-        <dsp:cNvSpPr/>
-      </dsp:nvSpPr>
-      <dsp:spPr>
-        <a:xfrm rot="10800000">
-          <a:off x="0" y="1722392"/>
-          <a:ext cx="5334000" cy="1738539"/>
-        </a:xfrm>
-        <a:prstGeom prst="upArrowCallout">
-          <a:avLst/>
-        </a:prstGeom>
-        <a:solidFill>
-          <a:schemeClr val="accent3">
-            <a:hueOff val="1355300"/>
-            <a:satOff val="50000"/>
-            <a:lumOff val="-7353"/>
-            <a:alphaOff val="0"/>
-          </a:schemeClr>
-        </a:solidFill>
-        <a:ln w="12700" cap="flat" cmpd="sng" algn="ctr">
-          <a:solidFill>
-            <a:schemeClr val="lt1">
-              <a:hueOff val="0"/>
-              <a:satOff val="0"/>
-              <a:lumOff val="0"/>
-              <a:alphaOff val="0"/>
-            </a:schemeClr>
-          </a:solidFill>
-          <a:prstDash val="solid"/>
-          <a:miter lim="800000"/>
-        </a:ln>
-        <a:effectLst/>
-      </dsp:spPr>
-      <dsp:style>
-        <a:lnRef idx="2">
-          <a:scrgbClr r="0" g="0" b="0"/>
-        </a:lnRef>
-        <a:fillRef idx="1">
-          <a:scrgbClr r="0" g="0" b="0"/>
-        </a:fillRef>
-        <a:effectRef idx="0">
-          <a:scrgbClr r="0" g="0" b="0"/>
-        </a:effectRef>
-        <a:fontRef idx="minor">
-          <a:schemeClr val="lt1"/>
-        </a:fontRef>
-      </dsp:style>
-      <dsp:txBody>
-        <a:bodyPr spcFirstLastPara="0" vert="horz" wrap="square" lIns="156464" tIns="156464" rIns="156464" bIns="156464" numCol="1" spcCol="1270" anchor="ctr" anchorCtr="0">
-          <a:noAutofit/>
-        </a:bodyPr>
-        <a:lstStyle/>
-        <a:p>
-          <a:pPr lvl="0" algn="ctr" defTabSz="914400">
-            <a:lnSpc>
-              <a:spcPct val="90000"/>
-            </a:lnSpc>
-            <a:spcBef>
-              <a:spcPct val="0"/>
-            </a:spcBef>
-            <a:spcAft>
-              <a:spcPct val="35000"/>
-            </a:spcAft>
-            <a:buNone/>
-          </a:pPr>
-          <a:r>
-            <a:rPr lang="fr-FR" sz="2200" kern="1200" noProof="0" dirty="0" smtClean="0"/>
-            <a:t>Traitement</a:t>
-          </a:r>
-          <a:endParaRPr lang="fr-FR" sz="2200" kern="1200" noProof="0" dirty="0"/>
-        </a:p>
-      </dsp:txBody>
-      <dsp:txXfrm rot="-10800000">
-        <a:off x="0" y="1722392"/>
-        <a:ext cx="5334000" cy="610227"/>
-      </dsp:txXfrm>
-    </dsp:sp>
-    <dsp:sp modelId="{A8E0F749-66B2-490B-99E9-CC106B163B16}">
-      <dsp:nvSpPr>
-        <dsp:cNvPr id="0" name=""/>
-        <dsp:cNvSpPr/>
-      </dsp:nvSpPr>
-      <dsp:spPr>
-        <a:xfrm>
-          <a:off x="0" y="2332619"/>
-          <a:ext cx="2667000" cy="519823"/>
-        </a:xfrm>
-        <a:prstGeom prst="rect">
-          <a:avLst/>
-        </a:prstGeom>
-        <a:solidFill>
-          <a:schemeClr val="accent3">
-            <a:tint val="40000"/>
-            <a:alpha val="90000"/>
-            <a:hueOff val="811656"/>
-            <a:satOff val="40000"/>
-            <a:lumOff val="712"/>
-            <a:alphaOff val="0"/>
-          </a:schemeClr>
-        </a:solidFill>
-        <a:ln w="12700" cap="flat" cmpd="sng" algn="ctr">
-          <a:solidFill>
-            <a:schemeClr val="accent3">
-              <a:tint val="40000"/>
-              <a:alpha val="90000"/>
-              <a:hueOff val="811656"/>
-              <a:satOff val="40000"/>
-              <a:lumOff val="712"/>
-              <a:alphaOff val="0"/>
-            </a:schemeClr>
-          </a:solidFill>
-          <a:prstDash val="solid"/>
-          <a:miter lim="800000"/>
-        </a:ln>
-        <a:effectLst/>
-      </dsp:spPr>
-      <dsp:style>
-        <a:lnRef idx="2">
-          <a:scrgbClr r="0" g="0" b="0"/>
-        </a:lnRef>
-        <a:fillRef idx="1">
-          <a:scrgbClr r="0" g="0" b="0"/>
-        </a:fillRef>
-        <a:effectRef idx="0">
-          <a:scrgbClr r="0" g="0" b="0"/>
-        </a:effectRef>
-        <a:fontRef idx="minor"/>
-      </dsp:style>
-      <dsp:txBody>
-        <a:bodyPr spcFirstLastPara="0" vert="horz" wrap="square" lIns="156464" tIns="27940" rIns="156464" bIns="27940" numCol="1" spcCol="1270" anchor="ctr" anchorCtr="0">
-          <a:noAutofit/>
-        </a:bodyPr>
-        <a:lstStyle/>
-        <a:p>
-          <a:pPr lvl="0" algn="l" defTabSz="914400">
-            <a:lnSpc>
-              <a:spcPct val="90000"/>
-            </a:lnSpc>
-            <a:spcBef>
-              <a:spcPct val="0"/>
-            </a:spcBef>
-            <a:spcAft>
-              <a:spcPct val="35000"/>
-            </a:spcAft>
-            <a:buNone/>
-          </a:pPr>
-          <a:r>
-            <a:rPr lang="fr-FR" sz="2200" b="0" i="0" kern="1200" noProof="0" dirty="0" smtClean="0">
-              <a:latin typeface="Franklin Gothic Medium"/>
-              <a:ea typeface="+mn-ea"/>
-              <a:cs typeface="+mn-cs"/>
-            </a:rPr>
-            <a:t>Comparaison</a:t>
-          </a:r>
-          <a:endParaRPr lang="fr-FR" sz="2200" b="0" i="0" kern="1200" noProof="0" dirty="0">
-            <a:latin typeface="Franklin Gothic Medium"/>
-            <a:ea typeface="+mn-ea"/>
-            <a:cs typeface="+mn-cs"/>
-          </a:endParaRPr>
-        </a:p>
-      </dsp:txBody>
-      <dsp:txXfrm>
-        <a:off x="0" y="2332619"/>
-        <a:ext cx="2667000" cy="519823"/>
-      </dsp:txXfrm>
-    </dsp:sp>
-    <dsp:sp modelId="{A6EE397C-6C28-4128-BFFE-CFF44F70153F}">
-      <dsp:nvSpPr>
-        <dsp:cNvPr id="0" name=""/>
-        <dsp:cNvSpPr/>
-      </dsp:nvSpPr>
-      <dsp:spPr>
-        <a:xfrm>
-          <a:off x="2667000" y="2332619"/>
-          <a:ext cx="2667000" cy="519823"/>
-        </a:xfrm>
-        <a:prstGeom prst="rect">
-          <a:avLst/>
-        </a:prstGeom>
-        <a:solidFill>
-          <a:schemeClr val="accent3">
-            <a:tint val="40000"/>
-            <a:alpha val="90000"/>
-            <a:hueOff val="1217485"/>
-            <a:satOff val="60000"/>
-            <a:lumOff val="1067"/>
-            <a:alphaOff val="0"/>
-          </a:schemeClr>
-        </a:solidFill>
-        <a:ln w="12700" cap="flat" cmpd="sng" algn="ctr">
-          <a:solidFill>
-            <a:schemeClr val="accent3">
-              <a:tint val="40000"/>
-              <a:alpha val="90000"/>
-              <a:hueOff val="1217485"/>
-              <a:satOff val="60000"/>
-              <a:lumOff val="1067"/>
-              <a:alphaOff val="0"/>
-            </a:schemeClr>
-          </a:solidFill>
-          <a:prstDash val="solid"/>
-          <a:miter lim="800000"/>
-        </a:ln>
-        <a:effectLst/>
-      </dsp:spPr>
-      <dsp:style>
-        <a:lnRef idx="2">
-          <a:scrgbClr r="0" g="0" b="0"/>
-        </a:lnRef>
-        <a:fillRef idx="1">
-          <a:scrgbClr r="0" g="0" b="0"/>
-        </a:fillRef>
-        <a:effectRef idx="0">
-          <a:scrgbClr r="0" g="0" b="0"/>
-        </a:effectRef>
-        <a:fontRef idx="minor"/>
-      </dsp:style>
-      <dsp:txBody>
-        <a:bodyPr spcFirstLastPara="0" vert="horz" wrap="square" lIns="156464" tIns="27940" rIns="156464" bIns="27940" numCol="1" spcCol="1270" anchor="ctr" anchorCtr="0">
-          <a:noAutofit/>
-        </a:bodyPr>
-        <a:lstStyle/>
-        <a:p>
-          <a:pPr lvl="0" algn="l" defTabSz="914400">
-            <a:lnSpc>
-              <a:spcPct val="90000"/>
-            </a:lnSpc>
-            <a:spcBef>
-              <a:spcPct val="0"/>
-            </a:spcBef>
-            <a:spcAft>
-              <a:spcPct val="35000"/>
-            </a:spcAft>
-            <a:buNone/>
-          </a:pPr>
-          <a:r>
-            <a:rPr lang="fr-FR" sz="2200" b="0" i="0" kern="1200" noProof="0" dirty="0" smtClean="0">
-              <a:latin typeface="Franklin Gothic Medium"/>
-              <a:ea typeface="+mn-ea"/>
-              <a:cs typeface="+mn-cs"/>
-            </a:rPr>
-            <a:t>Détection</a:t>
-          </a:r>
-          <a:endParaRPr lang="fr-FR" sz="2200" b="0" i="0" kern="1200" noProof="0" dirty="0">
-            <a:latin typeface="Franklin Gothic Medium"/>
-            <a:ea typeface="+mn-ea"/>
-            <a:cs typeface="+mn-cs"/>
-          </a:endParaRPr>
-        </a:p>
-      </dsp:txBody>
-      <dsp:txXfrm>
-        <a:off x="2667000" y="2332619"/>
-        <a:ext cx="2667000" cy="519823"/>
-      </dsp:txXfrm>
-    </dsp:sp>
-    <dsp:sp modelId="{A48265CE-F3A3-46DB-9DD2-97590B4DBB84}">
-      <dsp:nvSpPr>
-        <dsp:cNvPr id="0" name=""/>
-        <dsp:cNvSpPr/>
-      </dsp:nvSpPr>
-      <dsp:spPr>
-        <a:xfrm rot="10800000">
-          <a:off x="0" y="808"/>
-          <a:ext cx="5334000" cy="1738539"/>
-        </a:xfrm>
-        <a:prstGeom prst="upArrowCallout">
-          <a:avLst/>
-        </a:prstGeom>
-        <a:solidFill>
-          <a:schemeClr val="accent3">
-            <a:hueOff val="2710599"/>
-            <a:satOff val="100000"/>
-            <a:lumOff val="-14706"/>
-            <a:alphaOff val="0"/>
-          </a:schemeClr>
-        </a:solidFill>
-        <a:ln w="12700" cap="flat" cmpd="sng" algn="ctr">
-          <a:solidFill>
-            <a:schemeClr val="lt1">
-              <a:hueOff val="0"/>
-              <a:satOff val="0"/>
-              <a:lumOff val="0"/>
-              <a:alphaOff val="0"/>
-            </a:schemeClr>
-          </a:solidFill>
-          <a:prstDash val="solid"/>
-          <a:miter lim="800000"/>
-        </a:ln>
-        <a:effectLst/>
-      </dsp:spPr>
-      <dsp:style>
-        <a:lnRef idx="2">
-          <a:scrgbClr r="0" g="0" b="0"/>
-        </a:lnRef>
-        <a:fillRef idx="1">
-          <a:scrgbClr r="0" g="0" b="0"/>
-        </a:fillRef>
-        <a:effectRef idx="0">
-          <a:scrgbClr r="0" g="0" b="0"/>
-        </a:effectRef>
-        <a:fontRef idx="minor">
-          <a:schemeClr val="lt1"/>
-        </a:fontRef>
-      </dsp:style>
-      <dsp:txBody>
-        <a:bodyPr spcFirstLastPara="0" vert="horz" wrap="square" lIns="156464" tIns="156464" rIns="156464" bIns="156464" numCol="1" spcCol="1270" anchor="ctr" anchorCtr="0">
-          <a:noAutofit/>
-        </a:bodyPr>
-        <a:lstStyle/>
-        <a:p>
-          <a:pPr lvl="0" algn="ctr" defTabSz="914400">
-            <a:lnSpc>
-              <a:spcPct val="90000"/>
-            </a:lnSpc>
-            <a:spcBef>
-              <a:spcPct val="0"/>
-            </a:spcBef>
-            <a:spcAft>
-              <a:spcPct val="35000"/>
-            </a:spcAft>
-            <a:buNone/>
-          </a:pPr>
-          <a:r>
-            <a:rPr lang="fr-FR" sz="2200" kern="1200" noProof="0" dirty="0" smtClean="0"/>
-            <a:t>Caractérisation d’un signal</a:t>
-          </a:r>
-          <a:endParaRPr lang="fr-FR" sz="2200" kern="1200" noProof="0" dirty="0"/>
-        </a:p>
-      </dsp:txBody>
-      <dsp:txXfrm rot="-10800000">
-        <a:off x="0" y="808"/>
-        <a:ext cx="5334000" cy="610227"/>
-      </dsp:txXfrm>
-    </dsp:sp>
-    <dsp:sp modelId="{59FFE57C-E5F2-4FBD-AA4D-8DB27381892F}">
-      <dsp:nvSpPr>
-        <dsp:cNvPr id="0" name=""/>
-        <dsp:cNvSpPr/>
-      </dsp:nvSpPr>
-      <dsp:spPr>
-        <a:xfrm>
-          <a:off x="0" y="611036"/>
-          <a:ext cx="2667000" cy="519823"/>
-        </a:xfrm>
-        <a:prstGeom prst="rect">
-          <a:avLst/>
-        </a:prstGeom>
-        <a:solidFill>
-          <a:schemeClr val="accent3">
-            <a:tint val="40000"/>
-            <a:alpha val="90000"/>
-            <a:hueOff val="1623313"/>
-            <a:satOff val="80000"/>
-            <a:lumOff val="1423"/>
-            <a:alphaOff val="0"/>
-          </a:schemeClr>
-        </a:solidFill>
-        <a:ln w="12700" cap="flat" cmpd="sng" algn="ctr">
-          <a:solidFill>
-            <a:schemeClr val="accent3">
-              <a:tint val="40000"/>
-              <a:alpha val="90000"/>
-              <a:hueOff val="1623313"/>
-              <a:satOff val="80000"/>
-              <a:lumOff val="1423"/>
-              <a:alphaOff val="0"/>
-            </a:schemeClr>
-          </a:solidFill>
-          <a:prstDash val="solid"/>
-          <a:miter lim="800000"/>
-        </a:ln>
-        <a:effectLst/>
-      </dsp:spPr>
-      <dsp:style>
-        <a:lnRef idx="2">
-          <a:scrgbClr r="0" g="0" b="0"/>
-        </a:lnRef>
-        <a:fillRef idx="1">
-          <a:scrgbClr r="0" g="0" b="0"/>
-        </a:fillRef>
-        <a:effectRef idx="0">
-          <a:scrgbClr r="0" g="0" b="0"/>
-        </a:effectRef>
-        <a:fontRef idx="minor"/>
-      </dsp:style>
-      <dsp:txBody>
-        <a:bodyPr spcFirstLastPara="0" vert="horz" wrap="square" lIns="156464" tIns="27940" rIns="156464" bIns="27940" numCol="1" spcCol="1270" anchor="ctr" anchorCtr="0">
-          <a:noAutofit/>
-        </a:bodyPr>
-        <a:lstStyle/>
-        <a:p>
-          <a:pPr lvl="0" algn="l" defTabSz="914400">
-            <a:lnSpc>
-              <a:spcPct val="90000"/>
-            </a:lnSpc>
-            <a:spcBef>
-              <a:spcPct val="0"/>
-            </a:spcBef>
-            <a:spcAft>
-              <a:spcPct val="35000"/>
-            </a:spcAft>
-            <a:buNone/>
-          </a:pPr>
-          <a:r>
-            <a:rPr lang="fr-FR" sz="2200" b="0" i="0" kern="1200" noProof="0" dirty="0" smtClean="0">
-              <a:latin typeface="Franklin Gothic Medium"/>
-              <a:ea typeface="+mn-ea"/>
-              <a:cs typeface="+mn-cs"/>
-            </a:rPr>
-            <a:t>Spectre</a:t>
-          </a:r>
-          <a:endParaRPr lang="fr-FR" sz="2200" b="0" i="0" kern="1200" noProof="0" dirty="0">
-            <a:latin typeface="Franklin Gothic Medium"/>
-            <a:ea typeface="+mn-ea"/>
-            <a:cs typeface="+mn-cs"/>
-          </a:endParaRPr>
-        </a:p>
-      </dsp:txBody>
-      <dsp:txXfrm>
-        <a:off x="0" y="611036"/>
-        <a:ext cx="2667000" cy="519823"/>
-      </dsp:txXfrm>
-    </dsp:sp>
-    <dsp:sp modelId="{3EC7D028-ECEA-492B-A6F1-68E9B57B69C6}">
-      <dsp:nvSpPr>
-        <dsp:cNvPr id="0" name=""/>
-        <dsp:cNvSpPr/>
-      </dsp:nvSpPr>
-      <dsp:spPr>
-        <a:xfrm>
-          <a:off x="2667000" y="611036"/>
-          <a:ext cx="2667000" cy="519823"/>
-        </a:xfrm>
-        <a:prstGeom prst="rect">
-          <a:avLst/>
-        </a:prstGeom>
-        <a:solidFill>
-          <a:schemeClr val="accent3">
-            <a:tint val="40000"/>
-            <a:alpha val="90000"/>
-            <a:hueOff val="2029141"/>
-            <a:satOff val="100000"/>
-            <a:lumOff val="1779"/>
-            <a:alphaOff val="0"/>
-          </a:schemeClr>
-        </a:solidFill>
-        <a:ln w="12700" cap="flat" cmpd="sng" algn="ctr">
-          <a:solidFill>
-            <a:schemeClr val="accent3">
-              <a:tint val="40000"/>
-              <a:alpha val="90000"/>
-              <a:hueOff val="2029141"/>
-              <a:satOff val="100000"/>
-              <a:lumOff val="1779"/>
-              <a:alphaOff val="0"/>
-            </a:schemeClr>
-          </a:solidFill>
-          <a:prstDash val="solid"/>
-          <a:miter lim="800000"/>
-        </a:ln>
-        <a:effectLst/>
-      </dsp:spPr>
-      <dsp:style>
-        <a:lnRef idx="2">
-          <a:scrgbClr r="0" g="0" b="0"/>
-        </a:lnRef>
-        <a:fillRef idx="1">
-          <a:scrgbClr r="0" g="0" b="0"/>
-        </a:fillRef>
-        <a:effectRef idx="0">
-          <a:scrgbClr r="0" g="0" b="0"/>
-        </a:effectRef>
-        <a:fontRef idx="minor"/>
-      </dsp:style>
-      <dsp:txBody>
-        <a:bodyPr spcFirstLastPara="0" vert="horz" wrap="square" lIns="156464" tIns="27940" rIns="156464" bIns="27940" numCol="1" spcCol="1270" anchor="ctr" anchorCtr="0">
-          <a:noAutofit/>
-        </a:bodyPr>
-        <a:lstStyle/>
-        <a:p>
-          <a:pPr lvl="0" algn="l" defTabSz="914400">
-            <a:lnSpc>
-              <a:spcPct val="90000"/>
-            </a:lnSpc>
-            <a:spcBef>
-              <a:spcPct val="0"/>
-            </a:spcBef>
-            <a:spcAft>
-              <a:spcPct val="35000"/>
-            </a:spcAft>
-            <a:buNone/>
-          </a:pPr>
-          <a:r>
-            <a:rPr lang="fr-FR" sz="2200" b="0" i="0" kern="1200" noProof="0" dirty="0" smtClean="0">
-              <a:latin typeface="Franklin Gothic Medium"/>
-              <a:ea typeface="+mn-ea"/>
-              <a:cs typeface="+mn-cs"/>
-            </a:rPr>
-            <a:t>Valeurs singulières</a:t>
-          </a:r>
-          <a:endParaRPr lang="fr-FR" sz="2200" b="0" i="0" kern="1200" noProof="0" dirty="0">
-            <a:latin typeface="Franklin Gothic Medium"/>
-            <a:ea typeface="+mn-ea"/>
-            <a:cs typeface="+mn-cs"/>
-          </a:endParaRPr>
-        </a:p>
-      </dsp:txBody>
-      <dsp:txXfrm>
-        <a:off x="2667000" y="611036"/>
-        <a:ext cx="2667000" cy="519823"/>
-      </dsp:txXfrm>
-    </dsp:sp>
   </dsp:spTree>
 </dsp:drawing>
 </file>
@@ -6722,7 +5951,7 @@
           <a:p>
             <a:fld id="{043B725B-653D-4166-A8E9-72A38A1847CF}" type="datetimeFigureOut">
               <a:rPr lang="es-ES"/>
-              <a:t>31/10/2014</a:t>
+              <a:t>01/11/2014</a:t>
             </a:fld>
             <a:endParaRPr/>
           </a:p>
@@ -6887,7 +6116,7 @@
           <a:p>
             <a:fld id="{783F64CD-0576-4A9A-BD06-7889D6E60BDC}" type="datetimeFigureOut">
               <a:rPr lang="es-ES"/>
-              <a:t>31/10/2014</a:t>
+              <a:t>01/11/2014</a:t>
             </a:fld>
             <a:endParaRPr/>
           </a:p>
@@ -7478,7 +6707,7 @@
           <a:p>
             <a:fld id="{37CC0096-1860-4642-9CD2-0079EA5E7CD1}" type="datetimeFigureOut">
               <a:rPr lang="es-ES"/>
-              <a:t>31/10/2014</a:t>
+              <a:t>01/11/2014</a:t>
             </a:fld>
             <a:endParaRPr/>
           </a:p>
@@ -7734,7 +6963,7 @@
           <a:p>
             <a:fld id="{37CC0096-1860-4642-9CD2-0079EA5E7CD1}" type="datetimeFigureOut">
               <a:rPr lang="es-ES"/>
-              <a:t>31/10/2014</a:t>
+              <a:t>01/11/2014</a:t>
             </a:fld>
             <a:endParaRPr/>
           </a:p>
@@ -7927,7 +7156,7 @@
           <a:p>
             <a:fld id="{37CC0096-1860-4642-9CD2-0079EA5E7CD1}" type="datetimeFigureOut">
               <a:rPr lang="es-ES"/>
-              <a:t>31/10/2014</a:t>
+              <a:t>01/11/2014</a:t>
             </a:fld>
             <a:endParaRPr/>
           </a:p>
@@ -8472,7 +7701,7 @@
           <a:p>
             <a:fld id="{37CC0096-1860-4642-9CD2-0079EA5E7CD1}" type="datetimeFigureOut">
               <a:rPr lang="es-ES"/>
-              <a:t>31/10/2014</a:t>
+              <a:t>01/11/2014</a:t>
             </a:fld>
             <a:endParaRPr/>
           </a:p>
@@ -8936,7 +8165,7 @@
           <a:p>
             <a:fld id="{37CC0096-1860-4642-9CD2-0079EA5E7CD1}" type="datetimeFigureOut">
               <a:rPr lang="es-ES"/>
-              <a:t>31/10/2014</a:t>
+              <a:t>01/11/2014</a:t>
             </a:fld>
             <a:endParaRPr/>
           </a:p>
@@ -9073,7 +8302,7 @@
           <a:p>
             <a:fld id="{37CC0096-1860-4642-9CD2-0079EA5E7CD1}" type="datetimeFigureOut">
               <a:rPr lang="es-ES"/>
-              <a:t>31/10/2014</a:t>
+              <a:t>01/11/2014</a:t>
             </a:fld>
             <a:endParaRPr/>
           </a:p>
@@ -9187,7 +8416,7 @@
           <a:p>
             <a:fld id="{37CC0096-1860-4642-9CD2-0079EA5E7CD1}" type="datetimeFigureOut">
               <a:rPr lang="es-ES"/>
-              <a:t>31/10/2014</a:t>
+              <a:t>01/11/2014</a:t>
             </a:fld>
             <a:endParaRPr/>
           </a:p>
@@ -10181,7 +9410,7 @@
             <a:fld id="{37CC0096-1860-4642-9CD2-0079EA5E7CD1}" type="datetimeFigureOut">
               <a:rPr lang="es-ES"/>
               <a:pPr/>
-              <a:t>31/10/2014</a:t>
+              <a:t>01/11/2014</a:t>
             </a:fld>
             <a:endParaRPr/>
           </a:p>
@@ -11300,55 +10529,524 @@
           </a:p>
         </p:txBody>
       </p:sp>
-      <p:sp>
-        <p:nvSpPr>
-          <p:cNvPr id="3" name="Espace réservé du contenu 2"/>
-          <p:cNvSpPr>
-            <a:spLocks noGrp="1"/>
-          </p:cNvSpPr>
-          <p:nvPr>
-            <p:ph idx="1"/>
-          </p:nvPr>
-        </p:nvSpPr>
-        <p:spPr/>
-        <p:txBody>
-          <a:bodyPr>
-            <a:normAutofit/>
-          </a:bodyPr>
-          <a:lstStyle/>
-          <a:p>
-            <a:pPr>
-              <a:buClr>
-                <a:schemeClr val="tx1">
-                  <a:lumMod val="75000"/>
-                </a:schemeClr>
-              </a:buClr>
-            </a:pPr>
-            <a:r>
-              <a:rPr lang="fr-FR" dirty="0" smtClean="0"/>
-              <a:t>Pour remédier à certaines insuffisances des transformées de Fourier, particulièrement la perte de tous les aspects temporels (début, fin, singularités, etc.)</a:t>
-            </a:r>
-          </a:p>
-          <a:p>
-            <a:pPr>
-              <a:buClr>
-                <a:schemeClr val="tx1">
-                  <a:lumMod val="75000"/>
-                </a:schemeClr>
-              </a:buClr>
-            </a:pPr>
-            <a:r>
-              <a:rPr lang="fr-FR" dirty="0" smtClean="0"/>
-              <a:t>On détecte des aspects temporels de la largeur de </a:t>
-            </a:r>
-            <a:r>
-              <a:rPr lang="fr-FR" smtClean="0"/>
-              <a:t>la fenêtre</a:t>
-            </a:r>
-            <a:endParaRPr lang="fr-FR" dirty="0" smtClean="0"/>
-          </a:p>
-        </p:txBody>
-      </p:sp>
+      <mc:AlternateContent xmlns:mc="http://schemas.openxmlformats.org/markup-compatibility/2006">
+        <mc:Choice xmlns:a14="http://schemas.microsoft.com/office/drawing/2010/main" Requires="a14">
+          <p:sp>
+            <p:nvSpPr>
+              <p:cNvPr id="3" name="Espace réservé du contenu 2"/>
+              <p:cNvSpPr>
+                <a:spLocks noGrp="1"/>
+              </p:cNvSpPr>
+              <p:nvPr>
+                <p:ph idx="1"/>
+              </p:nvPr>
+            </p:nvSpPr>
+            <p:spPr/>
+            <p:txBody>
+              <a:bodyPr>
+                <a:normAutofit lnSpcReduction="10000"/>
+              </a:bodyPr>
+              <a:lstStyle/>
+              <a:p>
+                <a:pPr>
+                  <a:buClr>
+                    <a:schemeClr val="tx1">
+                      <a:lumMod val="75000"/>
+                    </a:schemeClr>
+                  </a:buClr>
+                </a:pPr>
+                <a:r>
+                  <a:rPr lang="fr-FR" dirty="0" smtClean="0"/>
+                  <a:t>Pour remédier à certaines insuffisances des transformées de Fourier, particulièrement la perte de tous les aspects temporels (début, fin, singularités, etc.)</a:t>
+                </a:r>
+              </a:p>
+              <a:p>
+                <a:pPr>
+                  <a:buClr>
+                    <a:schemeClr val="tx1">
+                      <a:lumMod val="75000"/>
+                    </a:schemeClr>
+                  </a:buClr>
+                </a:pPr>
+                <a:r>
+                  <a:rPr lang="fr-FR" dirty="0" smtClean="0"/>
+                  <a:t>Fenêtre : fonction </a:t>
+                </a:r>
+                <a14:m>
+                  <m:oMath xmlns:m="http://schemas.openxmlformats.org/officeDocument/2006/math">
+                    <m:r>
+                      <a:rPr lang="fr-FR" b="0" i="1" smtClean="0">
+                        <a:latin typeface="Cambria Math" panose="02040503050406030204" pitchFamily="18" charset="0"/>
+                      </a:rPr>
+                      <m:t>𝑤</m:t>
+                    </m:r>
+                  </m:oMath>
+                </a14:m>
+                <a:r>
+                  <a:rPr lang="fr-FR" dirty="0" smtClean="0"/>
+                  <a:t> normée, paire, nulle en dehors d’un intervalle </a:t>
+                </a:r>
+                <a14:m>
+                  <m:oMath xmlns:m="http://schemas.openxmlformats.org/officeDocument/2006/math">
+                    <m:d>
+                      <m:dPr>
+                        <m:begChr m:val="["/>
+                        <m:endChr m:val="]"/>
+                        <m:ctrlPr>
+                          <a:rPr lang="fr-FR" i="1" smtClean="0">
+                            <a:latin typeface="Cambria Math" panose="02040503050406030204" pitchFamily="18" charset="0"/>
+                          </a:rPr>
+                        </m:ctrlPr>
+                      </m:dPr>
+                      <m:e>
+                        <m:r>
+                          <a:rPr lang="fr-FR" b="0" i="1" smtClean="0">
+                            <a:latin typeface="Cambria Math" panose="02040503050406030204" pitchFamily="18" charset="0"/>
+                          </a:rPr>
+                          <m:t>−</m:t>
+                        </m:r>
+                        <m:r>
+                          <a:rPr lang="fr-FR" b="0" i="1" smtClean="0">
+                            <a:latin typeface="Cambria Math" panose="02040503050406030204" pitchFamily="18" charset="0"/>
+                          </a:rPr>
+                          <m:t>𝑎</m:t>
+                        </m:r>
+                        <m:r>
+                          <a:rPr lang="fr-FR" b="0" i="1" smtClean="0">
+                            <a:latin typeface="Cambria Math" panose="02040503050406030204" pitchFamily="18" charset="0"/>
+                          </a:rPr>
+                          <m:t> , </m:t>
+                        </m:r>
+                        <m:r>
+                          <a:rPr lang="fr-FR" b="0" i="1" smtClean="0">
+                            <a:latin typeface="Cambria Math" panose="02040503050406030204" pitchFamily="18" charset="0"/>
+                          </a:rPr>
+                          <m:t>𝑎</m:t>
+                        </m:r>
+                      </m:e>
+                    </m:d>
+                  </m:oMath>
+                </a14:m>
+                <a:endParaRPr lang="fr-FR" dirty="0" smtClean="0"/>
+              </a:p>
+              <a:p>
+                <a:pPr marL="0" indent="0">
+                  <a:buClr>
+                    <a:schemeClr val="tx1">
+                      <a:lumMod val="75000"/>
+                    </a:schemeClr>
+                  </a:buClr>
+                  <a:buNone/>
+                </a:pPr>
+                <a14:m>
+                  <m:oMathPara xmlns:m="http://schemas.openxmlformats.org/officeDocument/2006/math">
+                    <m:oMathParaPr>
+                      <m:jc m:val="centerGroup"/>
+                    </m:oMathParaPr>
+                    <m:oMath xmlns:m="http://schemas.openxmlformats.org/officeDocument/2006/math">
+                      <m:r>
+                        <a:rPr lang="fr-FR" i="1">
+                          <a:latin typeface="Cambria Math" panose="02040503050406030204" pitchFamily="18" charset="0"/>
+                        </a:rPr>
+                        <m:t>𝑥</m:t>
+                      </m:r>
+                      <m:d>
+                        <m:dPr>
+                          <m:ctrlPr>
+                            <a:rPr lang="fr-FR" i="1">
+                              <a:latin typeface="Cambria Math" panose="02040503050406030204" pitchFamily="18" charset="0"/>
+                            </a:rPr>
+                          </m:ctrlPr>
+                        </m:dPr>
+                        <m:e>
+                          <m:r>
+                            <a:rPr lang="fr-FR" i="1">
+                              <a:latin typeface="Cambria Math" panose="02040503050406030204" pitchFamily="18" charset="0"/>
+                            </a:rPr>
+                            <m:t>𝑡</m:t>
+                          </m:r>
+                        </m:e>
+                      </m:d>
+                      <m:groupChr>
+                        <m:groupChrPr>
+                          <m:chr m:val="→"/>
+                          <m:vertJc m:val="bot"/>
+                          <m:ctrlPr>
+                            <a:rPr lang="fr-FR" i="1">
+                              <a:latin typeface="Cambria Math" panose="02040503050406030204" pitchFamily="18" charset="0"/>
+                            </a:rPr>
+                          </m:ctrlPr>
+                        </m:groupChrPr>
+                        <m:e>
+                          <m:r>
+                            <m:rPr>
+                              <m:brk m:alnAt="2"/>
+                            </m:rPr>
+                            <a:rPr lang="fr-FR" i="1">
+                              <a:latin typeface="Cambria Math" panose="02040503050406030204" pitchFamily="18" charset="0"/>
+                            </a:rPr>
+                            <m:t>𝑆</m:t>
+                          </m:r>
+                          <m:r>
+                            <a:rPr lang="fr-FR" i="1">
+                              <a:latin typeface="Cambria Math" panose="02040503050406030204" pitchFamily="18" charset="0"/>
+                            </a:rPr>
+                            <m:t>𝑊𝐹𝑇</m:t>
+                          </m:r>
+                        </m:e>
+                      </m:groupChr>
+                      <m:r>
+                        <a:rPr lang="fr-FR" i="1">
+                          <a:latin typeface="Cambria Math" panose="02040503050406030204" pitchFamily="18" charset="0"/>
+                        </a:rPr>
+                        <m:t>𝑔</m:t>
+                      </m:r>
+                      <m:d>
+                        <m:dPr>
+                          <m:ctrlPr>
+                            <a:rPr lang="fr-FR" i="1">
+                              <a:latin typeface="Cambria Math" panose="02040503050406030204" pitchFamily="18" charset="0"/>
+                            </a:rPr>
+                          </m:ctrlPr>
+                        </m:dPr>
+                        <m:e>
+                          <m:r>
+                            <a:rPr lang="fr-FR" i="1">
+                              <a:latin typeface="Cambria Math" panose="02040503050406030204" pitchFamily="18" charset="0"/>
+                            </a:rPr>
+                            <m:t>𝑏</m:t>
+                          </m:r>
+                          <m:r>
+                            <a:rPr lang="fr-FR" i="1">
+                              <a:latin typeface="Cambria Math" panose="02040503050406030204" pitchFamily="18" charset="0"/>
+                            </a:rPr>
+                            <m:t>,</m:t>
+                          </m:r>
+                          <m:r>
+                            <a:rPr lang="fr-FR" i="1">
+                              <a:latin typeface="Cambria Math" panose="02040503050406030204" pitchFamily="18" charset="0"/>
+                            </a:rPr>
+                            <m:t>𝑠</m:t>
+                          </m:r>
+                        </m:e>
+                      </m:d>
+                      <m:r>
+                        <a:rPr lang="fr-FR" i="1">
+                          <a:latin typeface="Cambria Math" panose="02040503050406030204" pitchFamily="18" charset="0"/>
+                        </a:rPr>
+                        <m:t>= </m:t>
+                      </m:r>
+                      <m:nary>
+                        <m:naryPr>
+                          <m:limLoc m:val="undOvr"/>
+                          <m:ctrlPr>
+                            <a:rPr lang="fr-FR" i="1">
+                              <a:latin typeface="Cambria Math" panose="02040503050406030204" pitchFamily="18" charset="0"/>
+                            </a:rPr>
+                          </m:ctrlPr>
+                        </m:naryPr>
+                        <m:sub>
+                          <m:r>
+                            <m:rPr>
+                              <m:brk m:alnAt="24"/>
+                            </m:rPr>
+                            <a:rPr lang="fr-FR" i="1">
+                              <a:latin typeface="Cambria Math" panose="02040503050406030204" pitchFamily="18" charset="0"/>
+                            </a:rPr>
+                            <m:t>−</m:t>
+                          </m:r>
+                          <m:r>
+                            <a:rPr lang="fr-FR" i="1">
+                              <a:latin typeface="Cambria Math" panose="02040503050406030204" pitchFamily="18" charset="0"/>
+                              <a:ea typeface="Cambria Math" panose="02040503050406030204" pitchFamily="18" charset="0"/>
+                            </a:rPr>
+                            <m:t>∞</m:t>
+                          </m:r>
+                        </m:sub>
+                        <m:sup>
+                          <m:r>
+                            <a:rPr lang="fr-FR" i="1">
+                              <a:latin typeface="Cambria Math" panose="02040503050406030204" pitchFamily="18" charset="0"/>
+                            </a:rPr>
+                            <m:t>+</m:t>
+                          </m:r>
+                          <m:r>
+                            <a:rPr lang="fr-FR" i="1">
+                              <a:latin typeface="Cambria Math" panose="02040503050406030204" pitchFamily="18" charset="0"/>
+                              <a:ea typeface="Cambria Math" panose="02040503050406030204" pitchFamily="18" charset="0"/>
+                            </a:rPr>
+                            <m:t>∞</m:t>
+                          </m:r>
+                        </m:sup>
+                        <m:e>
+                          <m:r>
+                            <a:rPr lang="fr-FR" i="1">
+                              <a:latin typeface="Cambria Math" panose="02040503050406030204" pitchFamily="18" charset="0"/>
+                            </a:rPr>
+                            <m:t>𝑥</m:t>
+                          </m:r>
+                          <m:d>
+                            <m:dPr>
+                              <m:ctrlPr>
+                                <a:rPr lang="fr-FR" i="1">
+                                  <a:latin typeface="Cambria Math" panose="02040503050406030204" pitchFamily="18" charset="0"/>
+                                </a:rPr>
+                              </m:ctrlPr>
+                            </m:dPr>
+                            <m:e>
+                              <m:r>
+                                <a:rPr lang="fr-FR" i="1">
+                                  <a:latin typeface="Cambria Math" panose="02040503050406030204" pitchFamily="18" charset="0"/>
+                                </a:rPr>
+                                <m:t>𝑡</m:t>
+                              </m:r>
+                            </m:e>
+                          </m:d>
+                          <m:r>
+                            <a:rPr lang="fr-FR" i="1">
+                              <a:latin typeface="Cambria Math" panose="02040503050406030204" pitchFamily="18" charset="0"/>
+                            </a:rPr>
+                            <m:t>𝑤</m:t>
+                          </m:r>
+                          <m:d>
+                            <m:dPr>
+                              <m:ctrlPr>
+                                <a:rPr lang="fr-FR" i="1">
+                                  <a:latin typeface="Cambria Math" panose="02040503050406030204" pitchFamily="18" charset="0"/>
+                                </a:rPr>
+                              </m:ctrlPr>
+                            </m:dPr>
+                            <m:e>
+                              <m:r>
+                                <a:rPr lang="fr-FR" i="1">
+                                  <a:latin typeface="Cambria Math" panose="02040503050406030204" pitchFamily="18" charset="0"/>
+                                </a:rPr>
+                                <m:t>𝑡</m:t>
+                              </m:r>
+                              <m:r>
+                                <a:rPr lang="fr-FR" i="1">
+                                  <a:latin typeface="Cambria Math" panose="02040503050406030204" pitchFamily="18" charset="0"/>
+                                </a:rPr>
+                                <m:t>−</m:t>
+                              </m:r>
+                              <m:r>
+                                <a:rPr lang="fr-FR" i="1">
+                                  <a:latin typeface="Cambria Math" panose="02040503050406030204" pitchFamily="18" charset="0"/>
+                                </a:rPr>
+                                <m:t>𝑏</m:t>
+                              </m:r>
+                            </m:e>
+                          </m:d>
+                          <m:sSup>
+                            <m:sSupPr>
+                              <m:ctrlPr>
+                                <a:rPr lang="fr-FR" i="1">
+                                  <a:latin typeface="Cambria Math" panose="02040503050406030204" pitchFamily="18" charset="0"/>
+                                </a:rPr>
+                              </m:ctrlPr>
+                            </m:sSupPr>
+                            <m:e>
+                              <m:r>
+                                <a:rPr lang="fr-FR" i="1">
+                                  <a:latin typeface="Cambria Math" panose="02040503050406030204" pitchFamily="18" charset="0"/>
+                                </a:rPr>
+                                <m:t>𝑒</m:t>
+                              </m:r>
+                            </m:e>
+                            <m:sup>
+                              <m:r>
+                                <a:rPr lang="fr-FR" i="1">
+                                  <a:latin typeface="Cambria Math" panose="02040503050406030204" pitchFamily="18" charset="0"/>
+                                </a:rPr>
+                                <m:t>−</m:t>
+                              </m:r>
+                              <m:r>
+                                <a:rPr lang="fr-FR" i="1">
+                                  <a:latin typeface="Cambria Math" panose="02040503050406030204" pitchFamily="18" charset="0"/>
+                                </a:rPr>
+                                <m:t>𝑗</m:t>
+                              </m:r>
+                              <m:r>
+                                <a:rPr lang="fr-FR" i="1">
+                                  <a:latin typeface="Cambria Math" panose="02040503050406030204" pitchFamily="18" charset="0"/>
+                                </a:rPr>
+                                <m:t>2</m:t>
+                              </m:r>
+                              <m:r>
+                                <a:rPr lang="fr-FR" i="1">
+                                  <a:latin typeface="Cambria Math" panose="02040503050406030204" pitchFamily="18" charset="0"/>
+                                  <a:ea typeface="Cambria Math" panose="02040503050406030204" pitchFamily="18" charset="0"/>
+                                </a:rPr>
+                                <m:t>𝜋</m:t>
+                              </m:r>
+                              <m:r>
+                                <a:rPr lang="fr-FR" i="1">
+                                  <a:latin typeface="Cambria Math" panose="02040503050406030204" pitchFamily="18" charset="0"/>
+                                  <a:ea typeface="Cambria Math" panose="02040503050406030204" pitchFamily="18" charset="0"/>
+                                </a:rPr>
+                                <m:t>𝑠𝑡</m:t>
+                              </m:r>
+                            </m:sup>
+                          </m:sSup>
+                          <m:r>
+                            <a:rPr lang="fr-FR" i="1">
+                              <a:latin typeface="Cambria Math" panose="02040503050406030204" pitchFamily="18" charset="0"/>
+                            </a:rPr>
+                            <m:t>𝑑𝑡</m:t>
+                          </m:r>
+                        </m:e>
+                      </m:nary>
+                    </m:oMath>
+                  </m:oMathPara>
+                </a14:m>
+                <a:endParaRPr lang="fr-FR" dirty="0" smtClean="0"/>
+              </a:p>
+              <a:p>
+                <a14:m>
+                  <m:oMath xmlns:m="http://schemas.openxmlformats.org/officeDocument/2006/math">
+                    <m:r>
+                      <a:rPr lang="fr-FR" i="1">
+                        <a:latin typeface="Cambria Math" panose="02040503050406030204" pitchFamily="18" charset="0"/>
+                      </a:rPr>
+                      <m:t>𝑔</m:t>
+                    </m:r>
+                    <m:d>
+                      <m:dPr>
+                        <m:ctrlPr>
+                          <a:rPr lang="fr-FR" i="1">
+                            <a:latin typeface="Cambria Math" panose="02040503050406030204" pitchFamily="18" charset="0"/>
+                          </a:rPr>
+                        </m:ctrlPr>
+                      </m:dPr>
+                      <m:e>
+                        <m:r>
+                          <a:rPr lang="fr-FR" i="1">
+                            <a:latin typeface="Cambria Math" panose="02040503050406030204" pitchFamily="18" charset="0"/>
+                          </a:rPr>
+                          <m:t>𝑏</m:t>
+                        </m:r>
+                        <m:r>
+                          <a:rPr lang="fr-FR" i="1">
+                            <a:latin typeface="Cambria Math" panose="02040503050406030204" pitchFamily="18" charset="0"/>
+                          </a:rPr>
+                          <m:t>,</m:t>
+                        </m:r>
+                        <m:r>
+                          <a:rPr lang="fr-FR" i="1">
+                            <a:latin typeface="Cambria Math" panose="02040503050406030204" pitchFamily="18" charset="0"/>
+                          </a:rPr>
+                          <m:t>𝑠</m:t>
+                        </m:r>
+                      </m:e>
+                    </m:d>
+                  </m:oMath>
+                </a14:m>
+                <a:r>
+                  <a:rPr lang="fr-FR" dirty="0" smtClean="0"/>
+                  <a:t> permet </a:t>
+                </a:r>
+                <a:r>
+                  <a:rPr lang="fr-FR" dirty="0"/>
+                  <a:t>de connaitre ce qui se passe autour </a:t>
+                </a:r>
+                <a:r>
+                  <a:rPr lang="fr-FR" dirty="0" smtClean="0"/>
+                  <a:t>de l’abscisse </a:t>
+                </a:r>
+                <a14:m>
+                  <m:oMath xmlns:m="http://schemas.openxmlformats.org/officeDocument/2006/math">
+                    <m:r>
+                      <a:rPr lang="fr-FR" i="1" dirty="0" smtClean="0">
+                        <a:latin typeface="Cambria Math" panose="02040503050406030204" pitchFamily="18" charset="0"/>
+                      </a:rPr>
+                      <m:t>𝑏</m:t>
+                    </m:r>
+                  </m:oMath>
+                </a14:m>
+                <a:r>
+                  <a:rPr lang="fr-FR" dirty="0" smtClean="0"/>
+                  <a:t> et </a:t>
+                </a:r>
+                <a:r>
+                  <a:rPr lang="fr-FR" dirty="0"/>
+                  <a:t>la </a:t>
+                </a:r>
+                <a:r>
+                  <a:rPr lang="fr-FR" dirty="0" smtClean="0"/>
+                  <a:t>fréquence </a:t>
+                </a:r>
+                <a14:m>
+                  <m:oMath xmlns:m="http://schemas.openxmlformats.org/officeDocument/2006/math">
+                    <m:r>
+                      <a:rPr lang="fr-FR" i="1" dirty="0" smtClean="0">
+                        <a:latin typeface="Cambria Math" panose="02040503050406030204" pitchFamily="18" charset="0"/>
+                      </a:rPr>
+                      <m:t>𝑠</m:t>
+                    </m:r>
+                  </m:oMath>
+                </a14:m>
+                <a:endParaRPr lang="fr-FR" dirty="0" smtClean="0"/>
+              </a:p>
+              <a:p>
+                <a:r>
+                  <a:rPr lang="fr-FR" dirty="0"/>
+                  <a:t>On ne parle plus de domaine temps-fréquence, mais </a:t>
+                </a:r>
+                <a:r>
+                  <a:rPr lang="fr-FR" b="1" i="1" dirty="0"/>
+                  <a:t>temps-échelle</a:t>
+                </a:r>
+              </a:p>
+              <a:p>
+                <a:endParaRPr lang="fr-FR" dirty="0"/>
+              </a:p>
+              <a:p>
+                <a:pPr>
+                  <a:buClr>
+                    <a:schemeClr val="tx1">
+                      <a:lumMod val="75000"/>
+                    </a:schemeClr>
+                  </a:buClr>
+                </a:pPr>
+                <a:endParaRPr lang="fr-FR" dirty="0" smtClean="0"/>
+              </a:p>
+            </p:txBody>
+          </p:sp>
+        </mc:Choice>
+        <mc:Fallback>
+          <p:sp>
+            <p:nvSpPr>
+              <p:cNvPr id="3" name="Espace réservé du contenu 2"/>
+              <p:cNvSpPr>
+                <a:spLocks noGrp="1" noRot="1" noChangeAspect="1" noMove="1" noResize="1" noEditPoints="1" noAdjustHandles="1" noChangeArrowheads="1" noChangeShapeType="1" noTextEdit="1"/>
+              </p:cNvSpPr>
+              <p:nvPr>
+                <p:ph idx="1"/>
+              </p:nvPr>
+            </p:nvSpPr>
+            <p:spPr>
+              <a:blipFill rotWithShape="0">
+                <a:blip r:embed="rId2"/>
+                <a:stretch>
+                  <a:fillRect l="-467" t="-2533" r="-267"/>
+                </a:stretch>
+              </a:blipFill>
+            </p:spPr>
+            <p:txBody>
+              <a:bodyPr/>
+              <a:lstStyle/>
+              <a:p>
+                <a:r>
+                  <a:rPr lang="fr-FR">
+                    <a:noFill/>
+                  </a:rPr>
+                  <a:t> </a:t>
+                </a:r>
+              </a:p>
+            </p:txBody>
+          </p:sp>
+        </mc:Fallback>
+      </mc:AlternateContent>
     </p:spTree>
     <p:extLst>
       <p:ext uri="{BB962C8B-B14F-4D97-AF65-F5344CB8AC3E}">
@@ -11451,24 +11149,11 @@
                 </a:pPr>
                 <a:r>
                   <a:rPr lang="fr-FR" dirty="0" smtClean="0"/>
-                  <a:t>On ne parle plus de domaine temps-fréquence, mais </a:t>
+                  <a:t>Une </a:t>
                 </a:r>
                 <a:r>
-                  <a:rPr lang="fr-FR" b="1" i="1" dirty="0" smtClean="0"/>
-                  <a:t>temps-échelle</a:t>
-                </a:r>
-              </a:p>
-              <a:p>
-                <a:pPr>
-                  <a:buClr>
-                    <a:schemeClr val="tx1">
-                      <a:lumMod val="75000"/>
-                    </a:schemeClr>
-                  </a:buClr>
-                </a:pPr>
-                <a:r>
                   <a:rPr lang="fr-FR" dirty="0" smtClean="0"/>
-                  <a:t>Une ondelette est une fonction </a:t>
+                  <a:t>ondelette est une fonction </a:t>
                 </a:r>
                 <a14:m>
                   <m:oMath xmlns:m="http://schemas.openxmlformats.org/officeDocument/2006/math">
@@ -11579,22 +11264,43 @@
                   </a:buClr>
                 </a:pPr>
                 <a:r>
+                  <a:rPr lang="fr-FR" b="1" i="1" dirty="0"/>
+                  <a:t>É</a:t>
+                </a:r>
+                <a:r>
+                  <a:rPr lang="fr-FR" b="1" i="1" dirty="0" smtClean="0"/>
+                  <a:t>chelle </a:t>
+                </a:r>
+                <a:r>
+                  <a:rPr lang="fr-FR" b="1" i="1" dirty="0" smtClean="0"/>
+                  <a:t>: dilatation </a:t>
+                </a:r>
+                <a:r>
                   <a:rPr lang="fr-FR" dirty="0" smtClean="0"/>
-                  <a:t>Echelle : dilatation d’un facteur </a:t>
+                  <a:t>d’un facteur </a:t>
                 </a:r>
                 <a14:m>
                   <m:oMath xmlns:m="http://schemas.openxmlformats.org/officeDocument/2006/math">
                     <m:r>
-                      <a:rPr lang="fr-FR" b="0" i="1" smtClean="0">
+                      <m:rPr>
+                        <m:sty m:val="p"/>
+                      </m:rPr>
+                      <a:rPr lang="fr-FR" b="0" i="0" smtClean="0">
                         <a:latin typeface="Cambria Math" panose="02040503050406030204" pitchFamily="18" charset="0"/>
                       </a:rPr>
-                      <m:t>𝑎</m:t>
+                      <m:t>a</m:t>
+                    </m:r>
+                    <m:r>
+                      <a:rPr lang="fr-FR" b="0" i="0" smtClean="0">
+                        <a:latin typeface="Cambria Math" panose="02040503050406030204" pitchFamily="18" charset="0"/>
+                      </a:rPr>
+                      <m:t> </m:t>
                     </m:r>
                     <m:r>
                       <a:rPr lang="fr-FR" b="0" i="1" smtClean="0">
                         <a:latin typeface="Cambria Math" panose="02040503050406030204" pitchFamily="18" charset="0"/>
                       </a:rPr>
-                      <m:t> :</m:t>
+                      <m:t>:</m:t>
                     </m:r>
                     <m:f>
                       <m:fPr>
@@ -11875,8 +11581,8 @@
           </a:p>
         </p:txBody>
       </p:sp>
-      <mc:AlternateContent xmlns:mc="http://schemas.openxmlformats.org/markup-compatibility/2006">
-        <mc:Choice xmlns:a14="http://schemas.microsoft.com/office/drawing/2010/main" Requires="a14">
+      <mc:AlternateContent xmlns:mc="http://schemas.openxmlformats.org/markup-compatibility/2006" xmlns:a14="http://schemas.microsoft.com/office/drawing/2010/main">
+        <mc:Choice Requires="a14">
           <p:sp>
             <p:nvSpPr>
               <p:cNvPr id="3" name="Espace réservé du contenu 2"/>
@@ -12234,7 +11940,6 @@
                   <a:rPr lang="fr-FR" dirty="0" smtClean="0"/>
                   <a:t>Il n’y a pas unicité de la décomposition</a:t>
                 </a:r>
-                <a:endParaRPr lang="fr-FR" dirty="0" smtClean="0"/>
               </a:p>
               <a:p>
                 <a:pPr marL="0" indent="0">
@@ -12272,7 +11977,7 @@
             </p:txBody>
           </p:sp>
         </mc:Choice>
-        <mc:Fallback>
+        <mc:Fallback xmlns="">
           <p:sp>
             <p:nvSpPr>
               <p:cNvPr id="3" name="Espace réservé du contenu 2"/>

--- a/Analyse spectrale_etienne.pptx
+++ b/Analyse spectrale_etienne.pptx
@@ -5,10 +5,10 @@
     <p:sldMasterId id="2147483648" r:id="rId2"/>
   </p:sldMasterIdLst>
   <p:notesMasterIdLst>
-    <p:notesMasterId r:id="rId26"/>
+    <p:notesMasterId r:id="rId36"/>
   </p:notesMasterIdLst>
   <p:handoutMasterIdLst>
-    <p:handoutMasterId r:id="rId27"/>
+    <p:handoutMasterId r:id="rId37"/>
   </p:handoutMasterIdLst>
   <p:sldIdLst>
     <p:sldId id="256" r:id="rId3"/>
@@ -19,21 +19,31 @@
     <p:sldId id="271" r:id="rId8"/>
     <p:sldId id="272" r:id="rId9"/>
     <p:sldId id="274" r:id="rId10"/>
-    <p:sldId id="275" r:id="rId11"/>
-    <p:sldId id="276" r:id="rId12"/>
-    <p:sldId id="277" r:id="rId13"/>
-    <p:sldId id="278" r:id="rId14"/>
-    <p:sldId id="279" r:id="rId15"/>
-    <p:sldId id="273" r:id="rId16"/>
-    <p:sldId id="258" r:id="rId17"/>
-    <p:sldId id="260" r:id="rId18"/>
-    <p:sldId id="259" r:id="rId19"/>
-    <p:sldId id="261" r:id="rId20"/>
-    <p:sldId id="262" r:id="rId21"/>
-    <p:sldId id="263" r:id="rId22"/>
-    <p:sldId id="264" r:id="rId23"/>
-    <p:sldId id="265" r:id="rId24"/>
-    <p:sldId id="266" r:id="rId25"/>
+    <p:sldId id="280" r:id="rId11"/>
+    <p:sldId id="281" r:id="rId12"/>
+    <p:sldId id="283" r:id="rId13"/>
+    <p:sldId id="282" r:id="rId14"/>
+    <p:sldId id="285" r:id="rId15"/>
+    <p:sldId id="287" r:id="rId16"/>
+    <p:sldId id="286" r:id="rId17"/>
+    <p:sldId id="288" r:id="rId18"/>
+    <p:sldId id="289" r:id="rId19"/>
+    <p:sldId id="284" r:id="rId20"/>
+    <p:sldId id="275" r:id="rId21"/>
+    <p:sldId id="276" r:id="rId22"/>
+    <p:sldId id="277" r:id="rId23"/>
+    <p:sldId id="278" r:id="rId24"/>
+    <p:sldId id="279" r:id="rId25"/>
+    <p:sldId id="273" r:id="rId26"/>
+    <p:sldId id="258" r:id="rId27"/>
+    <p:sldId id="260" r:id="rId28"/>
+    <p:sldId id="259" r:id="rId29"/>
+    <p:sldId id="261" r:id="rId30"/>
+    <p:sldId id="262" r:id="rId31"/>
+    <p:sldId id="263" r:id="rId32"/>
+    <p:sldId id="264" r:id="rId33"/>
+    <p:sldId id="265" r:id="rId34"/>
+    <p:sldId id="266" r:id="rId35"/>
   </p:sldIdLst>
   <p:sldSz cx="12192000" cy="6858000"/>
   <p:notesSz cx="6858000" cy="9144000"/>
@@ -1746,6 +1756,7 @@
         <a:bodyPr/>
         <a:lstStyle/>
         <a:p>
+          <a:pPr algn="ctr"/>
           <a:endParaRPr lang="en-US"/>
         </a:p>
       </dgm:t>
@@ -1757,6 +1768,7 @@
         <a:bodyPr/>
         <a:lstStyle/>
         <a:p>
+          <a:pPr algn="ctr"/>
           <a:endParaRPr lang="en-US"/>
         </a:p>
       </dgm:t>
@@ -1768,7 +1780,7 @@
         <a:bodyPr/>
         <a:lstStyle/>
         <a:p>
-          <a:pPr algn="l" defTabSz="914400">
+          <a:pPr algn="ctr" defTabSz="914400">
             <a:buNone/>
           </a:pPr>
           <a:r>
@@ -1794,6 +1806,7 @@
         <a:bodyPr/>
         <a:lstStyle/>
         <a:p>
+          <a:pPr algn="ctr"/>
           <a:endParaRPr lang="en-US"/>
         </a:p>
       </dgm:t>
@@ -1805,6 +1818,7 @@
         <a:bodyPr/>
         <a:lstStyle/>
         <a:p>
+          <a:pPr algn="ctr"/>
           <a:endParaRPr lang="en-US"/>
         </a:p>
       </dgm:t>
@@ -1816,7 +1830,7 @@
         <a:bodyPr/>
         <a:lstStyle/>
         <a:p>
-          <a:pPr algn="l" defTabSz="914400">
+          <a:pPr algn="ctr" defTabSz="914400">
             <a:buNone/>
           </a:pPr>
           <a:r>
@@ -1842,6 +1856,7 @@
         <a:bodyPr/>
         <a:lstStyle/>
         <a:p>
+          <a:pPr algn="ctr"/>
           <a:endParaRPr lang="en-US"/>
         </a:p>
       </dgm:t>
@@ -1853,6 +1868,7 @@
         <a:bodyPr/>
         <a:lstStyle/>
         <a:p>
+          <a:pPr algn="ctr"/>
           <a:endParaRPr lang="en-US"/>
         </a:p>
       </dgm:t>
@@ -1882,6 +1898,7 @@
         <a:bodyPr/>
         <a:lstStyle/>
         <a:p>
+          <a:pPr algn="ctr"/>
           <a:endParaRPr lang="en-US"/>
         </a:p>
       </dgm:t>
@@ -1893,6 +1910,7 @@
         <a:bodyPr/>
         <a:lstStyle/>
         <a:p>
+          <a:pPr algn="ctr"/>
           <a:endParaRPr lang="en-US"/>
         </a:p>
       </dgm:t>
@@ -1904,7 +1922,7 @@
         <a:bodyPr/>
         <a:lstStyle/>
         <a:p>
-          <a:pPr algn="l" defTabSz="914400">
+          <a:pPr algn="ctr" defTabSz="914400">
             <a:buNone/>
           </a:pPr>
           <a:r>
@@ -1930,6 +1948,7 @@
         <a:bodyPr/>
         <a:lstStyle/>
         <a:p>
+          <a:pPr algn="ctr"/>
           <a:endParaRPr lang="en-US"/>
         </a:p>
       </dgm:t>
@@ -1941,6 +1960,7 @@
         <a:bodyPr/>
         <a:lstStyle/>
         <a:p>
+          <a:pPr algn="ctr"/>
           <a:endParaRPr lang="en-US"/>
         </a:p>
       </dgm:t>
@@ -1952,7 +1972,7 @@
         <a:bodyPr/>
         <a:lstStyle/>
         <a:p>
-          <a:pPr algn="l" defTabSz="914400">
+          <a:pPr algn="ctr" defTabSz="914400">
             <a:buNone/>
           </a:pPr>
           <a:r>
@@ -1978,6 +1998,7 @@
         <a:bodyPr/>
         <a:lstStyle/>
         <a:p>
+          <a:pPr algn="ctr"/>
           <a:endParaRPr lang="en-US"/>
         </a:p>
       </dgm:t>
@@ -1989,6 +2010,7 @@
         <a:bodyPr/>
         <a:lstStyle/>
         <a:p>
+          <a:pPr algn="ctr"/>
           <a:endParaRPr lang="en-US"/>
         </a:p>
       </dgm:t>
@@ -2018,6 +2040,7 @@
         <a:bodyPr/>
         <a:lstStyle/>
         <a:p>
+          <a:pPr algn="ctr"/>
           <a:endParaRPr lang="en-US"/>
         </a:p>
       </dgm:t>
@@ -2029,6 +2052,7 @@
         <a:bodyPr/>
         <a:lstStyle/>
         <a:p>
+          <a:pPr algn="ctr"/>
           <a:endParaRPr lang="en-US"/>
         </a:p>
       </dgm:t>
@@ -2040,18 +2064,18 @@
         <a:bodyPr/>
         <a:lstStyle/>
         <a:p>
-          <a:pPr algn="l" defTabSz="914400">
+          <a:pPr algn="ctr" defTabSz="914400">
             <a:buNone/>
           </a:pPr>
           <a:r>
-            <a:rPr lang="fr-FR" sz="1800" b="0" i="0" noProof="0" dirty="0" smtClean="0">
+            <a:rPr lang="fr-FR" sz="1800" b="0" i="1" noProof="0" dirty="0" smtClean="0">
               <a:latin typeface="Franklin Gothic Medium"/>
               <a:ea typeface="+mn-ea"/>
               <a:cs typeface="+mn-cs"/>
             </a:rPr>
             <a:t>Reconstitution</a:t>
           </a:r>
-          <a:endParaRPr lang="fr-FR" sz="1800" b="0" i="0" noProof="0" dirty="0">
+          <a:endParaRPr lang="fr-FR" sz="1800" b="0" i="1" noProof="0" dirty="0">
             <a:latin typeface="Franklin Gothic Medium"/>
             <a:ea typeface="+mn-ea"/>
             <a:cs typeface="+mn-cs"/>
@@ -2066,6 +2090,7 @@
         <a:bodyPr/>
         <a:lstStyle/>
         <a:p>
+          <a:pPr algn="ctr"/>
           <a:endParaRPr lang="en-US"/>
         </a:p>
       </dgm:t>
@@ -2077,6 +2102,7 @@
         <a:bodyPr/>
         <a:lstStyle/>
         <a:p>
+          <a:pPr algn="ctr"/>
           <a:endParaRPr lang="en-US"/>
         </a:p>
       </dgm:t>
@@ -2088,7 +2114,7 @@
         <a:bodyPr/>
         <a:lstStyle/>
         <a:p>
-          <a:pPr algn="l" defTabSz="914400">
+          <a:pPr algn="ctr" defTabSz="914400">
             <a:buNone/>
           </a:pPr>
           <a:r>
@@ -2114,6 +2140,7 @@
         <a:bodyPr/>
         <a:lstStyle/>
         <a:p>
+          <a:pPr algn="ctr"/>
           <a:endParaRPr lang="en-US"/>
         </a:p>
       </dgm:t>
@@ -2125,6 +2152,7 @@
         <a:bodyPr/>
         <a:lstStyle/>
         <a:p>
+          <a:pPr algn="ctr"/>
           <a:endParaRPr lang="en-US"/>
         </a:p>
       </dgm:t>
@@ -3079,6 +3107,777 @@
       <dsp:cNvGrpSpPr/>
     </dsp:nvGrpSpPr>
     <dsp:grpSpPr/>
+    <dsp:sp modelId="{B752F9F5-2482-4D52-A33E-BE0263F4B0EA}">
+      <dsp:nvSpPr>
+        <dsp:cNvPr id="0" name=""/>
+        <dsp:cNvSpPr/>
+      </dsp:nvSpPr>
+      <dsp:spPr>
+        <a:xfrm>
+          <a:off x="0" y="3443976"/>
+          <a:ext cx="5334000" cy="1130389"/>
+        </a:xfrm>
+        <a:prstGeom prst="rect">
+          <a:avLst/>
+        </a:prstGeom>
+        <a:solidFill>
+          <a:schemeClr val="accent3">
+            <a:hueOff val="0"/>
+            <a:satOff val="0"/>
+            <a:lumOff val="0"/>
+            <a:alphaOff val="0"/>
+          </a:schemeClr>
+        </a:solidFill>
+        <a:ln w="12700" cap="flat" cmpd="sng" algn="ctr">
+          <a:solidFill>
+            <a:schemeClr val="lt1">
+              <a:hueOff val="0"/>
+              <a:satOff val="0"/>
+              <a:lumOff val="0"/>
+              <a:alphaOff val="0"/>
+            </a:schemeClr>
+          </a:solidFill>
+          <a:prstDash val="solid"/>
+          <a:miter lim="800000"/>
+        </a:ln>
+        <a:effectLst/>
+      </dsp:spPr>
+      <dsp:style>
+        <a:lnRef idx="2">
+          <a:scrgbClr r="0" g="0" b="0"/>
+        </a:lnRef>
+        <a:fillRef idx="1">
+          <a:scrgbClr r="0" g="0" b="0"/>
+        </a:fillRef>
+        <a:effectRef idx="0">
+          <a:scrgbClr r="0" g="0" b="0"/>
+        </a:effectRef>
+        <a:fontRef idx="minor">
+          <a:schemeClr val="lt1"/>
+        </a:fontRef>
+      </dsp:style>
+      <dsp:txBody>
+        <a:bodyPr spcFirstLastPara="0" vert="horz" wrap="square" lIns="156464" tIns="156464" rIns="156464" bIns="156464" numCol="1" spcCol="1270" anchor="ctr" anchorCtr="0">
+          <a:noAutofit/>
+        </a:bodyPr>
+        <a:lstStyle/>
+        <a:p>
+          <a:pPr lvl="0" algn="ctr" defTabSz="914400">
+            <a:lnSpc>
+              <a:spcPct val="90000"/>
+            </a:lnSpc>
+            <a:spcBef>
+              <a:spcPct val="0"/>
+            </a:spcBef>
+            <a:spcAft>
+              <a:spcPct val="35000"/>
+            </a:spcAft>
+            <a:buNone/>
+          </a:pPr>
+          <a:r>
+            <a:rPr lang="fr-FR" sz="2200" i="1" kern="1200" noProof="0" dirty="0" smtClean="0"/>
+            <a:t>Pour aller plus loin</a:t>
+          </a:r>
+          <a:endParaRPr lang="fr-FR" sz="2200" i="1" kern="1200" noProof="0" dirty="0"/>
+        </a:p>
+      </dsp:txBody>
+      <dsp:txXfrm>
+        <a:off x="0" y="3443976"/>
+        <a:ext cx="5334000" cy="610410"/>
+      </dsp:txXfrm>
+    </dsp:sp>
+    <dsp:sp modelId="{C4F2ADBF-C592-483D-A6FF-5DB9D2A90309}">
+      <dsp:nvSpPr>
+        <dsp:cNvPr id="0" name=""/>
+        <dsp:cNvSpPr/>
+      </dsp:nvSpPr>
+      <dsp:spPr>
+        <a:xfrm>
+          <a:off x="0" y="4031779"/>
+          <a:ext cx="2667000" cy="519979"/>
+        </a:xfrm>
+        <a:prstGeom prst="rect">
+          <a:avLst/>
+        </a:prstGeom>
+        <a:solidFill>
+          <a:schemeClr val="accent3">
+            <a:tint val="40000"/>
+            <a:alpha val="90000"/>
+            <a:hueOff val="0"/>
+            <a:satOff val="0"/>
+            <a:lumOff val="0"/>
+            <a:alphaOff val="0"/>
+          </a:schemeClr>
+        </a:solidFill>
+        <a:ln w="12700" cap="flat" cmpd="sng" algn="ctr">
+          <a:solidFill>
+            <a:schemeClr val="accent3">
+              <a:tint val="40000"/>
+              <a:alpha val="90000"/>
+              <a:hueOff val="0"/>
+              <a:satOff val="0"/>
+              <a:lumOff val="0"/>
+              <a:alphaOff val="0"/>
+            </a:schemeClr>
+          </a:solidFill>
+          <a:prstDash val="solid"/>
+          <a:miter lim="800000"/>
+        </a:ln>
+        <a:effectLst/>
+      </dsp:spPr>
+      <dsp:style>
+        <a:lnRef idx="2">
+          <a:scrgbClr r="0" g="0" b="0"/>
+        </a:lnRef>
+        <a:fillRef idx="1">
+          <a:scrgbClr r="0" g="0" b="0"/>
+        </a:fillRef>
+        <a:effectRef idx="0">
+          <a:scrgbClr r="0" g="0" b="0"/>
+        </a:effectRef>
+        <a:fontRef idx="minor"/>
+      </dsp:style>
+      <dsp:txBody>
+        <a:bodyPr spcFirstLastPara="0" vert="horz" wrap="square" lIns="156464" tIns="27940" rIns="156464" bIns="27940" numCol="1" spcCol="1270" anchor="ctr" anchorCtr="0">
+          <a:noAutofit/>
+        </a:bodyPr>
+        <a:lstStyle/>
+        <a:p>
+          <a:pPr lvl="0" algn="ctr" defTabSz="914400">
+            <a:lnSpc>
+              <a:spcPct val="90000"/>
+            </a:lnSpc>
+            <a:spcBef>
+              <a:spcPct val="0"/>
+            </a:spcBef>
+            <a:spcAft>
+              <a:spcPct val="35000"/>
+            </a:spcAft>
+            <a:buNone/>
+          </a:pPr>
+          <a:r>
+            <a:rPr lang="fr-FR" sz="2200" b="0" i="1" kern="1200" noProof="0" dirty="0" smtClean="0">
+              <a:latin typeface="Franklin Gothic Medium"/>
+              <a:ea typeface="+mn-ea"/>
+              <a:cs typeface="+mn-cs"/>
+            </a:rPr>
+            <a:t>Reconstitution</a:t>
+          </a:r>
+          <a:endParaRPr lang="fr-FR" sz="2200" b="0" i="1" kern="1200" noProof="0" dirty="0">
+            <a:latin typeface="Franklin Gothic Medium"/>
+            <a:ea typeface="+mn-ea"/>
+            <a:cs typeface="+mn-cs"/>
+          </a:endParaRPr>
+        </a:p>
+      </dsp:txBody>
+      <dsp:txXfrm>
+        <a:off x="0" y="4031779"/>
+        <a:ext cx="2667000" cy="519979"/>
+      </dsp:txXfrm>
+    </dsp:sp>
+    <dsp:sp modelId="{0F0AC827-ACAE-4C23-875D-A4B53006A73F}">
+      <dsp:nvSpPr>
+        <dsp:cNvPr id="0" name=""/>
+        <dsp:cNvSpPr/>
+      </dsp:nvSpPr>
+      <dsp:spPr>
+        <a:xfrm>
+          <a:off x="2667000" y="4031779"/>
+          <a:ext cx="2667000" cy="519979"/>
+        </a:xfrm>
+        <a:prstGeom prst="rect">
+          <a:avLst/>
+        </a:prstGeom>
+        <a:solidFill>
+          <a:schemeClr val="accent3">
+            <a:tint val="40000"/>
+            <a:alpha val="90000"/>
+            <a:hueOff val="405828"/>
+            <a:satOff val="20000"/>
+            <a:lumOff val="356"/>
+            <a:alphaOff val="0"/>
+          </a:schemeClr>
+        </a:solidFill>
+        <a:ln w="12700" cap="flat" cmpd="sng" algn="ctr">
+          <a:solidFill>
+            <a:schemeClr val="accent3">
+              <a:tint val="40000"/>
+              <a:alpha val="90000"/>
+              <a:hueOff val="405828"/>
+              <a:satOff val="20000"/>
+              <a:lumOff val="356"/>
+              <a:alphaOff val="0"/>
+            </a:schemeClr>
+          </a:solidFill>
+          <a:prstDash val="solid"/>
+          <a:miter lim="800000"/>
+        </a:ln>
+        <a:effectLst/>
+      </dsp:spPr>
+      <dsp:style>
+        <a:lnRef idx="2">
+          <a:scrgbClr r="0" g="0" b="0"/>
+        </a:lnRef>
+        <a:fillRef idx="1">
+          <a:scrgbClr r="0" g="0" b="0"/>
+        </a:fillRef>
+        <a:effectRef idx="0">
+          <a:scrgbClr r="0" g="0" b="0"/>
+        </a:effectRef>
+        <a:fontRef idx="minor"/>
+      </dsp:style>
+      <dsp:txBody>
+        <a:bodyPr spcFirstLastPara="0" vert="horz" wrap="square" lIns="156464" tIns="27940" rIns="156464" bIns="27940" numCol="1" spcCol="1270" anchor="ctr" anchorCtr="0">
+          <a:noAutofit/>
+        </a:bodyPr>
+        <a:lstStyle/>
+        <a:p>
+          <a:pPr lvl="0" algn="ctr" defTabSz="914400">
+            <a:lnSpc>
+              <a:spcPct val="90000"/>
+            </a:lnSpc>
+            <a:spcBef>
+              <a:spcPct val="0"/>
+            </a:spcBef>
+            <a:spcAft>
+              <a:spcPct val="35000"/>
+            </a:spcAft>
+            <a:buNone/>
+          </a:pPr>
+          <a:r>
+            <a:rPr lang="fr-FR" sz="2200" b="0" i="0" kern="1200" noProof="0" dirty="0" smtClean="0">
+              <a:latin typeface="Franklin Gothic Medium"/>
+              <a:ea typeface="+mn-ea"/>
+              <a:cs typeface="+mn-cs"/>
+            </a:rPr>
+            <a:t>…</a:t>
+          </a:r>
+          <a:endParaRPr lang="fr-FR" sz="2200" b="0" i="0" kern="1200" noProof="0" dirty="0">
+            <a:latin typeface="Franklin Gothic Medium"/>
+            <a:ea typeface="+mn-ea"/>
+            <a:cs typeface="+mn-cs"/>
+          </a:endParaRPr>
+        </a:p>
+      </dsp:txBody>
+      <dsp:txXfrm>
+        <a:off x="2667000" y="4031779"/>
+        <a:ext cx="2667000" cy="519979"/>
+      </dsp:txXfrm>
+    </dsp:sp>
+    <dsp:sp modelId="{80AD606B-F25E-46DF-B405-18F7D2EAE74A}">
+      <dsp:nvSpPr>
+        <dsp:cNvPr id="0" name=""/>
+        <dsp:cNvSpPr/>
+      </dsp:nvSpPr>
+      <dsp:spPr>
+        <a:xfrm rot="10800000">
+          <a:off x="0" y="1722392"/>
+          <a:ext cx="5334000" cy="1738539"/>
+        </a:xfrm>
+        <a:prstGeom prst="upArrowCallout">
+          <a:avLst/>
+        </a:prstGeom>
+        <a:solidFill>
+          <a:schemeClr val="accent3">
+            <a:hueOff val="1355300"/>
+            <a:satOff val="50000"/>
+            <a:lumOff val="-7353"/>
+            <a:alphaOff val="0"/>
+          </a:schemeClr>
+        </a:solidFill>
+        <a:ln w="12700" cap="flat" cmpd="sng" algn="ctr">
+          <a:solidFill>
+            <a:schemeClr val="lt1">
+              <a:hueOff val="0"/>
+              <a:satOff val="0"/>
+              <a:lumOff val="0"/>
+              <a:alphaOff val="0"/>
+            </a:schemeClr>
+          </a:solidFill>
+          <a:prstDash val="solid"/>
+          <a:miter lim="800000"/>
+        </a:ln>
+        <a:effectLst/>
+      </dsp:spPr>
+      <dsp:style>
+        <a:lnRef idx="2">
+          <a:scrgbClr r="0" g="0" b="0"/>
+        </a:lnRef>
+        <a:fillRef idx="1">
+          <a:scrgbClr r="0" g="0" b="0"/>
+        </a:fillRef>
+        <a:effectRef idx="0">
+          <a:scrgbClr r="0" g="0" b="0"/>
+        </a:effectRef>
+        <a:fontRef idx="minor">
+          <a:schemeClr val="lt1"/>
+        </a:fontRef>
+      </dsp:style>
+      <dsp:txBody>
+        <a:bodyPr spcFirstLastPara="0" vert="horz" wrap="square" lIns="156464" tIns="156464" rIns="156464" bIns="156464" numCol="1" spcCol="1270" anchor="ctr" anchorCtr="0">
+          <a:noAutofit/>
+        </a:bodyPr>
+        <a:lstStyle/>
+        <a:p>
+          <a:pPr lvl="0" algn="ctr" defTabSz="914400">
+            <a:lnSpc>
+              <a:spcPct val="90000"/>
+            </a:lnSpc>
+            <a:spcBef>
+              <a:spcPct val="0"/>
+            </a:spcBef>
+            <a:spcAft>
+              <a:spcPct val="35000"/>
+            </a:spcAft>
+            <a:buNone/>
+          </a:pPr>
+          <a:r>
+            <a:rPr lang="fr-FR" sz="2200" kern="1200" noProof="0" dirty="0" smtClean="0"/>
+            <a:t>Traitement</a:t>
+          </a:r>
+          <a:endParaRPr lang="fr-FR" sz="2200" kern="1200" noProof="0" dirty="0"/>
+        </a:p>
+      </dsp:txBody>
+      <dsp:txXfrm rot="-10800000">
+        <a:off x="0" y="1722392"/>
+        <a:ext cx="5334000" cy="610227"/>
+      </dsp:txXfrm>
+    </dsp:sp>
+    <dsp:sp modelId="{A8E0F749-66B2-490B-99E9-CC106B163B16}">
+      <dsp:nvSpPr>
+        <dsp:cNvPr id="0" name=""/>
+        <dsp:cNvSpPr/>
+      </dsp:nvSpPr>
+      <dsp:spPr>
+        <a:xfrm>
+          <a:off x="0" y="2332619"/>
+          <a:ext cx="2667000" cy="519823"/>
+        </a:xfrm>
+        <a:prstGeom prst="rect">
+          <a:avLst/>
+        </a:prstGeom>
+        <a:solidFill>
+          <a:schemeClr val="accent3">
+            <a:tint val="40000"/>
+            <a:alpha val="90000"/>
+            <a:hueOff val="811656"/>
+            <a:satOff val="40000"/>
+            <a:lumOff val="712"/>
+            <a:alphaOff val="0"/>
+          </a:schemeClr>
+        </a:solidFill>
+        <a:ln w="12700" cap="flat" cmpd="sng" algn="ctr">
+          <a:solidFill>
+            <a:schemeClr val="accent3">
+              <a:tint val="40000"/>
+              <a:alpha val="90000"/>
+              <a:hueOff val="811656"/>
+              <a:satOff val="40000"/>
+              <a:lumOff val="712"/>
+              <a:alphaOff val="0"/>
+            </a:schemeClr>
+          </a:solidFill>
+          <a:prstDash val="solid"/>
+          <a:miter lim="800000"/>
+        </a:ln>
+        <a:effectLst/>
+      </dsp:spPr>
+      <dsp:style>
+        <a:lnRef idx="2">
+          <a:scrgbClr r="0" g="0" b="0"/>
+        </a:lnRef>
+        <a:fillRef idx="1">
+          <a:scrgbClr r="0" g="0" b="0"/>
+        </a:fillRef>
+        <a:effectRef idx="0">
+          <a:scrgbClr r="0" g="0" b="0"/>
+        </a:effectRef>
+        <a:fontRef idx="minor"/>
+      </dsp:style>
+      <dsp:txBody>
+        <a:bodyPr spcFirstLastPara="0" vert="horz" wrap="square" lIns="156464" tIns="27940" rIns="156464" bIns="27940" numCol="1" spcCol="1270" anchor="ctr" anchorCtr="0">
+          <a:noAutofit/>
+        </a:bodyPr>
+        <a:lstStyle/>
+        <a:p>
+          <a:pPr lvl="0" algn="ctr" defTabSz="914400">
+            <a:lnSpc>
+              <a:spcPct val="90000"/>
+            </a:lnSpc>
+            <a:spcBef>
+              <a:spcPct val="0"/>
+            </a:spcBef>
+            <a:spcAft>
+              <a:spcPct val="35000"/>
+            </a:spcAft>
+            <a:buNone/>
+          </a:pPr>
+          <a:r>
+            <a:rPr lang="fr-FR" sz="2200" b="0" i="0" kern="1200" noProof="0" dirty="0" smtClean="0">
+              <a:latin typeface="Franklin Gothic Medium"/>
+              <a:ea typeface="+mn-ea"/>
+              <a:cs typeface="+mn-cs"/>
+            </a:rPr>
+            <a:t>Comparaison</a:t>
+          </a:r>
+          <a:endParaRPr lang="fr-FR" sz="2200" b="0" i="0" kern="1200" noProof="0" dirty="0">
+            <a:latin typeface="Franklin Gothic Medium"/>
+            <a:ea typeface="+mn-ea"/>
+            <a:cs typeface="+mn-cs"/>
+          </a:endParaRPr>
+        </a:p>
+      </dsp:txBody>
+      <dsp:txXfrm>
+        <a:off x="0" y="2332619"/>
+        <a:ext cx="2667000" cy="519823"/>
+      </dsp:txXfrm>
+    </dsp:sp>
+    <dsp:sp modelId="{A6EE397C-6C28-4128-BFFE-CFF44F70153F}">
+      <dsp:nvSpPr>
+        <dsp:cNvPr id="0" name=""/>
+        <dsp:cNvSpPr/>
+      </dsp:nvSpPr>
+      <dsp:spPr>
+        <a:xfrm>
+          <a:off x="2667000" y="2332619"/>
+          <a:ext cx="2667000" cy="519823"/>
+        </a:xfrm>
+        <a:prstGeom prst="rect">
+          <a:avLst/>
+        </a:prstGeom>
+        <a:solidFill>
+          <a:schemeClr val="accent3">
+            <a:tint val="40000"/>
+            <a:alpha val="90000"/>
+            <a:hueOff val="1217485"/>
+            <a:satOff val="60000"/>
+            <a:lumOff val="1067"/>
+            <a:alphaOff val="0"/>
+          </a:schemeClr>
+        </a:solidFill>
+        <a:ln w="12700" cap="flat" cmpd="sng" algn="ctr">
+          <a:solidFill>
+            <a:schemeClr val="accent3">
+              <a:tint val="40000"/>
+              <a:alpha val="90000"/>
+              <a:hueOff val="1217485"/>
+              <a:satOff val="60000"/>
+              <a:lumOff val="1067"/>
+              <a:alphaOff val="0"/>
+            </a:schemeClr>
+          </a:solidFill>
+          <a:prstDash val="solid"/>
+          <a:miter lim="800000"/>
+        </a:ln>
+        <a:effectLst/>
+      </dsp:spPr>
+      <dsp:style>
+        <a:lnRef idx="2">
+          <a:scrgbClr r="0" g="0" b="0"/>
+        </a:lnRef>
+        <a:fillRef idx="1">
+          <a:scrgbClr r="0" g="0" b="0"/>
+        </a:fillRef>
+        <a:effectRef idx="0">
+          <a:scrgbClr r="0" g="0" b="0"/>
+        </a:effectRef>
+        <a:fontRef idx="minor"/>
+      </dsp:style>
+      <dsp:txBody>
+        <a:bodyPr spcFirstLastPara="0" vert="horz" wrap="square" lIns="156464" tIns="27940" rIns="156464" bIns="27940" numCol="1" spcCol="1270" anchor="ctr" anchorCtr="0">
+          <a:noAutofit/>
+        </a:bodyPr>
+        <a:lstStyle/>
+        <a:p>
+          <a:pPr lvl="0" algn="ctr" defTabSz="914400">
+            <a:lnSpc>
+              <a:spcPct val="90000"/>
+            </a:lnSpc>
+            <a:spcBef>
+              <a:spcPct val="0"/>
+            </a:spcBef>
+            <a:spcAft>
+              <a:spcPct val="35000"/>
+            </a:spcAft>
+            <a:buNone/>
+          </a:pPr>
+          <a:r>
+            <a:rPr lang="fr-FR" sz="2200" b="0" i="0" kern="1200" noProof="0" dirty="0" smtClean="0">
+              <a:latin typeface="Franklin Gothic Medium"/>
+              <a:ea typeface="+mn-ea"/>
+              <a:cs typeface="+mn-cs"/>
+            </a:rPr>
+            <a:t>Détection</a:t>
+          </a:r>
+          <a:endParaRPr lang="fr-FR" sz="2200" b="0" i="0" kern="1200" noProof="0" dirty="0">
+            <a:latin typeface="Franklin Gothic Medium"/>
+            <a:ea typeface="+mn-ea"/>
+            <a:cs typeface="+mn-cs"/>
+          </a:endParaRPr>
+        </a:p>
+      </dsp:txBody>
+      <dsp:txXfrm>
+        <a:off x="2667000" y="2332619"/>
+        <a:ext cx="2667000" cy="519823"/>
+      </dsp:txXfrm>
+    </dsp:sp>
+    <dsp:sp modelId="{A48265CE-F3A3-46DB-9DD2-97590B4DBB84}">
+      <dsp:nvSpPr>
+        <dsp:cNvPr id="0" name=""/>
+        <dsp:cNvSpPr/>
+      </dsp:nvSpPr>
+      <dsp:spPr>
+        <a:xfrm rot="10800000">
+          <a:off x="0" y="808"/>
+          <a:ext cx="5334000" cy="1738539"/>
+        </a:xfrm>
+        <a:prstGeom prst="upArrowCallout">
+          <a:avLst/>
+        </a:prstGeom>
+        <a:solidFill>
+          <a:schemeClr val="accent3">
+            <a:hueOff val="2710599"/>
+            <a:satOff val="100000"/>
+            <a:lumOff val="-14706"/>
+            <a:alphaOff val="0"/>
+          </a:schemeClr>
+        </a:solidFill>
+        <a:ln w="12700" cap="flat" cmpd="sng" algn="ctr">
+          <a:solidFill>
+            <a:schemeClr val="lt1">
+              <a:hueOff val="0"/>
+              <a:satOff val="0"/>
+              <a:lumOff val="0"/>
+              <a:alphaOff val="0"/>
+            </a:schemeClr>
+          </a:solidFill>
+          <a:prstDash val="solid"/>
+          <a:miter lim="800000"/>
+        </a:ln>
+        <a:effectLst/>
+      </dsp:spPr>
+      <dsp:style>
+        <a:lnRef idx="2">
+          <a:scrgbClr r="0" g="0" b="0"/>
+        </a:lnRef>
+        <a:fillRef idx="1">
+          <a:scrgbClr r="0" g="0" b="0"/>
+        </a:fillRef>
+        <a:effectRef idx="0">
+          <a:scrgbClr r="0" g="0" b="0"/>
+        </a:effectRef>
+        <a:fontRef idx="minor">
+          <a:schemeClr val="lt1"/>
+        </a:fontRef>
+      </dsp:style>
+      <dsp:txBody>
+        <a:bodyPr spcFirstLastPara="0" vert="horz" wrap="square" lIns="156464" tIns="156464" rIns="156464" bIns="156464" numCol="1" spcCol="1270" anchor="ctr" anchorCtr="0">
+          <a:noAutofit/>
+        </a:bodyPr>
+        <a:lstStyle/>
+        <a:p>
+          <a:pPr lvl="0" algn="ctr" defTabSz="914400">
+            <a:lnSpc>
+              <a:spcPct val="90000"/>
+            </a:lnSpc>
+            <a:spcBef>
+              <a:spcPct val="0"/>
+            </a:spcBef>
+            <a:spcAft>
+              <a:spcPct val="35000"/>
+            </a:spcAft>
+            <a:buNone/>
+          </a:pPr>
+          <a:r>
+            <a:rPr lang="fr-FR" sz="2200" kern="1200" noProof="0" dirty="0" smtClean="0"/>
+            <a:t>Caractérisation d’un signal</a:t>
+          </a:r>
+          <a:endParaRPr lang="fr-FR" sz="2200" kern="1200" noProof="0" dirty="0"/>
+        </a:p>
+      </dsp:txBody>
+      <dsp:txXfrm rot="-10800000">
+        <a:off x="0" y="808"/>
+        <a:ext cx="5334000" cy="610227"/>
+      </dsp:txXfrm>
+    </dsp:sp>
+    <dsp:sp modelId="{59FFE57C-E5F2-4FBD-AA4D-8DB27381892F}">
+      <dsp:nvSpPr>
+        <dsp:cNvPr id="0" name=""/>
+        <dsp:cNvSpPr/>
+      </dsp:nvSpPr>
+      <dsp:spPr>
+        <a:xfrm>
+          <a:off x="0" y="611036"/>
+          <a:ext cx="2667000" cy="519823"/>
+        </a:xfrm>
+        <a:prstGeom prst="rect">
+          <a:avLst/>
+        </a:prstGeom>
+        <a:solidFill>
+          <a:schemeClr val="accent3">
+            <a:tint val="40000"/>
+            <a:alpha val="90000"/>
+            <a:hueOff val="1623313"/>
+            <a:satOff val="80000"/>
+            <a:lumOff val="1423"/>
+            <a:alphaOff val="0"/>
+          </a:schemeClr>
+        </a:solidFill>
+        <a:ln w="12700" cap="flat" cmpd="sng" algn="ctr">
+          <a:solidFill>
+            <a:schemeClr val="accent3">
+              <a:tint val="40000"/>
+              <a:alpha val="90000"/>
+              <a:hueOff val="1623313"/>
+              <a:satOff val="80000"/>
+              <a:lumOff val="1423"/>
+              <a:alphaOff val="0"/>
+            </a:schemeClr>
+          </a:solidFill>
+          <a:prstDash val="solid"/>
+          <a:miter lim="800000"/>
+        </a:ln>
+        <a:effectLst/>
+      </dsp:spPr>
+      <dsp:style>
+        <a:lnRef idx="2">
+          <a:scrgbClr r="0" g="0" b="0"/>
+        </a:lnRef>
+        <a:fillRef idx="1">
+          <a:scrgbClr r="0" g="0" b="0"/>
+        </a:fillRef>
+        <a:effectRef idx="0">
+          <a:scrgbClr r="0" g="0" b="0"/>
+        </a:effectRef>
+        <a:fontRef idx="minor"/>
+      </dsp:style>
+      <dsp:txBody>
+        <a:bodyPr spcFirstLastPara="0" vert="horz" wrap="square" lIns="156464" tIns="27940" rIns="156464" bIns="27940" numCol="1" spcCol="1270" anchor="ctr" anchorCtr="0">
+          <a:noAutofit/>
+        </a:bodyPr>
+        <a:lstStyle/>
+        <a:p>
+          <a:pPr lvl="0" algn="ctr" defTabSz="914400">
+            <a:lnSpc>
+              <a:spcPct val="90000"/>
+            </a:lnSpc>
+            <a:spcBef>
+              <a:spcPct val="0"/>
+            </a:spcBef>
+            <a:spcAft>
+              <a:spcPct val="35000"/>
+            </a:spcAft>
+            <a:buNone/>
+          </a:pPr>
+          <a:r>
+            <a:rPr lang="fr-FR" sz="2200" b="0" i="0" kern="1200" noProof="0" dirty="0" smtClean="0">
+              <a:latin typeface="Franklin Gothic Medium"/>
+              <a:ea typeface="+mn-ea"/>
+              <a:cs typeface="+mn-cs"/>
+            </a:rPr>
+            <a:t>Spectre</a:t>
+          </a:r>
+          <a:endParaRPr lang="fr-FR" sz="2200" b="0" i="0" kern="1200" noProof="0" dirty="0">
+            <a:latin typeface="Franklin Gothic Medium"/>
+            <a:ea typeface="+mn-ea"/>
+            <a:cs typeface="+mn-cs"/>
+          </a:endParaRPr>
+        </a:p>
+      </dsp:txBody>
+      <dsp:txXfrm>
+        <a:off x="0" y="611036"/>
+        <a:ext cx="2667000" cy="519823"/>
+      </dsp:txXfrm>
+    </dsp:sp>
+    <dsp:sp modelId="{3EC7D028-ECEA-492B-A6F1-68E9B57B69C6}">
+      <dsp:nvSpPr>
+        <dsp:cNvPr id="0" name=""/>
+        <dsp:cNvSpPr/>
+      </dsp:nvSpPr>
+      <dsp:spPr>
+        <a:xfrm>
+          <a:off x="2667000" y="611036"/>
+          <a:ext cx="2667000" cy="519823"/>
+        </a:xfrm>
+        <a:prstGeom prst="rect">
+          <a:avLst/>
+        </a:prstGeom>
+        <a:solidFill>
+          <a:schemeClr val="accent3">
+            <a:tint val="40000"/>
+            <a:alpha val="90000"/>
+            <a:hueOff val="2029141"/>
+            <a:satOff val="100000"/>
+            <a:lumOff val="1779"/>
+            <a:alphaOff val="0"/>
+          </a:schemeClr>
+        </a:solidFill>
+        <a:ln w="12700" cap="flat" cmpd="sng" algn="ctr">
+          <a:solidFill>
+            <a:schemeClr val="accent3">
+              <a:tint val="40000"/>
+              <a:alpha val="90000"/>
+              <a:hueOff val="2029141"/>
+              <a:satOff val="100000"/>
+              <a:lumOff val="1779"/>
+              <a:alphaOff val="0"/>
+            </a:schemeClr>
+          </a:solidFill>
+          <a:prstDash val="solid"/>
+          <a:miter lim="800000"/>
+        </a:ln>
+        <a:effectLst/>
+      </dsp:spPr>
+      <dsp:style>
+        <a:lnRef idx="2">
+          <a:scrgbClr r="0" g="0" b="0"/>
+        </a:lnRef>
+        <a:fillRef idx="1">
+          <a:scrgbClr r="0" g="0" b="0"/>
+        </a:fillRef>
+        <a:effectRef idx="0">
+          <a:scrgbClr r="0" g="0" b="0"/>
+        </a:effectRef>
+        <a:fontRef idx="minor"/>
+      </dsp:style>
+      <dsp:txBody>
+        <a:bodyPr spcFirstLastPara="0" vert="horz" wrap="square" lIns="156464" tIns="27940" rIns="156464" bIns="27940" numCol="1" spcCol="1270" anchor="ctr" anchorCtr="0">
+          <a:noAutofit/>
+        </a:bodyPr>
+        <a:lstStyle/>
+        <a:p>
+          <a:pPr lvl="0" algn="ctr" defTabSz="914400">
+            <a:lnSpc>
+              <a:spcPct val="90000"/>
+            </a:lnSpc>
+            <a:spcBef>
+              <a:spcPct val="0"/>
+            </a:spcBef>
+            <a:spcAft>
+              <a:spcPct val="35000"/>
+            </a:spcAft>
+            <a:buNone/>
+          </a:pPr>
+          <a:r>
+            <a:rPr lang="fr-FR" sz="2200" b="0" i="0" kern="1200" noProof="0" dirty="0" smtClean="0">
+              <a:latin typeface="Franklin Gothic Medium"/>
+              <a:ea typeface="+mn-ea"/>
+              <a:cs typeface="+mn-cs"/>
+            </a:rPr>
+            <a:t>Valeurs singulières</a:t>
+          </a:r>
+          <a:endParaRPr lang="fr-FR" sz="2200" b="0" i="0" kern="1200" noProof="0" dirty="0">
+            <a:latin typeface="Franklin Gothic Medium"/>
+            <a:ea typeface="+mn-ea"/>
+            <a:cs typeface="+mn-cs"/>
+          </a:endParaRPr>
+        </a:p>
+      </dsp:txBody>
+      <dsp:txXfrm>
+        <a:off x="2667000" y="611036"/>
+        <a:ext cx="2667000" cy="519823"/>
+      </dsp:txXfrm>
+    </dsp:sp>
   </dsp:spTree>
 </dsp:drawing>
 </file>
@@ -3091,6 +3890,777 @@
       <dsp:cNvGrpSpPr/>
     </dsp:nvGrpSpPr>
     <dsp:grpSpPr/>
+    <dsp:sp modelId="{B752F9F5-2482-4D52-A33E-BE0263F4B0EA}">
+      <dsp:nvSpPr>
+        <dsp:cNvPr id="0" name=""/>
+        <dsp:cNvSpPr/>
+      </dsp:nvSpPr>
+      <dsp:spPr>
+        <a:xfrm>
+          <a:off x="0" y="3443976"/>
+          <a:ext cx="5334000" cy="1130389"/>
+        </a:xfrm>
+        <a:prstGeom prst="rect">
+          <a:avLst/>
+        </a:prstGeom>
+        <a:solidFill>
+          <a:schemeClr val="accent3">
+            <a:hueOff val="0"/>
+            <a:satOff val="0"/>
+            <a:lumOff val="0"/>
+            <a:alphaOff val="0"/>
+          </a:schemeClr>
+        </a:solidFill>
+        <a:ln w="12700" cap="flat" cmpd="sng" algn="ctr">
+          <a:solidFill>
+            <a:schemeClr val="lt1">
+              <a:hueOff val="0"/>
+              <a:satOff val="0"/>
+              <a:lumOff val="0"/>
+              <a:alphaOff val="0"/>
+            </a:schemeClr>
+          </a:solidFill>
+          <a:prstDash val="solid"/>
+          <a:miter lim="800000"/>
+        </a:ln>
+        <a:effectLst/>
+      </dsp:spPr>
+      <dsp:style>
+        <a:lnRef idx="2">
+          <a:scrgbClr r="0" g="0" b="0"/>
+        </a:lnRef>
+        <a:fillRef idx="1">
+          <a:scrgbClr r="0" g="0" b="0"/>
+        </a:fillRef>
+        <a:effectRef idx="0">
+          <a:scrgbClr r="0" g="0" b="0"/>
+        </a:effectRef>
+        <a:fontRef idx="minor">
+          <a:schemeClr val="lt1"/>
+        </a:fontRef>
+      </dsp:style>
+      <dsp:txBody>
+        <a:bodyPr spcFirstLastPara="0" vert="horz" wrap="square" lIns="156464" tIns="156464" rIns="156464" bIns="156464" numCol="1" spcCol="1270" anchor="ctr" anchorCtr="0">
+          <a:noAutofit/>
+        </a:bodyPr>
+        <a:lstStyle/>
+        <a:p>
+          <a:pPr lvl="0" algn="ctr" defTabSz="914400">
+            <a:lnSpc>
+              <a:spcPct val="90000"/>
+            </a:lnSpc>
+            <a:spcBef>
+              <a:spcPct val="0"/>
+            </a:spcBef>
+            <a:spcAft>
+              <a:spcPct val="35000"/>
+            </a:spcAft>
+            <a:buNone/>
+          </a:pPr>
+          <a:r>
+            <a:rPr lang="fr-FR" sz="2200" kern="1200" noProof="0" dirty="0" smtClean="0"/>
+            <a:t>Étape 3</a:t>
+          </a:r>
+          <a:endParaRPr lang="fr-FR" sz="2200" kern="1200" noProof="0" dirty="0"/>
+        </a:p>
+      </dsp:txBody>
+      <dsp:txXfrm>
+        <a:off x="0" y="3443976"/>
+        <a:ext cx="5334000" cy="610410"/>
+      </dsp:txXfrm>
+    </dsp:sp>
+    <dsp:sp modelId="{C4F2ADBF-C592-483D-A6FF-5DB9D2A90309}">
+      <dsp:nvSpPr>
+        <dsp:cNvPr id="0" name=""/>
+        <dsp:cNvSpPr/>
+      </dsp:nvSpPr>
+      <dsp:spPr>
+        <a:xfrm>
+          <a:off x="0" y="4031779"/>
+          <a:ext cx="2667000" cy="519979"/>
+        </a:xfrm>
+        <a:prstGeom prst="rect">
+          <a:avLst/>
+        </a:prstGeom>
+        <a:solidFill>
+          <a:schemeClr val="accent3">
+            <a:tint val="40000"/>
+            <a:alpha val="90000"/>
+            <a:hueOff val="0"/>
+            <a:satOff val="0"/>
+            <a:lumOff val="0"/>
+            <a:alphaOff val="0"/>
+          </a:schemeClr>
+        </a:solidFill>
+        <a:ln w="12700" cap="flat" cmpd="sng" algn="ctr">
+          <a:solidFill>
+            <a:schemeClr val="accent3">
+              <a:tint val="40000"/>
+              <a:alpha val="90000"/>
+              <a:hueOff val="0"/>
+              <a:satOff val="0"/>
+              <a:lumOff val="0"/>
+              <a:alphaOff val="0"/>
+            </a:schemeClr>
+          </a:solidFill>
+          <a:prstDash val="solid"/>
+          <a:miter lim="800000"/>
+        </a:ln>
+        <a:effectLst/>
+      </dsp:spPr>
+      <dsp:style>
+        <a:lnRef idx="2">
+          <a:scrgbClr r="0" g="0" b="0"/>
+        </a:lnRef>
+        <a:fillRef idx="1">
+          <a:scrgbClr r="0" g="0" b="0"/>
+        </a:fillRef>
+        <a:effectRef idx="0">
+          <a:scrgbClr r="0" g="0" b="0"/>
+        </a:effectRef>
+        <a:fontRef idx="minor"/>
+      </dsp:style>
+      <dsp:txBody>
+        <a:bodyPr spcFirstLastPara="0" vert="horz" wrap="square" lIns="135128" tIns="24130" rIns="135128" bIns="24130" numCol="1" spcCol="1270" anchor="ctr" anchorCtr="0">
+          <a:noAutofit/>
+        </a:bodyPr>
+        <a:lstStyle/>
+        <a:p>
+          <a:pPr lvl="0" algn="l" defTabSz="914400">
+            <a:lnSpc>
+              <a:spcPct val="90000"/>
+            </a:lnSpc>
+            <a:spcBef>
+              <a:spcPct val="0"/>
+            </a:spcBef>
+            <a:spcAft>
+              <a:spcPct val="35000"/>
+            </a:spcAft>
+            <a:buNone/>
+          </a:pPr>
+          <a:r>
+            <a:rPr lang="fr-FR" sz="1900" b="0" i="0" kern="1200" noProof="0" dirty="0" smtClean="0">
+              <a:latin typeface="Franklin Gothic Medium"/>
+              <a:ea typeface="+mn-ea"/>
+              <a:cs typeface="+mn-cs"/>
+            </a:rPr>
+            <a:t>Description de la tâche</a:t>
+          </a:r>
+          <a:endParaRPr lang="fr-FR" sz="1900" b="0" i="0" kern="1200" noProof="0" dirty="0">
+            <a:latin typeface="Franklin Gothic Medium"/>
+            <a:ea typeface="+mn-ea"/>
+            <a:cs typeface="+mn-cs"/>
+          </a:endParaRPr>
+        </a:p>
+      </dsp:txBody>
+      <dsp:txXfrm>
+        <a:off x="0" y="4031779"/>
+        <a:ext cx="2667000" cy="519979"/>
+      </dsp:txXfrm>
+    </dsp:sp>
+    <dsp:sp modelId="{0F0AC827-ACAE-4C23-875D-A4B53006A73F}">
+      <dsp:nvSpPr>
+        <dsp:cNvPr id="0" name=""/>
+        <dsp:cNvSpPr/>
+      </dsp:nvSpPr>
+      <dsp:spPr>
+        <a:xfrm>
+          <a:off x="2667000" y="4031779"/>
+          <a:ext cx="2667000" cy="519979"/>
+        </a:xfrm>
+        <a:prstGeom prst="rect">
+          <a:avLst/>
+        </a:prstGeom>
+        <a:solidFill>
+          <a:schemeClr val="accent3">
+            <a:tint val="40000"/>
+            <a:alpha val="90000"/>
+            <a:hueOff val="405828"/>
+            <a:satOff val="20000"/>
+            <a:lumOff val="356"/>
+            <a:alphaOff val="0"/>
+          </a:schemeClr>
+        </a:solidFill>
+        <a:ln w="12700" cap="flat" cmpd="sng" algn="ctr">
+          <a:solidFill>
+            <a:schemeClr val="accent3">
+              <a:tint val="40000"/>
+              <a:alpha val="90000"/>
+              <a:hueOff val="405828"/>
+              <a:satOff val="20000"/>
+              <a:lumOff val="356"/>
+              <a:alphaOff val="0"/>
+            </a:schemeClr>
+          </a:solidFill>
+          <a:prstDash val="solid"/>
+          <a:miter lim="800000"/>
+        </a:ln>
+        <a:effectLst/>
+      </dsp:spPr>
+      <dsp:style>
+        <a:lnRef idx="2">
+          <a:scrgbClr r="0" g="0" b="0"/>
+        </a:lnRef>
+        <a:fillRef idx="1">
+          <a:scrgbClr r="0" g="0" b="0"/>
+        </a:fillRef>
+        <a:effectRef idx="0">
+          <a:scrgbClr r="0" g="0" b="0"/>
+        </a:effectRef>
+        <a:fontRef idx="minor"/>
+      </dsp:style>
+      <dsp:txBody>
+        <a:bodyPr spcFirstLastPara="0" vert="horz" wrap="square" lIns="135128" tIns="24130" rIns="135128" bIns="24130" numCol="1" spcCol="1270" anchor="ctr" anchorCtr="0">
+          <a:noAutofit/>
+        </a:bodyPr>
+        <a:lstStyle/>
+        <a:p>
+          <a:pPr lvl="0" algn="l" defTabSz="914400">
+            <a:lnSpc>
+              <a:spcPct val="90000"/>
+            </a:lnSpc>
+            <a:spcBef>
+              <a:spcPct val="0"/>
+            </a:spcBef>
+            <a:spcAft>
+              <a:spcPct val="35000"/>
+            </a:spcAft>
+            <a:buNone/>
+          </a:pPr>
+          <a:r>
+            <a:rPr lang="fr-FR" sz="1900" b="0" i="0" kern="1200" noProof="0" dirty="0" smtClean="0">
+              <a:latin typeface="Franklin Gothic Medium"/>
+              <a:ea typeface="+mn-ea"/>
+              <a:cs typeface="+mn-cs"/>
+            </a:rPr>
+            <a:t>Description de la tâche</a:t>
+          </a:r>
+          <a:endParaRPr lang="fr-FR" sz="1900" b="0" i="0" kern="1200" noProof="0" dirty="0">
+            <a:latin typeface="Franklin Gothic Medium"/>
+            <a:ea typeface="+mn-ea"/>
+            <a:cs typeface="+mn-cs"/>
+          </a:endParaRPr>
+        </a:p>
+      </dsp:txBody>
+      <dsp:txXfrm>
+        <a:off x="2667000" y="4031779"/>
+        <a:ext cx="2667000" cy="519979"/>
+      </dsp:txXfrm>
+    </dsp:sp>
+    <dsp:sp modelId="{80AD606B-F25E-46DF-B405-18F7D2EAE74A}">
+      <dsp:nvSpPr>
+        <dsp:cNvPr id="0" name=""/>
+        <dsp:cNvSpPr/>
+      </dsp:nvSpPr>
+      <dsp:spPr>
+        <a:xfrm rot="10800000">
+          <a:off x="0" y="1722392"/>
+          <a:ext cx="5334000" cy="1738539"/>
+        </a:xfrm>
+        <a:prstGeom prst="upArrowCallout">
+          <a:avLst/>
+        </a:prstGeom>
+        <a:solidFill>
+          <a:schemeClr val="accent3">
+            <a:hueOff val="1355300"/>
+            <a:satOff val="50000"/>
+            <a:lumOff val="-7353"/>
+            <a:alphaOff val="0"/>
+          </a:schemeClr>
+        </a:solidFill>
+        <a:ln w="12700" cap="flat" cmpd="sng" algn="ctr">
+          <a:solidFill>
+            <a:schemeClr val="lt1">
+              <a:hueOff val="0"/>
+              <a:satOff val="0"/>
+              <a:lumOff val="0"/>
+              <a:alphaOff val="0"/>
+            </a:schemeClr>
+          </a:solidFill>
+          <a:prstDash val="solid"/>
+          <a:miter lim="800000"/>
+        </a:ln>
+        <a:effectLst/>
+      </dsp:spPr>
+      <dsp:style>
+        <a:lnRef idx="2">
+          <a:scrgbClr r="0" g="0" b="0"/>
+        </a:lnRef>
+        <a:fillRef idx="1">
+          <a:scrgbClr r="0" g="0" b="0"/>
+        </a:fillRef>
+        <a:effectRef idx="0">
+          <a:scrgbClr r="0" g="0" b="0"/>
+        </a:effectRef>
+        <a:fontRef idx="minor">
+          <a:schemeClr val="lt1"/>
+        </a:fontRef>
+      </dsp:style>
+      <dsp:txBody>
+        <a:bodyPr spcFirstLastPara="0" vert="horz" wrap="square" lIns="156464" tIns="156464" rIns="156464" bIns="156464" numCol="1" spcCol="1270" anchor="ctr" anchorCtr="0">
+          <a:noAutofit/>
+        </a:bodyPr>
+        <a:lstStyle/>
+        <a:p>
+          <a:pPr lvl="0" algn="ctr" defTabSz="914400">
+            <a:lnSpc>
+              <a:spcPct val="90000"/>
+            </a:lnSpc>
+            <a:spcBef>
+              <a:spcPct val="0"/>
+            </a:spcBef>
+            <a:spcAft>
+              <a:spcPct val="35000"/>
+            </a:spcAft>
+            <a:buNone/>
+          </a:pPr>
+          <a:r>
+            <a:rPr lang="fr-FR" sz="2200" kern="1200" noProof="0" dirty="0" smtClean="0"/>
+            <a:t>Étape 2</a:t>
+          </a:r>
+          <a:endParaRPr lang="fr-FR" sz="2200" kern="1200" noProof="0" dirty="0"/>
+        </a:p>
+      </dsp:txBody>
+      <dsp:txXfrm rot="-10800000">
+        <a:off x="0" y="1722392"/>
+        <a:ext cx="5334000" cy="610227"/>
+      </dsp:txXfrm>
+    </dsp:sp>
+    <dsp:sp modelId="{A8E0F749-66B2-490B-99E9-CC106B163B16}">
+      <dsp:nvSpPr>
+        <dsp:cNvPr id="0" name=""/>
+        <dsp:cNvSpPr/>
+      </dsp:nvSpPr>
+      <dsp:spPr>
+        <a:xfrm>
+          <a:off x="0" y="2332619"/>
+          <a:ext cx="2667000" cy="519823"/>
+        </a:xfrm>
+        <a:prstGeom prst="rect">
+          <a:avLst/>
+        </a:prstGeom>
+        <a:solidFill>
+          <a:schemeClr val="accent3">
+            <a:tint val="40000"/>
+            <a:alpha val="90000"/>
+            <a:hueOff val="811656"/>
+            <a:satOff val="40000"/>
+            <a:lumOff val="712"/>
+            <a:alphaOff val="0"/>
+          </a:schemeClr>
+        </a:solidFill>
+        <a:ln w="12700" cap="flat" cmpd="sng" algn="ctr">
+          <a:solidFill>
+            <a:schemeClr val="accent3">
+              <a:tint val="40000"/>
+              <a:alpha val="90000"/>
+              <a:hueOff val="811656"/>
+              <a:satOff val="40000"/>
+              <a:lumOff val="712"/>
+              <a:alphaOff val="0"/>
+            </a:schemeClr>
+          </a:solidFill>
+          <a:prstDash val="solid"/>
+          <a:miter lim="800000"/>
+        </a:ln>
+        <a:effectLst/>
+      </dsp:spPr>
+      <dsp:style>
+        <a:lnRef idx="2">
+          <a:scrgbClr r="0" g="0" b="0"/>
+        </a:lnRef>
+        <a:fillRef idx="1">
+          <a:scrgbClr r="0" g="0" b="0"/>
+        </a:fillRef>
+        <a:effectRef idx="0">
+          <a:scrgbClr r="0" g="0" b="0"/>
+        </a:effectRef>
+        <a:fontRef idx="minor"/>
+      </dsp:style>
+      <dsp:txBody>
+        <a:bodyPr spcFirstLastPara="0" vert="horz" wrap="square" lIns="135128" tIns="24130" rIns="135128" bIns="24130" numCol="1" spcCol="1270" anchor="ctr" anchorCtr="0">
+          <a:noAutofit/>
+        </a:bodyPr>
+        <a:lstStyle/>
+        <a:p>
+          <a:pPr lvl="0" algn="l" defTabSz="914400">
+            <a:lnSpc>
+              <a:spcPct val="90000"/>
+            </a:lnSpc>
+            <a:spcBef>
+              <a:spcPct val="0"/>
+            </a:spcBef>
+            <a:spcAft>
+              <a:spcPct val="35000"/>
+            </a:spcAft>
+            <a:buNone/>
+          </a:pPr>
+          <a:r>
+            <a:rPr lang="fr-FR" sz="1900" b="0" i="0" kern="1200" noProof="0" dirty="0" smtClean="0">
+              <a:latin typeface="Franklin Gothic Medium"/>
+              <a:ea typeface="+mn-ea"/>
+              <a:cs typeface="+mn-cs"/>
+            </a:rPr>
+            <a:t>Description de la tâche</a:t>
+          </a:r>
+          <a:endParaRPr lang="fr-FR" sz="1900" b="0" i="0" kern="1200" noProof="0" dirty="0">
+            <a:latin typeface="Franklin Gothic Medium"/>
+            <a:ea typeface="+mn-ea"/>
+            <a:cs typeface="+mn-cs"/>
+          </a:endParaRPr>
+        </a:p>
+      </dsp:txBody>
+      <dsp:txXfrm>
+        <a:off x="0" y="2332619"/>
+        <a:ext cx="2667000" cy="519823"/>
+      </dsp:txXfrm>
+    </dsp:sp>
+    <dsp:sp modelId="{A6EE397C-6C28-4128-BFFE-CFF44F70153F}">
+      <dsp:nvSpPr>
+        <dsp:cNvPr id="0" name=""/>
+        <dsp:cNvSpPr/>
+      </dsp:nvSpPr>
+      <dsp:spPr>
+        <a:xfrm>
+          <a:off x="2667000" y="2332619"/>
+          <a:ext cx="2667000" cy="519823"/>
+        </a:xfrm>
+        <a:prstGeom prst="rect">
+          <a:avLst/>
+        </a:prstGeom>
+        <a:solidFill>
+          <a:schemeClr val="accent3">
+            <a:tint val="40000"/>
+            <a:alpha val="90000"/>
+            <a:hueOff val="1217485"/>
+            <a:satOff val="60000"/>
+            <a:lumOff val="1067"/>
+            <a:alphaOff val="0"/>
+          </a:schemeClr>
+        </a:solidFill>
+        <a:ln w="12700" cap="flat" cmpd="sng" algn="ctr">
+          <a:solidFill>
+            <a:schemeClr val="accent3">
+              <a:tint val="40000"/>
+              <a:alpha val="90000"/>
+              <a:hueOff val="1217485"/>
+              <a:satOff val="60000"/>
+              <a:lumOff val="1067"/>
+              <a:alphaOff val="0"/>
+            </a:schemeClr>
+          </a:solidFill>
+          <a:prstDash val="solid"/>
+          <a:miter lim="800000"/>
+        </a:ln>
+        <a:effectLst/>
+      </dsp:spPr>
+      <dsp:style>
+        <a:lnRef idx="2">
+          <a:scrgbClr r="0" g="0" b="0"/>
+        </a:lnRef>
+        <a:fillRef idx="1">
+          <a:scrgbClr r="0" g="0" b="0"/>
+        </a:fillRef>
+        <a:effectRef idx="0">
+          <a:scrgbClr r="0" g="0" b="0"/>
+        </a:effectRef>
+        <a:fontRef idx="minor"/>
+      </dsp:style>
+      <dsp:txBody>
+        <a:bodyPr spcFirstLastPara="0" vert="horz" wrap="square" lIns="135128" tIns="24130" rIns="135128" bIns="24130" numCol="1" spcCol="1270" anchor="ctr" anchorCtr="0">
+          <a:noAutofit/>
+        </a:bodyPr>
+        <a:lstStyle/>
+        <a:p>
+          <a:pPr lvl="0" algn="l" defTabSz="914400">
+            <a:lnSpc>
+              <a:spcPct val="90000"/>
+            </a:lnSpc>
+            <a:spcBef>
+              <a:spcPct val="0"/>
+            </a:spcBef>
+            <a:spcAft>
+              <a:spcPct val="35000"/>
+            </a:spcAft>
+            <a:buNone/>
+          </a:pPr>
+          <a:r>
+            <a:rPr lang="fr-FR" sz="1900" b="0" i="0" kern="1200" noProof="0" dirty="0" smtClean="0">
+              <a:latin typeface="Franklin Gothic Medium"/>
+              <a:ea typeface="+mn-ea"/>
+              <a:cs typeface="+mn-cs"/>
+            </a:rPr>
+            <a:t>Description de la tâche</a:t>
+          </a:r>
+          <a:endParaRPr lang="fr-FR" sz="1900" b="0" i="0" kern="1200" noProof="0" dirty="0">
+            <a:latin typeface="Franklin Gothic Medium"/>
+            <a:ea typeface="+mn-ea"/>
+            <a:cs typeface="+mn-cs"/>
+          </a:endParaRPr>
+        </a:p>
+      </dsp:txBody>
+      <dsp:txXfrm>
+        <a:off x="2667000" y="2332619"/>
+        <a:ext cx="2667000" cy="519823"/>
+      </dsp:txXfrm>
+    </dsp:sp>
+    <dsp:sp modelId="{A48265CE-F3A3-46DB-9DD2-97590B4DBB84}">
+      <dsp:nvSpPr>
+        <dsp:cNvPr id="0" name=""/>
+        <dsp:cNvSpPr/>
+      </dsp:nvSpPr>
+      <dsp:spPr>
+        <a:xfrm rot="10800000">
+          <a:off x="0" y="808"/>
+          <a:ext cx="5334000" cy="1738539"/>
+        </a:xfrm>
+        <a:prstGeom prst="upArrowCallout">
+          <a:avLst/>
+        </a:prstGeom>
+        <a:solidFill>
+          <a:schemeClr val="accent3">
+            <a:hueOff val="2710599"/>
+            <a:satOff val="100000"/>
+            <a:lumOff val="-14706"/>
+            <a:alphaOff val="0"/>
+          </a:schemeClr>
+        </a:solidFill>
+        <a:ln w="12700" cap="flat" cmpd="sng" algn="ctr">
+          <a:solidFill>
+            <a:schemeClr val="lt1">
+              <a:hueOff val="0"/>
+              <a:satOff val="0"/>
+              <a:lumOff val="0"/>
+              <a:alphaOff val="0"/>
+            </a:schemeClr>
+          </a:solidFill>
+          <a:prstDash val="solid"/>
+          <a:miter lim="800000"/>
+        </a:ln>
+        <a:effectLst/>
+      </dsp:spPr>
+      <dsp:style>
+        <a:lnRef idx="2">
+          <a:scrgbClr r="0" g="0" b="0"/>
+        </a:lnRef>
+        <a:fillRef idx="1">
+          <a:scrgbClr r="0" g="0" b="0"/>
+        </a:fillRef>
+        <a:effectRef idx="0">
+          <a:scrgbClr r="0" g="0" b="0"/>
+        </a:effectRef>
+        <a:fontRef idx="minor">
+          <a:schemeClr val="lt1"/>
+        </a:fontRef>
+      </dsp:style>
+      <dsp:txBody>
+        <a:bodyPr spcFirstLastPara="0" vert="horz" wrap="square" lIns="156464" tIns="156464" rIns="156464" bIns="156464" numCol="1" spcCol="1270" anchor="ctr" anchorCtr="0">
+          <a:noAutofit/>
+        </a:bodyPr>
+        <a:lstStyle/>
+        <a:p>
+          <a:pPr lvl="0" algn="ctr" defTabSz="914400">
+            <a:lnSpc>
+              <a:spcPct val="90000"/>
+            </a:lnSpc>
+            <a:spcBef>
+              <a:spcPct val="0"/>
+            </a:spcBef>
+            <a:spcAft>
+              <a:spcPct val="35000"/>
+            </a:spcAft>
+            <a:buNone/>
+          </a:pPr>
+          <a:r>
+            <a:rPr lang="fr-FR" sz="2200" kern="1200" noProof="0" dirty="0" smtClean="0"/>
+            <a:t>Étape 1</a:t>
+          </a:r>
+          <a:endParaRPr lang="fr-FR" sz="2200" kern="1200" noProof="0" dirty="0"/>
+        </a:p>
+      </dsp:txBody>
+      <dsp:txXfrm rot="-10800000">
+        <a:off x="0" y="808"/>
+        <a:ext cx="5334000" cy="610227"/>
+      </dsp:txXfrm>
+    </dsp:sp>
+    <dsp:sp modelId="{59FFE57C-E5F2-4FBD-AA4D-8DB27381892F}">
+      <dsp:nvSpPr>
+        <dsp:cNvPr id="0" name=""/>
+        <dsp:cNvSpPr/>
+      </dsp:nvSpPr>
+      <dsp:spPr>
+        <a:xfrm>
+          <a:off x="0" y="611036"/>
+          <a:ext cx="2667000" cy="519823"/>
+        </a:xfrm>
+        <a:prstGeom prst="rect">
+          <a:avLst/>
+        </a:prstGeom>
+        <a:solidFill>
+          <a:schemeClr val="accent3">
+            <a:tint val="40000"/>
+            <a:alpha val="90000"/>
+            <a:hueOff val="1623313"/>
+            <a:satOff val="80000"/>
+            <a:lumOff val="1423"/>
+            <a:alphaOff val="0"/>
+          </a:schemeClr>
+        </a:solidFill>
+        <a:ln w="12700" cap="flat" cmpd="sng" algn="ctr">
+          <a:solidFill>
+            <a:schemeClr val="accent3">
+              <a:tint val="40000"/>
+              <a:alpha val="90000"/>
+              <a:hueOff val="1623313"/>
+              <a:satOff val="80000"/>
+              <a:lumOff val="1423"/>
+              <a:alphaOff val="0"/>
+            </a:schemeClr>
+          </a:solidFill>
+          <a:prstDash val="solid"/>
+          <a:miter lim="800000"/>
+        </a:ln>
+        <a:effectLst/>
+      </dsp:spPr>
+      <dsp:style>
+        <a:lnRef idx="2">
+          <a:scrgbClr r="0" g="0" b="0"/>
+        </a:lnRef>
+        <a:fillRef idx="1">
+          <a:scrgbClr r="0" g="0" b="0"/>
+        </a:fillRef>
+        <a:effectRef idx="0">
+          <a:scrgbClr r="0" g="0" b="0"/>
+        </a:effectRef>
+        <a:fontRef idx="minor"/>
+      </dsp:style>
+      <dsp:txBody>
+        <a:bodyPr spcFirstLastPara="0" vert="horz" wrap="square" lIns="135128" tIns="24130" rIns="135128" bIns="24130" numCol="1" spcCol="1270" anchor="ctr" anchorCtr="0">
+          <a:noAutofit/>
+        </a:bodyPr>
+        <a:lstStyle/>
+        <a:p>
+          <a:pPr lvl="0" algn="l" defTabSz="914400">
+            <a:lnSpc>
+              <a:spcPct val="90000"/>
+            </a:lnSpc>
+            <a:spcBef>
+              <a:spcPct val="0"/>
+            </a:spcBef>
+            <a:spcAft>
+              <a:spcPct val="35000"/>
+            </a:spcAft>
+            <a:buNone/>
+          </a:pPr>
+          <a:r>
+            <a:rPr lang="fr-FR" sz="1900" b="0" i="0" kern="1200" noProof="0" dirty="0" smtClean="0">
+              <a:latin typeface="Franklin Gothic Medium"/>
+              <a:ea typeface="+mn-ea"/>
+              <a:cs typeface="+mn-cs"/>
+            </a:rPr>
+            <a:t>Description de la tâche</a:t>
+          </a:r>
+          <a:endParaRPr lang="fr-FR" sz="1900" b="0" i="0" kern="1200" noProof="0" dirty="0">
+            <a:latin typeface="Franklin Gothic Medium"/>
+            <a:ea typeface="+mn-ea"/>
+            <a:cs typeface="+mn-cs"/>
+          </a:endParaRPr>
+        </a:p>
+      </dsp:txBody>
+      <dsp:txXfrm>
+        <a:off x="0" y="611036"/>
+        <a:ext cx="2667000" cy="519823"/>
+      </dsp:txXfrm>
+    </dsp:sp>
+    <dsp:sp modelId="{3EC7D028-ECEA-492B-A6F1-68E9B57B69C6}">
+      <dsp:nvSpPr>
+        <dsp:cNvPr id="0" name=""/>
+        <dsp:cNvSpPr/>
+      </dsp:nvSpPr>
+      <dsp:spPr>
+        <a:xfrm>
+          <a:off x="2667000" y="611036"/>
+          <a:ext cx="2667000" cy="519823"/>
+        </a:xfrm>
+        <a:prstGeom prst="rect">
+          <a:avLst/>
+        </a:prstGeom>
+        <a:solidFill>
+          <a:schemeClr val="accent3">
+            <a:tint val="40000"/>
+            <a:alpha val="90000"/>
+            <a:hueOff val="2029141"/>
+            <a:satOff val="100000"/>
+            <a:lumOff val="1779"/>
+            <a:alphaOff val="0"/>
+          </a:schemeClr>
+        </a:solidFill>
+        <a:ln w="12700" cap="flat" cmpd="sng" algn="ctr">
+          <a:solidFill>
+            <a:schemeClr val="accent3">
+              <a:tint val="40000"/>
+              <a:alpha val="90000"/>
+              <a:hueOff val="2029141"/>
+              <a:satOff val="100000"/>
+              <a:lumOff val="1779"/>
+              <a:alphaOff val="0"/>
+            </a:schemeClr>
+          </a:solidFill>
+          <a:prstDash val="solid"/>
+          <a:miter lim="800000"/>
+        </a:ln>
+        <a:effectLst/>
+      </dsp:spPr>
+      <dsp:style>
+        <a:lnRef idx="2">
+          <a:scrgbClr r="0" g="0" b="0"/>
+        </a:lnRef>
+        <a:fillRef idx="1">
+          <a:scrgbClr r="0" g="0" b="0"/>
+        </a:fillRef>
+        <a:effectRef idx="0">
+          <a:scrgbClr r="0" g="0" b="0"/>
+        </a:effectRef>
+        <a:fontRef idx="minor"/>
+      </dsp:style>
+      <dsp:txBody>
+        <a:bodyPr spcFirstLastPara="0" vert="horz" wrap="square" lIns="135128" tIns="24130" rIns="135128" bIns="24130" numCol="1" spcCol="1270" anchor="ctr" anchorCtr="0">
+          <a:noAutofit/>
+        </a:bodyPr>
+        <a:lstStyle/>
+        <a:p>
+          <a:pPr lvl="0" algn="l" defTabSz="914400">
+            <a:lnSpc>
+              <a:spcPct val="90000"/>
+            </a:lnSpc>
+            <a:spcBef>
+              <a:spcPct val="0"/>
+            </a:spcBef>
+            <a:spcAft>
+              <a:spcPct val="35000"/>
+            </a:spcAft>
+            <a:buNone/>
+          </a:pPr>
+          <a:r>
+            <a:rPr lang="fr-FR" sz="1900" b="0" i="0" kern="1200" noProof="0" dirty="0" smtClean="0">
+              <a:latin typeface="Franklin Gothic Medium"/>
+              <a:ea typeface="+mn-ea"/>
+              <a:cs typeface="+mn-cs"/>
+            </a:rPr>
+            <a:t>Description de la tâche</a:t>
+          </a:r>
+          <a:endParaRPr lang="fr-FR" sz="1900" b="0" i="0" kern="1200" noProof="0" dirty="0">
+            <a:latin typeface="Franklin Gothic Medium"/>
+            <a:ea typeface="+mn-ea"/>
+            <a:cs typeface="+mn-cs"/>
+          </a:endParaRPr>
+        </a:p>
+      </dsp:txBody>
+      <dsp:txXfrm>
+        <a:off x="2667000" y="611036"/>
+        <a:ext cx="2667000" cy="519823"/>
+      </dsp:txXfrm>
+    </dsp:sp>
   </dsp:spTree>
 </dsp:drawing>
 </file>
@@ -5951,7 +7521,7 @@
           <a:p>
             <a:fld id="{043B725B-653D-4166-A8E9-72A38A1847CF}" type="datetimeFigureOut">
               <a:rPr lang="es-ES"/>
-              <a:t>01/11/2014</a:t>
+              <a:t>03/11/2014</a:t>
             </a:fld>
             <a:endParaRPr/>
           </a:p>
@@ -6116,7 +7686,7 @@
           <a:p>
             <a:fld id="{783F64CD-0576-4A9A-BD06-7889D6E60BDC}" type="datetimeFigureOut">
               <a:rPr lang="es-ES"/>
-              <a:t>01/11/2014</a:t>
+              <a:t>03/11/2014</a:t>
             </a:fld>
             <a:endParaRPr/>
           </a:p>
@@ -6707,7 +8277,7 @@
           <a:p>
             <a:fld id="{37CC0096-1860-4642-9CD2-0079EA5E7CD1}" type="datetimeFigureOut">
               <a:rPr lang="es-ES"/>
-              <a:t>01/11/2014</a:t>
+              <a:t>03/11/2014</a:t>
             </a:fld>
             <a:endParaRPr/>
           </a:p>
@@ -6963,7 +8533,7 @@
           <a:p>
             <a:fld id="{37CC0096-1860-4642-9CD2-0079EA5E7CD1}" type="datetimeFigureOut">
               <a:rPr lang="es-ES"/>
-              <a:t>01/11/2014</a:t>
+              <a:t>03/11/2014</a:t>
             </a:fld>
             <a:endParaRPr/>
           </a:p>
@@ -7156,7 +8726,7 @@
           <a:p>
             <a:fld id="{37CC0096-1860-4642-9CD2-0079EA5E7CD1}" type="datetimeFigureOut">
               <a:rPr lang="es-ES"/>
-              <a:t>01/11/2014</a:t>
+              <a:t>03/11/2014</a:t>
             </a:fld>
             <a:endParaRPr/>
           </a:p>
@@ -7701,7 +9271,7 @@
           <a:p>
             <a:fld id="{37CC0096-1860-4642-9CD2-0079EA5E7CD1}" type="datetimeFigureOut">
               <a:rPr lang="es-ES"/>
-              <a:t>01/11/2014</a:t>
+              <a:t>03/11/2014</a:t>
             </a:fld>
             <a:endParaRPr/>
           </a:p>
@@ -8165,7 +9735,7 @@
           <a:p>
             <a:fld id="{37CC0096-1860-4642-9CD2-0079EA5E7CD1}" type="datetimeFigureOut">
               <a:rPr lang="es-ES"/>
-              <a:t>01/11/2014</a:t>
+              <a:t>03/11/2014</a:t>
             </a:fld>
             <a:endParaRPr/>
           </a:p>
@@ -8302,7 +9872,7 @@
           <a:p>
             <a:fld id="{37CC0096-1860-4642-9CD2-0079EA5E7CD1}" type="datetimeFigureOut">
               <a:rPr lang="es-ES"/>
-              <a:t>01/11/2014</a:t>
+              <a:t>03/11/2014</a:t>
             </a:fld>
             <a:endParaRPr/>
           </a:p>
@@ -8416,7 +9986,7 @@
           <a:p>
             <a:fld id="{37CC0096-1860-4642-9CD2-0079EA5E7CD1}" type="datetimeFigureOut">
               <a:rPr lang="es-ES"/>
-              <a:t>01/11/2014</a:t>
+              <a:t>03/11/2014</a:t>
             </a:fld>
             <a:endParaRPr/>
           </a:p>
@@ -9410,7 +10980,7 @@
             <a:fld id="{37CC0096-1860-4642-9CD2-0079EA5E7CD1}" type="datetimeFigureOut">
               <a:rPr lang="es-ES"/>
               <a:pPr/>
-              <a:t>01/11/2014</a:t>
+              <a:t>03/11/2014</a:t>
             </a:fld>
             <a:endParaRPr/>
           </a:p>
@@ -9947,8 +11517,16 @@
           <a:p>
             <a:pPr algn="ctr"/>
             <a:r>
+              <a:rPr lang="fr-FR" dirty="0" err="1" smtClean="0"/>
+              <a:t>Modélisationet</a:t>
+            </a:r>
+            <a:r>
               <a:rPr lang="fr-FR" dirty="0" smtClean="0"/>
-              <a:t>Analyse spectrale</a:t>
+              <a:t> </a:t>
+            </a:r>
+            <a:r>
+              <a:rPr lang="fr-FR" smtClean="0"/>
+              <a:t>Analyse Spectrale</a:t>
             </a:r>
             <a:endParaRPr lang="fr-FR" dirty="0"/>
           </a:p>
@@ -10060,6 +11638,2660 @@
 </file>
 
 <file path=ppt/slides/slide10.xml><?xml version="1.0" encoding="utf-8"?>
+<p:sld xmlns:a="http://schemas.openxmlformats.org/drawingml/2006/main" xmlns:r="http://schemas.openxmlformats.org/officeDocument/2006/relationships" xmlns:p="http://schemas.openxmlformats.org/presentationml/2006/main">
+  <p:cSld>
+    <p:spTree>
+      <p:nvGrpSpPr>
+        <p:cNvPr id="1" name=""/>
+        <p:cNvGrpSpPr/>
+        <p:nvPr/>
+      </p:nvGrpSpPr>
+      <p:grpSpPr>
+        <a:xfrm>
+          <a:off x="0" y="0"/>
+          <a:ext cx="0" cy="0"/>
+          <a:chOff x="0" y="0"/>
+          <a:chExt cx="0" cy="0"/>
+        </a:xfrm>
+      </p:grpSpPr>
+      <p:sp>
+        <p:nvSpPr>
+          <p:cNvPr id="2" name="Titre 1"/>
+          <p:cNvSpPr>
+            <a:spLocks noGrp="1"/>
+          </p:cNvSpPr>
+          <p:nvPr>
+            <p:ph type="title"/>
+          </p:nvPr>
+        </p:nvSpPr>
+        <p:spPr/>
+        <p:txBody>
+          <a:bodyPr>
+            <a:normAutofit/>
+          </a:bodyPr>
+          <a:lstStyle/>
+          <a:p>
+            <a:r>
+              <a:rPr lang="fr-FR" dirty="0" smtClean="0"/>
+              <a:t>Variantes du </a:t>
+            </a:r>
+            <a:r>
+              <a:rPr lang="fr-FR" dirty="0" err="1" smtClean="0"/>
+              <a:t>périodogramme</a:t>
+            </a:r>
+            <a:r>
+              <a:rPr lang="fr-FR" dirty="0" smtClean="0"/>
+              <a:t> : résultats</a:t>
+            </a:r>
+            <a:endParaRPr lang="fr-FR" dirty="0"/>
+          </a:p>
+        </p:txBody>
+      </p:sp>
+      <p:pic>
+        <p:nvPicPr>
+          <p:cNvPr id="4" name="Content Placeholder 3"/>
+          <p:cNvPicPr>
+            <a:picLocks noGrp="1" noChangeAspect="1"/>
+          </p:cNvPicPr>
+          <p:nvPr>
+            <p:ph idx="1"/>
+          </p:nvPr>
+        </p:nvPicPr>
+        <p:blipFill>
+          <a:blip r:embed="rId2">
+            <a:extLst>
+              <a:ext uri="{28A0092B-C50C-407E-A947-70E740481C1C}">
+                <a14:useLocalDpi xmlns:a14="http://schemas.microsoft.com/office/drawing/2010/main" val="0"/>
+              </a:ext>
+            </a:extLst>
+          </a:blip>
+          <a:stretch>
+            <a:fillRect/>
+          </a:stretch>
+        </p:blipFill>
+        <p:spPr>
+          <a:xfrm>
+            <a:off x="1941665" y="1828800"/>
+            <a:ext cx="8308669" cy="4572000"/>
+          </a:xfrm>
+        </p:spPr>
+      </p:pic>
+      <p:sp>
+        <p:nvSpPr>
+          <p:cNvPr id="5" name="TextBox 4"/>
+          <p:cNvSpPr txBox="1"/>
+          <p:nvPr/>
+        </p:nvSpPr>
+        <p:spPr>
+          <a:xfrm>
+            <a:off x="263352" y="3717032"/>
+            <a:ext cx="1440160" cy="646331"/>
+          </a:xfrm>
+          <a:prstGeom prst="rect">
+            <a:avLst/>
+          </a:prstGeom>
+          <a:noFill/>
+        </p:spPr>
+        <p:txBody>
+          <a:bodyPr wrap="square" rtlCol="0">
+            <a:spAutoFit/>
+          </a:bodyPr>
+          <a:lstStyle/>
+          <a:p>
+            <a:pPr algn="ctr"/>
+            <a:r>
+              <a:rPr lang="fr-FR" dirty="0" smtClean="0"/>
+              <a:t>2 raies proches</a:t>
+            </a:r>
+            <a:endParaRPr lang="fr-FR" dirty="0"/>
+          </a:p>
+        </p:txBody>
+      </p:sp>
+    </p:spTree>
+    <p:extLst>
+      <p:ext uri="{BB962C8B-B14F-4D97-AF65-F5344CB8AC3E}">
+        <p14:creationId xmlns:p14="http://schemas.microsoft.com/office/powerpoint/2010/main" val="1669833978"/>
+      </p:ext>
+    </p:extLst>
+  </p:cSld>
+  <p:clrMapOvr>
+    <a:masterClrMapping/>
+  </p:clrMapOvr>
+  <mc:AlternateContent xmlns:mc="http://schemas.openxmlformats.org/markup-compatibility/2006" xmlns:p14="http://schemas.microsoft.com/office/powerpoint/2010/main">
+    <mc:Choice Requires="p14">
+      <p:transition spd="med" p14:dur="700">
+        <p:fade/>
+      </p:transition>
+    </mc:Choice>
+    <mc:Fallback xmlns="">
+      <p:transition spd="med">
+        <p:fade/>
+      </p:transition>
+    </mc:Fallback>
+  </mc:AlternateContent>
+  <p:timing>
+    <p:tnLst>
+      <p:par>
+        <p:cTn id="1" dur="indefinite" restart="never" nodeType="tmRoot"/>
+      </p:par>
+    </p:tnLst>
+  </p:timing>
+</p:sld>
+</file>
+
+<file path=ppt/slides/slide11.xml><?xml version="1.0" encoding="utf-8"?>
+<p:sld xmlns:a="http://schemas.openxmlformats.org/drawingml/2006/main" xmlns:r="http://schemas.openxmlformats.org/officeDocument/2006/relationships" xmlns:p="http://schemas.openxmlformats.org/presentationml/2006/main">
+  <p:cSld>
+    <p:spTree>
+      <p:nvGrpSpPr>
+        <p:cNvPr id="1" name=""/>
+        <p:cNvGrpSpPr/>
+        <p:nvPr/>
+      </p:nvGrpSpPr>
+      <p:grpSpPr>
+        <a:xfrm>
+          <a:off x="0" y="0"/>
+          <a:ext cx="0" cy="0"/>
+          <a:chOff x="0" y="0"/>
+          <a:chExt cx="0" cy="0"/>
+        </a:xfrm>
+      </p:grpSpPr>
+      <p:sp>
+        <p:nvSpPr>
+          <p:cNvPr id="2" name="Titre 1"/>
+          <p:cNvSpPr>
+            <a:spLocks noGrp="1"/>
+          </p:cNvSpPr>
+          <p:nvPr>
+            <p:ph type="title"/>
+          </p:nvPr>
+        </p:nvSpPr>
+        <p:spPr/>
+        <p:txBody>
+          <a:bodyPr>
+            <a:normAutofit/>
+          </a:bodyPr>
+          <a:lstStyle/>
+          <a:p>
+            <a:r>
+              <a:rPr lang="fr-FR" dirty="0" smtClean="0"/>
+              <a:t>Variantes du </a:t>
+            </a:r>
+            <a:r>
+              <a:rPr lang="fr-FR" dirty="0" err="1" smtClean="0"/>
+              <a:t>périodogramme</a:t>
+            </a:r>
+            <a:endParaRPr lang="fr-FR" dirty="0"/>
+          </a:p>
+        </p:txBody>
+      </p:sp>
+      <p:pic>
+        <p:nvPicPr>
+          <p:cNvPr id="5" name="Content Placeholder 4"/>
+          <p:cNvPicPr>
+            <a:picLocks noGrp="1" noChangeAspect="1"/>
+          </p:cNvPicPr>
+          <p:nvPr>
+            <p:ph idx="1"/>
+          </p:nvPr>
+        </p:nvPicPr>
+        <p:blipFill>
+          <a:blip r:embed="rId2">
+            <a:extLst>
+              <a:ext uri="{28A0092B-C50C-407E-A947-70E740481C1C}">
+                <a14:useLocalDpi xmlns:a14="http://schemas.microsoft.com/office/drawing/2010/main" val="0"/>
+              </a:ext>
+            </a:extLst>
+          </a:blip>
+          <a:stretch>
+            <a:fillRect/>
+          </a:stretch>
+        </p:blipFill>
+        <p:spPr>
+          <a:xfrm>
+            <a:off x="1866101" y="1828800"/>
+            <a:ext cx="8459798" cy="4572000"/>
+          </a:xfrm>
+        </p:spPr>
+      </p:pic>
+      <p:sp>
+        <p:nvSpPr>
+          <p:cNvPr id="6" name="TextBox 5"/>
+          <p:cNvSpPr txBox="1"/>
+          <p:nvPr/>
+        </p:nvSpPr>
+        <p:spPr>
+          <a:xfrm>
+            <a:off x="1" y="3717032"/>
+            <a:ext cx="1866100" cy="646331"/>
+          </a:xfrm>
+          <a:prstGeom prst="rect">
+            <a:avLst/>
+          </a:prstGeom>
+          <a:noFill/>
+        </p:spPr>
+        <p:txBody>
+          <a:bodyPr wrap="square" rtlCol="0">
+            <a:spAutoFit/>
+          </a:bodyPr>
+          <a:lstStyle/>
+          <a:p>
+            <a:pPr algn="ctr"/>
+            <a:r>
+              <a:rPr lang="fr-FR" dirty="0" smtClean="0"/>
+              <a:t>Une sinusoïde et un bruit blanc</a:t>
+            </a:r>
+            <a:endParaRPr lang="fr-FR" dirty="0"/>
+          </a:p>
+        </p:txBody>
+      </p:sp>
+    </p:spTree>
+    <p:extLst>
+      <p:ext uri="{BB962C8B-B14F-4D97-AF65-F5344CB8AC3E}">
+        <p14:creationId xmlns:p14="http://schemas.microsoft.com/office/powerpoint/2010/main" val="3978311427"/>
+      </p:ext>
+    </p:extLst>
+  </p:cSld>
+  <p:clrMapOvr>
+    <a:masterClrMapping/>
+  </p:clrMapOvr>
+  <mc:AlternateContent xmlns:mc="http://schemas.openxmlformats.org/markup-compatibility/2006" xmlns:p14="http://schemas.microsoft.com/office/powerpoint/2010/main">
+    <mc:Choice Requires="p14">
+      <p:transition spd="med" p14:dur="700">
+        <p:fade/>
+      </p:transition>
+    </mc:Choice>
+    <mc:Fallback xmlns="">
+      <p:transition spd="med">
+        <p:fade/>
+      </p:transition>
+    </mc:Fallback>
+  </mc:AlternateContent>
+  <p:timing>
+    <p:tnLst>
+      <p:par>
+        <p:cTn id="1" dur="indefinite" restart="never" nodeType="tmRoot"/>
+      </p:par>
+    </p:tnLst>
+  </p:timing>
+</p:sld>
+</file>
+
+<file path=ppt/slides/slide12.xml><?xml version="1.0" encoding="utf-8"?>
+<p:sld xmlns:a="http://schemas.openxmlformats.org/drawingml/2006/main" xmlns:r="http://schemas.openxmlformats.org/officeDocument/2006/relationships" xmlns:p="http://schemas.openxmlformats.org/presentationml/2006/main">
+  <p:cSld>
+    <p:spTree>
+      <p:nvGrpSpPr>
+        <p:cNvPr id="1" name=""/>
+        <p:cNvGrpSpPr/>
+        <p:nvPr/>
+      </p:nvGrpSpPr>
+      <p:grpSpPr>
+        <a:xfrm>
+          <a:off x="0" y="0"/>
+          <a:ext cx="0" cy="0"/>
+          <a:chOff x="0" y="0"/>
+          <a:chExt cx="0" cy="0"/>
+        </a:xfrm>
+      </p:grpSpPr>
+      <p:sp>
+        <p:nvSpPr>
+          <p:cNvPr id="2" name="Titre 1"/>
+          <p:cNvSpPr>
+            <a:spLocks noGrp="1"/>
+          </p:cNvSpPr>
+          <p:nvPr>
+            <p:ph type="title"/>
+          </p:nvPr>
+        </p:nvSpPr>
+        <p:spPr/>
+        <p:txBody>
+          <a:bodyPr>
+            <a:normAutofit/>
+          </a:bodyPr>
+          <a:lstStyle/>
+          <a:p>
+            <a:r>
+              <a:rPr lang="fr-FR" dirty="0" smtClean="0"/>
+              <a:t>Variantes du </a:t>
+            </a:r>
+            <a:r>
+              <a:rPr lang="fr-FR" dirty="0" err="1" smtClean="0"/>
+              <a:t>périodogramme</a:t>
+            </a:r>
+            <a:endParaRPr lang="fr-FR" dirty="0"/>
+          </a:p>
+        </p:txBody>
+      </p:sp>
+      <p:pic>
+        <p:nvPicPr>
+          <p:cNvPr id="4" name="Content Placeholder 3"/>
+          <p:cNvPicPr>
+            <a:picLocks noGrp="1" noChangeAspect="1"/>
+          </p:cNvPicPr>
+          <p:nvPr>
+            <p:ph idx="1"/>
+          </p:nvPr>
+        </p:nvPicPr>
+        <p:blipFill>
+          <a:blip r:embed="rId2">
+            <a:extLst>
+              <a:ext uri="{28A0092B-C50C-407E-A947-70E740481C1C}">
+                <a14:useLocalDpi xmlns:a14="http://schemas.microsoft.com/office/drawing/2010/main" val="0"/>
+              </a:ext>
+            </a:extLst>
+          </a:blip>
+          <a:stretch>
+            <a:fillRect/>
+          </a:stretch>
+        </p:blipFill>
+        <p:spPr>
+          <a:xfrm>
+            <a:off x="1823012" y="1828800"/>
+            <a:ext cx="8545975" cy="4572000"/>
+          </a:xfrm>
+        </p:spPr>
+      </p:pic>
+      <p:sp>
+        <p:nvSpPr>
+          <p:cNvPr id="6" name="TextBox 5"/>
+          <p:cNvSpPr txBox="1"/>
+          <p:nvPr/>
+        </p:nvSpPr>
+        <p:spPr>
+          <a:xfrm>
+            <a:off x="119336" y="3573016"/>
+            <a:ext cx="1584176" cy="923330"/>
+          </a:xfrm>
+          <a:prstGeom prst="rect">
+            <a:avLst/>
+          </a:prstGeom>
+          <a:noFill/>
+        </p:spPr>
+        <p:txBody>
+          <a:bodyPr wrap="square" rtlCol="0">
+            <a:spAutoFit/>
+          </a:bodyPr>
+          <a:lstStyle/>
+          <a:p>
+            <a:pPr algn="ctr"/>
+            <a:r>
+              <a:rPr lang="fr-FR" dirty="0" smtClean="0"/>
+              <a:t>La fréquence augmente linéairement</a:t>
+            </a:r>
+          </a:p>
+        </p:txBody>
+      </p:sp>
+    </p:spTree>
+    <p:extLst>
+      <p:ext uri="{BB962C8B-B14F-4D97-AF65-F5344CB8AC3E}">
+        <p14:creationId xmlns:p14="http://schemas.microsoft.com/office/powerpoint/2010/main" val="3169145324"/>
+      </p:ext>
+    </p:extLst>
+  </p:cSld>
+  <p:clrMapOvr>
+    <a:masterClrMapping/>
+  </p:clrMapOvr>
+  <mc:AlternateContent xmlns:mc="http://schemas.openxmlformats.org/markup-compatibility/2006" xmlns:p14="http://schemas.microsoft.com/office/powerpoint/2010/main">
+    <mc:Choice Requires="p14">
+      <p:transition spd="med" p14:dur="700">
+        <p:fade/>
+      </p:transition>
+    </mc:Choice>
+    <mc:Fallback xmlns="">
+      <p:transition spd="med">
+        <p:fade/>
+      </p:transition>
+    </mc:Fallback>
+  </mc:AlternateContent>
+  <p:timing>
+    <p:tnLst>
+      <p:par>
+        <p:cTn id="1" dur="indefinite" restart="never" nodeType="tmRoot"/>
+      </p:par>
+    </p:tnLst>
+  </p:timing>
+</p:sld>
+</file>
+
+<file path=ppt/slides/slide13.xml><?xml version="1.0" encoding="utf-8"?>
+<p:sld xmlns:a="http://schemas.openxmlformats.org/drawingml/2006/main" xmlns:r="http://schemas.openxmlformats.org/officeDocument/2006/relationships" xmlns:p="http://schemas.openxmlformats.org/presentationml/2006/main">
+  <p:cSld>
+    <p:spTree>
+      <p:nvGrpSpPr>
+        <p:cNvPr id="1" name=""/>
+        <p:cNvGrpSpPr/>
+        <p:nvPr/>
+      </p:nvGrpSpPr>
+      <p:grpSpPr>
+        <a:xfrm>
+          <a:off x="0" y="0"/>
+          <a:ext cx="0" cy="0"/>
+          <a:chOff x="0" y="0"/>
+          <a:chExt cx="0" cy="0"/>
+        </a:xfrm>
+      </p:grpSpPr>
+      <p:sp>
+        <p:nvSpPr>
+          <p:cNvPr id="2" name="Titre 1"/>
+          <p:cNvSpPr>
+            <a:spLocks noGrp="1"/>
+          </p:cNvSpPr>
+          <p:nvPr>
+            <p:ph type="title"/>
+          </p:nvPr>
+        </p:nvSpPr>
+        <p:spPr/>
+        <p:txBody>
+          <a:bodyPr>
+            <a:normAutofit/>
+          </a:bodyPr>
+          <a:lstStyle/>
+          <a:p>
+            <a:r>
+              <a:rPr lang="fr-FR" dirty="0" smtClean="0"/>
+              <a:t>Reconstitution…</a:t>
+            </a:r>
+            <a:endParaRPr lang="fr-FR" dirty="0"/>
+          </a:p>
+        </p:txBody>
+      </p:sp>
+      <p:sp>
+        <p:nvSpPr>
+          <p:cNvPr id="7" name="TextBox 6"/>
+          <p:cNvSpPr txBox="1"/>
+          <p:nvPr/>
+        </p:nvSpPr>
+        <p:spPr>
+          <a:xfrm>
+            <a:off x="2711624" y="5280012"/>
+            <a:ext cx="2304256" cy="369332"/>
+          </a:xfrm>
+          <a:prstGeom prst="rect">
+            <a:avLst/>
+          </a:prstGeom>
+          <a:noFill/>
+        </p:spPr>
+        <p:txBody>
+          <a:bodyPr wrap="square" rtlCol="0">
+            <a:spAutoFit/>
+          </a:bodyPr>
+          <a:lstStyle/>
+          <a:p>
+            <a:r>
+              <a:rPr lang="fr-FR" dirty="0" smtClean="0"/>
+              <a:t>Joli vibrato sur le fa…</a:t>
+            </a:r>
+            <a:endParaRPr lang="fr-FR" dirty="0"/>
+          </a:p>
+        </p:txBody>
+      </p:sp>
+      <p:cxnSp>
+        <p:nvCxnSpPr>
+          <p:cNvPr id="9" name="Elbow Connector 8"/>
+          <p:cNvCxnSpPr>
+            <a:stCxn id="7" idx="3"/>
+          </p:cNvCxnSpPr>
+          <p:nvPr/>
+        </p:nvCxnSpPr>
+        <p:spPr>
+          <a:xfrm flipV="1">
+            <a:off x="5015880" y="4919972"/>
+            <a:ext cx="144016" cy="544706"/>
+          </a:xfrm>
+          <a:prstGeom prst="bentConnector2">
+            <a:avLst/>
+          </a:prstGeom>
+          <a:ln>
+            <a:tailEnd type="triangle"/>
+          </a:ln>
+        </p:spPr>
+        <p:style>
+          <a:lnRef idx="1">
+            <a:schemeClr val="accent1"/>
+          </a:lnRef>
+          <a:fillRef idx="0">
+            <a:schemeClr val="accent1"/>
+          </a:fillRef>
+          <a:effectRef idx="0">
+            <a:schemeClr val="accent1"/>
+          </a:effectRef>
+          <a:fontRef idx="minor">
+            <a:schemeClr val="tx1"/>
+          </a:fontRef>
+        </p:style>
+      </p:cxnSp>
+      <p:sp>
+        <p:nvSpPr>
+          <p:cNvPr id="11" name="TextBox 10"/>
+          <p:cNvSpPr txBox="1"/>
+          <p:nvPr/>
+        </p:nvSpPr>
+        <p:spPr>
+          <a:xfrm>
+            <a:off x="6672064" y="4818347"/>
+            <a:ext cx="2304256" cy="646331"/>
+          </a:xfrm>
+          <a:prstGeom prst="rect">
+            <a:avLst/>
+          </a:prstGeom>
+          <a:noFill/>
+        </p:spPr>
+        <p:txBody>
+          <a:bodyPr wrap="square" rtlCol="0">
+            <a:spAutoFit/>
+          </a:bodyPr>
+          <a:lstStyle/>
+          <a:p>
+            <a:pPr algn="r"/>
+            <a:r>
+              <a:rPr lang="fr-FR" dirty="0" smtClean="0"/>
+              <a:t>…mais son pas très soutenu sur le si !</a:t>
+            </a:r>
+            <a:endParaRPr lang="fr-FR" dirty="0"/>
+          </a:p>
+        </p:txBody>
+      </p:sp>
+      <p:cxnSp>
+        <p:nvCxnSpPr>
+          <p:cNvPr id="13" name="Straight Arrow Connector 12"/>
+          <p:cNvCxnSpPr/>
+          <p:nvPr/>
+        </p:nvCxnSpPr>
+        <p:spPr>
+          <a:xfrm>
+            <a:off x="8976320" y="5141512"/>
+            <a:ext cx="576064" cy="1"/>
+          </a:xfrm>
+          <a:prstGeom prst="straightConnector1">
+            <a:avLst/>
+          </a:prstGeom>
+          <a:ln>
+            <a:tailEnd type="triangle"/>
+          </a:ln>
+        </p:spPr>
+        <p:style>
+          <a:lnRef idx="1">
+            <a:schemeClr val="accent1"/>
+          </a:lnRef>
+          <a:fillRef idx="0">
+            <a:schemeClr val="accent1"/>
+          </a:fillRef>
+          <a:effectRef idx="0">
+            <a:schemeClr val="accent1"/>
+          </a:effectRef>
+          <a:fontRef idx="minor">
+            <a:schemeClr val="tx1"/>
+          </a:fontRef>
+        </p:style>
+      </p:cxnSp>
+      <p:pic>
+        <p:nvPicPr>
+          <p:cNvPr id="4" name="Content Placeholder 3"/>
+          <p:cNvPicPr>
+            <a:picLocks noGrp="1" noChangeAspect="1"/>
+          </p:cNvPicPr>
+          <p:nvPr>
+            <p:ph idx="1"/>
+          </p:nvPr>
+        </p:nvPicPr>
+        <p:blipFill>
+          <a:blip r:embed="rId2">
+            <a:extLst>
+              <a:ext uri="{28A0092B-C50C-407E-A947-70E740481C1C}">
+                <a14:useLocalDpi xmlns:a14="http://schemas.microsoft.com/office/drawing/2010/main" val="0"/>
+              </a:ext>
+            </a:extLst>
+          </a:blip>
+          <a:stretch>
+            <a:fillRect/>
+          </a:stretch>
+        </p:blipFill>
+        <p:spPr>
+          <a:xfrm>
+            <a:off x="1903406" y="1828800"/>
+            <a:ext cx="8385188" cy="4572000"/>
+          </a:xfrm>
+        </p:spPr>
+      </p:pic>
+    </p:spTree>
+    <p:extLst>
+      <p:ext uri="{BB962C8B-B14F-4D97-AF65-F5344CB8AC3E}">
+        <p14:creationId xmlns:p14="http://schemas.microsoft.com/office/powerpoint/2010/main" val="225744454"/>
+      </p:ext>
+    </p:extLst>
+  </p:cSld>
+  <p:clrMapOvr>
+    <a:masterClrMapping/>
+  </p:clrMapOvr>
+  <mc:AlternateContent xmlns:mc="http://schemas.openxmlformats.org/markup-compatibility/2006" xmlns:p14="http://schemas.microsoft.com/office/powerpoint/2010/main">
+    <mc:Choice Requires="p14">
+      <p:transition spd="med" p14:dur="700">
+        <p:fade/>
+      </p:transition>
+    </mc:Choice>
+    <mc:Fallback xmlns="">
+      <p:transition spd="med">
+        <p:fade/>
+      </p:transition>
+    </mc:Fallback>
+  </mc:AlternateContent>
+  <p:timing>
+    <p:tnLst>
+      <p:par>
+        <p:cTn id="1" dur="indefinite" restart="never" nodeType="tmRoot"/>
+      </p:par>
+    </p:tnLst>
+  </p:timing>
+</p:sld>
+</file>
+
+<file path=ppt/slides/slide14.xml><?xml version="1.0" encoding="utf-8"?>
+<p:sld xmlns:a="http://schemas.openxmlformats.org/drawingml/2006/main" xmlns:r="http://schemas.openxmlformats.org/officeDocument/2006/relationships" xmlns:p="http://schemas.openxmlformats.org/presentationml/2006/main">
+  <p:cSld>
+    <p:spTree>
+      <p:nvGrpSpPr>
+        <p:cNvPr id="1" name=""/>
+        <p:cNvGrpSpPr/>
+        <p:nvPr/>
+      </p:nvGrpSpPr>
+      <p:grpSpPr>
+        <a:xfrm>
+          <a:off x="0" y="0"/>
+          <a:ext cx="0" cy="0"/>
+          <a:chOff x="0" y="0"/>
+          <a:chExt cx="0" cy="0"/>
+        </a:xfrm>
+      </p:grpSpPr>
+      <p:sp>
+        <p:nvSpPr>
+          <p:cNvPr id="2" name="Titre 1"/>
+          <p:cNvSpPr>
+            <a:spLocks noGrp="1"/>
+          </p:cNvSpPr>
+          <p:nvPr>
+            <p:ph type="title"/>
+          </p:nvPr>
+        </p:nvSpPr>
+        <p:spPr/>
+        <p:txBody>
+          <a:bodyPr>
+            <a:normAutofit/>
+          </a:bodyPr>
+          <a:lstStyle/>
+          <a:p>
+            <a:r>
+              <a:rPr lang="fr-FR" dirty="0" smtClean="0"/>
+              <a:t>Reconstitution…</a:t>
+            </a:r>
+            <a:endParaRPr lang="fr-FR" dirty="0"/>
+          </a:p>
+        </p:txBody>
+      </p:sp>
+      <p:sp>
+        <p:nvSpPr>
+          <p:cNvPr id="7" name="TextBox 6"/>
+          <p:cNvSpPr txBox="1"/>
+          <p:nvPr/>
+        </p:nvSpPr>
+        <p:spPr>
+          <a:xfrm>
+            <a:off x="2711624" y="5280012"/>
+            <a:ext cx="2304256" cy="369332"/>
+          </a:xfrm>
+          <a:prstGeom prst="rect">
+            <a:avLst/>
+          </a:prstGeom>
+          <a:noFill/>
+        </p:spPr>
+        <p:txBody>
+          <a:bodyPr wrap="square" rtlCol="0">
+            <a:spAutoFit/>
+          </a:bodyPr>
+          <a:lstStyle/>
+          <a:p>
+            <a:r>
+              <a:rPr lang="fr-FR" dirty="0" smtClean="0"/>
+              <a:t>Joli vibrato sur le fa…</a:t>
+            </a:r>
+            <a:endParaRPr lang="fr-FR" dirty="0"/>
+          </a:p>
+        </p:txBody>
+      </p:sp>
+      <p:cxnSp>
+        <p:nvCxnSpPr>
+          <p:cNvPr id="9" name="Elbow Connector 8"/>
+          <p:cNvCxnSpPr>
+            <a:stCxn id="7" idx="3"/>
+          </p:cNvCxnSpPr>
+          <p:nvPr/>
+        </p:nvCxnSpPr>
+        <p:spPr>
+          <a:xfrm flipV="1">
+            <a:off x="5015880" y="4919972"/>
+            <a:ext cx="144016" cy="544706"/>
+          </a:xfrm>
+          <a:prstGeom prst="bentConnector2">
+            <a:avLst/>
+          </a:prstGeom>
+          <a:ln>
+            <a:tailEnd type="triangle"/>
+          </a:ln>
+        </p:spPr>
+        <p:style>
+          <a:lnRef idx="1">
+            <a:schemeClr val="accent1"/>
+          </a:lnRef>
+          <a:fillRef idx="0">
+            <a:schemeClr val="accent1"/>
+          </a:fillRef>
+          <a:effectRef idx="0">
+            <a:schemeClr val="accent1"/>
+          </a:effectRef>
+          <a:fontRef idx="minor">
+            <a:schemeClr val="tx1"/>
+          </a:fontRef>
+        </p:style>
+      </p:cxnSp>
+      <p:sp>
+        <p:nvSpPr>
+          <p:cNvPr id="11" name="TextBox 10"/>
+          <p:cNvSpPr txBox="1"/>
+          <p:nvPr/>
+        </p:nvSpPr>
+        <p:spPr>
+          <a:xfrm>
+            <a:off x="6672064" y="4818347"/>
+            <a:ext cx="2304256" cy="646331"/>
+          </a:xfrm>
+          <a:prstGeom prst="rect">
+            <a:avLst/>
+          </a:prstGeom>
+          <a:noFill/>
+        </p:spPr>
+        <p:txBody>
+          <a:bodyPr wrap="square" rtlCol="0">
+            <a:spAutoFit/>
+          </a:bodyPr>
+          <a:lstStyle/>
+          <a:p>
+            <a:pPr algn="r"/>
+            <a:r>
+              <a:rPr lang="fr-FR" dirty="0" smtClean="0"/>
+              <a:t>…mais son pas très soutenu sur le si !</a:t>
+            </a:r>
+            <a:endParaRPr lang="fr-FR" dirty="0"/>
+          </a:p>
+        </p:txBody>
+      </p:sp>
+      <p:cxnSp>
+        <p:nvCxnSpPr>
+          <p:cNvPr id="13" name="Straight Arrow Connector 12"/>
+          <p:cNvCxnSpPr/>
+          <p:nvPr/>
+        </p:nvCxnSpPr>
+        <p:spPr>
+          <a:xfrm>
+            <a:off x="8976320" y="5141512"/>
+            <a:ext cx="576064" cy="1"/>
+          </a:xfrm>
+          <a:prstGeom prst="straightConnector1">
+            <a:avLst/>
+          </a:prstGeom>
+          <a:ln>
+            <a:tailEnd type="triangle"/>
+          </a:ln>
+        </p:spPr>
+        <p:style>
+          <a:lnRef idx="1">
+            <a:schemeClr val="accent1"/>
+          </a:lnRef>
+          <a:fillRef idx="0">
+            <a:schemeClr val="accent1"/>
+          </a:fillRef>
+          <a:effectRef idx="0">
+            <a:schemeClr val="accent1"/>
+          </a:effectRef>
+          <a:fontRef idx="minor">
+            <a:schemeClr val="tx1"/>
+          </a:fontRef>
+        </p:style>
+      </p:cxnSp>
+      <p:pic>
+        <p:nvPicPr>
+          <p:cNvPr id="5" name="Content Placeholder 4"/>
+          <p:cNvPicPr>
+            <a:picLocks noGrp="1" noChangeAspect="1"/>
+          </p:cNvPicPr>
+          <p:nvPr>
+            <p:ph idx="1"/>
+          </p:nvPr>
+        </p:nvPicPr>
+        <p:blipFill>
+          <a:blip r:embed="rId2">
+            <a:extLst>
+              <a:ext uri="{28A0092B-C50C-407E-A947-70E740481C1C}">
+                <a14:useLocalDpi xmlns:a14="http://schemas.microsoft.com/office/drawing/2010/main" val="0"/>
+              </a:ext>
+            </a:extLst>
+          </a:blip>
+          <a:stretch>
+            <a:fillRect/>
+          </a:stretch>
+        </p:blipFill>
+        <p:spPr>
+          <a:xfrm>
+            <a:off x="2010049" y="1828800"/>
+            <a:ext cx="8171901" cy="4572000"/>
+          </a:xfrm>
+        </p:spPr>
+      </p:pic>
+    </p:spTree>
+    <p:extLst>
+      <p:ext uri="{BB962C8B-B14F-4D97-AF65-F5344CB8AC3E}">
+        <p14:creationId xmlns:p14="http://schemas.microsoft.com/office/powerpoint/2010/main" val="522880458"/>
+      </p:ext>
+    </p:extLst>
+  </p:cSld>
+  <p:clrMapOvr>
+    <a:masterClrMapping/>
+  </p:clrMapOvr>
+  <mc:AlternateContent xmlns:mc="http://schemas.openxmlformats.org/markup-compatibility/2006" xmlns:p14="http://schemas.microsoft.com/office/powerpoint/2010/main">
+    <mc:Choice Requires="p14">
+      <p:transition spd="med" p14:dur="700">
+        <p:fade/>
+      </p:transition>
+    </mc:Choice>
+    <mc:Fallback xmlns="">
+      <p:transition spd="med">
+        <p:fade/>
+      </p:transition>
+    </mc:Fallback>
+  </mc:AlternateContent>
+  <p:timing>
+    <p:tnLst>
+      <p:par>
+        <p:cTn id="1" dur="indefinite" restart="never" nodeType="tmRoot"/>
+      </p:par>
+    </p:tnLst>
+  </p:timing>
+</p:sld>
+</file>
+
+<file path=ppt/slides/slide15.xml><?xml version="1.0" encoding="utf-8"?>
+<p:sld xmlns:a="http://schemas.openxmlformats.org/drawingml/2006/main" xmlns:r="http://schemas.openxmlformats.org/officeDocument/2006/relationships" xmlns:p="http://schemas.openxmlformats.org/presentationml/2006/main">
+  <p:cSld>
+    <p:spTree>
+      <p:nvGrpSpPr>
+        <p:cNvPr id="1" name=""/>
+        <p:cNvGrpSpPr/>
+        <p:nvPr/>
+      </p:nvGrpSpPr>
+      <p:grpSpPr>
+        <a:xfrm>
+          <a:off x="0" y="0"/>
+          <a:ext cx="0" cy="0"/>
+          <a:chOff x="0" y="0"/>
+          <a:chExt cx="0" cy="0"/>
+        </a:xfrm>
+      </p:grpSpPr>
+      <p:sp>
+        <p:nvSpPr>
+          <p:cNvPr id="2" name="Titre 1"/>
+          <p:cNvSpPr>
+            <a:spLocks noGrp="1"/>
+          </p:cNvSpPr>
+          <p:nvPr>
+            <p:ph type="title"/>
+          </p:nvPr>
+        </p:nvSpPr>
+        <p:spPr/>
+        <p:txBody>
+          <a:bodyPr>
+            <a:normAutofit/>
+          </a:bodyPr>
+          <a:lstStyle/>
+          <a:p>
+            <a:r>
+              <a:rPr lang="fr-FR" dirty="0" smtClean="0"/>
+              <a:t>Reconstitution…</a:t>
+            </a:r>
+            <a:endParaRPr lang="fr-FR" dirty="0"/>
+          </a:p>
+        </p:txBody>
+      </p:sp>
+      <p:sp>
+        <p:nvSpPr>
+          <p:cNvPr id="7" name="TextBox 6"/>
+          <p:cNvSpPr txBox="1"/>
+          <p:nvPr/>
+        </p:nvSpPr>
+        <p:spPr>
+          <a:xfrm>
+            <a:off x="2711624" y="5280012"/>
+            <a:ext cx="2304256" cy="369332"/>
+          </a:xfrm>
+          <a:prstGeom prst="rect">
+            <a:avLst/>
+          </a:prstGeom>
+          <a:noFill/>
+        </p:spPr>
+        <p:txBody>
+          <a:bodyPr wrap="square" rtlCol="0">
+            <a:spAutoFit/>
+          </a:bodyPr>
+          <a:lstStyle/>
+          <a:p>
+            <a:r>
+              <a:rPr lang="fr-FR" dirty="0" smtClean="0"/>
+              <a:t>Joli vibrato sur le fa…</a:t>
+            </a:r>
+            <a:endParaRPr lang="fr-FR" dirty="0"/>
+          </a:p>
+        </p:txBody>
+      </p:sp>
+      <p:cxnSp>
+        <p:nvCxnSpPr>
+          <p:cNvPr id="9" name="Elbow Connector 8"/>
+          <p:cNvCxnSpPr>
+            <a:stCxn id="7" idx="3"/>
+          </p:cNvCxnSpPr>
+          <p:nvPr/>
+        </p:nvCxnSpPr>
+        <p:spPr>
+          <a:xfrm flipV="1">
+            <a:off x="5015880" y="4919972"/>
+            <a:ext cx="144016" cy="544706"/>
+          </a:xfrm>
+          <a:prstGeom prst="bentConnector2">
+            <a:avLst/>
+          </a:prstGeom>
+          <a:ln>
+            <a:tailEnd type="triangle"/>
+          </a:ln>
+        </p:spPr>
+        <p:style>
+          <a:lnRef idx="1">
+            <a:schemeClr val="accent1"/>
+          </a:lnRef>
+          <a:fillRef idx="0">
+            <a:schemeClr val="accent1"/>
+          </a:fillRef>
+          <a:effectRef idx="0">
+            <a:schemeClr val="accent1"/>
+          </a:effectRef>
+          <a:fontRef idx="minor">
+            <a:schemeClr val="tx1"/>
+          </a:fontRef>
+        </p:style>
+      </p:cxnSp>
+      <p:sp>
+        <p:nvSpPr>
+          <p:cNvPr id="11" name="TextBox 10"/>
+          <p:cNvSpPr txBox="1"/>
+          <p:nvPr/>
+        </p:nvSpPr>
+        <p:spPr>
+          <a:xfrm>
+            <a:off x="6672064" y="4818347"/>
+            <a:ext cx="2304256" cy="646331"/>
+          </a:xfrm>
+          <a:prstGeom prst="rect">
+            <a:avLst/>
+          </a:prstGeom>
+          <a:noFill/>
+        </p:spPr>
+        <p:txBody>
+          <a:bodyPr wrap="square" rtlCol="0">
+            <a:spAutoFit/>
+          </a:bodyPr>
+          <a:lstStyle/>
+          <a:p>
+            <a:pPr algn="r"/>
+            <a:r>
+              <a:rPr lang="fr-FR" dirty="0" smtClean="0"/>
+              <a:t>…mais son pas très soutenu sur le si !</a:t>
+            </a:r>
+            <a:endParaRPr lang="fr-FR" dirty="0"/>
+          </a:p>
+        </p:txBody>
+      </p:sp>
+      <p:cxnSp>
+        <p:nvCxnSpPr>
+          <p:cNvPr id="13" name="Straight Arrow Connector 12"/>
+          <p:cNvCxnSpPr/>
+          <p:nvPr/>
+        </p:nvCxnSpPr>
+        <p:spPr>
+          <a:xfrm>
+            <a:off x="8976320" y="5141512"/>
+            <a:ext cx="576064" cy="1"/>
+          </a:xfrm>
+          <a:prstGeom prst="straightConnector1">
+            <a:avLst/>
+          </a:prstGeom>
+          <a:ln>
+            <a:tailEnd type="triangle"/>
+          </a:ln>
+        </p:spPr>
+        <p:style>
+          <a:lnRef idx="1">
+            <a:schemeClr val="accent1"/>
+          </a:lnRef>
+          <a:fillRef idx="0">
+            <a:schemeClr val="accent1"/>
+          </a:fillRef>
+          <a:effectRef idx="0">
+            <a:schemeClr val="accent1"/>
+          </a:effectRef>
+          <a:fontRef idx="minor">
+            <a:schemeClr val="tx1"/>
+          </a:fontRef>
+        </p:style>
+      </p:cxnSp>
+      <p:pic>
+        <p:nvPicPr>
+          <p:cNvPr id="5" name="Content Placeholder 4"/>
+          <p:cNvPicPr>
+            <a:picLocks noGrp="1" noChangeAspect="1"/>
+          </p:cNvPicPr>
+          <p:nvPr>
+            <p:ph idx="1"/>
+          </p:nvPr>
+        </p:nvPicPr>
+        <p:blipFill>
+          <a:blip r:embed="rId2">
+            <a:extLst>
+              <a:ext uri="{28A0092B-C50C-407E-A947-70E740481C1C}">
+                <a14:useLocalDpi xmlns:a14="http://schemas.microsoft.com/office/drawing/2010/main" val="0"/>
+              </a:ext>
+            </a:extLst>
+          </a:blip>
+          <a:stretch>
+            <a:fillRect/>
+          </a:stretch>
+        </p:blipFill>
+        <p:spPr>
+          <a:xfrm>
+            <a:off x="1944523" y="1828800"/>
+            <a:ext cx="8302954" cy="4572000"/>
+          </a:xfrm>
+        </p:spPr>
+      </p:pic>
+    </p:spTree>
+    <p:extLst>
+      <p:ext uri="{BB962C8B-B14F-4D97-AF65-F5344CB8AC3E}">
+        <p14:creationId xmlns:p14="http://schemas.microsoft.com/office/powerpoint/2010/main" val="133481093"/>
+      </p:ext>
+    </p:extLst>
+  </p:cSld>
+  <p:clrMapOvr>
+    <a:masterClrMapping/>
+  </p:clrMapOvr>
+  <mc:AlternateContent xmlns:mc="http://schemas.openxmlformats.org/markup-compatibility/2006" xmlns:p14="http://schemas.microsoft.com/office/powerpoint/2010/main">
+    <mc:Choice Requires="p14">
+      <p:transition spd="med" p14:dur="700">
+        <p:fade/>
+      </p:transition>
+    </mc:Choice>
+    <mc:Fallback xmlns="">
+      <p:transition spd="med">
+        <p:fade/>
+      </p:transition>
+    </mc:Fallback>
+  </mc:AlternateContent>
+  <p:timing>
+    <p:tnLst>
+      <p:par>
+        <p:cTn id="1" dur="indefinite" restart="never" nodeType="tmRoot"/>
+      </p:par>
+    </p:tnLst>
+  </p:timing>
+</p:sld>
+</file>
+
+<file path=ppt/slides/slide16.xml><?xml version="1.0" encoding="utf-8"?>
+<p:sld xmlns:a="http://schemas.openxmlformats.org/drawingml/2006/main" xmlns:r="http://schemas.openxmlformats.org/officeDocument/2006/relationships" xmlns:p="http://schemas.openxmlformats.org/presentationml/2006/main">
+  <p:cSld>
+    <p:spTree>
+      <p:nvGrpSpPr>
+        <p:cNvPr id="1" name=""/>
+        <p:cNvGrpSpPr/>
+        <p:nvPr/>
+      </p:nvGrpSpPr>
+      <p:grpSpPr>
+        <a:xfrm>
+          <a:off x="0" y="0"/>
+          <a:ext cx="0" cy="0"/>
+          <a:chOff x="0" y="0"/>
+          <a:chExt cx="0" cy="0"/>
+        </a:xfrm>
+      </p:grpSpPr>
+      <p:sp>
+        <p:nvSpPr>
+          <p:cNvPr id="2" name="Titre 1"/>
+          <p:cNvSpPr>
+            <a:spLocks noGrp="1"/>
+          </p:cNvSpPr>
+          <p:nvPr>
+            <p:ph type="title"/>
+          </p:nvPr>
+        </p:nvSpPr>
+        <p:spPr/>
+        <p:txBody>
+          <a:bodyPr>
+            <a:normAutofit/>
+          </a:bodyPr>
+          <a:lstStyle/>
+          <a:p>
+            <a:r>
+              <a:rPr lang="fr-FR" dirty="0" smtClean="0"/>
+              <a:t>Reconstitution…</a:t>
+            </a:r>
+            <a:endParaRPr lang="fr-FR" dirty="0"/>
+          </a:p>
+        </p:txBody>
+      </p:sp>
+      <p:sp>
+        <p:nvSpPr>
+          <p:cNvPr id="7" name="TextBox 6"/>
+          <p:cNvSpPr txBox="1"/>
+          <p:nvPr/>
+        </p:nvSpPr>
+        <p:spPr>
+          <a:xfrm>
+            <a:off x="2711624" y="5280012"/>
+            <a:ext cx="2304256" cy="369332"/>
+          </a:xfrm>
+          <a:prstGeom prst="rect">
+            <a:avLst/>
+          </a:prstGeom>
+          <a:noFill/>
+        </p:spPr>
+        <p:txBody>
+          <a:bodyPr wrap="square" rtlCol="0">
+            <a:spAutoFit/>
+          </a:bodyPr>
+          <a:lstStyle/>
+          <a:p>
+            <a:r>
+              <a:rPr lang="fr-FR" dirty="0" smtClean="0"/>
+              <a:t>Joli vibrato sur le fa…</a:t>
+            </a:r>
+            <a:endParaRPr lang="fr-FR" dirty="0"/>
+          </a:p>
+        </p:txBody>
+      </p:sp>
+      <p:cxnSp>
+        <p:nvCxnSpPr>
+          <p:cNvPr id="9" name="Elbow Connector 8"/>
+          <p:cNvCxnSpPr>
+            <a:stCxn id="7" idx="3"/>
+          </p:cNvCxnSpPr>
+          <p:nvPr/>
+        </p:nvCxnSpPr>
+        <p:spPr>
+          <a:xfrm flipV="1">
+            <a:off x="5015880" y="4919972"/>
+            <a:ext cx="144016" cy="544706"/>
+          </a:xfrm>
+          <a:prstGeom prst="bentConnector2">
+            <a:avLst/>
+          </a:prstGeom>
+          <a:ln>
+            <a:tailEnd type="triangle"/>
+          </a:ln>
+        </p:spPr>
+        <p:style>
+          <a:lnRef idx="1">
+            <a:schemeClr val="accent1"/>
+          </a:lnRef>
+          <a:fillRef idx="0">
+            <a:schemeClr val="accent1"/>
+          </a:fillRef>
+          <a:effectRef idx="0">
+            <a:schemeClr val="accent1"/>
+          </a:effectRef>
+          <a:fontRef idx="minor">
+            <a:schemeClr val="tx1"/>
+          </a:fontRef>
+        </p:style>
+      </p:cxnSp>
+      <p:sp>
+        <p:nvSpPr>
+          <p:cNvPr id="11" name="TextBox 10"/>
+          <p:cNvSpPr txBox="1"/>
+          <p:nvPr/>
+        </p:nvSpPr>
+        <p:spPr>
+          <a:xfrm>
+            <a:off x="6672064" y="4818347"/>
+            <a:ext cx="2304256" cy="646331"/>
+          </a:xfrm>
+          <a:prstGeom prst="rect">
+            <a:avLst/>
+          </a:prstGeom>
+          <a:noFill/>
+        </p:spPr>
+        <p:txBody>
+          <a:bodyPr wrap="square" rtlCol="0">
+            <a:spAutoFit/>
+          </a:bodyPr>
+          <a:lstStyle/>
+          <a:p>
+            <a:pPr algn="r"/>
+            <a:r>
+              <a:rPr lang="fr-FR" dirty="0" smtClean="0"/>
+              <a:t>…mais son pas très soutenu sur le si !</a:t>
+            </a:r>
+            <a:endParaRPr lang="fr-FR" dirty="0"/>
+          </a:p>
+        </p:txBody>
+      </p:sp>
+      <p:cxnSp>
+        <p:nvCxnSpPr>
+          <p:cNvPr id="13" name="Straight Arrow Connector 12"/>
+          <p:cNvCxnSpPr/>
+          <p:nvPr/>
+        </p:nvCxnSpPr>
+        <p:spPr>
+          <a:xfrm>
+            <a:off x="8976320" y="5141512"/>
+            <a:ext cx="576064" cy="1"/>
+          </a:xfrm>
+          <a:prstGeom prst="straightConnector1">
+            <a:avLst/>
+          </a:prstGeom>
+          <a:ln>
+            <a:tailEnd type="triangle"/>
+          </a:ln>
+        </p:spPr>
+        <p:style>
+          <a:lnRef idx="1">
+            <a:schemeClr val="accent1"/>
+          </a:lnRef>
+          <a:fillRef idx="0">
+            <a:schemeClr val="accent1"/>
+          </a:fillRef>
+          <a:effectRef idx="0">
+            <a:schemeClr val="accent1"/>
+          </a:effectRef>
+          <a:fontRef idx="minor">
+            <a:schemeClr val="tx1"/>
+          </a:fontRef>
+        </p:style>
+      </p:cxnSp>
+      <p:pic>
+        <p:nvPicPr>
+          <p:cNvPr id="5" name="Content Placeholder 4"/>
+          <p:cNvPicPr>
+            <a:picLocks noGrp="1" noChangeAspect="1"/>
+          </p:cNvPicPr>
+          <p:nvPr>
+            <p:ph idx="1"/>
+          </p:nvPr>
+        </p:nvPicPr>
+        <p:blipFill>
+          <a:blip r:embed="rId2">
+            <a:extLst>
+              <a:ext uri="{28A0092B-C50C-407E-A947-70E740481C1C}">
+                <a14:useLocalDpi xmlns:a14="http://schemas.microsoft.com/office/drawing/2010/main" val="0"/>
+              </a:ext>
+            </a:extLst>
+          </a:blip>
+          <a:stretch>
+            <a:fillRect/>
+          </a:stretch>
+        </p:blipFill>
+        <p:spPr>
+          <a:xfrm>
+            <a:off x="1965939" y="1828800"/>
+            <a:ext cx="8260122" cy="4572000"/>
+          </a:xfrm>
+        </p:spPr>
+      </p:pic>
+    </p:spTree>
+    <p:extLst>
+      <p:ext uri="{BB962C8B-B14F-4D97-AF65-F5344CB8AC3E}">
+        <p14:creationId xmlns:p14="http://schemas.microsoft.com/office/powerpoint/2010/main" val="2345965565"/>
+      </p:ext>
+    </p:extLst>
+  </p:cSld>
+  <p:clrMapOvr>
+    <a:masterClrMapping/>
+  </p:clrMapOvr>
+  <mc:AlternateContent xmlns:mc="http://schemas.openxmlformats.org/markup-compatibility/2006" xmlns:p14="http://schemas.microsoft.com/office/powerpoint/2010/main">
+    <mc:Choice Requires="p14">
+      <p:transition spd="med" p14:dur="700">
+        <p:fade/>
+      </p:transition>
+    </mc:Choice>
+    <mc:Fallback xmlns="">
+      <p:transition spd="med">
+        <p:fade/>
+      </p:transition>
+    </mc:Fallback>
+  </mc:AlternateContent>
+  <p:timing>
+    <p:tnLst>
+      <p:par>
+        <p:cTn id="1" dur="indefinite" restart="never" nodeType="tmRoot"/>
+      </p:par>
+    </p:tnLst>
+  </p:timing>
+</p:sld>
+</file>
+
+<file path=ppt/slides/slide17.xml><?xml version="1.0" encoding="utf-8"?>
+<p:sld xmlns:a="http://schemas.openxmlformats.org/drawingml/2006/main" xmlns:r="http://schemas.openxmlformats.org/officeDocument/2006/relationships" xmlns:p="http://schemas.openxmlformats.org/presentationml/2006/main">
+  <p:cSld>
+    <p:spTree>
+      <p:nvGrpSpPr>
+        <p:cNvPr id="1" name=""/>
+        <p:cNvGrpSpPr/>
+        <p:nvPr/>
+      </p:nvGrpSpPr>
+      <p:grpSpPr>
+        <a:xfrm>
+          <a:off x="0" y="0"/>
+          <a:ext cx="0" cy="0"/>
+          <a:chOff x="0" y="0"/>
+          <a:chExt cx="0" cy="0"/>
+        </a:xfrm>
+      </p:grpSpPr>
+      <p:sp>
+        <p:nvSpPr>
+          <p:cNvPr id="2" name="Titre 1"/>
+          <p:cNvSpPr>
+            <a:spLocks noGrp="1"/>
+          </p:cNvSpPr>
+          <p:nvPr>
+            <p:ph type="title"/>
+          </p:nvPr>
+        </p:nvSpPr>
+        <p:spPr/>
+        <p:txBody>
+          <a:bodyPr>
+            <a:normAutofit/>
+          </a:bodyPr>
+          <a:lstStyle/>
+          <a:p>
+            <a:r>
+              <a:rPr lang="fr-FR" dirty="0" smtClean="0"/>
+              <a:t>Reconstitution…</a:t>
+            </a:r>
+            <a:endParaRPr lang="fr-FR" dirty="0"/>
+          </a:p>
+        </p:txBody>
+      </p:sp>
+      <p:sp>
+        <p:nvSpPr>
+          <p:cNvPr id="7" name="TextBox 6"/>
+          <p:cNvSpPr txBox="1"/>
+          <p:nvPr/>
+        </p:nvSpPr>
+        <p:spPr>
+          <a:xfrm>
+            <a:off x="2711624" y="5280012"/>
+            <a:ext cx="2304256" cy="369332"/>
+          </a:xfrm>
+          <a:prstGeom prst="rect">
+            <a:avLst/>
+          </a:prstGeom>
+          <a:noFill/>
+        </p:spPr>
+        <p:txBody>
+          <a:bodyPr wrap="square" rtlCol="0">
+            <a:spAutoFit/>
+          </a:bodyPr>
+          <a:lstStyle/>
+          <a:p>
+            <a:r>
+              <a:rPr lang="fr-FR" dirty="0" smtClean="0"/>
+              <a:t>Joli vibrato sur le fa…</a:t>
+            </a:r>
+            <a:endParaRPr lang="fr-FR" dirty="0"/>
+          </a:p>
+        </p:txBody>
+      </p:sp>
+      <p:cxnSp>
+        <p:nvCxnSpPr>
+          <p:cNvPr id="9" name="Elbow Connector 8"/>
+          <p:cNvCxnSpPr>
+            <a:stCxn id="7" idx="3"/>
+          </p:cNvCxnSpPr>
+          <p:nvPr/>
+        </p:nvCxnSpPr>
+        <p:spPr>
+          <a:xfrm flipV="1">
+            <a:off x="5015880" y="4919972"/>
+            <a:ext cx="144016" cy="544706"/>
+          </a:xfrm>
+          <a:prstGeom prst="bentConnector2">
+            <a:avLst/>
+          </a:prstGeom>
+          <a:ln>
+            <a:tailEnd type="triangle"/>
+          </a:ln>
+        </p:spPr>
+        <p:style>
+          <a:lnRef idx="1">
+            <a:schemeClr val="accent1"/>
+          </a:lnRef>
+          <a:fillRef idx="0">
+            <a:schemeClr val="accent1"/>
+          </a:fillRef>
+          <a:effectRef idx="0">
+            <a:schemeClr val="accent1"/>
+          </a:effectRef>
+          <a:fontRef idx="minor">
+            <a:schemeClr val="tx1"/>
+          </a:fontRef>
+        </p:style>
+      </p:cxnSp>
+      <p:sp>
+        <p:nvSpPr>
+          <p:cNvPr id="11" name="TextBox 10"/>
+          <p:cNvSpPr txBox="1"/>
+          <p:nvPr/>
+        </p:nvSpPr>
+        <p:spPr>
+          <a:xfrm>
+            <a:off x="6672064" y="4818347"/>
+            <a:ext cx="2304256" cy="646331"/>
+          </a:xfrm>
+          <a:prstGeom prst="rect">
+            <a:avLst/>
+          </a:prstGeom>
+          <a:noFill/>
+        </p:spPr>
+        <p:txBody>
+          <a:bodyPr wrap="square" rtlCol="0">
+            <a:spAutoFit/>
+          </a:bodyPr>
+          <a:lstStyle/>
+          <a:p>
+            <a:pPr algn="r"/>
+            <a:r>
+              <a:rPr lang="fr-FR" dirty="0" smtClean="0"/>
+              <a:t>…mais son pas très soutenu sur le si !</a:t>
+            </a:r>
+            <a:endParaRPr lang="fr-FR" dirty="0"/>
+          </a:p>
+        </p:txBody>
+      </p:sp>
+      <p:cxnSp>
+        <p:nvCxnSpPr>
+          <p:cNvPr id="13" name="Straight Arrow Connector 12"/>
+          <p:cNvCxnSpPr/>
+          <p:nvPr/>
+        </p:nvCxnSpPr>
+        <p:spPr>
+          <a:xfrm>
+            <a:off x="8976320" y="5141512"/>
+            <a:ext cx="576064" cy="1"/>
+          </a:xfrm>
+          <a:prstGeom prst="straightConnector1">
+            <a:avLst/>
+          </a:prstGeom>
+          <a:ln>
+            <a:tailEnd type="triangle"/>
+          </a:ln>
+        </p:spPr>
+        <p:style>
+          <a:lnRef idx="1">
+            <a:schemeClr val="accent1"/>
+          </a:lnRef>
+          <a:fillRef idx="0">
+            <a:schemeClr val="accent1"/>
+          </a:fillRef>
+          <a:effectRef idx="0">
+            <a:schemeClr val="accent1"/>
+          </a:effectRef>
+          <a:fontRef idx="minor">
+            <a:schemeClr val="tx1"/>
+          </a:fontRef>
+        </p:style>
+      </p:cxnSp>
+      <p:pic>
+        <p:nvPicPr>
+          <p:cNvPr id="4" name="Content Placeholder 3"/>
+          <p:cNvPicPr>
+            <a:picLocks noGrp="1" noChangeAspect="1"/>
+          </p:cNvPicPr>
+          <p:nvPr>
+            <p:ph idx="1"/>
+          </p:nvPr>
+        </p:nvPicPr>
+        <p:blipFill>
+          <a:blip r:embed="rId2">
+            <a:extLst>
+              <a:ext uri="{28A0092B-C50C-407E-A947-70E740481C1C}">
+                <a14:useLocalDpi xmlns:a14="http://schemas.microsoft.com/office/drawing/2010/main" val="0"/>
+              </a:ext>
+            </a:extLst>
+          </a:blip>
+          <a:stretch>
+            <a:fillRect/>
+          </a:stretch>
+        </p:blipFill>
+        <p:spPr>
+          <a:xfrm>
+            <a:off x="1907687" y="1828800"/>
+            <a:ext cx="8376625" cy="4572000"/>
+          </a:xfrm>
+        </p:spPr>
+      </p:pic>
+      <p:sp>
+        <p:nvSpPr>
+          <p:cNvPr id="6" name="TextBox 5"/>
+          <p:cNvSpPr txBox="1"/>
+          <p:nvPr/>
+        </p:nvSpPr>
+        <p:spPr>
+          <a:xfrm>
+            <a:off x="274712" y="3930134"/>
+            <a:ext cx="1584176" cy="369332"/>
+          </a:xfrm>
+          <a:prstGeom prst="rect">
+            <a:avLst/>
+          </a:prstGeom>
+          <a:noFill/>
+        </p:spPr>
+        <p:txBody>
+          <a:bodyPr wrap="square" rtlCol="0">
+            <a:spAutoFit/>
+          </a:bodyPr>
+          <a:lstStyle/>
+          <a:p>
+            <a:r>
+              <a:rPr lang="fr-FR" dirty="0" smtClean="0"/>
+              <a:t>Note de flute</a:t>
+            </a:r>
+            <a:endParaRPr lang="fr-FR" dirty="0"/>
+          </a:p>
+        </p:txBody>
+      </p:sp>
+    </p:spTree>
+    <p:extLst>
+      <p:ext uri="{BB962C8B-B14F-4D97-AF65-F5344CB8AC3E}">
+        <p14:creationId xmlns:p14="http://schemas.microsoft.com/office/powerpoint/2010/main" val="2268586015"/>
+      </p:ext>
+    </p:extLst>
+  </p:cSld>
+  <p:clrMapOvr>
+    <a:masterClrMapping/>
+  </p:clrMapOvr>
+  <mc:AlternateContent xmlns:mc="http://schemas.openxmlformats.org/markup-compatibility/2006" xmlns:p14="http://schemas.microsoft.com/office/powerpoint/2010/main">
+    <mc:Choice Requires="p14">
+      <p:transition spd="med" p14:dur="700">
+        <p:fade/>
+      </p:transition>
+    </mc:Choice>
+    <mc:Fallback xmlns="">
+      <p:transition spd="med">
+        <p:fade/>
+      </p:transition>
+    </mc:Fallback>
+  </mc:AlternateContent>
+  <p:timing>
+    <p:tnLst>
+      <p:par>
+        <p:cTn id="1" dur="indefinite" restart="never" nodeType="tmRoot"/>
+      </p:par>
+    </p:tnLst>
+  </p:timing>
+</p:sld>
+</file>
+
+<file path=ppt/slides/slide18.xml><?xml version="1.0" encoding="utf-8"?>
+<p:sld xmlns:a="http://schemas.openxmlformats.org/drawingml/2006/main" xmlns:r="http://schemas.openxmlformats.org/officeDocument/2006/relationships" xmlns:p="http://schemas.openxmlformats.org/presentationml/2006/main">
+  <p:cSld>
+    <p:spTree>
+      <p:nvGrpSpPr>
+        <p:cNvPr id="1" name=""/>
+        <p:cNvGrpSpPr/>
+        <p:nvPr/>
+      </p:nvGrpSpPr>
+      <p:grpSpPr>
+        <a:xfrm>
+          <a:off x="0" y="0"/>
+          <a:ext cx="0" cy="0"/>
+          <a:chOff x="0" y="0"/>
+          <a:chExt cx="0" cy="0"/>
+        </a:xfrm>
+      </p:grpSpPr>
+      <p:sp>
+        <p:nvSpPr>
+          <p:cNvPr id="2" name="Titre 1"/>
+          <p:cNvSpPr>
+            <a:spLocks noGrp="1"/>
+          </p:cNvSpPr>
+          <p:nvPr>
+            <p:ph type="title"/>
+          </p:nvPr>
+        </p:nvSpPr>
+        <p:spPr/>
+        <p:txBody>
+          <a:bodyPr>
+            <a:normAutofit/>
+          </a:bodyPr>
+          <a:lstStyle/>
+          <a:p>
+            <a:r>
+              <a:rPr lang="fr-FR" dirty="0" smtClean="0"/>
+              <a:t>Reconstitution…</a:t>
+            </a:r>
+            <a:endParaRPr lang="fr-FR" dirty="0"/>
+          </a:p>
+        </p:txBody>
+      </p:sp>
+      <p:pic>
+        <p:nvPicPr>
+          <p:cNvPr id="5" name="Content Placeholder 4"/>
+          <p:cNvPicPr>
+            <a:picLocks noGrp="1" noChangeAspect="1"/>
+          </p:cNvPicPr>
+          <p:nvPr>
+            <p:ph idx="1"/>
+          </p:nvPr>
+        </p:nvPicPr>
+        <p:blipFill>
+          <a:blip r:embed="rId2">
+            <a:extLst>
+              <a:ext uri="{28A0092B-C50C-407E-A947-70E740481C1C}">
+                <a14:useLocalDpi xmlns:a14="http://schemas.microsoft.com/office/drawing/2010/main" val="0"/>
+              </a:ext>
+            </a:extLst>
+          </a:blip>
+          <a:stretch>
+            <a:fillRect/>
+          </a:stretch>
+        </p:blipFill>
+        <p:spPr>
+          <a:xfrm>
+            <a:off x="1979943" y="1828800"/>
+            <a:ext cx="8232114" cy="4572000"/>
+          </a:xfrm>
+        </p:spPr>
+      </p:pic>
+      <p:sp>
+        <p:nvSpPr>
+          <p:cNvPr id="7" name="TextBox 6"/>
+          <p:cNvSpPr txBox="1"/>
+          <p:nvPr/>
+        </p:nvSpPr>
+        <p:spPr>
+          <a:xfrm>
+            <a:off x="2711624" y="5280012"/>
+            <a:ext cx="2304256" cy="369332"/>
+          </a:xfrm>
+          <a:prstGeom prst="rect">
+            <a:avLst/>
+          </a:prstGeom>
+          <a:noFill/>
+        </p:spPr>
+        <p:txBody>
+          <a:bodyPr wrap="square" rtlCol="0">
+            <a:spAutoFit/>
+          </a:bodyPr>
+          <a:lstStyle/>
+          <a:p>
+            <a:r>
+              <a:rPr lang="fr-FR" dirty="0" smtClean="0"/>
+              <a:t>Joli vibrato sur le fa…</a:t>
+            </a:r>
+            <a:endParaRPr lang="fr-FR" dirty="0"/>
+          </a:p>
+        </p:txBody>
+      </p:sp>
+      <p:cxnSp>
+        <p:nvCxnSpPr>
+          <p:cNvPr id="9" name="Elbow Connector 8"/>
+          <p:cNvCxnSpPr>
+            <a:stCxn id="7" idx="3"/>
+          </p:cNvCxnSpPr>
+          <p:nvPr/>
+        </p:nvCxnSpPr>
+        <p:spPr>
+          <a:xfrm flipV="1">
+            <a:off x="5015880" y="4919972"/>
+            <a:ext cx="144016" cy="544706"/>
+          </a:xfrm>
+          <a:prstGeom prst="bentConnector2">
+            <a:avLst/>
+          </a:prstGeom>
+          <a:ln>
+            <a:tailEnd type="triangle"/>
+          </a:ln>
+        </p:spPr>
+        <p:style>
+          <a:lnRef idx="1">
+            <a:schemeClr val="accent1"/>
+          </a:lnRef>
+          <a:fillRef idx="0">
+            <a:schemeClr val="accent1"/>
+          </a:fillRef>
+          <a:effectRef idx="0">
+            <a:schemeClr val="accent1"/>
+          </a:effectRef>
+          <a:fontRef idx="minor">
+            <a:schemeClr val="tx1"/>
+          </a:fontRef>
+        </p:style>
+      </p:cxnSp>
+      <p:sp>
+        <p:nvSpPr>
+          <p:cNvPr id="11" name="TextBox 10"/>
+          <p:cNvSpPr txBox="1"/>
+          <p:nvPr/>
+        </p:nvSpPr>
+        <p:spPr>
+          <a:xfrm>
+            <a:off x="6672064" y="4818347"/>
+            <a:ext cx="2304256" cy="646331"/>
+          </a:xfrm>
+          <a:prstGeom prst="rect">
+            <a:avLst/>
+          </a:prstGeom>
+          <a:noFill/>
+        </p:spPr>
+        <p:txBody>
+          <a:bodyPr wrap="square" rtlCol="0">
+            <a:spAutoFit/>
+          </a:bodyPr>
+          <a:lstStyle/>
+          <a:p>
+            <a:pPr algn="r"/>
+            <a:r>
+              <a:rPr lang="fr-FR" dirty="0" smtClean="0"/>
+              <a:t>…mais son pas très soutenu sur le si !</a:t>
+            </a:r>
+            <a:endParaRPr lang="fr-FR" dirty="0"/>
+          </a:p>
+        </p:txBody>
+      </p:sp>
+      <p:cxnSp>
+        <p:nvCxnSpPr>
+          <p:cNvPr id="13" name="Straight Arrow Connector 12"/>
+          <p:cNvCxnSpPr/>
+          <p:nvPr/>
+        </p:nvCxnSpPr>
+        <p:spPr>
+          <a:xfrm>
+            <a:off x="8976320" y="5141512"/>
+            <a:ext cx="576064" cy="1"/>
+          </a:xfrm>
+          <a:prstGeom prst="straightConnector1">
+            <a:avLst/>
+          </a:prstGeom>
+          <a:ln>
+            <a:tailEnd type="triangle"/>
+          </a:ln>
+        </p:spPr>
+        <p:style>
+          <a:lnRef idx="1">
+            <a:schemeClr val="accent1"/>
+          </a:lnRef>
+          <a:fillRef idx="0">
+            <a:schemeClr val="accent1"/>
+          </a:fillRef>
+          <a:effectRef idx="0">
+            <a:schemeClr val="accent1"/>
+          </a:effectRef>
+          <a:fontRef idx="minor">
+            <a:schemeClr val="tx1"/>
+          </a:fontRef>
+        </p:style>
+      </p:cxnSp>
+    </p:spTree>
+    <p:extLst>
+      <p:ext uri="{BB962C8B-B14F-4D97-AF65-F5344CB8AC3E}">
+        <p14:creationId xmlns:p14="http://schemas.microsoft.com/office/powerpoint/2010/main" val="3238529067"/>
+      </p:ext>
+    </p:extLst>
+  </p:cSld>
+  <p:clrMapOvr>
+    <a:masterClrMapping/>
+  </p:clrMapOvr>
+  <mc:AlternateContent xmlns:mc="http://schemas.openxmlformats.org/markup-compatibility/2006" xmlns:p14="http://schemas.microsoft.com/office/powerpoint/2010/main">
+    <mc:Choice Requires="p14">
+      <p:transition spd="med" p14:dur="700">
+        <p:fade/>
+      </p:transition>
+    </mc:Choice>
+    <mc:Fallback xmlns="">
+      <p:transition spd="med">
+        <p:fade/>
+      </p:transition>
+    </mc:Fallback>
+  </mc:AlternateContent>
+  <p:timing>
+    <p:tnLst>
+      <p:par>
+        <p:cTn id="1" dur="indefinite" restart="never" nodeType="tmRoot"/>
+      </p:par>
+    </p:tnLst>
+  </p:timing>
+</p:sld>
+</file>
+
+<file path=ppt/slides/slide19.xml><?xml version="1.0" encoding="utf-8"?>
+<p:sld xmlns:a="http://schemas.openxmlformats.org/drawingml/2006/main" xmlns:r="http://schemas.openxmlformats.org/officeDocument/2006/relationships" xmlns:p="http://schemas.openxmlformats.org/presentationml/2006/main">
+  <p:cSld>
+    <p:spTree>
+      <p:nvGrpSpPr>
+        <p:cNvPr id="1" name=""/>
+        <p:cNvGrpSpPr/>
+        <p:nvPr/>
+      </p:nvGrpSpPr>
+      <p:grpSpPr>
+        <a:xfrm>
+          <a:off x="0" y="0"/>
+          <a:ext cx="0" cy="0"/>
+          <a:chOff x="0" y="0"/>
+          <a:chExt cx="0" cy="0"/>
+        </a:xfrm>
+      </p:grpSpPr>
+      <p:sp>
+        <p:nvSpPr>
+          <p:cNvPr id="2" name="Titre 1"/>
+          <p:cNvSpPr>
+            <a:spLocks noGrp="1"/>
+          </p:cNvSpPr>
+          <p:nvPr>
+            <p:ph type="title"/>
+          </p:nvPr>
+        </p:nvSpPr>
+        <p:spPr/>
+        <p:txBody>
+          <a:bodyPr>
+            <a:normAutofit/>
+          </a:bodyPr>
+          <a:lstStyle/>
+          <a:p>
+            <a:r>
+              <a:rPr lang="fr-FR" dirty="0" smtClean="0"/>
+              <a:t>Les transformées de Fourier</a:t>
+            </a:r>
+            <a:endParaRPr lang="fr-FR" dirty="0"/>
+          </a:p>
+        </p:txBody>
+      </p:sp>
+      <mc:AlternateContent xmlns:mc="http://schemas.openxmlformats.org/markup-compatibility/2006" xmlns:a14="http://schemas.microsoft.com/office/drawing/2010/main">
+        <mc:Choice Requires="a14">
+          <p:sp>
+            <p:nvSpPr>
+              <p:cNvPr id="3" name="Espace réservé du contenu 2"/>
+              <p:cNvSpPr>
+                <a:spLocks noGrp="1"/>
+              </p:cNvSpPr>
+              <p:nvPr>
+                <p:ph idx="1"/>
+              </p:nvPr>
+            </p:nvSpPr>
+            <p:spPr/>
+            <p:txBody>
+              <a:bodyPr>
+                <a:normAutofit lnSpcReduction="10000"/>
+              </a:bodyPr>
+              <a:lstStyle/>
+              <a:p>
+                <a:pPr>
+                  <a:buClr>
+                    <a:schemeClr val="tx1">
+                      <a:lumMod val="75000"/>
+                    </a:schemeClr>
+                  </a:buClr>
+                </a:pPr>
+                <a:r>
+                  <a:rPr lang="fr-FR" dirty="0" smtClean="0"/>
+                  <a:t>Transformée de Fourier continue :</a:t>
+                </a:r>
+              </a:p>
+              <a:p>
+                <a:pPr marL="0" indent="0">
+                  <a:buClr>
+                    <a:schemeClr val="tx1">
+                      <a:lumMod val="75000"/>
+                    </a:schemeClr>
+                  </a:buClr>
+                  <a:buNone/>
+                </a:pPr>
+                <a14:m>
+                  <m:oMathPara xmlns:m="http://schemas.openxmlformats.org/officeDocument/2006/math">
+                    <m:oMathParaPr>
+                      <m:jc m:val="centerGroup"/>
+                    </m:oMathParaPr>
+                    <m:oMath xmlns:m="http://schemas.openxmlformats.org/officeDocument/2006/math">
+                      <m:r>
+                        <a:rPr lang="fr-FR" b="0" i="1" smtClean="0">
+                          <a:latin typeface="Cambria Math" panose="02040503050406030204" pitchFamily="18" charset="0"/>
+                        </a:rPr>
+                        <m:t>𝑠</m:t>
+                      </m:r>
+                      <m:d>
+                        <m:dPr>
+                          <m:ctrlPr>
+                            <a:rPr lang="fr-FR" b="0" i="1" smtClean="0">
+                              <a:latin typeface="Cambria Math" panose="02040503050406030204" pitchFamily="18" charset="0"/>
+                            </a:rPr>
+                          </m:ctrlPr>
+                        </m:dPr>
+                        <m:e>
+                          <m:r>
+                            <a:rPr lang="fr-FR" b="0" i="1" smtClean="0">
+                              <a:latin typeface="Cambria Math" panose="02040503050406030204" pitchFamily="18" charset="0"/>
+                            </a:rPr>
+                            <m:t>𝑡</m:t>
+                          </m:r>
+                        </m:e>
+                      </m:d>
+                      <m:groupChr>
+                        <m:groupChrPr>
+                          <m:chr m:val="→"/>
+                          <m:vertJc m:val="bot"/>
+                          <m:ctrlPr>
+                            <a:rPr lang="fr-FR" b="0" i="1" smtClean="0">
+                              <a:latin typeface="Cambria Math" panose="02040503050406030204" pitchFamily="18" charset="0"/>
+                            </a:rPr>
+                          </m:ctrlPr>
+                        </m:groupChrPr>
+                        <m:e>
+                          <m:r>
+                            <m:rPr>
+                              <m:brk m:alnAt="2"/>
+                            </m:rPr>
+                            <a:rPr lang="fr-FR" b="0" i="1" smtClean="0">
+                              <a:latin typeface="Cambria Math" panose="02040503050406030204" pitchFamily="18" charset="0"/>
+                            </a:rPr>
+                            <m:t>𝐹</m:t>
+                          </m:r>
+                          <m:r>
+                            <a:rPr lang="fr-FR" b="0" i="1" smtClean="0">
+                              <a:latin typeface="Cambria Math" panose="02040503050406030204" pitchFamily="18" charset="0"/>
+                            </a:rPr>
+                            <m:t>𝑇</m:t>
+                          </m:r>
+                        </m:e>
+                      </m:groupChr>
+                      <m:r>
+                        <a:rPr lang="fr-FR" b="0" i="1" smtClean="0">
+                          <a:latin typeface="Cambria Math" panose="02040503050406030204" pitchFamily="18" charset="0"/>
+                        </a:rPr>
+                        <m:t>𝑆</m:t>
+                      </m:r>
+                      <m:d>
+                        <m:dPr>
+                          <m:ctrlPr>
+                            <a:rPr lang="fr-FR" b="0" i="1" smtClean="0">
+                              <a:latin typeface="Cambria Math" panose="02040503050406030204" pitchFamily="18" charset="0"/>
+                            </a:rPr>
+                          </m:ctrlPr>
+                        </m:dPr>
+                        <m:e>
+                          <m:r>
+                            <a:rPr lang="fr-FR" b="0" i="1" smtClean="0">
+                              <a:latin typeface="Cambria Math" panose="02040503050406030204" pitchFamily="18" charset="0"/>
+                            </a:rPr>
+                            <m:t>𝑓</m:t>
+                          </m:r>
+                        </m:e>
+                      </m:d>
+                      <m:r>
+                        <a:rPr lang="fr-FR" b="0" i="1" smtClean="0">
+                          <a:latin typeface="Cambria Math" panose="02040503050406030204" pitchFamily="18" charset="0"/>
+                        </a:rPr>
+                        <m:t>=</m:t>
+                      </m:r>
+                      <m:nary>
+                        <m:naryPr>
+                          <m:limLoc m:val="undOvr"/>
+                          <m:ctrlPr>
+                            <a:rPr lang="fr-FR" b="0" i="1" smtClean="0">
+                              <a:latin typeface="Cambria Math" panose="02040503050406030204" pitchFamily="18" charset="0"/>
+                            </a:rPr>
+                          </m:ctrlPr>
+                        </m:naryPr>
+                        <m:sub>
+                          <m:r>
+                            <m:rPr>
+                              <m:brk m:alnAt="24"/>
+                            </m:rPr>
+                            <a:rPr lang="fr-FR" b="0" i="1" smtClean="0">
+                              <a:latin typeface="Cambria Math" panose="02040503050406030204" pitchFamily="18" charset="0"/>
+                            </a:rPr>
+                            <m:t>−</m:t>
+                          </m:r>
+                          <m:r>
+                            <a:rPr lang="fr-FR" b="0" i="1" smtClean="0">
+                              <a:latin typeface="Cambria Math" panose="02040503050406030204" pitchFamily="18" charset="0"/>
+                              <a:ea typeface="Cambria Math" panose="02040503050406030204" pitchFamily="18" charset="0"/>
+                            </a:rPr>
+                            <m:t>∞</m:t>
+                          </m:r>
+                        </m:sub>
+                        <m:sup>
+                          <m:r>
+                            <a:rPr lang="fr-FR" b="0" i="1" smtClean="0">
+                              <a:latin typeface="Cambria Math" panose="02040503050406030204" pitchFamily="18" charset="0"/>
+                            </a:rPr>
+                            <m:t>+</m:t>
+                          </m:r>
+                          <m:r>
+                            <a:rPr lang="fr-FR" b="0" i="1" smtClean="0">
+                              <a:latin typeface="Cambria Math" panose="02040503050406030204" pitchFamily="18" charset="0"/>
+                              <a:ea typeface="Cambria Math" panose="02040503050406030204" pitchFamily="18" charset="0"/>
+                            </a:rPr>
+                            <m:t>∞</m:t>
+                          </m:r>
+                        </m:sup>
+                        <m:e>
+                          <m:r>
+                            <a:rPr lang="fr-FR" b="0" i="1" smtClean="0">
+                              <a:latin typeface="Cambria Math" panose="02040503050406030204" pitchFamily="18" charset="0"/>
+                            </a:rPr>
+                            <m:t>𝑠</m:t>
+                          </m:r>
+                          <m:r>
+                            <a:rPr lang="fr-FR" b="0" i="1" smtClean="0">
+                              <a:latin typeface="Cambria Math" panose="02040503050406030204" pitchFamily="18" charset="0"/>
+                            </a:rPr>
+                            <m:t>(</m:t>
+                          </m:r>
+                          <m:r>
+                            <a:rPr lang="fr-FR" b="0" i="1" smtClean="0">
+                              <a:latin typeface="Cambria Math" panose="02040503050406030204" pitchFamily="18" charset="0"/>
+                            </a:rPr>
+                            <m:t>𝑡</m:t>
+                          </m:r>
+                          <m:r>
+                            <a:rPr lang="fr-FR" b="0" i="1" smtClean="0">
+                              <a:latin typeface="Cambria Math" panose="02040503050406030204" pitchFamily="18" charset="0"/>
+                            </a:rPr>
+                            <m:t>)</m:t>
+                          </m:r>
+                        </m:e>
+                      </m:nary>
+                      <m:sSup>
+                        <m:sSupPr>
+                          <m:ctrlPr>
+                            <a:rPr lang="fr-FR" i="1">
+                              <a:latin typeface="Cambria Math" panose="02040503050406030204" pitchFamily="18" charset="0"/>
+                              <a:ea typeface="Cambria Math" panose="02040503050406030204" pitchFamily="18" charset="0"/>
+                            </a:rPr>
+                          </m:ctrlPr>
+                        </m:sSupPr>
+                        <m:e>
+                          <m:r>
+                            <a:rPr lang="fr-FR" i="1">
+                              <a:latin typeface="Cambria Math" panose="02040503050406030204" pitchFamily="18" charset="0"/>
+                              <a:ea typeface="Cambria Math" panose="02040503050406030204" pitchFamily="18" charset="0"/>
+                            </a:rPr>
+                            <m:t>𝑒</m:t>
+                          </m:r>
+                        </m:e>
+                        <m:sup>
+                          <m:r>
+                            <a:rPr lang="fr-FR" i="1">
+                              <a:latin typeface="Cambria Math" panose="02040503050406030204" pitchFamily="18" charset="0"/>
+                              <a:ea typeface="Cambria Math" panose="02040503050406030204" pitchFamily="18" charset="0"/>
+                            </a:rPr>
+                            <m:t>−</m:t>
+                          </m:r>
+                          <m:r>
+                            <a:rPr lang="fr-FR" i="1">
+                              <a:latin typeface="Cambria Math" panose="02040503050406030204" pitchFamily="18" charset="0"/>
+                              <a:ea typeface="Cambria Math" panose="02040503050406030204" pitchFamily="18" charset="0"/>
+                            </a:rPr>
+                            <m:t>𝑗</m:t>
+                          </m:r>
+                          <m:r>
+                            <a:rPr lang="fr-FR" i="1">
+                              <a:latin typeface="Cambria Math" panose="02040503050406030204" pitchFamily="18" charset="0"/>
+                              <a:ea typeface="Cambria Math" panose="02040503050406030204" pitchFamily="18" charset="0"/>
+                            </a:rPr>
+                            <m:t>2</m:t>
+                          </m:r>
+                          <m:r>
+                            <a:rPr lang="fr-FR" i="1">
+                              <a:latin typeface="Cambria Math" panose="02040503050406030204" pitchFamily="18" charset="0"/>
+                              <a:ea typeface="Cambria Math" panose="02040503050406030204" pitchFamily="18" charset="0"/>
+                            </a:rPr>
+                            <m:t>𝜋</m:t>
+                          </m:r>
+                          <m:r>
+                            <a:rPr lang="fr-FR" i="1">
+                              <a:latin typeface="Cambria Math" panose="02040503050406030204" pitchFamily="18" charset="0"/>
+                              <a:ea typeface="Cambria Math" panose="02040503050406030204" pitchFamily="18" charset="0"/>
+                            </a:rPr>
+                            <m:t>𝑓𝑡</m:t>
+                          </m:r>
+                        </m:sup>
+                      </m:sSup>
+                      <m:r>
+                        <a:rPr lang="fr-FR" b="0" i="1" smtClean="0">
+                          <a:latin typeface="Cambria Math" panose="02040503050406030204" pitchFamily="18" charset="0"/>
+                          <a:ea typeface="Cambria Math" panose="02040503050406030204" pitchFamily="18" charset="0"/>
+                        </a:rPr>
+                        <m:t>𝑑𝑡</m:t>
+                      </m:r>
+                    </m:oMath>
+                  </m:oMathPara>
+                </a14:m>
+                <a:endParaRPr lang="fr-FR" dirty="0" smtClean="0"/>
+              </a:p>
+              <a:p>
+                <a:pPr>
+                  <a:buClr>
+                    <a:schemeClr val="tx1">
+                      <a:lumMod val="75000"/>
+                    </a:schemeClr>
+                  </a:buClr>
+                </a:pPr>
+                <a:r>
+                  <a:rPr lang="fr-FR" dirty="0"/>
+                  <a:t>Transformée de Fourier </a:t>
+                </a:r>
+                <a:r>
+                  <a:rPr lang="fr-FR" dirty="0" smtClean="0"/>
+                  <a:t>à temps discret </a:t>
+                </a:r>
+                <a:r>
+                  <a:rPr lang="fr-FR" dirty="0"/>
+                  <a:t>:</a:t>
+                </a:r>
+              </a:p>
+              <a:p>
+                <a:pPr marL="0" indent="0">
+                  <a:buClr>
+                    <a:schemeClr val="tx1">
+                      <a:lumMod val="75000"/>
+                    </a:schemeClr>
+                  </a:buClr>
+                  <a:buNone/>
+                </a:pPr>
+                <a14:m>
+                  <m:oMathPara xmlns:m="http://schemas.openxmlformats.org/officeDocument/2006/math">
+                    <m:oMathParaPr>
+                      <m:jc m:val="centerGroup"/>
+                    </m:oMathParaPr>
+                    <m:oMath xmlns:m="http://schemas.openxmlformats.org/officeDocument/2006/math">
+                      <m:r>
+                        <a:rPr lang="fr-FR" i="1">
+                          <a:latin typeface="Cambria Math" panose="02040503050406030204" pitchFamily="18" charset="0"/>
+                        </a:rPr>
+                        <m:t>𝑠</m:t>
+                      </m:r>
+                      <m:d>
+                        <m:dPr>
+                          <m:ctrlPr>
+                            <a:rPr lang="fr-FR" i="1">
+                              <a:latin typeface="Cambria Math" panose="02040503050406030204" pitchFamily="18" charset="0"/>
+                            </a:rPr>
+                          </m:ctrlPr>
+                        </m:dPr>
+                        <m:e>
+                          <m:r>
+                            <a:rPr lang="fr-FR" i="1">
+                              <a:latin typeface="Cambria Math" panose="02040503050406030204" pitchFamily="18" charset="0"/>
+                            </a:rPr>
+                            <m:t>𝑘</m:t>
+                          </m:r>
+                        </m:e>
+                      </m:d>
+                      <m:groupChr>
+                        <m:groupChrPr>
+                          <m:chr m:val="→"/>
+                          <m:vertJc m:val="bot"/>
+                          <m:ctrlPr>
+                            <a:rPr lang="fr-FR" i="1">
+                              <a:latin typeface="Cambria Math" panose="02040503050406030204" pitchFamily="18" charset="0"/>
+                            </a:rPr>
+                          </m:ctrlPr>
+                        </m:groupChrPr>
+                        <m:e>
+                          <m:r>
+                            <m:rPr>
+                              <m:brk m:alnAt="2"/>
+                            </m:rPr>
+                            <a:rPr lang="fr-FR" i="1">
+                              <a:latin typeface="Cambria Math" panose="02040503050406030204" pitchFamily="18" charset="0"/>
+                            </a:rPr>
+                            <m:t>𝐷</m:t>
+                          </m:r>
+                          <m:r>
+                            <a:rPr lang="fr-FR" b="0" i="1" smtClean="0">
+                              <a:latin typeface="Cambria Math" panose="02040503050406030204" pitchFamily="18" charset="0"/>
+                            </a:rPr>
+                            <m:t>𝑇</m:t>
+                          </m:r>
+                          <m:r>
+                            <a:rPr lang="fr-FR" i="1">
+                              <a:latin typeface="Cambria Math" panose="02040503050406030204" pitchFamily="18" charset="0"/>
+                            </a:rPr>
+                            <m:t>𝐹𝑇</m:t>
+                          </m:r>
+                        </m:e>
+                      </m:groupChr>
+                      <m:r>
+                        <a:rPr lang="fr-FR" i="1">
+                          <a:latin typeface="Cambria Math" panose="02040503050406030204" pitchFamily="18" charset="0"/>
+                        </a:rPr>
+                        <m:t>𝑆</m:t>
+                      </m:r>
+                      <m:d>
+                        <m:dPr>
+                          <m:ctrlPr>
+                            <a:rPr lang="fr-FR" i="1">
+                              <a:latin typeface="Cambria Math" panose="02040503050406030204" pitchFamily="18" charset="0"/>
+                            </a:rPr>
+                          </m:ctrlPr>
+                        </m:dPr>
+                        <m:e>
+                          <m:r>
+                            <a:rPr lang="fr-FR" i="1">
+                              <a:latin typeface="Cambria Math" panose="02040503050406030204" pitchFamily="18" charset="0"/>
+                            </a:rPr>
+                            <m:t>𝑓</m:t>
+                          </m:r>
+                        </m:e>
+                      </m:d>
+                      <m:r>
+                        <a:rPr lang="fr-FR" i="1">
+                          <a:latin typeface="Cambria Math" panose="02040503050406030204" pitchFamily="18" charset="0"/>
+                        </a:rPr>
+                        <m:t>=</m:t>
+                      </m:r>
+                      <m:nary>
+                        <m:naryPr>
+                          <m:chr m:val="∑"/>
+                          <m:ctrlPr>
+                            <a:rPr lang="fr-FR" i="1">
+                              <a:latin typeface="Cambria Math" panose="02040503050406030204" pitchFamily="18" charset="0"/>
+                            </a:rPr>
+                          </m:ctrlPr>
+                        </m:naryPr>
+                        <m:sub>
+                          <m:r>
+                            <m:rPr>
+                              <m:brk m:alnAt="23"/>
+                            </m:rPr>
+                            <a:rPr lang="fr-FR" i="1">
+                              <a:latin typeface="Cambria Math" panose="02040503050406030204" pitchFamily="18" charset="0"/>
+                            </a:rPr>
+                            <m:t>𝑘</m:t>
+                          </m:r>
+                          <m:r>
+                            <a:rPr lang="fr-FR" i="1">
+                              <a:latin typeface="Cambria Math" panose="02040503050406030204" pitchFamily="18" charset="0"/>
+                            </a:rPr>
+                            <m:t>=−∞</m:t>
+                          </m:r>
+                        </m:sub>
+                        <m:sup>
+                          <m:r>
+                            <a:rPr lang="fr-FR" i="1">
+                              <a:latin typeface="Cambria Math" panose="02040503050406030204" pitchFamily="18" charset="0"/>
+                            </a:rPr>
+                            <m:t>+</m:t>
+                          </m:r>
+                          <m:r>
+                            <a:rPr lang="fr-FR" i="1">
+                              <a:latin typeface="Cambria Math" panose="02040503050406030204" pitchFamily="18" charset="0"/>
+                              <a:ea typeface="Cambria Math" panose="02040503050406030204" pitchFamily="18" charset="0"/>
+                            </a:rPr>
+                            <m:t>∞</m:t>
+                          </m:r>
+                        </m:sup>
+                        <m:e>
+                          <m:sSup>
+                            <m:sSupPr>
+                              <m:ctrlPr>
+                                <a:rPr lang="fr-FR" i="1">
+                                  <a:latin typeface="Cambria Math" panose="02040503050406030204" pitchFamily="18" charset="0"/>
+                                  <a:ea typeface="Cambria Math" panose="02040503050406030204" pitchFamily="18" charset="0"/>
+                                </a:rPr>
+                              </m:ctrlPr>
+                            </m:sSupPr>
+                            <m:e>
+                              <m:r>
+                                <a:rPr lang="fr-FR" i="1">
+                                  <a:latin typeface="Cambria Math" panose="02040503050406030204" pitchFamily="18" charset="0"/>
+                                </a:rPr>
+                                <m:t>𝑠</m:t>
+                              </m:r>
+                              <m:r>
+                                <a:rPr lang="fr-FR" i="1">
+                                  <a:latin typeface="Cambria Math" panose="02040503050406030204" pitchFamily="18" charset="0"/>
+                                </a:rPr>
+                                <m:t>(</m:t>
+                              </m:r>
+                              <m:r>
+                                <a:rPr lang="fr-FR" i="1">
+                                  <a:latin typeface="Cambria Math" panose="02040503050406030204" pitchFamily="18" charset="0"/>
+                                </a:rPr>
+                                <m:t>𝑘</m:t>
+                              </m:r>
+                              <m:r>
+                                <a:rPr lang="fr-FR" i="1">
+                                  <a:latin typeface="Cambria Math" panose="02040503050406030204" pitchFamily="18" charset="0"/>
+                                </a:rPr>
+                                <m:t>)</m:t>
+                              </m:r>
+                              <m:r>
+                                <a:rPr lang="fr-FR" i="1">
+                                  <a:latin typeface="Cambria Math" panose="02040503050406030204" pitchFamily="18" charset="0"/>
+                                  <a:ea typeface="Cambria Math" panose="02040503050406030204" pitchFamily="18" charset="0"/>
+                                </a:rPr>
+                                <m:t>𝑧</m:t>
+                              </m:r>
+                            </m:e>
+                            <m:sup>
+                              <m:r>
+                                <a:rPr lang="fr-FR" i="1">
+                                  <a:latin typeface="Cambria Math" panose="02040503050406030204" pitchFamily="18" charset="0"/>
+                                  <a:ea typeface="Cambria Math" panose="02040503050406030204" pitchFamily="18" charset="0"/>
+                                </a:rPr>
+                                <m:t>−</m:t>
+                              </m:r>
+                              <m:r>
+                                <a:rPr lang="fr-FR" i="1">
+                                  <a:latin typeface="Cambria Math" panose="02040503050406030204" pitchFamily="18" charset="0"/>
+                                  <a:ea typeface="Cambria Math" panose="02040503050406030204" pitchFamily="18" charset="0"/>
+                                </a:rPr>
+                                <m:t>𝑘</m:t>
+                              </m:r>
+                            </m:sup>
+                          </m:sSup>
+                        </m:e>
+                      </m:nary>
+                      <m:r>
+                        <a:rPr lang="fr-FR" i="1">
+                          <a:latin typeface="Cambria Math" panose="02040503050406030204" pitchFamily="18" charset="0"/>
+                        </a:rPr>
+                        <m:t> ;</m:t>
+                      </m:r>
+                      <m:r>
+                        <a:rPr lang="fr-FR" i="1">
+                          <a:latin typeface="Cambria Math" panose="02040503050406030204" pitchFamily="18" charset="0"/>
+                        </a:rPr>
+                        <m:t>𝑧</m:t>
+                      </m:r>
+                      <m:r>
+                        <a:rPr lang="fr-FR" i="1">
+                          <a:latin typeface="Cambria Math" panose="02040503050406030204" pitchFamily="18" charset="0"/>
+                        </a:rPr>
+                        <m:t>=</m:t>
+                      </m:r>
+                      <m:sSup>
+                        <m:sSupPr>
+                          <m:ctrlPr>
+                            <a:rPr lang="fr-FR" i="1">
+                              <a:latin typeface="Cambria Math" panose="02040503050406030204" pitchFamily="18" charset="0"/>
+                            </a:rPr>
+                          </m:ctrlPr>
+                        </m:sSupPr>
+                        <m:e>
+                          <m:r>
+                            <a:rPr lang="fr-FR" i="1">
+                              <a:latin typeface="Cambria Math" panose="02040503050406030204" pitchFamily="18" charset="0"/>
+                            </a:rPr>
+                            <m:t>𝑒</m:t>
+                          </m:r>
+                        </m:e>
+                        <m:sup>
+                          <m:r>
+                            <a:rPr lang="fr-FR" i="1">
+                              <a:latin typeface="Cambria Math" panose="02040503050406030204" pitchFamily="18" charset="0"/>
+                            </a:rPr>
+                            <m:t>−</m:t>
+                          </m:r>
+                          <m:r>
+                            <a:rPr lang="fr-FR" i="1">
+                              <a:latin typeface="Cambria Math" panose="02040503050406030204" pitchFamily="18" charset="0"/>
+                            </a:rPr>
+                            <m:t>𝑗</m:t>
+                          </m:r>
+                          <m:r>
+                            <a:rPr lang="fr-FR" i="1">
+                              <a:latin typeface="Cambria Math" panose="02040503050406030204" pitchFamily="18" charset="0"/>
+                            </a:rPr>
+                            <m:t>2</m:t>
+                          </m:r>
+                          <m:r>
+                            <a:rPr lang="fr-FR" i="1">
+                              <a:latin typeface="Cambria Math" panose="02040503050406030204" pitchFamily="18" charset="0"/>
+                              <a:ea typeface="Cambria Math" panose="02040503050406030204" pitchFamily="18" charset="0"/>
+                            </a:rPr>
+                            <m:t>𝜋</m:t>
+                          </m:r>
+                          <m:r>
+                            <a:rPr lang="fr-FR" i="1">
+                              <a:latin typeface="Cambria Math" panose="02040503050406030204" pitchFamily="18" charset="0"/>
+                              <a:ea typeface="Cambria Math" panose="02040503050406030204" pitchFamily="18" charset="0"/>
+                            </a:rPr>
+                            <m:t>𝑓</m:t>
+                          </m:r>
+                        </m:sup>
+                      </m:sSup>
+                    </m:oMath>
+                  </m:oMathPara>
+                </a14:m>
+                <a:endParaRPr lang="fr-FR" dirty="0" smtClean="0"/>
+              </a:p>
+              <a:p>
+                <a:pPr>
+                  <a:buClr>
+                    <a:schemeClr val="tx1">
+                      <a:lumMod val="75000"/>
+                    </a:schemeClr>
+                  </a:buClr>
+                </a:pPr>
+                <a:r>
+                  <a:rPr lang="fr-FR" dirty="0" smtClean="0"/>
+                  <a:t>Propriétés de calcul intéressantes : </a:t>
+                </a:r>
+                <a:r>
+                  <a:rPr lang="fr-FR" i="1" dirty="0" smtClean="0"/>
+                  <a:t>inversion, linéarité, convolution, produit, conjugaison, changements d’échelle, périodicité, etc.</a:t>
+                </a:r>
+              </a:p>
+              <a:p>
+                <a:pPr marL="0" indent="0" algn="ctr">
+                  <a:buClr>
+                    <a:schemeClr val="tx1">
+                      <a:lumMod val="75000"/>
+                    </a:schemeClr>
+                  </a:buClr>
+                  <a:buNone/>
+                </a:pPr>
+                <a:r>
+                  <a:rPr lang="fr-FR" dirty="0" smtClean="0">
+                    <a:sym typeface="Wingdings" panose="05000000000000000000" pitchFamily="2" charset="2"/>
+                  </a:rPr>
+                  <a:t> </a:t>
+                </a:r>
+                <a:r>
+                  <a:rPr lang="fr-FR" dirty="0" smtClean="0"/>
+                  <a:t>Puissant outil théorique</a:t>
+                </a:r>
+                <a:endParaRPr lang="fr-FR" dirty="0"/>
+              </a:p>
+            </p:txBody>
+          </p:sp>
+        </mc:Choice>
+        <mc:Fallback xmlns="">
+          <p:sp>
+            <p:nvSpPr>
+              <p:cNvPr id="3" name="Espace réservé du contenu 2"/>
+              <p:cNvSpPr>
+                <a:spLocks noGrp="1" noRot="1" noChangeAspect="1" noMove="1" noResize="1" noEditPoints="1" noAdjustHandles="1" noChangeArrowheads="1" noChangeShapeType="1" noTextEdit="1"/>
+              </p:cNvSpPr>
+              <p:nvPr>
+                <p:ph idx="1"/>
+              </p:nvPr>
+            </p:nvSpPr>
+            <p:spPr>
+              <a:blipFill rotWithShape="0">
+                <a:blip r:embed="rId2"/>
+                <a:stretch>
+                  <a:fillRect l="-467" t="-2533"/>
+                </a:stretch>
+              </a:blipFill>
+            </p:spPr>
+            <p:txBody>
+              <a:bodyPr/>
+              <a:lstStyle/>
+              <a:p>
+                <a:r>
+                  <a:rPr lang="fr-FR">
+                    <a:noFill/>
+                  </a:rPr>
+                  <a:t> </a:t>
+                </a:r>
+              </a:p>
+            </p:txBody>
+          </p:sp>
+        </mc:Fallback>
+      </mc:AlternateContent>
+    </p:spTree>
+    <p:extLst>
+      <p:ext uri="{BB962C8B-B14F-4D97-AF65-F5344CB8AC3E}">
+        <p14:creationId xmlns:p14="http://schemas.microsoft.com/office/powerpoint/2010/main" val="703313302"/>
+      </p:ext>
+    </p:extLst>
+  </p:cSld>
+  <p:clrMapOvr>
+    <a:masterClrMapping/>
+  </p:clrMapOvr>
+  <mc:AlternateContent xmlns:mc="http://schemas.openxmlformats.org/markup-compatibility/2006" xmlns:p14="http://schemas.microsoft.com/office/powerpoint/2010/main">
+    <mc:Choice Requires="p14">
+      <p:transition spd="med" p14:dur="700">
+        <p:fade/>
+      </p:transition>
+    </mc:Choice>
+    <mc:Fallback xmlns="">
+      <p:transition spd="med">
+        <p:fade/>
+      </p:transition>
+    </mc:Fallback>
+  </mc:AlternateContent>
+  <p:timing>
+    <p:tnLst>
+      <p:par>
+        <p:cTn id="1" dur="indefinite" restart="never" nodeType="tmRoot"/>
+      </p:par>
+    </p:tnLst>
+  </p:timing>
+</p:sld>
+</file>
+
+<file path=ppt/slides/slide2.xml><?xml version="1.0" encoding="utf-8"?>
+<p:sld xmlns:a="http://schemas.openxmlformats.org/drawingml/2006/main" xmlns:r="http://schemas.openxmlformats.org/officeDocument/2006/relationships" xmlns:p="http://schemas.openxmlformats.org/presentationml/2006/main">
+  <p:cSld>
+    <p:spTree>
+      <p:nvGrpSpPr>
+        <p:cNvPr id="1" name=""/>
+        <p:cNvGrpSpPr/>
+        <p:nvPr/>
+      </p:nvGrpSpPr>
+      <p:grpSpPr>
+        <a:xfrm>
+          <a:off x="0" y="0"/>
+          <a:ext cx="0" cy="0"/>
+          <a:chOff x="0" y="0"/>
+          <a:chExt cx="0" cy="0"/>
+        </a:xfrm>
+      </p:grpSpPr>
+      <p:sp>
+        <p:nvSpPr>
+          <p:cNvPr id="2" name="Titre 1"/>
+          <p:cNvSpPr>
+            <a:spLocks noGrp="1"/>
+          </p:cNvSpPr>
+          <p:nvPr>
+            <p:ph type="title"/>
+          </p:nvPr>
+        </p:nvSpPr>
+        <p:spPr>
+          <a:xfrm>
+            <a:off x="1066800" y="99220"/>
+            <a:ext cx="10439400" cy="1325563"/>
+          </a:xfrm>
+        </p:spPr>
+        <p:txBody>
+          <a:bodyPr>
+            <a:normAutofit/>
+          </a:bodyPr>
+          <a:lstStyle/>
+          <a:p>
+            <a:r>
+              <a:rPr lang="fr-FR" dirty="0" smtClean="0"/>
+              <a:t>L’analyse spectrale : enjeux</a:t>
+            </a:r>
+            <a:endParaRPr lang="fr-FR" dirty="0"/>
+          </a:p>
+        </p:txBody>
+      </p:sp>
+      <p:graphicFrame>
+        <p:nvGraphicFramePr>
+          <p:cNvPr id="7" name="Espace réservé du contenu 6" descr="Processus segmenté" title="SmartArt"/>
+          <p:cNvGraphicFramePr>
+            <a:graphicFrameLocks noGrp="1"/>
+          </p:cNvGraphicFramePr>
+          <p:nvPr>
+            <p:ph sz="half" idx="2"/>
+            <p:extLst>
+              <p:ext uri="{D42A27DB-BD31-4B8C-83A1-F6EECF244321}">
+                <p14:modId xmlns:p14="http://schemas.microsoft.com/office/powerpoint/2010/main" val="1895396273"/>
+              </p:ext>
+            </p:extLst>
+          </p:nvPr>
+        </p:nvGraphicFramePr>
+        <p:xfrm>
+          <a:off x="3287688" y="1844824"/>
+          <a:ext cx="5334000" cy="4575175"/>
+        </p:xfrm>
+        <a:graphic>
+          <a:graphicData uri="http://schemas.openxmlformats.org/drawingml/2006/diagram">
+            <dgm:relIds xmlns:dgm="http://schemas.openxmlformats.org/drawingml/2006/diagram" xmlns:r="http://schemas.openxmlformats.org/officeDocument/2006/relationships" r:dm="rId2" r:lo="rId3" r:qs="rId4" r:cs="rId5"/>
+          </a:graphicData>
+        </a:graphic>
+      </p:graphicFrame>
+    </p:spTree>
+    <p:extLst>
+      <p:ext uri="{BB962C8B-B14F-4D97-AF65-F5344CB8AC3E}">
+        <p14:creationId xmlns:p14="http://schemas.microsoft.com/office/powerpoint/2010/main" val="4100452288"/>
+      </p:ext>
+    </p:extLst>
+  </p:cSld>
+  <p:clrMapOvr>
+    <a:masterClrMapping/>
+  </p:clrMapOvr>
+  <mc:AlternateContent xmlns:mc="http://schemas.openxmlformats.org/markup-compatibility/2006" xmlns:p14="http://schemas.microsoft.com/office/powerpoint/2010/main">
+    <mc:Choice Requires="p14">
+      <p:transition spd="med" p14:dur="700">
+        <p:fade/>
+      </p:transition>
+    </mc:Choice>
+    <mc:Fallback xmlns="">
+      <p:transition spd="med">
+        <p:fade/>
+      </p:transition>
+    </mc:Fallback>
+  </mc:AlternateContent>
+  <p:timing>
+    <p:tnLst>
+      <p:par>
+        <p:cTn id="1" dur="indefinite" restart="never" nodeType="tmRoot"/>
+      </p:par>
+    </p:tnLst>
+  </p:timing>
+</p:sld>
+</file>
+
+<file path=ppt/slides/slide20.xml><?xml version="1.0" encoding="utf-8"?>
 <p:sld xmlns:a="http://schemas.openxmlformats.org/drawingml/2006/main" xmlns:r="http://schemas.openxmlformats.org/officeDocument/2006/relationships" xmlns:p="http://schemas.openxmlformats.org/presentationml/2006/main">
   <p:cSld>
     <p:spTree>
@@ -10487,7 +14719,7 @@
 </p:sld>
 </file>
 
-<file path=ppt/slides/slide11.xml><?xml version="1.0" encoding="utf-8"?>
+<file path=ppt/slides/slide21.xml><?xml version="1.0" encoding="utf-8"?>
 <p:sld xmlns:a="http://schemas.openxmlformats.org/drawingml/2006/main" xmlns:r="http://schemas.openxmlformats.org/officeDocument/2006/relationships" xmlns:p="http://schemas.openxmlformats.org/presentationml/2006/main">
   <p:cSld>
     <p:spTree>
@@ -10529,8 +14761,8 @@
           </a:p>
         </p:txBody>
       </p:sp>
-      <mc:AlternateContent xmlns:mc="http://schemas.openxmlformats.org/markup-compatibility/2006">
-        <mc:Choice xmlns:a14="http://schemas.microsoft.com/office/drawing/2010/main" Requires="a14">
+      <mc:AlternateContent xmlns:mc="http://schemas.openxmlformats.org/markup-compatibility/2006" xmlns:a14="http://schemas.microsoft.com/office/drawing/2010/main">
+        <mc:Choice Requires="a14">
           <p:sp>
             <p:nvSpPr>
               <p:cNvPr id="3" name="Espace réservé du contenu 2"/>
@@ -11013,7 +15245,7 @@
             </p:txBody>
           </p:sp>
         </mc:Choice>
-        <mc:Fallback>
+        <mc:Fallback xmlns="">
           <p:sp>
             <p:nvSpPr>
               <p:cNvPr id="3" name="Espace réservé du contenu 2"/>
@@ -11079,7 +15311,7 @@
 </p:sld>
 </file>
 
-<file path=ppt/slides/slide12.xml><?xml version="1.0" encoding="utf-8"?>
+<file path=ppt/slides/slide22.xml><?xml version="1.0" encoding="utf-8"?>
 <p:sld xmlns:a="http://schemas.openxmlformats.org/drawingml/2006/main" xmlns:r="http://schemas.openxmlformats.org/officeDocument/2006/relationships" xmlns:p="http://schemas.openxmlformats.org/presentationml/2006/main">
   <p:cSld>
     <p:spTree>
@@ -11121,8 +15353,8 @@
           </a:p>
         </p:txBody>
       </p:sp>
-      <mc:AlternateContent xmlns:mc="http://schemas.openxmlformats.org/markup-compatibility/2006">
-        <mc:Choice xmlns:a14="http://schemas.microsoft.com/office/drawing/2010/main" Requires="a14">
+      <mc:AlternateContent xmlns:mc="http://schemas.openxmlformats.org/markup-compatibility/2006" xmlns:a14="http://schemas.microsoft.com/office/drawing/2010/main">
+        <mc:Choice Requires="a14">
           <p:sp>
             <p:nvSpPr>
               <p:cNvPr id="3" name="Espace réservé du contenu 2"/>
@@ -11149,11 +15381,7 @@
                 </a:pPr>
                 <a:r>
                   <a:rPr lang="fr-FR" dirty="0" smtClean="0"/>
-                  <a:t>Une </a:t>
-                </a:r>
-                <a:r>
-                  <a:rPr lang="fr-FR" dirty="0" smtClean="0"/>
-                  <a:t>ondelette est une fonction </a:t>
+                  <a:t>Une ondelette est une fonction </a:t>
                 </a:r>
                 <a14:m>
                   <m:oMath xmlns:m="http://schemas.openxmlformats.org/officeDocument/2006/math">
@@ -11269,11 +15497,7 @@
                 </a:r>
                 <a:r>
                   <a:rPr lang="fr-FR" b="1" i="1" dirty="0" smtClean="0"/>
-                  <a:t>chelle </a:t>
-                </a:r>
-                <a:r>
-                  <a:rPr lang="fr-FR" b="1" i="1" dirty="0" smtClean="0"/>
-                  <a:t>: dilatation </a:t>
+                  <a:t>chelle : dilatation </a:t>
                 </a:r>
                 <a:r>
                   <a:rPr lang="fr-FR" dirty="0" smtClean="0"/>
@@ -11473,7 +15697,7 @@
             </p:txBody>
           </p:sp>
         </mc:Choice>
-        <mc:Fallback>
+        <mc:Fallback xmlns="">
           <p:sp>
             <p:nvSpPr>
               <p:cNvPr id="3" name="Espace réservé du contenu 2"/>
@@ -11539,7 +15763,7 @@
 </p:sld>
 </file>
 
-<file path=ppt/slides/slide13.xml><?xml version="1.0" encoding="utf-8"?>
+<file path=ppt/slides/slide23.xml><?xml version="1.0" encoding="utf-8"?>
 <p:sld xmlns:a="http://schemas.openxmlformats.org/drawingml/2006/main" xmlns:r="http://schemas.openxmlformats.org/officeDocument/2006/relationships" xmlns:p="http://schemas.openxmlformats.org/presentationml/2006/main">
   <p:cSld>
     <p:spTree>
@@ -12043,7 +16267,7 @@
 </p:sld>
 </file>
 
-<file path=ppt/slides/slide14.xml><?xml version="1.0" encoding="utf-8"?>
+<file path=ppt/slides/slide24.xml><?xml version="1.0" encoding="utf-8"?>
 <p:sld xmlns:a="http://schemas.openxmlformats.org/drawingml/2006/main" xmlns:r="http://schemas.openxmlformats.org/officeDocument/2006/relationships" xmlns:p="http://schemas.openxmlformats.org/presentationml/2006/main">
   <p:cSld>
     <p:spTree>
@@ -12134,7 +16358,7 @@
 </p:sld>
 </file>
 
-<file path=ppt/slides/slide15.xml><?xml version="1.0" encoding="utf-8"?>
+<file path=ppt/slides/slide25.xml><?xml version="1.0" encoding="utf-8"?>
 <p:sld xmlns:a="http://schemas.openxmlformats.org/drawingml/2006/main" xmlns:r="http://schemas.openxmlformats.org/officeDocument/2006/relationships" xmlns:p="http://schemas.openxmlformats.org/presentationml/2006/main">
   <p:cSld>
     <p:spTree>
@@ -12339,7 +16563,7 @@
 </p:sld>
 </file>
 
-<file path=ppt/slides/slide16.xml><?xml version="1.0" encoding="utf-8"?>
+<file path=ppt/slides/slide26.xml><?xml version="1.0" encoding="utf-8"?>
 <p:sld xmlns:a="http://schemas.openxmlformats.org/drawingml/2006/main" xmlns:r="http://schemas.openxmlformats.org/officeDocument/2006/relationships" xmlns:p="http://schemas.openxmlformats.org/presentationml/2006/main">
   <p:cSld>
     <p:spTree>
@@ -12488,7 +16712,7 @@
 </p:sld>
 </file>
 
-<file path=ppt/slides/slide17.xml><?xml version="1.0" encoding="utf-8"?>
+<file path=ppt/slides/slide27.xml><?xml version="1.0" encoding="utf-8"?>
 <p:sld xmlns:a="http://schemas.openxmlformats.org/drawingml/2006/main" xmlns:r="http://schemas.openxmlformats.org/officeDocument/2006/relationships" xmlns:p="http://schemas.openxmlformats.org/presentationml/2006/main">
   <p:cSld>
     <p:spTree>
@@ -12653,7 +16877,7 @@
 </p:sld>
 </file>
 
-<file path=ppt/slides/slide18.xml><?xml version="1.0" encoding="utf-8"?>
+<file path=ppt/slides/slide28.xml><?xml version="1.0" encoding="utf-8"?>
 <p:sld xmlns:a="http://schemas.openxmlformats.org/drawingml/2006/main" xmlns:r="http://schemas.openxmlformats.org/officeDocument/2006/relationships" xmlns:p="http://schemas.openxmlformats.org/presentationml/2006/main">
   <p:cSld>
     <p:spTree>
@@ -12740,7 +16964,7 @@
 </p:sld>
 </file>
 
-<file path=ppt/slides/slide19.xml><?xml version="1.0" encoding="utf-8"?>
+<file path=ppt/slides/slide29.xml><?xml version="1.0" encoding="utf-8"?>
 <p:sld xmlns:a="http://schemas.openxmlformats.org/drawingml/2006/main" xmlns:r="http://schemas.openxmlformats.org/officeDocument/2006/relationships" xmlns:p="http://schemas.openxmlformats.org/presentationml/2006/main">
   <p:cSld>
     <p:spTree>
@@ -12856,489 +17080,6 @@
     <p:extLst>
       <p:ext uri="{BB962C8B-B14F-4D97-AF65-F5344CB8AC3E}">
         <p14:creationId xmlns:p14="http://schemas.microsoft.com/office/powerpoint/2010/main" val="2637673684"/>
-      </p:ext>
-    </p:extLst>
-  </p:cSld>
-  <p:clrMapOvr>
-    <a:masterClrMapping/>
-  </p:clrMapOvr>
-  <mc:AlternateContent xmlns:mc="http://schemas.openxmlformats.org/markup-compatibility/2006" xmlns:p14="http://schemas.microsoft.com/office/powerpoint/2010/main">
-    <mc:Choice Requires="p14">
-      <p:transition spd="med" p14:dur="700">
-        <p:fade/>
-      </p:transition>
-    </mc:Choice>
-    <mc:Fallback xmlns="">
-      <p:transition spd="med">
-        <p:fade/>
-      </p:transition>
-    </mc:Fallback>
-  </mc:AlternateContent>
-  <p:timing>
-    <p:tnLst>
-      <p:par>
-        <p:cTn id="1" dur="indefinite" restart="never" nodeType="tmRoot"/>
-      </p:par>
-    </p:tnLst>
-  </p:timing>
-</p:sld>
-</file>
-
-<file path=ppt/slides/slide2.xml><?xml version="1.0" encoding="utf-8"?>
-<p:sld xmlns:a="http://schemas.openxmlformats.org/drawingml/2006/main" xmlns:r="http://schemas.openxmlformats.org/officeDocument/2006/relationships" xmlns:p="http://schemas.openxmlformats.org/presentationml/2006/main">
-  <p:cSld>
-    <p:spTree>
-      <p:nvGrpSpPr>
-        <p:cNvPr id="1" name=""/>
-        <p:cNvGrpSpPr/>
-        <p:nvPr/>
-      </p:nvGrpSpPr>
-      <p:grpSpPr>
-        <a:xfrm>
-          <a:off x="0" y="0"/>
-          <a:ext cx="0" cy="0"/>
-          <a:chOff x="0" y="0"/>
-          <a:chExt cx="0" cy="0"/>
-        </a:xfrm>
-      </p:grpSpPr>
-      <p:sp>
-        <p:nvSpPr>
-          <p:cNvPr id="2" name="Titre 1"/>
-          <p:cNvSpPr>
-            <a:spLocks noGrp="1"/>
-          </p:cNvSpPr>
-          <p:nvPr>
-            <p:ph type="title"/>
-          </p:nvPr>
-        </p:nvSpPr>
-        <p:spPr>
-          <a:xfrm>
-            <a:off x="1066800" y="99220"/>
-            <a:ext cx="10439400" cy="1325563"/>
-          </a:xfrm>
-        </p:spPr>
-        <p:txBody>
-          <a:bodyPr>
-            <a:normAutofit/>
-          </a:bodyPr>
-          <a:lstStyle/>
-          <a:p>
-            <a:r>
-              <a:rPr lang="fr-FR" dirty="0" smtClean="0"/>
-              <a:t>L’analyse spectrale : enjeux</a:t>
-            </a:r>
-            <a:endParaRPr lang="fr-FR" dirty="0"/>
-          </a:p>
-        </p:txBody>
-      </p:sp>
-      <p:sp>
-        <p:nvSpPr>
-          <p:cNvPr id="3" name="Espace réservé du contenu 2"/>
-          <p:cNvSpPr>
-            <a:spLocks noGrp="1"/>
-          </p:cNvSpPr>
-          <p:nvPr>
-            <p:ph sz="half" idx="1"/>
-          </p:nvPr>
-        </p:nvSpPr>
-        <p:spPr/>
-        <p:txBody>
-          <a:bodyPr>
-            <a:normAutofit/>
-          </a:bodyPr>
-          <a:lstStyle/>
-          <a:p>
-            <a:pPr>
-              <a:buClr>
-                <a:schemeClr val="tx1">
-                  <a:lumMod val="75000"/>
-                </a:schemeClr>
-              </a:buClr>
-            </a:pPr>
-            <a:r>
-              <a:rPr lang="fr-FR" dirty="0"/>
-              <a:t>Texte de la première puce ici</a:t>
-            </a:r>
-          </a:p>
-          <a:p>
-            <a:pPr>
-              <a:buClr>
-                <a:schemeClr val="tx1">
-                  <a:lumMod val="75000"/>
-                </a:schemeClr>
-              </a:buClr>
-            </a:pPr>
-            <a:r>
-              <a:rPr lang="fr-FR" dirty="0"/>
-              <a:t>Texte de la deuxième puce ici</a:t>
-            </a:r>
-          </a:p>
-          <a:p>
-            <a:pPr>
-              <a:buClr>
-                <a:schemeClr val="tx1">
-                  <a:lumMod val="75000"/>
-                </a:schemeClr>
-              </a:buClr>
-            </a:pPr>
-            <a:r>
-              <a:rPr lang="fr-FR" dirty="0"/>
-              <a:t>Texte de la troisième puce ici</a:t>
-            </a:r>
-          </a:p>
-        </p:txBody>
-      </p:sp>
-      <p:graphicFrame>
-        <p:nvGraphicFramePr>
-          <p:cNvPr id="7" name="Espace réservé du contenu 6" descr="Processus segmenté" title="SmartArt"/>
-          <p:cNvGraphicFramePr>
-            <a:graphicFrameLocks noGrp="1"/>
-          </p:cNvGraphicFramePr>
-          <p:nvPr>
-            <p:ph sz="half" idx="2"/>
-            <p:extLst>
-              <p:ext uri="{D42A27DB-BD31-4B8C-83A1-F6EECF244321}">
-                <p14:modId xmlns:p14="http://schemas.microsoft.com/office/powerpoint/2010/main" val="2103631270"/>
-              </p:ext>
-            </p:extLst>
-          </p:nvPr>
-        </p:nvGraphicFramePr>
-        <p:xfrm>
-          <a:off x="6324600" y="1825625"/>
-          <a:ext cx="5334000" cy="4575175"/>
-        </p:xfrm>
-        <a:graphic>
-          <a:graphicData uri="http://schemas.openxmlformats.org/drawingml/2006/diagram">
-            <dgm:relIds xmlns:dgm="http://schemas.openxmlformats.org/drawingml/2006/diagram" xmlns:r="http://schemas.openxmlformats.org/officeDocument/2006/relationships" r:dm="rId2" r:lo="rId3" r:qs="rId4" r:cs="rId5"/>
-          </a:graphicData>
-        </a:graphic>
-      </p:graphicFrame>
-    </p:spTree>
-    <p:extLst>
-      <p:ext uri="{BB962C8B-B14F-4D97-AF65-F5344CB8AC3E}">
-        <p14:creationId xmlns:p14="http://schemas.microsoft.com/office/powerpoint/2010/main" val="4100452288"/>
-      </p:ext>
-    </p:extLst>
-  </p:cSld>
-  <p:clrMapOvr>
-    <a:masterClrMapping/>
-  </p:clrMapOvr>
-  <mc:AlternateContent xmlns:mc="http://schemas.openxmlformats.org/markup-compatibility/2006" xmlns:p14="http://schemas.microsoft.com/office/powerpoint/2010/main">
-    <mc:Choice Requires="p14">
-      <p:transition spd="med" p14:dur="700">
-        <p:fade/>
-      </p:transition>
-    </mc:Choice>
-    <mc:Fallback xmlns="">
-      <p:transition spd="med">
-        <p:fade/>
-      </p:transition>
-    </mc:Fallback>
-  </mc:AlternateContent>
-  <p:timing>
-    <p:tnLst>
-      <p:par>
-        <p:cTn id="1" dur="indefinite" restart="never" nodeType="tmRoot"/>
-      </p:par>
-    </p:tnLst>
-  </p:timing>
-</p:sld>
-</file>
-
-<file path=ppt/slides/slide20.xml><?xml version="1.0" encoding="utf-8"?>
-<p:sld xmlns:a="http://schemas.openxmlformats.org/drawingml/2006/main" xmlns:r="http://schemas.openxmlformats.org/officeDocument/2006/relationships" xmlns:p="http://schemas.openxmlformats.org/presentationml/2006/main">
-  <p:cSld>
-    <p:spTree>
-      <p:nvGrpSpPr>
-        <p:cNvPr id="1" name=""/>
-        <p:cNvGrpSpPr/>
-        <p:nvPr/>
-      </p:nvGrpSpPr>
-      <p:grpSpPr>
-        <a:xfrm>
-          <a:off x="0" y="0"/>
-          <a:ext cx="0" cy="0"/>
-          <a:chOff x="0" y="0"/>
-          <a:chExt cx="0" cy="0"/>
-        </a:xfrm>
-      </p:grpSpPr>
-      <p:sp>
-        <p:nvSpPr>
-          <p:cNvPr id="2" name="Titre 1"/>
-          <p:cNvSpPr>
-            <a:spLocks noGrp="1"/>
-          </p:cNvSpPr>
-          <p:nvPr>
-            <p:ph type="title"/>
-          </p:nvPr>
-        </p:nvSpPr>
-        <p:spPr/>
-        <p:txBody>
-          <a:bodyPr/>
-          <a:lstStyle/>
-          <a:p>
-            <a:endParaRPr lang="fr-FR" noProof="1"/>
-          </a:p>
-        </p:txBody>
-      </p:sp>
-    </p:spTree>
-    <p:extLst>
-      <p:ext uri="{BB962C8B-B14F-4D97-AF65-F5344CB8AC3E}">
-        <p14:creationId xmlns:p14="http://schemas.microsoft.com/office/powerpoint/2010/main" val="547100618"/>
-      </p:ext>
-    </p:extLst>
-  </p:cSld>
-  <p:clrMapOvr>
-    <a:masterClrMapping/>
-  </p:clrMapOvr>
-  <mc:AlternateContent xmlns:mc="http://schemas.openxmlformats.org/markup-compatibility/2006" xmlns:p14="http://schemas.microsoft.com/office/powerpoint/2010/main">
-    <mc:Choice Requires="p14">
-      <p:transition spd="med" p14:dur="700">
-        <p:fade/>
-      </p:transition>
-    </mc:Choice>
-    <mc:Fallback xmlns="">
-      <p:transition spd="med">
-        <p:fade/>
-      </p:transition>
-    </mc:Fallback>
-  </mc:AlternateContent>
-  <p:timing>
-    <p:tnLst>
-      <p:par>
-        <p:cTn id="1" dur="indefinite" restart="never" nodeType="tmRoot"/>
-      </p:par>
-    </p:tnLst>
-  </p:timing>
-</p:sld>
-</file>
-
-<file path=ppt/slides/slide21.xml><?xml version="1.0" encoding="utf-8"?>
-<p:sld xmlns:a="http://schemas.openxmlformats.org/drawingml/2006/main" xmlns:r="http://schemas.openxmlformats.org/officeDocument/2006/relationships" xmlns:p="http://schemas.openxmlformats.org/presentationml/2006/main">
-  <p:cSld>
-    <p:spTree>
-      <p:nvGrpSpPr>
-        <p:cNvPr id="1" name=""/>
-        <p:cNvGrpSpPr/>
-        <p:nvPr/>
-      </p:nvGrpSpPr>
-      <p:grpSpPr>
-        <a:xfrm>
-          <a:off x="0" y="0"/>
-          <a:ext cx="0" cy="0"/>
-          <a:chOff x="0" y="0"/>
-          <a:chExt cx="0" cy="0"/>
-        </a:xfrm>
-      </p:grpSpPr>
-    </p:spTree>
-    <p:extLst>
-      <p:ext uri="{BB962C8B-B14F-4D97-AF65-F5344CB8AC3E}">
-        <p14:creationId xmlns:p14="http://schemas.microsoft.com/office/powerpoint/2010/main" val="1001865620"/>
-      </p:ext>
-    </p:extLst>
-  </p:cSld>
-  <p:clrMapOvr>
-    <a:masterClrMapping/>
-  </p:clrMapOvr>
-  <mc:AlternateContent xmlns:mc="http://schemas.openxmlformats.org/markup-compatibility/2006" xmlns:p14="http://schemas.microsoft.com/office/powerpoint/2010/main">
-    <mc:Choice Requires="p14">
-      <p:transition spd="med" p14:dur="700">
-        <p:fade/>
-      </p:transition>
-    </mc:Choice>
-    <mc:Fallback xmlns="">
-      <p:transition spd="med">
-        <p:fade/>
-      </p:transition>
-    </mc:Fallback>
-  </mc:AlternateContent>
-  <p:timing>
-    <p:tnLst>
-      <p:par>
-        <p:cTn id="1" dur="indefinite" restart="never" nodeType="tmRoot"/>
-      </p:par>
-    </p:tnLst>
-  </p:timing>
-</p:sld>
-</file>
-
-<file path=ppt/slides/slide22.xml><?xml version="1.0" encoding="utf-8"?>
-<p:sld xmlns:a="http://schemas.openxmlformats.org/drawingml/2006/main" xmlns:r="http://schemas.openxmlformats.org/officeDocument/2006/relationships" xmlns:p="http://schemas.openxmlformats.org/presentationml/2006/main">
-  <p:cSld>
-    <p:spTree>
-      <p:nvGrpSpPr>
-        <p:cNvPr id="1" name=""/>
-        <p:cNvGrpSpPr/>
-        <p:nvPr/>
-      </p:nvGrpSpPr>
-      <p:grpSpPr>
-        <a:xfrm>
-          <a:off x="0" y="0"/>
-          <a:ext cx="0" cy="0"/>
-          <a:chOff x="0" y="0"/>
-          <a:chExt cx="0" cy="0"/>
-        </a:xfrm>
-      </p:grpSpPr>
-      <p:sp>
-        <p:nvSpPr>
-          <p:cNvPr id="2" name="Titre 1"/>
-          <p:cNvSpPr>
-            <a:spLocks noGrp="1"/>
-          </p:cNvSpPr>
-          <p:nvPr>
-            <p:ph type="title"/>
-          </p:nvPr>
-        </p:nvSpPr>
-        <p:spPr/>
-        <p:txBody>
-          <a:bodyPr/>
-          <a:lstStyle/>
-          <a:p>
-            <a:endParaRPr lang="fr-FR" noProof="1"/>
-          </a:p>
-        </p:txBody>
-      </p:sp>
-      <p:sp>
-        <p:nvSpPr>
-          <p:cNvPr id="3" name="Espace réservé du contenu 2"/>
-          <p:cNvSpPr>
-            <a:spLocks noGrp="1"/>
-          </p:cNvSpPr>
-          <p:nvPr>
-            <p:ph idx="1"/>
-          </p:nvPr>
-        </p:nvSpPr>
-        <p:spPr/>
-        <p:txBody>
-          <a:bodyPr/>
-          <a:lstStyle/>
-          <a:p>
-            <a:endParaRPr lang="fr-FR" noProof="1"/>
-          </a:p>
-        </p:txBody>
-      </p:sp>
-      <p:sp>
-        <p:nvSpPr>
-          <p:cNvPr id="4" name="Espace réservé du texte 3"/>
-          <p:cNvSpPr>
-            <a:spLocks noGrp="1"/>
-          </p:cNvSpPr>
-          <p:nvPr>
-            <p:ph type="body" sz="half" idx="2"/>
-          </p:nvPr>
-        </p:nvSpPr>
-        <p:spPr/>
-        <p:txBody>
-          <a:bodyPr/>
-          <a:lstStyle/>
-          <a:p>
-            <a:endParaRPr lang="fr-FR" noProof="1"/>
-          </a:p>
-        </p:txBody>
-      </p:sp>
-    </p:spTree>
-    <p:extLst>
-      <p:ext uri="{BB962C8B-B14F-4D97-AF65-F5344CB8AC3E}">
-        <p14:creationId xmlns:p14="http://schemas.microsoft.com/office/powerpoint/2010/main" val="2914748422"/>
-      </p:ext>
-    </p:extLst>
-  </p:cSld>
-  <p:clrMapOvr>
-    <a:masterClrMapping/>
-  </p:clrMapOvr>
-  <mc:AlternateContent xmlns:mc="http://schemas.openxmlformats.org/markup-compatibility/2006" xmlns:p14="http://schemas.microsoft.com/office/powerpoint/2010/main">
-    <mc:Choice Requires="p14">
-      <p:transition spd="med" p14:dur="700">
-        <p:fade/>
-      </p:transition>
-    </mc:Choice>
-    <mc:Fallback xmlns="">
-      <p:transition spd="med">
-        <p:fade/>
-      </p:transition>
-    </mc:Fallback>
-  </mc:AlternateContent>
-  <p:timing>
-    <p:tnLst>
-      <p:par>
-        <p:cTn id="1" dur="indefinite" restart="never" nodeType="tmRoot"/>
-      </p:par>
-    </p:tnLst>
-  </p:timing>
-</p:sld>
-</file>
-
-<file path=ppt/slides/slide23.xml><?xml version="1.0" encoding="utf-8"?>
-<p:sld xmlns:a="http://schemas.openxmlformats.org/drawingml/2006/main" xmlns:r="http://schemas.openxmlformats.org/officeDocument/2006/relationships" xmlns:p="http://schemas.openxmlformats.org/presentationml/2006/main">
-  <p:cSld>
-    <p:spTree>
-      <p:nvGrpSpPr>
-        <p:cNvPr id="1" name=""/>
-        <p:cNvGrpSpPr/>
-        <p:nvPr/>
-      </p:nvGrpSpPr>
-      <p:grpSpPr>
-        <a:xfrm>
-          <a:off x="0" y="0"/>
-          <a:ext cx="0" cy="0"/>
-          <a:chOff x="0" y="0"/>
-          <a:chExt cx="0" cy="0"/>
-        </a:xfrm>
-      </p:grpSpPr>
-      <p:sp>
-        <p:nvSpPr>
-          <p:cNvPr id="2" name="Titre 1"/>
-          <p:cNvSpPr>
-            <a:spLocks noGrp="1"/>
-          </p:cNvSpPr>
-          <p:nvPr>
-            <p:ph type="title"/>
-          </p:nvPr>
-        </p:nvSpPr>
-        <p:spPr/>
-        <p:txBody>
-          <a:bodyPr/>
-          <a:lstStyle/>
-          <a:p>
-            <a:endParaRPr lang="fr-FR" noProof="1"/>
-          </a:p>
-        </p:txBody>
-      </p:sp>
-      <p:sp>
-        <p:nvSpPr>
-          <p:cNvPr id="3" name="Espace réservé de l'image 2"/>
-          <p:cNvSpPr>
-            <a:spLocks noGrp="1"/>
-          </p:cNvSpPr>
-          <p:nvPr>
-            <p:ph type="pic" idx="1"/>
-          </p:nvPr>
-        </p:nvSpPr>
-        <p:spPr/>
-      </p:sp>
-      <p:sp>
-        <p:nvSpPr>
-          <p:cNvPr id="4" name="Espace réservé du texte 3"/>
-          <p:cNvSpPr>
-            <a:spLocks noGrp="1"/>
-          </p:cNvSpPr>
-          <p:nvPr>
-            <p:ph type="body" sz="half" idx="2"/>
-          </p:nvPr>
-        </p:nvSpPr>
-        <p:spPr/>
-        <p:txBody>
-          <a:bodyPr/>
-          <a:lstStyle/>
-          <a:p>
-            <a:endParaRPr lang="fr-FR" noProof="1"/>
-          </a:p>
-        </p:txBody>
-      </p:sp>
-    </p:spTree>
-    <p:extLst>
-      <p:ext uri="{BB962C8B-B14F-4D97-AF65-F5344CB8AC3E}">
-        <p14:creationId xmlns:p14="http://schemas.microsoft.com/office/powerpoint/2010/main" val="3049232890"/>
       </p:ext>
     </p:extLst>
   </p:cSld>
@@ -13515,6 +17256,328 @@
     <p:extLst>
       <p:ext uri="{BB962C8B-B14F-4D97-AF65-F5344CB8AC3E}">
         <p14:creationId xmlns:p14="http://schemas.microsoft.com/office/powerpoint/2010/main" val="2009949291"/>
+      </p:ext>
+    </p:extLst>
+  </p:cSld>
+  <p:clrMapOvr>
+    <a:masterClrMapping/>
+  </p:clrMapOvr>
+  <mc:AlternateContent xmlns:mc="http://schemas.openxmlformats.org/markup-compatibility/2006" xmlns:p14="http://schemas.microsoft.com/office/powerpoint/2010/main">
+    <mc:Choice Requires="p14">
+      <p:transition spd="med" p14:dur="700">
+        <p:fade/>
+      </p:transition>
+    </mc:Choice>
+    <mc:Fallback xmlns="">
+      <p:transition spd="med">
+        <p:fade/>
+      </p:transition>
+    </mc:Fallback>
+  </mc:AlternateContent>
+  <p:timing>
+    <p:tnLst>
+      <p:par>
+        <p:cTn id="1" dur="indefinite" restart="never" nodeType="tmRoot"/>
+      </p:par>
+    </p:tnLst>
+  </p:timing>
+</p:sld>
+</file>
+
+<file path=ppt/slides/slide30.xml><?xml version="1.0" encoding="utf-8"?>
+<p:sld xmlns:a="http://schemas.openxmlformats.org/drawingml/2006/main" xmlns:r="http://schemas.openxmlformats.org/officeDocument/2006/relationships" xmlns:p="http://schemas.openxmlformats.org/presentationml/2006/main">
+  <p:cSld>
+    <p:spTree>
+      <p:nvGrpSpPr>
+        <p:cNvPr id="1" name=""/>
+        <p:cNvGrpSpPr/>
+        <p:nvPr/>
+      </p:nvGrpSpPr>
+      <p:grpSpPr>
+        <a:xfrm>
+          <a:off x="0" y="0"/>
+          <a:ext cx="0" cy="0"/>
+          <a:chOff x="0" y="0"/>
+          <a:chExt cx="0" cy="0"/>
+        </a:xfrm>
+      </p:grpSpPr>
+      <p:sp>
+        <p:nvSpPr>
+          <p:cNvPr id="2" name="Titre 1"/>
+          <p:cNvSpPr>
+            <a:spLocks noGrp="1"/>
+          </p:cNvSpPr>
+          <p:nvPr>
+            <p:ph type="title"/>
+          </p:nvPr>
+        </p:nvSpPr>
+        <p:spPr/>
+        <p:txBody>
+          <a:bodyPr/>
+          <a:lstStyle/>
+          <a:p>
+            <a:endParaRPr lang="fr-FR" noProof="1"/>
+          </a:p>
+        </p:txBody>
+      </p:sp>
+    </p:spTree>
+    <p:extLst>
+      <p:ext uri="{BB962C8B-B14F-4D97-AF65-F5344CB8AC3E}">
+        <p14:creationId xmlns:p14="http://schemas.microsoft.com/office/powerpoint/2010/main" val="547100618"/>
+      </p:ext>
+    </p:extLst>
+  </p:cSld>
+  <p:clrMapOvr>
+    <a:masterClrMapping/>
+  </p:clrMapOvr>
+  <mc:AlternateContent xmlns:mc="http://schemas.openxmlformats.org/markup-compatibility/2006" xmlns:p14="http://schemas.microsoft.com/office/powerpoint/2010/main">
+    <mc:Choice Requires="p14">
+      <p:transition spd="med" p14:dur="700">
+        <p:fade/>
+      </p:transition>
+    </mc:Choice>
+    <mc:Fallback xmlns="">
+      <p:transition spd="med">
+        <p:fade/>
+      </p:transition>
+    </mc:Fallback>
+  </mc:AlternateContent>
+  <p:timing>
+    <p:tnLst>
+      <p:par>
+        <p:cTn id="1" dur="indefinite" restart="never" nodeType="tmRoot"/>
+      </p:par>
+    </p:tnLst>
+  </p:timing>
+</p:sld>
+</file>
+
+<file path=ppt/slides/slide31.xml><?xml version="1.0" encoding="utf-8"?>
+<p:sld xmlns:a="http://schemas.openxmlformats.org/drawingml/2006/main" xmlns:r="http://schemas.openxmlformats.org/officeDocument/2006/relationships" xmlns:p="http://schemas.openxmlformats.org/presentationml/2006/main">
+  <p:cSld>
+    <p:spTree>
+      <p:nvGrpSpPr>
+        <p:cNvPr id="1" name=""/>
+        <p:cNvGrpSpPr/>
+        <p:nvPr/>
+      </p:nvGrpSpPr>
+      <p:grpSpPr>
+        <a:xfrm>
+          <a:off x="0" y="0"/>
+          <a:ext cx="0" cy="0"/>
+          <a:chOff x="0" y="0"/>
+          <a:chExt cx="0" cy="0"/>
+        </a:xfrm>
+      </p:grpSpPr>
+    </p:spTree>
+    <p:extLst>
+      <p:ext uri="{BB962C8B-B14F-4D97-AF65-F5344CB8AC3E}">
+        <p14:creationId xmlns:p14="http://schemas.microsoft.com/office/powerpoint/2010/main" val="1001865620"/>
+      </p:ext>
+    </p:extLst>
+  </p:cSld>
+  <p:clrMapOvr>
+    <a:masterClrMapping/>
+  </p:clrMapOvr>
+  <mc:AlternateContent xmlns:mc="http://schemas.openxmlformats.org/markup-compatibility/2006" xmlns:p14="http://schemas.microsoft.com/office/powerpoint/2010/main">
+    <mc:Choice Requires="p14">
+      <p:transition spd="med" p14:dur="700">
+        <p:fade/>
+      </p:transition>
+    </mc:Choice>
+    <mc:Fallback xmlns="">
+      <p:transition spd="med">
+        <p:fade/>
+      </p:transition>
+    </mc:Fallback>
+  </mc:AlternateContent>
+  <p:timing>
+    <p:tnLst>
+      <p:par>
+        <p:cTn id="1" dur="indefinite" restart="never" nodeType="tmRoot"/>
+      </p:par>
+    </p:tnLst>
+  </p:timing>
+</p:sld>
+</file>
+
+<file path=ppt/slides/slide32.xml><?xml version="1.0" encoding="utf-8"?>
+<p:sld xmlns:a="http://schemas.openxmlformats.org/drawingml/2006/main" xmlns:r="http://schemas.openxmlformats.org/officeDocument/2006/relationships" xmlns:p="http://schemas.openxmlformats.org/presentationml/2006/main">
+  <p:cSld>
+    <p:spTree>
+      <p:nvGrpSpPr>
+        <p:cNvPr id="1" name=""/>
+        <p:cNvGrpSpPr/>
+        <p:nvPr/>
+      </p:nvGrpSpPr>
+      <p:grpSpPr>
+        <a:xfrm>
+          <a:off x="0" y="0"/>
+          <a:ext cx="0" cy="0"/>
+          <a:chOff x="0" y="0"/>
+          <a:chExt cx="0" cy="0"/>
+        </a:xfrm>
+      </p:grpSpPr>
+      <p:sp>
+        <p:nvSpPr>
+          <p:cNvPr id="2" name="Titre 1"/>
+          <p:cNvSpPr>
+            <a:spLocks noGrp="1"/>
+          </p:cNvSpPr>
+          <p:nvPr>
+            <p:ph type="title"/>
+          </p:nvPr>
+        </p:nvSpPr>
+        <p:spPr/>
+        <p:txBody>
+          <a:bodyPr/>
+          <a:lstStyle/>
+          <a:p>
+            <a:endParaRPr lang="fr-FR" noProof="1"/>
+          </a:p>
+        </p:txBody>
+      </p:sp>
+      <p:sp>
+        <p:nvSpPr>
+          <p:cNvPr id="3" name="Espace réservé du contenu 2"/>
+          <p:cNvSpPr>
+            <a:spLocks noGrp="1"/>
+          </p:cNvSpPr>
+          <p:nvPr>
+            <p:ph idx="1"/>
+          </p:nvPr>
+        </p:nvSpPr>
+        <p:spPr/>
+        <p:txBody>
+          <a:bodyPr/>
+          <a:lstStyle/>
+          <a:p>
+            <a:endParaRPr lang="fr-FR" noProof="1"/>
+          </a:p>
+        </p:txBody>
+      </p:sp>
+      <p:sp>
+        <p:nvSpPr>
+          <p:cNvPr id="4" name="Espace réservé du texte 3"/>
+          <p:cNvSpPr>
+            <a:spLocks noGrp="1"/>
+          </p:cNvSpPr>
+          <p:nvPr>
+            <p:ph type="body" sz="half" idx="2"/>
+          </p:nvPr>
+        </p:nvSpPr>
+        <p:spPr/>
+        <p:txBody>
+          <a:bodyPr/>
+          <a:lstStyle/>
+          <a:p>
+            <a:endParaRPr lang="fr-FR" noProof="1"/>
+          </a:p>
+        </p:txBody>
+      </p:sp>
+    </p:spTree>
+    <p:extLst>
+      <p:ext uri="{BB962C8B-B14F-4D97-AF65-F5344CB8AC3E}">
+        <p14:creationId xmlns:p14="http://schemas.microsoft.com/office/powerpoint/2010/main" val="2914748422"/>
+      </p:ext>
+    </p:extLst>
+  </p:cSld>
+  <p:clrMapOvr>
+    <a:masterClrMapping/>
+  </p:clrMapOvr>
+  <mc:AlternateContent xmlns:mc="http://schemas.openxmlformats.org/markup-compatibility/2006" xmlns:p14="http://schemas.microsoft.com/office/powerpoint/2010/main">
+    <mc:Choice Requires="p14">
+      <p:transition spd="med" p14:dur="700">
+        <p:fade/>
+      </p:transition>
+    </mc:Choice>
+    <mc:Fallback xmlns="">
+      <p:transition spd="med">
+        <p:fade/>
+      </p:transition>
+    </mc:Fallback>
+  </mc:AlternateContent>
+  <p:timing>
+    <p:tnLst>
+      <p:par>
+        <p:cTn id="1" dur="indefinite" restart="never" nodeType="tmRoot"/>
+      </p:par>
+    </p:tnLst>
+  </p:timing>
+</p:sld>
+</file>
+
+<file path=ppt/slides/slide33.xml><?xml version="1.0" encoding="utf-8"?>
+<p:sld xmlns:a="http://schemas.openxmlformats.org/drawingml/2006/main" xmlns:r="http://schemas.openxmlformats.org/officeDocument/2006/relationships" xmlns:p="http://schemas.openxmlformats.org/presentationml/2006/main">
+  <p:cSld>
+    <p:spTree>
+      <p:nvGrpSpPr>
+        <p:cNvPr id="1" name=""/>
+        <p:cNvGrpSpPr/>
+        <p:nvPr/>
+      </p:nvGrpSpPr>
+      <p:grpSpPr>
+        <a:xfrm>
+          <a:off x="0" y="0"/>
+          <a:ext cx="0" cy="0"/>
+          <a:chOff x="0" y="0"/>
+          <a:chExt cx="0" cy="0"/>
+        </a:xfrm>
+      </p:grpSpPr>
+      <p:sp>
+        <p:nvSpPr>
+          <p:cNvPr id="2" name="Titre 1"/>
+          <p:cNvSpPr>
+            <a:spLocks noGrp="1"/>
+          </p:cNvSpPr>
+          <p:nvPr>
+            <p:ph type="title"/>
+          </p:nvPr>
+        </p:nvSpPr>
+        <p:spPr/>
+        <p:txBody>
+          <a:bodyPr/>
+          <a:lstStyle/>
+          <a:p>
+            <a:endParaRPr lang="fr-FR" noProof="1"/>
+          </a:p>
+        </p:txBody>
+      </p:sp>
+      <p:sp>
+        <p:nvSpPr>
+          <p:cNvPr id="3" name="Espace réservé de l'image 2"/>
+          <p:cNvSpPr>
+            <a:spLocks noGrp="1"/>
+          </p:cNvSpPr>
+          <p:nvPr>
+            <p:ph type="pic" idx="1"/>
+          </p:nvPr>
+        </p:nvSpPr>
+        <p:spPr/>
+      </p:sp>
+      <p:sp>
+        <p:nvSpPr>
+          <p:cNvPr id="4" name="Espace réservé du texte 3"/>
+          <p:cNvSpPr>
+            <a:spLocks noGrp="1"/>
+          </p:cNvSpPr>
+          <p:nvPr>
+            <p:ph type="body" sz="half" idx="2"/>
+          </p:nvPr>
+        </p:nvSpPr>
+        <p:spPr/>
+        <p:txBody>
+          <a:bodyPr/>
+          <a:lstStyle/>
+          <a:p>
+            <a:endParaRPr lang="fr-FR" noProof="1"/>
+          </a:p>
+        </p:txBody>
+      </p:sp>
+    </p:spTree>
+    <p:extLst>
+      <p:ext uri="{BB962C8B-B14F-4D97-AF65-F5344CB8AC3E}">
+        <p14:creationId xmlns:p14="http://schemas.microsoft.com/office/powerpoint/2010/main" val="3049232890"/>
       </p:ext>
     </p:extLst>
   </p:cSld>
@@ -13858,8 +17921,8 @@
           </a:p>
         </p:txBody>
       </p:sp>
-      <mc:AlternateContent xmlns:mc="http://schemas.openxmlformats.org/markup-compatibility/2006" xmlns:a14="http://schemas.microsoft.com/office/drawing/2010/main">
-        <mc:Choice Requires="a14">
+      <mc:AlternateContent xmlns:mc="http://schemas.openxmlformats.org/markup-compatibility/2006">
+        <mc:Choice xmlns:a14="http://schemas.microsoft.com/office/drawing/2010/main" Requires="a14">
           <p:sp>
             <p:nvSpPr>
               <p:cNvPr id="3" name="Espace réservé du contenu 2"/>
@@ -14549,14 +18612,18 @@
                 </a:pPr>
                 <a:r>
                   <a:rPr lang="fr-FR" dirty="0" smtClean="0"/>
-                  <a:t>Différentes manières d’estimer ces quantités</a:t>
+                  <a:t>Différentes manières d’estimer ces </a:t>
+                </a:r>
+                <a:r>
+                  <a:rPr lang="fr-FR" dirty="0" smtClean="0"/>
+                  <a:t>quantités</a:t>
                 </a:r>
                 <a:endParaRPr lang="fr-FR" dirty="0"/>
               </a:p>
             </p:txBody>
           </p:sp>
         </mc:Choice>
-        <mc:Fallback xmlns="">
+        <mc:Fallback>
           <p:sp>
             <p:nvSpPr>
               <p:cNvPr id="3" name="Espace réservé du contenu 2"/>
@@ -14672,8 +18739,8 @@
           </a:p>
         </p:txBody>
       </p:sp>
-      <mc:AlternateContent xmlns:mc="http://schemas.openxmlformats.org/markup-compatibility/2006" xmlns:a14="http://schemas.microsoft.com/office/drawing/2010/main">
-        <mc:Choice Requires="a14">
+      <mc:AlternateContent xmlns:mc="http://schemas.openxmlformats.org/markup-compatibility/2006">
+        <mc:Choice xmlns:a14="http://schemas.microsoft.com/office/drawing/2010/main" Requires="a14">
           <p:sp>
             <p:nvSpPr>
               <p:cNvPr id="3" name="Espace réservé du contenu 2"/>
@@ -15064,23 +19131,10 @@
                 </a14:m>
                 <a:endParaRPr lang="fr-FR" dirty="0" smtClean="0"/>
               </a:p>
-              <a:p>
-                <a:pPr>
-                  <a:buClr>
-                    <a:schemeClr val="tx1">
-                      <a:lumMod val="75000"/>
-                    </a:schemeClr>
-                  </a:buClr>
-                </a:pPr>
-                <a:r>
-                  <a:rPr lang="fr-FR" dirty="0" smtClean="0"/>
-                  <a:t>Estimateur biaisé</a:t>
-                </a:r>
-              </a:p>
             </p:txBody>
           </p:sp>
         </mc:Choice>
-        <mc:Fallback xmlns="">
+        <mc:Fallback>
           <p:sp>
             <p:nvSpPr>
               <p:cNvPr id="3" name="Espace réservé du contenu 2"/>
@@ -15891,653 +19945,115 @@
           <a:p>
             <a:r>
               <a:rPr lang="fr-FR" dirty="0" smtClean="0"/>
-              <a:t>Les transformées de Fourier</a:t>
+              <a:t>Variantes du </a:t>
+            </a:r>
+            <a:r>
+              <a:rPr lang="fr-FR" dirty="0" err="1" smtClean="0"/>
+              <a:t>périodogramme</a:t>
             </a:r>
             <a:endParaRPr lang="fr-FR" dirty="0"/>
           </a:p>
         </p:txBody>
       </p:sp>
-      <mc:AlternateContent xmlns:mc="http://schemas.openxmlformats.org/markup-compatibility/2006" xmlns:a14="http://schemas.microsoft.com/office/drawing/2010/main">
-        <mc:Choice Requires="a14">
-          <p:sp>
-            <p:nvSpPr>
-              <p:cNvPr id="3" name="Espace réservé du contenu 2"/>
-              <p:cNvSpPr>
-                <a:spLocks noGrp="1"/>
-              </p:cNvSpPr>
-              <p:nvPr>
-                <p:ph idx="1"/>
-              </p:nvPr>
-            </p:nvSpPr>
-            <p:spPr/>
-            <p:txBody>
-              <a:bodyPr>
-                <a:normAutofit lnSpcReduction="10000"/>
-              </a:bodyPr>
-              <a:lstStyle/>
-              <a:p>
-                <a:pPr>
-                  <a:buClr>
-                    <a:schemeClr val="tx1">
-                      <a:lumMod val="75000"/>
-                    </a:schemeClr>
-                  </a:buClr>
-                </a:pPr>
-                <a:r>
-                  <a:rPr lang="fr-FR" dirty="0" smtClean="0"/>
-                  <a:t>Transformée de Fourier continue :</a:t>
-                </a:r>
-              </a:p>
-              <a:p>
-                <a:pPr marL="0" indent="0">
-                  <a:buClr>
-                    <a:schemeClr val="tx1">
-                      <a:lumMod val="75000"/>
-                    </a:schemeClr>
-                  </a:buClr>
-                  <a:buNone/>
-                </a:pPr>
-                <a14:m>
-                  <m:oMathPara xmlns:m="http://schemas.openxmlformats.org/officeDocument/2006/math">
-                    <m:oMathParaPr>
-                      <m:jc m:val="centerGroup"/>
-                    </m:oMathParaPr>
-                    <m:oMath xmlns:m="http://schemas.openxmlformats.org/officeDocument/2006/math">
-                      <m:r>
-                        <a:rPr lang="fr-FR" b="0" i="1" smtClean="0">
-                          <a:latin typeface="Cambria Math" panose="02040503050406030204" pitchFamily="18" charset="0"/>
-                        </a:rPr>
-                        <m:t>𝑠</m:t>
-                      </m:r>
-                      <m:d>
-                        <m:dPr>
-                          <m:ctrlPr>
-                            <a:rPr lang="fr-FR" b="0" i="1" smtClean="0">
-                              <a:latin typeface="Cambria Math" panose="02040503050406030204" pitchFamily="18" charset="0"/>
-                            </a:rPr>
-                          </m:ctrlPr>
-                        </m:dPr>
-                        <m:e>
-                          <m:r>
-                            <a:rPr lang="fr-FR" b="0" i="1" smtClean="0">
-                              <a:latin typeface="Cambria Math" panose="02040503050406030204" pitchFamily="18" charset="0"/>
-                            </a:rPr>
-                            <m:t>𝑡</m:t>
-                          </m:r>
-                        </m:e>
-                      </m:d>
-                      <m:groupChr>
-                        <m:groupChrPr>
-                          <m:chr m:val="→"/>
-                          <m:vertJc m:val="bot"/>
-                          <m:ctrlPr>
-                            <a:rPr lang="fr-FR" b="0" i="1" smtClean="0">
-                              <a:latin typeface="Cambria Math" panose="02040503050406030204" pitchFamily="18" charset="0"/>
-                            </a:rPr>
-                          </m:ctrlPr>
-                        </m:groupChrPr>
-                        <m:e>
-                          <m:r>
-                            <m:rPr>
-                              <m:brk m:alnAt="2"/>
-                            </m:rPr>
-                            <a:rPr lang="fr-FR" b="0" i="1" smtClean="0">
-                              <a:latin typeface="Cambria Math" panose="02040503050406030204" pitchFamily="18" charset="0"/>
-                            </a:rPr>
-                            <m:t>𝐹</m:t>
-                          </m:r>
-                          <m:r>
-                            <a:rPr lang="fr-FR" b="0" i="1" smtClean="0">
-                              <a:latin typeface="Cambria Math" panose="02040503050406030204" pitchFamily="18" charset="0"/>
-                            </a:rPr>
-                            <m:t>𝑇</m:t>
-                          </m:r>
-                        </m:e>
-                      </m:groupChr>
-                      <m:r>
-                        <a:rPr lang="fr-FR" b="0" i="1" smtClean="0">
-                          <a:latin typeface="Cambria Math" panose="02040503050406030204" pitchFamily="18" charset="0"/>
-                        </a:rPr>
-                        <m:t>𝑆</m:t>
-                      </m:r>
-                      <m:d>
-                        <m:dPr>
-                          <m:ctrlPr>
-                            <a:rPr lang="fr-FR" b="0" i="1" smtClean="0">
-                              <a:latin typeface="Cambria Math" panose="02040503050406030204" pitchFamily="18" charset="0"/>
-                            </a:rPr>
-                          </m:ctrlPr>
-                        </m:dPr>
-                        <m:e>
-                          <m:r>
-                            <a:rPr lang="fr-FR" b="0" i="1" smtClean="0">
-                              <a:latin typeface="Cambria Math" panose="02040503050406030204" pitchFamily="18" charset="0"/>
-                            </a:rPr>
-                            <m:t>𝑓</m:t>
-                          </m:r>
-                        </m:e>
-                      </m:d>
-                      <m:r>
-                        <a:rPr lang="fr-FR" b="0" i="1" smtClean="0">
-                          <a:latin typeface="Cambria Math" panose="02040503050406030204" pitchFamily="18" charset="0"/>
-                        </a:rPr>
-                        <m:t>=</m:t>
-                      </m:r>
-                      <m:nary>
-                        <m:naryPr>
-                          <m:limLoc m:val="undOvr"/>
-                          <m:ctrlPr>
-                            <a:rPr lang="fr-FR" b="0" i="1" smtClean="0">
-                              <a:latin typeface="Cambria Math" panose="02040503050406030204" pitchFamily="18" charset="0"/>
-                            </a:rPr>
-                          </m:ctrlPr>
-                        </m:naryPr>
-                        <m:sub>
-                          <m:r>
-                            <m:rPr>
-                              <m:brk m:alnAt="24"/>
-                            </m:rPr>
-                            <a:rPr lang="fr-FR" b="0" i="1" smtClean="0">
-                              <a:latin typeface="Cambria Math" panose="02040503050406030204" pitchFamily="18" charset="0"/>
-                            </a:rPr>
-                            <m:t>−</m:t>
-                          </m:r>
-                          <m:r>
-                            <a:rPr lang="fr-FR" b="0" i="1" smtClean="0">
-                              <a:latin typeface="Cambria Math" panose="02040503050406030204" pitchFamily="18" charset="0"/>
-                              <a:ea typeface="Cambria Math" panose="02040503050406030204" pitchFamily="18" charset="0"/>
-                            </a:rPr>
-                            <m:t>∞</m:t>
-                          </m:r>
-                        </m:sub>
-                        <m:sup>
-                          <m:r>
-                            <a:rPr lang="fr-FR" b="0" i="1" smtClean="0">
-                              <a:latin typeface="Cambria Math" panose="02040503050406030204" pitchFamily="18" charset="0"/>
-                            </a:rPr>
-                            <m:t>+</m:t>
-                          </m:r>
-                          <m:r>
-                            <a:rPr lang="fr-FR" b="0" i="1" smtClean="0">
-                              <a:latin typeface="Cambria Math" panose="02040503050406030204" pitchFamily="18" charset="0"/>
-                              <a:ea typeface="Cambria Math" panose="02040503050406030204" pitchFamily="18" charset="0"/>
-                            </a:rPr>
-                            <m:t>∞</m:t>
-                          </m:r>
-                        </m:sup>
-                        <m:e>
-                          <m:r>
-                            <a:rPr lang="fr-FR" b="0" i="1" smtClean="0">
-                              <a:latin typeface="Cambria Math" panose="02040503050406030204" pitchFamily="18" charset="0"/>
-                            </a:rPr>
-                            <m:t>𝑠</m:t>
-                          </m:r>
-                          <m:r>
-                            <a:rPr lang="fr-FR" b="0" i="1" smtClean="0">
-                              <a:latin typeface="Cambria Math" panose="02040503050406030204" pitchFamily="18" charset="0"/>
-                            </a:rPr>
-                            <m:t>(</m:t>
-                          </m:r>
-                          <m:r>
-                            <a:rPr lang="fr-FR" b="0" i="1" smtClean="0">
-                              <a:latin typeface="Cambria Math" panose="02040503050406030204" pitchFamily="18" charset="0"/>
-                            </a:rPr>
-                            <m:t>𝑡</m:t>
-                          </m:r>
-                          <m:r>
-                            <a:rPr lang="fr-FR" b="0" i="1" smtClean="0">
-                              <a:latin typeface="Cambria Math" panose="02040503050406030204" pitchFamily="18" charset="0"/>
-                            </a:rPr>
-                            <m:t>)</m:t>
-                          </m:r>
-                        </m:e>
-                      </m:nary>
-                      <m:sSup>
-                        <m:sSupPr>
-                          <m:ctrlPr>
-                            <a:rPr lang="fr-FR" i="1">
-                              <a:latin typeface="Cambria Math" panose="02040503050406030204" pitchFamily="18" charset="0"/>
-                              <a:ea typeface="Cambria Math" panose="02040503050406030204" pitchFamily="18" charset="0"/>
-                            </a:rPr>
-                          </m:ctrlPr>
-                        </m:sSupPr>
-                        <m:e>
-                          <m:r>
-                            <a:rPr lang="fr-FR" i="1">
-                              <a:latin typeface="Cambria Math" panose="02040503050406030204" pitchFamily="18" charset="0"/>
-                              <a:ea typeface="Cambria Math" panose="02040503050406030204" pitchFamily="18" charset="0"/>
-                            </a:rPr>
-                            <m:t>𝑒</m:t>
-                          </m:r>
-                        </m:e>
-                        <m:sup>
-                          <m:r>
-                            <a:rPr lang="fr-FR" i="1">
-                              <a:latin typeface="Cambria Math" panose="02040503050406030204" pitchFamily="18" charset="0"/>
-                              <a:ea typeface="Cambria Math" panose="02040503050406030204" pitchFamily="18" charset="0"/>
-                            </a:rPr>
-                            <m:t>−</m:t>
-                          </m:r>
-                          <m:r>
-                            <a:rPr lang="fr-FR" i="1">
-                              <a:latin typeface="Cambria Math" panose="02040503050406030204" pitchFamily="18" charset="0"/>
-                              <a:ea typeface="Cambria Math" panose="02040503050406030204" pitchFamily="18" charset="0"/>
-                            </a:rPr>
-                            <m:t>𝑗</m:t>
-                          </m:r>
-                          <m:r>
-                            <a:rPr lang="fr-FR" i="1">
-                              <a:latin typeface="Cambria Math" panose="02040503050406030204" pitchFamily="18" charset="0"/>
-                              <a:ea typeface="Cambria Math" panose="02040503050406030204" pitchFamily="18" charset="0"/>
-                            </a:rPr>
-                            <m:t>2</m:t>
-                          </m:r>
-                          <m:r>
-                            <a:rPr lang="fr-FR" i="1">
-                              <a:latin typeface="Cambria Math" panose="02040503050406030204" pitchFamily="18" charset="0"/>
-                              <a:ea typeface="Cambria Math" panose="02040503050406030204" pitchFamily="18" charset="0"/>
-                            </a:rPr>
-                            <m:t>𝜋</m:t>
-                          </m:r>
-                          <m:r>
-                            <a:rPr lang="fr-FR" i="1">
-                              <a:latin typeface="Cambria Math" panose="02040503050406030204" pitchFamily="18" charset="0"/>
-                              <a:ea typeface="Cambria Math" panose="02040503050406030204" pitchFamily="18" charset="0"/>
-                            </a:rPr>
-                            <m:t>𝑓𝑡</m:t>
-                          </m:r>
-                        </m:sup>
-                      </m:sSup>
-                      <m:r>
-                        <a:rPr lang="fr-FR" b="0" i="1" smtClean="0">
-                          <a:latin typeface="Cambria Math" panose="02040503050406030204" pitchFamily="18" charset="0"/>
-                          <a:ea typeface="Cambria Math" panose="02040503050406030204" pitchFamily="18" charset="0"/>
-                        </a:rPr>
-                        <m:t>𝑑𝑡</m:t>
-                      </m:r>
-                    </m:oMath>
-                  </m:oMathPara>
-                </a14:m>
-                <a:endParaRPr lang="fr-FR" dirty="0" smtClean="0"/>
-              </a:p>
-              <a:p>
-                <a:pPr>
-                  <a:buClr>
-                    <a:schemeClr val="tx1">
-                      <a:lumMod val="75000"/>
-                    </a:schemeClr>
-                  </a:buClr>
-                </a:pPr>
-                <a:r>
-                  <a:rPr lang="fr-FR" dirty="0"/>
-                  <a:t>Transformée de Fourier </a:t>
-                </a:r>
-                <a:r>
-                  <a:rPr lang="fr-FR" dirty="0" smtClean="0"/>
-                  <a:t>à temps discret </a:t>
-                </a:r>
-                <a:r>
-                  <a:rPr lang="fr-FR" dirty="0"/>
-                  <a:t>:</a:t>
-                </a:r>
-              </a:p>
-              <a:p>
-                <a:pPr marL="0" indent="0">
-                  <a:buClr>
-                    <a:schemeClr val="tx1">
-                      <a:lumMod val="75000"/>
-                    </a:schemeClr>
-                  </a:buClr>
-                  <a:buNone/>
-                </a:pPr>
-                <a14:m>
-                  <m:oMathPara xmlns:m="http://schemas.openxmlformats.org/officeDocument/2006/math">
-                    <m:oMathParaPr>
-                      <m:jc m:val="centerGroup"/>
-                    </m:oMathParaPr>
-                    <m:oMath xmlns:m="http://schemas.openxmlformats.org/officeDocument/2006/math">
-                      <m:r>
-                        <a:rPr lang="fr-FR" i="1">
-                          <a:latin typeface="Cambria Math" panose="02040503050406030204" pitchFamily="18" charset="0"/>
-                        </a:rPr>
-                        <m:t>𝑠</m:t>
-                      </m:r>
-                      <m:d>
-                        <m:dPr>
-                          <m:ctrlPr>
-                            <a:rPr lang="fr-FR" i="1">
-                              <a:latin typeface="Cambria Math" panose="02040503050406030204" pitchFamily="18" charset="0"/>
-                            </a:rPr>
-                          </m:ctrlPr>
-                        </m:dPr>
-                        <m:e>
-                          <m:r>
-                            <a:rPr lang="fr-FR" i="1">
-                              <a:latin typeface="Cambria Math" panose="02040503050406030204" pitchFamily="18" charset="0"/>
-                            </a:rPr>
-                            <m:t>𝑘</m:t>
-                          </m:r>
-                        </m:e>
-                      </m:d>
-                      <m:groupChr>
-                        <m:groupChrPr>
-                          <m:chr m:val="→"/>
-                          <m:vertJc m:val="bot"/>
-                          <m:ctrlPr>
-                            <a:rPr lang="fr-FR" i="1">
-                              <a:latin typeface="Cambria Math" panose="02040503050406030204" pitchFamily="18" charset="0"/>
-                            </a:rPr>
-                          </m:ctrlPr>
-                        </m:groupChrPr>
-                        <m:e>
-                          <m:r>
-                            <m:rPr>
-                              <m:brk m:alnAt="2"/>
-                            </m:rPr>
-                            <a:rPr lang="fr-FR" i="1">
-                              <a:latin typeface="Cambria Math" panose="02040503050406030204" pitchFamily="18" charset="0"/>
-                            </a:rPr>
-                            <m:t>𝐷</m:t>
-                          </m:r>
-                          <m:r>
-                            <a:rPr lang="fr-FR" b="0" i="1" smtClean="0">
-                              <a:latin typeface="Cambria Math" panose="02040503050406030204" pitchFamily="18" charset="0"/>
-                            </a:rPr>
-                            <m:t>𝑇</m:t>
-                          </m:r>
-                          <m:r>
-                            <a:rPr lang="fr-FR" i="1">
-                              <a:latin typeface="Cambria Math" panose="02040503050406030204" pitchFamily="18" charset="0"/>
-                            </a:rPr>
-                            <m:t>𝐹𝑇</m:t>
-                          </m:r>
-                        </m:e>
-                      </m:groupChr>
-                      <m:r>
-                        <a:rPr lang="fr-FR" i="1">
-                          <a:latin typeface="Cambria Math" panose="02040503050406030204" pitchFamily="18" charset="0"/>
-                        </a:rPr>
-                        <m:t>𝑆</m:t>
-                      </m:r>
-                      <m:d>
-                        <m:dPr>
-                          <m:ctrlPr>
-                            <a:rPr lang="fr-FR" i="1">
-                              <a:latin typeface="Cambria Math" panose="02040503050406030204" pitchFamily="18" charset="0"/>
-                            </a:rPr>
-                          </m:ctrlPr>
-                        </m:dPr>
-                        <m:e>
-                          <m:r>
-                            <a:rPr lang="fr-FR" i="1">
-                              <a:latin typeface="Cambria Math" panose="02040503050406030204" pitchFamily="18" charset="0"/>
-                            </a:rPr>
-                            <m:t>𝑓</m:t>
-                          </m:r>
-                        </m:e>
-                      </m:d>
-                      <m:r>
-                        <a:rPr lang="fr-FR" i="1">
-                          <a:latin typeface="Cambria Math" panose="02040503050406030204" pitchFamily="18" charset="0"/>
-                        </a:rPr>
-                        <m:t>=</m:t>
-                      </m:r>
-                      <m:nary>
-                        <m:naryPr>
-                          <m:chr m:val="∑"/>
-                          <m:ctrlPr>
-                            <a:rPr lang="fr-FR" i="1">
-                              <a:latin typeface="Cambria Math" panose="02040503050406030204" pitchFamily="18" charset="0"/>
-                            </a:rPr>
-                          </m:ctrlPr>
-                        </m:naryPr>
-                        <m:sub>
-                          <m:r>
-                            <m:rPr>
-                              <m:brk m:alnAt="23"/>
-                            </m:rPr>
-                            <a:rPr lang="fr-FR" i="1">
-                              <a:latin typeface="Cambria Math" panose="02040503050406030204" pitchFamily="18" charset="0"/>
-                            </a:rPr>
-                            <m:t>𝑘</m:t>
-                          </m:r>
-                          <m:r>
-                            <a:rPr lang="fr-FR" i="1">
-                              <a:latin typeface="Cambria Math" panose="02040503050406030204" pitchFamily="18" charset="0"/>
-                            </a:rPr>
-                            <m:t>=−∞</m:t>
-                          </m:r>
-                        </m:sub>
-                        <m:sup>
-                          <m:r>
-                            <a:rPr lang="fr-FR" i="1">
-                              <a:latin typeface="Cambria Math" panose="02040503050406030204" pitchFamily="18" charset="0"/>
-                            </a:rPr>
-                            <m:t>+</m:t>
-                          </m:r>
-                          <m:r>
-                            <a:rPr lang="fr-FR" i="1">
-                              <a:latin typeface="Cambria Math" panose="02040503050406030204" pitchFamily="18" charset="0"/>
-                              <a:ea typeface="Cambria Math" panose="02040503050406030204" pitchFamily="18" charset="0"/>
-                            </a:rPr>
-                            <m:t>∞</m:t>
-                          </m:r>
-                        </m:sup>
-                        <m:e>
-                          <m:sSup>
-                            <m:sSupPr>
-                              <m:ctrlPr>
-                                <a:rPr lang="fr-FR" i="1">
-                                  <a:latin typeface="Cambria Math" panose="02040503050406030204" pitchFamily="18" charset="0"/>
-                                  <a:ea typeface="Cambria Math" panose="02040503050406030204" pitchFamily="18" charset="0"/>
-                                </a:rPr>
-                              </m:ctrlPr>
-                            </m:sSupPr>
-                            <m:e>
-                              <m:r>
-                                <a:rPr lang="fr-FR" i="1">
-                                  <a:latin typeface="Cambria Math" panose="02040503050406030204" pitchFamily="18" charset="0"/>
-                                </a:rPr>
-                                <m:t>𝑠</m:t>
-                              </m:r>
-                              <m:r>
-                                <a:rPr lang="fr-FR" i="1">
-                                  <a:latin typeface="Cambria Math" panose="02040503050406030204" pitchFamily="18" charset="0"/>
-                                </a:rPr>
-                                <m:t>(</m:t>
-                              </m:r>
-                              <m:r>
-                                <a:rPr lang="fr-FR" i="1">
-                                  <a:latin typeface="Cambria Math" panose="02040503050406030204" pitchFamily="18" charset="0"/>
-                                </a:rPr>
-                                <m:t>𝑘</m:t>
-                              </m:r>
-                              <m:r>
-                                <a:rPr lang="fr-FR" i="1">
-                                  <a:latin typeface="Cambria Math" panose="02040503050406030204" pitchFamily="18" charset="0"/>
-                                </a:rPr>
-                                <m:t>)</m:t>
-                              </m:r>
-                              <m:r>
-                                <a:rPr lang="fr-FR" i="1">
-                                  <a:latin typeface="Cambria Math" panose="02040503050406030204" pitchFamily="18" charset="0"/>
-                                  <a:ea typeface="Cambria Math" panose="02040503050406030204" pitchFamily="18" charset="0"/>
-                                </a:rPr>
-                                <m:t>𝑧</m:t>
-                              </m:r>
-                            </m:e>
-                            <m:sup>
-                              <m:r>
-                                <a:rPr lang="fr-FR" i="1">
-                                  <a:latin typeface="Cambria Math" panose="02040503050406030204" pitchFamily="18" charset="0"/>
-                                  <a:ea typeface="Cambria Math" panose="02040503050406030204" pitchFamily="18" charset="0"/>
-                                </a:rPr>
-                                <m:t>−</m:t>
-                              </m:r>
-                              <m:r>
-                                <a:rPr lang="fr-FR" i="1">
-                                  <a:latin typeface="Cambria Math" panose="02040503050406030204" pitchFamily="18" charset="0"/>
-                                  <a:ea typeface="Cambria Math" panose="02040503050406030204" pitchFamily="18" charset="0"/>
-                                </a:rPr>
-                                <m:t>𝑘</m:t>
-                              </m:r>
-                            </m:sup>
-                          </m:sSup>
-                        </m:e>
-                      </m:nary>
-                      <m:r>
-                        <a:rPr lang="fr-FR" i="1">
-                          <a:latin typeface="Cambria Math" panose="02040503050406030204" pitchFamily="18" charset="0"/>
-                        </a:rPr>
-                        <m:t> ;</m:t>
-                      </m:r>
-                      <m:r>
-                        <a:rPr lang="fr-FR" i="1">
-                          <a:latin typeface="Cambria Math" panose="02040503050406030204" pitchFamily="18" charset="0"/>
-                        </a:rPr>
-                        <m:t>𝑧</m:t>
-                      </m:r>
-                      <m:r>
-                        <a:rPr lang="fr-FR" i="1">
-                          <a:latin typeface="Cambria Math" panose="02040503050406030204" pitchFamily="18" charset="0"/>
-                        </a:rPr>
-                        <m:t>=</m:t>
-                      </m:r>
-                      <m:sSup>
-                        <m:sSupPr>
-                          <m:ctrlPr>
-                            <a:rPr lang="fr-FR" i="1">
-                              <a:latin typeface="Cambria Math" panose="02040503050406030204" pitchFamily="18" charset="0"/>
-                            </a:rPr>
-                          </m:ctrlPr>
-                        </m:sSupPr>
-                        <m:e>
-                          <m:r>
-                            <a:rPr lang="fr-FR" i="1">
-                              <a:latin typeface="Cambria Math" panose="02040503050406030204" pitchFamily="18" charset="0"/>
-                            </a:rPr>
-                            <m:t>𝑒</m:t>
-                          </m:r>
-                        </m:e>
-                        <m:sup>
-                          <m:r>
-                            <a:rPr lang="fr-FR" i="1">
-                              <a:latin typeface="Cambria Math" panose="02040503050406030204" pitchFamily="18" charset="0"/>
-                            </a:rPr>
-                            <m:t>−</m:t>
-                          </m:r>
-                          <m:r>
-                            <a:rPr lang="fr-FR" i="1">
-                              <a:latin typeface="Cambria Math" panose="02040503050406030204" pitchFamily="18" charset="0"/>
-                            </a:rPr>
-                            <m:t>𝑗</m:t>
-                          </m:r>
-                          <m:r>
-                            <a:rPr lang="fr-FR" i="1">
-                              <a:latin typeface="Cambria Math" panose="02040503050406030204" pitchFamily="18" charset="0"/>
-                            </a:rPr>
-                            <m:t>2</m:t>
-                          </m:r>
-                          <m:r>
-                            <a:rPr lang="fr-FR" i="1">
-                              <a:latin typeface="Cambria Math" panose="02040503050406030204" pitchFamily="18" charset="0"/>
-                              <a:ea typeface="Cambria Math" panose="02040503050406030204" pitchFamily="18" charset="0"/>
-                            </a:rPr>
-                            <m:t>𝜋</m:t>
-                          </m:r>
-                          <m:r>
-                            <a:rPr lang="fr-FR" i="1">
-                              <a:latin typeface="Cambria Math" panose="02040503050406030204" pitchFamily="18" charset="0"/>
-                              <a:ea typeface="Cambria Math" panose="02040503050406030204" pitchFamily="18" charset="0"/>
-                            </a:rPr>
-                            <m:t>𝑓</m:t>
-                          </m:r>
-                        </m:sup>
-                      </m:sSup>
-                    </m:oMath>
-                  </m:oMathPara>
-                </a14:m>
-                <a:endParaRPr lang="fr-FR" dirty="0" smtClean="0"/>
-              </a:p>
-              <a:p>
-                <a:pPr>
-                  <a:buClr>
-                    <a:schemeClr val="tx1">
-                      <a:lumMod val="75000"/>
-                    </a:schemeClr>
-                  </a:buClr>
-                </a:pPr>
-                <a:r>
-                  <a:rPr lang="fr-FR" dirty="0" smtClean="0"/>
-                  <a:t>Propriétés de calcul intéressantes : </a:t>
-                </a:r>
-                <a:r>
-                  <a:rPr lang="fr-FR" i="1" dirty="0" smtClean="0"/>
-                  <a:t>inversion, linéarité, convolution, produit, conjugaison, changements d’échelle, périodicité, etc.</a:t>
-                </a:r>
-              </a:p>
-              <a:p>
-                <a:pPr marL="0" indent="0" algn="ctr">
-                  <a:buClr>
-                    <a:schemeClr val="tx1">
-                      <a:lumMod val="75000"/>
-                    </a:schemeClr>
-                  </a:buClr>
-                  <a:buNone/>
-                </a:pPr>
-                <a:r>
-                  <a:rPr lang="fr-FR" dirty="0" smtClean="0">
-                    <a:sym typeface="Wingdings" panose="05000000000000000000" pitchFamily="2" charset="2"/>
-                  </a:rPr>
-                  <a:t> </a:t>
-                </a:r>
-                <a:r>
-                  <a:rPr lang="fr-FR" dirty="0" smtClean="0"/>
-                  <a:t>Puissant outil théorique</a:t>
-                </a:r>
-                <a:endParaRPr lang="fr-FR" dirty="0"/>
-              </a:p>
-            </p:txBody>
-          </p:sp>
-        </mc:Choice>
-        <mc:Fallback xmlns="">
-          <p:sp>
-            <p:nvSpPr>
-              <p:cNvPr id="3" name="Espace réservé du contenu 2"/>
-              <p:cNvSpPr>
-                <a:spLocks noGrp="1" noRot="1" noChangeAspect="1" noMove="1" noResize="1" noEditPoints="1" noAdjustHandles="1" noChangeArrowheads="1" noChangeShapeType="1" noTextEdit="1"/>
-              </p:cNvSpPr>
-              <p:nvPr>
-                <p:ph idx="1"/>
-              </p:nvPr>
-            </p:nvSpPr>
-            <p:spPr>
-              <a:blipFill rotWithShape="0">
-                <a:blip r:embed="rId2"/>
-                <a:stretch>
-                  <a:fillRect l="-467" t="-2533"/>
-                </a:stretch>
-              </a:blipFill>
-            </p:spPr>
-            <p:txBody>
-              <a:bodyPr/>
-              <a:lstStyle/>
-              <a:p>
-                <a:r>
-                  <a:rPr lang="fr-FR">
-                    <a:noFill/>
-                  </a:rPr>
-                  <a:t> </a:t>
-                </a:r>
-              </a:p>
-            </p:txBody>
-          </p:sp>
-        </mc:Fallback>
-      </mc:AlternateContent>
+      <p:sp>
+        <p:nvSpPr>
+          <p:cNvPr id="3" name="Espace réservé du contenu 2"/>
+          <p:cNvSpPr>
+            <a:spLocks noGrp="1"/>
+          </p:cNvSpPr>
+          <p:nvPr>
+            <p:ph idx="1"/>
+          </p:nvPr>
+        </p:nvSpPr>
+        <p:spPr/>
+        <p:txBody>
+          <a:bodyPr>
+            <a:normAutofit/>
+          </a:bodyPr>
+          <a:lstStyle/>
+          <a:p>
+            <a:pPr>
+              <a:buClr>
+                <a:schemeClr val="tx1">
+                  <a:lumMod val="75000"/>
+                </a:schemeClr>
+              </a:buClr>
+            </a:pPr>
+            <a:r>
+              <a:rPr lang="fr-FR" dirty="0" smtClean="0"/>
+              <a:t>Fenêtrage</a:t>
+            </a:r>
+          </a:p>
+          <a:p>
+            <a:pPr>
+              <a:buClr>
+                <a:schemeClr val="tx1">
+                  <a:lumMod val="75000"/>
+                </a:schemeClr>
+              </a:buClr>
+            </a:pPr>
+            <a:r>
+              <a:rPr lang="fr-FR" dirty="0" smtClean="0"/>
+              <a:t>Lissage sur les fréquences (Daniell)</a:t>
+            </a:r>
+          </a:p>
+          <a:p>
+            <a:pPr>
+              <a:buClr>
+                <a:schemeClr val="tx1">
+                  <a:lumMod val="75000"/>
+                </a:schemeClr>
+              </a:buClr>
+            </a:pPr>
+            <a:r>
+              <a:rPr lang="fr-FR" dirty="0" smtClean="0"/>
+              <a:t>Moyenne </a:t>
+            </a:r>
+            <a:r>
+              <a:rPr lang="fr-FR" dirty="0"/>
+              <a:t>temporelle </a:t>
+            </a:r>
+            <a:r>
+              <a:rPr lang="fr-FR" dirty="0" smtClean="0"/>
+              <a:t>grâce à l’</a:t>
+            </a:r>
+            <a:r>
+              <a:rPr lang="fr-FR" dirty="0" err="1" smtClean="0"/>
+              <a:t>ergodicité</a:t>
+            </a:r>
+            <a:r>
+              <a:rPr lang="fr-FR" dirty="0" smtClean="0"/>
+              <a:t> (Bartlett)</a:t>
+            </a:r>
+          </a:p>
+          <a:p>
+            <a:pPr>
+              <a:buClr>
+                <a:schemeClr val="tx1">
+                  <a:lumMod val="75000"/>
+                </a:schemeClr>
+              </a:buClr>
+            </a:pPr>
+            <a:r>
+              <a:rPr lang="fr-FR" dirty="0" smtClean="0"/>
+              <a:t>Combinaisons de tout ça (</a:t>
+            </a:r>
+            <a:r>
+              <a:rPr lang="fr-FR" dirty="0" err="1" smtClean="0"/>
+              <a:t>Welsh</a:t>
+            </a:r>
+            <a:r>
+              <a:rPr lang="fr-FR" dirty="0" smtClean="0"/>
+              <a:t>)</a:t>
+            </a:r>
+            <a:endParaRPr lang="fr-FR" dirty="0"/>
+          </a:p>
+        </p:txBody>
+      </p:sp>
     </p:spTree>
     <p:extLst>
       <p:ext uri="{BB962C8B-B14F-4D97-AF65-F5344CB8AC3E}">
-        <p14:creationId xmlns:p14="http://schemas.microsoft.com/office/powerpoint/2010/main" val="703313302"/>
+        <p14:creationId xmlns:p14="http://schemas.microsoft.com/office/powerpoint/2010/main" val="1957602570"/>
       </p:ext>
     </p:extLst>
   </p:cSld>

--- a/Analyse spectrale_etienne.pptx
+++ b/Analyse spectrale_etienne.pptx
@@ -17,8 +17,8 @@
     <p:sldId id="269" r:id="rId6"/>
     <p:sldId id="257" r:id="rId7"/>
     <p:sldId id="271" r:id="rId8"/>
-    <p:sldId id="272" r:id="rId9"/>
-    <p:sldId id="274" r:id="rId10"/>
+    <p:sldId id="274" r:id="rId9"/>
+    <p:sldId id="290" r:id="rId10"/>
     <p:sldId id="280" r:id="rId11"/>
     <p:sldId id="281" r:id="rId12"/>
     <p:sldId id="283" r:id="rId13"/>
@@ -3890,777 +3890,6 @@
       <dsp:cNvGrpSpPr/>
     </dsp:nvGrpSpPr>
     <dsp:grpSpPr/>
-    <dsp:sp modelId="{B752F9F5-2482-4D52-A33E-BE0263F4B0EA}">
-      <dsp:nvSpPr>
-        <dsp:cNvPr id="0" name=""/>
-        <dsp:cNvSpPr/>
-      </dsp:nvSpPr>
-      <dsp:spPr>
-        <a:xfrm>
-          <a:off x="0" y="3443976"/>
-          <a:ext cx="5334000" cy="1130389"/>
-        </a:xfrm>
-        <a:prstGeom prst="rect">
-          <a:avLst/>
-        </a:prstGeom>
-        <a:solidFill>
-          <a:schemeClr val="accent3">
-            <a:hueOff val="0"/>
-            <a:satOff val="0"/>
-            <a:lumOff val="0"/>
-            <a:alphaOff val="0"/>
-          </a:schemeClr>
-        </a:solidFill>
-        <a:ln w="12700" cap="flat" cmpd="sng" algn="ctr">
-          <a:solidFill>
-            <a:schemeClr val="lt1">
-              <a:hueOff val="0"/>
-              <a:satOff val="0"/>
-              <a:lumOff val="0"/>
-              <a:alphaOff val="0"/>
-            </a:schemeClr>
-          </a:solidFill>
-          <a:prstDash val="solid"/>
-          <a:miter lim="800000"/>
-        </a:ln>
-        <a:effectLst/>
-      </dsp:spPr>
-      <dsp:style>
-        <a:lnRef idx="2">
-          <a:scrgbClr r="0" g="0" b="0"/>
-        </a:lnRef>
-        <a:fillRef idx="1">
-          <a:scrgbClr r="0" g="0" b="0"/>
-        </a:fillRef>
-        <a:effectRef idx="0">
-          <a:scrgbClr r="0" g="0" b="0"/>
-        </a:effectRef>
-        <a:fontRef idx="minor">
-          <a:schemeClr val="lt1"/>
-        </a:fontRef>
-      </dsp:style>
-      <dsp:txBody>
-        <a:bodyPr spcFirstLastPara="0" vert="horz" wrap="square" lIns="156464" tIns="156464" rIns="156464" bIns="156464" numCol="1" spcCol="1270" anchor="ctr" anchorCtr="0">
-          <a:noAutofit/>
-        </a:bodyPr>
-        <a:lstStyle/>
-        <a:p>
-          <a:pPr lvl="0" algn="ctr" defTabSz="914400">
-            <a:lnSpc>
-              <a:spcPct val="90000"/>
-            </a:lnSpc>
-            <a:spcBef>
-              <a:spcPct val="0"/>
-            </a:spcBef>
-            <a:spcAft>
-              <a:spcPct val="35000"/>
-            </a:spcAft>
-            <a:buNone/>
-          </a:pPr>
-          <a:r>
-            <a:rPr lang="fr-FR" sz="2200" kern="1200" noProof="0" dirty="0" smtClean="0"/>
-            <a:t>Étape 3</a:t>
-          </a:r>
-          <a:endParaRPr lang="fr-FR" sz="2200" kern="1200" noProof="0" dirty="0"/>
-        </a:p>
-      </dsp:txBody>
-      <dsp:txXfrm>
-        <a:off x="0" y="3443976"/>
-        <a:ext cx="5334000" cy="610410"/>
-      </dsp:txXfrm>
-    </dsp:sp>
-    <dsp:sp modelId="{C4F2ADBF-C592-483D-A6FF-5DB9D2A90309}">
-      <dsp:nvSpPr>
-        <dsp:cNvPr id="0" name=""/>
-        <dsp:cNvSpPr/>
-      </dsp:nvSpPr>
-      <dsp:spPr>
-        <a:xfrm>
-          <a:off x="0" y="4031779"/>
-          <a:ext cx="2667000" cy="519979"/>
-        </a:xfrm>
-        <a:prstGeom prst="rect">
-          <a:avLst/>
-        </a:prstGeom>
-        <a:solidFill>
-          <a:schemeClr val="accent3">
-            <a:tint val="40000"/>
-            <a:alpha val="90000"/>
-            <a:hueOff val="0"/>
-            <a:satOff val="0"/>
-            <a:lumOff val="0"/>
-            <a:alphaOff val="0"/>
-          </a:schemeClr>
-        </a:solidFill>
-        <a:ln w="12700" cap="flat" cmpd="sng" algn="ctr">
-          <a:solidFill>
-            <a:schemeClr val="accent3">
-              <a:tint val="40000"/>
-              <a:alpha val="90000"/>
-              <a:hueOff val="0"/>
-              <a:satOff val="0"/>
-              <a:lumOff val="0"/>
-              <a:alphaOff val="0"/>
-            </a:schemeClr>
-          </a:solidFill>
-          <a:prstDash val="solid"/>
-          <a:miter lim="800000"/>
-        </a:ln>
-        <a:effectLst/>
-      </dsp:spPr>
-      <dsp:style>
-        <a:lnRef idx="2">
-          <a:scrgbClr r="0" g="0" b="0"/>
-        </a:lnRef>
-        <a:fillRef idx="1">
-          <a:scrgbClr r="0" g="0" b="0"/>
-        </a:fillRef>
-        <a:effectRef idx="0">
-          <a:scrgbClr r="0" g="0" b="0"/>
-        </a:effectRef>
-        <a:fontRef idx="minor"/>
-      </dsp:style>
-      <dsp:txBody>
-        <a:bodyPr spcFirstLastPara="0" vert="horz" wrap="square" lIns="135128" tIns="24130" rIns="135128" bIns="24130" numCol="1" spcCol="1270" anchor="ctr" anchorCtr="0">
-          <a:noAutofit/>
-        </a:bodyPr>
-        <a:lstStyle/>
-        <a:p>
-          <a:pPr lvl="0" algn="l" defTabSz="914400">
-            <a:lnSpc>
-              <a:spcPct val="90000"/>
-            </a:lnSpc>
-            <a:spcBef>
-              <a:spcPct val="0"/>
-            </a:spcBef>
-            <a:spcAft>
-              <a:spcPct val="35000"/>
-            </a:spcAft>
-            <a:buNone/>
-          </a:pPr>
-          <a:r>
-            <a:rPr lang="fr-FR" sz="1900" b="0" i="0" kern="1200" noProof="0" dirty="0" smtClean="0">
-              <a:latin typeface="Franklin Gothic Medium"/>
-              <a:ea typeface="+mn-ea"/>
-              <a:cs typeface="+mn-cs"/>
-            </a:rPr>
-            <a:t>Description de la tâche</a:t>
-          </a:r>
-          <a:endParaRPr lang="fr-FR" sz="1900" b="0" i="0" kern="1200" noProof="0" dirty="0">
-            <a:latin typeface="Franklin Gothic Medium"/>
-            <a:ea typeface="+mn-ea"/>
-            <a:cs typeface="+mn-cs"/>
-          </a:endParaRPr>
-        </a:p>
-      </dsp:txBody>
-      <dsp:txXfrm>
-        <a:off x="0" y="4031779"/>
-        <a:ext cx="2667000" cy="519979"/>
-      </dsp:txXfrm>
-    </dsp:sp>
-    <dsp:sp modelId="{0F0AC827-ACAE-4C23-875D-A4B53006A73F}">
-      <dsp:nvSpPr>
-        <dsp:cNvPr id="0" name=""/>
-        <dsp:cNvSpPr/>
-      </dsp:nvSpPr>
-      <dsp:spPr>
-        <a:xfrm>
-          <a:off x="2667000" y="4031779"/>
-          <a:ext cx="2667000" cy="519979"/>
-        </a:xfrm>
-        <a:prstGeom prst="rect">
-          <a:avLst/>
-        </a:prstGeom>
-        <a:solidFill>
-          <a:schemeClr val="accent3">
-            <a:tint val="40000"/>
-            <a:alpha val="90000"/>
-            <a:hueOff val="405828"/>
-            <a:satOff val="20000"/>
-            <a:lumOff val="356"/>
-            <a:alphaOff val="0"/>
-          </a:schemeClr>
-        </a:solidFill>
-        <a:ln w="12700" cap="flat" cmpd="sng" algn="ctr">
-          <a:solidFill>
-            <a:schemeClr val="accent3">
-              <a:tint val="40000"/>
-              <a:alpha val="90000"/>
-              <a:hueOff val="405828"/>
-              <a:satOff val="20000"/>
-              <a:lumOff val="356"/>
-              <a:alphaOff val="0"/>
-            </a:schemeClr>
-          </a:solidFill>
-          <a:prstDash val="solid"/>
-          <a:miter lim="800000"/>
-        </a:ln>
-        <a:effectLst/>
-      </dsp:spPr>
-      <dsp:style>
-        <a:lnRef idx="2">
-          <a:scrgbClr r="0" g="0" b="0"/>
-        </a:lnRef>
-        <a:fillRef idx="1">
-          <a:scrgbClr r="0" g="0" b="0"/>
-        </a:fillRef>
-        <a:effectRef idx="0">
-          <a:scrgbClr r="0" g="0" b="0"/>
-        </a:effectRef>
-        <a:fontRef idx="minor"/>
-      </dsp:style>
-      <dsp:txBody>
-        <a:bodyPr spcFirstLastPara="0" vert="horz" wrap="square" lIns="135128" tIns="24130" rIns="135128" bIns="24130" numCol="1" spcCol="1270" anchor="ctr" anchorCtr="0">
-          <a:noAutofit/>
-        </a:bodyPr>
-        <a:lstStyle/>
-        <a:p>
-          <a:pPr lvl="0" algn="l" defTabSz="914400">
-            <a:lnSpc>
-              <a:spcPct val="90000"/>
-            </a:lnSpc>
-            <a:spcBef>
-              <a:spcPct val="0"/>
-            </a:spcBef>
-            <a:spcAft>
-              <a:spcPct val="35000"/>
-            </a:spcAft>
-            <a:buNone/>
-          </a:pPr>
-          <a:r>
-            <a:rPr lang="fr-FR" sz="1900" b="0" i="0" kern="1200" noProof="0" dirty="0" smtClean="0">
-              <a:latin typeface="Franklin Gothic Medium"/>
-              <a:ea typeface="+mn-ea"/>
-              <a:cs typeface="+mn-cs"/>
-            </a:rPr>
-            <a:t>Description de la tâche</a:t>
-          </a:r>
-          <a:endParaRPr lang="fr-FR" sz="1900" b="0" i="0" kern="1200" noProof="0" dirty="0">
-            <a:latin typeface="Franklin Gothic Medium"/>
-            <a:ea typeface="+mn-ea"/>
-            <a:cs typeface="+mn-cs"/>
-          </a:endParaRPr>
-        </a:p>
-      </dsp:txBody>
-      <dsp:txXfrm>
-        <a:off x="2667000" y="4031779"/>
-        <a:ext cx="2667000" cy="519979"/>
-      </dsp:txXfrm>
-    </dsp:sp>
-    <dsp:sp modelId="{80AD606B-F25E-46DF-B405-18F7D2EAE74A}">
-      <dsp:nvSpPr>
-        <dsp:cNvPr id="0" name=""/>
-        <dsp:cNvSpPr/>
-      </dsp:nvSpPr>
-      <dsp:spPr>
-        <a:xfrm rot="10800000">
-          <a:off x="0" y="1722392"/>
-          <a:ext cx="5334000" cy="1738539"/>
-        </a:xfrm>
-        <a:prstGeom prst="upArrowCallout">
-          <a:avLst/>
-        </a:prstGeom>
-        <a:solidFill>
-          <a:schemeClr val="accent3">
-            <a:hueOff val="1355300"/>
-            <a:satOff val="50000"/>
-            <a:lumOff val="-7353"/>
-            <a:alphaOff val="0"/>
-          </a:schemeClr>
-        </a:solidFill>
-        <a:ln w="12700" cap="flat" cmpd="sng" algn="ctr">
-          <a:solidFill>
-            <a:schemeClr val="lt1">
-              <a:hueOff val="0"/>
-              <a:satOff val="0"/>
-              <a:lumOff val="0"/>
-              <a:alphaOff val="0"/>
-            </a:schemeClr>
-          </a:solidFill>
-          <a:prstDash val="solid"/>
-          <a:miter lim="800000"/>
-        </a:ln>
-        <a:effectLst/>
-      </dsp:spPr>
-      <dsp:style>
-        <a:lnRef idx="2">
-          <a:scrgbClr r="0" g="0" b="0"/>
-        </a:lnRef>
-        <a:fillRef idx="1">
-          <a:scrgbClr r="0" g="0" b="0"/>
-        </a:fillRef>
-        <a:effectRef idx="0">
-          <a:scrgbClr r="0" g="0" b="0"/>
-        </a:effectRef>
-        <a:fontRef idx="minor">
-          <a:schemeClr val="lt1"/>
-        </a:fontRef>
-      </dsp:style>
-      <dsp:txBody>
-        <a:bodyPr spcFirstLastPara="0" vert="horz" wrap="square" lIns="156464" tIns="156464" rIns="156464" bIns="156464" numCol="1" spcCol="1270" anchor="ctr" anchorCtr="0">
-          <a:noAutofit/>
-        </a:bodyPr>
-        <a:lstStyle/>
-        <a:p>
-          <a:pPr lvl="0" algn="ctr" defTabSz="914400">
-            <a:lnSpc>
-              <a:spcPct val="90000"/>
-            </a:lnSpc>
-            <a:spcBef>
-              <a:spcPct val="0"/>
-            </a:spcBef>
-            <a:spcAft>
-              <a:spcPct val="35000"/>
-            </a:spcAft>
-            <a:buNone/>
-          </a:pPr>
-          <a:r>
-            <a:rPr lang="fr-FR" sz="2200" kern="1200" noProof="0" dirty="0" smtClean="0"/>
-            <a:t>Étape 2</a:t>
-          </a:r>
-          <a:endParaRPr lang="fr-FR" sz="2200" kern="1200" noProof="0" dirty="0"/>
-        </a:p>
-      </dsp:txBody>
-      <dsp:txXfrm rot="-10800000">
-        <a:off x="0" y="1722392"/>
-        <a:ext cx="5334000" cy="610227"/>
-      </dsp:txXfrm>
-    </dsp:sp>
-    <dsp:sp modelId="{A8E0F749-66B2-490B-99E9-CC106B163B16}">
-      <dsp:nvSpPr>
-        <dsp:cNvPr id="0" name=""/>
-        <dsp:cNvSpPr/>
-      </dsp:nvSpPr>
-      <dsp:spPr>
-        <a:xfrm>
-          <a:off x="0" y="2332619"/>
-          <a:ext cx="2667000" cy="519823"/>
-        </a:xfrm>
-        <a:prstGeom prst="rect">
-          <a:avLst/>
-        </a:prstGeom>
-        <a:solidFill>
-          <a:schemeClr val="accent3">
-            <a:tint val="40000"/>
-            <a:alpha val="90000"/>
-            <a:hueOff val="811656"/>
-            <a:satOff val="40000"/>
-            <a:lumOff val="712"/>
-            <a:alphaOff val="0"/>
-          </a:schemeClr>
-        </a:solidFill>
-        <a:ln w="12700" cap="flat" cmpd="sng" algn="ctr">
-          <a:solidFill>
-            <a:schemeClr val="accent3">
-              <a:tint val="40000"/>
-              <a:alpha val="90000"/>
-              <a:hueOff val="811656"/>
-              <a:satOff val="40000"/>
-              <a:lumOff val="712"/>
-              <a:alphaOff val="0"/>
-            </a:schemeClr>
-          </a:solidFill>
-          <a:prstDash val="solid"/>
-          <a:miter lim="800000"/>
-        </a:ln>
-        <a:effectLst/>
-      </dsp:spPr>
-      <dsp:style>
-        <a:lnRef idx="2">
-          <a:scrgbClr r="0" g="0" b="0"/>
-        </a:lnRef>
-        <a:fillRef idx="1">
-          <a:scrgbClr r="0" g="0" b="0"/>
-        </a:fillRef>
-        <a:effectRef idx="0">
-          <a:scrgbClr r="0" g="0" b="0"/>
-        </a:effectRef>
-        <a:fontRef idx="minor"/>
-      </dsp:style>
-      <dsp:txBody>
-        <a:bodyPr spcFirstLastPara="0" vert="horz" wrap="square" lIns="135128" tIns="24130" rIns="135128" bIns="24130" numCol="1" spcCol="1270" anchor="ctr" anchorCtr="0">
-          <a:noAutofit/>
-        </a:bodyPr>
-        <a:lstStyle/>
-        <a:p>
-          <a:pPr lvl="0" algn="l" defTabSz="914400">
-            <a:lnSpc>
-              <a:spcPct val="90000"/>
-            </a:lnSpc>
-            <a:spcBef>
-              <a:spcPct val="0"/>
-            </a:spcBef>
-            <a:spcAft>
-              <a:spcPct val="35000"/>
-            </a:spcAft>
-            <a:buNone/>
-          </a:pPr>
-          <a:r>
-            <a:rPr lang="fr-FR" sz="1900" b="0" i="0" kern="1200" noProof="0" dirty="0" smtClean="0">
-              <a:latin typeface="Franklin Gothic Medium"/>
-              <a:ea typeface="+mn-ea"/>
-              <a:cs typeface="+mn-cs"/>
-            </a:rPr>
-            <a:t>Description de la tâche</a:t>
-          </a:r>
-          <a:endParaRPr lang="fr-FR" sz="1900" b="0" i="0" kern="1200" noProof="0" dirty="0">
-            <a:latin typeface="Franklin Gothic Medium"/>
-            <a:ea typeface="+mn-ea"/>
-            <a:cs typeface="+mn-cs"/>
-          </a:endParaRPr>
-        </a:p>
-      </dsp:txBody>
-      <dsp:txXfrm>
-        <a:off x="0" y="2332619"/>
-        <a:ext cx="2667000" cy="519823"/>
-      </dsp:txXfrm>
-    </dsp:sp>
-    <dsp:sp modelId="{A6EE397C-6C28-4128-BFFE-CFF44F70153F}">
-      <dsp:nvSpPr>
-        <dsp:cNvPr id="0" name=""/>
-        <dsp:cNvSpPr/>
-      </dsp:nvSpPr>
-      <dsp:spPr>
-        <a:xfrm>
-          <a:off x="2667000" y="2332619"/>
-          <a:ext cx="2667000" cy="519823"/>
-        </a:xfrm>
-        <a:prstGeom prst="rect">
-          <a:avLst/>
-        </a:prstGeom>
-        <a:solidFill>
-          <a:schemeClr val="accent3">
-            <a:tint val="40000"/>
-            <a:alpha val="90000"/>
-            <a:hueOff val="1217485"/>
-            <a:satOff val="60000"/>
-            <a:lumOff val="1067"/>
-            <a:alphaOff val="0"/>
-          </a:schemeClr>
-        </a:solidFill>
-        <a:ln w="12700" cap="flat" cmpd="sng" algn="ctr">
-          <a:solidFill>
-            <a:schemeClr val="accent3">
-              <a:tint val="40000"/>
-              <a:alpha val="90000"/>
-              <a:hueOff val="1217485"/>
-              <a:satOff val="60000"/>
-              <a:lumOff val="1067"/>
-              <a:alphaOff val="0"/>
-            </a:schemeClr>
-          </a:solidFill>
-          <a:prstDash val="solid"/>
-          <a:miter lim="800000"/>
-        </a:ln>
-        <a:effectLst/>
-      </dsp:spPr>
-      <dsp:style>
-        <a:lnRef idx="2">
-          <a:scrgbClr r="0" g="0" b="0"/>
-        </a:lnRef>
-        <a:fillRef idx="1">
-          <a:scrgbClr r="0" g="0" b="0"/>
-        </a:fillRef>
-        <a:effectRef idx="0">
-          <a:scrgbClr r="0" g="0" b="0"/>
-        </a:effectRef>
-        <a:fontRef idx="minor"/>
-      </dsp:style>
-      <dsp:txBody>
-        <a:bodyPr spcFirstLastPara="0" vert="horz" wrap="square" lIns="135128" tIns="24130" rIns="135128" bIns="24130" numCol="1" spcCol="1270" anchor="ctr" anchorCtr="0">
-          <a:noAutofit/>
-        </a:bodyPr>
-        <a:lstStyle/>
-        <a:p>
-          <a:pPr lvl="0" algn="l" defTabSz="914400">
-            <a:lnSpc>
-              <a:spcPct val="90000"/>
-            </a:lnSpc>
-            <a:spcBef>
-              <a:spcPct val="0"/>
-            </a:spcBef>
-            <a:spcAft>
-              <a:spcPct val="35000"/>
-            </a:spcAft>
-            <a:buNone/>
-          </a:pPr>
-          <a:r>
-            <a:rPr lang="fr-FR" sz="1900" b="0" i="0" kern="1200" noProof="0" dirty="0" smtClean="0">
-              <a:latin typeface="Franklin Gothic Medium"/>
-              <a:ea typeface="+mn-ea"/>
-              <a:cs typeface="+mn-cs"/>
-            </a:rPr>
-            <a:t>Description de la tâche</a:t>
-          </a:r>
-          <a:endParaRPr lang="fr-FR" sz="1900" b="0" i="0" kern="1200" noProof="0" dirty="0">
-            <a:latin typeface="Franklin Gothic Medium"/>
-            <a:ea typeface="+mn-ea"/>
-            <a:cs typeface="+mn-cs"/>
-          </a:endParaRPr>
-        </a:p>
-      </dsp:txBody>
-      <dsp:txXfrm>
-        <a:off x="2667000" y="2332619"/>
-        <a:ext cx="2667000" cy="519823"/>
-      </dsp:txXfrm>
-    </dsp:sp>
-    <dsp:sp modelId="{A48265CE-F3A3-46DB-9DD2-97590B4DBB84}">
-      <dsp:nvSpPr>
-        <dsp:cNvPr id="0" name=""/>
-        <dsp:cNvSpPr/>
-      </dsp:nvSpPr>
-      <dsp:spPr>
-        <a:xfrm rot="10800000">
-          <a:off x="0" y="808"/>
-          <a:ext cx="5334000" cy="1738539"/>
-        </a:xfrm>
-        <a:prstGeom prst="upArrowCallout">
-          <a:avLst/>
-        </a:prstGeom>
-        <a:solidFill>
-          <a:schemeClr val="accent3">
-            <a:hueOff val="2710599"/>
-            <a:satOff val="100000"/>
-            <a:lumOff val="-14706"/>
-            <a:alphaOff val="0"/>
-          </a:schemeClr>
-        </a:solidFill>
-        <a:ln w="12700" cap="flat" cmpd="sng" algn="ctr">
-          <a:solidFill>
-            <a:schemeClr val="lt1">
-              <a:hueOff val="0"/>
-              <a:satOff val="0"/>
-              <a:lumOff val="0"/>
-              <a:alphaOff val="0"/>
-            </a:schemeClr>
-          </a:solidFill>
-          <a:prstDash val="solid"/>
-          <a:miter lim="800000"/>
-        </a:ln>
-        <a:effectLst/>
-      </dsp:spPr>
-      <dsp:style>
-        <a:lnRef idx="2">
-          <a:scrgbClr r="0" g="0" b="0"/>
-        </a:lnRef>
-        <a:fillRef idx="1">
-          <a:scrgbClr r="0" g="0" b="0"/>
-        </a:fillRef>
-        <a:effectRef idx="0">
-          <a:scrgbClr r="0" g="0" b="0"/>
-        </a:effectRef>
-        <a:fontRef idx="minor">
-          <a:schemeClr val="lt1"/>
-        </a:fontRef>
-      </dsp:style>
-      <dsp:txBody>
-        <a:bodyPr spcFirstLastPara="0" vert="horz" wrap="square" lIns="156464" tIns="156464" rIns="156464" bIns="156464" numCol="1" spcCol="1270" anchor="ctr" anchorCtr="0">
-          <a:noAutofit/>
-        </a:bodyPr>
-        <a:lstStyle/>
-        <a:p>
-          <a:pPr lvl="0" algn="ctr" defTabSz="914400">
-            <a:lnSpc>
-              <a:spcPct val="90000"/>
-            </a:lnSpc>
-            <a:spcBef>
-              <a:spcPct val="0"/>
-            </a:spcBef>
-            <a:spcAft>
-              <a:spcPct val="35000"/>
-            </a:spcAft>
-            <a:buNone/>
-          </a:pPr>
-          <a:r>
-            <a:rPr lang="fr-FR" sz="2200" kern="1200" noProof="0" dirty="0" smtClean="0"/>
-            <a:t>Étape 1</a:t>
-          </a:r>
-          <a:endParaRPr lang="fr-FR" sz="2200" kern="1200" noProof="0" dirty="0"/>
-        </a:p>
-      </dsp:txBody>
-      <dsp:txXfrm rot="-10800000">
-        <a:off x="0" y="808"/>
-        <a:ext cx="5334000" cy="610227"/>
-      </dsp:txXfrm>
-    </dsp:sp>
-    <dsp:sp modelId="{59FFE57C-E5F2-4FBD-AA4D-8DB27381892F}">
-      <dsp:nvSpPr>
-        <dsp:cNvPr id="0" name=""/>
-        <dsp:cNvSpPr/>
-      </dsp:nvSpPr>
-      <dsp:spPr>
-        <a:xfrm>
-          <a:off x="0" y="611036"/>
-          <a:ext cx="2667000" cy="519823"/>
-        </a:xfrm>
-        <a:prstGeom prst="rect">
-          <a:avLst/>
-        </a:prstGeom>
-        <a:solidFill>
-          <a:schemeClr val="accent3">
-            <a:tint val="40000"/>
-            <a:alpha val="90000"/>
-            <a:hueOff val="1623313"/>
-            <a:satOff val="80000"/>
-            <a:lumOff val="1423"/>
-            <a:alphaOff val="0"/>
-          </a:schemeClr>
-        </a:solidFill>
-        <a:ln w="12700" cap="flat" cmpd="sng" algn="ctr">
-          <a:solidFill>
-            <a:schemeClr val="accent3">
-              <a:tint val="40000"/>
-              <a:alpha val="90000"/>
-              <a:hueOff val="1623313"/>
-              <a:satOff val="80000"/>
-              <a:lumOff val="1423"/>
-              <a:alphaOff val="0"/>
-            </a:schemeClr>
-          </a:solidFill>
-          <a:prstDash val="solid"/>
-          <a:miter lim="800000"/>
-        </a:ln>
-        <a:effectLst/>
-      </dsp:spPr>
-      <dsp:style>
-        <a:lnRef idx="2">
-          <a:scrgbClr r="0" g="0" b="0"/>
-        </a:lnRef>
-        <a:fillRef idx="1">
-          <a:scrgbClr r="0" g="0" b="0"/>
-        </a:fillRef>
-        <a:effectRef idx="0">
-          <a:scrgbClr r="0" g="0" b="0"/>
-        </a:effectRef>
-        <a:fontRef idx="minor"/>
-      </dsp:style>
-      <dsp:txBody>
-        <a:bodyPr spcFirstLastPara="0" vert="horz" wrap="square" lIns="135128" tIns="24130" rIns="135128" bIns="24130" numCol="1" spcCol="1270" anchor="ctr" anchorCtr="0">
-          <a:noAutofit/>
-        </a:bodyPr>
-        <a:lstStyle/>
-        <a:p>
-          <a:pPr lvl="0" algn="l" defTabSz="914400">
-            <a:lnSpc>
-              <a:spcPct val="90000"/>
-            </a:lnSpc>
-            <a:spcBef>
-              <a:spcPct val="0"/>
-            </a:spcBef>
-            <a:spcAft>
-              <a:spcPct val="35000"/>
-            </a:spcAft>
-            <a:buNone/>
-          </a:pPr>
-          <a:r>
-            <a:rPr lang="fr-FR" sz="1900" b="0" i="0" kern="1200" noProof="0" dirty="0" smtClean="0">
-              <a:latin typeface="Franklin Gothic Medium"/>
-              <a:ea typeface="+mn-ea"/>
-              <a:cs typeface="+mn-cs"/>
-            </a:rPr>
-            <a:t>Description de la tâche</a:t>
-          </a:r>
-          <a:endParaRPr lang="fr-FR" sz="1900" b="0" i="0" kern="1200" noProof="0" dirty="0">
-            <a:latin typeface="Franklin Gothic Medium"/>
-            <a:ea typeface="+mn-ea"/>
-            <a:cs typeface="+mn-cs"/>
-          </a:endParaRPr>
-        </a:p>
-      </dsp:txBody>
-      <dsp:txXfrm>
-        <a:off x="0" y="611036"/>
-        <a:ext cx="2667000" cy="519823"/>
-      </dsp:txXfrm>
-    </dsp:sp>
-    <dsp:sp modelId="{3EC7D028-ECEA-492B-A6F1-68E9B57B69C6}">
-      <dsp:nvSpPr>
-        <dsp:cNvPr id="0" name=""/>
-        <dsp:cNvSpPr/>
-      </dsp:nvSpPr>
-      <dsp:spPr>
-        <a:xfrm>
-          <a:off x="2667000" y="611036"/>
-          <a:ext cx="2667000" cy="519823"/>
-        </a:xfrm>
-        <a:prstGeom prst="rect">
-          <a:avLst/>
-        </a:prstGeom>
-        <a:solidFill>
-          <a:schemeClr val="accent3">
-            <a:tint val="40000"/>
-            <a:alpha val="90000"/>
-            <a:hueOff val="2029141"/>
-            <a:satOff val="100000"/>
-            <a:lumOff val="1779"/>
-            <a:alphaOff val="0"/>
-          </a:schemeClr>
-        </a:solidFill>
-        <a:ln w="12700" cap="flat" cmpd="sng" algn="ctr">
-          <a:solidFill>
-            <a:schemeClr val="accent3">
-              <a:tint val="40000"/>
-              <a:alpha val="90000"/>
-              <a:hueOff val="2029141"/>
-              <a:satOff val="100000"/>
-              <a:lumOff val="1779"/>
-              <a:alphaOff val="0"/>
-            </a:schemeClr>
-          </a:solidFill>
-          <a:prstDash val="solid"/>
-          <a:miter lim="800000"/>
-        </a:ln>
-        <a:effectLst/>
-      </dsp:spPr>
-      <dsp:style>
-        <a:lnRef idx="2">
-          <a:scrgbClr r="0" g="0" b="0"/>
-        </a:lnRef>
-        <a:fillRef idx="1">
-          <a:scrgbClr r="0" g="0" b="0"/>
-        </a:fillRef>
-        <a:effectRef idx="0">
-          <a:scrgbClr r="0" g="0" b="0"/>
-        </a:effectRef>
-        <a:fontRef idx="minor"/>
-      </dsp:style>
-      <dsp:txBody>
-        <a:bodyPr spcFirstLastPara="0" vert="horz" wrap="square" lIns="135128" tIns="24130" rIns="135128" bIns="24130" numCol="1" spcCol="1270" anchor="ctr" anchorCtr="0">
-          <a:noAutofit/>
-        </a:bodyPr>
-        <a:lstStyle/>
-        <a:p>
-          <a:pPr lvl="0" algn="l" defTabSz="914400">
-            <a:lnSpc>
-              <a:spcPct val="90000"/>
-            </a:lnSpc>
-            <a:spcBef>
-              <a:spcPct val="0"/>
-            </a:spcBef>
-            <a:spcAft>
-              <a:spcPct val="35000"/>
-            </a:spcAft>
-            <a:buNone/>
-          </a:pPr>
-          <a:r>
-            <a:rPr lang="fr-FR" sz="1900" b="0" i="0" kern="1200" noProof="0" dirty="0" smtClean="0">
-              <a:latin typeface="Franklin Gothic Medium"/>
-              <a:ea typeface="+mn-ea"/>
-              <a:cs typeface="+mn-cs"/>
-            </a:rPr>
-            <a:t>Description de la tâche</a:t>
-          </a:r>
-          <a:endParaRPr lang="fr-FR" sz="1900" b="0" i="0" kern="1200" noProof="0" dirty="0">
-            <a:latin typeface="Franklin Gothic Medium"/>
-            <a:ea typeface="+mn-ea"/>
-            <a:cs typeface="+mn-cs"/>
-          </a:endParaRPr>
-        </a:p>
-      </dsp:txBody>
-      <dsp:txXfrm>
-        <a:off x="2667000" y="611036"/>
-        <a:ext cx="2667000" cy="519823"/>
-      </dsp:txXfrm>
-    </dsp:sp>
   </dsp:spTree>
 </dsp:drawing>
 </file>
@@ -14761,8 +13990,8 @@
           </a:p>
         </p:txBody>
       </p:sp>
-      <mc:AlternateContent xmlns:mc="http://schemas.openxmlformats.org/markup-compatibility/2006" xmlns:a14="http://schemas.microsoft.com/office/drawing/2010/main">
-        <mc:Choice Requires="a14">
+      <mc:AlternateContent xmlns:mc="http://schemas.openxmlformats.org/markup-compatibility/2006">
+        <mc:Choice xmlns:a14="http://schemas.microsoft.com/office/drawing/2010/main" Requires="a14">
           <p:sp>
             <p:nvSpPr>
               <p:cNvPr id="3" name="Espace réservé du contenu 2"/>
@@ -15197,11 +14426,15 @@
                 </a14:m>
                 <a:r>
                   <a:rPr lang="fr-FR" dirty="0" smtClean="0"/>
-                  <a:t> et </a:t>
+                  <a:t> </a:t>
                 </a:r>
                 <a:r>
-                  <a:rPr lang="fr-FR" dirty="0"/>
-                  <a:t>la </a:t>
+                  <a:rPr lang="fr-FR" smtClean="0"/>
+                  <a:t>et </a:t>
+                </a:r>
+                <a:r>
+                  <a:rPr lang="fr-FR" smtClean="0"/>
+                  <a:t>de la </a:t>
                 </a:r>
                 <a:r>
                   <a:rPr lang="fr-FR" dirty="0" smtClean="0"/>
@@ -15245,7 +14478,7 @@
             </p:txBody>
           </p:sp>
         </mc:Choice>
-        <mc:Fallback xmlns="">
+        <mc:Fallback>
           <p:sp>
             <p:nvSpPr>
               <p:cNvPr id="3" name="Espace réservé du contenu 2"/>
@@ -17921,8 +17154,8 @@
           </a:p>
         </p:txBody>
       </p:sp>
-      <mc:AlternateContent xmlns:mc="http://schemas.openxmlformats.org/markup-compatibility/2006">
-        <mc:Choice xmlns:a14="http://schemas.microsoft.com/office/drawing/2010/main" Requires="a14">
+      <mc:AlternateContent xmlns:mc="http://schemas.openxmlformats.org/markup-compatibility/2006" xmlns:a14="http://schemas.microsoft.com/office/drawing/2010/main">
+        <mc:Choice Requires="a14">
           <p:sp>
             <p:nvSpPr>
               <p:cNvPr id="3" name="Espace réservé du contenu 2"/>
@@ -18612,18 +17845,14 @@
                 </a:pPr>
                 <a:r>
                   <a:rPr lang="fr-FR" dirty="0" smtClean="0"/>
-                  <a:t>Différentes manières d’estimer ces </a:t>
-                </a:r>
-                <a:r>
-                  <a:rPr lang="fr-FR" dirty="0" smtClean="0"/>
-                  <a:t>quantités</a:t>
+                  <a:t>Différentes manières d’estimer ces quantités</a:t>
                 </a:r>
                 <a:endParaRPr lang="fr-FR" dirty="0"/>
               </a:p>
             </p:txBody>
           </p:sp>
         </mc:Choice>
-        <mc:Fallback>
+        <mc:Fallback xmlns="">
           <p:sp>
             <p:nvSpPr>
               <p:cNvPr id="3" name="Espace réservé du contenu 2"/>
@@ -18694,513 +17923,6 @@
 </file>
 
 <file path=ppt/slides/slide7.xml><?xml version="1.0" encoding="utf-8"?>
-<p:sld xmlns:a="http://schemas.openxmlformats.org/drawingml/2006/main" xmlns:r="http://schemas.openxmlformats.org/officeDocument/2006/relationships" xmlns:p="http://schemas.openxmlformats.org/presentationml/2006/main">
-  <p:cSld>
-    <p:spTree>
-      <p:nvGrpSpPr>
-        <p:cNvPr id="1" name=""/>
-        <p:cNvGrpSpPr/>
-        <p:nvPr/>
-      </p:nvGrpSpPr>
-      <p:grpSpPr>
-        <a:xfrm>
-          <a:off x="0" y="0"/>
-          <a:ext cx="0" cy="0"/>
-          <a:chOff x="0" y="0"/>
-          <a:chExt cx="0" cy="0"/>
-        </a:xfrm>
-      </p:grpSpPr>
-      <p:sp>
-        <p:nvSpPr>
-          <p:cNvPr id="2" name="Titre 1"/>
-          <p:cNvSpPr>
-            <a:spLocks noGrp="1"/>
-          </p:cNvSpPr>
-          <p:nvPr>
-            <p:ph type="title"/>
-          </p:nvPr>
-        </p:nvSpPr>
-        <p:spPr/>
-        <p:txBody>
-          <a:bodyPr>
-            <a:normAutofit/>
-          </a:bodyPr>
-          <a:lstStyle/>
-          <a:p>
-            <a:r>
-              <a:rPr lang="fr-FR" dirty="0"/>
-              <a:t>L’historique : </a:t>
-            </a:r>
-            <a:r>
-              <a:rPr lang="fr-FR" dirty="0" err="1"/>
-              <a:t>périodogramme</a:t>
-            </a:r>
-            <a:endParaRPr lang="fr-FR" dirty="0"/>
-          </a:p>
-        </p:txBody>
-      </p:sp>
-      <mc:AlternateContent xmlns:mc="http://schemas.openxmlformats.org/markup-compatibility/2006">
-        <mc:Choice xmlns:a14="http://schemas.microsoft.com/office/drawing/2010/main" Requires="a14">
-          <p:sp>
-            <p:nvSpPr>
-              <p:cNvPr id="3" name="Espace réservé du contenu 2"/>
-              <p:cNvSpPr>
-                <a:spLocks noGrp="1"/>
-              </p:cNvSpPr>
-              <p:nvPr>
-                <p:ph idx="1"/>
-              </p:nvPr>
-            </p:nvSpPr>
-            <p:spPr/>
-            <p:txBody>
-              <a:bodyPr>
-                <a:normAutofit/>
-              </a:bodyPr>
-              <a:lstStyle/>
-              <a:p>
-                <a:pPr>
-                  <a:buClr>
-                    <a:schemeClr val="tx1">
-                      <a:lumMod val="75000"/>
-                    </a:schemeClr>
-                  </a:buClr>
-                </a:pPr>
-                <a:r>
-                  <a:rPr lang="fr-FR" dirty="0" smtClean="0"/>
-                  <a:t>Un estimateur de la DSP</a:t>
-                </a:r>
-              </a:p>
-              <a:p>
-                <a:pPr marL="0" indent="0">
-                  <a:buClr>
-                    <a:schemeClr val="tx1">
-                      <a:lumMod val="75000"/>
-                    </a:schemeClr>
-                  </a:buClr>
-                  <a:buNone/>
-                </a:pPr>
-                <a14:m>
-                  <m:oMathPara xmlns:m="http://schemas.openxmlformats.org/officeDocument/2006/math">
-                    <m:oMathParaPr>
-                      <m:jc m:val="centerGroup"/>
-                    </m:oMathParaPr>
-                    <m:oMath xmlns:m="http://schemas.openxmlformats.org/officeDocument/2006/math">
-                      <m:sSub>
-                        <m:sSubPr>
-                          <m:ctrlPr>
-                            <a:rPr lang="fr-FR" i="1">
-                              <a:latin typeface="Cambria Math" panose="02040503050406030204" pitchFamily="18" charset="0"/>
-                            </a:rPr>
-                          </m:ctrlPr>
-                        </m:sSubPr>
-                        <m:e>
-                          <m:acc>
-                            <m:accPr>
-                              <m:chr m:val="̂"/>
-                              <m:ctrlPr>
-                                <a:rPr lang="fr-FR" i="1">
-                                  <a:latin typeface="Cambria Math" panose="02040503050406030204" pitchFamily="18" charset="0"/>
-                                </a:rPr>
-                              </m:ctrlPr>
-                            </m:accPr>
-                            <m:e>
-                              <m:r>
-                                <a:rPr lang="fr-FR" i="1">
-                                  <a:latin typeface="Cambria Math" panose="02040503050406030204" pitchFamily="18" charset="0"/>
-                                </a:rPr>
-                                <m:t>𝑆</m:t>
-                              </m:r>
-                            </m:e>
-                          </m:acc>
-                        </m:e>
-                        <m:sub>
-                          <m:r>
-                            <a:rPr lang="fr-FR" i="1">
-                              <a:latin typeface="Cambria Math" panose="02040503050406030204" pitchFamily="18" charset="0"/>
-                            </a:rPr>
-                            <m:t>𝑃</m:t>
-                          </m:r>
-                          <m:r>
-                            <a:rPr lang="fr-FR" i="1">
-                              <a:latin typeface="Cambria Math" panose="02040503050406030204" pitchFamily="18" charset="0"/>
-                            </a:rPr>
-                            <m:t>é</m:t>
-                          </m:r>
-                          <m:r>
-                            <a:rPr lang="fr-FR" i="1">
-                              <a:latin typeface="Cambria Math" panose="02040503050406030204" pitchFamily="18" charset="0"/>
-                            </a:rPr>
-                            <m:t>𝑟𝑖𝑜</m:t>
-                          </m:r>
-                        </m:sub>
-                      </m:sSub>
-                      <m:d>
-                        <m:dPr>
-                          <m:ctrlPr>
-                            <a:rPr lang="fr-FR" i="1">
-                              <a:latin typeface="Cambria Math" panose="02040503050406030204" pitchFamily="18" charset="0"/>
-                            </a:rPr>
-                          </m:ctrlPr>
-                        </m:dPr>
-                        <m:e>
-                          <m:r>
-                            <m:rPr>
-                              <m:sty m:val="p"/>
-                            </m:rPr>
-                            <a:rPr lang="fr-FR">
-                              <a:latin typeface="Cambria Math" panose="02040503050406030204" pitchFamily="18" charset="0"/>
-                            </a:rPr>
-                            <m:t>f</m:t>
-                          </m:r>
-                        </m:e>
-                      </m:d>
-                      <m:r>
-                        <a:rPr lang="fr-FR">
-                          <a:latin typeface="Cambria Math" panose="02040503050406030204" pitchFamily="18" charset="0"/>
-                        </a:rPr>
-                        <m:t>=</m:t>
-                      </m:r>
-                      <m:f>
-                        <m:fPr>
-                          <m:ctrlPr>
-                            <a:rPr lang="fr-FR" i="1">
-                              <a:latin typeface="Cambria Math" panose="02040503050406030204" pitchFamily="18" charset="0"/>
-                            </a:rPr>
-                          </m:ctrlPr>
-                        </m:fPr>
-                        <m:num>
-                          <m:r>
-                            <a:rPr lang="fr-FR" i="1">
-                              <a:latin typeface="Cambria Math" panose="02040503050406030204" pitchFamily="18" charset="0"/>
-                            </a:rPr>
-                            <m:t>1</m:t>
-                          </m:r>
-                        </m:num>
-                        <m:den>
-                          <m:r>
-                            <a:rPr lang="fr-FR" i="1">
-                              <a:latin typeface="Cambria Math" panose="02040503050406030204" pitchFamily="18" charset="0"/>
-                            </a:rPr>
-                            <m:t>𝑁</m:t>
-                          </m:r>
-                          <m:sSub>
-                            <m:sSubPr>
-                              <m:ctrlPr>
-                                <a:rPr lang="fr-FR" i="1">
-                                  <a:latin typeface="Cambria Math" panose="02040503050406030204" pitchFamily="18" charset="0"/>
-                                </a:rPr>
-                              </m:ctrlPr>
-                            </m:sSubPr>
-                            <m:e>
-                              <m:r>
-                                <a:rPr lang="fr-FR" i="1">
-                                  <a:latin typeface="Cambria Math" panose="02040503050406030204" pitchFamily="18" charset="0"/>
-                                </a:rPr>
-                                <m:t>𝑇</m:t>
-                              </m:r>
-                            </m:e>
-                            <m:sub>
-                              <m:r>
-                                <a:rPr lang="fr-FR" i="1">
-                                  <a:latin typeface="Cambria Math" panose="02040503050406030204" pitchFamily="18" charset="0"/>
-                                </a:rPr>
-                                <m:t>𝑒</m:t>
-                              </m:r>
-                            </m:sub>
-                          </m:sSub>
-                        </m:den>
-                      </m:f>
-                      <m:sSup>
-                        <m:sSupPr>
-                          <m:ctrlPr>
-                            <a:rPr lang="fr-FR" i="1">
-                              <a:latin typeface="Cambria Math" panose="02040503050406030204" pitchFamily="18" charset="0"/>
-                            </a:rPr>
-                          </m:ctrlPr>
-                        </m:sSupPr>
-                        <m:e>
-                          <m:d>
-                            <m:dPr>
-                              <m:begChr m:val="|"/>
-                              <m:endChr m:val="|"/>
-                              <m:ctrlPr>
-                                <a:rPr lang="fr-FR" i="1">
-                                  <a:latin typeface="Cambria Math" panose="02040503050406030204" pitchFamily="18" charset="0"/>
-                                </a:rPr>
-                              </m:ctrlPr>
-                            </m:dPr>
-                            <m:e>
-                              <m:sSub>
-                                <m:sSubPr>
-                                  <m:ctrlPr>
-                                    <a:rPr lang="fr-FR" i="1">
-                                      <a:latin typeface="Cambria Math" panose="02040503050406030204" pitchFamily="18" charset="0"/>
-                                    </a:rPr>
-                                  </m:ctrlPr>
-                                </m:sSubPr>
-                                <m:e>
-                                  <m:r>
-                                    <a:rPr lang="fr-FR" i="1">
-                                      <a:latin typeface="Cambria Math" panose="02040503050406030204" pitchFamily="18" charset="0"/>
-                                    </a:rPr>
-                                    <m:t>𝑇</m:t>
-                                  </m:r>
-                                </m:e>
-                                <m:sub>
-                                  <m:r>
-                                    <a:rPr lang="fr-FR" i="1">
-                                      <a:latin typeface="Cambria Math" panose="02040503050406030204" pitchFamily="18" charset="0"/>
-                                    </a:rPr>
-                                    <m:t>𝑒</m:t>
-                                  </m:r>
-                                </m:sub>
-                              </m:sSub>
-                              <m:nary>
-                                <m:naryPr>
-                                  <m:chr m:val="∑"/>
-                                  <m:ctrlPr>
-                                    <a:rPr lang="fr-FR" i="1">
-                                      <a:latin typeface="Cambria Math" panose="02040503050406030204" pitchFamily="18" charset="0"/>
-                                    </a:rPr>
-                                  </m:ctrlPr>
-                                </m:naryPr>
-                                <m:sub>
-                                  <m:r>
-                                    <m:rPr>
-                                      <m:brk m:alnAt="23"/>
-                                    </m:rPr>
-                                    <a:rPr lang="fr-FR" i="1">
-                                      <a:latin typeface="Cambria Math" panose="02040503050406030204" pitchFamily="18" charset="0"/>
-                                    </a:rPr>
-                                    <m:t>𝑘</m:t>
-                                  </m:r>
-                                  <m:r>
-                                    <a:rPr lang="fr-FR" i="1">
-                                      <a:latin typeface="Cambria Math" panose="02040503050406030204" pitchFamily="18" charset="0"/>
-                                    </a:rPr>
-                                    <m:t>=0</m:t>
-                                  </m:r>
-                                </m:sub>
-                                <m:sup>
-                                  <m:r>
-                                    <a:rPr lang="fr-FR" i="1">
-                                      <a:latin typeface="Cambria Math" panose="02040503050406030204" pitchFamily="18" charset="0"/>
-                                    </a:rPr>
-                                    <m:t>𝑁</m:t>
-                                  </m:r>
-                                  <m:r>
-                                    <a:rPr lang="fr-FR" i="1">
-                                      <a:latin typeface="Cambria Math" panose="02040503050406030204" pitchFamily="18" charset="0"/>
-                                    </a:rPr>
-                                    <m:t>−1</m:t>
-                                  </m:r>
-                                </m:sup>
-                                <m:e>
-                                  <m:sSub>
-                                    <m:sSubPr>
-                                      <m:ctrlPr>
-                                        <a:rPr lang="fr-FR" i="1">
-                                          <a:latin typeface="Cambria Math" panose="02040503050406030204" pitchFamily="18" charset="0"/>
-                                        </a:rPr>
-                                      </m:ctrlPr>
-                                    </m:sSubPr>
-                                    <m:e>
-                                      <m:r>
-                                        <a:rPr lang="fr-FR" i="1">
-                                          <a:latin typeface="Cambria Math" panose="02040503050406030204" pitchFamily="18" charset="0"/>
-                                        </a:rPr>
-                                        <m:t>𝑥</m:t>
-                                      </m:r>
-                                    </m:e>
-                                    <m:sub>
-                                      <m:r>
-                                        <a:rPr lang="fr-FR" i="1">
-                                          <a:latin typeface="Cambria Math" panose="02040503050406030204" pitchFamily="18" charset="0"/>
-                                        </a:rPr>
-                                        <m:t>𝑘</m:t>
-                                      </m:r>
-                                    </m:sub>
-                                  </m:sSub>
-                                  <m:r>
-                                    <a:rPr lang="fr-FR" i="1">
-                                      <a:latin typeface="Cambria Math" panose="02040503050406030204" pitchFamily="18" charset="0"/>
-                                      <a:ea typeface="Cambria Math" panose="02040503050406030204" pitchFamily="18" charset="0"/>
-                                    </a:rPr>
-                                    <m:t>∙</m:t>
-                                  </m:r>
-                                  <m:sSup>
-                                    <m:sSupPr>
-                                      <m:ctrlPr>
-                                        <a:rPr lang="fr-FR" i="1">
-                                          <a:latin typeface="Cambria Math" panose="02040503050406030204" pitchFamily="18" charset="0"/>
-                                          <a:ea typeface="Cambria Math" panose="02040503050406030204" pitchFamily="18" charset="0"/>
-                                        </a:rPr>
-                                      </m:ctrlPr>
-                                    </m:sSupPr>
-                                    <m:e>
-                                      <m:r>
-                                        <a:rPr lang="fr-FR" i="1">
-                                          <a:latin typeface="Cambria Math" panose="02040503050406030204" pitchFamily="18" charset="0"/>
-                                          <a:ea typeface="Cambria Math" panose="02040503050406030204" pitchFamily="18" charset="0"/>
-                                        </a:rPr>
-                                        <m:t>𝑒</m:t>
-                                      </m:r>
-                                    </m:e>
-                                    <m:sup>
-                                      <m:r>
-                                        <a:rPr lang="fr-FR" i="1">
-                                          <a:latin typeface="Cambria Math" panose="02040503050406030204" pitchFamily="18" charset="0"/>
-                                          <a:ea typeface="Cambria Math" panose="02040503050406030204" pitchFamily="18" charset="0"/>
-                                        </a:rPr>
-                                        <m:t>−</m:t>
-                                      </m:r>
-                                      <m:r>
-                                        <a:rPr lang="fr-FR" i="1">
-                                          <a:latin typeface="Cambria Math" panose="02040503050406030204" pitchFamily="18" charset="0"/>
-                                          <a:ea typeface="Cambria Math" panose="02040503050406030204" pitchFamily="18" charset="0"/>
-                                        </a:rPr>
-                                        <m:t>𝑗</m:t>
-                                      </m:r>
-                                      <m:r>
-                                        <a:rPr lang="fr-FR" i="1">
-                                          <a:latin typeface="Cambria Math" panose="02040503050406030204" pitchFamily="18" charset="0"/>
-                                          <a:ea typeface="Cambria Math" panose="02040503050406030204" pitchFamily="18" charset="0"/>
-                                        </a:rPr>
-                                        <m:t>2</m:t>
-                                      </m:r>
-                                      <m:r>
-                                        <a:rPr lang="fr-FR" i="1">
-                                          <a:latin typeface="Cambria Math" panose="02040503050406030204" pitchFamily="18" charset="0"/>
-                                          <a:ea typeface="Cambria Math" panose="02040503050406030204" pitchFamily="18" charset="0"/>
-                                        </a:rPr>
-                                        <m:t>𝜋</m:t>
-                                      </m:r>
-                                      <m:r>
-                                        <a:rPr lang="fr-FR" i="1">
-                                          <a:latin typeface="Cambria Math" panose="02040503050406030204" pitchFamily="18" charset="0"/>
-                                          <a:ea typeface="Cambria Math" panose="02040503050406030204" pitchFamily="18" charset="0"/>
-                                        </a:rPr>
-                                        <m:t>𝑓𝑘</m:t>
-                                      </m:r>
-                                      <m:sSub>
-                                        <m:sSubPr>
-                                          <m:ctrlPr>
-                                            <a:rPr lang="fr-FR" i="1">
-                                              <a:latin typeface="Cambria Math" panose="02040503050406030204" pitchFamily="18" charset="0"/>
-                                              <a:ea typeface="Cambria Math" panose="02040503050406030204" pitchFamily="18" charset="0"/>
-                                            </a:rPr>
-                                          </m:ctrlPr>
-                                        </m:sSubPr>
-                                        <m:e>
-                                          <m:r>
-                                            <a:rPr lang="fr-FR" i="1">
-                                              <a:latin typeface="Cambria Math" panose="02040503050406030204" pitchFamily="18" charset="0"/>
-                                              <a:ea typeface="Cambria Math" panose="02040503050406030204" pitchFamily="18" charset="0"/>
-                                            </a:rPr>
-                                            <m:t>𝑇</m:t>
-                                          </m:r>
-                                        </m:e>
-                                        <m:sub>
-                                          <m:r>
-                                            <a:rPr lang="fr-FR" i="1">
-                                              <a:latin typeface="Cambria Math" panose="02040503050406030204" pitchFamily="18" charset="0"/>
-                                              <a:ea typeface="Cambria Math" panose="02040503050406030204" pitchFamily="18" charset="0"/>
-                                            </a:rPr>
-                                            <m:t>𝑒</m:t>
-                                          </m:r>
-                                        </m:sub>
-                                      </m:sSub>
-                                    </m:sup>
-                                  </m:sSup>
-                                </m:e>
-                              </m:nary>
-                            </m:e>
-                          </m:d>
-                        </m:e>
-                        <m:sup>
-                          <m:r>
-                            <a:rPr lang="fr-FR" i="1">
-                              <a:latin typeface="Cambria Math" panose="02040503050406030204" pitchFamily="18" charset="0"/>
-                            </a:rPr>
-                            <m:t>2</m:t>
-                          </m:r>
-                        </m:sup>
-                      </m:sSup>
-                    </m:oMath>
-                  </m:oMathPara>
-                </a14:m>
-                <a:endParaRPr lang="fr-FR" dirty="0" smtClean="0"/>
-              </a:p>
-            </p:txBody>
-          </p:sp>
-        </mc:Choice>
-        <mc:Fallback>
-          <p:sp>
-            <p:nvSpPr>
-              <p:cNvPr id="3" name="Espace réservé du contenu 2"/>
-              <p:cNvSpPr>
-                <a:spLocks noGrp="1" noRot="1" noChangeAspect="1" noMove="1" noResize="1" noEditPoints="1" noAdjustHandles="1" noChangeArrowheads="1" noChangeShapeType="1" noTextEdit="1"/>
-              </p:cNvSpPr>
-              <p:nvPr>
-                <p:ph idx="1"/>
-              </p:nvPr>
-            </p:nvSpPr>
-            <p:spPr>
-              <a:blipFill rotWithShape="0">
-                <a:blip r:embed="rId2"/>
-                <a:stretch>
-                  <a:fillRect l="-467" t="-1733"/>
-                </a:stretch>
-              </a:blipFill>
-            </p:spPr>
-            <p:txBody>
-              <a:bodyPr/>
-              <a:lstStyle/>
-              <a:p>
-                <a:r>
-                  <a:rPr lang="fr-FR">
-                    <a:noFill/>
-                  </a:rPr>
-                  <a:t> </a:t>
-                </a:r>
-              </a:p>
-            </p:txBody>
-          </p:sp>
-        </mc:Fallback>
-      </mc:AlternateContent>
-    </p:spTree>
-    <p:extLst>
-      <p:ext uri="{BB962C8B-B14F-4D97-AF65-F5344CB8AC3E}">
-        <p14:creationId xmlns:p14="http://schemas.microsoft.com/office/powerpoint/2010/main" val="4220192573"/>
-      </p:ext>
-    </p:extLst>
-  </p:cSld>
-  <p:clrMapOvr>
-    <a:masterClrMapping/>
-  </p:clrMapOvr>
-  <mc:AlternateContent xmlns:mc="http://schemas.openxmlformats.org/markup-compatibility/2006" xmlns:p14="http://schemas.microsoft.com/office/powerpoint/2010/main">
-    <mc:Choice Requires="p14">
-      <p:transition spd="med" p14:dur="700">
-        <p:fade/>
-      </p:transition>
-    </mc:Choice>
-    <mc:Fallback xmlns="">
-      <p:transition spd="med">
-        <p:fade/>
-      </p:transition>
-    </mc:Fallback>
-  </mc:AlternateContent>
-  <p:timing>
-    <p:tnLst>
-      <p:par>
-        <p:cTn id="1" dur="indefinite" restart="never" nodeType="tmRoot"/>
-      </p:par>
-    </p:tnLst>
-  </p:timing>
-</p:sld>
-</file>
-
-<file path=ppt/slides/slide8.xml><?xml version="1.0" encoding="utf-8"?>
 <p:sld xmlns:a="http://schemas.openxmlformats.org/drawingml/2006/main" xmlns:r="http://schemas.openxmlformats.org/officeDocument/2006/relationships" xmlns:p="http://schemas.openxmlformats.org/presentationml/2006/main">
   <p:cSld>
     <p:spTree>
@@ -19881,6 +18603,513 @@
     <p:extLst>
       <p:ext uri="{BB962C8B-B14F-4D97-AF65-F5344CB8AC3E}">
         <p14:creationId xmlns:p14="http://schemas.microsoft.com/office/powerpoint/2010/main" val="1087646879"/>
+      </p:ext>
+    </p:extLst>
+  </p:cSld>
+  <p:clrMapOvr>
+    <a:masterClrMapping/>
+  </p:clrMapOvr>
+  <mc:AlternateContent xmlns:mc="http://schemas.openxmlformats.org/markup-compatibility/2006" xmlns:p14="http://schemas.microsoft.com/office/powerpoint/2010/main">
+    <mc:Choice Requires="p14">
+      <p:transition spd="med" p14:dur="700">
+        <p:fade/>
+      </p:transition>
+    </mc:Choice>
+    <mc:Fallback xmlns="">
+      <p:transition spd="med">
+        <p:fade/>
+      </p:transition>
+    </mc:Fallback>
+  </mc:AlternateContent>
+  <p:timing>
+    <p:tnLst>
+      <p:par>
+        <p:cTn id="1" dur="indefinite" restart="never" nodeType="tmRoot"/>
+      </p:par>
+    </p:tnLst>
+  </p:timing>
+</p:sld>
+</file>
+
+<file path=ppt/slides/slide8.xml><?xml version="1.0" encoding="utf-8"?>
+<p:sld xmlns:a="http://schemas.openxmlformats.org/drawingml/2006/main" xmlns:r="http://schemas.openxmlformats.org/officeDocument/2006/relationships" xmlns:p="http://schemas.openxmlformats.org/presentationml/2006/main">
+  <p:cSld>
+    <p:spTree>
+      <p:nvGrpSpPr>
+        <p:cNvPr id="1" name=""/>
+        <p:cNvGrpSpPr/>
+        <p:nvPr/>
+      </p:nvGrpSpPr>
+      <p:grpSpPr>
+        <a:xfrm>
+          <a:off x="0" y="0"/>
+          <a:ext cx="0" cy="0"/>
+          <a:chOff x="0" y="0"/>
+          <a:chExt cx="0" cy="0"/>
+        </a:xfrm>
+      </p:grpSpPr>
+      <p:sp>
+        <p:nvSpPr>
+          <p:cNvPr id="2" name="Titre 1"/>
+          <p:cNvSpPr>
+            <a:spLocks noGrp="1"/>
+          </p:cNvSpPr>
+          <p:nvPr>
+            <p:ph type="title"/>
+          </p:nvPr>
+        </p:nvSpPr>
+        <p:spPr/>
+        <p:txBody>
+          <a:bodyPr>
+            <a:normAutofit/>
+          </a:bodyPr>
+          <a:lstStyle/>
+          <a:p>
+            <a:r>
+              <a:rPr lang="fr-FR" dirty="0"/>
+              <a:t>L’historique : </a:t>
+            </a:r>
+            <a:r>
+              <a:rPr lang="fr-FR" dirty="0" err="1"/>
+              <a:t>périodogramme</a:t>
+            </a:r>
+            <a:endParaRPr lang="fr-FR" dirty="0"/>
+          </a:p>
+        </p:txBody>
+      </p:sp>
+      <mc:AlternateContent xmlns:mc="http://schemas.openxmlformats.org/markup-compatibility/2006">
+        <mc:Choice xmlns:a14="http://schemas.microsoft.com/office/drawing/2010/main" Requires="a14">
+          <p:sp>
+            <p:nvSpPr>
+              <p:cNvPr id="3" name="Espace réservé du contenu 2"/>
+              <p:cNvSpPr>
+                <a:spLocks noGrp="1"/>
+              </p:cNvSpPr>
+              <p:nvPr>
+                <p:ph idx="1"/>
+              </p:nvPr>
+            </p:nvSpPr>
+            <p:spPr/>
+            <p:txBody>
+              <a:bodyPr>
+                <a:normAutofit/>
+              </a:bodyPr>
+              <a:lstStyle/>
+              <a:p>
+                <a:pPr>
+                  <a:buClr>
+                    <a:schemeClr val="tx1">
+                      <a:lumMod val="75000"/>
+                    </a:schemeClr>
+                  </a:buClr>
+                </a:pPr>
+                <a:r>
+                  <a:rPr lang="fr-FR" dirty="0" smtClean="0"/>
+                  <a:t>Un estimateur de la DSP</a:t>
+                </a:r>
+              </a:p>
+              <a:p>
+                <a:pPr marL="0" indent="0">
+                  <a:buClr>
+                    <a:schemeClr val="tx1">
+                      <a:lumMod val="75000"/>
+                    </a:schemeClr>
+                  </a:buClr>
+                  <a:buNone/>
+                </a:pPr>
+                <a14:m>
+                  <m:oMathPara xmlns:m="http://schemas.openxmlformats.org/officeDocument/2006/math">
+                    <m:oMathParaPr>
+                      <m:jc m:val="centerGroup"/>
+                    </m:oMathParaPr>
+                    <m:oMath xmlns:m="http://schemas.openxmlformats.org/officeDocument/2006/math">
+                      <m:sSub>
+                        <m:sSubPr>
+                          <m:ctrlPr>
+                            <a:rPr lang="fr-FR" i="1">
+                              <a:latin typeface="Cambria Math" panose="02040503050406030204" pitchFamily="18" charset="0"/>
+                            </a:rPr>
+                          </m:ctrlPr>
+                        </m:sSubPr>
+                        <m:e>
+                          <m:acc>
+                            <m:accPr>
+                              <m:chr m:val="̂"/>
+                              <m:ctrlPr>
+                                <a:rPr lang="fr-FR" i="1">
+                                  <a:latin typeface="Cambria Math" panose="02040503050406030204" pitchFamily="18" charset="0"/>
+                                </a:rPr>
+                              </m:ctrlPr>
+                            </m:accPr>
+                            <m:e>
+                              <m:r>
+                                <a:rPr lang="fr-FR" i="1">
+                                  <a:latin typeface="Cambria Math" panose="02040503050406030204" pitchFamily="18" charset="0"/>
+                                </a:rPr>
+                                <m:t>𝑆</m:t>
+                              </m:r>
+                            </m:e>
+                          </m:acc>
+                        </m:e>
+                        <m:sub>
+                          <m:r>
+                            <a:rPr lang="fr-FR" i="1">
+                              <a:latin typeface="Cambria Math" panose="02040503050406030204" pitchFamily="18" charset="0"/>
+                            </a:rPr>
+                            <m:t>𝑃</m:t>
+                          </m:r>
+                          <m:r>
+                            <a:rPr lang="fr-FR" i="1">
+                              <a:latin typeface="Cambria Math" panose="02040503050406030204" pitchFamily="18" charset="0"/>
+                            </a:rPr>
+                            <m:t>é</m:t>
+                          </m:r>
+                          <m:r>
+                            <a:rPr lang="fr-FR" i="1">
+                              <a:latin typeface="Cambria Math" panose="02040503050406030204" pitchFamily="18" charset="0"/>
+                            </a:rPr>
+                            <m:t>𝑟𝑖𝑜</m:t>
+                          </m:r>
+                        </m:sub>
+                      </m:sSub>
+                      <m:d>
+                        <m:dPr>
+                          <m:ctrlPr>
+                            <a:rPr lang="fr-FR" i="1">
+                              <a:latin typeface="Cambria Math" panose="02040503050406030204" pitchFamily="18" charset="0"/>
+                            </a:rPr>
+                          </m:ctrlPr>
+                        </m:dPr>
+                        <m:e>
+                          <m:r>
+                            <m:rPr>
+                              <m:sty m:val="p"/>
+                            </m:rPr>
+                            <a:rPr lang="fr-FR">
+                              <a:latin typeface="Cambria Math" panose="02040503050406030204" pitchFamily="18" charset="0"/>
+                            </a:rPr>
+                            <m:t>f</m:t>
+                          </m:r>
+                        </m:e>
+                      </m:d>
+                      <m:r>
+                        <a:rPr lang="fr-FR">
+                          <a:latin typeface="Cambria Math" panose="02040503050406030204" pitchFamily="18" charset="0"/>
+                        </a:rPr>
+                        <m:t>=</m:t>
+                      </m:r>
+                      <m:f>
+                        <m:fPr>
+                          <m:ctrlPr>
+                            <a:rPr lang="fr-FR" i="1">
+                              <a:latin typeface="Cambria Math" panose="02040503050406030204" pitchFamily="18" charset="0"/>
+                            </a:rPr>
+                          </m:ctrlPr>
+                        </m:fPr>
+                        <m:num>
+                          <m:r>
+                            <a:rPr lang="fr-FR" i="1">
+                              <a:latin typeface="Cambria Math" panose="02040503050406030204" pitchFamily="18" charset="0"/>
+                            </a:rPr>
+                            <m:t>1</m:t>
+                          </m:r>
+                        </m:num>
+                        <m:den>
+                          <m:r>
+                            <a:rPr lang="fr-FR" i="1">
+                              <a:latin typeface="Cambria Math" panose="02040503050406030204" pitchFamily="18" charset="0"/>
+                            </a:rPr>
+                            <m:t>𝑁</m:t>
+                          </m:r>
+                          <m:sSub>
+                            <m:sSubPr>
+                              <m:ctrlPr>
+                                <a:rPr lang="fr-FR" i="1">
+                                  <a:latin typeface="Cambria Math" panose="02040503050406030204" pitchFamily="18" charset="0"/>
+                                </a:rPr>
+                              </m:ctrlPr>
+                            </m:sSubPr>
+                            <m:e>
+                              <m:r>
+                                <a:rPr lang="fr-FR" i="1">
+                                  <a:latin typeface="Cambria Math" panose="02040503050406030204" pitchFamily="18" charset="0"/>
+                                </a:rPr>
+                                <m:t>𝑇</m:t>
+                              </m:r>
+                            </m:e>
+                            <m:sub>
+                              <m:r>
+                                <a:rPr lang="fr-FR" i="1">
+                                  <a:latin typeface="Cambria Math" panose="02040503050406030204" pitchFamily="18" charset="0"/>
+                                </a:rPr>
+                                <m:t>𝑒</m:t>
+                              </m:r>
+                            </m:sub>
+                          </m:sSub>
+                        </m:den>
+                      </m:f>
+                      <m:sSup>
+                        <m:sSupPr>
+                          <m:ctrlPr>
+                            <a:rPr lang="fr-FR" i="1">
+                              <a:latin typeface="Cambria Math" panose="02040503050406030204" pitchFamily="18" charset="0"/>
+                            </a:rPr>
+                          </m:ctrlPr>
+                        </m:sSupPr>
+                        <m:e>
+                          <m:d>
+                            <m:dPr>
+                              <m:begChr m:val="|"/>
+                              <m:endChr m:val="|"/>
+                              <m:ctrlPr>
+                                <a:rPr lang="fr-FR" i="1">
+                                  <a:latin typeface="Cambria Math" panose="02040503050406030204" pitchFamily="18" charset="0"/>
+                                </a:rPr>
+                              </m:ctrlPr>
+                            </m:dPr>
+                            <m:e>
+                              <m:sSub>
+                                <m:sSubPr>
+                                  <m:ctrlPr>
+                                    <a:rPr lang="fr-FR" i="1">
+                                      <a:latin typeface="Cambria Math" panose="02040503050406030204" pitchFamily="18" charset="0"/>
+                                    </a:rPr>
+                                  </m:ctrlPr>
+                                </m:sSubPr>
+                                <m:e>
+                                  <m:r>
+                                    <a:rPr lang="fr-FR" i="1">
+                                      <a:latin typeface="Cambria Math" panose="02040503050406030204" pitchFamily="18" charset="0"/>
+                                    </a:rPr>
+                                    <m:t>𝑇</m:t>
+                                  </m:r>
+                                </m:e>
+                                <m:sub>
+                                  <m:r>
+                                    <a:rPr lang="fr-FR" i="1">
+                                      <a:latin typeface="Cambria Math" panose="02040503050406030204" pitchFamily="18" charset="0"/>
+                                    </a:rPr>
+                                    <m:t>𝑒</m:t>
+                                  </m:r>
+                                </m:sub>
+                              </m:sSub>
+                              <m:nary>
+                                <m:naryPr>
+                                  <m:chr m:val="∑"/>
+                                  <m:ctrlPr>
+                                    <a:rPr lang="fr-FR" i="1">
+                                      <a:latin typeface="Cambria Math" panose="02040503050406030204" pitchFamily="18" charset="0"/>
+                                    </a:rPr>
+                                  </m:ctrlPr>
+                                </m:naryPr>
+                                <m:sub>
+                                  <m:r>
+                                    <m:rPr>
+                                      <m:brk m:alnAt="23"/>
+                                    </m:rPr>
+                                    <a:rPr lang="fr-FR" i="1">
+                                      <a:latin typeface="Cambria Math" panose="02040503050406030204" pitchFamily="18" charset="0"/>
+                                    </a:rPr>
+                                    <m:t>𝑘</m:t>
+                                  </m:r>
+                                  <m:r>
+                                    <a:rPr lang="fr-FR" i="1">
+                                      <a:latin typeface="Cambria Math" panose="02040503050406030204" pitchFamily="18" charset="0"/>
+                                    </a:rPr>
+                                    <m:t>=0</m:t>
+                                  </m:r>
+                                </m:sub>
+                                <m:sup>
+                                  <m:r>
+                                    <a:rPr lang="fr-FR" i="1">
+                                      <a:latin typeface="Cambria Math" panose="02040503050406030204" pitchFamily="18" charset="0"/>
+                                    </a:rPr>
+                                    <m:t>𝑁</m:t>
+                                  </m:r>
+                                  <m:r>
+                                    <a:rPr lang="fr-FR" i="1">
+                                      <a:latin typeface="Cambria Math" panose="02040503050406030204" pitchFamily="18" charset="0"/>
+                                    </a:rPr>
+                                    <m:t>−1</m:t>
+                                  </m:r>
+                                </m:sup>
+                                <m:e>
+                                  <m:sSub>
+                                    <m:sSubPr>
+                                      <m:ctrlPr>
+                                        <a:rPr lang="fr-FR" i="1">
+                                          <a:latin typeface="Cambria Math" panose="02040503050406030204" pitchFamily="18" charset="0"/>
+                                        </a:rPr>
+                                      </m:ctrlPr>
+                                    </m:sSubPr>
+                                    <m:e>
+                                      <m:r>
+                                        <a:rPr lang="fr-FR" i="1">
+                                          <a:latin typeface="Cambria Math" panose="02040503050406030204" pitchFamily="18" charset="0"/>
+                                        </a:rPr>
+                                        <m:t>𝑥</m:t>
+                                      </m:r>
+                                    </m:e>
+                                    <m:sub>
+                                      <m:r>
+                                        <a:rPr lang="fr-FR" i="1">
+                                          <a:latin typeface="Cambria Math" panose="02040503050406030204" pitchFamily="18" charset="0"/>
+                                        </a:rPr>
+                                        <m:t>𝑘</m:t>
+                                      </m:r>
+                                    </m:sub>
+                                  </m:sSub>
+                                  <m:r>
+                                    <a:rPr lang="fr-FR" i="1">
+                                      <a:latin typeface="Cambria Math" panose="02040503050406030204" pitchFamily="18" charset="0"/>
+                                      <a:ea typeface="Cambria Math" panose="02040503050406030204" pitchFamily="18" charset="0"/>
+                                    </a:rPr>
+                                    <m:t>∙</m:t>
+                                  </m:r>
+                                  <m:sSup>
+                                    <m:sSupPr>
+                                      <m:ctrlPr>
+                                        <a:rPr lang="fr-FR" i="1">
+                                          <a:latin typeface="Cambria Math" panose="02040503050406030204" pitchFamily="18" charset="0"/>
+                                          <a:ea typeface="Cambria Math" panose="02040503050406030204" pitchFamily="18" charset="0"/>
+                                        </a:rPr>
+                                      </m:ctrlPr>
+                                    </m:sSupPr>
+                                    <m:e>
+                                      <m:r>
+                                        <a:rPr lang="fr-FR" i="1">
+                                          <a:latin typeface="Cambria Math" panose="02040503050406030204" pitchFamily="18" charset="0"/>
+                                          <a:ea typeface="Cambria Math" panose="02040503050406030204" pitchFamily="18" charset="0"/>
+                                        </a:rPr>
+                                        <m:t>𝑒</m:t>
+                                      </m:r>
+                                    </m:e>
+                                    <m:sup>
+                                      <m:r>
+                                        <a:rPr lang="fr-FR" i="1">
+                                          <a:latin typeface="Cambria Math" panose="02040503050406030204" pitchFamily="18" charset="0"/>
+                                          <a:ea typeface="Cambria Math" panose="02040503050406030204" pitchFamily="18" charset="0"/>
+                                        </a:rPr>
+                                        <m:t>−</m:t>
+                                      </m:r>
+                                      <m:r>
+                                        <a:rPr lang="fr-FR" i="1">
+                                          <a:latin typeface="Cambria Math" panose="02040503050406030204" pitchFamily="18" charset="0"/>
+                                          <a:ea typeface="Cambria Math" panose="02040503050406030204" pitchFamily="18" charset="0"/>
+                                        </a:rPr>
+                                        <m:t>𝑗</m:t>
+                                      </m:r>
+                                      <m:r>
+                                        <a:rPr lang="fr-FR" i="1">
+                                          <a:latin typeface="Cambria Math" panose="02040503050406030204" pitchFamily="18" charset="0"/>
+                                          <a:ea typeface="Cambria Math" panose="02040503050406030204" pitchFamily="18" charset="0"/>
+                                        </a:rPr>
+                                        <m:t>2</m:t>
+                                      </m:r>
+                                      <m:r>
+                                        <a:rPr lang="fr-FR" i="1">
+                                          <a:latin typeface="Cambria Math" panose="02040503050406030204" pitchFamily="18" charset="0"/>
+                                          <a:ea typeface="Cambria Math" panose="02040503050406030204" pitchFamily="18" charset="0"/>
+                                        </a:rPr>
+                                        <m:t>𝜋</m:t>
+                                      </m:r>
+                                      <m:r>
+                                        <a:rPr lang="fr-FR" i="1">
+                                          <a:latin typeface="Cambria Math" panose="02040503050406030204" pitchFamily="18" charset="0"/>
+                                          <a:ea typeface="Cambria Math" panose="02040503050406030204" pitchFamily="18" charset="0"/>
+                                        </a:rPr>
+                                        <m:t>𝑓𝑘</m:t>
+                                      </m:r>
+                                      <m:sSub>
+                                        <m:sSubPr>
+                                          <m:ctrlPr>
+                                            <a:rPr lang="fr-FR" i="1">
+                                              <a:latin typeface="Cambria Math" panose="02040503050406030204" pitchFamily="18" charset="0"/>
+                                              <a:ea typeface="Cambria Math" panose="02040503050406030204" pitchFamily="18" charset="0"/>
+                                            </a:rPr>
+                                          </m:ctrlPr>
+                                        </m:sSubPr>
+                                        <m:e>
+                                          <m:r>
+                                            <a:rPr lang="fr-FR" i="1">
+                                              <a:latin typeface="Cambria Math" panose="02040503050406030204" pitchFamily="18" charset="0"/>
+                                              <a:ea typeface="Cambria Math" panose="02040503050406030204" pitchFamily="18" charset="0"/>
+                                            </a:rPr>
+                                            <m:t>𝑇</m:t>
+                                          </m:r>
+                                        </m:e>
+                                        <m:sub>
+                                          <m:r>
+                                            <a:rPr lang="fr-FR" i="1">
+                                              <a:latin typeface="Cambria Math" panose="02040503050406030204" pitchFamily="18" charset="0"/>
+                                              <a:ea typeface="Cambria Math" panose="02040503050406030204" pitchFamily="18" charset="0"/>
+                                            </a:rPr>
+                                            <m:t>𝑒</m:t>
+                                          </m:r>
+                                        </m:sub>
+                                      </m:sSub>
+                                    </m:sup>
+                                  </m:sSup>
+                                </m:e>
+                              </m:nary>
+                            </m:e>
+                          </m:d>
+                        </m:e>
+                        <m:sup>
+                          <m:r>
+                            <a:rPr lang="fr-FR" i="1">
+                              <a:latin typeface="Cambria Math" panose="02040503050406030204" pitchFamily="18" charset="0"/>
+                            </a:rPr>
+                            <m:t>2</m:t>
+                          </m:r>
+                        </m:sup>
+                      </m:sSup>
+                    </m:oMath>
+                  </m:oMathPara>
+                </a14:m>
+                <a:endParaRPr lang="fr-FR" dirty="0" smtClean="0"/>
+              </a:p>
+            </p:txBody>
+          </p:sp>
+        </mc:Choice>
+        <mc:Fallback>
+          <p:sp>
+            <p:nvSpPr>
+              <p:cNvPr id="3" name="Espace réservé du contenu 2"/>
+              <p:cNvSpPr>
+                <a:spLocks noGrp="1" noRot="1" noChangeAspect="1" noMove="1" noResize="1" noEditPoints="1" noAdjustHandles="1" noChangeArrowheads="1" noChangeShapeType="1" noTextEdit="1"/>
+              </p:cNvSpPr>
+              <p:nvPr>
+                <p:ph idx="1"/>
+              </p:nvPr>
+            </p:nvSpPr>
+            <p:spPr>
+              <a:blipFill rotWithShape="0">
+                <a:blip r:embed="rId2"/>
+                <a:stretch>
+                  <a:fillRect l="-467" t="-1733"/>
+                </a:stretch>
+              </a:blipFill>
+            </p:spPr>
+            <p:txBody>
+              <a:bodyPr/>
+              <a:lstStyle/>
+              <a:p>
+                <a:r>
+                  <a:rPr lang="fr-FR">
+                    <a:noFill/>
+                  </a:rPr>
+                  <a:t> </a:t>
+                </a:r>
+              </a:p>
+            </p:txBody>
+          </p:sp>
+        </mc:Fallback>
+      </mc:AlternateContent>
+    </p:spTree>
+    <p:extLst>
+      <p:ext uri="{BB962C8B-B14F-4D97-AF65-F5344CB8AC3E}">
+        <p14:creationId xmlns:p14="http://schemas.microsoft.com/office/powerpoint/2010/main" val="779795304"/>
       </p:ext>
     </p:extLst>
   </p:cSld>

--- a/Analyse spectrale_etienne.pptx
+++ b/Analyse spectrale_etienne.pptx
@@ -6750,7 +6750,7 @@
           <a:p>
             <a:fld id="{043B725B-653D-4166-A8E9-72A38A1847CF}" type="datetimeFigureOut">
               <a:rPr lang="es-ES"/>
-              <a:t>03/11/2014</a:t>
+              <a:t>04/11/2014</a:t>
             </a:fld>
             <a:endParaRPr/>
           </a:p>
@@ -6915,7 +6915,7 @@
           <a:p>
             <a:fld id="{783F64CD-0576-4A9A-BD06-7889D6E60BDC}" type="datetimeFigureOut">
               <a:rPr lang="es-ES"/>
-              <a:t>03/11/2014</a:t>
+              <a:t>04/11/2014</a:t>
             </a:fld>
             <a:endParaRPr/>
           </a:p>
@@ -7506,7 +7506,7 @@
           <a:p>
             <a:fld id="{37CC0096-1860-4642-9CD2-0079EA5E7CD1}" type="datetimeFigureOut">
               <a:rPr lang="es-ES"/>
-              <a:t>03/11/2014</a:t>
+              <a:t>04/11/2014</a:t>
             </a:fld>
             <a:endParaRPr/>
           </a:p>
@@ -7762,7 +7762,7 @@
           <a:p>
             <a:fld id="{37CC0096-1860-4642-9CD2-0079EA5E7CD1}" type="datetimeFigureOut">
               <a:rPr lang="es-ES"/>
-              <a:t>03/11/2014</a:t>
+              <a:t>04/11/2014</a:t>
             </a:fld>
             <a:endParaRPr/>
           </a:p>
@@ -7955,7 +7955,7 @@
           <a:p>
             <a:fld id="{37CC0096-1860-4642-9CD2-0079EA5E7CD1}" type="datetimeFigureOut">
               <a:rPr lang="es-ES"/>
-              <a:t>03/11/2014</a:t>
+              <a:t>04/11/2014</a:t>
             </a:fld>
             <a:endParaRPr/>
           </a:p>
@@ -8500,7 +8500,7 @@
           <a:p>
             <a:fld id="{37CC0096-1860-4642-9CD2-0079EA5E7CD1}" type="datetimeFigureOut">
               <a:rPr lang="es-ES"/>
-              <a:t>03/11/2014</a:t>
+              <a:t>04/11/2014</a:t>
             </a:fld>
             <a:endParaRPr/>
           </a:p>
@@ -8964,7 +8964,7 @@
           <a:p>
             <a:fld id="{37CC0096-1860-4642-9CD2-0079EA5E7CD1}" type="datetimeFigureOut">
               <a:rPr lang="es-ES"/>
-              <a:t>03/11/2014</a:t>
+              <a:t>04/11/2014</a:t>
             </a:fld>
             <a:endParaRPr/>
           </a:p>
@@ -9101,7 +9101,7 @@
           <a:p>
             <a:fld id="{37CC0096-1860-4642-9CD2-0079EA5E7CD1}" type="datetimeFigureOut">
               <a:rPr lang="es-ES"/>
-              <a:t>03/11/2014</a:t>
+              <a:t>04/11/2014</a:t>
             </a:fld>
             <a:endParaRPr/>
           </a:p>
@@ -9215,7 +9215,7 @@
           <a:p>
             <a:fld id="{37CC0096-1860-4642-9CD2-0079EA5E7CD1}" type="datetimeFigureOut">
               <a:rPr lang="es-ES"/>
-              <a:t>03/11/2014</a:t>
+              <a:t>04/11/2014</a:t>
             </a:fld>
             <a:endParaRPr/>
           </a:p>
@@ -10209,7 +10209,7 @@
             <a:fld id="{37CC0096-1860-4642-9CD2-0079EA5E7CD1}" type="datetimeFigureOut">
               <a:rPr lang="es-ES"/>
               <a:pPr/>
-              <a:t>03/11/2014</a:t>
+              <a:t>04/11/2014</a:t>
             </a:fld>
             <a:endParaRPr/>
           </a:p>
@@ -11483,6 +11483,36 @@
           </a:xfrm>
         </p:spPr>
       </p:pic>
+      <p:sp>
+        <p:nvSpPr>
+          <p:cNvPr id="3" name="TextBox 2"/>
+          <p:cNvSpPr txBox="1"/>
+          <p:nvPr/>
+        </p:nvSpPr>
+        <p:spPr>
+          <a:xfrm>
+            <a:off x="47328" y="1628800"/>
+            <a:ext cx="1800200" cy="369332"/>
+          </a:xfrm>
+          <a:prstGeom prst="rect">
+            <a:avLst/>
+          </a:prstGeom>
+          <a:noFill/>
+        </p:spPr>
+        <p:txBody>
+          <a:bodyPr wrap="square" rtlCol="0">
+            <a:spAutoFit/>
+          </a:bodyPr>
+          <a:lstStyle/>
+          <a:p>
+            <a:r>
+              <a:rPr lang="fr-FR" dirty="0" smtClean="0"/>
+              <a:t>Signal = voix</a:t>
+            </a:r>
+            <a:endParaRPr lang="fr-FR" dirty="0"/>
+          </a:p>
+        </p:txBody>
+      </p:sp>
     </p:spTree>
     <p:extLst>
       <p:ext uri="{BB962C8B-B14F-4D97-AF65-F5344CB8AC3E}">
@@ -11715,6 +11745,36 @@
           </a:xfrm>
         </p:spPr>
       </p:pic>
+      <p:sp>
+        <p:nvSpPr>
+          <p:cNvPr id="8" name="TextBox 7"/>
+          <p:cNvSpPr txBox="1"/>
+          <p:nvPr/>
+        </p:nvSpPr>
+        <p:spPr>
+          <a:xfrm>
+            <a:off x="47328" y="1628800"/>
+            <a:ext cx="1800200" cy="369332"/>
+          </a:xfrm>
+          <a:prstGeom prst="rect">
+            <a:avLst/>
+          </a:prstGeom>
+          <a:noFill/>
+        </p:spPr>
+        <p:txBody>
+          <a:bodyPr wrap="square" rtlCol="0">
+            <a:spAutoFit/>
+          </a:bodyPr>
+          <a:lstStyle/>
+          <a:p>
+            <a:r>
+              <a:rPr lang="fr-FR" dirty="0" smtClean="0"/>
+              <a:t>Signal = voix</a:t>
+            </a:r>
+            <a:endParaRPr lang="fr-FR" dirty="0"/>
+          </a:p>
+        </p:txBody>
+      </p:sp>
     </p:spTree>
     <p:extLst>
       <p:ext uri="{BB962C8B-B14F-4D97-AF65-F5344CB8AC3E}">
@@ -11947,6 +12007,36 @@
           </a:xfrm>
         </p:spPr>
       </p:pic>
+      <p:sp>
+        <p:nvSpPr>
+          <p:cNvPr id="8" name="TextBox 7"/>
+          <p:cNvSpPr txBox="1"/>
+          <p:nvPr/>
+        </p:nvSpPr>
+        <p:spPr>
+          <a:xfrm>
+            <a:off x="47328" y="1628800"/>
+            <a:ext cx="1800200" cy="369332"/>
+          </a:xfrm>
+          <a:prstGeom prst="rect">
+            <a:avLst/>
+          </a:prstGeom>
+          <a:noFill/>
+        </p:spPr>
+        <p:txBody>
+          <a:bodyPr wrap="square" rtlCol="0">
+            <a:spAutoFit/>
+          </a:bodyPr>
+          <a:lstStyle/>
+          <a:p>
+            <a:r>
+              <a:rPr lang="fr-FR" dirty="0" smtClean="0"/>
+              <a:t>Signal = voix</a:t>
+            </a:r>
+            <a:endParaRPr lang="fr-FR" dirty="0"/>
+          </a:p>
+        </p:txBody>
+      </p:sp>
     </p:spTree>
     <p:extLst>
       <p:ext uri="{BB962C8B-B14F-4D97-AF65-F5344CB8AC3E}">
@@ -12179,6 +12269,36 @@
           </a:xfrm>
         </p:spPr>
       </p:pic>
+      <p:sp>
+        <p:nvSpPr>
+          <p:cNvPr id="8" name="TextBox 7"/>
+          <p:cNvSpPr txBox="1"/>
+          <p:nvPr/>
+        </p:nvSpPr>
+        <p:spPr>
+          <a:xfrm>
+            <a:off x="47328" y="1628800"/>
+            <a:ext cx="1800200" cy="369332"/>
+          </a:xfrm>
+          <a:prstGeom prst="rect">
+            <a:avLst/>
+          </a:prstGeom>
+          <a:noFill/>
+        </p:spPr>
+        <p:txBody>
+          <a:bodyPr wrap="square" rtlCol="0">
+            <a:spAutoFit/>
+          </a:bodyPr>
+          <a:lstStyle/>
+          <a:p>
+            <a:r>
+              <a:rPr lang="fr-FR" dirty="0" smtClean="0"/>
+              <a:t>Signal = voix</a:t>
+            </a:r>
+            <a:endParaRPr lang="fr-FR" dirty="0"/>
+          </a:p>
+        </p:txBody>
+      </p:sp>
     </p:spTree>
     <p:extLst>
       <p:ext uri="{BB962C8B-B14F-4D97-AF65-F5344CB8AC3E}">
@@ -12419,7 +12539,7 @@
         </p:nvSpPr>
         <p:spPr>
           <a:xfrm>
-            <a:off x="274712" y="3930134"/>
+            <a:off x="24555" y="1644134"/>
             <a:ext cx="1584176" cy="369332"/>
           </a:xfrm>
           <a:prstGeom prst="rect">
@@ -12673,6 +12793,66 @@
           </a:fontRef>
         </p:style>
       </p:cxnSp>
+      <p:sp>
+        <p:nvSpPr>
+          <p:cNvPr id="3" name="TextBox 2"/>
+          <p:cNvSpPr txBox="1"/>
+          <p:nvPr/>
+        </p:nvSpPr>
+        <p:spPr>
+          <a:xfrm>
+            <a:off x="5591944" y="6382056"/>
+            <a:ext cx="1656184" cy="307777"/>
+          </a:xfrm>
+          <a:prstGeom prst="rect">
+            <a:avLst/>
+          </a:prstGeom>
+          <a:noFill/>
+        </p:spPr>
+        <p:txBody>
+          <a:bodyPr wrap="square" rtlCol="0">
+            <a:spAutoFit/>
+          </a:bodyPr>
+          <a:lstStyle/>
+          <a:p>
+            <a:r>
+              <a:rPr lang="fr-FR" sz="1400" dirty="0" smtClean="0"/>
+              <a:t>N° de frame</a:t>
+            </a:r>
+            <a:endParaRPr lang="fr-FR" sz="1400" dirty="0"/>
+          </a:p>
+        </p:txBody>
+      </p:sp>
+      <p:sp>
+        <p:nvSpPr>
+          <p:cNvPr id="4" name="TextBox 3"/>
+          <p:cNvSpPr txBox="1"/>
+          <p:nvPr/>
+        </p:nvSpPr>
+        <p:spPr>
+          <a:xfrm>
+            <a:off x="407368" y="3645024"/>
+            <a:ext cx="1572575" cy="307777"/>
+          </a:xfrm>
+          <a:prstGeom prst="rect">
+            <a:avLst/>
+          </a:prstGeom>
+          <a:noFill/>
+        </p:spPr>
+        <p:txBody>
+          <a:bodyPr wrap="square" rtlCol="0">
+            <a:spAutoFit/>
+          </a:bodyPr>
+          <a:lstStyle/>
+          <a:p>
+            <a:r>
+              <a:rPr lang="fr-FR" sz="1400" dirty="0" smtClean="0"/>
+              <a:t>Fréquence (en Hz)</a:t>
+            </a:r>
+            <a:endParaRPr lang="fr-FR" sz="1400" dirty="0"/>
+          </a:p>
+        </p:txBody>
+      </p:sp>
     </p:spTree>
     <p:extLst>
       <p:ext uri="{BB962C8B-B14F-4D97-AF65-F5344CB8AC3E}">
@@ -13990,8 +14170,8 @@
           </a:p>
         </p:txBody>
       </p:sp>
-      <mc:AlternateContent xmlns:mc="http://schemas.openxmlformats.org/markup-compatibility/2006">
-        <mc:Choice xmlns:a14="http://schemas.microsoft.com/office/drawing/2010/main" Requires="a14">
+      <mc:AlternateContent xmlns:mc="http://schemas.openxmlformats.org/markup-compatibility/2006" xmlns:a14="http://schemas.microsoft.com/office/drawing/2010/main">
+        <mc:Choice Requires="a14">
           <p:sp>
             <p:nvSpPr>
               <p:cNvPr id="3" name="Espace réservé du contenu 2"/>
@@ -14430,11 +14610,7 @@
                 </a:r>
                 <a:r>
                   <a:rPr lang="fr-FR" smtClean="0"/>
-                  <a:t>et </a:t>
-                </a:r>
-                <a:r>
-                  <a:rPr lang="fr-FR" smtClean="0"/>
-                  <a:t>de la </a:t>
+                  <a:t>et de la </a:t>
                 </a:r>
                 <a:r>
                   <a:rPr lang="fr-FR" dirty="0" smtClean="0"/>
@@ -14478,7 +14654,7 @@
             </p:txBody>
           </p:sp>
         </mc:Choice>
-        <mc:Fallback>
+        <mc:Fallback xmlns="">
           <p:sp>
             <p:nvSpPr>
               <p:cNvPr id="3" name="Espace réservé du contenu 2"/>
@@ -17968,8 +18144,8 @@
           </a:p>
         </p:txBody>
       </p:sp>
-      <mc:AlternateContent xmlns:mc="http://schemas.openxmlformats.org/markup-compatibility/2006" xmlns:a14="http://schemas.microsoft.com/office/drawing/2010/main">
-        <mc:Choice Requires="a14">
+      <mc:AlternateContent xmlns:mc="http://schemas.openxmlformats.org/markup-compatibility/2006">
+        <mc:Choice xmlns:a14="http://schemas.microsoft.com/office/drawing/2010/main" Requires="a14">
           <p:sp>
             <p:nvSpPr>
               <p:cNvPr id="3" name="Espace réservé du contenu 2"/>
@@ -18080,6 +18256,31 @@
                             </a:rPr>
                             <m:t>𝑁</m:t>
                           </m:r>
+                          <m:r>
+                            <a:rPr lang="fr-FR" b="0" i="1" smtClean="0">
+                              <a:latin typeface="Cambria Math" panose="02040503050406030204" pitchFamily="18" charset="0"/>
+                            </a:rPr>
+                            <m:t>−</m:t>
+                          </m:r>
+                          <m:d>
+                            <m:dPr>
+                              <m:begChr m:val="|"/>
+                              <m:endChr m:val="|"/>
+                              <m:ctrlPr>
+                                <a:rPr lang="fr-FR" b="0" i="1" smtClean="0">
+                                  <a:latin typeface="Cambria Math" panose="02040503050406030204" pitchFamily="18" charset="0"/>
+                                </a:rPr>
+                              </m:ctrlPr>
+                            </m:dPr>
+                            <m:e>
+                              <m:r>
+                                <a:rPr lang="fr-FR" b="0" i="1" smtClean="0">
+                                  <a:latin typeface="Cambria Math" panose="02040503050406030204" pitchFamily="18" charset="0"/>
+                                </a:rPr>
+                                <m:t>𝑘</m:t>
+                              </m:r>
+                            </m:e>
+                          </m:d>
                         </m:den>
                       </m:f>
                       <m:r>
@@ -18565,7 +18766,7 @@
             </p:txBody>
           </p:sp>
         </mc:Choice>
-        <mc:Fallback xmlns="">
+        <mc:Fallback>
           <p:sp>
             <p:nvSpPr>
               <p:cNvPr id="3" name="Espace réservé du contenu 2"/>
@@ -18677,8 +18878,8 @@
           </a:p>
         </p:txBody>
       </p:sp>
-      <mc:AlternateContent xmlns:mc="http://schemas.openxmlformats.org/markup-compatibility/2006">
-        <mc:Choice xmlns:a14="http://schemas.microsoft.com/office/drawing/2010/main" Requires="a14">
+      <mc:AlternateContent xmlns:mc="http://schemas.openxmlformats.org/markup-compatibility/2006" xmlns:a14="http://schemas.microsoft.com/office/drawing/2010/main">
+        <mc:Choice Requires="a14">
           <p:sp>
             <p:nvSpPr>
               <p:cNvPr id="3" name="Espace réservé du contenu 2"/>
@@ -19072,7 +19273,7 @@
             </p:txBody>
           </p:sp>
         </mc:Choice>
-        <mc:Fallback>
+        <mc:Fallback xmlns="">
           <p:sp>
             <p:nvSpPr>
               <p:cNvPr id="3" name="Espace réservé du contenu 2"/>
